--- a/slides/nlp p05 sequence modeling/nlp p05.1 rnn.pptx
+++ b/slides/nlp p05 sequence modeling/nlp p05.1 rnn.pptx
@@ -5,7 +5,7 @@
     <p:sldMasterId id="2147483648" r:id="rId1"/>
   </p:sldMasterIdLst>
   <p:notesMasterIdLst>
-    <p:notesMasterId r:id="rId13"/>
+    <p:notesMasterId r:id="rId14"/>
   </p:notesMasterIdLst>
   <p:sldIdLst>
     <p:sldId id="256" r:id="rId2"/>
@@ -18,7 +18,8 @@
     <p:sldId id="381" r:id="rId9"/>
     <p:sldId id="382" r:id="rId10"/>
     <p:sldId id="383" r:id="rId11"/>
-    <p:sldId id="384" r:id="rId12"/>
+    <p:sldId id="385" r:id="rId12"/>
+    <p:sldId id="384" r:id="rId13"/>
   </p:sldIdLst>
   <p:sldSz cx="9144000" cy="6858000" type="screen4x3"/>
   <p:notesSz cx="6858000" cy="9144000"/>
@@ -882,6 +883,312 @@
 </inkml:ink>
 </file>
 
+<file path=ppt/ink/ink24.xml><?xml version="1.0" encoding="utf-8"?>
+<inkml:ink xmlns:inkml="http://www.w3.org/2003/InkML">
+  <inkml:definitions>
+    <inkml:context xml:id="ctx0">
+      <inkml:inkSource xml:id="inkSrc0">
+        <inkml:traceFormat>
+          <inkml:channel name="X" type="integer" min="-2.14748E9" max="2.14748E9" units="cm"/>
+          <inkml:channel name="Y" type="integer" min="-2.14748E9" max="2.14748E9" units="cm"/>
+          <inkml:channel name="F" type="integer" max="32767" units="dev"/>
+        </inkml:traceFormat>
+        <inkml:channelProperties>
+          <inkml:channelProperty channel="X" name="resolution" value="1000" units="1/cm"/>
+          <inkml:channelProperty channel="Y" name="resolution" value="1000" units="1/cm"/>
+          <inkml:channelProperty channel="F" name="resolution" value="0" units="1/dev"/>
+        </inkml:channelProperties>
+      </inkml:inkSource>
+      <inkml:timestamp xml:id="ts0" timeString="2022-11-21T14:15:16.495"/>
+    </inkml:context>
+    <inkml:brush xml:id="br0">
+      <inkml:brushProperty name="width" value="0.05292" units="cm"/>
+      <inkml:brushProperty name="height" value="0.05292" units="cm"/>
+      <inkml:brushProperty name="color" value="#0070C0"/>
+    </inkml:brush>
+    <inkml:brush xml:id="br1">
+      <inkml:brushProperty name="width" value="0.05292" units="cm"/>
+      <inkml:brushProperty name="height" value="0.05292" units="cm"/>
+      <inkml:brushProperty name="color" value="#00B050"/>
+    </inkml:brush>
+  </inkml:definitions>
+  <inkml:trace contextRef="#ctx0" brushRef="#br0">7118 17193 11788,'17'0'465,"-1"1"-386,-9 2-23,2 0 22,6 1 12,3 2 5,19 3-84,-3-1-5,0-1 39,-2-3-12,-14-3-27,12 0-6,-12-1 22,15 0 17,7 0-39,16-2-5,2 0 5,0-1 0,-22 2 5,5 0-5,-17 1 0,12 0 0,-16 0 0,13 0 0,-13 0 0,4 1 0,-6-1 51,7 4-51,-6-2-6,15 5 6,4 5 0,-5-3 6,5 3 39,-17-7-34,2-1-11,0-1-11,1-2 5,10 0 12,-6-1-12,18 0 6,-18 0 6,16 0 5,-8 0 28,17 0-33,-16 0-12,4 0 6,-17 0 0,8 0 0,-7-2 11,6 0-11,-12-1 0,0 1 0,8-2 6,-6 1-1,17-3 12,-7 2 17,0-1-23,3 2 45,-9 2-45,-1 0 118,5 1-123,-12 0 55,6 0-22,-6 0 23,1 0 89,13 0-140,-7 0 85,19 0-18,-5-2 45,-1 1-84,-5-1-156,-16 0-673,-9-3 790,-8-7 0,0 5 0,-3-4 0</inkml:trace>
+  <inkml:trace contextRef="#ctx0" brushRef="#br0" timeOffset="3233">3500 16216 10830,'11'51'1378,"-1"-5"-1030,-9-20-57,1 5-129,-1 6-22,1 5-53,0 5 0,0 4-84,-1-5 0,-1 3 15,1-3 1,0 3 0,0-3-519,0 2 0,-1-3 466,0 9 1,0-4 238,0 5-180,0-15 1,0-2-26,0 2-23,0 21 23,0-27-45,0 22 12,0-17 117,0-1-73,0-8 0,1-11 744,-1-5-816,0-5-51,0-7-348,0-2 623,3 0-130,-3 0 18,3 0-40,-1 0 0,4 0 0,2 0-5,2 0 11,7 2 33,-5-1-50,13 5 6,-8-2 55,7 2-55,-6-2 33,1 0-33,9 3-45,2-1 27,22 0 18,-7-3 44,20-6-44,-28 1-6,3-3 0,-22 3 6,0 1-1,10 1 6,15 0-5,6 0-6,-1 0 11,4 0-5,-6-1-6,-9 0 0,0-1 11,12 0-11,5-1 0,-29 2 0,9 1 0,-7 0 0,7 0 0,1 0 0,3-1 0,-1-1 6,7-1 10,-1 0 24,4 0-74,-3 2 68,-12 1-68,-9-1 34,0 0-17,13-3 17,-9 0 0,9-1 6,-10 0-6,-1 1 0,12-1 11,5-1-3,-8 4 1,2-1-4,29 1 1,-17 1 0,-1 0-6,10 1 0,-16 0 0,-1 0 0,-3 0 0,10 0-6,-15 0 40,27 6-34,-5-1-6,10 2 20,-18-4 0,0-1-14,-9-1 0,-1 1-671,7-1 0,-2 1 665,20 0-71,-26 1 77,14 2 0,-8-1 0,11 1 6,5 0 0,7 0-6,0-2 0,-24-1 0,0-1 0,-2 2 0,0 0 0,2 1 0,0 0 0,-3 0 0,-1 1 0,16 4 1331,-15-2-1320,-3-1 1,0-1-12,11 1 0,-11-2 0,-1-1 5,3 0 77,-2-1-116,13 0 34,2 2 6,-10-1 0,2 0-9,-6 0 0,-1-1 3,1 1 0,-1-1 3,1-1 0,-2 0-31,9-1 28,13 1 0,-16-1 5,-1 0-10,0 0 10,-1 0-5,30 0 0,-7 0 0,-25 0 0,1 1 0,-1-1 0,0 2 0,24 1 17,-12-2 0,1 0-17,17 1-6,-26-2 1,-2 0 5,2 0-34,18 0 40,-14 0-1,12 0-10,1 0 5,3 0 0,-2-1-17,10-2 11,-9-1 6,0-2 0,-9 2 0,-18 1 0,-10 2 0,18 0 0,-15 1 0,14 0 0,-19 0 0,6 0 0,-8 0 56,10 0-134,-2 0-45,-6 0 111,3-2-100,-9-2 79,-5 0 72,6 0-39,-9 3-78,0-1-158,-4 1 35,-1-4 380,0-2-56,0-9-106,0 0-11,-2-14-6,0 8 11,-2-6-11,2 9 0,0-2 0,-1-1 0,2-4-39,-4-27 55,1 4 12,-2-10-28,1 5 6,1 7 36,3 8 0,-1-2 31,1-14-37,0 21 1,1 0-32,0-2 65,0 2 0,0-1-70,0-7 0,0-22 28,-2 32-11,-3-11-11,0 10 50,-4-20-45,-1 5 78,0 4-44,2 8-39,4 20 5,2 7-73,-1-2 62,2 3 40,-2-2-35,2 5-5,0 3-425,1 0-1990,-2 1 2415,0 0 0,0 1 0,0 0 0</inkml:trace>
+  <inkml:trace contextRef="#ctx0" brushRef="#br0" timeOffset="5692">3547 16312 9878,'42'-3'437,"-4"1"-263,-20 2-57,2 0-44,2 0 0,3 0-34,13 0 17,-7-1 34,24-1-51,-22 0 11,22-2 23,-11 3-45,23-1-28,-22 2 11,4 0-5,-22 0 5,11-1 0,-7 0-5,10-1 11,-12-1 39,2-1-56,0-1 0,2-1-23,-1-1 107,15-2-84,3 1 12,0 1-1,14 0 0,-7 3-5,2-1-4,-21 2 1,-1 1-741,7-1 738,15-1 5,-20 1-5,-1 1 11,-5 0 1,3 2 5,26-1-12,-16 0 1,1 1-6,14 0 11,-22-1 0,2-1 22,2 1 1,-1 0-31,-7 0 0,0 0-3,5 0 0,-4 1 0,1 0 56,16 0-56,-12 0 5,-6 0 1,0 0-6,8 0 3,-6 0 0,-1 0-3,8 0 2,-8 1 1,2-1 48,26 0-49,-14 0 1,3 0 22,-6 0 1,0 0 343,-2 0 0,0 0-358,13 0 1,-3 0-7,4 2-5,-13-1 0,-2 0-11,0 4 17,17 1-1,-14 0 3,-10-3 1,3 0-6,-1-1 0,0 1-3,2-1 0,0 1 0,5 0 0,-1 0 5,9 2 1,10 3-1,-29-4 35,10 2-40,-14-3 5,0 0 12,29 1-11,-7-2 2,-14-1 0,-1 1-8,12-1 12,10 0-12,2 2 5,-11-1-5,7 0-5,-26-1-46,14 0 46,-12-1 10,27 0 1,-27 0-6,11 0 0,-16 0 0,-1 0 17,12 0-12,2 4 40,24 4-34,-10 1-11,-1 0 11,-17-6-5,-9-1-6,-2-1 0,13 1 11,-9-1 40,17 3-46,-21 0-5,16 2-22,-12-2 27,13-1 40,-10-3-45,-6-1 34,-8 0-23,-11 1-5,1 0 5,-5 0 28,1 0-5,1 0-34,-1 2-6,5 1 12,1 4 5,2-1-11,6 0 0,3-3 0,-1 0-11,11-2 22,-14-1-11,5 0 0,-10 0 11,-1 1-5,4 1-6,-4-2-264,6 1 264,-9-1 0,-2 0 0,-4 0 0</inkml:trace>
+  <inkml:trace contextRef="#ctx0" brushRef="#br0" timeOffset="7830">9856 11287 11217,'3'34'557,"1"1"1,3 29-180,-2-18 0,0 0-266,2 16-70,-1-10 0,0-1 19,-1 6-47,-2-18 0,0 1-8,-1 17 13,0-15 1,-1 1-14,-1 12-6,0-8-11,0-15-101,0-23-1827,0-5-121,0-6 2060,0-4 0,0 2 0,0-1 0</inkml:trace>
+  <inkml:trace contextRef="#ctx0" brushRef="#br0" timeOffset="12562">9832 11382 8780,'48'-29'1384,"-10"7"-1149,-13 7-33,-7 8 162,6 4-235,-6 6 173,13 13-84,-14 0-50,14 16-100,-14-13-91,10 12 46,-12-6 245,-3 20-262,-10-12 89,-9 10-27,-7-16 78,-21 17-146,11-20-146,-13 8 146,19-26 112,-3-4-106,7-5-12,-1-2-67,11-1 68,7 0-7,4 5 63,7 4-12,2 3-5,18 17-74,-10-7 1,13 10-135,-18-11-11,4 20 320,-12-1-71,-7 0 0,-5 1 116,-16 19-141,0-17 1,-2-2-40,-10 2 28,-4-5 16,13-25 68,-1-3-61,-3-3-51,-4-2-740,-33-14-1427,14-5 240,-8-6 1856,32 3 1,19 14 0,3 3 0</inkml:trace>
+  <inkml:trace contextRef="#ctx0" brushRef="#br0" timeOffset="12960">10332 11763 11586,'16'64'457,"-7"-22"0,-3 0-373,-3 2-1278,3 14 410,-2-34-380,1-17-1760,-1-16 2924,-3-6 0,0 5 0,-1 2 0</inkml:trace>
+  <inkml:trace contextRef="#ctx0" brushRef="#br0" timeOffset="13144">10308 11573 10735,'10'-1'431,"-3"0"-531,-7 1-516,0 0-577,10-17-2330,-4 13 3523,8-12 0,-9 16 0,-2 0 0</inkml:trace>
+  <inkml:trace contextRef="#ctx0" brushRef="#br0" timeOffset="13594">10641 11740 13519,'-18'31'353,"0"0"0,-14 26-152,18-23-139,3 0-62,5 2-23,4-4 23,6-2-11,25 2-62,2-17 73,18-14 40,-18-16-29,-2-30-118,-17-14-33,-9 8-207,-13-4-134,-12 30 139,-2 4 90,-2 2-241,3 6-213,5 4-2795,5 3 3501,7 3 0,3 2 0,3 0 0</inkml:trace>
+  <inkml:trace contextRef="#ctx0" brushRef="#br0" timeOffset="13878">10689 11406 13306,'9'51'549,"1"1"0,0 4 0,0 0-513,1 4 0,-1-3-861,-1-9 0,0-1 223,3 5 0,0-5-334,3-2-481,2 1 223,-5-30-2710,-4-9 3965,-1-5 0,-4-2 0,-2 0 0</inkml:trace>
+  <inkml:trace contextRef="#ctx0" brushRef="#br0" timeOffset="14128">10998 11787 12304,'11'56'504,"1"3"-3019,-1-27 2515,1-8 0,-2-7 0,-5-17 0</inkml:trace>
+  <inkml:trace contextRef="#ctx0" brushRef="#br0" timeOffset="14310">10974 11549 11525,'-10'-24'2800,"2"5"-2800,11-16-901,14 17-1049,-1-21 1950,11 30 0,-16 7 0,-2 2 0</inkml:trace>
+  <inkml:trace contextRef="#ctx0" brushRef="#br0" timeOffset="15012">11165 11787 11413,'8'44'330,"0"-1"1,-1-2 0,0-3-343,3 9-106,-3-17 124,-1-13 56,-3-14 95,2-13-40,-3-3-16,2-14 11,0-17 28,4-6 11,9-11-145,-1 18-12,12 12-2481,9 32 2487,1 10 0,-9 2 0,-12 1 0</inkml:trace>
+  <inkml:trace contextRef="#ctx0" brushRef="#br0" timeOffset="15394">11522 11811 12046,'33'14'714,"0"1"0,26 4-535,-51-27-67,3-4-22,-6-3-6,-2-2-11,-2 2-23,-2-1 12,-21-12-51,-4 10 51,-8-3 117,-1 31-6,21 26-100,0 8-45,15-4 0,5 2-999,5 9 971,0-18 0,2-2-34,11 3-274,5-11-459,9-16-1704,1-14 2471,5-14 0,-21 7 0,-7 0 0</inkml:trace>
+  <inkml:trace contextRef="#ctx0" brushRef="#br0" timeOffset="16011">12046 11763 12595,'-46'35'1176,"3"8"-907,29-8-213,1 1-6,30 7-44,1-20-6,33 5-247,-16-19-1808,26-4 235,-28-10 1820,6-3 0,-25 1 0,-6 1 0</inkml:trace>
+  <inkml:trace contextRef="#ctx0" brushRef="#br0" timeOffset="16311">12284 11501 15104,'9'57'229,"-2"1"-226,-4-15 0,-1 2 0,0-11 0,1 1-3,1 14 0,2-2-280,2 10-258,2-5-145,-1-14-398,1-10-2000,1-17 3081,-3-14 0,-2-3 0,-4-2 0</inkml:trace>
+  <inkml:trace contextRef="#ctx0" brushRef="#br0" timeOffset="16494">12165 11620 11250,'-1'-9'891,"0"1"-695,53 18-504,-5-1-250,-10-3 1,2 2 557,2 1 0,-5-1 0,-10-2 0,14 5 0</inkml:trace>
+  <inkml:trace contextRef="#ctx0" brushRef="#br0" timeOffset="16664">12546 11644 10606,'10'16'1666,"-2"21"1,-2 6-1281,-1 6-736,0 3 0,1-6 350,4-25 0,-5-2 0,0-36 0</inkml:trace>
+  <inkml:trace contextRef="#ctx0" brushRef="#br0" timeOffset="16830">12498 11430 11715,'62'21'-753,"-17"-7"1,-37-8 0</inkml:trace>
+  <inkml:trace contextRef="#ctx0" brushRef="#br0" timeOffset="17212">12903 11716 13777,'-34'52'828,"8"-4"-783,19-11-50,9-2-51,11 2 22,1-16 45,11-12 28,-11-16 40,5-17-34,-10 0-40,-1-27-5,-5 18-173,-7-10-275,-6 12-292,-6 1-907,-11-3 1647,5 14 0,3 2 0,10 14 0</inkml:trace>
+  <inkml:trace contextRef="#ctx0" brushRef="#br0" timeOffset="17845">13093 11668 12169,'0'60'1042,"0"-5"-790,0-19-50,0-2-102,-1 12-206,3-22 212,12-18-44,-2-23-28,11-23 27,5-21-55,-10 26-6,13-15 157,-18 41-45,2 13-62,-5 11-44,8 47-538,-4-8 151,-6-19 0,1-3-2834,10 6 3215,-2-30 0,-3-2 0,-3-9 0</inkml:trace>
+  <inkml:trace contextRef="#ctx0" brushRef="#br0" timeOffset="18228">13498 11668 12909,'-12'48'446,"0"-1"0,3-2 0,1-3-446,2 7-56,5-12 50,5-23-38,7-7 44,0-11-51,5-8 46,-4-11-1,-1-4 62,4-34-6,-8 10 1,1-14-6,-4 45 139,10 58-184,-1 2 0,-2-5 0,1 0-369,6-1-897,7-6-1042,1-10 2308,3-9 0,-14-5 0,-3-4 0</inkml:trace>
+  <inkml:trace contextRef="#ctx0" brushRef="#br0" timeOffset="18745">13926 11263 13273,'4'49'390,"0"-1"0,-1 2 0,-1-1-208,-2-7 0,-2 2 64,1 18 1,0 2-222,0-12 0,1 1-966,1-6 0,2 1 1,2-4 940,3-4 0,2-5 0,4 23 0,1-37 0</inkml:trace>
+  <inkml:trace contextRef="#ctx0" brushRef="#br0" timeOffset="19828">15259 11358 10181,'-8'39'466,"-1"0"1,-2 26 0,2-1-182,3 3-156,2-14 0,-1 1 8,2-16 1,0-5-138,1 4-6,-1 8-72,3-40 100,0-2 186,0-28-77,1-7 1,0-6-37,1-17 0,-1-4-53,1 2 0,0 0 22,0 1 1,1 4 8,3-4 156,10-7-122,0 27 94,9-7-105,-2 29 60,4 7 46,23 31-84,-20 13-74,-11 2 1,-9 4-82,-15-5 1,-6 0 2,-1-2 1,-5-2-46,-9-4 1,-3-4 73,-4-1-1,-8 1 1,21-17-35,6-4 35,6-2-113,5-1 225,10 8-18,5 3 57,28 23-90,-5-7-34,-2-3 1,2 1-35,19 11-1355,-18-18 1,-1-1-3837,8 2 5203,-7-13 0,-28-8 0,-4-2 0</inkml:trace>
+  <inkml:trace contextRef="#ctx0" brushRef="#br0" timeOffset="20429">15736 11382 12774,'1'40'409,"1"-1"0,0 22 0,-1-1-356,-2-20 0,-1 0-48,-1 15 1,0-1-45,-2 6-588,0-25 498,4-29 129,0-16 11,1-12-11,1-12 61,0-10 1,0-6-59,1 5 0,0-2 42,2-18 0,1 2-17,-1 23 0,1 6 336,13-10 28,5 90-353,-4-8-39,-6 6 0,-3 2 5,1 12 6,-4-19 1,0 0-7,2 16-36,-1-18 1,-1-3 2,1-10 78,8-16 6,-5-34-37,1-17 1,0-10-65,-3-4 1,-2-4-604,-1 14 0,0-3 1,-2 4-87,1-4 0,-2 5 734,-1-11 0,-2 47 0,0 2 0</inkml:trace>
+  <inkml:trace contextRef="#ctx0" brushRef="#br0" timeOffset="20959">16116 11406 12892,'10'42'500,"-1"0"0,0-1 1,-2-2-266,-3 18-134,-1 0-65,-3-19 0,0 1 4,0 23-365,0-12 325,5-63-13,-1-23 0,-2-16 0,1 1-29,0-5 0,0-2-98,0 1 0,-1-4 0,0 8 109,-1 16 1,0 5 30,4-18 0,3 18 0,5 9 117,1 10 118,2 9-67,1 18-33,6 39-57,-6 0-8,-3-3 0,-2 4 11,-2-12 1,-1-1-54,3 8 0,0-3-28,4 6 72,1-22 449,-7-45-457,2-24 1,-2-7-65,2-19-90,-3 7 0,-1 0-341,-6-8-230,-1 11-884,-1 11 1545,-4 17 0,3 13 0,-2 9 0</inkml:trace>
+  <inkml:trace contextRef="#ctx0" brushRef="#br0" timeOffset="22230">12093 12406 13905,'-36'38'1003,"1"2"-734,7-7-113,-3 10-10,-2 13-62,12-3 1,2 7-65,9-15 1,1 2-1,3 3-371,1 10 1,2 2 0,4-2 269,2-12 1,3-3 0,7-2-415,10 1 1,8-4 0,1-8-394,2-11 0,4-5 888,23 3 0,-2-7 0,-14-11 0,3-1 0</inkml:trace>
+  <inkml:trace contextRef="#ctx0" brushRef="#br0" timeOffset="23046">12546 12740 10556,'-5'36'485,"0"-1"0,1 11 1,1-3-32,4 7-135,1 16-223,1-23-1,1 5-95,-3-19-95,1 1-437,-2-34 632,1-21-16,-1-12-62,0 0 1,0-4 22,0 0 0,0 0-12,1-1 1,1 0 120,4-7 0,3 3 31,6 2 140,21-1-129,-12 33 56,17 24-129,-15 19-62,-4 8 23,-11 20-156,-37 1 21,8-14-78,-23-1-44,17-34-62,5-6 39,2-7 78,8-5-39,5-11 157,11 5 51,20 0-18,0 15 85,28 21-101,-12 15 64,-18-6 0,-3 2 121,4 13-18,-12 3-60,-20-28-18,-28 12-112,6-17-66,-23 5-197,19-19-224,0-14-840,-2-17 1333,14-3 0,3-2 0,-4-4 0,1-9 0</inkml:trace>
+  <inkml:trace contextRef="#ctx0" brushRef="#br0" timeOffset="23966">12974 12621 11810,'7'35'364,"-1"0"1,6 31-169,-9-22-1802,1 2 1768,-3 1-72,1-4-29,-2-3 503,1-6-524,-1-2 126,0-14-222,0-18 67,0-15 40,0-20-23,2-6 0,1-3-23,3-14 461,0 9 0,2 2-421,7-2 0,4 8-40,0 13 51,2 12 269,12 29-263,-12 18 10,2 10-72,-23 20-397,-24-9 66,0-17 1,-3-2 330,-14 10 0,-6-8-73,33-28 286,20 0 45,12 0-96,22 3 0,5 3-126,-10-1 1,2 0-37,16 8-168,-14-4 0,-1-1 168,14 0 0,-19-2 0,-6-9 0</inkml:trace>
+  <inkml:trace contextRef="#ctx0" brushRef="#br0" timeOffset="24513">13522 12740 12841,'2'38'270,"0"1"1,0-4 0,-2 0-58,-5 21-39,-2-4-202,0-1-224,2-24-79,3-27 203,8-53 94,-1 7 25,0-4 1,2-2 5,-2 15 1,0 2 2,0 0 0,1 3 274,9-14 96,-4 41-135,13 39-230,-7 6 23,-1 4 0,1 4 36,-4-8 1,-1 1-130,4 8 1,0-2 137,7 5 67,-4-30-140,-1-77-117,-7-10-240,-4 18 0,0-3-268,-4 5 1,-1 1-1168,0 5 1,-1 2 1791,0-28 0,-1 33 0,0 16 0</inkml:trace>
+  <inkml:trace contextRef="#ctx0" brushRef="#br0" timeOffset="25196">14117 12644 11754,'-3'43'388,"1"-1"1,-1 8 0,-1-1-174,0-9 1,0-2-143,-4 25-73,-1-6-34,5-42-380,1-9 414,2-9 39,0-10 45,1-11-84,0-8 0,3-32 64,2 19 1,2 0-65,-1 9 0,2 1 280,10-29 45,4 82-253,-6 12 46,8 30-112,-5-5 22,-5-16 0,-1 1-1015,7 16 1020,-8-21 1,0-3-34,1 0 17,4-13 285,1-33-262,2-34-236,-12 5 0,-2-3-275,-1 5 1,-1-1 470,-3-15 0,0 5 0,-1 14 0,0-11 0</inkml:trace>
+  <inkml:trace contextRef="#ctx0" brushRef="#br0" timeOffset="25596">14617 12335 10830,'19'33'1135,"1"1"0,3 12 1,-1 4-660,-7 8 0,-3 2-1978,1 1 0,-3 4 1595,-8-1 1,-3 5 0,-3-5-61,-5-4 1,-3-1 5,1-9 0,-3 3 0,-1-6 14,-5-2 1,-1-4-38,1-3 1,0-2-62,-4-3 1,0-4-724,-10 6-6593,-28-21 7361,27-25 0,-2-4 0,24 3 0</inkml:trace>
+  <inkml:trace contextRef="#ctx0" brushRef="#br1" timeOffset="41415">17426 8858 13037,'0'-19'252,"1"0"-5,-3 0-85,1-4 73,-4-15-145,-1 3 33,-4-13-67,4 21-22,0-2 33,4 16 0,0-4 12,-1 3-29,1-3 0,-1 3-44,1-1 72,-1-8-72,1 5 100,-2-13-27,2 8 27,-1-14-106,2 12 0,-1-4 51,2 13 5,0-18-51,0 13 51,-2-13-50,2 17 27,-1 0-33,-1 0 0,2 1 17,0-7 34,0-6-35,0-3-4,0 1-7,0 8 1,1 5-1,2-7 35,0 4-40,1-6 5,-1 7 29,-1 1-17,0-16 33,-1 8-5,-1-19-84,0 13 39,0 3 67,0-1-22,0 12-12,0-7-15,0 7-13,0-1-5,0 1 6,0-1 27,-1 2-21,-2-10-12,2-1 5,-1-1 6,1-8-5,1 5 39,1-19-40,0 17 1,1-5 0,-2 19-6,0-20 0,0 15 0,0-16 5,1 21 1,0-8-1,-1 7 7,1-16-12,1-5 0,0-5 5,0 3 1,1 11-6,-3 12 39,1-9-33,-1 6-6,0-5 5,0 7-5,0 2-17,2-19 23,1 5-6,4-16 0,-1 19 6,1-5 5,-2 6-6,0 1 1,1-11 0,-4 17 5,1-14-11,-2 18 39,0-8-22,-1 14 22,0-4-28,0 2-5,0-3-12,0-7 12,0 3-6,0 0 5,0-2-5,0 10 56,0-4-5,0 10-23,0 1-34,0 7-229,0 0 241,-3 1 33,1 1-34,-2 0 57,2 1-6,0 0 0,0-1-17,-1 0-28,1 0 29,-2-1-1,-4 1-22,-1 0 16,-9 1-27,-1 1-1,-2 0 12,-8-1 17,13-1-23,-7 1 39,10-2-50,-5 1 0,4-1 45,-7 0-6,10 0-33,-3 0 22,2 0-78,2 0 5,-5 0 34,3 0 11,-10 0 11,0 1 0,-4-1-5,1 2-6,4-1 5,0 1 1,-13 0 27,7-1-33,-20 1 6,18-1 5,-21 1 0,7-1-5,-21 2 5,10-1-5,6 0-1,8-1-10,19-1 5,-6 1-11,12-1 5,3 0 6,-1 0-6,5 0-22,0 0 62,5 0-28,2 0-6,-2 0 0,1 0 5,-1 0-5,0 0 6,-2 0-6,1 0-39,-7 0-12,2 0 51,-5 0 90,-9-2-96,-8 0 12,-15-2-6,6 1 95,-15 1-173,-8 0 72,11 1 6,-10 0-6,29 1 6,-16 0 0,12 0 0,-23 0 0,25 0 6,-9 1-6,16 0 0,0 1 0,-8 0 11,0 0-5,-12 0-1,11-1-5,5 1 6,5-2-6,11 0-6,-5 0 1,4 0 5,-1 0-11,-10 2 11,5 1 0,-20 1 33,7-1-27,-24 0-12,9-1 6,1-1 17,3-1-17,19 1-22,-19-1 22,19 2-6,-20 1 45,19-2-39,-18 2 6,9-2-6,0 0 0,-7 0 5,8-1-5,0 2 0,-8 1-5,18 0 5,-19 3-6,18-4-22,-17 2 67,19-3-33,-9 0-6,10-1 0,-12 0 0,9 0 0,-20 0 28,1 0-28,8 0 0,-3 0-6,21-1 1,0 0 5,1 0-6,0-1 40,0 2-23,1-2-11,0 1-17,-7 0 17,7 0 0,-13-1 11,6 0-22,-15-1-22,3 1 33,3 0 0,-3 2 0,14 0 0,-16 0 0,14 1 0,-17 1-23,17 0 57,-20 1-23,-4 0-11,-3 0 34,-9 1-34,21-3-23,-9 0 18,20-1 5,-12 0-6,13 0 6,-1 0-11,-11 0 11,9 1-6,-16-1 1,2 1 10,1-1 12,-11 1-23,26-1 1,-3 0 5,15 0-6,0 0 6,-1 0-5,-9 2 5,6 1 5,-8 2-5,9-1 6,0-1 5,-1 1-5,-9 0 5,-2-1-11,-10 1 5,10-2-33,-8 0 28,17-1 12,-19 2-7,19-2 6,-18 2-16,18-3 5,-7 2 0,10-2 5,-1 2 7,-12 0-18,-4 0 6,-1 0-6,-8 1 1,8 0-1,0-1-5,-7 3 11,18-3-3,-6 2 0,0 1 3,1 0-5,-25 3 5,33-3 0,-2 0 0,-12 1 0,7 0 33,-21 2-38,-4 0 5,-3 0 0,3-1 0,15-2-6,13-2 6,-2 1-5,-15 1 5,10-1 11,-29 1-11,8-2 0,-1-2 0,21 0 0,0-1 0,-22 0 0,0 0 5,-6 0-5,29 1 0,-10 1 6,6-2 39,-2 2-45,2-2 0,7 0-6,11 0 6,2 0-5,-7 0-7,-3 0 1,-18 2 11,7 0 0,0 1-28,3 0 28,16-1 39,-15 0-39,15 0 0,-6-1 0,9 0 12,-10 0-7,6 0 1,-16 1-6,16 0 5,-18 0-5,7-1 12,-19-1-7,17 0 1,-4 0-6,19 0 5,1 0 1,-10 0-6,8 0 6,-15 0-6,8 1 0,0-1 16,-5 1-10,-1-1 5,-5 0-5,2 0 16,7 0-22,9 0 0,-23-2-5,16 1 5,-17 0 0,22 0 0,-1 1 0,-12 0 0,-1 0 0,-21 0 0,10 0 5,4 0-10,3 0 5,19 0 0,-6 0 0,9 0 5,-1 0-5,2 0 0,-2 0 0,-8-1 0,8 0 17,-16 1-17,17 0 0,-12-1-6,9 1-16,-14-1 16,12 1 6,-4 0-5,12 0-1,2 0 6,-9 0-33,7 0 33,-5 0 5,6 0-5,-5 1 0,5 0 0,-8 1 0,0 0 6,2 0-1,1-1-5,8 0 6,5-1-17,-5 0 5,6 0-50,-3 0 6,7 0-1,2-1 51,-2 0 0,0-1-44,-4-2 55,1 0-11,-1 0 50,0 1-50,4 1-5,-2 0 5,2 0-6,0 0 6,0 1-6,-1-1-162,-11 0 163,0 0-1,-3-1 17,0 1-55,9-1-29,0 0-146,5-4 219,3 2 0,0-1 0,1-1 51,0 1-46,0-6 29,0 3 22,0-8-45,0 2-5,0-1 33,0-6 0,0 1-39,0 0 67,0-5-67,0 9 6,0-5 5,0 6 34,0-15-39,0 11-1,0-10-5,-1 15 11,0-6-5,0 6-6,0-9-6,1 0 6,0-2 0,0 1 6,0 6 0,0 6-1,0-4 1,0 4-6,0-3 5,0 5-5,0-1-22,0-12-34,1 0 67,-1-15 0,0 9-55,0-10 44,0 16 5,0-4 46,-1 13-51,1 0 0,0 0-40,0-2 46,4-17 89,-1 3-95,3-7-129,-2 5 107,-3 8 22,0 2 56,-1-1-50,0 11 44,0-3-44,1 4 5,-1-11-11,1 8 0,-1-10 11,1 10-56,-1-8 45,1 4 0,0-17-50,1-8 50,-1-4 0,0 1-28,-1 14 28,0 10 0,0-8 0,0 8-28,0-6 28,0 11 0,-1 0 67,-1-5-67,-1 4 6,-1-11 10,1 0-16,0 6 6,0-1 0,0 12-34,0-6 28,1 4 16,-1-13-16,1 12 0,0-6 0,1 8-11,-4-17 6,0 5 49,-2-7-100,0 4 96,1 6-29,0 1-6,1-4-5,2 10 6,-1-10 0,2 10-6,-2-11 0,2 10 5,-2-3-10,2 5 10,-2-3 1,2 3-6,-1-7 33,0-3-38,-1 1-1,0-6 6,1 13 0,0 1 6,1 0-6,0 5 0,-1-7-6,1 8-11,-1-6-22,1 2 0,-3-6 33,1 4-27,0-3 33,1 9 0,2-2 0,0 6-6,1 0 12,0 0-12,0 0 6,-1-3-5,1 1 10,-1-3-5,1 5 0,0-2 17,0 2-17,0 1 0,0 1 6,0 1-1,0 1-5,0-1 0,0-1-5,0 2-779,0 1 542,-6 11 74,-5 16 67,-1-2 101,-2 9-39,8-18-11,-5 8 5,4-9 39,-3 6 6,6-11-39,-3 1 39,3-3 39,-4 2-5,6-6 39,-1 0-23,3-3-83,0-6 27,0 1-50,0-18 129,0 3 0,3-10-73,-1 9-45,4-1 22,0 5 35,-1 2-12,-1 3-6,-2 7-28,1 1 29,0 1 5,1 0 0,0 1 0,2 0 5,-1-1 12,1 0-17,-1 0 6,3 0-6,-3 1 0,-1 0 0,-1 1 5,3 0-38,-3 0-18,2 0 46,-3 1-79,0 0 78,0 0 1,3 1 55,4 7-50,2 2 17,3 6-17,-5-4 17,2 3-17,-5-7 5,3 3 1,-3-3-1,-1-2 40,4 4-45,-3-4 11,3 3-11,-4-4 6,1-1 0,0 1-1,-1-1-5,1 1 0,-4-2-5,3 1-1,-3 0 6,5 4 6,-2-3-6,2 4-28,-4-5 28,2 3-51,-2-3-576,2 3-135,0-4-644,7-1-1651,2-7 3057,3-1 0,-7 0 0,-2 1 0</inkml:trace>
+</inkml:ink>
+</file>
+
+<file path=ppt/ink/ink25.xml><?xml version="1.0" encoding="utf-8"?>
+<inkml:ink xmlns:inkml="http://www.w3.org/2003/InkML">
+  <inkml:definitions>
+    <inkml:context xml:id="ctx0">
+      <inkml:inkSource xml:id="inkSrc0">
+        <inkml:traceFormat>
+          <inkml:channel name="X" type="integer" min="-2.14748E9" max="2.14748E9" units="cm"/>
+          <inkml:channel name="Y" type="integer" min="-2.14748E9" max="2.14748E9" units="cm"/>
+          <inkml:channel name="F" type="integer" max="32767" units="dev"/>
+        </inkml:traceFormat>
+        <inkml:channelProperties>
+          <inkml:channelProperty channel="X" name="resolution" value="1000" units="1/cm"/>
+          <inkml:channelProperty channel="Y" name="resolution" value="1000" units="1/cm"/>
+          <inkml:channelProperty channel="F" name="resolution" value="0" units="1/dev"/>
+        </inkml:channelProperties>
+      </inkml:inkSource>
+      <inkml:timestamp xml:id="ts0" timeString="2022-11-21T14:16:44.997"/>
+    </inkml:context>
+    <inkml:brush xml:id="br0">
+      <inkml:brushProperty name="width" value="0.05292" units="cm"/>
+      <inkml:brushProperty name="height" value="0.05292" units="cm"/>
+      <inkml:brushProperty name="color" value="#0070C0"/>
+    </inkml:brush>
+  </inkml:definitions>
+  <inkml:trace contextRef="#ctx0" brushRef="#br0">476 11120 13256,'-17'12'627,"0"-1"-588,6 0-28,-13 26-5,8-9 5,-8 21 28,12-16-39,2 2 12,3 1-7,2 15-5,3-13 0,6 8-67,4-19 56,8-5-62,3-4-269,15-6-89,5-10 490,-9-15 0,-1-8-42,16-26-15,-24 17 1,-4-1 86,-7-5 1,-4 1-22,-2-3 10,-8-7-22,-4 20 11,-6 4-33,-2 2 83,1 5 18,1 3-135,4 5-17,2 4 90,4 3-23,2 7 6,9 18-5,10 19-40,1-3 0,2 0-11,-5-11 0,0-1-6,4 7 1,0-3-51,-1-5-185,-1-5-1927,4-4 113,-7-10 2055,2-3 0,-10-6 0,-3-1 0</inkml:trace>
+  <inkml:trace contextRef="#ctx0" brushRef="#br0" timeOffset="1164">881 10668 11721,'-22'25'1025,"0"-2"-482,-8 1-302,5-3 84,-21 18-207,18-15-57,-6 6 23,14-12-28,5-4-17,4-3-39,4-6-50,4-1-56,1-4 190,2 0-34,12 5 12,-3 0 5,18 11-50,-10-1 22,7 5-6,-6-2-33,0 1-39,-1 1 28,-2 0-45,-1-2 0,-2-1-11,-1-3-23,-3-2-459,0 0-1439,-3-7 1988,-1-10 0,-2 3 0,-2-8 0</inkml:trace>
+  <inkml:trace contextRef="#ctx0" brushRef="#br0" timeOffset="1581">929 10859 12651,'1'63'487,"1"-14"-481,3-18-6,2-12-45,10 2-117,-3-8 156,12-3 241,-3-19-95,-2-10-67,-5-5 22,-11-1-11,-4 8-61,-7 2-399,-11-6-352,-3 5-325,-8-4-420,6 6 1473,-1-1 0,11 7 0,0 0 0</inkml:trace>
+  <inkml:trace contextRef="#ctx0" brushRef="#br0" timeOffset="2064">1095 10716 10662,'2'5'1378,"-1"0"-420,-1-5-611,27 29-83,-13-13-40,23 23-90,-20-21-22,2-2-45,-3-3-5,1-1 95,2 1-96,-5-4-44,3 3 84,-8-4 95,-1 2-34,-4-3-55,-3 0-29,-2 0-33,-3 2 11,-7 9 0,0-2-56,-7 6 11,6-5 34,-6 3-45,7-7-767,-4 0 767,1-10 0,7-2 0,-2-1 0</inkml:trace>
+  <inkml:trace contextRef="#ctx0" brushRef="#br0" timeOffset="2631">1381 11168 12858,'60'20'269,"-9"-5"-269,-36-12-431,0-2-684,-3 1 1115,-1 1 0,-5-1 0,-2 0 0</inkml:trace>
+  <inkml:trace contextRef="#ctx0" brushRef="#br0" timeOffset="2859">1452 11311 11189,'-5'-1'1680,"0"0"-151,5 1-1462,47 29-67,-1-20 0,10 20 0,-21-27 0</inkml:trace>
+  <inkml:trace contextRef="#ctx0" brushRef="#br0" timeOffset="4581">1857 10787 12892,'46'-11'717,"-3"4"-622,-12 9 50,18 2-77,-10-1-63,11 2 40,-17-2-45,-4 2 6,-2-1-1,4 0-10,-5-1 5,-3-2 16,-6-1 24,-10-1-7,-2-1 130,-4-3-74,-7-6-89,-1 0 6,-6-6-1,1 5 7,-1-1-7,-3-4-5,3 3-56,2 2-196,7 7 191,4 4 61,10 1 128,6 6-10,16 10-112,-9-2-1,2 6 12,-16-9 140,-2 0 280,-3 8-309,-2-2-77,-4 6-51,-3-3-297,-10 5-409,0-7 706,-10 1 0,15-13 0,-2-4 0</inkml:trace>
+  <inkml:trace contextRef="#ctx0" brushRef="#br0" timeOffset="6318">715 6620 11721,'33'9'1048,"-3"-2"-925,-14-7 84,3 1 56,13 2-151,-3 1-5,9 1-107,-7-1 56,0 0 67,2-1-62,0-1 40,1-1 22,12-1-33,0 0-17,0 0 0,8 0-40,-21 0 12,26 0-11,-22 1-29,13 0 1,-15 1 39,0 1-45,-1-1 0,-2 1 0,-1-1 11,-2 0-11,1-1 11,11 0-5,-10 0 55,21-1-50,-10 0 1,21-2-7,-20 2 1,4-1-1,-24 1 7,17 0-29,-16 0 17,10 0 0,-21 0 5,0 2 1,-4-1 5,3 1 0,1 0 34,-3-1-45,1-1 6,-5 0-1,-2 0-5,0 0-5,1 0-1,1 0-50,1 0-28,-1 0-112,3 0-56,-2 0-470,6 0-5406,0 5 6128,-2-1 0,-4 2 0,-7-4 0</inkml:trace>
+  <inkml:trace contextRef="#ctx0" brushRef="#br0" timeOffset="15268">2024 11073 14762,'-16'6'118,"-1"6"-113,10-2 1,-3 6-6,3-3 0,0 1 6,1 2 27,-1-1-27,-2 8-6,-2 9-51,2 0 51,1-2-22,6-5 11,2-10 11,0 5 17,1-5 22,2 1-22,1 2-17,2 0 0,0-1-6,2 8 0,1-2-44,-1-1 67,4 2-56,-2-9-12,1 0-285,5-3 140,-4-8 196,5-1 51,-3-2-46,1-1 34,1 0-33,-1-1 5,1-2 51,-1-1-57,-1-3 7,5-4-12,-5 2 39,7-7 22,-2-3-55,1-2-6,-3 1 6,-7 4-1,-3 4 1,-2-3 83,4-8-77,-3 4 27,1-8 0,-5 9 0,0-2-28,-1-7 57,0-2-7,-3-12 130,-4 11-102,1 3-27,-3 13-1,3 6-33,-7-6-22,5 4 0,-7-3-1,6 5 34,-6-5-39,1 1 0,-3-4 12,6 5-7,-1-1 23,4 5-11,-4-3-11,4 6-1,0-3 1,1 5-6,1-1-17,0 2-56,-1 1-22,-2 0 185,1 0-85,-6 4-117,5 1-476,-8 10-689,-1 2 1277,-20 12 0,19-14 0,-8 1 0</inkml:trace>
+</inkml:ink>
+</file>
+
+<file path=ppt/ink/ink26.xml><?xml version="1.0" encoding="utf-8"?>
+<inkml:ink xmlns:inkml="http://www.w3.org/2003/InkML">
+  <inkml:definitions>
+    <inkml:context xml:id="ctx0">
+      <inkml:inkSource xml:id="inkSrc0">
+        <inkml:traceFormat>
+          <inkml:channel name="X" type="integer" min="-2.14748E9" max="2.14748E9" units="cm"/>
+          <inkml:channel name="Y" type="integer" min="-2.14748E9" max="2.14748E9" units="cm"/>
+          <inkml:channel name="F" type="integer" max="32767" units="dev"/>
+        </inkml:traceFormat>
+        <inkml:channelProperties>
+          <inkml:channelProperty channel="X" name="resolution" value="1000" units="1/cm"/>
+          <inkml:channelProperty channel="Y" name="resolution" value="1000" units="1/cm"/>
+          <inkml:channelProperty channel="F" name="resolution" value="0" units="1/dev"/>
+        </inkml:channelProperties>
+      </inkml:inkSource>
+      <inkml:timestamp xml:id="ts0" timeString="2022-11-21T14:17:54.595"/>
+    </inkml:context>
+    <inkml:brush xml:id="br0">
+      <inkml:brushProperty name="width" value="0.05292" units="cm"/>
+      <inkml:brushProperty name="height" value="0.05292" units="cm"/>
+      <inkml:brushProperty name="color" value="#0070C0"/>
+    </inkml:brush>
+  </inkml:definitions>
+  <inkml:trace contextRef="#ctx0" brushRef="#br0">3190 10478 12948,'-2'34'179,"1"6"-173,0-20-1,1 8 62,0 5-61,0-7 0,0 10 33,0-9-34,0-1 1,0 14 0,0 5-6,0 1 0,0 19 0,0-5 0,0 1 2,0-22 1,-1-2-902,1 8 899,0 12-39,-1-18 39,1-1 17,-2 18-23,1-12-39,-1 15 40,0-18-113,-2 24 101,0-14 3,0-7 0,0 4-132,0 0 0,0 0 149,0 2 0,-1 0-3,1-2 0,0-3 0,-1 20-39,2-20 39,0 1 22,2-12 1,-1 0-18,-1 19-5,1-18 0,0-1-45,-1 14 40,-1-1 5,2-14 0,-1 2 2,1-1 1,-1 2-9,-1 21 1,0 0 8,1-19 0,1 0 449,-1 7 1,0-2-329,0 3-68,0 1-51,0-1 1,1-1 436,0 1-436,1-1-1,0 2 34,0 1 6,1 1 11,0 1-31,0-15 1,0 2-7,0 2 1,0 0-4,0-1 1,0 1-6,0 7 1,0 0 7,0-8 1,0-1-20,0 1 0,0 1 5,0 11 1,0-3-1460,1 12 1496,-1-20 0,0 0-1092,1 14 1055,-1 0 3,1-15 1,0 0-20,-1 21 8,1-21 0,0 0 3,0 16 0,0-17 0,0 1-33,1 19 35,-1-10 1,1 2-182,-1 2 0,1 0 179,0 3 0,0 0 0,0 0 0,-1-2 0,1-11 0,-1-3 0,0 26 25,-1-29 0,0 2-291,1 4 1,-2 2 265,1 1 0,0 0 546,0-2 1,0 0-547,0-6 0,0-2 34,0 18 1052,-1-8-1103,-4 12 492,-1-1-473,1-16 1,-1-1 8,0 8 763,-1-2-774,5-28-168,-1-2-604,2-8-1189,0-3-364,1-9 2325,0-6 0,0 4 0,0-1 0</inkml:trace>
+  <inkml:trace contextRef="#ctx0" brushRef="#br0" timeOffset="2188">5190 5810 11172,'34'4'599,"-5"-1"-459,-20-3-84,2 0-17,-1 0 34,1 0 84,5 0-5,1 0-46,2 0 23,4 2 61,4 2-184,-5 0 67,3 0-68,-12-1 7,0-1-1,1 0 34,-2-1-6,6 1-34,-5-1 46,9 0-18,-9-1-33,9 0 56,-5 0-56,9 0 56,-5 0-50,-2 1 128,-2 2-128,-7-1 44,4 2-50,-4-2 0,0 1 6,0-1 95,0 1-101,0-1 50,2 0-55,2 1 21,7 2 29,-1-1-6,-2-1-22,1-1-11,-8-2 11,3 0-6,-5 0-6,1 0-5,-1 0-33,0 1 33,-1-1 73,4 1-118,3-1 45,-1 1-6,5-1 62,-2 0-50,-1 0-6,5 0 11,-9 0-11,3 0 0,-5 0-34,0-1 34,4 1-5,-4-1 5,7 0 17,-4 0-12,1-1-5,0 1 39,-5 0-363,-2 1-561,-1 0 885,-4 0 0,-1 0 0,1 0 0</inkml:trace>
+  <inkml:trace contextRef="#ctx0" brushRef="#br0" timeOffset="3840">4214 11168 11116,'-19'10'1002,"1"0"-771,7-2 77,0 1-118,-1 4-67,1 3 17,-1 3 191,-8 31-326,6 1 40,-2 12-45,10-13-6,5-17-55,3-3-68,4-4-28,4-5-112,3-5 225,4-5 44,0-5 39,2-3 0,-1-3-33,0-3 61,5-13-56,1-12 39,-1-6 46,1-24-12,-11 17-14,-4 4 0,-1-1-871,-3-7 924,0-10-202,-5 25 331,-3 8 123,-4 7-336,0 8 23,0 3-62,4 6 935,2 17-896,4 2 365,12 35-404,11 5-112,-2-15 0,2 0 14,-8-14 0,0-3-73,3 3 1,0-5-10,3-8-1797,-2-10-1681,-3-7 3658,-5-7 0,-10 0 0,-2 1 0</inkml:trace>
+  <inkml:trace contextRef="#ctx0" brushRef="#br0" timeOffset="5194">4738 10692 13065,'-22'23'807,"1"-2"-639,6-10-45,-1 0-117,-1 3 10,0 0-16,1 1-5,-6 8 10,8-5 79,-7 8 68,12-11-147,1-3 40,4-6-34,4-5-50,0-1 39,0 4 34,0 1 5,2 4-6,9 9-21,9 5-1,20 15-6,-11-11-5,6 2-5,-20-18 5,0 0 5,-2-3-16,0 2-174,-5-5-319,1 1-2537,-7-4-790,-1-3 3831,-1-3 0,0 2 0,0-2 0</inkml:trace>
+  <inkml:trace contextRef="#ctx0" brushRef="#br0" timeOffset="5714">4880 10930 12998,'12'-32'773,"-1"3"-566,-1 13-61,0 0-34,1-1 117,1-1-184,-4 6 6,1 0-18,-6 9-22,-1 2 45,-1 1 56,0 6 101,-1 2-90,1 8-89,0 1-23,2 13-11,-2-6-140,3 16-106,-1-13-40,0-2-974,1-6-303,-1-11 1563,2 2 0,-3-6 0,1-1 0</inkml:trace>
+  <inkml:trace contextRef="#ctx0" brushRef="#br0" timeOffset="6343">5095 10692 12813,'24'41'577,"-2"-3"-476,-8-16-11,0-1 27,10 7-22,7 1-50,-6-7-34,1-4-5,-17-13 50,0-1-50,-5-3 38,0 2 12,-3-3 538,-1 1-499,0 3 12,-8 5-63,-5 10-38,-4 0 72,-10 13-72,6-7-62,0-1-1176,5-6-1709,9-13 2941,2-1 0,3-4 0,1 0 0</inkml:trace>
+  <inkml:trace contextRef="#ctx0" brushRef="#br0" timeOffset="7064">5618 11263 11872,'24'-7'1373,"10"3"-1194,-3 7-605,14 1-711,-17-2 1137,-4 2 0,-19-1 0,-3 1 0</inkml:trace>
+  <inkml:trace contextRef="#ctx0" brushRef="#br0" timeOffset="7276">5642 11359 11116,'1'12'1468,"-1"-2"-667,0-10-510,0 0-174,40 16-55,-20-11-62,32 12-252,-27-16-1529,0-1 1781,0 0 0,-12 0 0,-4 0 0</inkml:trace>
+  <inkml:trace contextRef="#ctx0" brushRef="#br0" timeOffset="8721">6499 11097 13541,'-22'11'768,"0"5"-567,5 5-55,-9 21-132,12-10 0,1 2 22,1-1 1,2 0-43,-6 29-44,24-21-12,2-25 28,8-1 23,-2-11 11,2-4 0,0-8 11,1-6 29,0-10 60,9-23-55,-5-9-39,-1 0-1,-10-4 130,-12 27-135,-3 4 179,-4 10-56,3 14-67,-2 1 11,5 3 399,0 1-332,-1 0-134,1 0 51,-1 0-51,0 0 5,1 0-5,-1 0 0,0 0 0,0 0-319,1 7 353,8 21 41,5 8 1,2 6-68,0 4 1,1 2-9,3 5 0,-1 1 2,-3 5 1,-3-2-922,-6-21 1,-1-2 918,0 13 0,-1-2-157,-2 17 152,-1-4-980,0-3 979,-2-9 6,-2-7-61,-3-8 5,0-10-85,-4-5 1724,-9-7-1606,-3-6 1179,1-9-1162,6-14 73,11-2-5,1-13 39,7 1-11,4-4 5,6-6-50,6-3-45,4-4-6,-4 14 1,2-1-853,2 0 1,1 1-1347,-1 1 1,0 2 2203,18-17 0,-27 35 0,-4 7 0</inkml:trace>
+  <inkml:trace contextRef="#ctx0" brushRef="#br0" timeOffset="9587">7237 10739 13676,'-27'20'1137,"2"3"-913,6 4-9,3 2 1,2 8-108,1 11 1,3 8-1,0 1-729,2-1 1,1 1-1,1 1 625,1 5 0,1 1 0,3-5-810,5 7 0,4-9 806,8-1-62,1-11 639,3-8-1104,4-4-279,5 1-880,7-5-2241,0-4 3927,-1-8 0,-16-8 0,-7-5 0</inkml:trace>
+  <inkml:trace contextRef="#ctx0" brushRef="#br0" timeOffset="14335">7332 11025 13289,'26'42'504,"-2"0"-504,-11-5 34,0 1 0,1 1 5,3 9-17,-4-10 1,-1-2-23,1-4-34,-2-6 34,0-5 28,-1-7-28,0-2 0,-3-7 0,-1-1 0,-4-3 90,-1-5-46,0-8 12,1-19 34,0 5-34,1-13 28,0 12-11,1-2-34,1-4 34,2-3-62,3-21 56,-3 14-61,3-10 83,-6 24-5,0 6 12,0 2-52,-2 8-49,1 3-40,0 6 45,1 6 342,6 17-214,-2 4-116,7 16-12,-2-2 11,1 4-6,1 3-5,-1-1 0,1 0-184,3 6 83,-1-12 95,-1-6-11,-1-16 17,-7-12-5,-1-1 10,-1-8 29,-4-2-28,1-8 83,0-17 107,1-16-134,0-2-34,3-7-28,-1 15-11,8-13-34,-3 18-1042,8-11 1087,-4 32 0,-5 2 0,-2 12 0</inkml:trace>
+  <inkml:trace contextRef="#ctx0" brushRef="#br0" timeOffset="15051">8046 11430 11838,'-29'58'595,"5"-6"-528,19-27-230,3 14 96,2-16 27,4 8 35,2-24 5,1-3 56,1-3-50,-1-7 179,5-12-146,-4-1 118,7-23 5,-8 15 174,1-21-101,-6 14 241,-2-2-341,0 18-135,-1 9 101,0 24-34,3 2-62,0 11 23,3-3-28,2 0-179,1-1 17,0-2-325,0-3-1939,3-2 2426,0-8 0,-2-1 0,-4-7 0</inkml:trace>
+  <inkml:trace contextRef="#ctx0" brushRef="#br0" timeOffset="15701">8332 11454 13054,'-18'29'706,"2"0"-706,8-9 196,2 3-123,2-1-29,2 1-44,1-2-33,2-3 22,3-3-51,4-4 56,2-5-38,2-3-18,5-8 107,4-23-12,-3-3 1,-5-8 72,-10 6-106,-3 17 0,-3-1 96,-3 8-96,2 5-348,0 1 348,3 6 230,2 16-135,8 14-89,0 4 50,15 14-683,0-22-690,2-5 1317,0-20 0,-16-6 0,-1-4 0</inkml:trace>
+  <inkml:trace contextRef="#ctx0" brushRef="#br0" timeOffset="17581">8784 10954 13301,'-39'47'414,"16"-21"0,1 2-106,-13 27-291,7-8-17,0 14-56,20-27 56,2-1 6,3-1-6,4-4-6,5-4-83,4-3 33,6-4 50,2-4-5,2-4-51,1-3 57,12-3-23,3-15 33,-1-1 1,3-30 139,-13-8-105,-3-3-24,-14 17 1,-2 0-11,-3-7-6,-1-11 61,-6 21 57,-2 5 44,-10 1-72,4 12-90,-2 3-11,9 10-168,2 12 419,3 6-4,10 33-236,1-4 0,1 1 0,-1-7 0,0-1 0,4 11 0,-1-3-90,2-3-84,0-7-156,0-9-1703,7-10-2711,-6-10 4744,3-9 0,-13 0 0,-3-2 0</inkml:trace>
+  <inkml:trace contextRef="#ctx0" brushRef="#br0" timeOffset="19049">9094 10573 14062,'-26'41'224,"5"-8"-123,1-11 5,2-5 40,0 1-124,0-2-10,0-1 49,3-2-61,3-5 0,3-1 6,3-3 44,3-2 12,2-1-68,2 2 57,6 3-107,13 14 112,-3-4-56,9 8 0,-12-9 0,0-1-6,-1-1 0,0-1-10,-2-2-24,-1-2 7,-1-1 16,-2-2-56,-2-2-11,-1 1-185,1-2-436,0 1 61,-1 0 644,7-1 0,-8-2 0,5 0 0</inkml:trace>
+  <inkml:trace contextRef="#ctx0" brushRef="#br0" timeOffset="19499">9260 10716 12158,'-11'45'616,"7"2"-504,17-26-106,1-2 83,10-8 18,-10-9-29,5-5 79,-7-5-28,-2-4-124,-1-3 326,-3-5-158,-2-1-128,-12-4-112,0 7-588,-15 1-5501,5 10 6156,3 3 0,6 4 0,8 2 0</inkml:trace>
+  <inkml:trace contextRef="#ctx0" brushRef="#br0" timeOffset="19961">9451 10573 11110,'8'6'1064,"-2"-2"-285,-6-4 5,34 31-532,-17-16-120,9 7 0,2 1 8,-1-4-84,0-1 33,0-1-55,-17-11-34,1 1-39,-10-5 341,0 4-151,-4 1 51,-8 14-124,-8 6-44,-3 2-6,-9 12-963,4-10-902,7-7 1837,3-7 0,15-16 0,0-1 0</inkml:trace>
+  <inkml:trace contextRef="#ctx0" brushRef="#br0" timeOffset="20645">9760 11216 13401,'52'7'885,"-3"2"-711,-22-1-113,3 1-16,-1-2-39,-2-3-6,-3-1-101,-3-3-308,-4 0-330,-5 0-314,-4-3-924,-4-1 1977,-2-5 0,-2 5 0,0 1 0</inkml:trace>
+  <inkml:trace contextRef="#ctx0" brushRef="#br0" timeOffset="20830">9927 11120 13405,'3'46'190,"0"0"0,-1 0 1,2-3-1076,6 22 885,3-4 0,-5-39 0,0-3 0</inkml:trace>
+  <inkml:trace contextRef="#ctx0" brushRef="#br0" timeOffset="21812">10522 10906 13082,'19'46'265,"1"0"0,-3-3 0,-1-3-209,0 8 101,-1 1 22,5 15-139,2-4-46,-3-11 0,-2-16 6,-10-29 129,1-5-6,-1-8-61,0-8 39,2-24-96,-4 3 76,-1 2 1,0-1-15,-1-9-34,-1 11 1,1 2-23,0 2 62,7 15 6,3 36-40,2 12 22,4 26 1,-7-21-62,3 12 0,-4-17-6,-1-1-38,-1-4-40,0-6-6,-1-6-22,0-8 112,-1-4 101,8-28-17,-4-2 8,2-15 1,0-9-18,-1 1 1,0-1-476,0-2 1,1-1 404,3-2 1,0 6-6,2 0-466,5 5-722,-9 26-531,0 12 1719,3 19 0,-9-7 0,2 10 0</inkml:trace>
+  <inkml:trace contextRef="#ctx0" brushRef="#br0" timeOffset="22854">11212 11358 10914,'-21'31'521,"-1"-1"0,-13 23-291,26-25-112,5-1-118,1-2 0,4-3 11,5-5 23,3-4-29,5-6 141,11-4 649,7-24-560,-3-3-229,-6-13 67,-14 6-17,-8 11-23,0 1-16,-5-5 39,0 9-50,-3-2-1,1 10 34,2 2-263,2 3 348,0 8 38,8 13-67,1 3-61,5 7-34,1-8-1137,14 12-734,-9-16 1871,8 5 0,-18-19 0,-3-2 0</inkml:trace>
+  <inkml:trace contextRef="#ctx0" brushRef="#br0" timeOffset="23176">11474 11335 10315,'13'2'1708,"-2"-1"-1041,-11-1 565,0 0-588,28 70-588,-5-29-81,-4 2 0,1-2-278,5-10-408,-10-17-605,-1-6 1316,-1-3 0,-7-3 0,0-1 0</inkml:trace>
+  <inkml:trace contextRef="#ctx0" brushRef="#br0" timeOffset="23438">11498 11597 14706,'16'-34'115,"0"1"1,3-5 0,1 4-362,1 4 246,4 5 0,-1 2 0,-8 7 0,11-4 0</inkml:trace>
+  <inkml:trace contextRef="#ctx0" brushRef="#br0" timeOffset="25077">11879 10859 13648,'41'49'845,"0"0"-626,-11-10-102,4 5-44,2 2-56,-11-15 0,0 1-37,-1-3 1,0 0 19,-2-2 0,0-2-90,17 16-179,-23-25-319,3-2-711,-12-10 1299,-3-3 0,-3-1 0,-1 0 0</inkml:trace>
+  <inkml:trace contextRef="#ctx0" brushRef="#br0" timeOffset="25409">11903 11382 13620,'33'-35'420,"0"0"0,4-7 0,1-1-348,-7 2 1,-1 0-90,-4 8 1,-1 0-105,4-5 1,-2 4-283,-5 6-2163,10-6-514,-10 12 3080,7-7 0,-18 20 0,-3 2 0</inkml:trace>
+  <inkml:trace contextRef="#ctx0" brushRef="#br0" timeOffset="26176">12617 10358 13749,'-37'49'912,"4"-5"-766,13-21-12,1 0-5,1 0-45,2-2-28,2-3-28,2-2-61,6-7-18,2-2 51,3-5 62,2 1 72,10 7-72,1 3 27,20 17-15,1 1-74,1 1 5,4 5-5,-19-19-39,2 3-197,-11-12-352,0-2-3730,0-4 4318,-3-4 0,0 0 0,-5-2 0</inkml:trace>
+  <inkml:trace contextRef="#ctx0" brushRef="#br0" timeOffset="26661">12831 10525 14460,'10'-33'789,"0"4"-632,2 15-34,1 0 1,2-3-68,-5 7-56,1-1 73,-5 9-17,-2 6 34,-1 12-18,-1 1-60,0 11-12,0-6 0,-1 0-364,3 5-236,-2-9-475,2 2-1116,-2-12 2191,0-2 0,-1-3 0,0-1 0</inkml:trace>
+  <inkml:trace contextRef="#ctx0" brushRef="#br0" timeOffset="27160">13093 10287 10024,'13'0'1417,"-3"0"-611,-10 0 768,0 0-1198,34 33 122,-8-3-420,-2-6 1,-1 0 145,10 18-67,-13-14-101,-1-2-6,-5-5-44,-9-14 33,1 1 28,-4-5-56,-2 0 247,1 3-151,-1 1-107,-2 6 0,-4 2 39,-12 12-39,-1-4 67,-19 16-1243,-5-9-1513,8-5 2689,-1-6 0,27-15 0,3-2 0</inkml:trace>
+  <inkml:trace contextRef="#ctx0" brushRef="#br0" timeOffset="27977">13522 11097 12584,'65'-1'1753,"2"-1"-1574,-25-2-146,10 0-83,-24 2-135,6 1-548,-16 1-527,-5 0-449,-4 0-1198,-5 0 2907,-2 0 0,-2 0 0,0 0 0</inkml:trace>
+  <inkml:trace contextRef="#ctx0" brushRef="#br0" timeOffset="28210">13712 10906 10366,'13'13'1372,"-3"-3"-913,-10-10 45,0 0 297,-3 56-465,3-24-261,-2 13 1,1 4-2238,12 10-1703,-5-11 3865,9-7 0,-10-33 0,-2-3 0</inkml:trace>
+  <inkml:trace contextRef="#ctx0" brushRef="#br0" timeOffset="29326">14450 10525 12253,'-1'45'1501,"0"20"-1308,1-31 1,-1 1-102,1 1 0,0 2-727,0 17 1,0-2 690,0 13 155,0-22 1,0-1-200,-1 12 44,0-6-56,-1-9-56,1-11-51,1-10 158,0-9-252,0-7 61,3-8 134,0-6 571,6-21-699,1-12 134,1-3 6,6-13 27,-4 29-33,5-5 6,-3 22 33,-1 7 174,9 13-118,-5 8-84,5 10 34,-6 8 11,4 19-45,-6-11-3,-6-7 1,-1 2-37,-8 28 129,-13-5-101,-4-11 0,-11-27 0,3-14-11,-2-4-124,-4-11-279,-1-5-706,-1-13-163,0-11-700,4-2 1899,5-3 1,12 20 0,5 8-1</inkml:trace>
+  <inkml:trace contextRef="#ctx0" brushRef="#br0" timeOffset="32475">14974 11287 13082,'-22'7'359,"2"1"-309,11 3 6,1 1 0,1 3-39,3 2-6,1 1-22,2 0-96,4 6 102,2-9-85,9 4-16,4-13 100,0-3-50,4-14 51,-11 0 5,3-9-34,-7 4 34,-2-1 6,-3 0 33,-1 1-39,-1 2 39,0-2 0,-2 4-44,2 3-57,-2 5 297,11 19-184,-1-1 5,9 12-51,-5-5-5,0 1-61,0-2-399,-2-3-4099,5 1 4559,-6-8 0,0-2 0,-6-7 0</inkml:trace>
+  <inkml:trace contextRef="#ctx0" brushRef="#br0" timeOffset="34622">15259 10382 13407,'40'36'918,"-2"-3"-565,-2 2-235,-9-6-51,9 12 23,-16-9 10,-3 5-100,-5 4 56,-7 1 0,-2 2-56,0-6 0,-2 2 45,-2 9 0,-3 5 0,1-5-15,0-4 1,-2-2 8,-4 19 1,-4-2-40,2-18 0,-2-4 0,1-2 0,0 0 33,-7 11 1,0-2-31,5-12 0,-1-1-54,-13 26-290,6-18-1491,5-18 40,2-4-1121,-1 1 2913,2-5 0,7-7 0,1-2 0</inkml:trace>
+</inkml:ink>
+</file>
+
+<file path=ppt/ink/ink27.xml><?xml version="1.0" encoding="utf-8"?>
+<inkml:ink xmlns:inkml="http://www.w3.org/2003/InkML">
+  <inkml:definitions>
+    <inkml:context xml:id="ctx0">
+      <inkml:inkSource xml:id="inkSrc0">
+        <inkml:traceFormat>
+          <inkml:channel name="X" type="integer" min="-2.14748E9" max="2.14748E9" units="cm"/>
+          <inkml:channel name="Y" type="integer" min="-2.14748E9" max="2.14748E9" units="cm"/>
+          <inkml:channel name="F" type="integer" max="32767" units="dev"/>
+        </inkml:traceFormat>
+        <inkml:channelProperties>
+          <inkml:channelProperty channel="X" name="resolution" value="1000" units="1/cm"/>
+          <inkml:channelProperty channel="Y" name="resolution" value="1000" units="1/cm"/>
+          <inkml:channelProperty channel="F" name="resolution" value="0" units="1/dev"/>
+        </inkml:channelProperties>
+      </inkml:inkSource>
+      <inkml:timestamp xml:id="ts0" timeString="2022-11-21T14:19:05.183"/>
+    </inkml:context>
+    <inkml:brush xml:id="br0">
+      <inkml:brushProperty name="width" value="0.05292" units="cm"/>
+      <inkml:brushProperty name="height" value="0.05292" units="cm"/>
+      <inkml:brushProperty name="color" value="#0070C0"/>
+    </inkml:brush>
+  </inkml:definitions>
+  <inkml:trace contextRef="#ctx0" brushRef="#br0">3738 2810 11648,'31'-1'829,"-4"0"-353,-16 1 6,11 1-247,3 2-145,14 2-34,-14-1-17,3-1 28,-14-2-33,1-1 22,0 0-6,1 0-5,9 0 28,-6 0 16,16 0-83,-13-1 106,16 1-28,-7 0-84,2 0 56,7 1 6,-16 0-6,8 2 39,-10-1-90,0 0 51,0 0 40,1-1-91,0 0 96,1 0-101,0 1 73,9 0-40,-6 0 1,16 1-23,-3-1 0,-2 0-5,-5 0 0,-16 0 27,-6 0 74,3 0-57,-2 2-16,4-1-34,-3 0 0,1 0 11,0-1-11,-1 0 5,0-1 85,1 1-90,-3-2 6,-1 1-1,-5-1 1,-1 0-6,-2 0-1042,2 0-1069,-1 0 2111,1 0 0,-2 0 0,-1 0 0</inkml:trace>
+  <inkml:trace contextRef="#ctx0" brushRef="#br0" timeOffset="1554">4071 12930 13877,'24'31'616,"1"0"-543,-4-6 34,2 1-51,1 1-6,0-1-50,-1-1 0,-1-2-106,-1-5-208,-2-4 56,-3-3-274,-2-5-571,-3-2-4453,-1-7 5556,-4-2 0,-1 0 0,-4 1 0</inkml:trace>
+  <inkml:trace contextRef="#ctx0" brushRef="#br0" timeOffset="1920">4476 12930 13967,'-5'35'554,"1"-1"1,-8 31-286,-2-23-79,-5 8-61,-3 10-87,8-25 0,0 2-922,0 2 1,-1 0 881,0 0 1,0 2 31,-2 5 0,0-1-34,5-12 0,0-1-3,-4 14 0,-1-1 20,-3 11-1115,4-10 79,7-21-247,8-37-778,3-5 2044,0-13 0,0 14 0,1 2 0</inkml:trace>
+  <inkml:trace contextRef="#ctx0" brushRef="#br0" timeOffset="2673">4761 12525 14572,'-29'41'745,"2"-3"-583,10-16-72,0 1 17,0 0 16,-1 5-162,5-6 16,1 1 29,8-10-12,2-3-55,2-5 61,0 1 5,1 0 29,4 1-34,2 3 50,6 3-33,1 1 28,11 12-28,3 2-1,14 15-10,-10-11-269,-4-6-1003,-11-12-739,-12-10-2729,1 0 4734,-5-4 0,-1-1 0,0 1 0</inkml:trace>
+  <inkml:trace contextRef="#ctx0" brushRef="#br0" timeOffset="3236">4880 12859 14230,'22'-27'602,"0"0"0,12-13-501,-20 14-11,-6 12 50,0 1-95,-3 5 5,-1 2 34,-3 4 297,0 2-465,0 3 84,0 5 185,-1 5-107,2 5-5,-1 2-62,2 3-5,1 9-12,0-8-212,2 10-56,-2-18-1144,1 3 1418,-3-4 0,-1-7 0,0 0 0</inkml:trace>
+  <inkml:trace contextRef="#ctx0" brushRef="#br0" timeOffset="3737">5118 12573 15177,'35'42'476,"-3"-2"-431,-14-18 0,1 0-40,-2 0 40,1-3-39,-3-2-6,0-3 5,-2-4 1,-2-1 11,0-2-6,-3-2-5,-2-1 167,-3-3 124,-3 1-174,-14 7-123,4-1 0,-14 7-11,7-4-135,0 3-313,1-2-594,3 0-2655,4-3 3708,4-2 0,2-3 0,2-2 0</inkml:trace>
+  <inkml:trace contextRef="#ctx0" brushRef="#br0" timeOffset="4458">5737 13240 13592,'53'-12'420,"-6"1"-415,-27 10-5,0-1-991,3 0-471,-10 0 1462,1 0 0,-11 2 0,-2 0 0</inkml:trace>
+  <inkml:trace contextRef="#ctx0" brushRef="#br0" timeOffset="4642">5809 13311 11592,'-9'-6'1434,"2"1"-902,7 5 297,0 0-577,41 7-22,-17-5-267,11 2 1,3 0-703,2-6 739,22 0 0,-36 0 0,3 1 0</inkml:trace>
+  <inkml:trace contextRef="#ctx0" brushRef="#br0" timeOffset="5714">6666 13049 13541,'-29'32'257,"-1"1"1,4-4 0,5-1-140,15 2 33,2 0-89,3-3-96,16 10-151,4-19 180,15-6 38,-7-23-27,-5-12-1,-8-3 29,-4-3-23,-1-5 34,-2 0-39,-2 0 83,-3 0-83,-1 3 100,-1 5 163,-1 2-45,-1 10-118,1 4 97,-1 31-19,9 19-111,1 13-11,6 10-17,0-10-45,1 5-118,-1 2 112,-3 3-565,-1-1 476,-4 0-74,-1-4 91,-3-3-40,-2-6 40,0-6-29,-7 1 23,-5-12 79,-18-6 72,6-18 22,-7-16 1,15-8 50,1-10 499,5-6-465,2-4-12,5-5 74,4-3-18,7-4-89,4 11 0,2-2-96,12-22-78,-1 11 1,5-2-3760,6 4 1,0 4 3803,-8 7 0,0 2 0,1 3 0,-5 7 0,-11 14 0</inkml:trace>
+  <inkml:trace contextRef="#ctx0" brushRef="#br0" timeOffset="6562">7404 12573 15177,'-28'47'739,"0"1"-526,5-4-87,6-2 0,1 7-76,4 11 1,4 8-36,7-19 1,1 4-1,2 1 1,1-3-1328,0 0 0,1-2 0,3 0 1308,4 4 0,3 1 1,0-9-121,12 10 568,-2-11-1195,1-8-129,4-2-704,7-1-1822,-1-4 3406,3-6 0,-19-11 0,-5-7 0</inkml:trace>
+  <inkml:trace contextRef="#ctx0" brushRef="#br0" timeOffset="7624">7570 12811 14253,'9'37'445,"8"7"0,5 3-462,-3-6 0,2 1 19,-1-2 0,0 2 0,0-2-72,4 6 0,-1-5-3,3 8-89,-4-19 89,-15-30 39,0-8 79,1-24-39,-4-1 55,-1-2 1,-1-5-45,-1 4 0,-1 1-15,0-1 1,0 1 33,0-1 1,0 4-160,4 5 218,1 10-28,5 24-33,2 14-34,2 5 0,1 6 28,8 18-73,-7-9-84,5 13 73,-9-17-50,-2-3 72,-1-3 29,0-2-96,0-15 437,4-45-196,-4-9-96,-3 2 1,-1-2 39,3-25 6,1 1-364,2 3 313,1 4-39,0 11-140,1 6-347,-2 12-689,2 8-1787,-3 7 2963,0 7 0,-5 3 0,-2 2 0</inkml:trace>
+  <inkml:trace contextRef="#ctx0" brushRef="#br0" timeOffset="7975">8284 13097 13620,'29'34'9,"-1"-1"0,1 3 1,-1-5-2100,2-4 2090,1-4 0,-13-12 0,-8-9 0</inkml:trace>
+  <inkml:trace contextRef="#ctx0" brushRef="#br0" timeOffset="8212">8451 13121 11346,'5'1'2279,"-1"0"-1075,-7 52-722,-3-2-421,-3 9 1,-1 3-146,3-27 0,0-2-221,-2 8 0,-1-5-1493,1-9-3238,1-9 5036,2-10 0,3-5 0,2-4 0</inkml:trace>
+  <inkml:trace contextRef="#ctx0" brushRef="#br0" timeOffset="9129">8689 13168 14437,'-22'42'376,"2"-3"-343,11-13 18,3 8-147,7-2-66,10-8 156,3-8 6,6-21 0,-5-5-44,-1-7 10,0-4 6,-2-2 28,-2-1 34,-3 0 16,-4 2-44,-1 0 72,-3-2 23,-3 6 16,0 3-133,0 11 200,4 12-27,14 21-146,0-1-11,9 11-28,4-1-184,-8-14-337,6 2-818,-8-18-3915,-2-6 5282,0-6 0,-8 2 0,-2-3 0</inkml:trace>
+  <inkml:trace contextRef="#ctx0" brushRef="#br0" timeOffset="13309">9356 12811 14829,'-24'7'768,"2"2"-639,9 6-118,-1 4 84,0 4-83,0 4 55,2 4 17,0 17-79,5-9-5,2 11-5,8-17-90,4-4-118,4-5-141,14-1 209,5-12 111,16-23 107,-10-20-73,-6-12 67,-14-19-958,-11 25 925,-2-11-378,-6 19 355,-2 5 78,-3 3 2,-1 6 4,1 4 6,1 7 826,2 4-854,3 10 492,5 22-481,5 1-78,5 17 5,4-10 28,10 17-1101,-7-16 939,7 6-343,-10-23 179,-1-7-402,-3-6-890,-1-6 1579,-1-6 0,-6 1 0,0-3 0</inkml:trace>
+  <inkml:trace contextRef="#ctx0" brushRef="#br0" timeOffset="13892">9832 12359 14913,'-28'21'1250,"-12"13"-1043,12-9 56,-21 21-173,23-20-90,-3 6-6,17-17-39,5-3-5,4-5 0,2-2-6,1-1 89,5-1-61,9 4 28,4 0 107,18 11-107,1 7 8,-7-3 0,1 0-8,9 10-106,3 3-292,-26-23-403,-2-3-3556,3-6 4357,-7-6 0,1 1 0,-9-4 0</inkml:trace>
+  <inkml:trace contextRef="#ctx0" brushRef="#br0" timeOffset="14275">9999 12621 11066,'3'7'3147,"0"-1"-2715,12-42 206,-4 13-476,8-21 29,-8 23-118,-7 14 17,0 1 39,-4 6 27,1 0-72,-1 6-5,0 3-74,0 7 51,1 15-168,2 6-196,0-3-1143,3 2-44,-2-23-667,2 0 2162,-3-11 0,-1-2 0,-2 0 0</inkml:trace>
+  <inkml:trace contextRef="#ctx0" brushRef="#br0" timeOffset="14726">10117 12335 14695,'32'31'170,"-1"0"0,-1-2 0,-6-4-131,-8-5 67,0-3 73,5 4-38,-1-3-74,0-2 0,-3-3-61,-10-8 84,1 1-40,-6-6 549,-1 2-296,-1-1-203,0 1-94,-2 2 0,-3 3 33,-10 9-34,-5 6-167,-7 7-101,7-7-1463,4-4 1726,11-13 0,2-1 0,3-4 0</inkml:trace>
+  <inkml:trace contextRef="#ctx0" brushRef="#br0" timeOffset="15481">10546 13025 13334,'62'-7'1271,"0"1"-1920,0 2-583,-23-1 1232,-2 0 0,-30 3 0,-2-1 0</inkml:trace>
+  <inkml:trace contextRef="#ctx0" brushRef="#br0" timeOffset="15693">10689 12859 11351,'-9'-12'1272,"1"2"-718,11 51-313,2-11-160,-1 4 1,0 1-77,4 15-5,1 0-185,1-2-1355,5-6-1726,-1-8 3266,6-11 0,-10-12 0,-2-6 0</inkml:trace>
+  <inkml:trace contextRef="#ctx0" brushRef="#br0" timeOffset="16493">11189 12502 14297,'11'60'829,"-3"0"-594,-8-13-78,1 6-840,2 4 761,0 2 172,3 3-214,-3-21 0,-1 2 30,0 1 1,-1-1-179,1-8 0,-1-3 16,1 17-206,5-59 291,-1-9 11,4-17 28,-2-2 11,2-4-5,0 0 5,2 3 358,1 5-386,8 4-5,4 18 83,0 10 51,8 33-134,-8 18 47,-12-8 1,-1 2-49,2 17 29,-9 5-6,-11-37-28,-3-2-50,-18 0 50,3-11-68,-12-3-11,7-11-542,-11-24 61,13 0-1997,12-10 0,5-3 2557,6-7 0,5-4 0,3 32 0</inkml:trace>
+  <inkml:trace contextRef="#ctx0" brushRef="#br0" timeOffset="17929">11641 13097 14185,'22'42'807,"0"-3"-684,3-10-123,-6-7 0,6 6-129,-9-14-313,-1-3-2398,2-3-700,-6-4 3540,0-5 0,-7 0 0,-3-1 0</inkml:trace>
+  <inkml:trace contextRef="#ctx0" brushRef="#br0" timeOffset="18195">11831 13097 11032,'8'11'2061,"-2"-3"-1433,-6-8-96,0 0 22,-6 54-252,-5-3-176,-1 8 0,-2 3-95,3-20 0,-1-3-166,1-1 1,1-3-2251,0-1 508,8-25 1877,1-9 0,1-7 0</inkml:trace>
+  <inkml:trace contextRef="#ctx0" brushRef="#br0" timeOffset="20453">11974 12383 13961,'42'15'1232,"-3"4"-963,-13 8-123,3 5 11,-1 7-67,-1 4-85,-4 4 68,-10-11 0,-2 3-40,-2 3 1,-2 1-34,0-1 0,-1 2 42,-3 10 0,-2-1-8,-4 10-478,-1-12 1,-2 0 454,-5 7 114,3-23 0,0-2-125,-3 6-12,0-9-77,2-6-18,0-8-21,2-4-80,1-5-100,1 1-1395,-3 0 425,4-2 1278,0 3 0,4-6 0,0 0 0</inkml:trace>
+</inkml:ink>
+</file>
+
+<file path=ppt/ink/ink28.xml><?xml version="1.0" encoding="utf-8"?>
+<inkml:ink xmlns:inkml="http://www.w3.org/2003/InkML">
+  <inkml:definitions>
+    <inkml:context xml:id="ctx0">
+      <inkml:inkSource xml:id="inkSrc0">
+        <inkml:traceFormat>
+          <inkml:channel name="X" type="integer" min="-2.14748E9" max="2.14748E9" units="cm"/>
+          <inkml:channel name="Y" type="integer" min="-2.14748E9" max="2.14748E9" units="cm"/>
+          <inkml:channel name="F" type="integer" max="32767" units="dev"/>
+        </inkml:traceFormat>
+        <inkml:channelProperties>
+          <inkml:channelProperty channel="X" name="resolution" value="1000" units="1/cm"/>
+          <inkml:channelProperty channel="Y" name="resolution" value="1000" units="1/cm"/>
+          <inkml:channelProperty channel="F" name="resolution" value="0" units="1/dev"/>
+        </inkml:channelProperties>
+      </inkml:inkSource>
+      <inkml:timestamp xml:id="ts0" timeString="2022-11-21T14:20:26.367"/>
+    </inkml:context>
+    <inkml:brush xml:id="br0">
+      <inkml:brushProperty name="width" value="0.05292" units="cm"/>
+      <inkml:brushProperty name="height" value="0.05292" units="cm"/>
+      <inkml:brushProperty name="color" value="#A020F0"/>
+    </inkml:brush>
+  </inkml:definitions>
+  <inkml:trace contextRef="#ctx0" brushRef="#br0">13141 2072 10041,'11'48'885,"-2"-3"-174,-3 2-342,-1-7-83,0-3 0,0 2-110,0-4 1,-1 1 148,4 22 0,0 1-258,-3-17 0,0-2-8,2 9 0,0-3 30,4 20-72,2-9-17,0-4-6,-3-17 1,-4-22-1,-1-3-27,-1-6-23,-1-2 61,1-2 337,1-13-124,0-14-134,1-7 51,-2-11-46,0 6 1,0-3-1,1-1-27,2-2-6,2-2-17,2 0-33,3-3 67,0 0-45,-3 13 0,1 0 16,-1 2 1,0 0 14,2-7 0,0 3 81,2-8-89,-6 19-51,-8 23 73,-1 4-1,0 5-32,0 3 44,1 10-79,2 4 46,3 8-51,3 5-180,10 24 37,-9-26 0,2 0 120,-1 1 1,1-1-87,2 7 0,0-2-20,8 17 104,-6-22 0,0-3-65,4 5 51,-1-12-118,-12-20 135,-2-3 22,0-3 78,-2-4 68,0-8-6,-1-5 39,0-7-22,-1-20-157,0 5 25,-2 6 0,0-5-28,0-3 1,1-2-1,3-1 0,2 1 0,-2 1 0,1 3-41,12-14-158,-6 27-173,-1 8-516,-3 9-1215,-3 6-1551,-2 11 3657,-1 4 0,0-1 0,0 0 0</inkml:trace>
+  <inkml:trace contextRef="#ctx0" brushRef="#br0" timeOffset="821">13950 2762 10965,'-14'36'411,"-1"-1"1,-10 28-266,18-33-90,2-1-56,3-4 0,2-4-73,3-7-241,2-5 314,5-5 95,1-4 62,3-7 6,-2-5 168,7-20 66,-2-8 146,-1-24-27,-7 16-298,-5 6-33,-4 24-174,0 14 51,0 2 27,0 13-5,3 2-50,2 14 39,5 1-68,7 15 1,4 0-6,0-3-1473,4-4 1473,-8-21 0,-4-3 0,-4-8 0</inkml:trace>
+  <inkml:trace contextRef="#ctx0" brushRef="#br0" timeOffset="1215">14283 2786 12965,'21'28'356,"-1"0"1,3 6-1,-3-3-227,-3 0-95,5 10-34,-7-17 0,0-4-236,-1-3-234,-2-5-538,-3-2 1008,-2 0 0,-4-6 0,-1 0 0</inkml:trace>
+  <inkml:trace contextRef="#ctx0" brushRef="#br0" timeOffset="1465">14307 3096 10394,'-3'-13'1983,"1"3"-1530,2 10 505,0 0 5,36-49-890,-8 19-127,-4-1 1,1 0-899,5 1-2688,-11 12 3640,-4 2 0,-6 8 0,-4 4 0</inkml:trace>
+  <inkml:trace contextRef="#ctx0" brushRef="#br0" timeOffset="2411">14355 3405 12903,'14'41'1249,"2"22"-1143,-8-18-27,3 21-26,-3-18 0,-1 1-76,-1-11 1,0 1-297,2 18 0,0-2-364,-2-5-449,-2-12-285,-4-32-2834,0-3 4251,0-3 0,0-1 0</inkml:trace>
+  <inkml:trace contextRef="#ctx0" brushRef="#br0" timeOffset="3146">14283 3619 14152,'-1'-32'151,"4"2"-145,8 16 223,6-7 57,5-6-286,-4 5 45,0-2-6,-11 15-28,-1 1-5,-2 3-1,-2 1 23,-1 4-117,0-1 133,2 3 35,2 9-34,10 14-34,1 3-106,5 4-202,-7-14 297,0-3 0,-9-11 0,0 1 0</inkml:trace>
+  <inkml:trace contextRef="#ctx0" brushRef="#br0" timeOffset="4211">14879 2191 12124,'15'34'362,"1"0"1,0-2-1,-1-3-71,7 8 79,16 12-202,-8-12-90,-6-10 1,1 0-40,3 1 118,10 13-185,-16-14-1546,4 5 1574,-9-13 0,-6-6 0,-6-10 0</inkml:trace>
+  <inkml:trace contextRef="#ctx0" brushRef="#br0" timeOffset="4541">14902 2715 12124,'31'-52'1916,"-2"5"-891,3 0-695,-4 12 1,1 0-303,-6 7 0,1 0-28,6-6 0,-2 4-162,-3 4-589,-5 10-1534,-7 5 2285,-5 7 0,-5 3 0,-2 1 0</inkml:trace>
+  <inkml:trace contextRef="#ctx0" brushRef="#br0" timeOffset="5345">15545 1715 14286,'-43'46'840,"4"-5"-694,15-21-96,1 0-5,2-2-6,0 1-39,7-7-73,3-1 6,8-8-95,1-2 123,6 0 89,11 4 90,20 10-101,3 8-11,2 3 67,-5 12-89,-17-15 0,5 10 38,-10-12-44,0 0 0,-2-3-39,-1-1-140,-1-3-930,0-1 1109,-1-6 0,-2-1 0,-3-6 0</inkml:trace>
+  <inkml:trace contextRef="#ctx0" brushRef="#br0" timeOffset="5791">15735 1881 14561,'11'48'616,"-2"-4"-555,-9-17-10,2 9-46,1-10-5,1 3-45,2-15-212,-1-3 72,2-3-50,0-5-376,1-1-4340,5-12 4951,-5 1 0,0-3 0,-6 5 0</inkml:trace>
+  <inkml:trace contextRef="#ctx0" brushRef="#br0" timeOffset="6158">15759 1738 13620,'9'-6'-5299,"-3"2"5299,-3 3 0,-2 1 0,-1 0 0</inkml:trace>
+  <inkml:trace contextRef="#ctx0" brushRef="#br0" timeOffset="6792">15950 1691 12657,'25'29'429,"1"0"0,4 5 1,-2-3-223,0-4-168,4 5 0,-9-13 0,-9-8-39,-1-1 51,-2 0 150,0 4-201,-2-4 6,0 5 44,-3-5 141,0 5 296,-3-2-22,-1 6-302,-6-6 27,-10 9-134,-2-9-50,-19 14-40,13-13-285,-10 5-555,9-11-1176,2-2 2050,-1-4 0,11-2 0,2 0 0</inkml:trace>
+  <inkml:trace contextRef="#ctx0" brushRef="#br0" timeOffset="11246">13902 3429 11889,'12'35'2011,"-3"15"-1726,-9-27-27,0 20-135,-1-14-16,0 4-57,-2 3 23,0 2-40,1 2-33,0-1 0,1 0 6,-1 12-101,2-15 61,0 13-218,1-21 123,0-5-643,1-10-455,-1-9 1227,0-7 0,-1 2 0,0-4 0</inkml:trace>
+  <inkml:trace contextRef="#ctx0" brushRef="#br0" timeOffset="11796">13807 3643 13541,'6'-36'622,"4"1"-499,5 17 68,7-3-102,-9 12-44,3 1 17,-6 6 44,-1 2-16,2 4-12,0 4-78,0 6 56,5 13-50,-1 3-6,0-1-286,1 0 286,-3-19 0,-5 0 0,1-9 0</inkml:trace>
+  <inkml:trace contextRef="#ctx0" brushRef="#br0" timeOffset="13025">12570 2619 12388,'45'6'1120,"-5"-1"-885,-27-5-28,2 0 107,10 0-68,5 0-162,1 0 51,10 1-96,-5 0 0,-1 0-28,5 2-5,-21-2-6,2 1-73,-11 1-274,-5-2-1266,-3 2 610,-1-1-503,-1 2-1597,-1 0 3103,-1-1 0,1-1 0,-1 0 0</inkml:trace>
+  <inkml:trace contextRef="#ctx0" brushRef="#br0" timeOffset="13743">12617 2477 14320,'-23'39'414,"1"-3"-341,7-17 11,1 1-45,0-2-33,4-1-1,1-3-10,4-4 5,2-4-34,2-1-5,1-2 33,0 1 1,3 0 234,7 4-167,15 16-56,-1-3 27,7 12-27,-10-10-12,-1 3-27,0-2-85,-2-1-112,-1-3-442,-2-3-716,-3-4-1794,-1-3 3182,-4-5 0,-3-2 0,-3-3 0</inkml:trace>
+  <inkml:trace contextRef="#ctx0" brushRef="#br0" timeOffset="14823">12070 2453 10808,'0'-16'1826,"-2"4"-1535,-8 10-184,-1 0 128,-2 2 79,-1 3-118,-3 3-68,-2 6-83,0 5 56,-11 14-90,2 11 34,2 2-39,8 18-6,13-10-26,9-16 1,2 0-25,5 10-17,12-5-62,-7-27-34,2-6-16,9-3 235,-7-3 6,8-6 5,-10-3-11,7-16 0,-8 1-11,11-23 128,-10-16-105,-5 11 21,-5-11-10,-8 34 100,-2 3 39,-1 5-167,-1 7 105,-1 4-150,2 3 50,0 4-56,2-1 22,0 2-22,0 6 124,6 21 55,7 13-174,4 9 1,-3-14 0,1-1-1010,4 10 1010,5 13-6,-9-20-34,0-6-68,-3-6-144,0-6-241,-1-7-376,0-5-672,1-5 1535,3-15 0,-5 9 0,-1-8 0</inkml:trace>
+</inkml:ink>
+</file>
+
+<file path=ppt/ink/ink29.xml><?xml version="1.0" encoding="utf-8"?>
+<inkml:ink xmlns:inkml="http://www.w3.org/2003/InkML">
+  <inkml:definitions>
+    <inkml:context xml:id="ctx0">
+      <inkml:inkSource xml:id="inkSrc0">
+        <inkml:traceFormat>
+          <inkml:channel name="X" type="integer" min="-2.14748E9" max="2.14748E9" units="cm"/>
+          <inkml:channel name="Y" type="integer" min="-2.14748E9" max="2.14748E9" units="cm"/>
+          <inkml:channel name="F" type="integer" max="32767" units="dev"/>
+        </inkml:traceFormat>
+        <inkml:channelProperties>
+          <inkml:channelProperty channel="X" name="resolution" value="1000" units="1/cm"/>
+          <inkml:channelProperty channel="Y" name="resolution" value="1000" units="1/cm"/>
+          <inkml:channelProperty channel="F" name="resolution" value="0" units="1/dev"/>
+        </inkml:channelProperties>
+      </inkml:inkSource>
+      <inkml:timestamp xml:id="ts0" timeString="2022-11-21T14:22:57.694"/>
+    </inkml:context>
+    <inkml:brush xml:id="br0">
+      <inkml:brushProperty name="width" value="0.05292" units="cm"/>
+      <inkml:brushProperty name="height" value="0.05292" units="cm"/>
+      <inkml:brushProperty name="color" value="#0070C0"/>
+    </inkml:brush>
+  </inkml:definitions>
+  <inkml:trace contextRef="#ctx0" brushRef="#br0">16426 11073 13424,'38'-6'554,"1"1"-408,-3 5-17,3 0 39,20 0-90,6 0 25,-18 1 1,3 2-79,-9-1 1,0 1-1,-3 0 0,-1 0-20,-1 0 1,-4-1 28,7-1-29,9-1-38,-8 0 33,-6 0 0,-5 0-45,-11 0-56,-12 0-980,-3 0 1081,-1 0 0,-2 0 0,0 0 0</inkml:trace>
+  <inkml:trace contextRef="#ctx0" brushRef="#br0" timeOffset="630">16688 10906 12858,'-31'14'465,"0"-1"0,-1 3 0,1-1-241,-10 6-73,-5 8-140,22-11-28,4-1-67,12-8 84,6-7 84,2 0 6,4 2-1,3 2 18,7 3-12,5 5-28,3 2 17,16 12-73,1 5-5,0-2 0,2 4-650,-9-15 644,22 3 0,-29-13 0,7-4 0</inkml:trace>
+  <inkml:trace contextRef="#ctx0" brushRef="#br0" timeOffset="1503">17997 10692 13133,'-13'63'588,"6"-28"0,2 1-457,1 1 1,1 0-2522,1 5 1,0 0 2492,1 0 1,1-1-62,1 3 0,4-2 73,2-4 0,2-2-227,11 25 1011,23-10-961,-14-32-196,13-4-352,-15-19 610,8-31 0,-19 21 0,2-20 0</inkml:trace>
+  <inkml:trace contextRef="#ctx0" brushRef="#br0" timeOffset="1751">17854 10930 11502,'-2'-11'1323,"0"3"-959,47-1-546,-13 3 274,3-1 1,2 0 139,11 0-423,19 1-722,-19 2 913,-5 8 0,-4 1 0,-14-3 0,13 7 0</inkml:trace>
+  <inkml:trace contextRef="#ctx0" brushRef="#br0" timeOffset="2219">18449 10954 13558,'-18'41'280,"0"1"0,0 4 0,4-4-280,6-4-101,2 5 12,5-22 89,5-7 78,10-7 90,9-21-78,11-17-45,-7-7 89,-1-24 28,-17 1-94,0 13 77,-8 4-134,-1 35-11,0 4 0,0 6 163,0 8 117,6 27-268,0 1 128,5 19-140,0-13-107,-2-2-750,8 3-2005,4-18 2862,5-13 0,-9-11 0,-4-11 0</inkml:trace>
+  <inkml:trace contextRef="#ctx0" brushRef="#br0" timeOffset="2651">18759 10930 10640,'8'10'2269,"-1"-1"-1743,-3 29 12,-3-13-169,2 32-106,-3-23 29,0-2-85,0-4-168,0-6-106,0-4 67,2-10 95,5-8 0,1-10-89,6-9 33,5-14-39,-4 6 0,12-14 28,-4 20 62,-5 6 16,-2 16-10,-10 11-12,0 9 5,0 16-77,-1 2-12,-1-1-202,-1-7-331,-2-17-2766,1-4-974,0-5 4273,0-3 0,-1-2 0,0 0 0</inkml:trace>
+  <inkml:trace contextRef="#ctx0" brushRef="#br0" timeOffset="3185">19187 10644 14499,'4'37'328,"-1"0"1,0 7 0,0 0-284,-4-5 0,-1 2 41,2 12 1,-1 1-53,1-14 0,0-3-68,0 0 0,0-2-139,1 17 49,2-36 197,9-13-17,-1-18-56,6-12 6,-3-8-6,0-5 45,9-19-79,2 11-28,-1 7 135,1 33 34,-9 73-102,-2-13-5,-9-6 0,-1 0-33,-1 4-203,0-6-223,0-7-1120,-1-9 1579,1-4 0,-2-13 0,0-3 0</inkml:trace>
+  <inkml:trace contextRef="#ctx0" brushRef="#br0" timeOffset="3720">19878 11216 13138,'-5'36'417,"0"1"1,-7 27-385,-1-31-346,-5 6 313,5-3 0,2-10 0,7-10 0</inkml:trace>
+  <inkml:trace contextRef="#ctx0" brushRef="#br0" timeOffset="4788">20258 10597 12477,'2'42'476,"0"1"0,0 14 0,-1-2-156,-1 11-4,0-7 0,1 0-3251,0 8 2935,0-25 0,0-2 803,2 14-847,-1-22-35,0-4 550,0-22-471,2-18-45,-1-19 50,0-7-2,-2 2 0,0-4-56,-1-1 0,0 0 19,1 0 0,0-1 179,0 0 0,2 2-151,4-12-28,4 8 34,3 8 0,3 10 68,1 9 206,10 13-112,-7 14-89,4 14 17,-12 11-45,-5 27 11,-3-12-56,-9-8 0,-6 1 16,-5-6 1,-4-3-22,-12 22-68,-10-10 22,23-38 12,5-5 1288,3-3-1310,5-4 10,3 1 51,3-4 0,7 4 107,7 2-34,8 3 67,6 6-62,19 14-39,3 8-95,-18-9 0,2 0 56,24 4 0,-23-5 0,-12-17 0</inkml:trace>
+  <inkml:trace contextRef="#ctx0" brushRef="#br0" timeOffset="5236">20830 11073 12545,'66'9'1316,"1"-16"-1182,-52-8 6,6-10 34,-17 12 61,-2 1-162,-1 0-6,-6 1-11,-4 2-51,-8 1 79,-4 2 84,-2 3 12,-9 4 156,8 22 34,1 21-345,19-5 0,7 2-613,15 22 588,7-37 0,3-6 0,0-6 0,12-19 0</inkml:trace>
+  <inkml:trace contextRef="#ctx0" brushRef="#br0" timeOffset="5885">21234 10597 12970,'12'62'686,"-7"-19"0,-3 0-367,-7 14-53,1-6 0,0 0-98,0 7-151,2-22 0,0-1 84,0 4-96,2-8-5,0-3-5,0-14-29,0-1 34,1-11-11,1-2-39,0 0 117,6 0-17,16-1 74,9 0-102,23-4-22,-19 2-639,2-2-4194,-20 1 4833,-7 2 0,-2 0 0,-8 1 0</inkml:trace>
+  <inkml:trace contextRef="#ctx0" brushRef="#br0" timeOffset="6334">21615 10644 14185,'5'44'381,"-1"0"0,0-2 0,-1-1-140,-4 17-123,1 4-79,3-1-11,2-22 0,2-2-73,4 13 45,9 2-5,-4-33 5,0-10 106,2-9 112,0-13 85,11-30-155,-11-5 1,-3-7-233,-1-3 0,-2-1-535,0-4 0,-4 1 263,-5 8 0,-4 7-238,-1 1-419,-1 9-1849,-1 28 2862,0 10 0,1-1 0,1 1 0</inkml:trace>
+  <inkml:trace contextRef="#ctx0" brushRef="#br0" timeOffset="7904">16545 12787 14213,'37'0'443,"0"-1"-275,-13 1 28,8-1-79,5-1 68,5-1-11,25-2-101,-31 2 0,1 1-28,-1 0 0,1 0-3,5 0 0,-3 2-3,6 0-11,-11 0 0,0 0-34,1 0 1,7 0 5,-18 0 16,-4 0-16,-1 0-5,-5 0 5,-2 0-11,-1-2-62,-3 0-841,1-4-318,-4 0-6598,0-4 7830,-4 5 0,-1-1 0,0 4 0</inkml:trace>
+  <inkml:trace contextRef="#ctx0" brushRef="#br0" timeOffset="8469">16712 12573 13749,'-28'37'1108,"-9"10"-710,2-8-292,0-2-44,-1 6-101,18-12 39,7-4 89,17-2 18,13-10-45,8 1-6,5 0-50,3 1-6,16 7-415,-12-5-1521,-7-1 1,-1 1 1935,0 0 0,-1 3 0,-21-15 0</inkml:trace>
+  <inkml:trace contextRef="#ctx0" brushRef="#br0" timeOffset="9368">17878 12668 11872,'6'-20'2330,"-11"3"-2128,-8 17 156,-16 9-274,5 5-84,0 5 39,8 3 6,11-6-45,4 1-45,2-3 45,5 0 0,4-1 6,6-2 0,2-1-6,1 0 44,7 6-44,-5 2 34,-2 1-34,-9 6 6,-14 0-1,-2-6-5,-8 1-5,1-14-79,0-2-96,-2-2-284,2-2-169,0-4-2487,-1-14 3120,5 2 0,1-3 0,6 11 0</inkml:trace>
+  <inkml:trace contextRef="#ctx0" brushRef="#br0" timeOffset="9656">18140 12621 12881,'10'53'1248,"-1"-1"-1035,-9-17-11,0 1-62,0-1-79,0-3-61,0-3-336,0-7-548,1-7-892,2-7-274,3-9 2050,0-7 0,-2 2 0,-2-1 0</inkml:trace>
+  <inkml:trace contextRef="#ctx0" brushRef="#br0" timeOffset="9824">18092 12478 12304,'2'10'946,"-1"-1"-2361,50-45 0,-38 27 0,38-27 0</inkml:trace>
+  <inkml:trace contextRef="#ctx0" brushRef="#br0" timeOffset="10668">18473 12644 15104,'-25'34'164,"0"0"1,2-3-1,4-1-18,-2 13-152,13 2-83,13-7 89,10-11 0,10-23 5,-4-12 79,16-30-84,-17 9 123,10-23-33,-21 22 33,-4-11-50,-2 11-39,-3-7 16,-3 15 96,-3 3-96,1 7 17,-1 3-56,5 8 73,0 0 0,1 7-28,3 8-50,1 6 36,4 13 0,2 5-36,2 13-6,-1-7 0,-1 4-17,-1-2 0,-1 1-11,-2 3 0,-1 1 11,1 0 0,-1-1-19,-2-5 0,-3-3-20,-4 11-34,-2-7 40,-8 0-1,3-20-44,-3-3-112,6-18 168,-1-6 33,-4-18 6,1-1 0,-8-39 45,6-5-40,2-2 15,8 27 0,5 1-37,16-15-101,2 2-739,10 19 0,5 3-4545,14-6 5402,-12 11 0,-1 1 0,-6 5 0,-7 5 0</inkml:trace>
+  <inkml:trace contextRef="#ctx0" brushRef="#br0" timeOffset="11506">18806 12573 11228,'7'41'293,"-1"0"0,0-3 0,0-1 16,7 19-208,-5-16-90,5 6 17,-6-25-23,0-8 46,0-7 307,-1-5-61,2-10-67,5-19 72,2-19-151,0-3 185,3-14-308,-5 27-28,-2 6 196,0 23-112,-5 20-61,2 8 10,-2 6-38,0 2 5,-2 12 56,-2-12-56,-1 8-163,-1-23 158,1-3-46,3-22 141,9-27-90,0 5 5,6-15 29,-5 27-28,0 4 61,-1 8-6,1 4 259,3 20-197,-4 4-118,2 17 35,-7-1-40,1-2-499,1 10-1276,0-12 1775,11-13 0,-12-9 0,5-17 0</inkml:trace>
+  <inkml:trace contextRef="#ctx0" brushRef="#br0" timeOffset="11839">19401 12644 13911,'-4'41'177,"-1"0"0,1-3 1,1-4-55,4-2-117,3-2 33,3-4-39,4-6 0,0-6 0,8-6 157,0-13-56,0-6 78,3-23 22,-9-6-128,-3-2-95,-11-12-1479,-24 8 1501,-8 14 0,4 4 0,8 28 0</inkml:trace>
+  <inkml:trace contextRef="#ctx0" brushRef="#br0" timeOffset="12318">19782 12644 13749,'-16'37'845,"3"1"-447,12 15-348,0-3-1254,10 4 174,-4-25-662,9-25-3410,-5-17 5102,-1-12 0,-4 11 0,-2 2 0</inkml:trace>
+  <inkml:trace contextRef="#ctx0" brushRef="#br0" timeOffset="12490">19663 12311 12729,'9'2'437,"-3"0"-437,-6-2-218,0 0-1155,34-3-856,-17 8 2229,26 1 0,-32 1 0,-4 0 0</inkml:trace>
+  <inkml:trace contextRef="#ctx0" brushRef="#br0" timeOffset="12858">20044 12621 14202,'-15'54'313,"0"1"1,2-12 0,4-3-264,14 22-55,4-34-34,9 0 27,0-19 24,0-5-12,-1-4 168,0-8-112,-2-7 50,2-21-33,-7-9-213,-1-3-1243,-23-15-2140,-1 27 0,-2 2 3523,-11-17 0,-1 2 0,23 40 0</inkml:trace>
+  <inkml:trace contextRef="#ctx0" brushRef="#br0" timeOffset="13201">20235 12144 14751,'1'35'321,"0"-1"0,-1 5 1,-1 0-146,-3 1 1,-1 3-1650,1 2 0,1 3 1,1-2 1558,-1 3 1,1-1-84,0 17 0,4-4 620,11-1-1643,0-15 1020,20-21 0,-21-16 0,8-9 0</inkml:trace>
+</inkml:ink>
+</file>
+
 <file path=ppt/ink/ink3.xml><?xml version="1.0" encoding="utf-8"?>
 <inkml:ink xmlns:inkml="http://www.w3.org/2003/InkML">
   <inkml:definitions>
@@ -941,6 +1248,618 @@
   <inkml:trace contextRef="#ctx0" brushRef="#br0" timeOffset="45654">24924 3548 13340,'39'45'1310,"-7"-9"-1108,-14-17 16,-4-4-95,0-1-39,0 0-33,-1-1 44,4 4 28,3 0-83,-4-3-40,-4-3 78,-8-8-72,-4-2 812,0 0-718,-1 1-100,0 0 73,-5 3-67,2-2 16,-3 3-11,2 0-11,0-1 6,-2 3 5,-1 2-5,-3 1-1,-10 9-5,4-3 0,-20 19 0,10-12 3,1-2 0,-1-1 3,-5 2-6,-11 6-90,20-16-1042,2-1 281,11-6-1512,3-2 2363,6-3 0,1-1 0,0 0 0</inkml:trace>
   <inkml:trace contextRef="#ctx0" brushRef="#br0" timeOffset="60411">23686 4143 12494,'8'24'706,"2"-3"-527,3-9 112,7 6-190,-5-3 33,10 13-100,-10-10-23,3 7 45,-5-7-17,0 1 6,7 9-45,-4-7 0,12 16 39,-5-8-33,0 0 39,4 5 67,0 2-67,1 2-40,-2-2 1,-7-10-1,-6-7 40,2 1-34,6 5-11,-5-5 12,6 4-12,-9-8 0,0-3 5,3 7 1,-2-2 16,5 10-22,-5-4 6,-1-2 5,-2-1-11,-5-11 6,0 3-6,-3-7 39,-1-3-22,-1 0-1093,-1-2 1076,0-14 0,0 9 0,0-10 0</inkml:trace>
   <inkml:trace contextRef="#ctx0" brushRef="#br0" timeOffset="61293">24353 4167 10399,'-36'21'550,"0"1"1,6-5 0,2 0-349,-10 8-95,8-5 27,-2 1-11,0 2-117,-1 1-6,1 1 0,1 2 0,2 1 0,-11 12 6,2 2-12,1-1 12,0 6 61,11-13-11,-13 17-39,13-18 39,-3 3-6,14-19-5,1-1-6,-6 5-33,6-6-6,-3 2-45,8-6 34,2-3 5,2-1-33,2-1-23,1-1 180,0-3 167,2 0-1360,4-4-68,3-3 1143,3-3 0,-3 2 0,-3 0 0</inkml:trace>
+</inkml:ink>
+</file>
+
+<file path=ppt/ink/ink30.xml><?xml version="1.0" encoding="utf-8"?>
+<inkml:ink xmlns:inkml="http://www.w3.org/2003/InkML">
+  <inkml:definitions>
+    <inkml:context xml:id="ctx0">
+      <inkml:inkSource xml:id="inkSrc0">
+        <inkml:traceFormat>
+          <inkml:channel name="X" type="integer" min="-2.14748E9" max="2.14748E9" units="cm"/>
+          <inkml:channel name="Y" type="integer" min="-2.14748E9" max="2.14748E9" units="cm"/>
+          <inkml:channel name="F" type="integer" max="32767" units="dev"/>
+        </inkml:traceFormat>
+        <inkml:channelProperties>
+          <inkml:channelProperty channel="X" name="resolution" value="1000" units="1/cm"/>
+          <inkml:channelProperty channel="Y" name="resolution" value="1000" units="1/cm"/>
+          <inkml:channelProperty channel="F" name="resolution" value="0" units="1/dev"/>
+        </inkml:channelProperties>
+      </inkml:inkSource>
+      <inkml:timestamp xml:id="ts0" timeString="2022-11-21T14:24:23.193"/>
+    </inkml:context>
+    <inkml:brush xml:id="br0">
+      <inkml:brushProperty name="width" value="0.05292" units="cm"/>
+      <inkml:brushProperty name="height" value="0.05292" units="cm"/>
+      <inkml:brushProperty name="color" value="#0070C0"/>
+    </inkml:brush>
+  </inkml:definitions>
+  <inkml:trace contextRef="#ctx0" brushRef="#br0">4261 15240 12012,'-18'24'1160,"1"-2"-46,-6 7-1007,7-7 77,-10 18-60,12-13-119,0 3 6,-1 14-11,5-9-5,1 10-34,6-14 27,6 14-88,3-14 10,13 17-324,16-14 285,4-7 73,1-8-11,-11-15-1,-10-9 24,-1-5 44,0-10 5,-2-9 118,-1-7-89,-2-7-28,-4-3 16,-2-2-22,-4-17 45,-12 8 78,-5-5-56,-4 25 68,-1 15-91,11 16-44,0 3-196,6 3 124,2 3 60,-1 4 12,3 8 84,5 6-84,5 8 34,7 5 16,5 6-50,-5-9 0,2 1-28,1 1 0,0-1-20,-1 0 1,0-1-404,2 0 1,0-4 450,16-3 0,-14-4 0,-1-15 0</inkml:trace>
+  <inkml:trace contextRef="#ctx0" brushRef="#br0" timeOffset="667">4809 14835 13502,'-54'32'717,"24"-12"0,4-1-555,2 2 135,-12 14-191,17-18-78,-3 7-28,13-16-50,2 2 44,5-7 6,2 0-5,0 0-57,0 0 57,0 9-35,7 6-10,1 4 16,18 12 29,6-2 33,3 0 0,12 6-39,-19-17-68,7 3 79,-15-11-224,-3-2-420,-4-4-722,-3-2-1401,-2-4 2767,-4-1 0,-1 0 0,-3 0 0</inkml:trace>
+  <inkml:trace contextRef="#ctx0" brushRef="#br0" timeOffset="1067">4976 14835 14090,'-5'64'571,"2"-6"-515,3-26 0,12 17-106,8 0-23,5-3-352,10-7-410,-8-24-1803,5-5 975,-13-13 1663,-7-4 0,-11 1 0,-1 1 0</inkml:trace>
+  <inkml:trace contextRef="#ctx0" brushRef="#br0" timeOffset="1282">4856 15097 11883,'0'-10'656,"0"2"-331,0 8-180,0 0-10,37 0-85,-15 0-50,31 0-431,-25-1-835,2-2-885,-3-1 2151,-1-2 0,-12 3 0,-5 0 0</inkml:trace>
+  <inkml:trace contextRef="#ctx0" brushRef="#br0" timeOffset="1749">5142 14859 13508,'47'41'817,"-4"-3"-688,-19-15-50,3-3-74,2-1 74,1-3-74,0-3 29,-3-2-23,-1-4-5,-4-1 44,-3-2-11,-2 0 45,-6-1 583,-3 3-577,-11-2-45,-5 5 83,-5 1-128,-4 3 0,-2 3-89,1 2 22,0 2-242,3 0-710,3-1-6481,4 6 7500,4-9 0,2-1 0,2-10 0</inkml:trace>
+  <inkml:trace contextRef="#ctx0" brushRef="#br0" timeOffset="2317">5642 15383 13665,'36'-5'196,"-2"2"-488,2 5-430,-9-1-897,7 0-1411,-17 0 3030,-3 1 0,-7-1 0,-3 0 0</inkml:trace>
+  <inkml:trace contextRef="#ctx0" brushRef="#br0" timeOffset="2501">5690 15526 12309,'-13'-4'773,"3"1"-498,10 3 49,0 0-268,42 34-16,-17-21-40,5 7 0,2-2-269,4-11-924,8-3 1193,13-10 0,-25 4 0,2-5 0</inkml:trace>
+  <inkml:trace contextRef="#ctx0" brushRef="#br0" timeOffset="3483">6380 15264 14079,'-20'31'104,"-1"1"1,2 4 0,5-2-105,9-1-6,3 11-44,7-16-29,5-3-173,6-4 23,3-7-79,11-6 268,-7-11 80,11-21 83,-17-2 45,0-28 78,-12 11-61,-14-12 134,0 24-319,-5 9-168,8 20 213,5 20 61,2 1-106,4 21 6,4-2-6,4 8 0,4 4 11,2 3-11,-6-14 0,0 4-188,2 9 1,-1 3 61,-2-4 0,-1 1 67,-1 1 0,-4-3 54,-6 0-68,-12-10 73,-2-23 0,-8 1 157,2-9 140,0-3 240,-5-3-279,9-2-258,-2-7 56,11-5 84,4-37-17,8-6-43,3 12 0,5-7 1,2 1-74,4-1 1,3 0-1,-1 1-177,-2 4 0,-1 1 1,2 2-559,14-20 0,-1 10-3271,-2 14 3900,4-2 1,-15 19 0,-7 6 0</inkml:trace>
+  <inkml:trace contextRef="#ctx0" brushRef="#br0" timeOffset="4222">7070 14764 15081,'-23'46'443,"-1"0"-275,-10 9-78,7-5-85,9-14 1,1 2 89,-3 23-92,11-14 0,2 1-3,3-11 0,0-1-711,3 12 1,3-1 654,8 15-185,9-10 1,5 1-71,-2-13 0,2-1-22,4 9 0,1-4-213,-4-17 0,0-4-1706,9 2 2252,-1-6 0,-16-8 0,-6-6 0</inkml:trace>
+  <inkml:trace contextRef="#ctx0" brushRef="#br0" timeOffset="5321">7285 15097 12270,'17'35'394,"0"1"0,2 3 0,0 2-372,4 13 1,0 1-49,-3-8 1,-2-2-6,1-1 1,-3-4-94,3 3-77,-9-26-6,-1-8 240,1-9 34,-1-11-61,-1-10 100,-1-11-66,-1-10 46,-2 2 1,0-3 2,-1-2 1,0-1-62,2-10 0,0 3-84,1-13-16,0 29 38,-2 35 129,7 22-28,1 1-61,6 20 5,-2-3 62,1 2-39,0 0 5,-1 0 0,0-3-39,3 7-134,-3-14-62,-2-4 470,-3-29 140,-6-34-335,-1-8-51,-2 0 0,0-3 17,-1-15-45,0 22 0,1 0-219,3-10-324,3 9-846,5 8-633,-1 11 2022,4 9 0,-9 8 0,-1 4 0</inkml:trace>
+  <inkml:trace contextRef="#ctx0" brushRef="#br0" timeOffset="5833">8046 15502 12701,'-20'31'81,"0"1"1,-12 23-82,29-27-51,2-3-38,4-5-96,3-6 146,6-6-79,9-8 241,7-37 57,-3-8-91,-3-15 40,-15 0-17,-7 29-28,-4-2 22,-2 17 96,-2 6 50,1 5-252,2 3-67,1 8 67,3 5 101,0 11-96,9 26-173,1-8-726,3-6 1,5-1 893,14 5 0,-6-6 0,-7-19 0</inkml:trace>
+  <inkml:trace contextRef="#ctx0" brushRef="#br0" timeOffset="6633">8308 15502 12707,'-33'48'470,"7"-5"-470,26-19 0,4-2-50,3-2-40,4-4-470,15-4 560,-7-15 0,5-4 6,-12-14 0,-7-1 173,-3-9-112,-1 7 51,-4-4-68,-1 11 23,-3 4 33,1 4-11,2 3-139,1 11 268,23 34-191,4 7-33,11 11-1748,8-7-514,-20-30 2262,7-1 0,-20-15 0,-3-3 0</inkml:trace>
+  <inkml:trace contextRef="#ctx0" brushRef="#br0" timeOffset="7633">8856 14978 12707,'-48'39'834,"7"-1"-582,23-9-16,4 6-141,7 5 0,4 4-76,4-6 1,5 1-353,9 22 0,6-3 156,-6-25 1,4-5 89,5-1 0,1-7-30,1-12 61,-2-9 56,-2-10 73,-3-7-1,-2-34 1,-6 5-9,-6 1 1,-2-1-54,-5-12 17,-3 11 0,-4 2 90,-8-8 291,-4 6-409,9 35 5,8 26 79,9 16-33,4 10-46,5 6 6,5 4-5,1-1 72,2 0-78,2-6-716,10 6-108,-5-22 824,15-2 0,-26-21 0,0-3 0</inkml:trace>
+  <inkml:trace contextRef="#ctx0" brushRef="#br0" timeOffset="8585">9308 14478 13306,'-30'26'1305,"-11"9"-930,-7 5-336,11-7-39,-4 5-5,28-21-57,5-5-162,5-1 157,3-5 67,5-1 73,4-1-34,15 5-28,-3 1 56,19 14-61,-4 7-6,0 1-258,3 9 23,-20-18-179,2 3-275,-12-12-1087,-2-5 1776,-3-1 0,-3-5 0,0-1 0</inkml:trace>
+  <inkml:trace contextRef="#ctx0" brushRef="#br0" timeOffset="8952">9546 14526 11054,'4'2'1709,"0"0"-712,-4-2-180,-22 59-637,17-30-127,-6 9 0,1 0 20,11-6-73,4-1-168,13 8 33,-1-14-100,10 2-218,-8-17-1715,7-5 421,-9-3 1747,2-11 0,-13 5 0,-2-5 0</inkml:trace>
+  <inkml:trace contextRef="#ctx0" brushRef="#br0" timeOffset="9153">9451 14716 13077,'49'8'-174,"-12"-3"0,-4-1 0,-12 0 1,16 1-1</inkml:trace>
+  <inkml:trace contextRef="#ctx0" brushRef="#br0" timeOffset="9390">9832 14764 11099,'60'17'-2308,"-10"-6"2308,-40-15 0,-4 0 0,-3 1 0</inkml:trace>
+  <inkml:trace contextRef="#ctx0" brushRef="#br0" timeOffset="9852">10094 14764 9957,'5'10'761,"0"-3"-604,-5-7 1367,0 0-1093,10-40 185,3 13-577,10-30-151,-9 36 112,-2 8 73,-10 17 140,1 4-90,-1 7-67,1 5-22,1 16-62,0-8-790,2 18-263,-1-23 1081,4 7 0,-5-21 0,0-1 0</inkml:trace>
+  <inkml:trace contextRef="#ctx0" brushRef="#br0" timeOffset="10385">10260 14407 12561,'28'25'518,"-1"0"0,21 18 143,-17-23-482,-8-5 146,16 10-73,-8-2-117,-5-4-130,-4 0 141,-16-12-29,-2-1-21,-1-2 67,-2 0 206,0 1-229,-1 0 6,-2 11-141,-2-4 79,-9 16-78,-5-1-96,-11 13-212,8-15-180,0-2-151,14-17-498,1-2 1131,-1-2 0,4-1 0,-2-1 0</inkml:trace>
+  <inkml:trace contextRef="#ctx0" brushRef="#br0" timeOffset="11252">10736 15216 12321,'40'3'1484,"-1"0"-1176,-7-4 33,21-2-274,-11 0-126,-8 1 1,1-1-3560,17-4-381,-11 2 3999,-12-2 0,-25 6 0,-3-1 0</inkml:trace>
+  <inkml:trace contextRef="#ctx0" brushRef="#br0" timeOffset="11467">10903 15026 10786,'-6'-6'1013,"1"2"-688,4 54-117,1-15-130,2 18 1,2 3-3125,3 6 3015,-1-20 1,3-2-1398,11 13-650,3-11 2078,6-10 0,-13-16 0,-4-8 0</inkml:trace>
+  <inkml:trace contextRef="#ctx0" brushRef="#br0" timeOffset="12551">11451 14954 12981,'17'34'278,"1"-1"0,0 1 1,-1-2-66,5 15-101,2 5-23,2 2-103,-8-17 0,1 2 14,-3-3 0,1-1-51,-1-1 1,0-2-190,12 14 301,-11-42-16,-1-14 17,0-46-29,-8 3-25,-2 14 1,-1 0-3,0-22 38,-1 3-38,0 6-6,-1 10-6,0 12-78,0 12-5,0 9 173,4 24-45,1 5-17,11 43-22,-10-29 0,1 2-53,5 18 0,0-1 44,-5-18 1,0-3-227,10 30 235,-11-52 106,0-14 186,2-20-46,2-27-190,-5 13 0,0-4-28,0-7 0,0-2-151,1-1 0,-1 0 5,-1 5 0,0 3-1255,4-21 371,-1 23-2993,15 10 3995,-7 16 0,3 2 0,-12 11 0</inkml:trace>
+  <inkml:trace contextRef="#ctx0" brushRef="#br0" timeOffset="13184">12379 15407 13373,'-32'32'43,"0"1"0,5-2 0,6-2-43,15 2-117,6-6-180,2-14 39,3-5-33,2-3 39,3-5 89,0-4 129,1-16 85,-2-8 38,-1-3 97,-4-7 32,-3 14-100,-1 4 263,0 9-213,0 10-157,1 5-11,1 4 134,1 7 45,3 8-167,1 4 60,5 4-116,8 11-427,7-7-532,0-6 1003,20-34 0,-31 3 0,11-16 0</inkml:trace>
+  <inkml:trace contextRef="#ctx0" brushRef="#br0" timeOffset="14334">12593 15478 12505,'12'26'684,"3"0"-662,7-3-22,2-1-347,-1-3-589,0-3-727,-4-5-2235,-4-3 3898,-4-5 0,-6-1 0,-3-1 0</inkml:trace>
+  <inkml:trace contextRef="#ctx0" brushRef="#br0" timeOffset="14552">12593 15669 11211,'-8'-14'980,"1"4"-537,7 10 72,19-40-436,1 2-676,-4 8 0,1-1 597,16-18 0,-19 30 0,1 2 0</inkml:trace>
+  <inkml:trace contextRef="#ctx0" brushRef="#br0" timeOffset="16467">12903 14788 12287,'26'36'416,"0"0"0,-1-2 1,0-2-137,13 4-101,4 5-117,3 3 83,1 1-111,0-1-771,-4-3 737,-3-5 239,-5-5-692,4 0-2258,-10-14-151,-5-2 2892,-13-13 1,-9-2-1,-1 0 1</inkml:trace>
+  <inkml:trace contextRef="#ctx0" brushRef="#br0" timeOffset="16738">12926 15311 12169,'22'-36'640,"0"0"1,0 1-1,0 1-281,14-14-228,-16 21 1,1-1-68,1 0 1,0 0-65,-1 1 0,2-1-280,7-6 0,0 2-829,17-15 1109,-14 17 0,-2 3 0,-5 7 0,-1 3 0</inkml:trace>
+  <inkml:trace contextRef="#ctx0" brushRef="#br0" timeOffset="18052">13522 14168 13407,'-30'20'890,"0"1"-654,8-2 38,-14 16-229,10-5 190,-17 22-157,18-15-50,2-4-28,9-11-145,12-16-46,0-3 135,2-2 96,3-1 32,8 1-38,2 1-12,18 7 46,2 10-63,2 2 29,13 13-225,-2 3 74,-8-8-197,-1 0-223,-24-18-443,-2-4-1065,-4-3-2699,-2-3 4744,-2-1 0,-2 0 0,0 0 0</inkml:trace>
+  <inkml:trace contextRef="#ctx0" brushRef="#br0" timeOffset="19535">13807 14168 13519,'-18'24'482,"3"1"-477,11-3 107,2 6-17,1 22 6,5-10-101,0-5 0,3 0-364,19 18-45,-3-10-78,6-13-95,-13-26-158,-1-3-318,-2-4-320,-2-3 1378,-5-2 0,-2 2 0,-4 1 0</inkml:trace>
+  <inkml:trace contextRef="#ctx0" brushRef="#br0" timeOffset="19752">13688 14406 10629,'-8'-7'369,"2"1"63,6 6-432,42-10-12,-15 6-699,14-1 0,3 0 711,14 3 0,-10 1 0,-17 1 0</inkml:trace>
+  <inkml:trace contextRef="#ctx0" brushRef="#br0" timeOffset="20217">14069 14192 12242,'29'21'509,"0"-1"1,25 18-370,-21-17 135,1 1-40,0-1-129,-3-1 174,6 4-5,-6-1-264,-8-4 196,-9-6 140,-12-10 320,-7 9-527,-2-1-84,-17 19-56,1-7-89,-10 9-74,6-6-1030,-12 8-6088,7-12 7281,4-2 0,13-14 0,13-6 0</inkml:trace>
+  <inkml:trace contextRef="#ctx0" brushRef="#br0" timeOffset="20968">14521 15049 11962,'52'-24'678,"-5"4"-678,-9 16-1597,1-3 1597,1-1 0,-16 2 0,-13 2 0</inkml:trace>
+  <inkml:trace contextRef="#ctx0" brushRef="#br0" timeOffset="21202">14593 14859 9990,'-11'-8'728,"2"2"-347,14 43 308,9 3-689,1 22-342,6-13-783,-3-14-2818,-1-7 3943,1-4 0,-8-12 0,-4-4 0</inkml:trace>
+  <inkml:trace contextRef="#ctx0" brushRef="#br0" timeOffset="22268">15140 14526 11570,'11'43'358,"-1"1"1,2 8-1,-1 2-142,-2 0 0,0-2-216,-2-7 0,-1 0 33,2 7 1,-2-3 72,-3 0-100,-1-4 67,-2 4-73,0-19-51,0-3-150,0-19-35,0-5 186,0-3-118,-1-10 129,0-29 16,3-11 23,5-7 0,8 11-5,2 20-40,4 7-224,12 8 269,-7 13 62,9 11 5,-11 11 11,-4 9 79,2 21-34,-11 6-131,-9-19 0,-5 0-116,-18 14-201,-6-14 17,-21-37 157,15-17-387,-12-13-195,13-6 83,0-3-100,3-1-494,6 6 1244,6 5 0,9 12 0,3 6 0</inkml:trace>
+  <inkml:trace contextRef="#ctx0" brushRef="#br0" timeOffset="22738">15759 15192 12869,'-24'33'-13,"0"-1"0,3-2 0,5-2 8,13-1 5,2-3-180,6-4-16,3-6 107,6-5-35,12-10 265,3-22 195,5-28-79,-13-1-173,-7 1 84,-12 25-168,-2 18-33,0 3 38,0 21-5,0 0 0,3 17-543,10 10-566,3-11 1109,13 11 0,-16-28 0,3-3 0</inkml:trace>
+  <inkml:trace contextRef="#ctx0" brushRef="#br0" timeOffset="23101">16021 14526 12864,'36'32'584,"-1"1"0,-1-1 1,-6 0-149,0 21-181,-14-22 1,0 3-83,-1 7 1,0 3-2215,-1 3 0,-2 3 2119,-2 1 1,-3 3 29,-2-9 0,-3 4 1,-2-1 350,-4-2 0,-2-1 0,-3 2-644,-2 6 0,-3 1 0,-3-4-1145,-16 9 0,-5-7-994,7-11 0,-2-8 2324,1-13 0,2-5 0,5-4 0,7-5 0</inkml:trace>
+  <inkml:trace contextRef="#ctx0" brushRef="#br0" timeOffset="24517">4142 16716 13037,'24'37'829,"14"5"-722,-10-21-102,13 8 40,-9-10-45,-1-1-286,0-3-419,-2-3-606,-1-5-448,-5-3 1759,-4-3 0,-10-1 0,-3 0 0</inkml:trace>
+  <inkml:trace contextRef="#ctx0" brushRef="#br0" timeOffset="24818">4547 16669 13284,'-5'65'862,"-1"-21"1,-2 2-628,-2-4 0,-2 3-112,-3 3 1,-2 4-1,1-3-2238,-2 4 0,0-1 2154,-5 8 0,2-6 348,2-7-454,5-12 189,6-11-1387,4-10-1709,7-15 1260,5-7 2261,5-9 1,-5 6 0,-2 1 0</inkml:trace>
+  <inkml:trace contextRef="#ctx0" brushRef="#br0" timeOffset="25438">4880 16240 14023,'-20'23'1439,"-9"6"-1192,10-12-40,-8 8 6,10-8-95,3 0-124,1-1-72,6-7-45,3-1 111,3-4 12,2 0 90,8 8-40,12 15-50,-1-3-5,7 9 10,-10-13-10,2 2-1,0-1 1,1-1-102,0-1-106,-2-1-84,-3-4-252,-3-2-425,-2-4-763,-3-4 1737,-1-2 0,-3-2 0,-1 0 0</inkml:trace>
+  <inkml:trace contextRef="#ctx0" brushRef="#br0" timeOffset="34532">5095 16169 13709,'1'34'868,"-2"-2"-711,-3-10-11,0 5-79,2 7-61,0 5 83,2 4-89,5 4-3,0-14 1,3 1-570,16 26-21,0-5-779,6-19-964,-10-27 566,-2-7 1770,-6-11 0,-9 3 0,-2 0 0</inkml:trace>
+  <inkml:trace contextRef="#ctx0" brushRef="#br0" timeOffset="34764">5047 16502 10091,'-2'-11'672,"1"2"-571,1 9 145,0 0 494,27-3-740,-12 2-129,22-1-627,-12 4-543,-1 0 1299,5-1 0,-14 0 0,-4-1 0</inkml:trace>
+  <inkml:trace contextRef="#ctx0" brushRef="#br0" timeOffset="35282">5356 16216 12690,'30'24'276,"-1"-1"1,0 1-1,0-1-130,21 16-46,-11-11-105,-4-5 5,-19-14 61,-1-1 68,-10-5 67,-2-3 723,-3 3-757,0 0-156,-6 3 44,-1 3-78,-15 11 28,3-2-67,-19 21-73,3 0-1736,6-4-3020,7-7 4896,17-17 0,5-9 0,0 1 0</inkml:trace>
+  <inkml:trace contextRef="#ctx0" brushRef="#br0" timeOffset="35968">5785 16835 12533,'38'13'415,"-1"-2"-415,-10-6-224,0-1-639,1-2-464,0-1 1327,1-1 0,-13 0 0,-1 0 0</inkml:trace>
+  <inkml:trace contextRef="#ctx0" brushRef="#br0" timeOffset="36165">5809 17002 10730,'-15'-3'890,"4"1"-884,11 2 374,0 0-844,70 24-668,-35-21 1002,10 8 0,-2-3 0,-22-12 0,-7 0 0</inkml:trace>
+  <inkml:trace contextRef="#ctx0" brushRef="#br0" timeOffset="37219">6475 16740 11698,'-21'31'362,"0"-1"1,1 11-1,5-2-278,13 5-257,4 8 5,9-22-264,5-18 270,1-6 10,3-3-49,0-8 201,-1-6 0,0-9 129,-2-8 22,-2-5 84,1-19 40,-7 0 139,-2-4-178,-7 20 301,-4 16-307,-2 20-230,2 8 95,0 11-78,4 9 50,4 5-67,3 9 56,6 4-321,4 6 321,2 2 11,-1 4-92,-8-18 0,0 2-9,3 21-47,-6-12 0,-1 1 39,-3-15 0,-2-1-193,-6 6 0,-1-3 229,-5 7 6,-13-19 45,5-27 343,-2-6-271,-12-16-38,9-2-23,-6-14 50,15 6 40,6-24-73,8 11 61,9 5 0,7-4-254,12-1 0,4 1-477,-5 7 1,3 0 596,13-8 0,-2 7 0,-13 15 0,1 2 0</inkml:trace>
+  <inkml:trace contextRef="#ctx0" brushRef="#br0" timeOffset="38117">7261 16288 13799,'-40'20'745,"4"4"-460,12 6-77,1 9-113,-1 12-2802,11 2 0,3 4 2707,2-10 0,3 2 16,1 16 1,3 0 40,5-21 0,2-4-57,10 23 433,-3-28 1,4-1-949,3 0 0,4-2 515,18 13 0,2-3 0,0 7 0,-15-29 0,0 1 0</inkml:trace>
+  <inkml:trace contextRef="#ctx0" brushRef="#br0" timeOffset="40507">7356 16597 12354,'-13'-31'499,"5"12"-326,14 34-61,5 7 11,7 9-89,5 3-28,2 4 5,2 1-6,-5-5 1,0 1-17,11 16-26,-12-18 1,-2-2-149,-2-4-39,-7-13 219,-8-11-7,0-1-273,-1-2 4,1-2 321,-1-4 234,4-18-173,2-14-45,0-6 146,3-19-17,-1 11-96,-2 12 18,-1 13-40,-5 25-22,1 3-45,0 6 123,2 6-123,3 9-73,2 8 73,4 6 0,3 5 0,2 2 0,2 1-207,6 10 134,-1-10-269,2-8 639,-10-28-90,-5-25 113,-4-19-180,1-17-6,-1-7-345,-5 25 1,0 0 215,0 1 1,-1 0-6,1-25-538,-1-6-341,0 31-1014,-1 1 1893,1 28 0,-1 3 0,0 2 0</inkml:trace>
+  <inkml:trace contextRef="#ctx0" brushRef="#br0" timeOffset="40925">8070 16788 11603,'46'50'73,"-4"-6"-196,-15-21-359,0-2-274,2-4 756,4-3 0,-14-6 0,-1-3 0</inkml:trace>
+  <inkml:trace contextRef="#ctx0" brushRef="#br0" timeOffset="41195">8284 16788 10550,'2'8'969,"-1"-2"-27,-13 43-472,5-19-978,-2 6 0,0 2 760,-3 6-107,3-10 1,0 0-73,-5 16 50,3-13 0,0-2-2420,2-3 255,0-5 2042,7-20 0,2-7 0,0 0 0</inkml:trace>
+  <inkml:trace contextRef="#ctx0" brushRef="#br0" timeOffset="41878">8475 16812 10562,'-25'52'817,"6"8"-778,23-30-167,10 12-35,2-25-16,6-2 179,-5-12 0,-2-6 45,-1-7 67,-3-5 67,-2-9-67,-3-1 34,-1-3 285,-3-11-286,-2 12 254,-5-13 351,1 24-554,-2 1-45,4 14-151,1 7 6,1 7 67,4 5 22,2 5 17,14 14-112,-4-10-118,8 7-459,-7-18-907,1-6 1484,3-4 0,-10-5 0,0 0 0</inkml:trace>
+  <inkml:trace contextRef="#ctx0" brushRef="#br0" timeOffset="44587">9141 16431 15406,'-27'22'494,"1"1"-382,9-3-68,2 6-38,0 2-6,3 4-50,4 2-18,4 19 80,4-12-12,6-8 0,5-1-320,16 8-699,30-9 755,-7-36 155,-20-23 0,-5-8 109,-1-14 0,-14 12 0,-5 3 6,-9 7 61,-3 2-62,-4 3 51,-2 4 196,-2 6-89,5 6-264,2 8 230,11 22-73,14 23-51,2 6-2,1-11 0,2 0-1286,5 9 1045,-9-18 0,1-3-1105,5 4-522,-1-12-2247,-1-9 4112,-4-8 0,-7-4 0,-6 0 0</inkml:trace>
+  <inkml:trace contextRef="#ctx0" brushRef="#br0" timeOffset="45219">9689 15907 14012,'-26'31'345,"1"1"0,1-3 1,1-1 46,-12 17-263,10-11 11,-6 8-17,16-20-117,3-6-6,6-6 6,2-5-6,2-3-118,2 0 6,0 1 123,0 0 34,0 3-129,1 0 73,4 2-12,13 10 23,3-3 17,12 9-11,-4-2-6,4 1-23,-1 0-291,-1-4-363,-3 0-511,-1-6-1551,-6-2 2739,-1-4 0,-10-4 0,-5-1 0</inkml:trace>
+  <inkml:trace contextRef="#ctx0" brushRef="#br0" timeOffset="45604">9879 15907 13754,'-3'37'310,"0"0"0,0-1 0,1-3-64,5 7-134,4 3-17,4 2-95,3-1-33,1-3 27,1-5-632,7-3-533,0-14 118,-1-4-1125,-3-29-841,-12 2 3019,-1-14 0,-5 16 0,-1 1 0</inkml:trace>
+  <inkml:trace contextRef="#ctx0" brushRef="#br0" timeOffset="45804">9784 16216 11390,'-11'-3'538,"2"1"-493,9 2 291,0 0-341,49-8 5,-24 5-404,41-6-867,-36 6-2555,-3 0 3826,0-1 0,-14 3 0,-3-1 0</inkml:trace>
+  <inkml:trace contextRef="#ctx0" brushRef="#br0" timeOffset="46306">10117 15907 14219,'42'43'406,"-18"-17"0,0-1-154,14 10-252,0-1 17,7 1-12,-18-15 124,-1 0 191,-13-8-29,-8 3-201,-9-5-34,-10 19-39,-1-6 16,-8 13-33,3-8-414,-10 11 83,8-12-2346,-9 8 2677,18-23 0,2-2 0,8-9 0</inkml:trace>
+  <inkml:trace contextRef="#ctx0" brushRef="#br0" timeOffset="46887">10713 16573 11362,'35'-7'216,"1"0"0,28-5-216,-31 9-40,0 0-340,-3 0-438,-3 0-532,-5 1 1350,-2 0 0,-10 1 0,-2 1 0</inkml:trace>
+  <inkml:trace contextRef="#ctx0" brushRef="#br0" timeOffset="47102">10855 16431 10091,'-1'19'818,"11"9"-824,-1 29-560,7-23 1,2-2-4844,8 4 5409,10 7 0,-22-29 0,-3-5 0</inkml:trace>
+  <inkml:trace contextRef="#ctx0" brushRef="#br0" timeOffset="47969">11736 16145 10769,'0'37'377,"-1"1"0,1-2 0,0-3-19,3 11-150,1 6 117,3 3 33,2 3-156,-2-1-84,1 0-113,-2-3 141,0 13-230,-3-10-45,-1-12 17,-1-17 162,-1-25-38,-1-26-12,0 4 0,-1-24 5,2 11 1,3-14-68,3 15-223,13-6 128,9 28 302,2 12 35,14 32-124,-17 0 28,4 15-28,-14-11 0,-5-2 44,-6-1 18,-3-3-34,-4-3-84,-6-3 0,-6-4-118,-7-4 68,-19-3 156,-10-9-302,-16-20-179,16-5-790,25-6 0,7-4 1165,4-18 0,4 9 0,10 13 0</inkml:trace>
+  <inkml:trace contextRef="#ctx0" brushRef="#br0" timeOffset="49220">12212 16859 13704,'27'32'5,"0"-3"-94,-5-18-270,1 1-296,-1-2-409,0-1-359,-2-2-2548,-3-3 3971,-3-1 0,-8-3 0,-2 1 0</inkml:trace>
+  <inkml:trace contextRef="#ctx0" brushRef="#br0" timeOffset="49490">12355 16740 9761,'8'11'2638,"-3"37"-1904,-9 1-390,-3 7 0,-3 6-288,1-14 0,-2 0-361,-4 11 0,-1-5-1644,0-4 1949,3-16 0,12-34 0,1 0 0</inkml:trace>
+  <inkml:trace contextRef="#ctx0" brushRef="#br0" timeOffset="50790">12474 16097 10427,'36'24'513,"1"1"1,4 5-1,-3 4 330,-6 5 0,-5 5-403,2 12 0,-3 5-281,-1-1 1,-6 6-44,-13-16 0,-5 6 0,-1-1 1,-2-7-303,-1 4 1,-3-1 185,1 1 0,-2 4 0,-1-11 174,-9-1-398,-11 10 34,6-16-6,-9 9-521,11-19 717,-5 2 0,14-17 0,-3 3 0</inkml:trace>
+  <inkml:trace contextRef="#ctx0" brushRef="#br0" timeOffset="54171">3642 14621 11043,'-1'41'1670,"0"0"-1295,1-9 280,0 29-442,-1-16 0,0 5-118,0-2 0,0 4 0,0-1-447,0-7 1,0 0-1,0 3 372,0 11 1,1 2 0,-1 0-8,2-3 0,-1-2 0,2 1 5,0 0 1,2 0 0,-1 0-21,0-4 0,1 0 0,0-4-4,4 7 1,1-4-26,-2-13 1,1-1 30,-2 0 0,1 2 8,3 19 0,0 1-8,-3-14 0,0 0 3,2 14 0,0 1 25,-2 0 0,-1-3-600,-1-15 0,0 0 535,0 9 1,0 0 69,-1-16 1,-1 1-12,1 13 1,0 2-18,-2 0 1,0-1-336,1 2 0,-1 1 333,-2 0 0,0-3 3,-2 11-9,2-22 0,-1-1 9,0 13 61,0-7 151,1-5-241,0-6 1322,2-7-1343,1-2 10,0-9 34,1-3 869,-2-3-863,0 5 646,1 1-619,0 14 1,0-10-34,-1 4 0,0-11-6,-1-4-33,0 0 39,0-4 73,0 2-23,-1-1-61,0 10-50,2-3 44,1 11-655,2-9 571,-1-2 202,0-6 11,-2-6-39,0 0-68,1-1 46,2-2-46,-1 0 6,3 1-11,0 1 6,3 1-6,8 0 90,10 2-90,28 5-45,0-2 39,4 3 6,4-6-11,-23-2-56,13 0 56,4-2-6,-14 2 17,16-3-6,-20 3-33,18-4 17,4-3 16,-21 3 0,0-1-38,24-3 46,-23 3 1,-2 2-3,9-2 3,-7 2 0,1 1-1219,7-1 1216,-16 1 0,0-1-856,16-1 873,1-3-12,3 0-5,0-1 6,2 1 0,1-1-6,2 1-14,-18 2 0,2 0 19,22-3 0,-10 1 1,2-1-3,-11 2 0,0 0-355,0-1 0,2 1 352,9 0 0,-2 1 0,10 0 0,-22 3 0,-1 0-5,17 0 5,1-3-9,-15 1 1,0-2 5,-10 2 0,0-1-14,11-1 1,-1-1 10,16-3 6,-3 1 0,-3 1 1011,-3 2-1000,-18 4 1,3 1-35,10-1 1,2 2 41,2 1 1,0 0-20,-1-1 0,-3 0 446,-8 1 1,-3 0-441,18-1-6,-10 0 0,3 0-1550,-8 0 0,2 0 1547,17-1 1,0-2-24,-8 1 1,0-2-475,1 0 1,0-1 499,-3 0 0,1 1-64,12-1 0,1 2 58,1 0 1,2 2 5,-12-1 0,3 2 0,-3-1-3,11 0 0,1 1 3,-11 0 0,3 0 0,-4 0-11,-4 0 0,0 0 497,5 0 0,6 0 0,-6 0-486,-5 0 0,-2 0 0,15 0 0,0 0 0,-20 0 0,-2 0 3,1 0 0,0 0-6,0 0 0,1 0 6,0 0 0,-1-1 971,0 0 1,1-1-975,17 0 0,3-1-3,2 1 0,1-1-164,-1 1 1,1 0 166,-14 0 0,1 1 0,-2-1 31,9 0 0,1 0-37,0 1 1,4-1-1,-5 1 6,1 0 0,-2-1 5,8 1 1,-4 1-6,-1 0 1057,3 0-1063,-7 0 0,3 0 6,-14 0 0,-1 0-3,16 0 1,-1 1 2,-25-1 0,0 0 28,13 1 0,0-1-28,-11 0 0,2 0-17,7-2 0,6 0 0,1-1 15,3 1 0,1 0 1,1-1 17,5 1 1,1-1 0,0 0-1016,-4 2 1,-1-1-1,-3 1 999,13 1 0,-6 0 5,-16 0 1,-2 0-429,0 0 1,0 0 430,-2 0 0,1 0-8,-1 1 0,-1 0-14,0 0 0,0 1 14,1 1 0,-1 0 0,1 1 0,-1-1-3,1 1 1,1-1 18,18 2 1,4-2-116,-20-1 0,1-1 0,3 1 82,9-1 0,2 1 1,-2-1 16,-11-1 0,-2 0 0,1 0 15,8 0 0,2 0 0,-6 0-15,-3 0 0,0 0-198,4 0 1,6 0-1,-5 0 198,-3 1 0,-1 0 0,15-1 0,1 2 0,-18 0 0,-3 0-14,3 0 0,-1 1 11,0 0 1,0 0 343,0 0 1,0-1-342,-3 1 0,3-1 531,16 1 1,3 0-534,-19-2 0,1 0 0,0 1-63,-1-1 1,0 0 0,2 0 62,10 1 0,2-1 0,-1 1 0,-9 0 0,-2 0 1,4 1 235,0-1 0,5 0 1,-1 1-1,-4-1-221,-4 1 0,-3-1 0,0 0-10,3 0 1,-1 0 0,-7 0-4,7-1 0,-4 3-39,24 3 39,-15 0 0,-18-1 0,0 0 0,8 2 6,12 3-6,-18-5 1904,15 1-1837,-25-6 579,-5 0-646,-12-1 796,-8 0-802,1 0 98,2 0-97,4 0-303,13 0 218,1-2 85,13-1-1,15-6-5,-8 3 2,-5 2 1,2 1-48,25 1 17,-2 2 72,4 6-27,-33-3-6,6 4-50,-19-4-102,-5-2-156,-5 0-190,-5-1-163,-3 0 0,-2 0 0</inkml:trace>
+  <inkml:trace contextRef="#ctx0" brushRef="#br0" timeOffset="57907">3761 14502 10545,'32'-12'1237,"-7"3"-1091,1 9-73,-6 0-40,1 0 7,2-1-7,2 0-33,1-1-33,14 0 33,-7-1 0,10 0 56,-10 1-34,20-3-16,8-1 27,1 0-28,-23 2 1,0 1 11,24 2 17,-1-1-34,-17 1 0,0 1 0,2-3 2,-1 0 1,3-1-3,-14-1 0,-1 0 0,1-1 0,1 1 0,-2-1 0,-1 1 29,15-2-29,19 0 11,-16 3-11,-8 2 0,3 0 0,4 0 0,-1-1 0,-6 2 0,-1-1 0,8-1 0,-2 0 6,5-1-1,-2-2-5,-16 2 0,1 0 0,0 0 0,1-1 0,-1 1 0,0 0 0,28-3-39,-19 2 39,-2 1 45,22-3-65,-31 2 0,2 0 23,20-4 0,0 0-3,-16 2 0,-2 0-3,8-1 0,-3 1 9,7-1-6,1 2 0,1-1-6,2 1 6,-2-1 0,0 1 0,-3-1-33,-1 1-18,-1 1 51,-2 1-11,22-1 8,-30 2 0,0 1 6,0-1 0,0 1-3,11-2 0,-1 0-3,-8 0 0,0 0 3,1 0 0,-1 0 0,-1 0 0,-3 1 6,18-2-6,1 1 0,1-2 0,-15 3 0,2 0-3,2 1 0,-1 0 3,1 0 0,0 0-6,-4 2 1,-2-1 5,17 1-3,-15-1 1,0-1 30,23-2-31,-9-1 0,4-1-45,5-3 1,0-1-1289,-9 3 1,-1 0 1332,11-2 0,-3 1 0,-26 5 1,-2 2-15,0-1 0,2 1 20,12 1 0,2-1-3,0 1 0,0 0 0,0 0 0,0 0 0,11 0 0,-3 0 0,-23-1 0,1 0 2,23-2 1,4-1-26,-14 1 1,2-1 24,2 2 0,4-1 0,-3 1-2,7 0 0,-2 0-87,-12 1 1,1 0-1,-4 0 34,-1-1 0,-4-1 497,1-1 1,-1 0-465,-2-1 1,0 0 19,4-3 0,2 1-23,1-1 1,2 0 22,2 0 0,1 0 16,0 1 1,0 1-1402,15 0 1,0 2 1381,-16 1 0,1 0 3,4 2 0,5 0 0,-1-1-537,-8 1 1,-1 0 0,-1 0 521,2 0 0,-1 0 0,1-1-29,9 0 1,2-1 0,-2-1 31,-8-1 1,-2 0 0,1 0 26,-1 0 0,1 1 0,1-2-27,12-2 1,3-1 0,-5 1-267,-3 1 0,-1-1 278,-8 2 0,2 0 0,1 0-2,-4 1 0,0 1 0,1 1-41,-1 0 0,0 1 0,0 0 13,-1-1 0,0 2 1,1-1 4,5 1 1,0 0 0,-1 1 228,12-1 1,-2 0-236,1-1 0,1 0 487,-13-1 0,2 0 0,1-1-456,-1-1 0,0-1 0,-2 1 0,12-2 0,-2 1 0,5-2 0,-6 1 0,-9 3 0,7 0-732,-21 3 0,2-1 748,6 0 1,2 0-17,4 0 0,1 0 114,1 0 0,0-1-136,0 1 0,-1-1 188,-3 1 0,-1-1-166,-1 0 0,1 1 0,18-1 0,0 0 0,-16 1 0,2 0 0,0 1 0,6-1 0,-1 1 2,-1 1 0,1 0 0,-2-1 0,14 1 1,-1-1-3,-15 1 0,1 0 0,-6 0-17,-5 0 1,-4-1 16,1 0 0,-1 0 0,2 1 0,-1-1 2,0 0 1,1 0 0,15 0 0,0 0-3,-16 1 0,-1 0-121,10-1 0,-4 1 110,4 0-51,-4 0 973,-10 0 0,3 0-895,2 0 1,1 1 915,21 1 0,0 0-932,-19-1 0,-2 1-31,5 1 1,-3 1 30,2-1 0,-2 0 1699,-1-1-1699,0 0 0,-1 0 0,2-1 39,0 0-39,1 0 6,1 1 839,-1-1-862,17 1 6,0-2 11,0 0-61,5 0-18,-17 0 46,-4 0-57,-12 0-235,-19 0 325,-5 0 90,-4 0 55,-2 2-55,-3 1-90,0 2 0,-1 1-39,0 1-146,2 5 129,0 7 50,3 3-5,3 17 62,6 22-46,-2-8 31,-3-18 1,-1-2 2,0 8 45,-1 3 34,-1 1-45,1 4 5,-1 1-78,-1 4 0,-1 2 73,1 2-40,-2 3-424,0 3 508,0-13 1,0 6-148,0-13 0,-1 1 1,0 4 33,1 1 0,0 3 0,0 2 0,0-2-68,2 10 1,0-2 0,0 0 63,0-6 0,-1-2 0,2-2 19,4 10 1,0-7-1338,-1 4 1318,-2-24 0,-2 1-96,-1 6 0,0-1 40,-1 27 50,1-20 0,-2 0 3,0-13 1,0 0 2,-2 13 0,0 2-65,0 0 1,-1 1 64,0-1 0,0 0-25,0 9 0,-1-1 131,2-10 0,-1 0-103,0-1 0,1 1-228,-1 9 1,1-3 224,0 8 201,2-24 0,0-1-157,-1 9-44,2-6 12,-4 10-12,2-12 1232,-5 26-1238,-1-7 1,1-1 1,-2 12 4,5-12 11,0-11 682,4-6-693,0-25 0,0 0 0,0 1 140,0 4-6,0 4 12,0 4 11,-1 3 5,-2 2-100,-1 7-45,-2-7-180,1 2 74,0 1-46,2-8-27,1 0 162,1-14 0,1-8 0,0-5 0</inkml:trace>
+</inkml:ink>
+</file>
+
+<file path=ppt/ink/ink31.xml><?xml version="1.0" encoding="utf-8"?>
+<inkml:ink xmlns:inkml="http://www.w3.org/2003/InkML">
+  <inkml:definitions>
+    <inkml:context xml:id="ctx0">
+      <inkml:inkSource xml:id="inkSrc0">
+        <inkml:traceFormat>
+          <inkml:channel name="X" type="integer" min="-2.14748E9" max="2.14748E9" units="cm"/>
+          <inkml:channel name="Y" type="integer" min="-2.14748E9" max="2.14748E9" units="cm"/>
+          <inkml:channel name="F" type="integer" max="32767" units="dev"/>
+        </inkml:traceFormat>
+        <inkml:channelProperties>
+          <inkml:channelProperty channel="X" name="resolution" value="1000" units="1/cm"/>
+          <inkml:channelProperty channel="Y" name="resolution" value="1000" units="1/cm"/>
+          <inkml:channelProperty channel="F" name="resolution" value="0" units="1/dev"/>
+        </inkml:channelProperties>
+      </inkml:inkSource>
+      <inkml:timestamp xml:id="ts0" timeString="2022-11-21T14:26:21.451"/>
+    </inkml:context>
+    <inkml:brush xml:id="br0">
+      <inkml:brushProperty name="width" value="0.05292" units="cm"/>
+      <inkml:brushProperty name="height" value="0.05292" units="cm"/>
+      <inkml:brushProperty name="color" value="#0070C0"/>
+    </inkml:brush>
+  </inkml:definitions>
+  <inkml:trace contextRef="#ctx0" brushRef="#br0">762 5453 13082,'-6'28'202,"2"5"-129,7 9-6,2 7-17,0 5 79,0-11 0,-1 1-65,-1-9 1,0 0-23,2 10 0,0 2 5,-1-2 1,0-1-9,4 22-14,-3-16 0,2 1-19,-1-12 0,0-4-12,4 24 6,-1-14 6,-5-32-1,-2-2-5,0 2 67,-1 2-61,0 3 33,0 4-33,0 1 22,-1 1 17,0-3-29,1-2-16,1 3 0,1-4 0,1 1-78,-2-11 28,0-3 10,-1-5-178,-1 1 218,3-1 6,0 0 117,4-1-73,1 0-5,2-1-11,2-1 22,9 0-12,9 1 7,1 0-1,16 2-33,-5 0-17,0 0 6,8 0-1,-21 0 1,10 0-1,-12 0 29,2-2-23,15-2-11,-9 1-11,27-1 11,-7 3 0,0-1 22,-20 2 1,0 0-23,2 0 0,-2 0-6,26 0 6,5 0-5,-33 0 5,-1 0-40,-2 0 35,-2 0 5,-3 0 5,-3 0-5,-4 0-5,-2 0-1,-4 0 6,2 0 11,0 0-5,14 0 11,1 0-17,1 0-6,-7 0 6,-9 0-67,-1 0-67,0 0 33,-3 0 22,0 0-10,-1-2-18,-3 0 74,0-1 16,-3 1-17,-1-1 34,-1 2 23,0-1-12,-1-1-5,0-1 16,0-7-16,0 1-1,0-7 40,0-1-45,0-3 0,0-5 0,0-4 0,-2-6 22,-4-24-19,0 24 0,0-1 2,0 0 1,-1-2-1,-1-10 1,0-2-6,3 6 0,2 1 0,-1 0 0,1-2-338,1-11 1,1 2 343,1-9 30,0 23 1,0 2 24,0-13 6,0 4 12,0 2 5,0 3-28,0 6 213,-5-4-124,-2 10-61,-1 5 877,1 9-715,4 13-195,0 0 218,2 4-140,1 0-84,-2 0-45,-1 0 5,0 0 51,-4 0 0,-5 1-5,-11 0-46,-1 0 7,-22 0 21,14 0 12,-29-1-28,6 0-12,-1 0 7,4 3-12,16 1 0,0 2 0,0 2-12,-17 6 18,-6 6-6,-1 0 17,23-7 0,0-1-6,-25 6 28,-2-2-17,24-8 1,1-1-1236,-9 2 1213,-15 2 6,18-3 67,1 1-29,4-2-4,5 0-40,8-3 16,2 0-88,11-2-208,2-1-1569,7-1 2152,0 1 0,2-1 0,0 1 1</inkml:trace>
+  <inkml:trace contextRef="#ctx0" brushRef="#br0" timeOffset="3390">3547 9501 13435,'4'40'25,"-1"0"0,3 17-22,-2-22 0,1 0 42,7 29-40,-3-14 1,-1-6 0,1 4 30,-1 2 0,0 1-36,-1 0 0,0-1 3,0-1 0,-1-4 59,0 12-57,-3-25-5,-1-5-33,1 4 33,0-8 67,0 12-28,0-14 79,1 15-79,-1-10-28,2 3 0,-2-11-5,-1-7 44,0-4-39,-1-3 29,0 0-40,-1 0 16,1-1-10,-1 1 28,0-2 22,0-1-168,0 1 61,5-2 146,1 0-50,4-2 28,7-2-67,-4 0 44,4 1-50,-3 2 34,1 0 5,10 0-34,-3 0-5,7-2 6,-7-1 67,13-6-40,-7 2-21,22-7-1,-4 4 17,2-1 11,16 2-39,-21 4 0,14-1 0,-15 1 6,2 0-6,17-4 0,-15 3 11,10-5-6,-19 2 1,-2-1 5,13-7 6,-1 0-20,-13 7 0,1 2-13,24-3 16,-4 5 0,-14 6 0,-9 1 0,13 0 0,-11 0 0,10 0 0,-16 0 0,-1-2 0,-2-1 0,8-7-107,-2 0 68,8-7-23,-13 4 62,-6 2 17,-12 5-11,-6 4 33,-1-1 56,-1 3-84,0-2 29,0-2-24,0-3 24,0-12-35,-2 1 96,-2-30 33,-4-10-27,0-4-54,2 14 0,0 1-1630,-2-14 1610,3 18 1,1 1-1227,-3-21 1199,1-1-1,2 21 1,-1 0 33,0-18-411,1 24 0,0 3 372,-1-1 89,-4 1-22,3 13-16,-4-3-45,3 12 1291,2 2-1291,1 3 1324,4 6-1123,0 0 849,-2-1-1051,1 0 6,-3-4-5,1 3 50,-3-3-45,3 4-11,-4-1 0,1 3-5,-1-1-35,-1 1 7,-1 0 33,-4 0 5,-2 0 102,-17 0-107,6 1 84,-26 2-39,2 1 25,11-2 0,-1-1-37,-15 2-33,-6-1 0,31 1 23,-1 1-46,-11 3 23,10-1 6,-9 2 39,12-3-34,-13 3 28,8-3-22,-25 3 28,-4-1-45,11-1-6,-5 0-22,29-1 28,0 2 0,1 1 11,1 1 28,-9 4-39,8-3 0,-6 1 0,-1-4-5,-6-3 5,-13 0-17,17-2 0,-1-1 40,-27 2-29,4 2 62,10 0-50,25-2-6,-6 1 0,14-2 0,2 0-6,2 1 0,-1 0-66,1 0 66,0 1-100,2-1-505,0 1-5108,14-3 5719,1 1 0,6-2 0,-3 0 0</inkml:trace>
+  <inkml:trace contextRef="#ctx0" brushRef="#br0" timeOffset="17813">5380 8906 9895,'12'-37'560,"-2"5"-341,-6 18-74,1-2 62,0-2-11,1-4-100,0-2 150,5-20-134,-3 10 0,2-3-107,-1-2 1,0-1 30,0 0 1,-1 0 13,3-18 1,-5 16-12,-1 0-28,-1-20 0,-1 11-5,-1-15 0,-1 19 33,0 0-39,0-1 0,0 1 5,-1 13 1,1-1-1,-1-1 1,1-1-6,0 2 0,-1-2 8,0-5 1,0-1-1,0-1 1,0 1 5,-1 7 0,0 0-12,0-6 1,-1 2-8,-2-3 66,-1-22-27,1 15-265,-1-16 236,2 20 63,-1-1-23,-2-19 11,1 15-14,0 10 0,0-2-23,0 10 1,0-2 64,-3-16 0,0-1-79,3 17 1,-1 1 50,0-4 0,0 2 23,1 0 337,-1-10-371,2 13-40,-2-9 74,2 17-29,-1 0 17,1 2-22,-1 1-11,2 3 72,-1-5 17,0 2-72,0 0 44,-1-2-90,2 11-5,0-4 68,1 8-57,1-4 0,0 6 23,0-2 22,1 6-28,-1 2 151,1 0-190,-3 1-51,1 0-95,-6 4 157,2 1 34,-7 12-34,4-3-51,-2 7 51,4-6 0,0-1 34,1-2-34,1-2 0,2-3 6,-1-2-6,1-2-6,1-1 0,1 0-100,0-2 106,0-5 39,1-4-39,0-1 45,1-3-45,2 4 0,2 0 6,2 1 94,1 0-32,8-2-57,-1 5 129,14-1-34,8 4-44,2 4-57,-2 1 29,-12 2-23,-10 0-11,-1 0 0,-2-1-50,-2 1-471,-2-2-750,1-1-2017,-1-1 3288,0-1 0,-4 0 0,-1 0 0</inkml:trace>
+  <inkml:trace contextRef="#ctx0" brushRef="#br0" timeOffset="31827">2524 5453 12853,'36'-25'67,"-2"1"56,-15 8-39,1 0-39,0-1 39,1 0-51,-1 0-27,1 0 72,-1-2-38,1 2 32,8-10 29,4-4-56,-6 6 0,1-2-28,22-17 61,-3 2-33,0 5-45,-19 17 0,10-6 0,-11 8 5,1-1 12,1-1-17,1 0 0,2 0 0,14-8 11,3 0-11,1 0 12,9-3 4,-10 6-10,-13 8 0,2 0-6,23-9 11,-5 3-11,-18 8 0,-11 6-11,1 0 11,1-1 11,1 2-11,1-2 33,2 1-33,0 0-16,2 0 16,14-3 28,6 1-40,-13 3 1,1 2 11,15-3 39,8 2-33,-32 5 0,-1 0-6,13 1 0,-12 1 0,10 0 5,-15 0-5,0 0 0,1 0 51,1 0-7,16 0-44,16 0 45,2 0-42,-29 0 0,-2 0-3,6 0 17,4 3-12,-21 0 34,7 2-39,-10-1-50,0 1 50,1 0 0,0 1 6,1 0-1,12 3 12,4 2-17,0 1-11,6 3 11,-21-5 11,17 8-11,-19-6 6,8 3-1,-9-4 6,0-1-11,1 0 12,1 0-7,-1-1 74,1-1-79,-3 0-6,10 4 40,-9-3-23,13 7-11,-7-1 45,13 9-40,-13-8-5,3 3 6,-16-10 27,1 1-21,-1-2-7,-1 1-5,-1 0 6,-1-1-1,0 1-5,2 3 45,-4-3-34,5 8-5,-3-1 5,0 0-5,-1-1-6,-5-7-23,-1-2 23,-1 0-33,0-3 33,0 2 5,-1-2 51,1 1-56,-1 0 6,1 0-12,-2 0 6,1-2 84,-1 0-72,-1 1 32,-2 0-44,0 0-33,-1 0 38,3-2 23,0-1 168,0 1-61,0-1-130,-4-2 40,0-2-45,-3-3 0,-3-1 6,-1-1-6,-2-2 0,-1 1 5,-7-3-5,-3-1 0,1 2 12,-5-3-12,13 5 0,-4-3 0,8 3 0,2-1 5,1 1-5,3 1 6,0 3-6,3 0 5,1 3-5,1 1-627,0 1 661,8 6-29,0 0 51,14 9-33,7 4-12,-4-3-5,3 1 10,-13-9-10,-1 0 0,-1-2-6,0 0 0,-2-1-40,-1-3 40,-1 0 6,0-1-6,0 0 0,2-1 0,-2-3 112,5-7-78,-6-2 5,5-14 6,-6 7 5,2-8-44,-3 6 10,-1 2-10,0 0 0,0 4-1,-1 3-10,-1 4-35,0 5-693,-1 1 101,-1 2 1,1 0 0</inkml:trace>
+</inkml:ink>
+</file>
+
+<file path=ppt/ink/ink32.xml><?xml version="1.0" encoding="utf-8"?>
+<inkml:ink xmlns:inkml="http://www.w3.org/2003/InkML">
+  <inkml:definitions>
+    <inkml:context xml:id="ctx0">
+      <inkml:inkSource xml:id="inkSrc0">
+        <inkml:traceFormat>
+          <inkml:channel name="X" type="integer" min="-2.14748E9" max="2.14748E9" units="cm"/>
+          <inkml:channel name="Y" type="integer" min="-2.14748E9" max="2.14748E9" units="cm"/>
+          <inkml:channel name="F" type="integer" max="32767" units="dev"/>
+        </inkml:traceFormat>
+        <inkml:channelProperties>
+          <inkml:channelProperty channel="X" name="resolution" value="1000" units="1/cm"/>
+          <inkml:channelProperty channel="Y" name="resolution" value="1000" units="1/cm"/>
+          <inkml:channelProperty channel="F" name="resolution" value="0" units="1/dev"/>
+        </inkml:channelProperties>
+      </inkml:inkSource>
+      <inkml:timestamp xml:id="ts0" timeString="2022-11-21T14:27:20.261"/>
+    </inkml:context>
+    <inkml:brush xml:id="br0">
+      <inkml:brushProperty name="width" value="0.05292" units="cm"/>
+      <inkml:brushProperty name="height" value="0.05292" units="cm"/>
+      <inkml:brushProperty name="color" value="#A020F0"/>
+    </inkml:brush>
+  </inkml:definitions>
+  <inkml:trace contextRef="#ctx0" brushRef="#br0">5095 5072 12808,'4'42'308,"-1"-2"-202,0-10-22,-1 5-28,0 23-56,-1-24 0,1 1 33,-1-1 1,0 1-3,0 8 0,0-3-31,0 5-34,1 22 113,-2-34-74,1 5 1,-1-17-6,0-2 0,0-3 0,0-3-45,1 3 40,-1-5-1,4 6 0,0 0 57,1 1-169,1-1 1,-3-9 105,-1-4 12,-1-3 84,0-1-5,1 0 44,1 0-45,0 0 46,6 0-18,-3-2 6,11-4-11,1-3-62,18-6-33,-10 7-1,8-1 12,-13 6-11,1 1 27,1 1-22,13 1-11,-7-1 6,9 1 5,1-1-11,-10-1 17,17-2-6,-3-4 0,1-1-11,-3 0 6,-13 3 0,-8 3-6,-1 1 0,1 1 0,1 0 0,0 0 5,2 0 12,1 0-17,1 0 0,0 0 0,0-1 50,11 1-89,12-2 34,2 1-1,-3-2 6,-6 1 0,-19 1 0,6-1 0,-12 1 0,-1 2 0,-1-1 0,-1 0 0,-1 1 6,-1 0-6,1 0 11,3-1-6,-4 0 7,7 0-24,-6-1-4,2 0 10,-6 1-39,-3 0 40,-3 1-96,-1 0 50,1 0 40,-1 0-45,1 0 51,0 0-91,0-1 12,0-1 6,2-4 89,3-19 73,-1-10-39,0-9 0,-4 1-40,-2 9 51,0-2 12,0-19-63,0 12 3,0 8 1,0-3 30,0-23-33,0 1 27,0 25 1,0 1 72,-1-16-106,-1 2 12,-1-2 94,-2 9-61,2 8-45,-1 2 84,2 22 201,1 2-189,0 4-24,0 1 113,0 2-146,-1 0-22,0 0-28,-2 0-23,-4 0 34,2 1 12,-3 0 27,4 0-34,-2 1 68,0 0-62,-2 0-11,-2 1 0,-1-1 6,-2 1 33,-9 1-5,4-1 50,-17 2-84,-4-1 62,-5 1 22,3-1-78,9 0-1,10-2 1,1 1 50,-11 2-56,7-1 5,-8 1 1,12 0 33,-1 0-5,1 0-29,0-1 135,-7 3-16,-2-2-68,1 0-45,-6 0 45,15-3-23,-6 0 29,8-1-17,-9 1-45,7-2 0,-7 0 61,9 0-61,-2 0 0,-10 0 0,6 0 51,-17 0-51,10 0 0,2 0 78,-2 0-78,15 0 6,-7 0-6,11 0 0,-1-1-39,7 0-68,1 0 23,3 0-358,-1-1-124,0-1-672,-2-3-1915,0-1 3153,-3-1 0,5 3 0,-1 2 0</inkml:trace>
+  <inkml:trace contextRef="#ctx0" brushRef="#br0" timeOffset="5326">6190 4786 11256,'-7'-22'689,"0"1"-482,5 5-27,-1-1-23,-1-1 223,-3-9-245,1 5 134,-6-17-113,3 3 40,-5-23-123,5 17 17,-1-6-29,4 23 46,-1-10-34,0 8 11,-1-7-12,2 12-32,-1 1 32,1 0-21,0 1-12,-2-2 28,0 1 6,0 0-34,-4-10-28,2 7 96,-7-20-62,2 6-6,-1-1-17,-4-9-16,8 21 55,-4-7-61,5 12 0,1 0 12,-4-7-1,1 6 34,-2-6 11,5 9 33,-7-10-55,5 8-23,-11-15 62,3 8 44,-12-13-117,9 13 0,-1-1 0,10 14 0,1-1 0,-6-9 56,5 6-56,-5-8-39,6 9 45,-6-7 33,5 6 45,-10-11-22,-1 4-34,5 4-28,-3-2 73,11 12-17,0 1-45,0 0-5,0 0-1,-1 0 1,0 0 56,0 0-57,-1 0-5,1 0 11,-1 1 1,-5-6-1,0-1 78,-11-9-55,5 4-23,2 1 6,-1 1-11,11 7-1,-8-4 68,8 4-67,-3 1 5,2-1 22,-1 1 46,-6-7-74,4 6-5,-9-9 6,11 11-6,-10-8 0,7 4 45,-10-6-40,10 6-44,-1 0 39,10 9 0,0 0-5,-4-3-1,5 3 6,-5-2 0,6 2 6,0 1 33,0 0-28,2 1-22,-2 0-28,0-1 39,1 1 44,-1 0-38,4 2-6,-1 0 6,0-1-1,-2-1-5,1 1 6,0-1-6,1 1-6,0 1 6,-1-1 6,1 0-45,-1 1 39,3 0 0,0 2-813,2 1 611,0 3 202,0 2 73,3 8-62,1 7 34,1 14-45,-1-9-5,-3 4 5,-1-14-12,0-2-21,0 3 16,0-3 17,0 2-56,0-5 56,0-1 45,-1-1-40,1-1 1,-1 0-79,1-3 68,-1-1 16,1-2 22,0-9-27,0 2 50,0-9-50,0 2 38,0-10-32,0 0-7,0-7 6,0 8 6,0-3-11,1 10-1,0-10-5,0 11 28,1-1-16,-2 7 27,1 2-34,-1 2 7,0 1-7,0 0 6,1 1 29,-1 0-108,0 0-150,3 1 218,10 1 0,0 0 11,10 0-11,-5 2 6,2 1-6,1 1 0,2-1 0,-1 0 0,0-1 0,-3 0-6,-1 0 6,-2 0 0,-3 1 17,2-1-23,-4 0 6,-1 0 6,-4 0-6,-3-2 0,-1 1 0,-1-1 34,0 0-23,1 0-11,1 0-51,-1 1-33,2-1-442,0 0-3876,8 4 4402,-5 0 0,3 0 0,-7-1 0</inkml:trace>
+</inkml:ink>
+</file>
+
+<file path=ppt/ink/ink33.xml><?xml version="1.0" encoding="utf-8"?>
+<inkml:ink xmlns:inkml="http://www.w3.org/2003/InkML">
+  <inkml:definitions>
+    <inkml:context xml:id="ctx0">
+      <inkml:inkSource xml:id="inkSrc0">
+        <inkml:traceFormat>
+          <inkml:channel name="X" type="integer" min="-2.14748E9" max="2.14748E9" units="cm"/>
+          <inkml:channel name="Y" type="integer" min="-2.14748E9" max="2.14748E9" units="cm"/>
+          <inkml:channel name="F" type="integer" max="32767" units="dev"/>
+        </inkml:traceFormat>
+        <inkml:channelProperties>
+          <inkml:channelProperty channel="X" name="resolution" value="1000" units="1/cm"/>
+          <inkml:channelProperty channel="Y" name="resolution" value="1000" units="1/cm"/>
+          <inkml:channelProperty channel="F" name="resolution" value="0" units="1/dev"/>
+        </inkml:channelProperties>
+      </inkml:inkSource>
+      <inkml:timestamp xml:id="ts0" timeString="2022-11-21T14:29:14.237"/>
+    </inkml:context>
+    <inkml:brush xml:id="br0">
+      <inkml:brushProperty name="width" value="0.05292" units="cm"/>
+      <inkml:brushProperty name="height" value="0.05292" units="cm"/>
+      <inkml:brushProperty name="color" value="#0070C0"/>
+    </inkml:brush>
+  </inkml:definitions>
+  <inkml:trace contextRef="#ctx0" brushRef="#br0">14593 3691 14605,'-32'-10'387,"3"2"-387,20 11-84,-12 16 89,1 10 1,-4 9-6,7 1 6,8-7-51,1 30-11,7-11-6,4 9-347,23-6 90,1-27 101,18 4 5,-15-25 303,6-34-18,-21 3-66,0-25 134,-13-3-90,-1 11-10,-6-13 105,-13-2-78,1 18 23,-5-5 0,8 26-247,10 13-56,6 19 336,7 4-33,8 20-73,2 1-20,-2-7 0,0 1-2322,8 18 2288,-8-17 1,0-2-241,4 9 266,0-5-319,3 2-62,-7-15-1815,9-1 2207,-10-23 0,-3 1 0,-6-7 0</inkml:trace>
+  <inkml:trace contextRef="#ctx0" brushRef="#br0" timeOffset="917">14902 3215 14471,'-31'29'414,"0"3"-369,5 1-45,6-6 0,4 5 39,8-17-50,-1 6 0,7-12-11,-1 0-34,2-7-23,1 0 18,0 0-1,12 9 68,-2 0 50,11 7-6,-4-2-50,2 1 0,2 2 0,0 0 0,-2 1 11,5 5-22,-3-4-174,-2-2-778,-5-7-2101,-8-8 3064,-1-6 0,-4 1 0,-1-4 0</inkml:trace>
+  <inkml:trace contextRef="#ctx0" brushRef="#br0" timeOffset="1366">15069 3167 12942,'7'62'896,"-1"-13"-817,-2-5-74,0-13-5,2-3 0,2-2 0,0-4-39,1-3-11,1-3-29,0-4-313,5-1-117,-6-5-1010,6-2-653,-9-2 2172,-1-1 0,-4-1 0,-1 0 0</inkml:trace>
+  <inkml:trace contextRef="#ctx0" brushRef="#br0" timeOffset="1616">15021 3429 9974,'-5'-13'1355,"1"3"-997,4 10 45,0 0 80,15-1-321,-3 1-162,15-1 0,-7 2-106,1 0-5115,22 1 5221,-19 0 0,8-1 0,-25 0 0</inkml:trace>
+  <inkml:trace contextRef="#ctx0" brushRef="#br0" timeOffset="2600">15283 3143 12433,'35'27'235,"1"1"0,-3-3 0,-4-3-229,-5-2 78,1 1-73,-12-10 28,2 2-39,-8-5 6,1 0-6,-3-4 50,0 2-50,-3-5 45,-1 1 627,0-2-717,-1 3 79,0 4 27,0 4-16,-4 17-45,-2-2 6,-6 12 5,-3-5-5,-2 1 55,-13 17-61,7-13 6,-11 18-113,14-25-413,5-6-965,8-14 807,9-18 678,5-8 0,-3 5 0,3-2 0</inkml:trace>
+  <inkml:trace contextRef="#ctx0" brushRef="#br0" timeOffset="3346">15664 3858 11570,'43'7'947,"-4"1"-891,-9 1-297,-8-2-2078,10 7 2319,-18-3 0,-2-3 0,-9-1 0</inkml:trace>
+  <inkml:trace contextRef="#ctx0" brushRef="#br0" timeOffset="3562">15712 4024 10702,'-2'-4'784,"0"1"62,37 17-846,1-11-219,21 11-1064,-6-15-2973,-15-3 4256,0-1 0,-17 1 0,-6 1 0</inkml:trace>
+  <inkml:trace contextRef="#ctx0" brushRef="#br0" timeOffset="4566">16473 3572 11670,'-30'24'291,"0"0"1,2-1 0,4 1-180,8 12-23,4 2-50,5 12-173,15-4-483,24 0 673,8-29 135,6-18-17,-12-21 212,-15-11 1,-3-4-130,-1-2-134,-3 3 1,-2 2 94,-11 11-78,-4 2 118,-7-1 307,-4 8-509,2 3-67,5 23 73,9 7 22,10 43-56,0-6-3,-2-14 0,2 3-25,-3-5 0,0 4-1089,1 6 0,-1 6 0,0-4 974,-2-7 0,0 0-22,3 24 0,-2-6-93,-4-19-14,0-10 1,0 0 137,0 17-18,-1-12 1,-1 0 196,0 2 358,0-10-330,-3-19 3010,-1-23-2932,-10-26 39,-5-25-165,9 28 1,0 0-1,-1-5 0,1 0 48,0-16-17,8 12 0,5-2-79,5 9 1,5 0-292,9-21 1,7 1 285,4 12 0,1 5 0,-9 9 0,-2 3 0,13-9 0</inkml:trace>
+  <inkml:trace contextRef="#ctx0" brushRef="#br0" timeOffset="6112">17235 3048 13368,'-28'39'778,"-8"17"-632,13-17-73,-8 19-6,10-8-37,8 8 1,4 9-194,6-22 0,3 0 0,1 3 157,1 16 1,3 3-1,3-3 5,2-14 1,1-3-1,3-2-89,12 15 1,3-8-73,9 0-1042,10-9-583,-21-28 1807,11 0 0,-24-11 1,-1-2-1</inkml:trace>
+  <inkml:trace contextRef="#ctx0" brushRef="#br0" timeOffset="14944">4166 4334 11782,'32'17'146,"0"-2"-79,-24-13-16,3 1 44,-5-2-39,1 0 230,7-1-252,-6 0 61,8 0-6,-2 0-83,1 0 50,7 0-50,-6 0-1,0 0 1,-2 0-6,-7 0 5,6 0-5,-6 0 6,1 0-6,-1 0 34,5 0 78,4-2-73,2 0-34,0-2 1,-6 1 39,2 1-40,-7 1-5,2 0-5,-3 0 5,0 1 5,2-2 1,-2 2-6,2-1 0,0 0 6,0 1-1,3 0 1,5-1-6,-2 0 5,4 0-5,-6 1 0,0-1 0,0 0 0,14-3 0,-10 2 0,18-5 0,-18 4 0,13-4 0,-5 1-11,13-4 11,-6 4 0,-3-1 0,-4 4 0,-11 1-5,9 0 5,-11 2 5,6-1-5,-7 1 6,12-2-1,-4 1-5,6-1-5,-2 1 10,1 1-5,-1-1 12,10 1-7,-10 0-5,8 0 0,-8 0 0,3 0 0,1 0 0,1 0-5,29 0 10,-6 0-5,10-1 0,-5-1 0,-12 0 0,-2-1-5,7-1 10,-20 2-5,17-1 0,-19 1 0,16-1 0,-18 1 0,15-2-5,-9 1 5,-1 0 0,3 1 0,-1 1 0,2 0 33,-3 1-33,-8 0 0,-5 0 0,13 0 6,-11 0-12,12 0 6,-15 0 34,16 0-34,-2 0-34,24 2 23,-10 0 11,0 1 6,3-1-6,-18-1 0,9 1 0,-12-2 5,1 1-5,-2 0 0,-1 1-56,17 3 56,-5-1 6,7 2-1,-1-2-5,-7-1 17,0-1-11,7 1-1,-16-1-5,8-1 0,-10 0 17,21 0-17,-15 1 56,28-1-61,-19 2 5,1-1 0,9 2 0,7 1 5,2-1-5,-2 0 0,-16-2 0,-12-1 6,24 2-1,-18-1-5,18 1 0,-25-1-44,21 3 60,-8 0 7,26 3-18,-20-4 1,14 0 0,-27-2-6,4-1-12,-19 0 7,1-1-6,0 0 11,0 0 5,15 0-5,-4 0 0,6 0 0,0 0 6,-5 1-6,0 0 33,10 2-38,-17-1 5,19 2 0,1-1 0,-7-1 0,13 1 5,-19-2-5,1-1 6,4 2 0,4 0 5,0 0-11,-2-1 0,-12 1 0,-9-2 11,13 0-11,-10 0-11,9 0 11,-14 0 0,10 0-6,-4 0 40,15 0-45,-10 0 5,-1 0-5,-7 0 11,-4 1-6,5 1 6,-4-1 0,4 0-33,-6 0 33,1 0 5,12 1-61,-2 0 67,20 2-11,-10-1 0,0 0-5,-2 0 5,-11-1 5,13 1-5,-13-1 0,5 0 34,-7-1-34,0 1-6,7 0-5,3 0-34,-1 0-44,6-1 55,-9 0-5,13 1 39,-14-2-67,9 1 22,-7-1 45,-5 0-6,2 0-5,-13 0 11,2-1-84,-6 1-11,2 0-185,-4 0 280,1 0 6,0 0 27,-1 0-22,3 0 85,6-1-96,-1 0 11,5-1-6,-4 1 40,2-1-34,18-2 6,-2-1 17,24-3-40,-15 3 12,-2-1 5,-4 2-5,-13 2-6,5-2 5,-8 2 1,6-2-6,-5 1 0,4-1 5,-3 0 7,-2 0-12,-2 0-146,-1 2 56,-8 1 68,2 0 33,-5 1 0,2 0-11,-2 0 17,10 0-17,-3-1 0,6-1 6,-6 1 39,-2 0-45,0 0 11,-2 1-22,-1-1-500,-2 1 511,-1 0 0,-2 0 0,-1 0 0</inkml:trace>
+  <inkml:trace contextRef="#ctx0" brushRef="#br0" timeOffset="29886">17449 3358 13777,'14'40'355,"-4"-8"1,1 1-261,5 16-109,0-6 0,-1 1-31,3 7 23,8 11 22,-14-38 5,3 2 1,-6-12 50,4 7-28,-3-5-73,0 3-50,-2-1 5,-2-2 23,0 0 39,1 3 17,-2-8-135,2 3 85,-4-8-6,1 0 11,-2-5 44,-1 0-77,1 0-376,-1-1 588,4-18 34,1-14-151,1-9 100,-1-7-33,-3 11 19,-1 3 1,1 0-4,2-9-38,2-23-1,-2 33-50,2 2-6,3-9 12,-1 8 67,1 1-56,-5 16-12,-2 10 90,-3 5-95,0 0-39,0 5 39,2 3 112,1 9 51,7 20-180,-1-4 0,1 2-3,0 1 1,1 0-18,0 0 1,0 0-82,10 22-83,-5-19 145,-1-4-90,1-5-179,-8-17 202,0-2-56,-2-7 106,-3-3 73,1-1 0,-1-2 56,-1 0 56,3-10-39,-2 1 129,3-18 156,-1-23-257,1-9-90,-1-4 62,0 11-56,-1 16 39,8-26 44,-5 26-44,5-19 23,-5 36-46,-2 3 23,1 2-44,-2 7-645,-2 2 633,1 8 0,-3-1 0,2 3 0</inkml:trace>
+  <inkml:trace contextRef="#ctx0" brushRef="#br0" timeOffset="30765">18259 3810 13368,'-20'10'784,"-4"8"-667,10 8-117,0 1-56,5 22-22,10-19-84,10 13-40,1-24 96,5-8 16,-2-9 90,-5-6 90,5-10-51,-7 0-34,2-10 35,-5 6 38,-1-19-39,-3 11-33,1-6 11,-2 18-17,0 10 44,0 6 57,1 5-6,2 6-83,4 7 100,9 30-112,-4-17 0,6 20-40,-8-29-212,3 1-201,-3-10-2432,5-2 2885,-8-10 0,0-3 0,-5 0 0</inkml:trace>
+  <inkml:trace contextRef="#ctx0" brushRef="#br0" timeOffset="32328">18997 3072 13127,'-20'0'935,"1"-1"-179,-12-4-442,2-1-264,-15-1-16,16 2 50,-3 1-79,15 3 1,-3 0 22,8 1-28,3 0-11,-1 0-6,3 0-39,1 0 17,2 0-174,2 2 179,1 1 34,0 6 6,0 9 0,0 2 22,4 19-28,-1-10 0,6 33 56,-2-17-87,-1-4 0,1 2-84,-1-7 0,2 1 17,3 17 0,2-1 98,-5-17 0,1-2 0,0 3 0,1-3-5,-1-2 5,-2-2 11,3 11-5,-5-11-1,1 8 34,-4-15-39,0 6 0,-1-10 6,0 6-79,0-14-50,1-1 117,-2-6-44,1-3 212,0-1-268,1-1 112,11 1-6,-2-1 44,10 1-44,-3 0 40,14 0-40,-7 0 0,19 0 5,-19 0 6,10 0-11,-18 0 12,2 0-203,-11 0-4452,-3 0 4643,-4 0 0,0 0 0,-1 0 0</inkml:trace>
+  <inkml:trace contextRef="#ctx0" brushRef="#br0" timeOffset="33826">19306 3453 11340,'-27'61'308,"6"-8"-308,19-32-11,3 7 11,7 0 84,8 14-84,1-9 5,-1-2-133,-7-13-651,-1-11 712,-2-2 67,1-6 67,-1-3 224,7-13-111,1-3 83,7-22 112,-6 7 410,-2-17-500,-7 23-66,-3-3-63,-3 19 29,0 1-28,0 2-11,0 1 122,-3-5-133,-1 4-124,-2-1 140,1 4-106,3 4 22,1 0-61,-1 2-40,1 1 23,-1-1 11,0 1 118,-1 0-118,0 0 5,1 0 34,1 0 73,0 2-95,0-1 90,0 1-57,-1-2-50,1 1-414,-1-1 274,0-1 106,-1-1 12,-3-4-96,3 3-6760,-2-1 6878,2 3 0,2 1 0,0 0 0</inkml:trace>
+  <inkml:trace contextRef="#ctx0" brushRef="#br0" timeOffset="34260">19497 3429 12869,'2'39'213,"1"-3"-157,-5-14-17,2 4-27,1 1-91,17 20 1,-5-19 11,15 11 67,-9-27-454,19-5-5752,-4-18 6206,4 0 0,-19-6 0,-14 9 0</inkml:trace>
+  <inkml:trace contextRef="#ctx0" brushRef="#br0" timeOffset="35060">19640 2881 13340,'-33'31'343,"0"0"1,4-2-1,1-3-309,-2 2 89,5-4-112,15-14-16,2-3-40,5-3-403,3-4 403,8 3 123,9 4-10,3 2-24,5 4-32,4 2 27,0 4-39,-1 0-123,1 6-740,-12-7-6032,2 5 6895,-9-11 0,-5-4 0,-4-7 0</inkml:trace>
+  <inkml:trace contextRef="#ctx0" brushRef="#br0" timeOffset="35529">19830 2834 13323,'-9'59'364,"4"-11"-291,2-7 0,3-11-79,2 11-50,1-11-22,7 11-387,2-20-1350,7-2 1120,-5-11 175,-1-8-595,-4-5 1115,0-5 0,-4 3 0,0 0 0</inkml:trace>
+  <inkml:trace contextRef="#ctx0" brushRef="#br0" timeOffset="35792">19735 3072 10024,'-6'-13'487,"2"3"34,4 10 67,23-2-504,4 1-207,13-1 123,17 2 0,-38 0 0,14 0 0</inkml:trace>
+  <inkml:trace contextRef="#ctx0" brushRef="#br0" timeOffset="37627">20044 3048 12578,'39'2'202,"-3"-2"-297,-18-3-1984,3-2-2390,-10 1 4469,1-1 0,-8 4 0,-2 0 0</inkml:trace>
+  <inkml:trace contextRef="#ctx0" brushRef="#br0" timeOffset="38126">20282 3024 8282,'13'5'1104,"-4"-2"-1048,-9-3 392,0 0 134,7-12-285,-3 4 285,10-17 180,2 3-459,-2 1-102,-1 3-89,-8 13 68,-4 5 4,-1 5 7,0 18-354,3 2-391,0 6-2471,2 2 3025,-3-17 0,1 1 0,-2-12 0</inkml:trace>
+  <inkml:trace contextRef="#ctx0" brushRef="#br0" timeOffset="38978">20449 2810 11631,'36'33'701,"-4"-3"-477,-10-3-174,-5-7-16,4 6-29,-1-6 46,-7-6-46,5 4 7,-10-11-1,0 1 62,-5-5-17,-2-1 375,0-2 174,-1 2-533,0 0-66,-5 4 5,-4 7-11,-3 1 11,-11 12 51,-6 10-101,5-8 22,-2 5-162,16-20-202,4-3-700,2-4 1081,3-3 0,0-1 0,1-2 0</inkml:trace>
+  <inkml:trace contextRef="#ctx0" brushRef="#br0" timeOffset="55365">21092 3334 12819,'41'15'510,"-4"1"-376,-6 3-61,-8-2-68,18 10 1,-12-4-51,-1-1 45,3 5 39,-2 2 6,0-2-90,-2-1 12,-10-12-34,-8-7-101,1 0 100,-3-2-156,0-2-184,-3-1 60,-1-2-1271,0 1 1619,-2-6 0,-1 4 0,0-4 0</inkml:trace>
+  <inkml:trace contextRef="#ctx0" brushRef="#br0" timeOffset="55852">21401 3286 13256,'-18'38'347,"-1"-2"-263,3-10-78,-3 5 44,-1 4-44,-2 3 5,1 2-11,0-2 5,-5 11-16,10-17-56,-4 8-1586,14-23 1653,2 2 0,3-12 0,1-1 0</inkml:trace>
+  <inkml:trace contextRef="#ctx0" brushRef="#br0" timeOffset="56549">20711 3715 12326,'0'58'555,"-2"-7"-466,-6-27 6,0-1-83,-2 4-2203,5-7 2191,0-2 0,5-11 0,0-6 0</inkml:trace>
+  <inkml:trace contextRef="#ctx0" brushRef="#br0" timeOffset="58057">21568 2762 13110,'-37'47'426,"10"-13"-421,-2-3 158,2-2-85,7-7-27,-8 8-57,14-15-50,4-4-11,6-6 33,4-5-201,0 0 302,4 1 6,8 6-39,1-1-29,16 12 46,-1 2-40,16 13 17,-11-5-73,-4-2-1204,-11-11-101,-8-11 1350,2 0 0,-7-4 0,0 0 0</inkml:trace>
+  <inkml:trace contextRef="#ctx0" brushRef="#br0" timeOffset="58523">21734 2762 12909,'-3'50'464,"0"-9"-368,1-3 44,5 11-174,6-12-100,12 15-102,0-28 1,-1-7-185,-6-13-174,-6-3-2627,8-6 3221,-7 1 0,2-1 0,-9 2 0</inkml:trace>
+  <inkml:trace contextRef="#ctx0" brushRef="#br0" timeOffset="58773">21639 2976 9330,'-13'-1'1411,"3"1"-487,10 0-650,39-15-134,-8 4-392,1 0 0,2 1 252,23 2 0,-28 3 0,0 5 0</inkml:trace>
+  <inkml:trace contextRef="#ctx0" brushRef="#br0" timeOffset="59406">21996 2691 10875,'40'43'1681,"-1"-1"-1351,-7-10-218,-8-7 28,2-3-28,-10-10-106,-2-1-1,-6-6 119,-5 0-40,-2-4 459,-1 5-168,-8 9-330,-8 8 0,-22 27-34,2-9-62,1-1-520,15-19-1272,13-15 1843,5-2 0,0-2 0,2-2 0</inkml:trace>
+  <inkml:trace contextRef="#ctx0" brushRef="#br0" timeOffset="60473">22258 2881 11749,'62'12'1288,"-11"-1"-1159,-33-8 17,-6 0 11,-4 4 151,2 4-230,-5-3-11,2 5 56,-5-5 297,0 17-341,-2 13-68,1 6 0,-1 6 31,-1-3 0,0 3-40,0-3 0,1 4 0,-1-5-33,0-3 0,0-2 31,0 8 0,1-4 45,2-6-39,0-6-1,0-11 29,0-11 33,-1-3 23,0-1-79,-1 0 0,-3 3-11,1-3-6,-2 2 6,1-4-5,1 2 5,0-4 5,1 1 40,1-3 146,-1-1 308,-1 1-124,-11-1-274,-9 0-101,-4 0-6,-7 0-61,6 0-1916,-23 7 1983,16-4 0,-4 5 0,27-6 0</inkml:trace>
+  <inkml:trace contextRef="#ctx0" brushRef="#br0" timeOffset="64278">22829 3405 12174,'26'-12'656,"1"3"-404,9 4-213,5-1-39,0 0 40,3-2-707,-9 1-1338,-4 2 2005,-8 0 0,-14 4 0,-7 0 0</inkml:trace>
+  <inkml:trace contextRef="#ctx0" brushRef="#br0" timeOffset="64546">22996 3286 9201,'-11'-10'997,"2"2"-717,9 8 504,0 0-191,0 55-408,4-17-188,-3-2 0,2 1-1122,16 13 1125,2-15 0,-4-7 0,-3-11 0</inkml:trace>
+  <inkml:trace contextRef="#ctx0" brushRef="#br0" timeOffset="65596">23448 2929 10763,'6'36'491,"-1"-1"0,1 5 0,-1-2-373,-3 25-59,1-21 0,-1 0-48,2 21-73,-1-27 1,1-2-119,2 6 180,-2-16 269,0-21-123,-4-2 448,0-1-650,0-12 112,6-15-56,2-11 0,7-8 0,-2 16-56,5 6-96,-6 17-111,3 1 263,-4 6 101,0 5 465,13 24-466,-6 10-77,7 22-62,-14-15 33,-6 7 196,-10-13-184,-2-7 72,-7-5-66,1-19 116,-10-2-206,-17-12-45,7-6-460,5-9 1,3-3-740,1-15-345,8 1 1,2-1 1666,4-3 0,3-1 0,7 30 0</inkml:trace>
+  <inkml:trace contextRef="#ctx0" brushRef="#br0" timeOffset="66346">23924 3524 11379,'-42'52'560,"6"-6"-465,27-20-128,4 7-494,6-2 152,8-8 375,3-7 381,8-22-263,-7-2 16,9-19-50,-10 6 17,6-20-28,-10 16 50,0-15 169,-6 12-7,-1 6-285,-1 7-129,0 13-61,0 2 296,0 5 152,0 2-73,2 7-79,2 4-95,3 3 45,11 17-308,0-12-3585,19 4 3837,-16-20 0,0-8 0,-15-2 0</inkml:trace>
+  <inkml:trace contextRef="#ctx0" brushRef="#br0" timeOffset="66997">24210 2810 11721,'43'46'1731,"-3"-2"-1311,-18-14 45,9 30-460,-9-9 54,-6-2 0,-2 2-20,-1 15-1557,-6-8 1,-3 1 1536,-1-23 1,-2 0 362,-3 24 0,-4 3-377,-1-14 1,-2-1 19,0 1 0,-1-1-6,-5 5 1,-2-1-569,2-12 1,-3-2 548,-2-2 0,0-2 0,-6 12 0,6-29 0</inkml:trace>
+</inkml:ink>
+</file>
+
+<file path=ppt/ink/ink34.xml><?xml version="1.0" encoding="utf-8"?>
+<inkml:ink xmlns:inkml="http://www.w3.org/2003/InkML">
+  <inkml:definitions>
+    <inkml:context xml:id="ctx0">
+      <inkml:inkSource xml:id="inkSrc0">
+        <inkml:traceFormat>
+          <inkml:channel name="X" type="integer" min="-2.14748E9" max="2.14748E9" units="cm"/>
+          <inkml:channel name="Y" type="integer" min="-2.14748E9" max="2.14748E9" units="cm"/>
+          <inkml:channel name="F" type="integer" max="32767" units="dev"/>
+        </inkml:traceFormat>
+        <inkml:channelProperties>
+          <inkml:channelProperty channel="X" name="resolution" value="1000" units="1/cm"/>
+          <inkml:channelProperty channel="Y" name="resolution" value="1000" units="1/cm"/>
+          <inkml:channelProperty channel="F" name="resolution" value="0" units="1/dev"/>
+        </inkml:channelProperties>
+      </inkml:inkSource>
+      <inkml:timestamp xml:id="ts0" timeString="2022-11-21T14:30:38.562"/>
+    </inkml:context>
+    <inkml:brush xml:id="br0">
+      <inkml:brushProperty name="width" value="0.05292" units="cm"/>
+      <inkml:brushProperty name="height" value="0.05292" units="cm"/>
+      <inkml:brushProperty name="color" value="#0070C0"/>
+    </inkml:brush>
+  </inkml:definitions>
+  <inkml:trace contextRef="#ctx0" brushRef="#br0">3952 3334 13939,'12'45'521,"-3"-2"-532,-9 24 27,0-32 1,0 2 14,0 7 0,-1 2-620,1 8 1,0-3 588,-1 13 5,0-9 1,1-2 0,1 8 215,1-14 1,0 2-231,2-9 1,1-1-6,0-2 0,0-1 59,4 22 105,-3-28-117,-3-18-33,-1-2-56,0-3 495,-2-5-1671,1 1-499,2-2 1731,2-5 0,-1 3 0,-1-4 0</inkml:trace>
+  <inkml:trace contextRef="#ctx0" brushRef="#br0" timeOffset="1332">4000 3381 11900,'53'-10'617,"-2"2"-522,-13 9 0,0 1-39,14-1-34,-10 1 1,0-1-23,4-1 42,-8 0 0,1 0-37,23 0-5,-13-1 0,-1 1 0,1 0-72,4-1-18,-29 1-11,0 0 73,-3 0 17,0 0 11,4 2 11,-8-2 73,9 1-39,-15-1 0,2 0-12,-8 0 29,-1 0-28,-1 0-18,4 0-16,-1 0-95,2 0 78,-3 0 73,1 0-33,-1 0-23,1 0-196,0 0-23,5 0 147,-1 0-1,5 1 67,-6 0 6,-1 3 28,-5-3 135,0 2 38,-3-2-10,1 1 83,-1 1-212,0 0-85,1 4-33,4 8-67,3 2 0,8 12 0,1-2 117,-2 1-89,-2 1 11,-4-3 45,1 5-113,1 23 80,-2-9 35,-3-3 0,0 2 65,-2-4 1,-1-1-32,1 0 0,-1 1 0,1 7 1,0 1 41,1-4 0,0-1-36,0-1 0,1-2-1,-1-4 1,0-4-3,3 3 0,-2-17-11,2 0 11,-3-8-6,0 1 6,-3-8-11,-1-2-454,0 1-146,-4-1-805,-2 1-657,-2 0 2073,-1 0 0,4-2 0,1 0 0</inkml:trace>
+  <inkml:trace contextRef="#ctx0" brushRef="#br0" timeOffset="2801">8023 3358 12466,'6'44'1053,"-1"1"-1014,-3 18 0,1 1-1809,-1-17 0,0 6 0,-1-2 1820,1 2 1,0 1-48,-1 4 1,0 4 0,0-6 676,0-11 0,0-3-655,0 12 1,0-2 846,3 5-1768,7 8 129,-4-28-410,4-6-246,-5-26 2219,0-2 1,-2-2 0,-2-1 0</inkml:trace>
+  <inkml:trace contextRef="#ctx0" brushRef="#br0" timeOffset="3537">8046 3358 10349,'31'-15'407,"0"0"0,2 1 0,-1 4 298,26 8-635,-21 1 1,2 1-43,1-1 0,2 2 2,11-1 1,-1 0-31,14 0 3,-22-1 0,-1 2-3,17 0-6,-2 0-2,-21 2 0,0-1 19,14 1-42,-14 0 0,1 0-58,21-2-13,-5-2-60,-2-6 156,-29 0-128,0-4-325,-10 7 173,0 0 129,1 4 157,-6 0-134,5 0-135,-5 0-5,4 0 111,-7 0-475,3 0-841,-8 1 1479,1 2 0,-1-1 0,1 1 0</inkml:trace>
+  <inkml:trace contextRef="#ctx0" brushRef="#br0" timeOffset="3986">9332 3286 10774,'8'41'416,"-1"0"1,0-2-1,-1-1-102,-1 16-110,-1 1 1,0 5-113,0-11 1,-1 4-305,1 7 1,0 7 0,0-1 239,0-4 0,0-1 0,0-1-125,-1-4 0,1-1 0,0 0-533,0-1 1,0 0 0,0-5 10,-2-7 1,0-2 430,0 8 0,0-4 1,-2-2-1,0 5 1</inkml:trace>
+  <inkml:trace contextRef="#ctx0" brushRef="#br0" timeOffset="45811">14474 5286 16068,'-22'6'117,"-6"0"-111,10-5 100,-15 2-55,14-1-35,-6 1 18,11-1 5,1 0-22,0 0 39,4-1-56,0 1-123,4 0 89,2-1-145,0 2 28,1 5 162,1 0 67,-2 6-66,2 0 77,0 2-83,0 3-6,1 2 0,0 17 0,0-5 11,2 33-11,-1-20-25,1-6 0,-1 3 25,2-8 0,-1 1-3,3 18 0,0 0-20,-1-17 1,-1-1 22,4 11 0,-2 1 17,-3-9 0,0-1-15,0-1 1,0 0-3,-2-3 0,-1-1 56,-2 13-89,0-24-23,-3 12 22,1-7 141,-1 11-102,2-9 1,3-6-6,1-11-45,0-7 11,0 0 1,0-4-354,0-1 387,0 2 84,1 1-84,1 1 0,2 0 0,1-1 0,2-2 0,2 1 90,3-2-12,4 0-38,13 0 55,7-2-95,-1 0 0,8-1 67,-9 2-173,-4 0-152,-6 1-191,-13 0-531,-5 0-621,3 0 1601,5 0 0,-7 0 0,3 0 0</inkml:trace>
+  <inkml:trace contextRef="#ctx0" brushRef="#br0" timeOffset="46944">14664 5667 13390,'4'38'784,"2"0"-678,8-8 1,4 1-101,10 27-6,-10-23 0,-1 0 0,6 13-6,-9-21-257,5 1-454,-4-14 639,1 0 184,-10-14-33,-5-2-12,-1-9-21,0-1-35,-1-10 40,-1-2-45,-2-4 39,-4-35 12,4 13-51,-1-16-6,4 36-302,1 16 291,10 19 364,5 17-257,5 5-124,10 32-27,-10-18-217,-3-4 1,0-1 126,2 6 6,10 14 38,-15-32-128,6-3 476,-9-19 352,1-25-122,-6-17-152,-3-13-50,-3-9-28,3 4 27,1-5-1191,1 15 0,1 0 996,3-17-68,-1 16 1,1 3-790,1 6-4094,-2 18 4878,-4 23 0,-4 14 0,0-5 0</inkml:trace>
+  <inkml:trace contextRef="#ctx0" brushRef="#br0" timeOffset="47777">15402 6001 13530,'-25'29'246,"0"1"1,1-2-1,5-2-195,5 4-51,4 0-28,4-1 28,4-2-45,4-5-246,9-1-252,8-9 414,3-3 95,6-18 34,-7-10 135,5-26-79,-11 9-28,-3-10-23,-10 19 135,-1-19-67,-1 19 123,-3-13-84,1 31-22,-1 3 100,11 44-190,5 0-6,3 22-134,2-16-162,-6-17-381,0-3-2611,6 0 3294,-7-10 0,2-1 0,-10-11 0</inkml:trace>
+  <inkml:trace contextRef="#ctx0" brushRef="#br0" timeOffset="48345">15735 6025 14701,'-28'40'207,"4"-3"-207,15-18 28,2 13-28,4-9-56,1 8 17,5-11-107,6 2-162,1-8-358,10-1 386,-3-13 336,7-25 33,-9 5-83,-1-20 27,-10 18 113,-2-16-135,-4 17 68,-1-10-79,-2 22-62,0 4-89,3 2 252,0 19 22,16 28-78,3 7-169,10 4-828,-1-24-1322,-7-19 2274,1-7 0,-11-3 0,-2-2 0</inkml:trace>
+  <inkml:trace contextRef="#ctx0" brushRef="#br0" timeOffset="49305">16021 5144 13945,'9'45'1097,"-1"13"-951,-9-25-107,1 24-901,3-7 862,5 11 0,-3-25 0,2-8 0</inkml:trace>
+  <inkml:trace contextRef="#ctx0" brushRef="#br0" timeOffset="49602">16093 5691 12690,'4'59'639,"0"-1"-2454,-4-28 1815,4 6 0,-2-24 0,2 2 0</inkml:trace>
+  <inkml:trace contextRef="#ctx0" brushRef="#br0" timeOffset="49921">16164 6167 11855,'5'67'454,"-1"-1"-891,-3-32-633,0-1 1070,3 2 0,-2-22 0,1 1 0</inkml:trace>
+  <inkml:trace contextRef="#ctx0" brushRef="#br0" timeOffset="51045">16426 5644 12573,'19'33'326,"1"0"1,-2-1 0,-1-3-199,2 7-44,-1 0-44,-1-2-24,-1-2-10,-2-5-79,3 0-532,-1-13 544,0-7 167,-5-15-16,-3-23 39,-5 2-85,1-16 35,-2 7-68,0-22 28,1 18-5,1-19-68,-1 38-145,3 4 185,0 18 352,6 19-134,12 32-221,-11-19 0,0 2 13,5 11 1,1 0-112,-1-3 0,0-4 89,5 12-296,0-13 50,-15-30 252,-1-5 353,0-14-129,-3 0 84,0-30 61,-3-16-324,-1 26 0,1-2-45,-2-18 0,2-3-154,3-4 0,2 2-283,-2 12 0,0 2-515,3 1 0,2 10-3837,0 21 4789,-4 23 0,-2-8 0,-2 7 0</inkml:trace>
+  <inkml:trace contextRef="#ctx0" brushRef="#br0" timeOffset="51644">17211 5858 12567,'-19'33'157,"-1"0"0,-11 25-101,27-34-51,2 1-5,7 5-168,8-5-89,1-3-231,8-12 454,-2-25 107,0-12-67,-2-10 72,-7-3-78,-5 7 95,-2-10 7,-2 14 10,-1-4 392,-1 19-320,-1 8-4,-1 11-180,1 18 11,7 28-1972,13-3-1948,2-1 3909,5-24 0,-15-16 0,-3-4 0</inkml:trace>
+  <inkml:trace contextRef="#ctx0" brushRef="#br0" timeOffset="52029">17592 5786 12550,'26'35'319,"-1"-1"0,-2-2 1,-3-3-163,-4 0-51,-1-1-61,1-1-45,-2-4-73,-1-5-2772,2 2 2845,-7-10 0,0 0 0,-7-9 0</inkml:trace>
+  <inkml:trace contextRef="#ctx0" brushRef="#br0" timeOffset="52246">17568 6048 11670,'2'11'1619,"-1"-2"-431,29-61-1048,-3 9-2714,3-3 1,-1 0 2573,0 3 0,-5 9 0,-20 30 0</inkml:trace>
+  <inkml:trace contextRef="#ctx0" brushRef="#br0" timeOffset="53497">17973 5286 11934,'48'-9'1232,"-5"2"-829,-5 6-268,-11 0 27,15-1-89,-14 1 274,-6 2-67,-8 3-84,-10 3-78,-2 5-12,0 15-106,1-1 0,5 36 6,-1-10 38,-3-17 1,0 2-45,1 9 0,1 2-8,-2-1 0,1 2 2,0-4 0,1 4 1,0-3-18,0 6 1,-1-2-3,2-4 0,-1-4 13,1 12 7,-3-30-1,-1 1 1,-1-14 5,-1-1 0,0-3 0,0-1 11,-1 7-11,0-1 0,0 2-11,0 1-34,0-6 50,0 5-5,0-6 0,0 0 0,0-5 6,0-2 375,0 1-320,-8-2 1,-20 0 28,-12 3-90,-5-1-12,3 3 7,14-2-566,-9-1-493,19 0-1216,-4-4 2280,23-4 0,-1 2 0,1-1 0</inkml:trace>
+  <inkml:trace contextRef="#ctx0" brushRef="#br0" timeOffset="54144">18759 5596 12819,'48'-16'952,"-2"1"-1305,-12 11 0,0 2-5080,7 1 5433,-8 5 0,-23 0 0,-8 1 0</inkml:trace>
+  <inkml:trace contextRef="#ctx0" brushRef="#br0" timeOffset="54362">18806 5786 14090,'37'2'476,"0"-1"0,29 1-476,-33-2 0,5-1 0,-1 0 0,-8 0 0,27-1 0</inkml:trace>
+  <inkml:trace contextRef="#ctx0" brushRef="#br0" timeOffset="55362">19425 5382 13648,'23'31'416,"0"0"0,2 9 1,-3 1-247,-7-6 1,-2 0-143,0 0 0,1 1-28,6 10 0,-1-5-78,1-3-118,4 5 45,-14-34 72,-8-9 158,0-5 33,-2-27-112,-1-21 0,-1 9 0,-1-3-20,2 8 0,-1-1-76,0-11 0,-1 2 96,2-1-78,0-4-29,4 37-16,0 8 409,20 32 11,2 21-225,-4-7 1,1 6-70,-3 0 1,0 4 0,-1-3-7,1 4 1,0-1-415,1 6 0,-1-7 311,-5-13-17,-5-26 39,-3-3 84,1-11 140,0-7 11,5-38-101,-2-7-936,-4 16 1,1-5 0,-2 2 885,1 2 0,-1 0-157,2-17 1,1 6-1420,2 14 1576,2 21 0,-5 17 0,-2 8 0</inkml:trace>
+  <inkml:trace contextRef="#ctx0" brushRef="#br0" timeOffset="56431">20282 5739 11553,'-22'27'289,"-1"0"1,3 0-1,2 2-213,7 4 0,3 0-71,-2 11-5,9 3-45,7-30-89,12-2 218,10-13-34,-4-6 292,8-25-124,-16-13-128,0-2-12,-4-14 169,-9 5-197,-4 11-39,-3 4 29,-2 27-40,2 5 50,3 6 112,12 33-38,5 8-68,6 15-45,7 3-67,-5-26 56,18-11 0,-23-11 0,6-16 0</inkml:trace>
+</inkml:ink>
+</file>
+
+<file path=ppt/ink/ink35.xml><?xml version="1.0" encoding="utf-8"?>
+<inkml:ink xmlns:inkml="http://www.w3.org/2003/InkML">
+  <inkml:definitions>
+    <inkml:context xml:id="ctx0">
+      <inkml:inkSource xml:id="inkSrc0">
+        <inkml:traceFormat>
+          <inkml:channel name="X" type="integer" min="-2.14748E9" max="2.14748E9" units="cm"/>
+          <inkml:channel name="Y" type="integer" min="-2.14748E9" max="2.14748E9" units="cm"/>
+          <inkml:channel name="F" type="integer" max="32767" units="dev"/>
+        </inkml:traceFormat>
+        <inkml:channelProperties>
+          <inkml:channelProperty channel="X" name="resolution" value="1000" units="1/cm"/>
+          <inkml:channelProperty channel="Y" name="resolution" value="1000" units="1/cm"/>
+          <inkml:channelProperty channel="F" name="resolution" value="0" units="1/dev"/>
+        </inkml:channelProperties>
+      </inkml:inkSource>
+      <inkml:timestamp xml:id="ts0" timeString="2022-11-21T14:32:38.956"/>
+    </inkml:context>
+    <inkml:brush xml:id="br0">
+      <inkml:brushProperty name="width" value="0.05292" units="cm"/>
+      <inkml:brushProperty name="height" value="0.05292" units="cm"/>
+      <inkml:brushProperty name="color" value="#0070C0"/>
+    </inkml:brush>
+  </inkml:definitions>
+  <inkml:trace contextRef="#ctx0" brushRef="#br0">5642 4572 11066,'31'-12'509,"-6"1"-419,-20 4-23,1 0 269,7-11-235,1 1-6,4-6-50,-6 9 23,-2 5-12,-6 6-51,1 1 124,-3 2 117,2 0-117,-2-1 50,1 1 443,-3 0-129,1 17-432,-1-1-61,0 18-33,0-5-146,0 17 117,0 3 6,0 6-179,3-11 0,-2-18-197,3-10-94,-1-11-2146,0-1-207,-1-4 2879,-1 0 0,-1-1 0</inkml:trace>
+  <inkml:trace contextRef="#ctx0" brushRef="#br0" timeOffset="650">5952 4477 12875,'-3'41'162,"2"-5"-150,0-17-7,1 11-55,2-7-12,6 13-341,9-10 168,-2-7-186,6-6 315,-11-11 106,3-2 67,-5-4-11,0-4-45,-2-1-5,0-4 44,-5 2-5,1-2-28,-2-7 84,-3-4 27,-11-12-71,-1 8-57,-5 4-365,2 12-83,9 8-442,-2 1-404,5 3 1294,3 2 0,1-2 0,1 2 0</inkml:trace>
+  <inkml:trace contextRef="#ctx0" brushRef="#br0" timeOffset="1233">6237 4501 12797,'-6'56'162,"2"-5"-212,8-14-74,6-10-21,2 5-253,8-16 45,-8-11 157,3-1 129,-4-4 67,-2-4 123,3-6-67,-4-1 89,3-12 180,-7 1-72,-1 1 128,-7-5-185,-3 11-73,-4-5-62,-2 8-55,-7-1-6,5 5-594,-3 0-907,7 6 1501,1 14 0,4-8 0,0 8 0</inkml:trace>
+  <inkml:trace contextRef="#ctx0" brushRef="#br0" timeOffset="2725">9618 4763 10041,'28'-20'767,"-3"1"-459,-18 5-62,2 0-78,1-2 342,11-15-325,-4 9-180,3-6 7,-8 16-12,-9 9 795,-1 9-705,-2 4 22,0 9-106,0 2-152,2 30 45,0-19-179,2 22 28,0-30-124,2 7-66,-2-13-975,4 2 1417,-2-14 0,-2-2 0,-1-4 0</inkml:trace>
+  <inkml:trace contextRef="#ctx0" brushRef="#br0" timeOffset="3243">9975 4643 11956,'-3'62'101,"1"-9"-101,2-36-6,2 0 1,3-3-51,3-1-359,5-1 163,-2-6 79,3-1-1,-5-4 79,-1-1 95,3-9 112,-4 1 145,2-17 264,-6-1 23,-8-19-544,-8 8-309,-2 3-654,-3 17 963,5 12 0,6 3 0,0 2 0</inkml:trace>
+  <inkml:trace contextRef="#ctx0" brushRef="#br0" timeOffset="3827">10284 4620 12304,'-19'61'140,"10"-24"0,4-4-140,11-6-157,1 6 79,6-16-354,2-8 107,-3-6 123,3 0 163,-5-7 123,0-10 297,-3-16 22,-9-9-649,-12 1-1154,-13 11-634,4 14 2034,1 6 0,14 6 0,3 0 0</inkml:trace>
+  <inkml:trace contextRef="#ctx0" brushRef="#br0" timeOffset="4274">10451 4667 9626,'8'1'1008,"-1"-1"-862,-9 39-101,1-9-45,1 23-459,11-14 173,-2-24 191,8 3-17,-7-16 207,3-8 84,-3-2 364,2-16 101,-8-6-341,-7-14-645,-12 9-548,-6 5 890,-10 15 0,17 11 0,0 1 0</inkml:trace>
+  <inkml:trace contextRef="#ctx0" brushRef="#br0" timeOffset="4774">10665 4667 9391,'11'34'36,"0"0"1,8 24-59,-5-32-163,-4-9 6,7 3 179,-7-14 436,4-6 791,-6-24-398,-2-6-191,-12-28-537,-11 12-101,-3 4-275,-12 17-531,14 17-392,-6 12-1681,10 9 2879,2 10 0,6-10 0,1-2 0</inkml:trace>
+  <inkml:trace contextRef="#ctx0" brushRef="#br0" timeOffset="26255">4571 4524 12102,'12'42'219,"2"11"-113,-4-10-67,0 1-22,2 8-17,-6-25-11,3 9 5,-4-22-33,0 2-247,-3-12-369,-1-1-734,-1-3 1389,0-8 0,0 5 0,0-5 0</inkml:trace>
+  <inkml:trace contextRef="#ctx0" brushRef="#br0" timeOffset="26872">4476 4715 11116,'9'-33'795,"1"2"-526,2 16-67,-1-1-107,1 2-11,-1 1-22,-1 2-56,0 2-6,0 4 33,0 1 186,3 6 105,2 7-144,13 9-141,-8-3-39,6 4 61,-14-11-105,7 2-337,-8-4-706,5 1-952,-9-5 2039,0 1 0,-4-2 0,-1 0 0</inkml:trace>
+  <inkml:trace contextRef="#ctx0" brushRef="#br0" timeOffset="27829">3785 4953 5762,'0'0'0</inkml:trace>
+  <inkml:trace contextRef="#ctx0" brushRef="#br0" timeOffset="28547">3785 4953 13849,'-26'-3'661,"2"2"-655,10 9 111,-3 4-139,3 0-28,-1 2 50,0 6-40,7-5 40,-1 6 0,4-2 6,0 3 0,1 4-6,0 4-45,0 16 45,2-10-28,1 21 28,4-25-163,7 13-195,7-19-1323,16-1 405,-6-13 1276,10-15 0,-24 1 0,0-6 0</inkml:trace>
+  <inkml:trace contextRef="#ctx0" brushRef="#br0" timeOffset="29165">3762 5144 10046,'44'-47'1036,"-18"16"0,-3 1-873,-9 5 5,7-12-168,-14 26-56,-1 4 129,-4 4 370,0 3-219,-2 4 156,0 14-380,0 0 73,3 23-34,5 10-554,1-1-1322,4 0 179,-5-26 1658,0-9 0,-6-11 0,-1-1 0</inkml:trace>
+  <inkml:trace contextRef="#ctx0" brushRef="#br0" timeOffset="29628">4047 5001 10254,'8'4'1820,"-1"-1"-1636,-7-3 142,-7 46-85,5-16-283,3 6 0,2-1-65,4-7 18,9-4-68,-5-17-34,-1-3 28,4-2 135,-5-2 28,2-3 118,-6-3 45,1-12-152,-4 4 230,1-16-67,-14-2-62,-7 1-202,-9 0-246,5 16-4728,3 8 5064,14 6 0,0 1 0,5 0 0</inkml:trace>
+  <inkml:trace contextRef="#ctx0" brushRef="#br0" timeOffset="30099">4190 5072 10920,'18'63'504,"-1"-10"-465,-10-35-39,1-1-73,1-3-11,0-4-50,5-1 128,-3-6 96,6-3 0,-6-7 201,4-14 106,-6-8 287,-2-17-533,-14 9-139,-1 3-96,-25 10-477,16 16-430,-11 0-454,17 11 1445,-1 12 0,6-8 0,0 6 0</inkml:trace>
+  <inkml:trace contextRef="#ctx0" brushRef="#br0" timeOffset="30545">4571 5167 12029,'-2'67'633,"1"-9"-818,-4-18-829,3-18-940,0 9 1954,2-25 0,0-3 0,0-2 0</inkml:trace>
+  <inkml:trace contextRef="#ctx0" brushRef="#br0" timeOffset="31061">4714 5096 9475,'7'5'997,"-2"-1"-577,-5-4 739,0 0-716,12-34-387,-3 18-112,5-21 56,-7 29 364,-4 7 319,1 18-683,0-4 84,1 15-78,-2-6-6,1 9-28,-1-7-627,3 13 655,-1-4 0,-1-13 0,-1 0 0</inkml:trace>
+  <inkml:trace contextRef="#ctx0" brushRef="#br0" timeOffset="31513">4904 5072 12124,'3'62'213,"-2"-8"-207,5-29-96,4-4 84,2-1-117,7-8-269,1-9 398,-2-9 106,-1-1 50,-8-14 62,-5 7 225,-1-13-354,-2 11 123,-11-13-218,2 11-700,-16-9-1490,3 14 2190,-1 1 0,9 9 0,6 3 0</inkml:trace>
+  <inkml:trace contextRef="#ctx0" brushRef="#br0" timeOffset="31930">5142 5001 10153,'9'11'739,"-2"-2"-358,-7 39-17,5-15-269,0 29-173,9-28 50,1-21 190,1-9-33,-3-12-96,-5-10 96,-5-2-84,-1-1 213,-6-12-1160,-9 7 28,-3 0 874,-10 13 0,15 10 0,0 2 0</inkml:trace>
+  <inkml:trace contextRef="#ctx0" brushRef="#br0" timeOffset="32279">5309 4834 12236,'25'40'394,"1"-1"0,-3-1 0,-3-4-159,-5 4 12,1 20-174,-8-13-43,-2-7 1,-4 2-426,-9-3 1,-4-1 394,0-1 0,-2-2 0,-11 18 0,5-31 0</inkml:trace>
+  <inkml:trace contextRef="#ctx0" brushRef="#br0" timeOffset="33440">8737 4453 10830,'9'36'624,"0"0"1,7 29-137,-12-11-351,-2-15 0,0 2-137,0 25-6,-1-27 1,0-4-79,-1-3-1714,6 6 482,-2-20-1877,3 4 3193,-4-20 0,-2-1 0,0-1 0</inkml:trace>
+  <inkml:trace contextRef="#ctx0" brushRef="#br0" timeOffset="33960">8594 4667 9307,'3'8'706,"0"-1"117,-3-7-140,0 0-78,6-22-229,3 5 66,17-28-324,-6 23 100,8-5-156,-11 14-57,0 3-5,-1 3 6,1 3 173,6 4-22,-4 6 112,12 11-191,-14 1-201,12 16-1232,-5-3 1355,4 3 0,-11-13 0,-5-8 0</inkml:trace>
+  <inkml:trace contextRef="#ctx0" brushRef="#br0" timeOffset="34675">8213 4929 13681,'-20'51'611,"1"-4"-477,5-20-67,0 4-50,-1 20-17,7-9-6,3-7 1,4 0-258,17 14-863,12 1-1198,22-20 2324,5-17 0,-20-10 0,-10-3 0</inkml:trace>
+  <inkml:trace contextRef="#ctx0" brushRef="#br0" timeOffset="35176">8308 5215 9206,'8'7'2509,"14"-39"-1707,-11 9-601,10-21-206,-9 26-119,-7 13 124,-1 2 129,-2 3 286,-1 2-113,0 4-196,0 5-44,1 4-6,2 16-336,3 19-767,2-1 1047,10 5 0,-11-31 0,5-10 0</inkml:trace>
+  <inkml:trace contextRef="#ctx0" brushRef="#br0" timeOffset="35559">8499 5167 12029,'9'59'162,"-1"-13"-162,2-19 0,-1-10-173,7 1-35,0-9 164,8-8 189,-8-10-33,-2-10 90,-8 0 426,-4-21-511,-2 15-111,-7-13-12,-3 21-879,-11 1-22,3 8 907,-8 8 0,16 1 0,0 5 0</inkml:trace>
+  <inkml:trace contextRef="#ctx0" brushRef="#br0" timeOffset="35941">8713 5144 9996,'6'11'694,"4"40"-576,-6-31 28,6 32-23,1-33-28,0-4-134,7-3 39,-4-6 308,7-6 0,-11-8 241,4-15 22,-9-5-268,-9-17-1295,-17 10-139,-7 8 1131,-16 16 0,24 10 0,-1 1 0</inkml:trace>
+  <inkml:trace contextRef="#ctx0" brushRef="#br0" timeOffset="36224">9046 5358 12953,'2'41'-200,"0"0"1,-1 4-1,-1-5-1917,-2-9 2117,-2 8 0,3-25 0,-1-5 0</inkml:trace>
+  <inkml:trace contextRef="#ctx0" brushRef="#br0" timeOffset="36976">9142 5239 12275,'15'-22'942,"1"-5"-730,-6 6-116,-1 2-91,-2 4-5,-4 10-201,0 2 665,1 14-374,0 1-34,3 23-90,-3 3-1450,4 23 1484,2-7 0,-5-15 0,1-19 0</inkml:trace>
+  <inkml:trace contextRef="#ctx0" brushRef="#br0" timeOffset="37375">9332 5191 9744,'2'11'1473,"-1"-3"-1216,-1-8 292,0 0-330,-1 37-203,0-13-21,4 29-57,1-31-330,6-6 527,4-13 133,0-12-88,-1-2-12,-5-11 45,-6 4 291,1-14-448,-5 14-431,-10-13-421,2 22-2453,-16-1 3249,12 7 0,0 2 0,9 1 0</inkml:trace>
+  <inkml:trace contextRef="#ctx0" brushRef="#br0" timeOffset="37925">9570 5239 10970,'-15'41'269,"4"-5"-269,11-23 34,2-1-34,2-4-146,6-4 202,-3-2-22,4-6 50,-2-11 101,0-10-73,0-1 252,-4-12-39,-6 2-275,-10 2-140,-1 5-39,-7 16-268,6 10-3194,1 15 3591,6-1 0,1 4 0,5-8 0</inkml:trace>
+  <inkml:trace contextRef="#ctx0" brushRef="#br0" timeOffset="38342">9737 5191 10164,'4'9'1490,"-1"-2"-1356,-3-7 230,1 40-207,3-24 23,6 34-180,-1-40-6,2-2 6,-3-6 112,3-6 0,-3-2-45,1-5 96,-2-3 33,-3-2 257,0-6-302,-3 5-67,-7-11-201,-18 5-886,-2 5-252,-5 3 1255,13 24 0,12-6 0,2 9 0</inkml:trace>
+  <inkml:trace contextRef="#ctx0" brushRef="#br0" timeOffset="38725">9951 5239 11564,'9'62'482,"1"-11"-426,-3-40 5,6-4 29,-4-4 146,6-11-113,-7-2 62,-1-9-40,-3 1 359,-3-14-493,-3 13-481,-11-11-1843,-7 22-1832,-1 0 4145,2 10 0,12-1 0,4 3 0</inkml:trace>
+  <inkml:trace contextRef="#ctx0" brushRef="#br0" timeOffset="39161">10118 4977 8584,'4'7'1597,"-1"-1"-1216,-3-6 946,24 49-683,-12-21-185,4 14 1,0 2-1454,-7-3 1157,-2 16 253,-5-14-341,-7-1 1,-2 2-76,-4 8-748,-2-6 1,-4-3 747,-8-9 0,5-7 0,7-17 0</inkml:trace>
+  <inkml:trace contextRef="#ctx0" brushRef="#br0" timeOffset="60115">13736 5453 10707,'9'42'700,"-2"-3"-481,-5-18 16,-1 3 56,3 16-83,-2-7 128,2 26-219,-2-24 1,1 1-85,0 3 1,-1 0-29,1 0 1,-1-2 67,3 20-73,-3-18 6,0-1-1,0-1 29,0-3-28,-1-1-1,1-4 1,0-1 11,3 13-6,1-11-6,3 9 1,-4-22 11,0-3 39,-3-2-51,-1-2 1,-1 2-6,0-5 6,0 6-1,-2-1-5,2 0 17,-2-2-28,2-3 5,0-2 6,0 2 0,0-1-39,0 4-123,0-5-23,0 0-505,1-5 769,0-5-79,-1-1 96,-1-10-35,-3 4 34,-7-11 12,-12-1 22,0 0 22,-1 3-90,11 12 203,6 6-102,5 2-156,0 1-1,2 5 1,0 3 39,11 26-135,3-2-162,15 18 34,-6-22 5,-2-9 213,-7-21 129,-6-7-1,2-9-27,-4-6-28,0-4-73,1-3-1132,1-19 1132,-1 3 0,-2 9 0,-3 13 0</inkml:trace>
+  <inkml:trace contextRef="#ctx0" brushRef="#br0" timeOffset="60760">13569 5572 11844,'30'-50'1697,"2"-6"-1389,-13 20-375,-2 8 34,2 6 33,-9 19 0,1 4 123,2 5-34,1 5 68,8 17-157,-4-3-229,11 20-432,-12-17 661,11 26 0,-19-36 0,4 11 0</inkml:trace>
+  <inkml:trace contextRef="#ctx0" brushRef="#br0" timeOffset="61494">12831 6120 11094,'20'-29'629,"0"0"0,2-6 0,-3 1-337,-3-1-57,8-13-235,-15 29-179,1 4 179,-6 12 375,0 19-291,-1 0-79,0 18-5,0-2-39,-2 3-34,1 0-509,1 13-1267,1 0 1849,1 2 0,-1-22 0,-1-13 0</inkml:trace>
+  <inkml:trace contextRef="#ctx0" brushRef="#br0" timeOffset="61930">13117 5977 13558,'-15'64'213,"7"-8"-353,12-10-224,10-7-179,5-20 442,0-5 179,-1-15 79,-6-18 22,-5-12-11,-1-3 28,-3-13-196,-7 19-140,-11-14-61,0 22-326,-9-2-392,9 15-665,1 4 1584,3 13 0,5-7 0,1 7 0</inkml:trace>
+  <inkml:trace contextRef="#ctx0" brushRef="#br0" timeOffset="62312">13307 5977 11452,'7'45'186,"-1"1"1,-1-10 0,1-3-125,7 7-62,-2-18-140,4-4 140,-4-9 532,7-14-151,-7-9 241,3-30 33,-6-10-493,-6 16 1,-5 0-477,-15-13-526,-5 12 840,-25 77 0,31-27 0,-9 35 0</inkml:trace>
+  <inkml:trace contextRef="#ctx0" brushRef="#br0" timeOffset="64555">14474 6977 11598,'41'-12'459,"-9"3"-314,3 5 130,0 2-219,-7 2 68,22 0 10,8-5-84,7-1-16,-25 0 0,-1 0-34,13-3-6,11-3 6,-26 5 6,10-1-6,-15 3 0,0 1 16,31-7-10,-4 1-3,-10 1 0,1 0 11,-15 3 0,-2 1-14,6-1 0,-3 1 0,0 1 5,-6-1 6,-17 3 40,2 0-40,-2 0 28,8 2-39,-8 0 6,10 0-12,-10 0-27,11 0 83,-4 2-33,12 2-17,-10 1 0,2 0 0,-12-4-6,4 0 6,-7-1 0,2 0-45,-6 0 45,-1 0-5,0 0 5,2-1 39,-1-2 6,0-1 11,-2 0-51,-1 1 1,-2 1 0,2 1-1,-2-1-5,2 1-5,0 0 5,1-1-17,5-1 62,1 0-62,3-1 17,-4 1 0,-1 1 11,-4 1-11,0 0 6,-2 0 83,0 1 74,-1-2-130,-2 0 18,-7-3-46,-10-4 130,-22-12-63,11 3 24,-7-6-57,21 11 6,-1-6-40,9 9-5,-1-3 0,8 10-229,0 3 240,14 3 129,16 19-135,8 3-5,2 6 34,-13-6-34,-11-10 50,1 7-50,-8-8 45,1 7 6,-9-8-830,-25 23 779,-8-4 0,2 2 0,4-16 0</inkml:trace>
+  <inkml:trace contextRef="#ctx0" brushRef="#br0" timeOffset="65286">14545 6906 14213,'-34'44'583,"1"-2"-426,10-18 89,2-1-296,14-11 44,1-1 6,9 1 39,21 10-22,8 6-17,12 2-454,12 4-234,-21-16-6431,26 4 7119,-30-14 0,1-2 0,-22-5 0</inkml:trace>
+  <inkml:trace contextRef="#ctx0" brushRef="#br0" timeOffset="65821">14855 7334 11413,'25'-37'659,"0"-1"0,-2 6 0,-3 2-575,0-4-45,-7 14-5,-8 16 5,-2 2 471,0 8-387,0 4-33,1 21-51,0-4-28,1 27-168,3-7-3125,4 14 3282,-1-25 0,-3-10 0,-4-23 0</inkml:trace>
+  <inkml:trace contextRef="#ctx0" brushRef="#br0" timeOffset="66171">15117 7191 10567,'11'4'1708,"-2"-1"-1310,-9 40-213,3-19-28,0 34-79,6-30-33,1-2-45,2-4-50,3-5 44,-1-5-117,6-6 353,3-33-113,-2-8 40,-5-26-51,-25 2-190,-3 22-1260,-25 8-695,16 28 2039,-7 7 0,19 2 0,3 0 0</inkml:trace>
+  <inkml:trace contextRef="#ctx0" brushRef="#br0" timeOffset="66520">15450 7191 11698,'-4'58'291,"8"-21"1,5-5-224,13-8-12,7 6 660,1-49-206,-14-17-308,1-11-6,-11 0-96,-9 19-100,-5 5-2123,-22 7 2123,-8 19 0,6-5 0,7 13 0</inkml:trace>
+  <inkml:trace contextRef="#ctx0" brushRef="#br0" timeOffset="68282">16688 6906 12270,'29'-19'235,"-1"3"-89,-5 12 0,15-2-90,7-4-6,-6-2 0,0-1 1,17-5-46,-22 4 1,-2 0 0,2-1 22,15-2-28,-13 5 0,10 0 0,-5 7 5,3 3 29,-1 0-29,10-2 12,2-5-17,-9 1 6,3-3-1,-25 7 46,11-2-57,11 4 6,-7 0 0,14 2 11,-11 0 1,1 0 105,11 0-100,-14 0-11,24-5-1,-23 1-30,-6-1 0,0-2 25,-1-1 50,13-2-50,-17 4-45,19 0 40,-13 3 5,5 0 5,-17 8 7,-10-1-7,7 5-5,-8-4 0,2-1 6,-7-3 22,3 0-28,-3 1-6,2 0 6,-1 0-5,-1 0 5,2 0 0,-2 0-6,-3-2 6,-1 0 34,-2 0-90,-1 0 56,-11-2-34,1-2 28,-10-3 6,3-1 0,-2-2 0,-7-5 28,3-2 157,-7-8 179,10 7-67,4 3-297,9 11-34,3 4 34,6 4-5,8 9 16,11 12-5,3 1 44,-1 0-50,-7-1 56,-12 2-224,-11 28-263,-9-10 431,-3-9 0,0-3 0,-1-8 0,-3 3 0</inkml:trace>
+  <inkml:trace contextRef="#ctx0" brushRef="#br0" timeOffset="69424">16830 6763 11995,'-52'28'1412,"8"-5"-1115,30-12-96,4-3-55,2 0-152,4 2 12,7 2 67,14 13-68,13 5-53,-1-7 1,1 0-362,13 10-1131,12 1 1540,-20-15 0,-16-9 0,0 1 0</inkml:trace>
+  <inkml:trace contextRef="#ctx0" brushRef="#br0" timeOffset="69990">17259 7215 10130,'21'-53'1384,"-2"7"-981,-5 21-157,-5 9 80,0 3-86,-5 11-38,-3 8-185,1 15 39,-1 0-45,-1 22-50,0 11-1435,0 4-1629,0-4 3103,0-17 0,0-24 0,0-4 0</inkml:trace>
+  <inkml:trace contextRef="#ctx0" brushRef="#br0" timeOffset="70426">17473 7144 9492,'-1'-13'1025,"-1"2"-684,2 11-33,-8 49-95,11-11-213,-1 27-95,19-36 95,-4-19 39,6-23 230,-10-13-151,-1-5 190,-3-15-79,-6 19 13,-10-12-231,-4 22-123,-18-3-1059,1 15 1171,0 24 0,12-14 0,9 19 0</inkml:trace>
+  <inkml:trace contextRef="#ctx0" brushRef="#br0" timeOffset="70806">17664 7072 11620,'2'36'227,"0"0"0,2 26-104,3-29-73,4-6 12,9-4 45,-4-27 61,0-30-23,-9 2 1,-7-19-146,-7 30-123,-6-4-297,-2 11-2196,-10 6 2616,9 3 0,-1 4 0,12 1 0</inkml:trace>
+  <inkml:trace contextRef="#ctx0" brushRef="#br0" timeOffset="71191">17807 7096 10018,'6'3'1753,"-2"43"-1607,0-25 27,0 35-111,4-38-51,4-3 34,-3-7 11,2-2 40,-4-9-7,0-4 163,1-22 129,-4 0-246,-13-19-1245,-10 17 203,-5 5 907,-3 12 0,18 10 0,-1 1 0</inkml:trace>
+  <inkml:trace contextRef="#ctx0" brushRef="#br0" timeOffset="71608">17997 7072 12651,'10'53'291,"0"-6"-285,-2-23 5,6 4 34,1-7-34,1-4 168,4-9-67,-8-8 101,6-14-123,-9 1 117,1-13 39,-6 4 6,-2 0-33,-1 1-68,-4 1 73,-15-7-224,0 7-1008,-25-3 1008,2 43 0,12-19 0,5 27 0</inkml:trace>
+  <inkml:trace contextRef="#ctx0" brushRef="#br0" timeOffset="91863">19687 6620 10074,'-32'32'2739,"-1"5"-2358,10 1-218,4-3 61,6 2-28,2 11-157,3-7 6,0 11-1,7-19 7,0 14-6,5-11-45,7 18-101,18-14-241,6-6 342,6-25 0,1-7 0,-10 2 0,24-15 0</inkml:trace>
+  <inkml:trace contextRef="#ctx0" brushRef="#br0" timeOffset="92531">19854 6929 11799,'7'-35'619,"1"-1"0,8-27-439,-5 35-18,0 1-33,1 1-45,-6 11-6,0 4 499,-4 14-527,1 21-38,-1 2 32,4 33-38,-2-19 0,1 15-6,-1-16-594,1 22-56,-1-27-1993,4 9 2643,-2-38 0,-1-3 0,-2-4 0</inkml:trace>
+  <inkml:trace contextRef="#ctx0" brushRef="#br0" timeOffset="92965">20068 6787 9066,'8'8'2476,"-2"-1"-1827,-9 40-413,2-24-211,-1 12 0,1 1-25,2-9 34,3 6 5,4-15-39,3-2-5,1-4-1,1-5 6,0-2 151,4-5 112,1-13-117,-2-2 78,-1-22-73,-10 1-106,1-1-11,-15-6-34,0 20-118,-17-9-263,8 19-313,-5 2-589,12 9-280,3 7 1563,3 8 0,3-4 0,2 3 0</inkml:trace>
+  <inkml:trace contextRef="#ctx0" brushRef="#br0" timeOffset="93346">20282 6787 11564,'-1'67'302,"2"-29"1,1-4-230,3-3-68,5 8 1,2-19 84,9-4 44,-6-7 118,6-8 124,-3-22-52,0-29-10,-5-3-297,-17 18 0,-5 3-566,-14 2-224,-10 11 773,7 45 0,18-19 0,1 22 0</inkml:trace>
+  <inkml:trace contextRef="#ctx0" brushRef="#br0" timeOffset="93613">20592 7001 12696,'11'61'252,"-5"-4"-252,-12-27 0,-5 23 0,6-31 0,-2 13 0</inkml:trace>
+  <inkml:trace contextRef="#ctx0" brushRef="#br0" timeOffset="94531">20282 6287 12410,'20'30'397,"0"1"1,15 25-252,-18-26-90,-1 0 39,6 9-100,-4-2-40,0-2-661,-5-2 706,-10-10 0,1-8 0,-4-2 0</inkml:trace>
+  <inkml:trace contextRef="#ctx0" brushRef="#br0" timeOffset="95181">20235 6501 8007,'-13'-8'2101,"4"2"-1547,9 6 1127,0 0-1115,-5 1-365,3-1 264,-3 2-252,5-6 44,-1-17-117,2 3-33,3-14-12,2 11 151,7-8-167,-5 9-29,2-1 6,-5 11-50,-1 5-6,-1 1 5,6 4 113,11 12-124,6 6 6,3 5 0,-5-1-28,-8-9-212,-1-2-2656,13-5 2896,-8-2 0,1-3 0,-14-1 0</inkml:trace>
+  <inkml:trace contextRef="#ctx0" brushRef="#br0" timeOffset="96270">20687 6810 10752,'38'-47'1445,"-7"7"-1092,-24 25-62,-1 1-207,-3 7-5,0 1-34,-3 5 33,1 1 152,0 10-225,1 1 34,2 11-27,-2 1-1,4 19-11,-3-7-179,3 29-734,-4-8-1518,4-11 2431,2-11 0,-3-28 0,0-5 0</inkml:trace>
+  <inkml:trace contextRef="#ctx0" brushRef="#br0" timeOffset="96752">21020 6763 9094,'-1'4'1820,"0"-1"-593,1-3-947,-15 36-190,11-7-45,-11 33-45,29-11-67,-5-19-12,11-3 6,-8-22 146,10-13-11,-8-4 95,6-11-101,-11-2 162,-2-14-39,-3 10-39,-4-17-50,-25 8-628,1 6-1898,-8 9 475,16 21 1961,11 10 0,5-2 0,0-1 0</inkml:trace>
+  <inkml:trace contextRef="#ctx0" brushRef="#br0" timeOffset="100024">21258 6882 11200,'25'-52'1468,"-5"9"-1026,-15 25-207,-1 4-223,-1 4-7,-2 6 57,-1 4-1,2 0-61,-1 3 56,5 12-11,-1 11-6,3 26-44,-3-14-1,0 7-139,-3-24-1037,2-1-247,0-10-615,1-2 2044,0-9 0,-3 1 0,0-1 0</inkml:trace>
+  <inkml:trace contextRef="#ctx0" brushRef="#br0" timeOffset="100476">21449 6739 8690,'14'10'2588,"-3"-3"-2050,-11-7-28,0 0-291,-1 22 5,0 1-168,6 34-51,1-22 6,6 6 29,-1-24-35,1-5-5,-1-3 95,5-5 124,1-8-90,1-11-34,-6-2 62,-4-13-51,-6 6-95,-19-16-44,5 15-23,-13-5-51,11 18-3304,1 4-733,7 8 4144,0 5 0,6 1 0,0-1 0</inkml:trace>
+  <inkml:trace contextRef="#ctx0" brushRef="#br0" timeOffset="100939">21711 6787 12180,'7'41'566,"-1"-3"-566,-6-16 39,0 0-72,6 0 33,-1-7 0,5-2 0,-2-10 45,0-2 67,3-10-62,-2-1 202,5-19 129,-6-2 123,-3-13-482,-7 15-22,-6 0 0,-4 15-246,-6-3-337,5 10-694,-2 0-963,8 14 2240,3 4 0,2-3 0,1 0 0</inkml:trace>
+  <inkml:trace contextRef="#ctx0" brushRef="#br0" timeOffset="101558">21853 6453 13228,'29'56'1041,"-1"0"-621,-8-8 0,-1 2-339,-6-2 1,-1 0-2155,4 12 0,-3-1 2117,-7-12 1,-4-4 73,-4 17-874,-4-5 767,-3-7 557,-5-9-568,0-10-1915,-9-8 1915,2-11 0,3-4 0,5-6 0</inkml:trace>
+</inkml:ink>
+</file>
+
+<file path=ppt/ink/ink36.xml><?xml version="1.0" encoding="utf-8"?>
+<inkml:ink xmlns:inkml="http://www.w3.org/2003/InkML">
+  <inkml:definitions>
+    <inkml:context xml:id="ctx0">
+      <inkml:inkSource xml:id="inkSrc0">
+        <inkml:traceFormat>
+          <inkml:channel name="X" type="integer" min="-2.14748E9" max="2.14748E9" units="cm"/>
+          <inkml:channel name="Y" type="integer" min="-2.14748E9" max="2.14748E9" units="cm"/>
+          <inkml:channel name="F" type="integer" max="32767" units="dev"/>
+        </inkml:traceFormat>
+        <inkml:channelProperties>
+          <inkml:channelProperty channel="X" name="resolution" value="1000" units="1/cm"/>
+          <inkml:channelProperty channel="Y" name="resolution" value="1000" units="1/cm"/>
+          <inkml:channelProperty channel="F" name="resolution" value="0" units="1/dev"/>
+        </inkml:channelProperties>
+      </inkml:inkSource>
+      <inkml:timestamp xml:id="ts0" timeString="2022-11-21T14:35:09.320"/>
+    </inkml:context>
+    <inkml:brush xml:id="br0">
+      <inkml:brushProperty name="width" value="0.05292" units="cm"/>
+      <inkml:brushProperty name="height" value="0.05292" units="cm"/>
+      <inkml:brushProperty name="color" value="#A020F0"/>
+    </inkml:brush>
+  </inkml:definitions>
+  <inkml:trace contextRef="#ctx0" brushRef="#br0">12665 8954 15199,'-16'5'174,"2"-1"-169,7-4 62,-1 0 57,-1 1-51,-1 0 50,-2 1-84,0 1 12,-1-1 89,-6 1-101,5 0-28,-9 0 6,4-2-11,5 1-1,3-2 40,8 0-622,2 0 425,1 6 203,0 5-51,0 6 129,-2 35-90,0 0-39,1-10 0,0 2 0,0 19-82,1-21 1,0-1 81,0 8-39,0 15 28,0-20 11,0-2-95,0 18 95,1-17 17,1 25 39,0-23-45,1-2 17,1-4-62,-2-12 34,0-1 56,-1 5-56,-1-15-123,1 11 78,0-8-5,1-4 50,0-5 5,-2-9 124,1-1-196,2 0 22,1 0 12,6 0-40,11 2 78,-1 2 12,10 1-6,-6 2 57,12 4-68,-8-3-45,17 6 45,-8 0 33,-3 0-139,-7-1-1428,-13-5-729,-11-4 2263,1-1 0,-4-3 0,0 0 0</inkml:trace>
+  <inkml:trace contextRef="#ctx0" brushRef="#br0" timeOffset="803">12950 9335 13021,'-17'33'484,"-1"0"0,-11 25-304,17-33-124,2 0-45,3 3 17,4 1-23,1 13-94,11-1-18,-1-3-497,15-7 88,-2-23 516,1-4 101,5-24-90,-12-2 51,3-15 11,-9 3 229,-1-29-100,-4 24 179,-12-25 95,-8 38-331,-4 2 320,-1 10-219,11 14-190,12 19-50,8 5 112,13 17-118,2-5 0,1 2-168,12 16-135,-10-17-951,14 13-45,-19-31 1299,6-2 0,-18-14 0,0-3 0</inkml:trace>
+  <inkml:trace contextRef="#ctx0" brushRef="#br0" timeOffset="1483">13307 8834 13340,'-24'37'433,"0"-1"0,2-3 0,1-4 65,-8 2-408,4-5-40,4-4-50,9-9 0,10-10-50,2-3-62,0 3 106,0 1 1,1 3-29,8 8-27,20 10 49,11 3-58,-10-9 0,1 0-484,12 5-336,-6-4 890,-13-9 0,-16-8 0,1-1 0</inkml:trace>
+  <inkml:trace contextRef="#ctx0" brushRef="#br0" timeOffset="1851">13474 8811 11077,'0'12'1899,"0"-3"-1586,0-9 79,0 0 544,-9 67-724,9-21-209,-3-2 0,2 0-37,16 11-565,4-23 22,0-5-319,-1-14-359,-8-10-111,-1-2 1366,-3-9 0,-2 6 0,-2-5 0</inkml:trace>
+  <inkml:trace contextRef="#ctx0" brushRef="#br0" timeOffset="2033">13402 9025 13121,'63'-6'-535,"-18"1"0,-16 5 0,-19 0 1</inkml:trace>
+  <inkml:trace contextRef="#ctx0" brushRef="#br0" timeOffset="2235">13688 9001 10500,'6'14'230,"42"6"-1474,-29-18 1244,33 8 0,-43-10 0,-3 0 0</inkml:trace>
+  <inkml:trace contextRef="#ctx0" brushRef="#br0" timeOffset="2568">13879 9025 14236,'29'-39'582,"-5"8"-582,-19 22-196,-1 6 818,3 11-454,0 15-493,6 27-190,-4-12-549,3 5-1658,-3-25-1076,-1-5 3798,0-4 0,-4-5 0,-1-2 0</inkml:trace>
+  <inkml:trace contextRef="#ctx0" brushRef="#br0" timeOffset="3049">14117 8715 13329,'27'31'240,"1"0"1,-3-3 0,-2-4-84,0-9 28,-1-1-23,-1-2-61,-2 1 134,3 3 146,-4 7-174,-5 5 29,-11 16-225,-10-14-5,-8 10 27,-3-16-167,-13 12-348,7-12-4660,-18 8 5142,22-19 0,1-3 0,13-7 0</inkml:trace>
+  <inkml:trace contextRef="#ctx0" brushRef="#br0" timeOffset="5068">14307 9739 14001,'4'44'397,"0"8"-341,-4-26-45,-1 18-935,0-15 924,-3 3 0,2-16 0,-2-6 0</inkml:trace>
+  <inkml:trace contextRef="#ctx0" brushRef="#br0" timeOffset="5633">14688 9311 12354,'38'41'958,"0"0"-796,-7-8 1,3 3-119,2 1-44,-12-12 0,1-1 0,11 10 6,14 10-224,-26-26-1737,4-3 1955,-18-11 0,-2-2 0,-7-2 0</inkml:trace>
+  <inkml:trace contextRef="#ctx0" brushRef="#br0" timeOffset="5900">14712 9715 13877,'19'-32'450,"1"-1"0,-2 2 0,0 1-113,16-22-304,-6 12-33,8-16-269,-12 20 269,0 7 0,-1 0 0,-4 5 0,13-14 0</inkml:trace>
+  <inkml:trace contextRef="#ctx0" brushRef="#br0" timeOffset="7359">15331 8811 13469,'-33'21'1288,"3"-1"-717,1-4-319,7-3-78,-8 6-62,9-5 101,-4 7-208,6-3-111,4-2 56,8-7 55,10-7-5,4 2 6,2 0 11,15 13-1,-3 3-10,4 5 11,1 7-12,-11-14-49,7 7-545,-9-12-212,-1-3 801,6-7 0,-13-2 0,6-2 0</inkml:trace>
+  <inkml:trace contextRef="#ctx0" brushRef="#br0" timeOffset="7795">15569 8739 14477,'-1'35'324,"0"0"1,0 28-185,2-30-95,8 17-45,0-13-6,13 19 1,-8-29-303,9 4 56,-9-20-426,8-4 353,-9-5-1159,6-9-4654,-8-3 6138,-2-1 0,-6 2 0,-3 6 0</inkml:trace>
+  <inkml:trace contextRef="#ctx0" brushRef="#br0" timeOffset="7996">15521 9049 11329,'-17'-12'549,"3"2"258,14 10-303,36-8-504,-15 5-420,30-8-1015,-21 3 1435,8-5 0,-17 5 0,2 0 0</inkml:trace>
+  <inkml:trace contextRef="#ctx0" brushRef="#br0" timeOffset="8429">15759 8763 13631,'30'27'246,"0"0"1,1 0-1,-2-4 40,8-3-247,-8-3 11,3-1-38,-23-10 156,1 3 100,-8-4-38,-2 9-124,-10 6-38,0 3-57,-17 15-683,-6 3 672,0-2 0,8-9 0,13-20 0</inkml:trace>
+  <inkml:trace contextRef="#ctx0" brushRef="#br0" timeOffset="9609">16069 8834 12550,'31'-33'1008,"7"3"-806,-10 23-107,-1 1 549,16 25-482,-25-5-55,12 21 5,-22-9-34,-1 5-27,1 28-49,-4-23 1,1 4 10,-1 3 0,0 4 0,0-1-13,2 16 0,-1-1-498,-1 0 1,0-1 497,0-5 0,0-4 5,-1 5-5,0-16 0,-1-2 0,1-3-5,2-1-57,-2-21 57,3-2-1,-2-3 996,0 2-990,-1-4 0,-1 1-67,0 2 67,0 0-6,0 4-50,-1-3 23,1 3 33,-2-3-62,0 3 62,0-5 28,0 0-56,0-5 347,0-2-207,-3-1-61,-3 0-40,-6 0 95,-2 0 29,-27 5-96,12-2-39,-20 6 0,18-2-6,1 0 1,-10 0-494,7-3-6743,6-17 7242,17 1 0,9-6 0,4 11 0</inkml:trace>
+  <inkml:trace contextRef="#ctx0" brushRef="#br0" timeOffset="10294">16711 9263 11978,'40'-1'-772,"-4"1"-511,-15 1 1283,-3 1 0,-8-1 0,-3 0 0</inkml:trace>
+  <inkml:trace contextRef="#ctx0" brushRef="#br0" timeOffset="10510">16735 9406 10231,'6'5'919,"-2"-1"49,28-3-693,4-3-1247,9-3 1,2-1 971,8-2 0,0-4 0,-41 9 0</inkml:trace>
+  <inkml:trace contextRef="#ctx0" brushRef="#br0" timeOffset="19300">17545 8096 13597,'-25'7'1255,"-5"-2"-1020,7-5-185,-9 0-50,5 0 56,-6 0 45,15 0-101,-7 1 6,14 0-96,-5 3 96,9-3 89,0 2-101,5-1-313,1 0 252,1 1 61,0 1 6,0 1 0,0 1 12,0 2-12,0 1 16,2 17 40,4 3-56,4 20 12,0-11-1,2 16-56,-2 10 39,-2-11-66,1 9 4,-4-29 7,-1 1 27,1-1-162,4 29 157,-4-22 33,-1-1 1,-1 1 5,-1-3 0,0 27-51,-2-11 37,0-11 0,0 2-3,0-7 1,0-1 18,0 0 1,0 0-3,3 26-5,0-27 5,2 9 0,0-15 0,-1 0 5,0 0 1,0 0 5,1 26 0,-3 6-3,0-24 1,-1 1 58,-1 21-67,0-15-5,0-10-29,0 15 68,0-10-34,-1 9 0,1-15-6,0-2-44,1 22-23,1-8 73,2 19 0,0-26-6,1 5-10,1-8 4,-1-7 7,0-2 5,-2-15 0,-1 7 5,-2-3 63,1 12-80,-1-10-4,0 13 16,0-13 72,0 7-172,0-13 105,0-2-5,0-6 6,1-3 44,0 0 40,6-1-34,2 0-51,7-1-5,1 1 6,6 1 11,19 0-12,-7 0-89,25 3-6581,1-1 6665,-14 0 0,-6-2 0,-31 0 0</inkml:trace>
+  <inkml:trace contextRef="#ctx0" brushRef="#br0" timeOffset="20820">17973 8572 12230,'-32'20'1720,"-6"22"-1485,23 1-167,-4 9-35,10 6-50,7-24-22,2 8 22,4-19-83,2-5-483,10-5-44,6-14 649,-1-18 40,-1-7 33,-7-30-5,-5 0-40,-2 0 152,-3-6 111,-3 35 253,0-1-493,0 21 89,0 6-106,0 8 73,9 18-135,9 14 6,4 2 84,11 12-599,1-12-2397,-1-10-1961,-5-11 4873,-12-23 0,-11 0 0,-3-2 0</inkml:trace>
+  <inkml:trace contextRef="#ctx0" brushRef="#br0" timeOffset="21421">18306 8144 13569,'-22'28'450,"0"1"0,-2 2 0,0-2-204,-10 12-240,8-9-6,4-3-50,18-21-79,2-2 95,3-2 34,4 0 11,5 0 73,14 6-84,-2 0 17,19 12-56,0 2-879,-1-1-342,-6-3 1260,-11-12 0,-15-6 0,0-1 0</inkml:trace>
+  <inkml:trace contextRef="#ctx0" brushRef="#br0" timeOffset="21739">18497 8072 10713,'6'1'2039,"-2"-1"-975,-4 0-667,-1 44 102,0-6-303,0 26-28,1-8-157,10-18-11,-1-3-392,17-8-50,-10-17-152,6-2-425,-7-6 1019,3-3 0,-9 0 0,2-2 0</inkml:trace>
+  <inkml:trace contextRef="#ctx0" brushRef="#br0" timeOffset="21955">18425 8239 13407,'50'-1'-1440,"6"0"1440,-2 1 0,-19 0 0,-11 0 0</inkml:trace>
+  <inkml:trace contextRef="#ctx0" brushRef="#br0" timeOffset="22220">18806 8239 13373,'52'-3'-1115,"-6"-1"-576,-34 2 1691,1-2 0,-6 2 0,-3 0 0</inkml:trace>
+  <inkml:trace contextRef="#ctx0" brushRef="#br0" timeOffset="22621">18997 8168 10074,'9'12'1748,"-1"-2"-1244,-8-10-67,4-36-314,0 20 6,3-27-129,-2 29-67,-1 6-79,0 3 359,-1 8-146,3 26-84,0 5-559,7 30-467,-2-27 1043,3 5 0,-9-33 0,0 1 0</inkml:trace>
+  <inkml:trace contextRef="#ctx0" brushRef="#br0" timeOffset="23124">19140 7977 12096,'29'26'282,"1"0"0,-2-2 0,-4-3-175,-5-6-46,1 1-27,-2 1 39,3 6 55,-6-4 539,-1 4-135,-8-7-67,-10 5-337,-3-7 102,-13 15-146,3-10-73,-5 10-11,4-7-1355,-18 21 1355,8-18 0,-1 7 0,16-25 0</inkml:trace>
+  <inkml:trace contextRef="#ctx0" brushRef="#br0" timeOffset="23873">17759 9311 14253,'24'-21'190,"0"5"-190,7 21-728,6-3-745,3-2 1473,7-11 0,-27 6 0,0-5 0</inkml:trace>
+  <inkml:trace contextRef="#ctx0" brushRef="#br0" timeOffset="24207">18187 9168 13239,'37'23'672,"1"-2"-1484,-10-17-1686,7-1 2498,6-4 0,-18 1 0,-8-3 0</inkml:trace>
+  <inkml:trace contextRef="#ctx0" brushRef="#br0" timeOffset="24525">18640 9168 12461,'37'8'156,"0"1"1,-2-2 0,-3-1-1462,9-5-196,-13-1 1501,4-4 0,-23 3 0,1-2 0</inkml:trace>
+  <inkml:trace contextRef="#ctx0" brushRef="#br0" timeOffset="24764">19044 9192 12298,'38'5'98,"-1"1"0,26 2-159,-49-7-226,0-1-6125,5 0 6412,-6 0 0,0 0 0,-9 0 0</inkml:trace>
+  <inkml:trace contextRef="#ctx0" brushRef="#br0" timeOffset="25619">18164 9811 11211,'35'28'224,"0"0"0,-3-2 0,-2-2-89,0 1-12,21 17-381,-12-13 258,14 8 0,-32-23 0,-7-7 0</inkml:trace>
+  <inkml:trace contextRef="#ctx0" brushRef="#br0" timeOffset="25952">18259 10192 13709,'-2'-54'969,"6"2"-722,32-3-382,-8 18 1,1 0-1236,2 2 1,-1 2-1661,0 2 0,-2 4 3030,7 6 0,-23 15 0,-5 4 0</inkml:trace>
+  <inkml:trace contextRef="#ctx0" brushRef="#br0" timeOffset="26585">18783 9358 13765,'-25'33'517,"1"0"0,-6 5 1,3-4-350,-1-4-163,-6 9 1,18-17-1,2 3 12,7-9-134,2 3-35,16-4 35,9-1 94,18 3 23,-4-5-100,12 5-382,-19-5-364,6 4-756,-12-6-1557,-4-2 3159,-1-3 0,-8-2 0,-3-3 0</inkml:trace>
+  <inkml:trace contextRef="#ctx0" brushRef="#br0" timeOffset="26984">18925 9406 9262,'7'10'3955,"-2"-3"-3552,-5-7 263,-9 40-453,7-18-152,-3 11 1,2 2-62,8-5 95,9 20-139,7-16-925,12 2 84,-10-17-600,0-8-1971,-15-10 3456,-3-4 0,-2 2 0,-1-2 0</inkml:trace>
+  <inkml:trace contextRef="#ctx0" brushRef="#br0" timeOffset="27251">18854 9596 13273,'40'-5'-100,"17"-6"1,-31 5-1,9-2 1</inkml:trace>
+  <inkml:trace contextRef="#ctx0" brushRef="#br0" timeOffset="27783">19140 9335 11418,'29'31'127,"0"1"0,-3-3 0,-2-5 47,-6-11-96,-2-1-72,4 1 33,-7-4 118,2 4 230,-9 0-298,-2 5 158,-2 16-102,-5 3-145,-2 1 56,-9 4-134,3-20-1659,-10 7-3141,8-20 4878,-4-1 0,11-8 0,2 0 0</inkml:trace>
+  <inkml:trace contextRef="#ctx0" brushRef="#br0" timeOffset="29416">19568 7977 9996,'34'5'764,"0"-1"1,24 6-468,-34-5 67,-6 4-112,-7 4 95,1 10-207,-4-5-16,2 8-35,-6-8 1,0 3 111,0 31-122,-2 8-46,0 2 1,-1 5 5,-1-8 0,0 0-33,0 3 0,0-1-488,2 3 0,1-5 482,-1-23 0,1-1-3,2 22 0,1-1-47,3 7-12,-4-22 1,-1-1 5,3 16-62,-4-2 1,-1 5 100,0-8 0,-1 2 14,0 8 1,0 2 16,-1-2 0,0-2-12,1-13 1,0 1-1,0-2 0,0 3 0,0-3-5,1 1 0,-1-3 0,1 7 1,-1-4 2,-1 0 0,0-2-129,0 16 118,0-14-12,-1-10 1,-1 0 16,-4 18-27,0-2 955,-2 3-1006,3-6 271,-1 2-238,1-6 90,3-14-39,1-14-84,1 3 56,0-11 28,0 0 40,0-9 391,-1 0-174,-1 0-94,-8 0-18,-11-4-77,-3 0-24,-26-4-44,15 4-5,-14 0 5,17 3-963,-9-2 963,18-2 0,-1 0 0,20 1 0</inkml:trace>
+  <inkml:trace contextRef="#ctx0" brushRef="#br0" timeOffset="44137">20425 7906 11189,'3'58'1977,"0"-5"-1842,-2-14 161,0 8-77,-1 1-149,0-7 0,0 1-31,0 18-14,0-25 0,0-1-25,0 1 51,0 25-51,0-23 0,0 19 0,0-30 11,1 13-5,0-10 10,0 19-10,1-12-6,1-1 11,1 0-11,-2-19 0,0 3 6,-1-9 11,-1 1-12,0-5 1,1 2-6,-1-5 17,0 3 16,0 0-27,0 7-6,-1-2-51,1 4 51,-1-7-5,0 1-96,1-7-459,0 1 342,0-14 358,0-3-140,-2-5 89,-4-5-38,-7 5 5,-11-9-40,7 11 74,-4 1-84,12 10 106,-3 2-73,4 2-34,-2 0 51,3 2 0,4 1-117,0 2 100,4 9 6,10 8-34,16 17-11,-2-9-84,8 4-45,-14-20-224,13-3 342,-11-6 11,10-7 39,-17-6-111,4-18-992,-2 0 1064,8-19 0,-14 25 0,1-2 0</inkml:trace>
+  <inkml:trace contextRef="#ctx0" brushRef="#br0" timeOffset="44886">20282 8120 10136,'-22'14'655,"4"-3"40,30-19-443,-1-2 409,29-27-213,-12 2-319,-6 9 0,-1-1-169,-1-3-100,-4 9 331,-12 17 78,0 9-101,0 3-73,3 4-62,1 3-33,3 1-151,7 10-538,-2-6-4945,19 15 5634,-15-17 0,2 0 0,-15-11 0</inkml:trace>
+  <inkml:trace contextRef="#ctx0" brushRef="#br0" timeOffset="45622">20711 8382 11693,'31'-46'1137,"-4"5"-728,-17 17-403,-2 9-62,1-2-236,-5 12 690,2 13-275,2 13-123,-2 6-588,6 33 196,-6-26-208,1 19 91,-2-27-673,-2-5-930,1-4 2112,0-6 0,-2-5 0,-1-4 0</inkml:trace>
+  <inkml:trace contextRef="#ctx0" brushRef="#br0" timeOffset="46069">21020 8263 9638,'5'3'1517,"-7"31"-1450,1-16 180,-4 29-18,5-22 29,0 13-219,2-11-56,6 10-50,0-22-50,9-1 117,-6-11 72,5-10 214,-5-11 263,2-23-269,-6 0-274,-4-2-62,-15 10-252,1 17-275,-9 0-139,5 8-174,1 2 896,1 1 0,7 3 0,1 0 0</inkml:trace>
+  <inkml:trace contextRef="#ctx0" brushRef="#br0" timeOffset="46455">21211 8287 10718,'5'36'476,"1"1"0,4 19-246,2-21-118,-2-15-22,2-6 5,1-5 85,5-6 32,-5-10 24,3-6 396,-3-23-340,-4 7 307,-2-21-465,-14 19-2144,-33 2-298,6 21 2308,-21 13 0,37 3 0,4 1 0</inkml:trace>
+  <inkml:trace contextRef="#ctx0" brushRef="#br0" timeOffset="48350">20425 9287 12057,'3'38'123,"0"15"6,-4-9-89,0 6 38,1 13-28,-2 0-44,0 2 2,1-21 1,0-1 19,0 9-9,0-9 1,1-1-20,0 6 0,-1 11-11,1-22-118,0-2 51,0 11 66,0 2 12,0-1 6,-2 4 39,0-6-45,-1-7 5,2 0 7,1-19-7,-1 9 6,-1 5-11,0-7 0,-1-1 6,1-16-6,0 7 6,2-3-18,-1 5 12,1-8 0,0-3 0,0-4-2912,0-1 2430,1-7-1154,-2 1 1636,-1-4 0,1 4 0,-2 2 0</inkml:trace>
+  <inkml:trace contextRef="#ctx0" brushRef="#br0" timeOffset="48601">20282 10477 10713,'8'28'582,"3"-3"-487,9-8-50,1 0-39,-1-1 27,-1-3 522,12-2-460,-6-19-151,6-12 56,-7-34 0,-13 26 0,-1-7 0</inkml:trace>
+  <inkml:trace contextRef="#ctx0" brushRef="#br0" timeOffset="49216">20258 9477 11441,'25'-40'592,"-1"1"0,-3 4 0,0 4-570,8 0 146,-11 16-28,-2 18-73,-7 9-352,6 15-270,-3-7-974,8 11-2924,-5-13 4453,1 0 0,-7-9 0,-2-3 0</inkml:trace>
+  <inkml:trace contextRef="#ctx0" brushRef="#br0" timeOffset="49966">20687 9930 11351,'14'-33'815,"1"1"0,7-18-596,0 10-51,-2 9-168,-8 16 291,-1-1 90,-7 29-286,-2 11-89,2 27-130,-2-12-284,1 4-175,0-25-700,1-4 1283,5-4 0,-5-6 0,3-2 0</inkml:trace>
+  <inkml:trace contextRef="#ctx0" brushRef="#br0" timeOffset="50351">20973 9692 11374,'1'66'1019,"-1"-7"-688,2-20-292,1-12-28,7 9-5,-1-23 100,10-4 85,-9-15 21,3-8-38,-6-7 11,-1-5-6,-3-1-89,0 0 22,-8-12-784,-8 13 95,0-2 577,-11 23 0,15 5 0,-3 5 0</inkml:trace>
+  <inkml:trace contextRef="#ctx0" brushRef="#br0" timeOffset="50801">21187 9692 10136,'10'9'2728,"-1"-2"-2583,-9-7-72,-10 39-22,8-18-21,0 13 1,2 2 3,11-7-157,11 5 218,-4-31 118,-3-12 55,-6-21-161,-4 6 78,-2-18 123,-3 14-280,-5 0-163,-13 3-1058,2 16 1193,-4 2 0,12 6 0,6 4 0</inkml:trace>
+  <inkml:trace contextRef="#ctx0" brushRef="#br0" timeOffset="51183">21425 9716 12920,'8'34'165,"0"1"0,7 19-154,1-26-11,-3-14 6,6-5 61,-6-4 112,8-18 96,-9-14-152,0-6 107,-5-18-135,-5 22-95,-6-6 0,-5 17-2078,-20 0 610,10 9-235,-8 6 1703,19 10 0,5 0 0,1-1 0</inkml:trace>
+  <inkml:trace contextRef="#ctx0" brushRef="#br0" timeOffset="51532">21711 9763 10332,'0'10'1411,"0"-3"-531,33 32-673,-19-28-56,25 28-5,-29-39 767,0-16-387,-5-4-453,0-10-28,-17-5-79,-1 14-2318,-27-11 2352,1 16 0,7 2 0,10 11 0</inkml:trace>
+  <inkml:trace contextRef="#ctx0" brushRef="#br0" timeOffset="53389">22353 8025 11648,'6'49'1697,"2"18"-1338,-1-4-312,-4-29 1,1 1-666,1 17 0,-1 0 637,-1-18 1,0 0 211,0 13 0,1-1-192,1 22-36,-2-20 0,0 2-3,0-13 0,-1-1 60,2 12 0,-1 0-195,0-3 1,0 1 27,-1 1 1,1 0 69,-1-1 1,1 1-3,-1 7 0,0-1-12,-1-11 1,0 1 55,0 20 1,-1 2-3,1-11 0,-1-2-12,0-1 1,0-4 8,1 20 11,1-2-11,0-16-22,1-9 0,-1 1 16,-1 20-50,2-1 716,-3 5-638,0-3 12,0-12-34,0 4 5,-2-28 35,1-5-35,-1-2-5,1 6 0,0-6 34,1 6-29,0-6 1,0-1 44,0 18 29,0-8-40,0 12-179,0-23 84,0-5 45,0-11-370,0-1 392,-1-12-11,-8-4-78,0-7-1,-15-6 46,1 5 33,1 2 5,5 3 40,8 10-50,6 5-113,0 1 0,3 3 57,4 5 61,3 4 117,12 14-111,15 6 0,4-2 50,0-7 89,-12-13 12,-8-11-101,7-19-487,-2-11-2924,4-15 3355,-7-2 0,-9 24 0,-5 6 0</inkml:trace>
+  <inkml:trace contextRef="#ctx0" brushRef="#br0" timeOffset="54122">22163 8334 12707,'14'-43'590,"0"0"0,-3 7 0,0 5-417,7-6-100,-6 16-6,-2 6-112,1 4 1,0 6 256,6 12-10,1 9-196,16 24-12,-10-10-470,7 8-554,-10-17-2197,0-1 3227,0 0 0,-9-10 0,-5-2 0</inkml:trace>
+  <inkml:trace contextRef="#ctx0" brushRef="#br0" timeOffset="55125">22615 9263 12001,'10'-50'1406,"0"6"-1176,0 23-68,-1 1-196,4 1 34,-5 9 96,3 1 223,-6 15 62,5 21-337,-2 6-44,3 17-218,-6-15-734,-1 3-62,-1-19 1014,-1 10 0,-1-21 0,0 3 0</inkml:trace>
+  <inkml:trace contextRef="#ctx0" brushRef="#br0" timeOffset="55555">22901 9073 9542,'4'8'2022,"0"-1"-1697,-4-7-73,0 0-11,-8 43-62,6-21-128,-6 36 83,11-22-111,18 5-18,2-7-5,14-9 101,-14-22 621,2-30-559,-16 6-90,3-18 33,-11 15-112,-16-20-576,-5 10-3467,-12-10 4049,12 25 0,7 11 0,12 8 0</inkml:trace>
+  <inkml:trace contextRef="#ctx0" brushRef="#br0" timeOffset="55974">23234 9192 12948,'22'-36'1461,"3"-3"-1461,-17 26-5,3-2 5,-8 12 745,-1 16-695,-1 0-16,1 14-68,-1-1 17,0 2-459,1 12 79,-1-12-2130,3 10 2527,0-22 0,0-3 0,-1-9 0</inkml:trace>
+  <inkml:trace contextRef="#ctx0" brushRef="#br0" timeOffset="56421">23448 9120 10562,'6'2'1938,"-1"0"-1485,-5-2-245,0 41-18,0-10-190,4 24 22,5-17-22,0-20 0,4 2-72,-4-13 44,0-4 140,2-6 140,-1-15-101,3-23 62,-5-3-51,-2 0 107,-10 10-258,-2 21-11,-8-3-162,2 13-757,-5 1-6099,5 17 7018,2-7 0,6 8 0,4-12 0</inkml:trace>
+  <inkml:trace contextRef="#ctx0" brushRef="#br0" timeOffset="56837">23663 9120 11424,'7'38'347,"1"-1"0,5 28-60,-3-34-192,-2-12 190,8 1-122,-6-14 89,3-5-34,-5-7 1,-1-5 145,2-18 190,-3-6 17,-7-17-571,-7 18-17,-10 3-179,-1 21-957,-5 5 414,8 5-679,0 10-811,12 3 2229,4 7 0,0-10 0,0-2 0</inkml:trace>
+</inkml:ink>
+</file>
+
+<file path=ppt/ink/ink37.xml><?xml version="1.0" encoding="utf-8"?>
+<inkml:ink xmlns:inkml="http://www.w3.org/2003/InkML">
+  <inkml:definitions>
+    <inkml:context xml:id="ctx0">
+      <inkml:inkSource xml:id="inkSrc0">
+        <inkml:traceFormat>
+          <inkml:channel name="X" type="integer" min="-2.14748E9" max="2.14748E9" units="cm"/>
+          <inkml:channel name="Y" type="integer" min="-2.14748E9" max="2.14748E9" units="cm"/>
+          <inkml:channel name="F" type="integer" max="32767" units="dev"/>
+        </inkml:traceFormat>
+        <inkml:channelProperties>
+          <inkml:channelProperty channel="X" name="resolution" value="1000" units="1/cm"/>
+          <inkml:channelProperty channel="Y" name="resolution" value="1000" units="1/cm"/>
+          <inkml:channelProperty channel="F" name="resolution" value="0" units="1/dev"/>
+        </inkml:channelProperties>
+      </inkml:inkSource>
+      <inkml:timestamp xml:id="ts0" timeString="2022-11-21T14:37:22.851"/>
+    </inkml:context>
+    <inkml:brush xml:id="br0">
+      <inkml:brushProperty name="width" value="0.05292" units="cm"/>
+      <inkml:brushProperty name="height" value="0.05292" units="cm"/>
+      <inkml:brushProperty name="color" value="#A020F0"/>
+    </inkml:brush>
+    <inkml:brush xml:id="br1">
+      <inkml:brushProperty name="width" value="0.05292" units="cm"/>
+      <inkml:brushProperty name="height" value="0.05292" units="cm"/>
+      <inkml:brushProperty name="color" value="#00B050"/>
+    </inkml:brush>
+  </inkml:definitions>
+  <inkml:trace contextRef="#ctx0" brushRef="#br0">18497 2810 12858,'-3'36'73,"1"6"-118,2-13 45,0 2-22,0 0 16,0-9-44,0 24 89,0-16-5,0 18-34,0-19-40,5 31 91,2-9-49,0-9 1,0 1-137,3 14 95,-2-6 39,-5-9 50,-2-18-50,-1 18-22,0-18 16,0 10 6,0-8-213,0 25 96,0-5 150,0 9-44,0-4-90,0-14 17,0-1-123,0 0 89,0-18-56,0 10 113,2-13-85,-1 3 146,1-6-50,0-2-169,1 5-38,-1 1 279,1-2-67,0 2-22,1-8 17,3 1 50,-2-5-45,0-2-84,-2-1-50,4 0 213,-3-1-12,4 0-16,-2-1 94,3-2-94,-1 1-6,8 0-73,9 2 129,5 4-22,1 1 16,-4 1-44,-10 0 61,10 0-67,-8 0 62,9-1-62,-9-2 50,1-2 45,20 0 12,-5-1-91,27-1 24,-15 0-29,-1 0 78,3-2-77,-20 1-12,20-2-12,-20 2 7,6 0-57,-11 2 12,14 0-12,-4 0 101,6 0-27,-2 2 21,-6-2 186,21 1-219,-17-1-34,20 0 28,-3 0 18,-9 0-12,8 0 5,-25 0-5,-1 1 45,-2-1-34,-2 1-5,8-1 39,7 0-79,0 0 28,-4 0 1,-11 0 5,-7 0 33,18 0-27,-12 0 5,13 0-11,-16-1 11,16 0-11,-4 0-5,23-1-12,-14 2 56,-1 0-89,-3-2 50,-13 1-34,5 0 23,-7 1-51,0 0 62,2 0-33,13-1-34,7-2 61,16-2 51,-11-2-28,13-3-12,-8 0-5,-13 4 0,0 1 0,14-2 0,3 2 0,-30 3-11,22-1 5,-18 1-38,17 0-1,-22 2 6,9 0 33,-6 0 0,18 2 68,6 1-40,3-1 18,-1 0-24,-15-2-16,-12 0 90,21-1-90,-17-2 6,15 0-1,-22-1-44,18-2 39,-2 3 25,-6 0 0,1 0 15,19 1-35,-2-1 34,-13 0 1,-12 0-29,30-3-67,-26 4 56,22-3-45,-14 5 79,-5 0-23,16-1-11,-19 0 45,2-1-40,-7-1-5,-5 2-5,-1 0-35,-10 1 7,0 0 33,0 0-6,1 0 1,7 0 5,-3 0 89,14 0-83,-11 0-12,14 0-5,-9 0-123,9-4 122,-11 2 7,-3-3 5,-9 1 5,-2 0 29,1-2-34,-2 1 0,1-2 0,-3 1 0,3-5 39,-2 1-28,2-9 62,-3-5-28,0-4-84,-2-8 39,-1 8-34,-1-13 29,0 12 5,0-24 0,0 17-12,0-11 7,0-7 61,0-6 25,-1 12 0,0-1-20,1 8 1,-1-1 78,-1-13 0,0 2-39,-1-5-22,1-4-68,-2 33 197,0-11-141,0 10 6,-4-20-68,4 21 102,-4-19-96,3 21 0,-2-17 62,3 11 117,-4-18-179,4 18 29,0-4 27,2 18-22,1-5-40,1 6 6,0-2 40,0 9-51,0 2 61,0 0-61,0 5-89,0 0-197,0 4 191,0-1 95,-4 1 0,3-1 0,-3 1 0</inkml:trace>
+  <inkml:trace contextRef="#ctx0" brushRef="#br0" timeOffset="2121">18521 2738 10254,'42'16'862,"8"-1"-672,-24-11-61,11 0-17,-9-3 179,13 0-195,-10 0 77,20-1 29,-9-5-123,0 2 44,12-7 23,-5 1-130,-9 2 1,1 1-11,18-3 33,-24 4 0,-2 0-39,6 0 0,-1 0 0,19-3 6,-13 1 2,-6 3 1,3-1-9,-6 2 0,0 0 2,0 0 1,2 0-3,8-1 0,3-1 5,0-2 1,-1 0-6,-7 1 0,-1-1 0,4-1 0,-3 0 0,-2-1 6,14-3 0,-13 4-6,23-4-6,-27 7 0,8-1 6,-15 3 0,-3 0 0,11-1 6,0-2 16,20-5 12,-8 2-40,-3 0-83,-2 3 50,-18 5 11,8-1 22,-11 2 12,2 0 55,10 0 6,20 0-55,5 0 21,0 0-27,-1 0-6,-12 0 0,-1 0 5,5 0-5,-20 0 6,20 0-62,-21 0-6,21 2 90,-20 0-28,21 1 0,-5 2 6,-1-2 5,12 0 79,2 1-85,4 0-5,-26-2 0,-1 1 0,9 0 0,-1-2 0,1 2 0,-11-2-252,22 4 236,-11 0 27,-2 1 45,7 2 5,-2-1-61,-1 0-5,-5-2-85,-14 0 90,-9-1 6,9 1-1,-5-2-5,6-1-5,-9 0 5,0-2 0,14 0 0,-4 0 11,18-2-5,-18 1-12,-2-2-246,-10 2 5,-10 0-78,2 1 129,-7 0 185,0 0-73,-2 1-2918,3 2 3002,-2-1 0,1 1 0,-2-2 0</inkml:trace>
+  <inkml:trace contextRef="#ctx0" brushRef="#br1" timeOffset="8522">17902 3048 12819,'-16'5'633,"0"0"-370,6-6-151,0 0 67,-11-2-173,9 1 27,-9 0-21,7 2 66,0 0-72,-2 0 50,-15-3 11,2 1-62,-6 0 35,-1-1-46,8 1 12,0-1 5,1 1-11,14 1 5,-3 0-5,7 1 0,-4-1 45,4 1-39,-4-1-1,0 0-5,0 0 6,-1-1 78,-2 1 11,5 0-95,1 0 6,3 1-12,5 0-162,1 0 241,0 5-73,1 0 6,-2 9 5,1 3 39,1 16-50,-1 2 0,1 1 0,0 4 0,0-15 0,0 7 0,0-10 0,0 1-5,0 0 5,0 1 0,3 24 5,-1 7-5,0-21 0,0 0 0,-1 1 0,0-1-28,-1 11 28,0 13 0,0-24 11,0 11-11,0-16 6,0 0 28,0 10-34,0-12 0,-1 15 0,1-13 5,0 0-10,0 3-79,4-4 50,0-1 28,2-5 6,-2-11 6,-2-5-6,0-2 17,1 3-12,-3-2 7,2 3-7,-1-3-5,1 0 11,1 0-16,2-2 50,9-1-29,5-2 18,3 1-34,2 0 6,-3 1 16,3 1-16,14 2-1,-7-1 40,19 4-34,2 2-11,3-1 3,-17-5 0,-2-1 8,9-1-5,6-2-6,-24 0 5,11 0-5,-9 0 0,7 0 6,-10 2-1,1-1 1,-1 1-6,1 0 6,15-1-1,-11 0-72,6-1-73,-15 3 112,-5 3 28,0-1-22,7 3 16,-9-4 0,7 0 62,-11-3-22,1 0-34,-8-1 0,0 0-67,-4 0 67,1 0-6,2-1 12,0-2-1,2-2-5,-1-1 6,0-2-6,0 0 17,0-1 22,1-5-39,-3 2 106,1-5-16,-3 3-62,0-3 28,0-16-50,-4-11 2,0 5 0,0-3 12,0 6 0,0 0-20,-1 1 0,1 0 11,-1-22-6,2 26 1,-1-8 5,1 13-5,-1-1 33,-1-15-39,1 10 0,-2-27 50,1 13-44,0 1 5,-1 0-16,1 17 5,1 1 39,1 3-39,3 11 5,0-8-49,0 10 105,0-5-61,0 9 11,0 0-5,0 5 72,0 1-78,0 0 0,0-1 0,0-2 6,-1 0-28,0 0 22,-2 2 0,0 1-6,0 1-112,1 0-78,1 0-196,0-1 314,1-1-23,-1-1 101,0 0-5,0 1-29,0 0 34,1 1 34,-2-1-34,-1 2 0,-6-1 72,-6 1-72,-2 0 0,-17 0 23,-19 7-270,-7-2-391,-4 1-521,8-3-555,19-3 1714,-4-3 0,21 3 0,5-3 0</inkml:trace>
+  <inkml:trace contextRef="#ctx0" brushRef="#br1" timeOffset="15906">12569 5215 9559,'9'44'1036,"-1"-2"-582,-5-12-174,-1 4 117,2 28-69,-3-12 0,0 4-250,0 11 1,0 4-31,0-7 1,0 2 0,-1-2-48,1-15 1,0-1 0,0 0-2,0 10 0,1 0 0,-1-5 8,1-12 1,0-2 69,1 17 1,1-4 10,2 4-64,-1-4 1,0 0 7,3 15-33,-2-21 0,-1-1-16,2 17-7,-1-2 1,-1 4-141,0-10 1,-1 0-295,0 10 0,1 0 437,-1-9 1,-1-5 70,3 14-51,1-7-12,2-16-60,-3-27 111,3-1-28,-4-10 28,4 0 6,-4-1 874,2 0-840,-1 0-7,1 0-133,-1 0-102,0 0-10,1 5 262,-1 4 18,1 8-102,1 3 35,0 3-35,5 9-5,-3-7 17,7 15 22,-2 3-28,-2 2 1,-1 2-12,-7-21-6,-1-9 6,-3-12 90,0-2 72,0-3-156,0 0 83,4 0-89,0 0 0,3 0 0,0 0-5,11 0-1,-3-1 0,21 1 18,-11-1-7,22 0 1,-16 0 33,25 0-39,-10 1-9,-12 0 1,3 0 14,28 1 83,-3 0-89,-27 0 0,-1-1-805,12 2 805,15-2 0,-14 0 0,0 0 0,-11-2 0,2-1 0,19 0-6,-7-3 1,4 0 13,4 1 1,1-1-7,3 0 1,2 0-140,-14 3 0,1-1 0,-4 1 137,2 1 0,-3-1-23,12 1 1,-2-1 42,-22 1 0,0-1-20,10 0 0,-1-1-6,21-4 0,0 0-947,-18 1 1,1 0 952,-12 2 0,2-1 240,24-3 1,4-1-241,-13 3 0,-1-1 5,1 1 1,0-1-6,7 0 0,0 1 3,-15 2 0,-1 1 2,-1 0 1,1 1 30,6 0 1,-2 1-756,8 1 716,-19 1 1,-1 0 2,14 0 0,1 0 5,0 0-768,0-1 763,2 0 744,-15-1 0,2 0-747,4-1 0,-1 0 3,0 0 0,2 1 66,7-2 1,0 1-64,-2 0 0,-1 1 19,-8 0 1,0 0 615,3 0 0,-3 0-633,2 1 7,-1-1-7,0 1-5,17-2-5,-14 0-23,12-3 28,-3 0-6,-13 0 573,-7 3 1,0 0-568,20-2-9,-13 2 1,3 1 2,-7 0 1,0 1 78,-2-1 1,1 1-74,9 1 0,-3 0 0,4-1 28,-11 1 0,0 0-23,1 0-5,-2 0-56,1 0 56,16-1 51,-11 0-49,2-2 1,2 0-3,22-2-20,-19 1 1,4 0 24,3 1 1,-1 0 16,-15 1 1,0 0-46,7 0 1,-1 0 28,7-2-6,1-1 5,-13 1 1,1 0 67,21-2-48,-11 0 0,1 0-22,-12 2 0,-1 0 2,-1 0 1,1 0-1,4 1 1,0 0 5,-2 1 1,0 0-12,-1 0 0,0-1 0,-4 2 0,-3-1-6,6-1 6,-21 1 34,-2 0-34,-8 1-5378,-6-1 5378,-8 1 0,2-1 0,0 1 0</inkml:trace>
+  <inkml:trace contextRef="#ctx0" brushRef="#br1" timeOffset="18451">12760 5215 8903,'63'-1'970,"-13"1"-802,-11 0 61,-8 0 231,18-2-276,-9 0-10,-3-1 0,2-1-51,-4 1 0,-1 1-123,1-1 0,2 0 39,8 1 0,2 1 104,7-1 0,2 0-104,6-1 0,2 0-36,3-1 0,-1 0-159,-7 0 0,-1-1 192,-11 0 0,3 1-1093,8 0 1,5 0 0,-6 1 1056,-5 0 0,1 0-4,7 1 0,6 0 1,-11 1-32,9 1 35,-10 0 0,2 0-9,-10-1 1,1 2 23,1 0 0,5 2 0,-3-1-763,4 0 0,-2-1 748,11 3 0,-5 1-73,3-2 209,-20-2 0,0 1-130,19 0 8,-21-1 0,-2 0-8,11 0 0,-4 0 5,-3-1-11,-6 1 2534,-2 1-2539,9 1 7,15 2 31,4-2 1175,-24-1 1,-1-1-1209,11-1-6,13 2-28,-26-1 6,12 2-56,-13 0 84,0 1 84,2-1-78,18 1-6,10-2 39,-20 0 1,1-1-9,-8-1 0,1 1 39,10-1 0,2 0-17,4 0 0,-1 0-22,3-1 0,-1-1-31,-4 1 0,0-1 2,-5-1 1,-4 0-3,9-1 0,-10 2 0,0-1 62,7 0-60,-7 0 1,-1 0 42,6 0-26,-6-1 1,1 1-14,25-4-3,-14 2 0,1 0 22,-6 0 0,-1 1-22,-1 0 0,-2 0 22,0-1 0,-4 1-25,6-1-34,11-2 34,-20 3 6,-3 0-6,14 0 6,-10 0 33,25-2-50,-9-4 11,0 2 0,13-6-73,-11 3 17,-2 1 39,10 1 11,-28 6-33,10 1 6,-15 1 33,-1 0 84,12-2-23,-10-1-22,23-4-44,-9 0 5,0-1 0,9-2-123,-4 3 128,-9 1 1,2 1-1,-23 3 29,3-1-34,-7 1-179,3 1 145,-12 1-44,0 0-12,-6 1 169,1 0 150,0 5-111,-1 15-85,1-3-27,0 13 11,0-8-12,2 3 40,0 3-34,4 20-11,0-8 0,1 15 17,3 9-11,-4-13-4,0-6 1,0 2 25,-1-8 0,0 2-8,3 24 0,1 3-15,-3-8 1,0-2-9,0 0 0,0-1-336,-2 0 1,0-3 338,1 12 0,-2-22 0,0-1 39,1 19-39,2-1 0,-2 1-33,2-3-18,-2-1-2,-1-21 0,0 2 47,1-1 1,-1 0 5,0-1 0,0 0 2,0 6 1,-1 0 14,-1-9 0,-1 2-40,0 19 1,1 1 22,-1-18 0,0-2-3,-1 7 0,1-4 3,-1-2 45,0 22-95,0-23 50,0 17-6,0-27-111,0 12 105,-1-8-172,1 17-2158,0-17 2511,0-6 0,0-10 1,0-14-1</inkml:trace>
+  <inkml:trace contextRef="#ctx0" brushRef="#br1" timeOffset="34118">11593 11882 15042,'-16'3'538,"1"-1"-325,9-2-162,0 1 38,-3 0-27,1 1-12,-6 1-11,-4 1 45,-13 1-78,9-1-6,-3 0 11,14-2-11,-6 0 0,8 0 6,-3 0 22,9-2 22,1 1-39,0-1-61,1 0-40,-1 1 85,0 0-6,0 1-79,1 0-168,1 1 152,0 0 106,0 3 0,0 1 67,0 3-61,0 4 16,1 5-27,6 36-29,1 7-39,0-3 0,1 3 47,-2-13 1,0 1 22,2 15 1,-1-3 2,-3-27 0,0-2 0,6 32 0,-5-36 22,1 12-22,-2-9-5,2 23 5,-4-24 11,1 16 1,-1-23-7,-2 8 6,0-12 6,-1 12-6,1-4 23,-1 0-40,0 0 6,0-14 0,0 2-5,0-9-1,0-2-50,0-4-68,0 0 124,0 4 23,1 6-6,0 9-6,1 3 22,0-5-38,-1-3-57,-1-10 62,0-2 17,0-3-11,6 0-1,0 0 29,15 0-34,-4 0 5,17 2 1,-3 1 0,18 1-6,-17-1 0,2-3 0,-19 0 0,-3 0 5,-1 0-5,-4 0-33,2 0-169,-5 0-901,2 0-264,-2 0 1367,3 3 0,-4-2 0,1 1 0</inkml:trace>
+  <inkml:trace contextRef="#ctx0" brushRef="#br1" timeOffset="35371">11760 12311 13777,'26'42'142,"-6"-12"1,-1 1-132,10 12-11,-10-14 0,0-1 0,6 12-22,4 8-12,-10-16-111,3 4-589,-14-24 807,-2-13 28,-6-21-90,-4-6 188,-4-10 0,0-2-54,-3-8-72,3 9 0,1 0 0,1-2 11,2-7-303,3 24 488,17 23-263,6 36-132,2 4 0,2 3-126,7 15 126,-13-22 0,-1-3-59,-2-1 118,-1-6 67,-4-5-135,-3-8 118,-2-7 471,-3-17-230,0-4 325,-4-31-118,0-14-336,-1-7-76,0 18 1,1 0-1307,-1-8 1015,2 21 1,2 2-983,2 3 1254,8 11 0,-6 12 0,1 6 0</inkml:trace>
+  <inkml:trace contextRef="#ctx0" brushRef="#br1" timeOffset="36039">12474 12525 13149,'-16'47'231,"1"-1"1,1-4 0,5-2-294,10 9-16,6-20-57,9-10 79,0-17 51,-1-4-68,0-4 73,-1-5 95,3-16-89,-7 3 83,1-20 74,-9 17 178,-3-14-89,-9 15 224,-8 0-347,1 12-129,2 9-89,15 37-12,14 5-112,0 12-347,10-10-358,-6-18-707,3-6 1625,4-6 0,-11-5 0,1-2 0</inkml:trace>
+  <inkml:trace contextRef="#ctx0" brushRef="#br1" timeOffset="36556">12760 12525 14611,'-16'36'490,"1"0"1,-11 26-329,15-30-168,5-2-44,5-3-124,12-6-235,5-14 269,11-16 140,-9-3 50,1-25 6,-13 2-22,-2 0 39,-2 7 117,-2 14-123,0 3 6,0 5 141,0 2-158,13 40-40,3-5-279,7 19-454,0-21-1047,-7-17 1764,1-5 0,-8-3 0,-3-3 0</inkml:trace>
+  <inkml:trace contextRef="#ctx0" brushRef="#br1" timeOffset="38056">13426 12168 14303,'9'36'125,"-1"-1"0,1 0 0,1-2-63,12 14-18,1-4 1,3 2-31,-7-12 0,1-1-36,4 7 0,0-4-180,7-5 219,-18-31 162,4-29-173,-10-4 55,-3-1 1,0-2-51,-2-8 51,-3-19-74,-1 33-172,2 12 195,10 35 34,3 13-45,17 30-6,-11-20-11,14 18 17,-16-30-45,8-2 124,-12-22 128,4-32-78,-6-29-40,-2-8-204,-5 14 1,-2 0-631,-1 9 0,1 2-742,-1 2 0,0 1 1487,3-21 0,-2 41 0,0 8 0</inkml:trace>
+  <inkml:trace contextRef="#ctx0" brushRef="#br1" timeOffset="38671">14236 12430 14611,'-22'37'151,"0"0"0,2-3 1,5-3-74,7-4-72,3 10-113,6-9-352,14-3 409,1-23 55,6-13 79,-4-26-84,-8 9 101,0-22-101,-7 23 6,-1-3 94,-2 15 220,-3 3-203,1 6-111,-2 8 72,5 20-78,14 17-748,4-8 1,3-1-1471,12 12 2218,12-4 0,-33-31 0,-4-4 0</inkml:trace>
+  <inkml:trace contextRef="#ctx0" brushRef="#br1" timeOffset="44108">14498 12668 14706,'26'26'-4,"0"0"0,-1-2 1,-1-2-2231,24 11 2234,-19-14 0,-9-7 0,-16-11 0</inkml:trace>
+  <inkml:trace contextRef="#ctx0" brushRef="#br1" timeOffset="44341">14498 12835 11575,'-10'-2'1199,"3"0"-124,26-17 45,13-23-1098,-10 14 1,0-2-292,-1-1 1,-1 0 268,-2-1 0,-4 4 0,-1 3 0,-1-1 0</inkml:trace>
+  <inkml:trace contextRef="#ctx0" brushRef="#br1" timeOffset="45274">14759 11692 13917,'46'-3'700,"-3"0"-381,-2 0-246,-10 2 11,17-1 78,-11 4 56,-4 6-116,-6 2 27,-13 7-124,-5 3 1,-1 8 100,3 30-67,-3 0-36,-2-14 0,-1 3-306,-2-4 0,0 3 308,0 14 1,-1 7 0,0-3-10,-1-18 0,0-2 1,0 3 3,0 2 0,0 5 0,0-1 0,0-6 0,1 8 0,0-6-3,-1-11 0,1-2-2,5 21 5,-2-34 5,0 0-5,-1-15-33,-2-3 94,-1-3 158,0-1 470,-10 0-649,-5 3-1,-25 7-34,11-3-38,-22 5-331,22-9-1843,-19-9-1501,19-4 3708,-6-7 0,22 8 0,3 2 0</inkml:trace>
+  <inkml:trace contextRef="#ctx0" brushRef="#br1" timeOffset="51565">17045 7811 11441,'43'10'1036,"8"-2"-840,-27-8-50,11-1-40,-8-1 6,27-5-61,-17 2-46,21-4 18,-22 5-18,0-1 35,21-4-35,2-1-5,-18 2 0,1 0-5,23-3-26,-26 5 0,-1 1 53,1 2-5,18 1-11,-29 1-6,10-1-51,-11 0 7,26-5 44,-8 0-12,11-2-27,-7-1-78,-11 3-12,21-3 90,-19 3 39,6 2 0,-21 2 5,16 0-5,-11 1 0,11-2 6,-1 2-6,4 1 0,-1-1-6,12 2-22,2 0 28,2 0 0,-4 0 0,-16 0-67,-10 0-95,25-4 122,-19 3-27,18-4 34,-25 4-58,-1-1 13,11 0-79,5 0 132,-9-1 0,0 0 30,13-2-5,6-3-151,1 0 146,-19 2-1,19-2-44,-26 5-57,0 1 29,-2 0-29,-1 2 63,17 1 133,-8 2-89,6 1-56,-6 0-73,-12-3-72,5 0 89,-11-1-17,-2 2-106,-7 1-359,0 0 152,0 2 386,1 0-673,11 4-184,-4-2-778,3 1 1691,-6-3 0,-9-3 0,-1 0 0</inkml:trace>
+  <inkml:trace contextRef="#ctx0" brushRef="#br1" timeOffset="52746">20068 7644 10674,'-9'51'873,"1"6"-475,7-14-213,-1 1-90,2 17 51,0-6-96,1-12 1,0 0-46,1 17 7,3 7-12,-3-34-56,3 29 140,-4-23-84,2 22 0,-2-29-34,0-1 68,-1 1-68,0 1 118,0 16-81,0-14 0,0 1-12,0 2 1,0 0 8,0-1 0,0-1-6,0 17 1,0-16 38,0 13-33,0-11 6,0 10-1,0-16 1,1-3 56,2 23-62,0-7 67,0-11 0,-1 0 6,0 12-17,-1 16-17,0-25 0,-1-1-39,1 27 3,-1-26 0,1-1 8,-1 5 23,1 1-34,-1 0 5,0 1 34,0 1 6,0 23-9,-1-32 1,0 1-18,1 0 1,-1 0 16,-1 9 1,1-1-34,0-9 0,-1 1 27,1 18 1,-1-1-31,1-17 0,1-2 5,-1 5 1,1-3 67,0 1-31,0-1 0,1 2-31,0 12-5,1-11 0,0-2-6,1 4 89,1 16-72,0-13-14,-2-9 0,1 2-1,-1 1 1,1 1 0,0 1 0,-1 0-3,1 5 0,-1-2-34,1 10 73,-1-3-39,-1-28-268,-1 3-52,0-18 320,-4-3 0,4-4 0,-4-2 0</inkml:trace>
+  <inkml:trace contextRef="#ctx0" brushRef="#br1" timeOffset="54933">16902 7882 8651,'22'38'1955,"-3"4"-1462,-16-21 319,3 26-307,-3-11-234,0 0 1,1 4-146,-2-3 0,0 3-31,2 25 0,1 4-59,-1-6 1,-1 0-29,1-2 1,0 1 38,0 2 1,-1-3-31,0-24 0,-1 1-20,1 24 0,1 0 3,-2-26 0,0-1 0,1 10 0,-1-2 39,0 17-61,-1-5 0,0 5 24,0-9 1,1 0 0,-1 11 0,1 0 5,2-1 1,2-3 2,0-11 0,1 0-23,0 1 1,2 3 0,-1-4-1161,1 3 1,-1-2 1118,2 9 0,-1-5-20,-1 5 17,-2-2 50,-4-16 1,-1-1-29,1 19 28,-2-11 1,0 0-1,1-10 1,0-2 2,-1 0 0,2 1-22,1 3 0,1 0-3,2-1 0,0-1 3,0 1 0,0 1 16,0-4 1,0-1 2,1 14 6,-1-15-89,7 24 83,-5-21-28,6 18 29,-8-27 2269,0 2-2280,-1 12 16,-2-2 0,-1 5 0,-2-19-96,2-9 96,1-14 51,1-1-46,1-1 35,3 0-29,1-2-6,3 0 35,19-2-29,3 1-6,0 1 1,3 0 5,27-2-5,2 0-4,-29 2 1,-2 0-785,7-1 833,14 0-51,-19 2-6,0 0-528,1 1 534,-2 0 2,-3 0 1,2 1 48,23 1-49,-23 0 1,0 1-3,27 1-28,-12-1 33,-11-4 1,0-2-6,14-1 744,5-4-744,-27 4 11,25 3-11,-20 0 579,30 6-579,-24 1 0,0 1-6,6 1 17,-3-5-5,0 0 11,1-2 22,-18 0-33,8 0-12,-17 1 6,9 0 11,-13 0-16,18 0 10,-1 0 29,26 2-17,-10-3-12,-14 1 1,0 0-6,9-1 0,6 0-56,-22-2 56,0 1 0,-1-2 11,-1 1-11,15 0 0,-10 2 6,6 0-1,-11 2-5,-6 1 0,13 3 0,-10-3 0,4 1 0,-14-3-319,2 0-376,-4-1-2503,4-2 3198,-7-1 0,0 2 0,-4-2 0</inkml:trace>
+  <inkml:trace contextRef="#ctx0" brushRef="#br1" timeOffset="56358">15521 12454 13597,'7'-22'-532,"3"7"-1047,-2 11 1579,3 4 0,-5 0 0,-2 0 0</inkml:trace>
+  <inkml:trace contextRef="#ctx0" brushRef="#br1" timeOffset="58821">16140 11716 12690,'-32'-7'538,"5"2"-404,18 5 113,-7 0-85,-2 0 129,-8-2-235,9 2-22,1-2 5,12 1 6,-3 1 16,2 0 29,-3 0-40,1 2 107,0 1-45,-1 6-106,2-4-6,0 5-39,4-5 44,0 0 34,2 0 1,0-1-1,0 2-22,0 12 16,0-3-33,0 11 6,2-7-6,0 3 84,3 13-118,2 8 56,-2-7 1,0 2-65,0-4 0,0 1-56,1 18 0,1 0 3,0 11 69,-2-23 1,-1-3-25,-1 5 5,2 19-16,-1-16-18,0-3 1,1 2 72,2 13 6,-2-24 0,-1 0 0,2 30-5,-1-8 5,-2-11 0,0 3-3,0-6 0,0-1 3,0-1 0,0 1-6,0-1 1,1-4 5,0 10 28,1 12-28,-2-17-45,0-3 45,0 2-11,-1-2 5,1 1 1,2 17 10,1 3 6,-2-15 1,1 1-12,-2-7 0,1-2 16,3 31-16,-3-22 0,-2-15-5,-2 1 5,2 0 0,-2 0 0,0 1 5,1 14-5,0 15 79,1-1-74,0-5-66,2-14 122,0-15-66,0 1 5,-1-12-56,-2-7 50,0-7-179,-1-1 230,3 1-45,-2 1 0,3 1 23,-4-2-7,0 0 68,2-1-50,4 0-34,1-1 17,12-1-6,-3 0 23,20-2-163,-10 3-353,9 0-873,-6 0-2057,-1 1 3412,-1-1 0,-12 1 0,-5-1 0</inkml:trace>
+  <inkml:trace contextRef="#ctx0" brushRef="#br1" timeOffset="61519">16497 12073 14152,'-21'11'683,"-5"10"-593,12-3 27,-9 39-150,14-9 27,8-9 0,3 0-5,7 3-78,21-3-63,0-32 152,1-2-106,1-15 72,-14-14 68,-2-1-34,-8-9 0,-7 8-28,-1-14 28,0 9 95,-5-20-84,-1 27 96,-3-2-68,3 16 107,1 5-102,3 5 29,12 28-6,9 9-67,5 13-92,-7-20 0,0-2-256,3 6-290,6 4-521,-8-18-998,-2-7 2157,0-5 0,-8-5 0,-2-2 0</inkml:trace>
+  <inkml:trace contextRef="#ctx0" brushRef="#br1" timeOffset="62204">16973 11549 12903,'-23'32'369,"0"-1"1,1 0 0,2-4 44,-1 4-39,-4 13-274,9-14-67,-2 8-73,14-24 78,1-2-34,3-9-27,10 3 22,1-1 129,22 11-129,4 6 0,3 1-123,13 11-2656,-3-5 2779,-4-2 0,-12-8 0,-20-14 0</inkml:trace>
+  <inkml:trace contextRef="#ctx0" brushRef="#br1" timeOffset="62569">17164 11597 11026,'14'-4'1866,"-2"0"-1351,-12 4 6,0 0 375,-7 41-594,4-3-229,1 7 0,3 2-62,14 13-5,3-5-68,15-29 12,-12-19-270,11-2-144,-17-9-455,3-2-1069,-12-6 1988,-2-5 0,-3 6 0,-1 0 0</inkml:trace>
+  <inkml:trace contextRef="#ctx0" brushRef="#br1" timeOffset="62754">17140 11739 13474,'43'6'247,"-5"-1"-1003,-1-3 756,-2-1 0,-6 0 0,-10-2 0</inkml:trace>
+  <inkml:trace contextRef="#ctx0" brushRef="#br1" timeOffset="63068">17497 11763 13373,'55'6'118,"-7"-2"-124,-30-4-318,-1 0-2583,10 0 2907,-9 1 0,0-1 0,-13 0 0</inkml:trace>
+  <inkml:trace contextRef="#ctx0" brushRef="#br1" timeOffset="63485">17783 11740 9912,'10'9'1142,"-3"-1"-688,-7-8-51,0 0 175,1-33 749,4-5-969,2-20-251,5 16 105,-2 26-156,2 41-56,-4 1 34,2 38-230,-5-30-308,1 7-834,-3-19 1338,1-5 0,-2-9 0,-1-4 0</inkml:trace>
+  <inkml:trace contextRef="#ctx0" brushRef="#br1" timeOffset="63952">17926 11454 12225,'60'17'1311,"-6"0"-891,-30-2-207,2 1-1,-1-2-77,0-1-18,-3-1 7,2 0 161,-11-5 483,0 1-320,-11 1-448,-3 2 6,-1 3-6,-3 4 11,-1-1 0,-10 31-11,4-16-6,-10 22-190,8-24-308,-3-2-2352,-15 10 2856,9-13 0,-1-1 0,14-16 0</inkml:trace>
+  <inkml:trace contextRef="#ctx0" brushRef="#br1" timeOffset="66291">17045 13430 13805,'37'23'492,"2"1"-419,-9-5-17,6 5-31,-1-2 1,2 2-60,-8-5 0,0 1-280,12 7 1,-3-2-549,3 4 862,-11-4 0,-20-17 0,-1 2 0</inkml:trace>
+  <inkml:trace contextRef="#ctx0" brushRef="#br1" timeOffset="66588">17092 13906 12696,'7'-47'752,"0"1"0,4-6 1,4 1-762,14-5 1,4 2-261,-10 16 0,0 2-605,4-2 1,-1 7-3340,-1 15 4213,-1 7 0,-12 5 0,-4 3 0</inkml:trace>
+  <inkml:trace contextRef="#ctx0" brushRef="#br1" timeOffset="67152">17640 13168 13743,'-50'22'1148,"5"-1"-907,24-5 230,-12 10-275,11-7-163,-9 10-128,19-11 62,5-1 27,9-7 0,11-4 6,1-2 12,14 7-7,-9 0-5,7 5 0,-7-1-33,-2 0-108,4 7-150,-3-1-2341,3 2 2632,-8-11 0,-5-6 0,-5-6 0</inkml:trace>
+  <inkml:trace contextRef="#ctx0" brushRef="#br1" timeOffset="67555">17759 13121 13659,'3'44'879,"0"-3"-784,-3-14-61,1 2-28,1 2 33,3 9-84,1-12-386,1 3-622,-2-17-924,-2-6 1977,1-4 0,-3-4 0,0 0 0</inkml:trace>
+  <inkml:trace contextRef="#ctx0" brushRef="#br1" timeOffset="67754">17687 13359 10864,'0'-12'1344,"-1"3"-1103,34-3-2879,16 4 2638,4-6 0,-10 9 0,-33 3 0</inkml:trace>
+  <inkml:trace contextRef="#ctx0" brushRef="#br1" timeOffset="68169">17926 13097 13278,'30'29'248,"1"0"1,-2-3-1,0-3-192,11 3 45,-13-11-62,-7-3 34,-15-5-40,-4-2 7,-1 4 16,-7 8-51,0-1-5,-7 8-5,-1-6-1048,-19 11 1053,10-12 0,-4 3 0,17-17 0</inkml:trace>
+  <inkml:trace contextRef="#ctx0" brushRef="#br1" timeOffset="69653">18307 11644 12090,'47'-11'1412,"3"3"-1137,-25 6-169,1 2-56,-3 2-16,-8 2 11,-1 2 39,5 10-28,-6 1 17,3 11-6,-7 2 11,1 30-44,-3-2-32,-2 4 1,1 9-26,-3-12 1,1 4 0,0-1-414,0 0 0,1 1 0,0-1 419,-1 2 0,1-1 0,0-5-14,2 3 1,-1-7 30,-1-15 0,-1-1 0,2 18 0,0-1-28,-2-14 0,0-2 25,1 12 0,-1-2 3,2 5 56,-1-6-51,0-1 1,1 3 0,-1-8 0,0 3-20,1 3 1,0 4 0,0-2 13,0 4 0,0-3 0,0-4 0,-1-1 0,-1-4 0,0-5-724,0 7 724,1 11-33,-2-20 33,0-2-245,-1-2 295,0-2-44,-1-2 979,0 7-980,0-2-5,0-3 6,0-3 5,-1-11 860,2 0-810,-2-6 333,0-3-310,0-4 364,0-1-437,-3 1 6,-2 2 45,-4 0-29,1 1-27,-1-4 0,0 1 10,-13-2-16,2 0-11,-11 0-62,2 0-179,-3-2-2778,-29 2 3030,15 10 0,-2-7 0,28 8 0</inkml:trace>
+  <inkml:trace contextRef="#ctx0" brushRef="#br1" timeOffset="80994">13022 11882 13239,'6'38'420,"0"-4"-386,-6-16-29,0 10-111,0-6-1911,2 10 2017,1-13 0,-1-5 0,1-6 0</inkml:trace>
+  <inkml:trace contextRef="#ctx0" brushRef="#br1" timeOffset="81426">13093 12311 13469,'6'38'151,"-2"8"-185,-3-22-212,0 9-286,1-9-2896,4 11 3428,-2-12 0,1-1 0,-3-15 0</inkml:trace>
+  <inkml:trace contextRef="#ctx0" brushRef="#br1" timeOffset="81724">13165 12787 13060,'11'54'168,"4"5"-275,-8-34-665,6 11-1015,-4-14 1787,1 1 0,-5-12 0,-2-3 0</inkml:trace>
+  <inkml:trace contextRef="#ctx0" brushRef="#br1" timeOffset="82771">16283 13002 13037,'49'-7'476,"-3"1"-431,-17-3-22,13-4-415,-11 4-589,10-3-912,-17 6 1893,-1 0 0,-12 3 0,-4 2 0</inkml:trace>
+  <inkml:trace contextRef="#ctx0" brushRef="#br1" timeOffset="83040">16854 12930 11502,'34'5'-126,"0"1"0,23 2-680,-36-5 806,6-2 0,-11 0 0,1-1 0</inkml:trace>
+  <inkml:trace contextRef="#ctx0" brushRef="#br1" timeOffset="83272">17378 12883 11200,'62'2'605,"-15"0"-717,-13-1-2050,2-1 2162,-12-1 0,1 1 0,-17-1 0</inkml:trace>
+  <inkml:trace contextRef="#ctx0" brushRef="#br1" timeOffset="83475">17830 12835 12180,'35'6'9,"-1"1"0,14-2 1,-6-1-1,-23-1 1,20-2-1</inkml:trace>
+  <inkml:trace contextRef="#ctx0" brushRef="#br1" timeOffset="84140">18925 12787 13967,'45'16'56,"5"-4"-627,-26-11-1037,5-1-2419,-13 0 4027,-4 0 0,-5 0 0,-4 0 0</inkml:trace>
+  <inkml:trace contextRef="#ctx0" brushRef="#br1" timeOffset="84338">18973 12978 11581,'5'4'1221,"0"-1"-756,-5-3 112,46 3-499,-4-2-249,-8 1 1,3-1-3306,-1-3 1,-2 0 3475,4 0 0,1-3 0,-27 5 0</inkml:trace>
+  <inkml:trace contextRef="#ctx0" brushRef="#br1" timeOffset="86460">19544 12644 11726,'36'54'1295,"-4"-6"-1015,-15-23-45,0 2 185,9 14-263,1 5-152,0 1 79,5 7-84,-16-25 17,8 14-73,-10-18-146,-3-6-296,-5-13 498,-6-16 185,0-53-124,0 27 1,0-1-62,0-8 0,1-1-11,1-5 0,1 7-57,2 7 326,7 8-202,3 54-45,-1 8 0,1 3-5,6 20-6,-7-19 0,0-1 0,1 1-17,0 0 17,-1-6-50,1 0-174,-4-18 487,3-37-45,-6-23-252,-3 6 0,0-8 0,-1 1 56,2-11 1,0 1-361,0 11 0,1-1 0,0 5-458,-1 4 1,3 7 795,12-2 0,-13 29 0,2 4 0</inkml:trace>
+  <inkml:trace contextRef="#ctx0" brushRef="#br1" timeOffset="87310">20258 13049 12253,'-20'55'852,"2"-4"-606,13-22-50,2 16-196,1-14-6,3 8-83,3-22-225,3-6-39,8-8 253,5-36-164,0-17 304,-5-9 60,-11 5 80,-7 32 268,-3 11-314,2 8-11,1 2-112,2 5 29,1 5-40,0 6 5,3 18-94,5 5-1603,9 8-475,1-12 2112,2-10 1,-13-17 0,-1-3 0</inkml:trace>
+  <inkml:trace contextRef="#ctx0" brushRef="#br1" timeOffset="87892">20520 13121 13491,'-29'57'470,"7"5"-419,18-24-51,7-3-123,7-5 11,2-20 11,4-3 39,-5-10-27,0-6 55,2-20 28,-5 3-5,0-24 11,-6 11 39,-2 1 1,-4 3-35,1 20 34,-1 2 29,5 15 27,13 18-101,1 1-207,19 23-750,-7-14 963,14 13 0,-23-27 0,2 0 0</inkml:trace>
+  <inkml:trace contextRef="#ctx0" brushRef="#br1" timeOffset="89323">20973 12573 13956,'-38'42'672,"6"-3"-269,14 11-364,9-2-39,2 13-17,14-13-16,6-16-505,24 5 219,-12-20 257,14 1-44,-20-29 117,7-44-5,-8-7-46,-8 11 1,-3-2 112,-8-14-39,-6 13-29,-6 32 35,4 15 16,3 4-56,2 8 0,2 6 5,6 13 18,3 7 27,17 31-44,-4-11-6,-1-7 0,4-1-6022,23 4 6022,-10-7 0,-3-26 0,-26-16 0</inkml:trace>
+  <inkml:trace contextRef="#ctx0" brushRef="#br1" timeOffset="90188">21115 11978 15048,'-26'41'644,"5"-6"-537,-7 6-96,11-14 23,-5 11-12,9-15-5,0 3-101,5-8-17,1-4-5,5-9 100,3-5 6,4 0 11,10 1 0,2 2-5,5 2-6,-3 3 0,0 2-992,16 13-2279,-2-3 3271,2 4 0,-16-12 0,-12-8 0</inkml:trace>
+  <inkml:trace contextRef="#ctx0" brushRef="#br1" timeOffset="90538">21306 11954 10914,'5'6'1675,"0"-1"-1316,-5-5 783,-3 52-800,3-23-222,-2 7 1,2 2 63,6 16-178,1-15-185,9 16-1064,-1-32-3092,5-11 4335,-8-13 0,-2-8 0,-8 4 0</inkml:trace>
+  <inkml:trace contextRef="#ctx0" brushRef="#br1" timeOffset="90757">21282 12168 13105,'41'-4'-1351,"1"1"-558,-16 3 1909,3 0 0,-13 0 0,-5 0 0</inkml:trace>
+  <inkml:trace contextRef="#ctx0" brushRef="#br1" timeOffset="90988">21592 12144 9923,'9'10'1915,"-1"-2"-3533,46 4 1618,-34-8 0,35 8 0,-48-10 0</inkml:trace>
+  <inkml:trace contextRef="#ctx0" brushRef="#br1" timeOffset="91372">21830 12168 12545,'20'-29'534,"1"1"1,9-12-535,-17 12 6,-9 20-6,-2 7 67,-1 1-67,1 3 0,1 3 22,1 7 18,1 5-40,3 19-314,-1-6-2604,3 29 2918,-4-28 0,-1 1 0,-3-23 0</inkml:trace>
+  <inkml:trace contextRef="#ctx0" brushRef="#br1" timeOffset="92057">22068 11954 13497,'15'14'481,"25"16"-481,-12-11 101,17 11-90,-24-16 40,-1-1-46,-3-4-5,-3-1 28,-3-1 6,-4-3 307,-2 0-122,-4-2 150,-1 3-324,-2 6-17,-15 19-45,3-5 12,-11 12-533,9-16 538,-13 10 0,17-18 0,-8 5 0</inkml:trace>
+  <inkml:trace contextRef="#ctx0" brushRef="#br1" timeOffset="92988">22306 12811 13060,'45'-17'453,"-10"3"-413,2 14-40,-11 0-1126,15-8 1126,-13-1 0,0-1 0,-18 3 0</inkml:trace>
+  <inkml:trace contextRef="#ctx0" brushRef="#br1" timeOffset="93273">22425 12668 10455,'-7'-6'1922,"1"2"-1782,10 53-96,1-21-173,1 14 1,0 2-1021,4 0 1149,5 21 0,-9-38 0,1 0 0</inkml:trace>
+  <inkml:trace contextRef="#ctx0" brushRef="#br1" timeOffset="94741">22806 12430 10450,'21'37'399,"0"0"0,0-2 1,-4-3 20,-2 0-167,0 2-97,-1 0-94,0 1-62,-3-3-6,0 0 79,-2 6-73,-1-10-1244,-2-4 1244,-1-32 90,-2-10 89,0-18 0,-1-4-78,-1-6-51,1 8 1,0 2 111,-2 1-83,1 8-79,-1 7 208,6 10 60,4 22-212,21 34-11,1 13-26,-14-26 1,-1 0-12,0-2 1,-1-3-3,0 3 44,4 4-50,-10-19 6,-2-6 123,-1-5 106,-1-9 375,10-56-574,-8 22 1,0-2-54,2-10 0,0-2-605,0-1 1,1 4 621,6-1 0,-5 10 0,-3 27 0</inkml:trace>
+  <inkml:trace contextRef="#ctx0" brushRef="#br1" timeOffset="95259">23520 12930 12377,'-24'28'436,"1"0"1,-15 24-185,30-10-246,4-11 22,2 6-28,3-20-179,4-6 134,3-6-56,4-5 73,9-37 62,-6-5-29,2-17 12,-11 5 45,-5 28-57,-2-1 29,-2 16 89,0 4-129,0 3-156,1 8 156,2 6-139,2 7-359,7 18-583,3-7 1087,13 13 0,-13-25 0,2-1 0</inkml:trace>
+  <inkml:trace contextRef="#ctx0" brushRef="#br1" timeOffset="95490">23639 12883 9262,'42'44'1243,"-16"-21"1,2 1-1580,4 7 0,0-1-1154,20 9 1490,-20-26 0,-21-10 0,-5-2 0</inkml:trace>
+  <inkml:trace contextRef="#ctx0" brushRef="#br1" timeOffset="95688">23734 13121 15193,'8'-40'58,"0"1"0,0 2 0,2 2-895,7 2 0,0 3 659,8-13 0,2-2 0,-17 30 0</inkml:trace>
+  <inkml:trace contextRef="#ctx0" brushRef="#br1" timeOffset="96654">24186 12287 13340,'20'28'282,"-1"-1"1,20 27-98,-7-14-124,-9-12 1,2 0-132,-1-3 0,1-1-501,22 22 571,-19-21 0,-3-4 0,-9-7 0,7 8 0</inkml:trace>
+  <inkml:trace contextRef="#ctx0" brushRef="#br1" timeOffset="96908">24281 12859 12696,'-6'-44'403,"-1"1"0,2 2 0,4 2 191,22-23-454,0 13-112,-6 17 0,1 2-28,9-7-207,3 3 207,2 11 0,1 2 0,-6 2 0,21-7 0</inkml:trace>
+  <inkml:trace contextRef="#ctx0" brushRef="#br1" timeOffset="97659">24520 11716 14124,'-32'27'420,"1"1"0,3-3 0,1 0 79,-9 10-410,5-3-72,1-1-28,12-10 0,12-15-73,3-2-17,3-3 95,6 1 18,16 10 21,-2 0-33,11 8 0,-10-4-140,9 8-152,-7-6-1052,15 10-426,-16-11 1770,8 6 0,-18-14 0,0 0 0</inkml:trace>
+  <inkml:trace contextRef="#ctx0" brushRef="#br1" timeOffset="98072">24710 11668 14656,'-15'58'580,"7"-22"0,3 1-345,2 26-213,6-23 1,1-1-23,3 23-247,16-7-756,5-35 152,-5-4-4111,4-26 4962,-20 1 0,0-7 0,-6 11 0</inkml:trace>
+  <inkml:trace contextRef="#ctx0" brushRef="#br1" timeOffset="98259">24615 11930 11166,'-6'-6'1631,"1"2"-1553,5 4 717,0 0-784,35-5-11,-15 4-515,32-3 515,-16 4 0,-16 0 0,2 0 0</inkml:trace>
+  <inkml:trace contextRef="#ctx0" brushRef="#br1" timeOffset="98756">24877 11668 13849,'33'22'101,"1"0"0,-2-1 0,-5-2-84,-7-2 16,0-2-27,4 2-6,-8-6 5,2 1 7,-10-8 32,-2-1 63,-3 2 5,-3-2 84,1 5-39,-1 0-79,-2 3 40,-3 6-74,-5 4 124,-9 21-128,3-6-24,2-4 1,0 0-17,-1 3-56,-3 10-1999,9-30 2055,1-10 0,5-7 0,1-5 0</inkml:trace>
+  <inkml:trace contextRef="#ctx0" brushRef="#br1" timeOffset="126284">3809 3239 14829,'27'-25'269,"-6"6"-258,-8 8 51,-3 4 11,11-5-12,-3 1 107,16-8-100,-8 6-1,-2 0-67,0 1 6,-9 6 0,5-3-1,-6 3 79,1 1-84,0-1 0,0 1 51,11-5 33,-4 3-84,4-3 89,-6 3-122,-5 1 5,10 0 67,-8 2-39,8 1 0,-8 2 28,2-1-17,14 0 0,-8 0-5,8 0-1,-11 0 12,5 0-11,-5 2 5,11-1 6,3 1-6,3 0-11,-2 0 34,-8 0-29,-10 0-10,20 4 5,-14-2 0,14 4-6,-18-2 0,9 0 1,-9 0-1,16 1 12,-5-2-6,2 2 33,-5-2-21,-8 1-12,-6-1-51,9 1 46,-5 0 5,6 0 0,-7-3 33,0 0-33,-1-1-11,9 2 73,2-2-79,17 4 34,-4 0-23,20 3 12,-23-4-1,5 1-5,-19-2 11,9 0-5,-8 0-6,15 1 0,-16-1 0,14 3 6,-14-3-1,16 3 1,-7-2-1,19 0-5,-16-1 0,3-2-5,-18 0 5,-2 0 5,9-1-5,-8 0-5,7-1 5,-11-1-6,7 1 1,-7-1 10,14 1 6,0-1-61,3 0 50,-1 1-6,-9 1 6,-6 0 0,7-2 0,-5 1 51,7-2-46,-7 1-5,0 0-50,23-4 56,-3-3 44,26-8 12,-21 1-34,7-8 16,-24 9-16,3-7-16,-16 13-7,0-5 29,-7 8 11,0 0-40,-3 3 51,-1-2-56,-2 3 28,1-4-22,0-1 5,1-5-5,-1 4-6,0 2 5,-2 5 1,1-3-6,0 1-6,1-5 6,0 2 0,2-5 0,-1 3 6,1-2 33,-2 8-28,-1 1 40,-1 2-51,0 5 0,0 3 0,0 3 5,0 2-5,1-2 0,0 1-56,8 11-17,2-2 12,16 14 50,-1-10 5,4-2 6,2-4-6,-10-8 6,7 1 6,-7-4-12,11 1 6,-8-3 0,7 1 0,-9-4 6,-2 0-23,10 0 12,-8 0 5,15-1-6,-7-1 17,17 0 0,-15-1-11,3 0 6,-18-1-62,15-3 50,-13 2 1,12-2 5,-14 2 61,9 0-122,-4 1 61,20 0 50,0 0-67,-5 0 1,1 0 10,18-1 6,-22 0 0,-1 1 73,5-3-68,16-1-5,-13-1 0,11 0 6,-17 1-6,1 2-6,13-3 6,-11 3-5,25-4 5,-12 1-6,-1 0 6,8-1 17,-14 4-17,1-1 6,6 0-1,-21 2 1,23-3-6,-22 2-11,24-1 16,-24 2 1,23-2-6,2 3 5,-1-1 7,11 3-12,-32 0 0,-2 2-6,-17-1 6,8 2 0,-6-2 11,14 1-11,-13-2 6,12-1-6,-13 0 0,11 0 11,-8 0-5,10 0-6,-12 0 5,2 0-5,-11-1 6,6 0-6,-7 1 0,4-1 0,-6 1 33,2 0-33,-2 0-5,6 0 10,7 0-5,4 2-5,10 1-46,-8 0 46,18 2 55,-22-1-44,15 2-6,-19-2-56,10 2 50,-7 0 6,15 2 6,4 1 50,2-1-56,-1 1 11,-7-3-11,-14-2 0,3 0-6,-8-1-44,5 1 106,-6-1-56,8 3 0,-10-3 6,4 4-1,-8-4 1,2 1-1,-5-2 7,-1 0-12,-2 0 0,-1 0 0,1 0 0,4 6 0,-1-3 0,2 5 0,-4-5 5,1 1-5,-1-2-11,2 1 17,-2-2-12,0 1 12,-1-2-6,-1-1 0,1 1 0,-1-2 0,1 2 0,0-1 0,1 1 0,-1 0 0,4 2 5,3 1-10,2 0-1,9 2 6,-3-1 0,0-1 6,1 2-6,-7-2-6,9 5 12,-7-4-6,9 4 5,-2-1 1,-1-1-12,6 2 6,-1 1 0,-4-2-5,1 1 5,-11-5-6,-1 0 6,0 0 6,1 1-6,-3-2 0,-1-1 0,-3-1 0,-1-1 0,0 1 0,0 1-51,3-1 57,-2 1-6,0-1-11,0 1 11,-2-2-6,1 0-5,0 0-2325,-1 0 2336,1-1 0,-1 1 0</inkml:trace>
+</inkml:ink>
+</file>
+
+<file path=ppt/ink/ink38.xml><?xml version="1.0" encoding="utf-8"?>
+<inkml:ink xmlns:inkml="http://www.w3.org/2003/InkML">
+  <inkml:definitions>
+    <inkml:context xml:id="ctx0">
+      <inkml:inkSource xml:id="inkSrc0">
+        <inkml:traceFormat>
+          <inkml:channel name="X" type="integer" min="-2.14748E9" max="2.14748E9" units="cm"/>
+          <inkml:channel name="Y" type="integer" min="-2.14748E9" max="2.14748E9" units="cm"/>
+          <inkml:channel name="F" type="integer" max="32767" units="dev"/>
+        </inkml:traceFormat>
+        <inkml:channelProperties>
+          <inkml:channelProperty channel="X" name="resolution" value="1000" units="1/cm"/>
+          <inkml:channelProperty channel="Y" name="resolution" value="1000" units="1/cm"/>
+          <inkml:channelProperty channel="F" name="resolution" value="0" units="1/dev"/>
+        </inkml:channelProperties>
+      </inkml:inkSource>
+      <inkml:timestamp xml:id="ts0" timeString="2022-11-21T14:39:53.134"/>
+    </inkml:context>
+    <inkml:brush xml:id="br0">
+      <inkml:brushProperty name="width" value="0.05292" units="cm"/>
+      <inkml:brushProperty name="height" value="0.05292" units="cm"/>
+      <inkml:brushProperty name="color" value="#0070C0"/>
+    </inkml:brush>
+  </inkml:definitions>
+  <inkml:trace contextRef="#ctx0" brushRef="#br0">643 7168 14667,'-24'35'711,"-5"8"-565,5-6-84,-9 20 0,6-3-60,10-14 1,2 5-23,1 11 1,1 0 36,2-9 0,1 2-53,3-1 0,-1 3 1,3-4 35,1-8 0,2-1 0,-1 15 0,1 0-296,1-9 1,1 1 298,2-1 1,0 3 0,1-3 32,-1 5 1,1-1-37,3 10 0,0-3-17,5-2 17,1-5 48,-1-10 0,4 3-29,1 4 1,4 3-41,3 2 1,4 4-1,-2-4-1336,3 4 0,0-2 1344,-4-11 0,1 1 0,-3-6-10,-1-5 1,-2-2-18,9 12 1,-1-2-1,-7-10 1,0 0 25,5 6 0,0-1 3,4 5-56,-3-6 22,5 2 45,-11-13 479,4 2-339,-14-17 152,-3-2-286,-5-4 2882,-13-5-2872,-13-4 12,-6-2-22,-8-4 78,7 3-73,-1 1 51,-21-7-57,17 9-229,-8-3-297,30 9 487,29 22 29,4-5 5,20 17 0,-7-13 39,17 0 28,-12-10 152,26-9-73,-28-13-93,-7-5 0,-2-5-765,13-27-3477,-4-1 4112,-9 10 0,-17 27 1,-4 9-1</inkml:trace>
+  <inkml:trace contextRef="#ctx0" brushRef="#br0" timeOffset="807">1238 9906 14101,'34'20'628,"-3"1"-488,1 9-140,-7-8-258,6 5-341,-11-11-2728,8-2 3327,-9-7 0,0-2 0,-13-5 0</inkml:trace>
+  <inkml:trace contextRef="#ctx0" brushRef="#br0" timeOffset="1073">1524 9858 12797,'0'10'1976,"0"-3"-1483,0 26-193,-3 4 0,-2 5-250,0 10 1,-1 5-33,-1-1 1,-1 3 0,0-5-1370,0-1 1,1-4 1350,-2 7 0,2-6-728,4-11-56,2-12-728,1-10-757,0-7 2269,2-7 0,-1-1 0,1-2 0</inkml:trace>
+  <inkml:trace contextRef="#ctx0" brushRef="#br0" timeOffset="1966">1905 9477 15367,'-30'42'673,"1"-4"-477,6-15-40,-2 1 29,1-2-62,3-1-78,-4 0-84,9-6 33,2-3-145,9-8-56,5-2 213,20 4-1,-6 0 40,27 13-51,2 15 1,-6-5-217,-13-4 1,-1 0-754,2 4 68,-2-1 907,1-5 0,-16-16 0,4-1 0</inkml:trace>
+  <inkml:trace contextRef="#ctx0" brushRef="#br0" timeOffset="2314">2143 9430 12225,'11'11'3265,"-4"29"-2637,-10 0-354,1 17-178,-1-2 38,10 2-140,7-3-72,3-3-538,11-11-695,-7-25-2542,2-4-1149,-10-12 5002,-6-5 0,-7 2 0,0 1 0</inkml:trace>
+  <inkml:trace contextRef="#ctx0" brushRef="#br0" timeOffset="2499">2024 9763 14723,'65'-14'-207,"-6"2"-1557,-19 12-1966,-4 0 3730,-3 0 0,-15 0 0,-7 0 0</inkml:trace>
+  <inkml:trace contextRef="#ctx0" brushRef="#br0" timeOffset="2916">2357 9501 13900,'36'27'231,"1"1"1,-3-3-1,-4-3-130,-3 2-28,21 9 0,-10-10-1,5 1-44,-19-15-22,-14-6-6,-2-1 106,-4-1 107,-2 0 443,-2 1-527,-5 2-73,-15 6-23,-13 9-120,4 3 1,-2 1-317,-11 10-236,-4 13-1058,32-25 1697,6-4 0,4-8 0,3-4 0</inkml:trace>
+  <inkml:trace contextRef="#ctx0" brushRef="#br0" timeOffset="3282">2904 9954 14174,'66'4'-2974,"-6"0"2974,-31 4 0,-9-4 0,-15-1 0</inkml:trace>
+  <inkml:trace contextRef="#ctx0" brushRef="#br0" timeOffset="3466">2904 10168 13698,'-5'-1'1047,"0"0"-565,50 2-1748,-12 0 1,2-1 1265,2 1 0,-1 0 0,24-1 0,-45 0 0</inkml:trace>
+  <inkml:trace contextRef="#ctx0" brushRef="#br0" timeOffset="4415">3452 9811 15468,'-23'34'181,"0"-1"0,-1 13 1,5-1-132,7 12-47,5-20 0,3-1-3,5 6-68,7-7-116,5-10-153,6-9-156,9-8 661,7-40 39,-2-12-50,-18 5 1,-3-3 38,-2-18 179,-7-4-218,-6 35 279,-2 1-324,0 20-117,-2 19 5,5 8 50,1 44-42,5-24 1,2 2-9,-2 3 0,2 2-54,1 0 0,3 3 0,-1 0-92,-1 1 0,-1 0 1,0-1-1112,3 13 0,-1-1 1162,-2 1 0,-1-8-617,-5-18 712,0-1 9,-1-6-4,0-6 163,-1-10-84,-3-7 2244,-10-10-2317,-2-8 460,-2-14 1,0-7-413,2-6 0,3-6-39,5 1 1,3-5-1,1 2-20,2-8 0,6 2-278,10-6 0,8 5-353,3 20 1,5 4 379,16-8 0,-1 4 0,4-3 0,-20 20 0,0-1 0</inkml:trace>
+  <inkml:trace contextRef="#ctx0" brushRef="#br0" timeOffset="4966">4000 9335 15894,'-15'51'244,"0"0"1,0 0-1,3 3 1,0 5 0,2 0-1,0-1-229,3-6 1,1-1-1,1 0 1,1 0-305,0 2 1,0 1 0,1-2 0,5-4 288,7 15 0,5-10-1275,12 6 1023,4-15 128,-5-18 1,6-1-3997,23 2 0,3-2 3862,-15-3 1,0-2 0,8-2-1,-8-5 1,-20-7 0</inkml:trace>
+  <inkml:trace contextRef="#ctx0" brushRef="#br0" timeOffset="5917">4285 9644 14908,'20'59'549,"-4"-16"0,0-2-443,8 15-50,-3-8 0,1 1-76,-6-15 1,-1-3-54,14 27-386,-3-25 459,-15-28 23,3-13 21,-6-12 35,-1-13-46,-1-25 51,-3 10-25,-1 10 0,-1 0-59,-3-8-56,1 7-230,-1 25 415,19 56-101,-4-6-9,0-1 1,1 2-25,6 14 5,-1 0-202,1-3 90,12 9 56,-13-30 258,12-11 61,-20-37 23,4-44-174,-10 21 0,-3-4-90,1 1 0,0-4 1,-1 2-376,2-10 0,1 3-263,-3 3 0,5 15 616,8 34 0,-7 10 0,0 19 0</inkml:trace>
+  <inkml:trace contextRef="#ctx0" brushRef="#br0" timeOffset="6498">4928 10049 14376,'42'38'-55,"0"-1"1,-3-3 0,0-4 54,-5-10 0,-3-5 0,2 4 0,-1-12 0</inkml:trace>
+  <inkml:trace contextRef="#ctx0" brushRef="#br0" timeOffset="6714">5166 10073 12875,'14'5'2139,"0"37"-1853,-13-8 0,-4 4-446,1 9 0,-3 6 162,-3 0 0,-1 5 0,-2-5-1394,0-3 1,-1-2 1191,-2 11 1,1-5-1010,3-6-2635,5-16 3844,3-6 0,1-13 0,1-4 0</inkml:trace>
+  <inkml:trace contextRef="#ctx0" brushRef="#br0" timeOffset="7580">5666 9668 15221,'-18'48'379,"-1"1"0,6-10 1,0-1-305,1-2 1,2-2-37,2 15-39,10 11-386,19-11-696,21-5 998,5-33-16,-3-20 144,-12-38-38,-17 7-6,-1-16 67,-10 13 6,-2 1 123,-2 2-67,-5 2 403,-10-6-184,3 23-343,-3 4 130,13 49-74,17 28-22,0 5-95,1-20 0,2-1-1272,6 1 443,8 5-521,-6-34 1406,7-7 0,-15-8 0,2-1 0</inkml:trace>
+  <inkml:trace contextRef="#ctx0" brushRef="#br0" timeOffset="8098">6118 9192 15042,'-28'24'485,"0"0"1,0 0 0,3-1-89,-10 11-66,0 1 100,-7 9-375,12-11-56,4-4-118,15-17-150,10-10 262,18 2 12,-4-1 33,18 4-34,-8 0 7,13 8-7,-8-2-5,8 5-661,-3 2-1954,0 1-1373,-2-2 3988,-6-2 0,-17-11 0,-3-3 0</inkml:trace>
+  <inkml:trace contextRef="#ctx0" brushRef="#br0" timeOffset="8466">6309 9168 12578,'10'10'2195,"-2"-2"-1679,-8-8 537,0 0-773,-8 35 17,5 24-272,2-19 0,2 1-78,5 3 0,2-4-199,11 10-538,10-12 134,-14-23-2060,9-4-1205,-14-8 3921,0-5 0,-7 2 0,-3-1 0</inkml:trace>
+  <inkml:trace contextRef="#ctx0" brushRef="#br0" timeOffset="8662">6213 9430 14818,'36'-5'-961,"-1"-1"1,19-1 960,-3 6 0,-31 1 0,-7 0 0</inkml:trace>
+  <inkml:trace contextRef="#ctx0" brushRef="#br0" timeOffset="9200">6618 9168 15020,'49'43'302,"-21"-18"1,1-1-224,21 13-74,-10-5 1,3-4 27,-28-17 231,-1 0 4,-7-4 68,-1 1-151,-6-3-174,-11 6 23,-1-1-23,-22 12-67,-10 2-1216,4 2-1780,5-2 3052,20-8 0,12-10 0,1-1 0</inkml:trace>
+  <inkml:trace contextRef="#ctx0" brushRef="#br0" timeOffset="16025">7190 9930 14818,'49'1'213,"-4"0"-112,-6-6-90,6-2-11,-7 2 0,-4-1-17,-23 4-968,-2 0-617,-5 0 1602,-1-1 0,-3 2 0,0-1 0</inkml:trace>
+  <inkml:trace contextRef="#ctx0" brushRef="#br0" timeOffset="16292">7285 9811 12326,'-10'-12'1148,"2"2"-616,8 10 588,0 0-212,9 57-785,-1 0-106,-2-13 0,0 2-93,-1-1 1,0-3-2256,4 18-1074,1-6 3405,2-19 0,-7-25 0,-1-4 0</inkml:trace>
+  <inkml:trace contextRef="#ctx0" brushRef="#br0" timeOffset="17765">7856 9406 13609,'4'47'485,"0"0"0,2 4 1,1 2-430,0-7 0,0 3 0,1-2-45,2 13 0,1 0-36,0 4 0,-1-5-115,-1-5-107,-3-26-10,-5-26 257,0-6 0,-1-3 106,1-8-67,0-35-61,4 4 22,0-12-56,9 14-196,6 25 330,22 20 62,-10 12-56,11 20-78,-22-3 195,3 32-55,-12-23 67,1 23-129,-14-34 129,-13 11-151,1-12 128,-23 10-397,-11-24-1115,0-26 1322,2-21 0,25 2 0,13 3 0</inkml:trace>
+  <inkml:trace contextRef="#ctx0" brushRef="#br0" timeOffset="18380">8332 10001 14314,'28'25'255,"1"0"1,-1-1 0,-1-2-300,11 8-1463,6-4-778,-21-15 2285,1-1 0,-15-8 0,-5-1 0</inkml:trace>
+  <inkml:trace contextRef="#ctx0" brushRef="#br0" timeOffset="18613">8523 10025 12987,'5'4'1411,"-1"-1"-924,-4-3 79,0 32-258,-7 11 1,-3 4-279,3-4 1,-1 2-1337,-5 16 1,-2-2 1305,5-26 0,0-1-610,-8 30-662,8-24 1272,4-6 0,6-24 0,2-6 0</inkml:trace>
+  <inkml:trace contextRef="#ctx0" brushRef="#br0" timeOffset="19197">8642 9287 14197,'36'35'522,"0"1"1,-3-3 0,-1 3-53,-3 1 1,-4 5-311,-5 6 1,-2 5 0,-1 0-2024,-3-10 1,-1-1-1,-1 3 1889,1 12 0,-3 3 0,-4-6 691,-6-6 0,-4-3-714,-6 13 0,-3-2-34,4-20 0,-2-3-173,-6 12 0,-2-3 382,-8 1-2223,5-16 1,-2-2 2044,-8 10 0,-1-6 0,22-20 0</inkml:trace>
+</inkml:ink>
+</file>
+
+<file path=ppt/ink/ink39.xml><?xml version="1.0" encoding="utf-8"?>
+<inkml:ink xmlns:inkml="http://www.w3.org/2003/InkML">
+  <inkml:definitions>
+    <inkml:context xml:id="ctx0">
+      <inkml:inkSource xml:id="inkSrc0">
+        <inkml:traceFormat>
+          <inkml:channel name="X" type="integer" min="-2.14748E9" max="2.14748E9" units="cm"/>
+          <inkml:channel name="Y" type="integer" min="-2.14748E9" max="2.14748E9" units="cm"/>
+          <inkml:channel name="F" type="integer" max="32767" units="dev"/>
+        </inkml:traceFormat>
+        <inkml:channelProperties>
+          <inkml:channelProperty channel="X" name="resolution" value="1000" units="1/cm"/>
+          <inkml:channelProperty channel="Y" name="resolution" value="1000" units="1/cm"/>
+          <inkml:channelProperty channel="F" name="resolution" value="0" units="1/dev"/>
+        </inkml:channelProperties>
+      </inkml:inkSource>
+      <inkml:timestamp xml:id="ts0" timeString="2022-11-21T14:41:31.748"/>
+    </inkml:context>
+    <inkml:brush xml:id="br0">
+      <inkml:brushProperty name="width" value="0.05292" units="cm"/>
+      <inkml:brushProperty name="height" value="0.05292" units="cm"/>
+      <inkml:brushProperty name="color" value="#0070C0"/>
+    </inkml:brush>
+  </inkml:definitions>
+  <inkml:trace contextRef="#ctx0" brushRef="#br0">3976 8382 14622,'35'12'51,"-1"-1"-46,-14-8 40,22 4-39,-15-2 5,16 3-6,-19-4 1,1 2 5,0-2-5,0 0-1,12 2 35,-9-3-40,9 2 5,-12-1 40,1 1-45,9 5 0,0 0 62,15 4-135,-12-5 62,-6-2 55,-9-6-44,-13-1 0,1 0-28,-6 0-11,-1 0 56,0 0-17,-2 0 0,1 0 0,-2 0-157,0 0 174,-1-2-11,1 0 38,-2-6 7,-2 1-51,-1-4-23,-7-4 23,-3-3 51,0-1-79,-1 2 33,5 5 85,-1-1-90,3 4 0,1 0-414,5 7 386,1 3 28,5 4 123,3 5-90,4 5-27,2 1 28,-1 1-23,0 1 28,4 7-28,-4 0 73,0 0 39,-7 6-33,-8-2 33,-18 22-414,-3-8-840,-8 0 1131,6-16 0,17-19 0,0 0 0</inkml:trace>
+  <inkml:trace contextRef="#ctx0" brushRef="#br0" timeOffset="1008">5999 10692 13508,'16'46'963,"-1"10"-817,-12-26 55,3 32-94,-1 1-74,-1 1-28,-1-22 1,-1-1-28,1-6 0,0-3-34,1 23-68,2-12-105,-4-31-191,1-5-493,-1-2-689,-1-2 606,0-2 1,-1-1 0</inkml:trace>
+  <inkml:trace contextRef="#ctx0" brushRef="#br0" timeOffset="1530">5856 10930 12371,'19'-60'876,"-5"26"1,1 4-435,16-6-184,11-8-152,-12 17-78,-7 10 90,-12 14 50,-4 4-39,2 4-34,1 3 29,1 4-119,1 4 1,8 8-6,-5-3-421,12 12 421,1-6 0,-11-9 0,1-3 0</inkml:trace>
 </inkml:ink>
 </file>
 
@@ -1005,6 +1924,437 @@
 </inkml:ink>
 </file>
 
+<file path=ppt/ink/ink40.xml><?xml version="1.0" encoding="utf-8"?>
+<inkml:ink xmlns:inkml="http://www.w3.org/2003/InkML">
+  <inkml:definitions>
+    <inkml:context xml:id="ctx0">
+      <inkml:inkSource xml:id="inkSrc0">
+        <inkml:traceFormat>
+          <inkml:channel name="X" type="integer" min="-2.14748E9" max="2.14748E9" units="cm"/>
+          <inkml:channel name="Y" type="integer" min="-2.14748E9" max="2.14748E9" units="cm"/>
+          <inkml:channel name="F" type="integer" max="32767" units="dev"/>
+        </inkml:traceFormat>
+        <inkml:channelProperties>
+          <inkml:channelProperty channel="X" name="resolution" value="1000" units="1/cm"/>
+          <inkml:channelProperty channel="Y" name="resolution" value="1000" units="1/cm"/>
+          <inkml:channelProperty channel="F" name="resolution" value="0" units="1/dev"/>
+        </inkml:channelProperties>
+      </inkml:inkSource>
+      <inkml:timestamp xml:id="ts0" timeString="2022-11-21T14:42:50.516"/>
+    </inkml:context>
+    <inkml:brush xml:id="br0">
+      <inkml:brushProperty name="width" value="0.05292" units="cm"/>
+      <inkml:brushProperty name="height" value="0.05292" units="cm"/>
+      <inkml:brushProperty name="color" value="#0070C0"/>
+    </inkml:brush>
+  </inkml:definitions>
+  <inkml:trace contextRef="#ctx0" brushRef="#br0">6047 4786 13065,'10'54'208,"-2"-1"-208,-7-16 0,0 7 33,-1 4-27,0 4 2,-1-4 1,1 2-7,0-11 1,0 0-3,-1 13 0,1-2-123,0 2 56,1-10 61,1-26 6,0 1-5,0-10 5,-1-2 0,0 0-6,-1 0-28,1 0-509,-1-2-757,0 0 1300,0-20 0,0 13 0,0-12 0</inkml:trace>
+  <inkml:trace contextRef="#ctx0" brushRef="#br0" timeOffset="579">5928 4929 11766,'19'-29'422,"1"-1"0,1-2 0,-3 2-114,2-5-62,4-5-201,-9 17-45,-3 8 0,-8 15 39,1 2 325,6 13-263,5 11-95,2 6-12,3 3 0,-7-10-570,1 0-3009,12 15 3585,-10-12 0,3 1 0,-14-18 0</inkml:trace>
+  <inkml:trace contextRef="#ctx0" brushRef="#br0" timeOffset="2597">6832 8430 12881,'-28'-8'616,"6"2"-454,20 6-268,2 0 162,23-10-34,3 4 17,13-6 45,7 6-84,-17 4 6,8 0 27,-10 1-33,-2 0 6,1-2-6,0 0 0,21-6-39,6 3 28,10-2 5,-3 5 0,-23 3 12,4 0-6,-18 0 0,5 0 0,-10 0 0,0 0 0,-2 0-6,-1 0 1,-1 0 5,-2 0 0,-2 0 11,-3-1 23,-3 1 10,-1-1 158,-3 1-230,-4-2 22,0 0-117,-8-5 73,2 1-29,-10-9 74,-3-3-6,0-1 22,-9-5 45,4 5-56,6 4 145,3 4-145,14 9-420,3 1 314,1 1 162,14 7-6,-1 1-16,11 5-34,-3-1 6,0-1-6,7 5-185,-2 1 230,0 16 167,-11 3-116,-9 2-46,-20 14-61,1-19-213,-14 10-493,1-13-952,-1-4 1669,-1-2 0,13-13 0,5-3 0</inkml:trace>
+</inkml:ink>
+</file>
+
+<file path=ppt/ink/ink41.xml><?xml version="1.0" encoding="utf-8"?>
+<inkml:ink xmlns:inkml="http://www.w3.org/2003/InkML">
+  <inkml:definitions>
+    <inkml:context xml:id="ctx0">
+      <inkml:inkSource xml:id="inkSrc0">
+        <inkml:traceFormat>
+          <inkml:channel name="X" type="integer" min="-2.14748E9" max="2.14748E9" units="cm"/>
+          <inkml:channel name="Y" type="integer" min="-2.14748E9" max="2.14748E9" units="cm"/>
+          <inkml:channel name="F" type="integer" max="32767" units="dev"/>
+        </inkml:traceFormat>
+        <inkml:channelProperties>
+          <inkml:channelProperty channel="X" name="resolution" value="1000" units="1/cm"/>
+          <inkml:channelProperty channel="Y" name="resolution" value="1000" units="1/cm"/>
+          <inkml:channelProperty channel="F" name="resolution" value="0" units="1/dev"/>
+        </inkml:channelProperties>
+      </inkml:inkSource>
+      <inkml:timestamp xml:id="ts0" timeString="2022-11-21T14:43:07.539"/>
+    </inkml:context>
+    <inkml:brush xml:id="br0">
+      <inkml:brushProperty name="width" value="0.05292" units="cm"/>
+      <inkml:brushProperty name="height" value="0.05292" units="cm"/>
+      <inkml:brushProperty name="color" value="#0070C0"/>
+    </inkml:brush>
+  </inkml:definitions>
+  <inkml:trace contextRef="#ctx0" brushRef="#br0">8927 11287 12264,'9'30'57,"-2"-5"-57,-7-20-130,0 0-133,0-3 313,0-1 163,0-10-78,0-2 78,0-42-101,0-2-93,0 22 1,0-2 16,0-3 1,0 0 69,0-24-44,0 0-26,0 26 1,0 2-637,0-6 644,0-10-323,0 18 330,-1 4-35,0 1 18,-1 5-28,-1 1 66,-1-2-27,1 4 546,0 1-580,0 1 379,0 2-290,0 1-49,1 3 33,2 8 117,0 2-324,-2 6 123,0 1 51,-2 7-51,0 1-12,-4 10-32,-3 4 32,-7 7 1,6-13-196,0-6 11,8-14 123,2-2 68,1-4 5,0-2 0,1-6 5,0-4 29,4-1-34,2-3 73,12-7-124,6 4 51,1 3 0,13 15 45,-7 24-101,0 1-958,4 24-929,-18-17 1943,4 6 0,-14-22 0,-3-4 0</inkml:trace>
+  <inkml:trace contextRef="#ctx0" brushRef="#br0" timeOffset="1615">8904 5501 13435,'15'-53'8,"-8"20"1,-1-1-4,-2-20 1,-2 17 0,1-1-6,0-21 19,0 21 1,0 2-20,0-6 22,-1 7 1,1 1-23,-2-3-6,1-7 6,-2 20 6,0 5 16,0 1-16,-2 6-1,-1-1 29,1 6-17,-2 2-6,3 0 39,-1 3-95,0 0-72,-4 13 190,0 0-34,-3 11-28,0 0-5,-1 1-1,0 0 29,1-3-34,1-5-112,2-4-269,3-6 112,1-3 213,2-6 56,0-10 0,3-8 51,12-15-46,-2 12 135,9 0-73,-6 17-67,1 3-33,0 3 33,-2 8 17,1 6-17,-2 10-616,3 16-1580,-2 2 2196,1 8 0,-8-23 0,-2-6 0</inkml:trace>
+  <inkml:trace contextRef="#ctx0" brushRef="#br0" timeOffset="3060">9641 8334 11693,'31'1'1154,"17"-1"-863,12 0-238,-19 0 1,1 0-54,-6 0 0,0 0-227,7-2 0,-1 0 227,4-1 131,11-3-125,-22 1 5,-2-1-6,-1 1 85,-2 0-84,-1 3-1,9-1 34,-1 3-39,-1 0 401,0 4-367,-15-1-28,-2 1 38,-6-1 46,-10-2-34,0-1 286,-3 0-337,-6 0-5,0-1-61,-14-7-23,-1-7 78,1-2-50,-2-7-17,14 10-50,-1-5 67,7 10-22,1 2-258,2 5 224,4 1 100,3 1 12,5 4 157,7 10-140,-3 1 39,6 17-6,-12-12 90,-1 19 68,-11-1-309,-10-6 0,-3 0-280,-6 12-818,-19 4-1035,17-31 2234,1-8 0,10-5 0,4-3 0</inkml:trace>
+  <inkml:trace contextRef="#ctx0" brushRef="#br0" timeOffset="3960">11998 4834 11435,'3'45'305,"0"1"1,0-1-1,2 5 1,-2-1-253,-2 17 0,-2-2-50,0-19 0,0-1-68,0 6 1,1 1-802,-2-5 1,1-4-1011,0 9-919,1-16 2795,0-28 0,0-6 0,0-1 0</inkml:trace>
+  <inkml:trace contextRef="#ctx0" brushRef="#br0" timeOffset="4394">11831 5096 8142,'13'2'1546,"-2"0"-992,-11-2 583,8-46-627,-1 22-124,8-38-38,-5 35 335,14-12-448,-10 19-111,11-5-85,-11 25 56,12 20 51,-6 0-74,19 35-775,-17-21 1,0 0-2166,14 19 2771,-15-23 1,-2-5-1,-8-13 1,-3-4 0</inkml:trace>
+  <inkml:trace contextRef="#ctx0" brushRef="#br0" timeOffset="5658">12712 8358 11519,'66'8'1289,"-3"-3"-1043,-20-9-55,7-1-91,5-2-94,3 1 22,-17 2 0,1 0-22,18-1 10,-14 2 1,0 0-12,-11 2 1,-1 1-6,21-1 6,-6 1-6,-30 0 0,-1 0 56,-1 0-56,-2 1-6,4-1 6,-5 1 0,0-1 34,-6 0-34,-2 0-6,1-4-22,-1-3 17,0-4 78,-3 1-67,-1 1-11,-4 3 11,-2 1-5,-2-1 5,-3-2 0,1 0 0,0 0 0,1-1 0,2 4-51,2 1-632,2 2 470,10 7 499,13 22-236,2 5 68,1 8 33,-11 1-11,-11-16-123,-1 9-17,-8-8-935,-11 8-1978,-6 0 2913,-10 6 0,17-19 0,0-5 0</inkml:trace>
+  <inkml:trace contextRef="#ctx0" brushRef="#br0" timeOffset="6535">11950 10692 12096,'2'65'372,"1"-24"1,0 2-275,1-6 0,0 2-56,3 20 0,0 2-48,-1-11 1,-1-2-68,0-2 1,-1-2-646,2 17-413,-4-36-263,1-3-1950,-2-17 3344,0-7 0,-1-1 0</inkml:trace>
+  <inkml:trace contextRef="#ctx0" brushRef="#br0" timeOffset="6910">11784 10882 10058,'5'1'1719,"11"-34"-904,-3 1 0,2-3-594,-2 1 0,2-1-137,2-6 0,1 4-84,1 3-151,-3 12 151,-1 10 196,1 9 6,0 15-73,2 5-45,3 13-84,0 2-40,2 1-296,0-3-2201,17-2 2537,-1-13 0,-7-3 0,-10-11 0</inkml:trace>
+  <inkml:trace contextRef="#ctx0" brushRef="#br0" timeOffset="8434">16831 8358 10270,'36'3'675,"0"0"0,32 0-70,-9-8-442,-10-1-60,-5 1 1,0-1-31,9-1-68,14-2 40,-24 5 11,-3 2-50,-2 0-1,-2 2 1,-2 0 11,12 0 61,1-2-78,-1 1 6,3-2-6,-23 1 0,3 1 0,-12 0 5,-1 1-5,-4 0 28,-1 0-28,-6 0-5,-1 0-6,-1 0-40,1 0 12,-2 0-247,2 0 124,-2-2 268,0 1 135,-2-5-112,-12-5-90,-1-5-39,-5 0-5,3 1-1,8 5 0,3 3-167,2 0-18,1 5-78,4-1 90,3 3 179,3 3 297,4 4-151,2 4 50,8 17-101,5 16-95,-7 5 50,-4 1-397,-17 4-908,-12-13 1255,0-7 0,-2-1 0,-2-3 0,-4 3 0</inkml:trace>
+  <inkml:trace contextRef="#ctx0" brushRef="#br0" timeOffset="9286">19616 10573 10612,'10'51'1473,"-2"0"-1165,-3-12-16,-1 5-18,0 3-39,0 1-109,-2-13 0,0 1-42,0 17 5,-1-10 1,1 1-67,0 13-135,-1-4-1765,1-14-402,0-27 2279,-1-1 0,-1-9 0,0 0 0</inkml:trace>
+  <inkml:trace contextRef="#ctx0" brushRef="#br0" timeOffset="9720">19473 10835 8774,'0'10'1261,"1"-2"-762,-1-8 44,-2-43 123,4 19-254,2-12 0,1-1-210,6 6-96,5-6-33,-2 20-73,-2 6-73,2 6 219,8 9 184,5 17-257,10 10-79,-6 1-1035,11-1-931,-18-20 1972,6-2 0,-19-9 0,-4 0 0</inkml:trace>
+  <inkml:trace contextRef="#ctx0" brushRef="#br0" timeOffset="19871">19616 4882 13172,'5'64'252,"0"-11"-252,-8 9 33,-1-13-33,-4 0-78,0 0 28,0-1 50,-1-2-325,2-4 101,-1 7-320,4-19-1528,1 3-404,7-24 2476,-2-3 0,2-6 0,-3 0 0</inkml:trace>
+  <inkml:trace contextRef="#ctx0" brushRef="#br0" timeOffset="20593">19449 4905 12461,'32'-25'50,"-6"1"-44,-17 10 33,1 0 17,0 1 17,-2 2-6,4 0-224,1 5 353,6 9-118,-2 5 85,7 19-130,-7-6 74,5 10-51,-6-8 11,-1-1-61,-1-2-6,0-3-112,-1-3-1530,4-2 1642,-3-6 0,-3-2 0,-5-4 0</inkml:trace>
+</inkml:ink>
+</file>
+
+<file path=ppt/ink/ink42.xml><?xml version="1.0" encoding="utf-8"?>
+<inkml:ink xmlns:inkml="http://www.w3.org/2003/InkML">
+  <inkml:definitions>
+    <inkml:context xml:id="ctx0">
+      <inkml:inkSource xml:id="inkSrc0">
+        <inkml:traceFormat>
+          <inkml:channel name="X" type="integer" min="-2.14748E9" max="2.14748E9" units="cm"/>
+          <inkml:channel name="Y" type="integer" min="-2.14748E9" max="2.14748E9" units="cm"/>
+          <inkml:channel name="F" type="integer" max="32767" units="dev"/>
+        </inkml:traceFormat>
+        <inkml:channelProperties>
+          <inkml:channelProperty channel="X" name="resolution" value="1000" units="1/cm"/>
+          <inkml:channelProperty channel="Y" name="resolution" value="1000" units="1/cm"/>
+          <inkml:channelProperty channel="F" name="resolution" value="0" units="1/dev"/>
+        </inkml:channelProperties>
+      </inkml:inkSource>
+      <inkml:timestamp xml:id="ts0" timeString="2022-11-21T14:43:58.034"/>
+    </inkml:context>
+    <inkml:brush xml:id="br0">
+      <inkml:brushProperty name="width" value="0.05292" units="cm"/>
+      <inkml:brushProperty name="height" value="0.05292" units="cm"/>
+      <inkml:brushProperty name="color" value="#C00000"/>
+    </inkml:brush>
+  </inkml:definitions>
+  <inkml:trace contextRef="#ctx0" brushRef="#br0">18854 4882 11838,'1'41'437,"0"-3"-223,-1-8-175,0-4 129,-2 28-95,-2 0-68,0 2 6,-1-11 1,-1-2 4,1 3 12,0-11 0,0-1-28,2-1 0,-1 11 0,3-14-44,0 6-1,1-16-28,0 0-5,1-8 38,1 0 124,0-8-72,0-1 324,-1-2-320,-9-12-10,-2-4 0,-12-22 5,4 7 6,1 1 78,7 12-28,6 11-67,1 2-34,2 2-89,1 2 67,0 6 146,1 2-29,9 18-61,7 4-56,2 0-112,8-2 353,-4-19 325,17-22-477,-13-4-33,6-18-196,-18 10-604,-2 1-1939,-4 4 2739,-4 3 0,-3 8 0,-2 4 0</inkml:trace>
+  <inkml:trace contextRef="#ctx0" brushRef="#br0" timeOffset="2836">17068 6906 12382,'24'0'269,"1"0"-168,-1 1 44,32 0-83,-5-1-56,12 1-1,-16-1 1,-16 0 5,-1 0 6,13 0-17,-9 0 5,10 0 29,-11 0-28,0 0-6,16 0 5,1-1 6,-12 0 1,0 1-7,22-2-5,-6 2 0,-19 0 0,-14 0 0,0 2 0,-1 0 6,7-1-1,-7 1 7,3-2 60,-9 0 18,-1-2-34,-4 1 28,-2-1-84,-5 1 6,-2 1-6,3 0 0,-1 0-28,1 0 16,-1 0-111,0 0-968,0 0 1,-1 0 0</inkml:trace>
+  <inkml:trace contextRef="#ctx0" brushRef="#br0" timeOffset="3587">17307 6763 13446,'-25'11'325,"-5"7"-241,12-5 95,-15 14-44,11-10 5,-10 9-140,17-13-6,-2 2 0,12-10-44,2 0-23,2-4 23,1 3 5,9 8 45,-1-2-6,10 8 12,-2-5-6,4 1 0,3 1-6,3-1-162,14 4-515,-9-4-997,10 2-2885,-18-5 4565,-4 0 0,-9-5 0,-4-1 0</inkml:trace>
+</inkml:ink>
+</file>
+
+<file path=ppt/ink/ink43.xml><?xml version="1.0" encoding="utf-8"?>
+<inkml:ink xmlns:inkml="http://www.w3.org/2003/InkML">
+  <inkml:definitions>
+    <inkml:context xml:id="ctx0">
+      <inkml:inkSource xml:id="inkSrc0">
+        <inkml:traceFormat>
+          <inkml:channel name="X" type="integer" min="-2.14748E9" max="2.14748E9" units="cm"/>
+          <inkml:channel name="Y" type="integer" min="-2.14748E9" max="2.14748E9" units="cm"/>
+          <inkml:channel name="F" type="integer" max="32767" units="dev"/>
+        </inkml:traceFormat>
+        <inkml:channelProperties>
+          <inkml:channelProperty channel="X" name="resolution" value="1000" units="1/cm"/>
+          <inkml:channelProperty channel="Y" name="resolution" value="1000" units="1/cm"/>
+          <inkml:channelProperty channel="F" name="resolution" value="0" units="1/dev"/>
+        </inkml:channelProperties>
+      </inkml:inkSource>
+      <inkml:timestamp xml:id="ts0" timeString="2022-11-21T14:44:21.224"/>
+    </inkml:context>
+    <inkml:brush xml:id="br0">
+      <inkml:brushProperty name="width" value="0.05292" units="cm"/>
+      <inkml:brushProperty name="height" value="0.05292" units="cm"/>
+      <inkml:brushProperty name="color" value="#C00000"/>
+    </inkml:brush>
+  </inkml:definitions>
+  <inkml:trace contextRef="#ctx0" brushRef="#br0">12570 6906 12107,'35'5'818,"9"-1"-678,-21-4-72,10-1-12,-7 1 16,0 0-21,1 1 61,12 2-39,-9 1 16,22 2 57,5-3-135,5 0 42,-16-2 0,0-1-47,10 2 0,10 1 55,-31-1-55,-1 0-6,-2-1 5,0 0 29,-2 0-34,-1-1 6,-2 0 10,6-1-16,-11 1 0,9-1 0,-12 1 12,8 4 21,-11-1-27,1 3-12,-8-4-78,-2 1-168,-4-2-330,1 0-1188,-4-1 1770,-7-5 0,6 4 0,-5-4 0</inkml:trace>
+  <inkml:trace contextRef="#ctx0" brushRef="#br0" timeOffset="751">12665 6858 13844,'-29'23'123,"2"-3"-28,10-6-56,1-2-5,3 1-34,1-3 0,3-2-73,2-1-33,3-2 72,2-1-55,0 0 33,4 3 56,3 0 56,13 7-23,-1-4-33,10 6-5,-5-3-281,0 0-448,0-1-778,1 0-2023,-4-2 3535,-3-1 0,-7-4 0,-5-2 0</inkml:trace>
+  <inkml:trace contextRef="#ctx0" brushRef="#br0" timeOffset="2652">11165 4882 13183,'8'41'140,"-1"1"-101,-7-3 12,0 6-23,0 5-23,0 2-5,0 0 56,-1 1 0,0-5-56,0-4-33,1 5 66,0-10-22,1-8 23,-1-12-28,1-15-6,0-1 0,-1 1-6,0 0-28,0 3 23,0-1-50,0 1-57,0-3 17,0 0 12,1-2-611,-1-1 666,1 1 68,-1-2-23,2 2 739,-2-1-744,-3-6-1,-2-1-5,-8-13 0,1 6 6,-4-5 0,3 3-1,0-1 1,0 0-6,2 1 67,1 0-56,0 0-11,3 5-61,2 1-79,4 6 196,16 18 39,4 9-95,7 7 0,-2 2 11,-7-10 34,0-2-28,5 2-68,-5-10-33,2 0 84,-8-10 11,-1-3-11,-1 0 34,-1-4 33,5-9-106,12-20 39,8-11 0,-9 12 0,-3 6 0</inkml:trace>
+</inkml:ink>
+</file>
+
+<file path=ppt/ink/ink44.xml><?xml version="1.0" encoding="utf-8"?>
+<inkml:ink xmlns:inkml="http://www.w3.org/2003/InkML">
+  <inkml:definitions>
+    <inkml:context xml:id="ctx0">
+      <inkml:inkSource xml:id="inkSrc0">
+        <inkml:traceFormat>
+          <inkml:channel name="X" type="integer" min="-2.14748E9" max="2.14748E9" units="cm"/>
+          <inkml:channel name="Y" type="integer" min="-2.14748E9" max="2.14748E9" units="cm"/>
+          <inkml:channel name="F" type="integer" max="32767" units="dev"/>
+        </inkml:traceFormat>
+        <inkml:channelProperties>
+          <inkml:channelProperty channel="X" name="resolution" value="1000" units="1/cm"/>
+          <inkml:channelProperty channel="Y" name="resolution" value="1000" units="1/cm"/>
+          <inkml:channelProperty channel="F" name="resolution" value="0" units="1/dev"/>
+        </inkml:channelProperties>
+      </inkml:inkSource>
+      <inkml:timestamp xml:id="ts0" timeString="2022-11-21T14:44:40.055"/>
+    </inkml:context>
+    <inkml:brush xml:id="br0">
+      <inkml:brushProperty name="width" value="0.05292" units="cm"/>
+      <inkml:brushProperty name="height" value="0.05292" units="cm"/>
+      <inkml:brushProperty name="color" value="#C00000"/>
+    </inkml:brush>
+  </inkml:definitions>
+  <inkml:trace contextRef="#ctx0" brushRef="#br0">9618 6882 12707,'37'10'778,"17"4"-688,-18-6-79,10 1 68,-6-3-46,-11-2-27,2-1 39,16 0-40,-12 0-5,11 0 34,-15 1-29,-1-1-5,0 1 6,0 0 11,13 2-6,15 4-11,1 1 0,-5-1 39,-11 1-39,-21-5-5,4 3-1,-11-4 6,-3-1 0,-1 0 0,-3-1 0,-1-1 0,-2-1-370,0 0-257,-3-1-5120,0-4 5747,-2 1 0,-1-2 0,0 3 0</inkml:trace>
+  <inkml:trace contextRef="#ctx0" brushRef="#br0" timeOffset="718">9832 6763 11878,'-44'21'1630,"14"-5"-1501,-4-3-1,8 2-55,7-4-6,-5 5-61,11-5 5,2-1 23,1-2-34,0 2 0,4-2-56,0 2 45,4-2-6,8 7 17,0-4 33,7 6-27,0-3-6,2 2 6,2 1-6,2 2-79,0 0-72,0 0-230,1-1-1865,7 7-700,-7-8 2946,2 5 0,-15-15 0,-2-2 0</inkml:trace>
+</inkml:ink>
+</file>
+
+<file path=ppt/ink/ink45.xml><?xml version="1.0" encoding="utf-8"?>
+<inkml:ink xmlns:inkml="http://www.w3.org/2003/InkML">
+  <inkml:definitions>
+    <inkml:context xml:id="ctx0">
+      <inkml:inkSource xml:id="inkSrc0">
+        <inkml:traceFormat>
+          <inkml:channel name="X" type="integer" min="-2.14748E9" max="2.14748E9" units="cm"/>
+          <inkml:channel name="Y" type="integer" min="-2.14748E9" max="2.14748E9" units="cm"/>
+          <inkml:channel name="F" type="integer" max="32767" units="dev"/>
+        </inkml:traceFormat>
+        <inkml:channelProperties>
+          <inkml:channelProperty channel="X" name="resolution" value="1000" units="1/cm"/>
+          <inkml:channelProperty channel="Y" name="resolution" value="1000" units="1/cm"/>
+          <inkml:channelProperty channel="F" name="resolution" value="0" units="1/dev"/>
+        </inkml:channelProperties>
+      </inkml:inkSource>
+      <inkml:timestamp xml:id="ts0" timeString="2022-11-21T14:45:02.291"/>
+    </inkml:context>
+    <inkml:brush xml:id="br0">
+      <inkml:brushProperty name="width" value="0.05292" units="cm"/>
+      <inkml:brushProperty name="height" value="0.05292" units="cm"/>
+      <inkml:brushProperty name="color" value="#C00000"/>
+    </inkml:brush>
+  </inkml:definitions>
+  <inkml:trace contextRef="#ctx0" brushRef="#br0">8308 4834 13116,'-2'49'291,"0"-1"-257,2-13 38,0 25-66,0-11-6,0 18 11,0-18 0,0 18 1,0-19-52,-2 20-27,1-27 62,-2-7 5,1-8 0,0-18 5,0 1-5,0-5-33,0 2 33,1-2-6,0 1 0,-1-1-38,1 0-12,-1-1-112,1 2 5,1 0-178,0-2 89,0 0 252,-1-3 56,0-5 0,-2-3 5,-1-6 12,-2-5 28,-1-2 16,-1-2-27,-2 1 123,-5-6-68,4 9 197,-5-6-415,7 15 56,2 7 129,7 11-44,4 10-24,5 5-38,3 4-12,8 10-44,-5-11-17,7 3-79,-7-19 146,1-5 51,9-12-18,1-20-1781,6-22-1780,-9 1 3432,-6 0 0,-12 30 0,-3 7 0</inkml:trace>
+  <inkml:trace contextRef="#ctx0" brushRef="#br0" timeOffset="1263">6689 6929 11844,'25'-4'796,"13"0"-673,-9 4 79,26 0-118,-19 0 5,11 0-83,-12 1 11,0 0 22,17 0 17,-13-1-28,13 0-28,-17 0 0,16 0 50,-11 0-50,-8 0 0,4 1 19,0 1 1,0 0-17,0-1 0,0 0 3,31 4-6,-26-5 39,-17 0-39,-4 0 0,0 0-6,-8 0 1,-1 0 5,-7 0 0,-2 0 11,0 0 118,0 0-169,-1 0-245,1 0 285,1 0 0,-1 0 0,0 0 0</inkml:trace>
+  <inkml:trace contextRef="#ctx0" brushRef="#br0" timeOffset="2012">6809 6787 12690,'-19'32'1490,"-1"0"-1160,-6-5-207,6-7-89,5-5 61,3-4-50,7-6-45,-1 2-56,5-2 45,0-1-45,2 3 17,4 2 33,4 3 6,6 3 6,5 1-1,2 2 1,3-1-40,12 7-582,3-2-84,-1-1 700,14-2 0,-36-13 0,12 2 0</inkml:trace>
+  <inkml:trace contextRef="#ctx0" brushRef="#br0" timeOffset="3336">5309 4786 12152,'7'52'1238,"-1"-1"-997,-6-14 0,0 6 0,1 6-185,-1-6 0,1 3-51,0 21 1,0 1-768,-1-23 0,1-2 781,-1 8 1,0-3-20,0 3-5,0 7 5,0-30-68,0-7 504,0-8-638,0-4 293,0-6 49,0-3-45,0-4 84,-1-10 662,-7-9-841,0-3-84,-13-13 79,6 14 5,-6-9 0,6 13 0,3 3-28,-2 4-124,6 7 63,1 2 66,5 7 29,6 18 33,3 0-33,14 31-85,17-1-49,-5-11 4,6-7 124,-18-28 51,1-7-51,1-8-45,0-9-4066,14-32 4111,-14 14 0,2-5 0,-18 29 0</inkml:trace>
+  <inkml:trace contextRef="#ctx0" brushRef="#br0" timeOffset="4382">3761 7406 12410,'40'7'588,"21"1"-527,-28-5 1,4 0-56,11 0 0,6 0-5,-7-1 1,2 0 0,-1 0-5,3 0 1,-1-1-7,9 1 1,-5-1 8,1-1-388,11 0 393,-18-3 92,8-1-91,-22-2-1,-4-2 7,0-1-12,-11 3-84,-1-2 5,-12 4-27,-2 1-724,-2-2 904,-2-2 0,0 3 1,0-2-1</inkml:trace>
+  <inkml:trace contextRef="#ctx0" brushRef="#br0" timeOffset="4962">4047 7215 13373,'-34'21'1204,"1"0"-1008,10-7-44,-2 3 268,-13 8-179,-2 9-241,7-7 0,7 0 0,21-18-68,2-1-61,1 1 73,8-1 51,3 3 5,9-1 0,4 2 5,5 2 1,4 2 39,4 2-45,1 1-90,14 9-307,-13-7-709,-8-3 0,0 0 1106,5 9 0,-6-6 0,-12-7 0</inkml:trace>
+</inkml:ink>
+</file>
+
+<file path=ppt/ink/ink46.xml><?xml version="1.0" encoding="utf-8"?>
+<inkml:ink xmlns:inkml="http://www.w3.org/2003/InkML">
+  <inkml:definitions>
+    <inkml:context xml:id="ctx0">
+      <inkml:inkSource xml:id="inkSrc0">
+        <inkml:traceFormat>
+          <inkml:channel name="X" type="integer" min="-2.14748E9" max="2.14748E9" units="cm"/>
+          <inkml:channel name="Y" type="integer" min="-2.14748E9" max="2.14748E9" units="cm"/>
+          <inkml:channel name="F" type="integer" max="32767" units="dev"/>
+        </inkml:traceFormat>
+        <inkml:channelProperties>
+          <inkml:channelProperty channel="X" name="resolution" value="1000" units="1/cm"/>
+          <inkml:channelProperty channel="Y" name="resolution" value="1000" units="1/cm"/>
+          <inkml:channelProperty channel="F" name="resolution" value="0" units="1/dev"/>
+        </inkml:channelProperties>
+      </inkml:inkSource>
+      <inkml:timestamp xml:id="ts0" timeString="2022-11-21T14:46:54.183"/>
+    </inkml:context>
+    <inkml:brush xml:id="br0">
+      <inkml:brushProperty name="width" value="0.05292" units="cm"/>
+      <inkml:brushProperty name="height" value="0.05292" units="cm"/>
+      <inkml:brushProperty name="color" value="#0070C0"/>
+    </inkml:brush>
+  </inkml:definitions>
+  <inkml:trace contextRef="#ctx0" brushRef="#br0">4880 11192 14488,'39'52'126,"-13"-19"0,1-1-121,0-4 1,0 0-3,0-1 0,0 1 22,7 5 0,-1-1-25,-3-6 0,0-1-6,17 16-5,-1-4-62,-29-25-22,-4-2-140,-3-3-140,-4-3-7903,-6-2 8278,-5-3 0,1 0 0,-1-2 0</inkml:trace>
+  <inkml:trace contextRef="#ctx0" brushRef="#br0" timeOffset="485">4928 11740 14152,'27'-30'293,"-1"1"0,2-4 0,0-2-159,2-6 1,-1-1-91,-6 9 1,0-2 3,4-8 0,-1 2-65,-2 2-45,3-5-761,-18 33 73,-4 10-925,2 1-1630,1 3 3305,1 1 0,-3 0 0,-2-1 0</inkml:trace>
+  <inkml:trace contextRef="#ctx0" brushRef="#br0" timeOffset="1283">5428 10739 14701,'-25'34'369,"1"0"1,-14 19-218,9-12-147,14-19 46,-6 12-51,12-15-102,1-3-245,5-8 313,2-6 12,8-2 33,0 0 34,14 1-45,-5 2 6,7 2-6,-4 3 11,-1 3-17,7 9-207,1 7-341,-2-3-1417,-6-4 1971,-10-13 0,-4-6 0,-2-1 0</inkml:trace>
+  <inkml:trace contextRef="#ctx0" brushRef="#br0" timeOffset="1703">5571 10906 12399,'25'-25'941,"-2"2"-588,-10 5-353,-4 8 123,3-2 336,-8 11-140,-1 7-112,3 28-201,-3-7 0,4 31-376,0-17-1344,1-6 1714,2-9 0,-6-19 0,-1-5 0</inkml:trace>
+  <inkml:trace contextRef="#ctx0" brushRef="#br0" timeOffset="2200">5761 10716 10259,'6'8'2538,"-1"-1"-1917,27 11-358,-15-7 68,35 20-174,-16-6-90,0 1-56,-4-2 107,-13-4 419,-11 1-447,-2-3 50,-11 10 39,-18 7-151,-6-1-1142,-19 4 1114,17-14 0,8-12 0,16-4 0</inkml:trace>
+  <inkml:trace contextRef="#ctx0" brushRef="#br0" timeOffset="3957">8427 11263 14213,'25'21'126,"3"2"0,2 1-120,22 17 19,-13-10 0,-1-2-30,10 4 5,-4-4-56,-19-14-342,-5-3 107,-8-6-11,-10-6-948,-1 0-161,1 0 728,0 0 162,1 1 280,0 0 241,-1 1 107,1 0 100,0 0-95,4-1-112,-2-1 0,0 0 0,-2 0 0</inkml:trace>
+  <inkml:trace contextRef="#ctx0" brushRef="#br0" timeOffset="4540">8475 11621 11878,'12'-29'1327,"3"1"-946,4 2 5,2-5 1,2-3-132,-4 4 0,-1-1-143,6-6 0,-1 1-23,6-14-27,-12 20-62,3 2 5,-7 9 12,0 4 22,-3 9-27,-2 5-12,1 0-706,-1 1 706,-5 0 0,-1 0 0,-1 0 0</inkml:trace>
+  <inkml:trace contextRef="#ctx0" brushRef="#br0" timeOffset="5406">9046 10573 14073,'-23'31'298,"-1"1"1,2-3 0,1-3-75,-2-2 247,-21 18-403,18-16-35,-12 11-38,25-22-29,6-6-95,2-3 135,19-5-1,2-1-5,7 0 0,5 7 6,-2 6-12,-1 4-22,1 5-314,-2 3 169,-6-7-583,4 9-1345,-8-14 2101,-1-2 0,-6-7 0,-3-4 0</inkml:trace>
+  <inkml:trace contextRef="#ctx0" brushRef="#br0" timeOffset="5891">9142 10716 12174,'39'-35'959,"-5"8"-724,-21 25 358,3 12-217,-4 12-147,-2 30-223,-8-12 50,-7 11-45,-3-27 101,-3 0-45,3-9-67,1-3-67,5-10-51,1-1 118,8-4-5,8 0-1518,18 0 1523,0 4 0,-5 0 0,-14 2 0</inkml:trace>
+  <inkml:trace contextRef="#ctx0" brushRef="#br0" timeOffset="6356">9403 10549 10646,'5'5'1635,"-2"-1"-979,-3-4 156,47 25-331,-17-6-282,8 4 0,0 0-149,-6-1-11,1 1 1,-20-12 105,0 4 34,-5-3 17,-1 5-44,-6-5-40,-1 2 34,-9 10-135,-20 11-1042,-21 5-1310,-3-3 2341,5-9 0,28-17 0,12-4 0</inkml:trace>
+  <inkml:trace contextRef="#ctx0" brushRef="#br0" timeOffset="8173">11974 11168 14191,'29'23'437,"13"11"-420,1 5-1,-17-16 1,-1 0-11,11 9-62,-4-3-151,-17-16-1009,4 3 1216,-10-6 0,-2-4 0,-5-2 0</inkml:trace>
+  <inkml:trace contextRef="#ctx0" brushRef="#br0" timeOffset="8624">11998 11549 12309,'14'-33'552,"-1"-1"1,0 3 0,1 0-13,8-9 1,1 0-460,-5 7 0,0 0-78,4-7 0,-1 1-93,12-14-1366,-14 32-1518,0 0 2974,-6 14 0,-9 4 0,-2 1 0</inkml:trace>
+  <inkml:trace contextRef="#ctx0" brushRef="#br0" timeOffset="9359">12474 10525 13183,'-23'31'330,"0"0"1,2-3-1,2-2 62,-3 9-246,4 1-146,3-7 0,6-7 0,8-16-6,1-4-44,0 1 55,1-2 1,3 2 33,3 2-33,12 9-6,-4-1 0,18 17 11,6 9-476,1-3-212,-3-3-870,-14-16-2060,-11-11 3607,-3-1 0,-4-3 0,-2-2 0</inkml:trace>
+  <inkml:trace contextRef="#ctx0" brushRef="#br0" timeOffset="9960">12641 10597 10657,'2'3'1377,"-1"0"-558,-1-3 155,37-18-705,-23 15-56,27-8-1,-32 22-116,-2 6-35,-4 2-5,-1 4 0,-9 21-45,-3-12-11,-3 5-179,0-24 45,8-15 111,3-9 12,6 3 11,4-2 6,3 8 5,9 17 28,-7-5-22,7 20 73,-16-6-90,0 0 5,-13 5-111,-22-6-617,-5-7-184,-4-5-5192,12-36 6099,18 5 0,3-7 0,7 16 0</inkml:trace>
+  <inkml:trace contextRef="#ctx0" brushRef="#br0" timeOffset="10425">12855 10501 13435,'39'27'287,"0"-1"1,-7-5-1,-4-1-197,1 4 5,-4-1-84,-6-7-5,3 3 106,-5-3-67,-2 0 0,-3-1 201,-5 3 129,-11 5-229,-9 3-101,-3 1-45,-20 3-1972,-13-4-291,9-4 2263,-5-3 0,34-14 0,4-2 0</inkml:trace>
+  <inkml:trace contextRef="#ctx0" brushRef="#br0" timeOffset="11959">20496 10859 13060,'39'34'1142,"-3"-4"-834,-15-19-101,4 3 29,3 3-46,5 3 51,21 17-174,-18-9 0,1 2-42,-1-2 1,0 1-26,-3-2 0,-2-1 0,4 4 6,-17-15-6,0 1-74,-8-6-105,1-1-196,-7-7-213,-1-1-742,-1-1 1,-2 0 0</inkml:trace>
+  <inkml:trace contextRef="#ctx0" brushRef="#br0" timeOffset="12324">20544 11335 11883,'13'-33'1397,"0"1"1,9-21-967,10-3-207,-5 12-78,1 2-84,1 5-51,8-3-336,6 4-2576,0-4 2901,-3 4 0,-22 16 0,-7 5 0</inkml:trace>
+  <inkml:trace contextRef="#ctx0" brushRef="#br0" timeOffset="13574">15736 11120 13491,'38'9'-918,"-5"-2"1,-25-7 0,-2 0 0</inkml:trace>
+  <inkml:trace contextRef="#ctx0" brushRef="#br0" timeOffset="14006">16354 11073 14717,'32'2'-993,"-6"0"0,-22-3 1,-1 1-1</inkml:trace>
+  <inkml:trace contextRef="#ctx0" brushRef="#br0" timeOffset="14359">17045 11025 14661,'30'10'-184,"-5"-2"184,-8-9 0,-10 1 0,6-2 0</inkml:trace>
+  <inkml:trace contextRef="#ctx0" brushRef="#br0" timeOffset="15909">21044 10168 13704,'-46'34'980,"6"-4"-723,21-15 79,-7 8-252,-3 13-67,3 1-11,6-2-1,12-14 7,4-10 32,2 1-38,-1-6 5,2 2 6,0-4-6,0 1 28,-2 3-4,2-2-47,-1 0-39,1 0 46,5-2-1,12 6 6,2-2 0,11 3 0,-4-2-5,20 8-354,-7-3-1730,5 1 2089,-17-8 0,-17-5 0,-4-2 0</inkml:trace>
+  <inkml:trace contextRef="#ctx0" brushRef="#br0" timeOffset="16358">21187 10120 12724,'46'4'1131,"-9"-1"-1036,-7-3 6,5-1-874,-6-1 773,-1-1 0,-14 1 0,-12 1 0</inkml:trace>
+  <inkml:trace contextRef="#ctx0" brushRef="#br0" timeOffset="16606">21306 10096 8954,'-6'-7'3092,"4"34"-2157,3 12-638,3 21-45,-4-8-129,0-15-307,0 17-1043,0-27 1227,0 9 0,0-32 0,0-2 0</inkml:trace>
+  <inkml:trace contextRef="#ctx0" brushRef="#br0" timeOffset="17173">21591 10382 12219,'30'45'628,"-2"-7"-555,-6-21-68,0-2-5,-3-2-358,-2-3-2594,2-1 2952,-9-4 0,0-1 0,-8-2 0</inkml:trace>
+  <inkml:trace contextRef="#ctx0" brushRef="#br0" timeOffset="17441">21568 10573 9408,'0'13'3557,"0"-3"-2656,8-48-587,2 15-269,4-24-219,7 22-711,-4 8 885,14-11 0,-17 16 0,1-4 0</inkml:trace>
+  <inkml:trace contextRef="#ctx0" brushRef="#br0" timeOffset="18207">21877 10049 11614,'38'30'722,"0"0"1,-2-1 0,-2-1-471,10 8 17,0 3-269,-19-15 50,-2 0-44,-15-13 28,2 6-29,-4-7 40,0 3 0,-5-8 22,-1 1-17,0-1 6,-10 5-11,-23 11-45,-15 5-135,13-6 1,-1-1-414,-18 10 548,14-8 0,4-1 0,12-7 0,-14 8 0</inkml:trace>
+  <inkml:trace contextRef="#ctx0" brushRef="#br0" timeOffset="24295">2381 8882 12421,'-24'24'1518,"5"-3"-1266,6-1-73,4-2 174,-4 11-263,3-5-6,-3 19-73,7 2-11,0-3 0,4-4-90,7-14 17,0-12-11,5 2 28,-2-4-50,2-3-23,0 0-67,1-1-50,12 0-29,1-4 219,4 1 0,2-10 6,-6-7 56,-1-3 173,-1-12-118,-12 9 7,0-9 77,-5 6 102,-2-14-46,-1 7-89,-1-10 39,-10 2 118,-5 4-146,-3 2-83,-3 11 77,9 14-72,3 2-123,4 4 89,4 1-11,0 5 145,14 33-89,-3-10-104,6 8 1,3 2 42,7 1-233,-6-10 0,1-2-1762,8 3-291,-5-7 2291,-10-10 0,-10-8 0,-2-2 0</inkml:trace>
+  <inkml:trace contextRef="#ctx0" brushRef="#br0" timeOffset="28807">2714 8430 13037,'-19'19'835,"1"-1"-589,8-4 23,-3 0-84,1 0 173,-8 4-145,2 1-129,-4 1-78,7-5-6,5-3-157,6-6-84,1 1 230,5-2-45,3 1 56,3 0 56,20 14 17,-10-6-73,12 10-51,-14-8-27,-1 1-331,3 3-493,-5-2-5623,0 2 6525,-8-11 0,-3-2 0,-2-7 0</inkml:trace>
+  <inkml:trace contextRef="#ctx0" brushRef="#br0" timeOffset="29324">2857 8501 14023,'-14'46'532,"3"3"-538,13-22-5,2 0-34,4-5 12,2-9-34,3-3-208,5 0 275,-3-5-162,8-1 111,-10-7 57,3-7 44,-7-8 253,-3-17-180,-12 5-123,-4 0-857,-19 11 236,9 12-1514,-13 0-1287,17 6 3422,-1 4 0,12-2 0,2 2 0</inkml:trace>
+  <inkml:trace contextRef="#ctx0" brushRef="#br0" timeOffset="29922">3024 8430 12550,'34'22'313,"1"1"1,1-1 0,-5-2-45,-6-6-174,-1-1-11,-6-3 11,-11-7 437,-1 2-173,-5-2-158,-1 2-78,-1 2 17,-9 8-89,0 0-6,-20 20 95,-11 16-33,1 0-107,3-3-315,18-21-592,13-19-2185,2-2-2519,4-5 5611,0-1 0,0 0 0</inkml:trace>
+</inkml:ink>
+</file>
+
+<file path=ppt/ink/ink47.xml><?xml version="1.0" encoding="utf-8"?>
+<inkml:ink xmlns:inkml="http://www.w3.org/2003/InkML">
+  <inkml:definitions>
+    <inkml:context xml:id="ctx0">
+      <inkml:inkSource xml:id="inkSrc0">
+        <inkml:traceFormat>
+          <inkml:channel name="X" type="integer" min="-2.14748E9" max="2.14748E9" units="cm"/>
+          <inkml:channel name="Y" type="integer" min="-2.14748E9" max="2.14748E9" units="cm"/>
+          <inkml:channel name="F" type="integer" max="32767" units="dev"/>
+        </inkml:traceFormat>
+        <inkml:channelProperties>
+          <inkml:channelProperty channel="X" name="resolution" value="1000" units="1/cm"/>
+          <inkml:channelProperty channel="Y" name="resolution" value="1000" units="1/cm"/>
+          <inkml:channelProperty channel="F" name="resolution" value="0" units="1/dev"/>
+        </inkml:channelProperties>
+      </inkml:inkSource>
+      <inkml:timestamp xml:id="ts0" timeString="2022-11-21T14:47:42.420"/>
+    </inkml:context>
+    <inkml:brush xml:id="br0">
+      <inkml:brushProperty name="width" value="0.05292" units="cm"/>
+      <inkml:brushProperty name="height" value="0.05292" units="cm"/>
+      <inkml:brushProperty name="color" value="#0070C0"/>
+    </inkml:brush>
+  </inkml:definitions>
+  <inkml:trace contextRef="#ctx0" brushRef="#br0">4571 8334 13183,'1'41'112,"0"12"-62,-1-5 6,0 3 20,-1-16 0,2 0-71,1 23 34,0-15 1,0 0 10,3 13-47,-2-20 0,1-2 36,0-2-34,1 17 40,-1-21-39,1 6 78,0-12-73,1 8 34,0-7 16,3 17-10,2-3-40,-1-1 23,-1-3-34,-4-17 0,-2-8 5,-2-5 29,-1 1-29,0-1-5,0 3-5,0 1 5,0 4-34,0-3-117,0-1-6,0-3-2475,0-4 884,0-9 1748,1-1 0,0-1 0,0 4 0</inkml:trace>
+  <inkml:trace contextRef="#ctx0" brushRef="#br0" timeOffset="1167">4666 8310 12998,'31'-5'465,"17"0"-459,-23 5 50,15-1 28,0-4-90,-13 1 6,14-4 0,-17 4 67,13-1-67,-6 0 11,26-4-5,-20 1 0,13-3-6,-13 1-6,-1-2-5,15-5 0,1 1 2,-14 6 1,0 2 8,12-1 0,2 4 0,-28 3-23,19 0 18,-15-1-1,15-3 1,-18 2-141,10-4 68,-7 5-40,18-2-106,-1 4 112,0 0 67,4 2 12,-21 0 10,4 1 79,-14-2-56,4 0 0,-8 0-39,-1 0 39,4 0 0,-6-2 11,4 1 6,-8-1-17,1 0 11,-1 2-11,-2 0 6,1 0-1,-4 0 68,0 0-218,-1 0-1054,0 0-873,1 3 2072,1 0 0,-2 0 0,1 0 0</inkml:trace>
+  <inkml:trace contextRef="#ctx0" brushRef="#br0" timeOffset="1617">6190 8168 9716,'9'32'870,"1"1"0,1 17 0,-2 3-587,-4-14 0,-1 3-121,1 6 1,0 6-1,0-4-159,0-1 0,0-1 16,0 8 1,1-1 10,0-7 1,0-4-31,3 12 0,-1-9 0,0-1-162,2 2 22,-2-4-409,0 3 11,-5-21-604,-1 16 358,-1-19 784,-1 15 0,0-26 0,0 5 0</inkml:trace>
+  <inkml:trace contextRef="#ctx0" brushRef="#br0" timeOffset="2685">4737 9549 11278,'29'-18'409,"0"3"-269,-6 15 163,17 0 140,24-4-357,-31 2 1,1-1 0,8-2 0,-1 0-20,12-2-11,13-4-11,-27 6-40,-3 0 1,0 0-6,9 0 8,-7 1 1,1-1-9,6 1 5,-9 2 1,1-1 2,-3 1 1,0 0-7,0 0 1,1 0 5,8 0 1,0 1 8,15-1 39,-3 1-45,-5-2-11,-22 1 6,17-4-6,-20 3 0,16-1 0,-18 3-39,12 0 39,-11-1-1776,7-2 460,-9 1 1316,5 0 0,-17 3 0,2 0 0</inkml:trace>
+  <inkml:trace contextRef="#ctx0" brushRef="#br0" timeOffset="4340">8023 8168 12517,'10'35'795,"-2"0"-476,-4 2-201,-2-2-48,0 2 0,-1 6-14,0 14 0,-1 1-54,1-10 1,0-1 14,1 13 0,-1-3-6,3-1 79,1-3-90,1-3-28,3 13 39,0-1-3,-4-26 1,0-1 35,3 15-32,-3-3-12,-3-22 5,2 7 6,-1-10-11,1-5-252,1-7-196,0-14-941,-1-7 1389,-1-18 0,-1 13 0,-2-3 0</inkml:trace>
+  <inkml:trace contextRef="#ctx0" brushRef="#br0" timeOffset="5542">8118 8168 10674,'44'8'515,"-1"0"0,-7-1 0,-1-1-291,1-1 1,-1-2-46,11 0-78,-5-2 0,1 0-71,-9-1 1,2 0-6,16 0 1,1 0-21,-17 0 1,-2 0 10,6 0 1,-3 0-11,1-1 5,12-3-5,-11 1-12,24-4 6,-25 5 0,24-2-17,0 4 40,0 0-23,-5 0-39,-10 0 27,-22 0 7,7 0 5,-12 0-73,9 2 67,-9-1 6,7 2 0,-8-2 12,0 0-7,2-1 1,0 0-6,2-2-51,8-6-61,-2-2 79,-2-2-29,-6 1 17,-11 6 45,2 1 0,-5 3 0,1 1 0,-2 0-11,4 0 6,-3 0-51,2 0-34,-4 0 84,-1 0-139,3 2 145,-2 1 45,0 3 78,-1 1-78,0 0 11,0 3-51,0-3 6,5 4-5,-4-4 0,3 2-1,-4-4 180,3 15 185,-1 12-214,1 8-128,-4-7 0,-1 4-22,0 1 0,0 1-4,0 0 1,-1 2-264,0 13 0,0-1 261,0 9 2,1-24 1,-1 0-3,2 9-129,3 7-358,0-17-600,2 3 1087,-3-17 0,-2-12 0,-1-1 0</inkml:trace>
+  <inkml:trace contextRef="#ctx0" brushRef="#br0" timeOffset="6432">9808 9120 8035,'17'46'-549,"-3"-10"549,-14-33 0,0-3 0,0 0 0</inkml:trace>
+  <inkml:trace contextRef="#ctx0" brushRef="#br0" timeOffset="7449">8237 9382 9878,'38'3'345,"1"-1"1,-3 1-1,-3-1 131,6-4-50,-3 2 0,2-1-317,-5 1 1,2 0-54,16 0 0,0-1-17,15 0-11,-16-3 0,1 0-26,-17 0 1,-1 0 3,7-1 0,0 0-4,-5 0 1,-2-1 20,33-9 7,-27 3 1,1-1-28,-2 1 0,-1-1-1,0 0 1,-4 2 3,10-2-51,8 5 40,-22 6 5,7-1-6,-13 2 6,0 0 45,19 0-40,-6 1 1,15-1 0,-19 1-1,2 0 12,-6 4-17,-5-3 6,-1 3-6,-11-3 0,5 3 5,4 1-5,-3 0 0,2 3-493,-11-3-5953,10 6 6446,-7-4 0,2 0 0,-7-4 0</inkml:trace>
+  <inkml:trace contextRef="#ctx0" brushRef="#br0" timeOffset="8789">11665 8191 10438,'-6'41'2067,"2"13"-1630,8-11-274,0 9-79,3-12 0,1 3 42,0 12 0,1 1-110,-2-9 1,0-1 16,1 11 1,-2-3 11,0 1-14,-2-11 0,0 2-26,0 21-30,0-23 0,-2-4 25,0-6 6,-1-15-6,0-16 11,1 7-17,-1-3 6,2 2-829,-2-5 353,1-4-319,1-1 610,0 0 179,0 0 79,-1 1 246,-1 0-229,1 4-689,0-3-219,0 3-308,-1-2 482,0-2 644,1 0 0,0 0 0</inkml:trace>
+  <inkml:trace contextRef="#ctx0" brushRef="#br0" timeOffset="10104">11736 8001 10808,'59'22'1028,"-22"-10"0,-3-2-905,-8-5-28,16 2 40,-19-4 122,29 6-184,-17-4-17,22 5-6,-24-6 1,17-1-46,-11-1 40,27-1-12,-29-5 1,0-3-34,2 2 0,0-2 39,8-4 1,-2 0-35,11-4-30,-16 8 0,-1 0 19,14 1 6,10-1 0,-27 3 0,-1-1 6,18-5-3,-8 2 0,1-1-3,20 1 5,-22 3 1,-2 2-6,4 2 5,3 1 1,-27 2-6,-2-1 6,0 1-6,-1-2 22,15 1-16,-4-2-1,5 0 1,-3-2-6,-9-1 0,-2 0 0,0-1 0,-11 3 0,3-2 17,-1 1-17,-2 0 0,3 2-6,-4 0 6,2 1 0,-3 0 73,0 0 123,-6 0-67,0 0-124,-1 0-5,0 1 17,3 5-17,-1 0 6,0 6 16,1 44-16,-2-17 19,1 9 0,-1 7-8,2 1 0,-1 0 53,-1 4 0,1 0-1138,1 0 1,-1-3 1069,-1-14 1,0-5-75,0 12 72,1 14 6,-1-18-6,2 8 0,-3-20-6,1-3-324,0 16-835,-1-13-2106,1 9 3271,-2-25 0,0-8 0,0-6 0</inkml:trace>
+  <inkml:trace contextRef="#ctx0" brushRef="#br0" timeOffset="11139">11832 9263 9990,'35'1'431,"0"1"0,18-1 1,-3-1-230,0-1-46,-1 0 1,4-1-76,-8-1 1,-1 1-63,-7-1 1,1 1 2,4 0 1,-2-1 16,3 0 213,18-3-72,-14 0-113,-8 1 0,2 0-17,-3 1 1,1-1 21,-1 1 1,0 1 19,4 0 1,-3 1-42,8 1 89,7-1-62,-21 0 79,23-4-107,-22 3-11,1-2 1,2-1 10,12-3-45,-14 3 1,-1 0 0,6-2 5,6 1 28,5 0-33,-9 1 39,7-1-34,-23 3 39,11-1-50,-10 2 0,9 0 11,-8 3-475,-6 0-645,-5 2 1109,-9 3 0,-8-2 0,0 1 0</inkml:trace>
+  <inkml:trace contextRef="#ctx0" brushRef="#br0" timeOffset="12688">5118 9906 14673,'6'43'89,"-2"18"-44,-3 3-9,-1-20 1,1 1-35,-1-8 1,1-1 50,-1 8 1,1-4-54,0 3 22,3 16-16,-1-32-1,5 10-5,-3-19 12,4 12 44,-3-4-56,0 0-224,-2 2-3764,-3-16 3330,0-7 1,0-10 0</inkml:trace>
+  <inkml:trace contextRef="#ctx0" brushRef="#br0" timeOffset="13187">4976 10216 12169,'21'-53'2235,"1"-8"-1513,-10 14-722,-2 9 84,2 4-78,-6 28 223,6 3-122,-4 3 151,10 0-28,-3 0-57,2 0 130,5 6-79,12 19-168,5 6-230,0 6-252,-9-9-549,-11-13-1102,-3-3 2077,-2-1 0,-8-5 0,-1-1 0</inkml:trace>
+  <inkml:trace contextRef="#ctx0" brushRef="#br0" timeOffset="14472">3547 9144 13217,'28'-21'957,"15"8"-878,-13 17 44,17 4-50,-9-3-23,2-1 62,1-2-42,-4-1 0,2-1 31,26-3-79,-27 2 1,0-1-12,25-6 22,-20 2-27,-1 0 56,-6 2-62,-20 2 5,-1 2 1,-7 0-1,-4 0-5,0 0 6,-3 0 336,0 0-320,-4-2-78,-9-4-6,-2-3 57,-7-4-29,2-1 23,-12-17 5,12 12 1,-5-8-1,18 20-39,4 2-27,0 2-29,7 2 347,11 6-95,7 9-151,3 3 298,10 22-175,-20-17 23,8 14 27,-18-15-33,-2 1-78,-3 1 162,-20 29-224,-7-9-314,-9 10-1294,-11-15 1608,17-16 0,5-6 0,11-7 0</inkml:trace>
+  <inkml:trace contextRef="#ctx0" brushRef="#br0" timeOffset="17909">5214 8692 15546,'-29'60'236,"4"-1"-256,11-26 1,0-2 13,-2 15 1,6 4-282,19-12 209,9-3-146,7-9 118,3-14-1,-8-8-206,5-2 217,-6-6 96,2-4 23,-7-18 22,-6 1 67,0-27 0,-11 6 168,-13-14-174,3 24-33,-8 7-28,12 24-40,3 3-10,2 4 5,2 5 44,6 7 18,3 7-6,6 5-50,5 5 33,10 19-213,5-1-1027,-12-20 0,2-4 1201,14 0 0,-13-11 0,-10-19 0</inkml:trace>
+  <inkml:trace contextRef="#ctx0" brushRef="#br0" timeOffset="18591">5595 8382 15249,'-49'44'494,"6"-4"-321,6-2-173,11-7 0,-4 5 0,19-17 0,7-12 45,2-1-106,1-3-57,1-2 118,0 0 0,12 3 39,8 5-28,6 1 29,13 10-40,-15-8 0,4 5-152,-11-7-1170,0 3-627,-5-3-1591,-1 1 3540,-6-4 0,-3-3 0,0-1 0</inkml:trace>
+  <inkml:trace contextRef="#ctx0" brushRef="#br0" timeOffset="18972">5666 8549 10965,'9'0'2078,"4"-15"-1484,-7 2 94,9-16-542,-7 14-146,0 0-78,-5 12 78,-1 2 128,1 1 108,-1 3 72,5 17-230,1 5-78,1 9-398,1 3-1013,-2-11-202,0-2 1613,0-8 0,-5-11 0,0-3 0</inkml:trace>
+  <inkml:trace contextRef="#ctx0" brushRef="#br0" timeOffset="19391">5785 8358 14141,'32'15'333,"0"-1"0,24 11-215,-22-5 167,-10-4 181,7 7-220,-20-10 163,-7 12-353,-7-10-17,-3 10-39,-6-8-179,-17 15-583,3-8 762,-11 15 0,20-26 0,6 1 0</inkml:trace>
+  <inkml:trace contextRef="#ctx0" brushRef="#br0" timeOffset="20774">6809 8834 12090,'53'8'1530,"7"-2"-1200,-13-6-246,0 0-5,20 1-68,-26-1 34,13 1 22,-16-1-17,-2 0 1,0-1-46,-3-3 118,27-6-50,-13 5-118,9-2 51,-14 6 61,-17 3-61,-3 0 89,-6 1-56,-12-2 443,0 0-269,-4-1-269,-4 0-6,-2-2-28,-7-1-16,-1-3-252,-13-9 212,7 3 79,-13-10 0,15 3 16,2 2-22,10-1 68,5 8-1,4 1-44,2 5 44,4 3 73,11 4 62,-2 4-22,6 6-29,-6 2-5,1 10 11,-7-4 39,-1 15 23,-17 6-718,-10 1-385,-7-1 957,-11-14 0,19-18 0,-2-2 0</inkml:trace>
+  <inkml:trace contextRef="#ctx0" brushRef="#br0" timeOffset="22018">8832 8620 12942,'-30'-13'549,"6"4"-247,12 18 79,-3 8 101,-12 24-426,8 4-28,10-10 0,3 1-34,8 6-274,16 12-364,11-36 426,1-2 184,8-17 34,-19-7 0,6-15-5,-14 1-7,1-24-38,-7-1 36,-3 9 0,-1-1 64,-6-18 118,1 6 68,-5 35-203,6 15 85,0 20-113,4 1 46,10 32 5,0-16-54,1-4 1,3 0-299,11 13-908,3-3 1204,4-14 0,-20-21 0,1-3 0</inkml:trace>
+  <inkml:trace contextRef="#ctx0" brushRef="#br0" timeOffset="22565">9189 8311 13749,'-28'43'1237,"2"-3"-850,9-16-45,0 1-1,-6 16-341,11-17-50,-3 9 11,13-24-23,7-3 57,7-2-7,14 2 7,3 4-46,-2 2-308,-1 8 79,-14-6-95,2 3-106,-7-7-639,0-2 1120,-3 0 0,-1-5 0,-2 0 0</inkml:trace>
+  <inkml:trace contextRef="#ctx0" brushRef="#br0" timeOffset="22968">9261 8406 10668,'12'4'2409,"-2"-1"-2101,-10-3 324,32 17-452,-22-5-7,23 27-100,-32-16-23,-5 16 18,-1-18 100,-4 4-196,4-16-112,1-3 140,12-6-84,-1-2-1624,13-1-1020,-9 2 2728,3-1 0,-9 2 0,-2 0 0</inkml:trace>
+  <inkml:trace contextRef="#ctx0" brushRef="#br0" timeOffset="23382">9403 8334 14146,'30'28'293,"0"0"0,4 4 0,-5-3-136,-10-6-101,4 4 84,-12-9 113,-8-2-186,0-3-50,-9 5-12,-3-6-128,-3 0-482,-6 1-2246,-12 3 2851,-6 1 0,7-4 0,9-5 0</inkml:trace>
+  <inkml:trace contextRef="#ctx0" brushRef="#br0" timeOffset="24301">8951 9596 13127,'1'38'304,"0"0"0,0-1 1,0-3-143,1 10-36,0-12 0,-1 5-95,2 11 0,-1 3-9,-1-1 1,1 1-21,-1 7 1,1-3-143,-2 4 67,0-17-251,0-27-259,0-11-2441,0-9 3024,-1-3 0,1 0 0,-2 2 0</inkml:trace>
+  <inkml:trace contextRef="#ctx0" brushRef="#br0" timeOffset="24723">8761 9954 12247,'29'-30'685,"0"0"0,2-6 1,-5 1-451,-7-1-28,2-10-44,-9 18-40,-5 13 39,-1 3 197,-3 10-196,4 13-152,3 0 0,12 21-11,15 9-672,5 1-695,3-1 1367,-4-9 0,-25-20 0,3 2 0</inkml:trace>
+  <inkml:trace contextRef="#ctx0" brushRef="#br0" timeOffset="25819">12593 9525 14051,'3'59'437,"-1"-3"-331,1-20-55,0 6-18,0 5-30,0-11 0,-1 3 30,0 1 1,0 3-101,1 13 0,0 0-115,-1-15 0,0-3-31,2 24-146,-2-34 175,-1-16-628,0 6-7,-1-8-200,1 3-213,-1-4 1232,0-3 0,1-2 0,-1-2 0</inkml:trace>
+  <inkml:trace contextRef="#ctx0" brushRef="#br0" timeOffset="26335">12403 9692 12589,'30'-40'1955,"-3"2"-1530,-12 14 1,13-12-314,-6 16 146,9-3-112,-13 23 16,6 17-156,-9 0 33,13 21-45,-11-14-279,19 19-1245,-10-24 1530,11 9 0,-22-22 0,-1-1 0</inkml:trace>
+  <inkml:trace contextRef="#ctx0" brushRef="#br0" timeOffset="27820">10141 8787 14118,'54'-15'159,"-12"6"1,4 2-98,-2 2 0,3 1-51,-1-1 0,3 0 0,-3-1-6,8-1 1,-3 0-406,-1 1 1,-2 0 393,-6 1 0,-4 2 6,5 1 0,17 1 12,-31 2 179,5 1-129,-16 2 10,14 1 40,-2-2-28,20 0-78,-16-3 661,1 0-667,-19 0 9,-3 0-9,-8 0-12,5 0 12,-4 0-5,7 0-1,-5 0 17,5 0-5,-5 0 0,4 0-18,-5 0-116,-2 0 128,-2-2 39,-5-1-34,-3-3 7,-10-7-46,-1 1-106,-16-16 134,11 9-22,-5-9 23,12 10-102,4-1-72,7 7 347,10 6-56,4 9-17,6 9-5,-4 4 0,5 11-40,-4-7 34,1 8 112,-8-10 6,-3 0 84,-5 24-258,-12-1-1031,-2-9 0,-4-1 1003,-15 2 0,2-7 0,17-23 0</inkml:trace>
+  <inkml:trace contextRef="#ctx0" brushRef="#br0" timeOffset="125001">12546 8501 13581,'-33'29'756,"3"-3"-577,23-21 28,-5 4-173,4-3 22,-3 4 16,3-2-16,0 2-56,-1 2 0,1 1-5,-5 20-90,6-1 89,-1 9 6,6 2-45,8-8-28,1-3-22,13 2 39,-4-18-140,14 3 17,-6-12-107,6-1 74,-4-14 212,-5-12-6,-6-5 6,-5-19 67,-7-10-28,-8-4 1,-1 4 32,-9 9 124,0 16-89,3 5 201,2 8-308,7 14 33,2 4 29,6 15 22,23 29-84,-4-6-28,-3-11 0,1-1-56,5 3-101,10 6 101,-10-13-78,5 2-129,-14-15-415,-3-4-4391,0-3 5097,-7-2 0,0-2 0,-7 0 0</inkml:trace>
+  <inkml:trace contextRef="#ctx0" brushRef="#br0" timeOffset="125651">12903 8192 13637,'-27'36'1092,"2"-1"-997,8-15 129,0 2 0,-6 7-219,4 1-61,1-2 12,8-1-1,7-14-17,2 1-11,1-7-111,8 1 184,0-2 44,16 4-4,-7-3-40,9 3-168,2 6-454,1 3-341,6 7 224,-12-6-1950,-2 0 2689,-11-12 0,-1 0 0,-6-6 0</inkml:trace>
+  <inkml:trace contextRef="#ctx0" brushRef="#br0" timeOffset="126251">12998 8311 11715,'61'-11'1614,"-9"15"-1312,-41 12-252,-2 8 102,-11 6-102,-1-13-44,-3 2 5,-1-11 84,2-3-11,0-3-140,3-11-34,7 3 12,1-6 44,13 8-38,-2 12 27,-1-1 179,-4 20 6,-8-6-129,-4 6 40,-11-3-51,-1-10-90,-10 1-604,5-10-287,1-6 981,2-22 0,9 13 0,1-12 0</inkml:trace>
+  <inkml:trace contextRef="#ctx0" brushRef="#br0" timeOffset="126737">13212 8144 12623,'31'25'241,"-1"0"0,21 16-118,-37-30 140,3 2-106,-6-4 134,2 4-61,-7-6 134,-3 7-185,-2-5-73,-1 5-16,0-1 123,-3 9-107,-2-3-95,-7 15-296,-5 2-1899,3-3-2701,1-4 4885,8-15 0,4-10 0,1-1 0</inkml:trace>
+  <inkml:trace contextRef="#ctx0" brushRef="#br0" timeOffset="128007">14021 8691 11676,'23'-5'1165,"10"0"-952,-8 5-123,11 0 33,-8 0 45,31 0-112,-21 0-56,24 0 0,-31 0 11,12-1 118,-12-1 45,20-2-62,1-3-96,0 2-16,-3 1 6,-16 3 0,-11 1 100,17-1-67,-14 0-33,12 0 39,-17 1-34,13 0 0,-11 0 51,5 0 184,-19 0-218,-15-7-118,-2 1-83,-18-16 117,10 6-67,-4-7 55,9 8-16,3-4 79,5 6-68,3-3-39,5 10 28,10 2 90,6 13 38,14 17-44,-12-2 51,1 11 5,-15-15 297,-4 22-348,-2-14 107,-8 16-45,-4-19 62,-16 10-129,4-10-1176,-14 7 1176,15-20 0,4-2 0,10-10 0</inkml:trace>
+  <inkml:trace contextRef="#ctx0" brushRef="#br0" timeOffset="128951">15664 8763 14359,'3'-36'34,"2"7"-1278,10 28-3763,13 1 5007,-3 0 0,-1 0 0,-15 1 0</inkml:trace>
+  <inkml:trace contextRef="#ctx0" brushRef="#br0" timeOffset="129234">16212 8668 14751,'33'11'-834,"-4"-4"-6011,5-11 6845,-13 1 0,11-1 0,-23 4 0</inkml:trace>
+  <inkml:trace contextRef="#ctx0" brushRef="#br0" timeOffset="129485">16759 8692 14398,'51'17'437,"-1"-4"-560,-33-12-2818,15-1 2941,-4-5 0,-6 3 0,-6-3 0</inkml:trace>
+  <inkml:trace contextRef="#ctx0" brushRef="#br0" timeOffset="130997">18092 8573 10091,'40'3'517,"-1"1"0,-4-1 0,-1-1 257,23-2-645,-20 0-51,21 0 12,-27 0 106,15 0-185,-10-1 95,27-2 3,-28 2 1,0-1-49,1 0 1,0 1-23,7 0 0,-3 1 56,12 0 51,8 0-135,-25 0-5,10 0 5,-15 0 45,-2 1 6,17 2-51,-14-1 45,15 3-17,-23-3-17,-1-1 23,-12-1-39,-1 0-6,-4 0 5,3 0-5,-1 0 6,2 0 5,3 2-11,0 0 0,0 0 6,1 1-17,-7-1 100,0-1-55,-4 0 50,-3-1-280,-16-13 61,5 2 74,-13-11-29,10 4 40,-1-8 44,7 7-78,0-9-123,11 14 319,8 4-45,2 10 6,8 9-67,-4 4 106,8 6-12,-8-3-44,3 5 73,-10-7 34,-3 2 408,-5 23-465,-14 4-299,-2-4 0,-4 0 193,-1-8 0,-1-3 0,-12 18 0,13-25 0</inkml:trace>
+  <inkml:trace contextRef="#ctx0" brushRef="#br0" timeOffset="132303">20830 9358 12561,'22'46'784,"-2"-2"-593,-15-15-23,1 4-6,0 5-39,1 5-67,-2 4 68,-1 4-46,-1 1-11,0 2-67,-1 0 45,1-3 0,-1 11-51,2-1 6,-1-9-33,1-15-214,-2-26-313,-1-9-1664,-1-11 57,0-5 2167,-2-12 0,1 12 0,-1 1 0</inkml:trace>
+  <inkml:trace contextRef="#ctx0" brushRef="#br0" timeOffset="132802">20687 9668 10982,'1'-35'820,"0"-1"1,6-28-261,20 17-420,7 5 50,20 2 6,-14 19-84,2 21 12,-20 9-80,1 8 24,5 12-63,-8-8-5,2 8-106,-11-14-611,-1-1-1260,-2-7 1977,1-2 0,-4-5 0,-1 0 0</inkml:trace>
+  <inkml:trace contextRef="#ctx0" brushRef="#br0" timeOffset="135043">19854 7858 12202,'1'-17'152,"0"3"-157,-1 6 5,0 1 190,0 2 135,6 31-163,-2-2 17,6 29 1,-5-11-57,-1 5-62,0-12 1,-1 4 145,2 14 0,1 5-172,-1-12 1,1 4 0,-1-1-8,0-1 0,1 1 0,-1-2-957,1 12 1,0-5 958,-2-14 1,-1-5 3,1 10 89,2 20-2831,-1-21 2720,0 6-12,0-29 11,-3-7-6,2 0 1314,0 4-1319,-1-5 0,2 0 11,-3-3 3403,0-1-3414,0 0 0,-1-1 6,0 1 100,0 1-44,-1 2-62,1-6-39,-1 1 39,0-7-174,0 0 275,10-11-62,4 1-33,6-6 22,17 3-28,-15 7 0,15 0 0,-16 5 5,9 1-16,-7 0 17,17 0 11,5 2-12,3-1 1,8 1-34,-22-2 33,10 2-5,-21-2 0,12 3 6,-16-1 0,22 0-12,-4-1 0,19-1 6,-21 0 45,9 0-62,2 0 17,-6 0 0,4 0 12,-20 1-12,0 0-6,-2 0 6,0 0 6,8-1-12,-7 0 6,7 0 28,-9-1-28,0 0-34,9 0 46,2 0 72,17 4-84,-16-1-12,5 2-21,-18-1 55,18-2-22,-13 0 6,14-1-1,-18 0-10,9 0 5,-7 0-39,16 0 27,-2 0 7,1-2-1,3 0 12,-16 0-1,3 1 1,-11 1-6,3 0 6,-5 2-6,-1 0 11,10 3 0,-6-2 34,3 1-51,-13-3-1987,-9-1-1463,-5-5 3456,-5-2 0,3 2 0,1 0 0</inkml:trace>
+  <inkml:trace contextRef="#ctx0" brushRef="#br0" timeOffset="136760">19973 7810 9789,'21'0'1753,"9"1"-1490,-8 0-101,9 0-61,-7-1 95,15 0 34,-9 0 11,24 0-95,-20-2 33,26-1 0,-7-2-179,-13 3 0,3-1 56,-5 2 0,-1-1-53,-1 1 0,0 0 19,1 1 0,-1 0-10,8 1 21,16 0 12,-19 0-34,2-1 62,-2 0-67,0 0 27,-3 0 23,10-2-11,-2 1-45,-2-2 106,3 2-100,-10 3-12,-1-1 34,16 4-16,-15-2-12,7 1 44,-12-3-49,1-1 10,3 0-10,11 0-34,-11 0 33,6-1 17,-3-1-11,0 0 0,-4-1 0,-5 2-5,-12 1-1,12 2 6,-12 0-6,14 3 1,-14-3-102,12 3-16,-7-4 123,0 1-5,1-2-51,-10-1 22,3 0 0,-7-1-33,4-1-6,-5 2 1,0-1-57,-5 0 129,-2 1-6,-1 0 309,-1 0-208,1 7-56,1 2-33,4 20 72,-1-4-28,2 13-10,-1-4 111,0 4-28,2 23 64,0-15 1,0 3-118,-1 1 0,1 2-34,2 9 1,-1-2-34,-3-20 0,-1-2 36,1 7 0,0-3-39,0 7 0,1 12 0,-4-19 0,-1-1-17,-1 12 12,-1-15-1,0 18 0,0-19 6,0-5-78,0-8-258,1-16 325,0-1-34,0-5-341,-1 1-163,2 0-1720,0 3 112,-1-1 2157,1 2 0,-2-2 0,0-1 0</inkml:trace>
+  <inkml:trace contextRef="#ctx0" brushRef="#br0" timeOffset="140600">20568 8358 12774,'-25'26'1171,"1"4"-1115,2 6-168,3 18 112,9-15 33,6 15-33,9-32-257,10 9 55,-1-17-151,12 0-100,-4-10 380,-1-1 73,0-17 117,-7-26-111,-3-10 33,-4-5 107,-7 13-57,-3 16 40,-3 4 409,-3 1-286,4 10-39,-1 1-213,5 9-336,0 1 336,1 5 190,10 15-140,19 33 18,-3-9-68,-7-12 0,0-2 16,1 4-189,8 3-3305,4-13 3478,-8-9 0,-4-11 0,-15-8 0</inkml:trace>
+  <inkml:trace contextRef="#ctx0" brushRef="#br0" timeOffset="141300">20996 7977 13597,'-49'44'1008,"4"-4"-632,8-7-46,0 4-252,-6 14-156,18-19 61,10-8-50,13-19 73,2-3-6,1 0 5,3 2 34,3 1-39,13 5-39,-2-1-84,28 16-308,-11-5-1014,11 10-628,-20-10 2073,-7-2 0,-13-11 0,-1 0 0</inkml:trace>
+  <inkml:trace contextRef="#ctx0" brushRef="#br0" timeOffset="141852">21068 8049 12729,'35'6'527,"-2"-1"-443,-13-5-51,2 1 7,4-1-477,-4 1-1781,-3-1 453,-9 0 1765,-8 0 0,-2 0 0,0 0 0</inkml:trace>
+  <inkml:trace contextRef="#ctx0" brushRef="#br0" timeOffset="142083">21187 8049 9414,'-9'-7'1993,"2"3"-979,7 44-224,0 8-717,0 12-73,0-11-583,0-30-879,0-5-2324,0-4 3786,0-4 0,0-2 0,1-3 0</inkml:trace>
+  <inkml:trace contextRef="#ctx0" brushRef="#br0" timeOffset="142433">21330 8215 12113,'32'48'902,"-1"-4"-796,-11-20-122,8 5-287,-11-11-2878,6-2 3181,-17-12 0,1-3 0,-7-1 0</inkml:trace>
+  <inkml:trace contextRef="#ctx0" brushRef="#br0" timeOffset="142669">21306 8406 10018,'0'3'728,"0"0"1031,0-3-1131,28-38-533,-15 18-241,7-9 1,0 1-926,-4 7 1071,4-4 0,-12 17 0,0 2 0</inkml:trace>
+  <inkml:trace contextRef="#ctx0" brushRef="#br0" timeOffset="143433">21568 8049 11262,'29'22'753,"1"0"1,21 17-312,-23-20-296,-8-5-34,5 2-23,-11-8-50,-2-1 45,-3-2-50,0 0 78,-5-2 157,0-1-62,-3 1-73,-1 0 90,0 3-184,0 0 72,0 5 50,-4 6-117,-1 0 28,-4 6 67,-9 11-101,-2 7-34,-3 0 63,-5 4-147,8-23-178,-1-2-113,8-12-2044,5-7 2414,6-1 0,0 0 0,1 0 0</inkml:trace>
+</inkml:ink>
+</file>
+
+<file path=ppt/ink/ink48.xml><?xml version="1.0" encoding="utf-8"?>
+<inkml:ink xmlns:inkml="http://www.w3.org/2003/InkML">
+  <inkml:definitions>
+    <inkml:context xml:id="ctx0">
+      <inkml:inkSource xml:id="inkSrc0">
+        <inkml:traceFormat>
+          <inkml:channel name="X" type="integer" min="-2.14748E9" max="2.14748E9" units="cm"/>
+          <inkml:channel name="Y" type="integer" min="-2.14748E9" max="2.14748E9" units="cm"/>
+          <inkml:channel name="F" type="integer" max="32767" units="dev"/>
+        </inkml:traceFormat>
+        <inkml:channelProperties>
+          <inkml:channelProperty channel="X" name="resolution" value="1000" units="1/cm"/>
+          <inkml:channelProperty channel="Y" name="resolution" value="1000" units="1/cm"/>
+          <inkml:channelProperty channel="F" name="resolution" value="0" units="1/dev"/>
+        </inkml:channelProperties>
+      </inkml:inkSource>
+      <inkml:timestamp xml:id="ts0" timeString="2022-11-21T14:50:37.605"/>
+    </inkml:context>
+    <inkml:brush xml:id="br0">
+      <inkml:brushProperty name="width" value="0.05292" units="cm"/>
+      <inkml:brushProperty name="height" value="0.05292" units="cm"/>
+      <inkml:brushProperty name="color" value="#00B050"/>
+    </inkml:brush>
+  </inkml:definitions>
+  <inkml:trace contextRef="#ctx0" brushRef="#br0">1952 10787 10696,'14'31'551,"0"0"0,1 3 0,1 1-235,3 9 0,0 0-215,-5-12 0,1 1-40,4 8 1,-1-2 39,3 4-90,9 11-61,0-4-62,-5-10-62,-5-13 174,-16-24 538,-1-15-202,-4-18-188,-4-4 1,-2-4-113,1 1 0,-1-1-14,-2-1 1,1 1 50,-5-26-347,10 42 218,1-2 56,8 29 168,5 7 44,26 42-461,-14-18 0,1 2 148,4 6 0,-1-1 48,-1-2 0,-3-4-473,4-1 526,-12-20 425,-8-21 6,-6-9-128,-1-11-23,0-12 0,0-5-236,0 2 1,0-2-42,2-17 0,0 0-31,0 20 0,1 4-2117,9-17 2145,-1 52 0,-2-3 0,-3 19 0</inkml:trace>
+  <inkml:trace contextRef="#ctx0" brushRef="#br0" timeOffset="600">2643 11263 14107,'-8'65'157,"2"-10"-163,5-33 1,0-1-74,4-1-44,2-4-381,11-1 84,2-8 409,1-4 100,0-21 130,-7-13-174,-3-5 251,-5-18-150,-3 24 33,-5-8 28,0 18-39,-3 4 264,0 6-432,2 5-146,2 4 51,2 8 89,6 14 1,1 1-511,13 21-3275,12-1 3791,-8-9 0,1-8 0,-19-20 0</inkml:trace>
+  <inkml:trace contextRef="#ctx0" brushRef="#br0" timeOffset="949">3047 11359 13922,'2'64'532,"0"-6"-1170,-3-17-594,0-18-1938,1 7 3170,0-25 0,0-2 0,0-2 0</inkml:trace>
+  <inkml:trace contextRef="#ctx0" brushRef="#br0" timeOffset="1666">3166 10835 13553,'7'40'238,"0"0"1,-1-2 0,1-1-20,6 29-225,-3-25 1,0 0-29,7 24-100,-1-6-202,-9-45 33,-2-12 404,-1-10-34,1-22-106,-1-12 39,1-1-50,6-5-370,9 26 420,-3 6 95,7 21-28,-9 11-28,-1 8-39,-1 4 51,1 27 33,-6-20-51,-2 18 46,-7-29-96,-21 14 11,-9-18-355,-1-11 0,-2-7-2048,-9-27 224,1-8 2185,35-7 0,8 24 0,2 6 0</inkml:trace>
+  <inkml:trace contextRef="#ctx0" brushRef="#br0" timeOffset="2464">3619 11358 13558,'-15'32'1277,"-3"21"-1227,11-17-55,-2 9-393,14-12 96,2-20 5,5-2-17,0-8 90,5-11 224,-5-2 6,4-9 44,-5-15-44,-4-3 33,0 1 34,-5 4 386,-2 20-358,2 8-90,2 12 40,3 9-51,3 4-40,2 1-1007,12 5-1221,-6-11 2268,6-1 0,-15-13 0,-3-2 0</inkml:trace>
+  <inkml:trace contextRef="#ctx0" brushRef="#br0" timeOffset="4414">3095 10692 9884,'64'-18'1182,"-7"1"-757,-30 5-139,1-2 22,0-2-202,-1-1-33,0-1 68,-3 1-136,-2-1 152,8-5-34,-8 6 129,16-12-73,6-2-134,8-6-11,-2 0-29,-8 7 1,-10 5 19,-3 3 0,2-2 20,19-15-45,-20 15 0,0 2 0,8-8 62,-6 3 67,-1 0-23,14-15-56,-9 7 169,6-12-169,-20 22 29,7-13-79,-15 19 11,5-7-6,-5 8 29,6-7 5,-5 5 73,5-8-28,-11 13 28,2-2 17,-8 10-67,1 2-107,-3 3 95,0 2-50,2 0 23,2 0-23,1-1 22,0-2 12,-1 0-23,0-1-11,2-1-11,-2 1 16,4-4 51,-4 3-50,1-3-6,0 0 5,0 1-33,2 0 118,-3 3 72,-1 2 174,-3 2-330,-9 1-6,2 1 6,-14 3-1,6 0 34,-15 4-39,10-5 51,-15 3 112,9-3-6,-5 0-101,13-2-23,6-1-33,10 0-409,0-1 409,7 1 33,8-1-49,26 1 16,5-5 5,3 1 1,-11-4 44,-15 2-78,8 1 11,-14 2-39,4 0 28,-15 2 79,-1 6 33,-2 3-28,0 19-33,-2 26-298,-4 5-434,1-22 1,0-1-1572,-5 8 2280,0-10 0,5-23 0,1-4 0</inkml:trace>
+  <inkml:trace contextRef="#ctx0" brushRef="#br0" timeOffset="17313">3690 10382 9173,'34'14'817,"-7"-2"-273,-20-7-164,-1 0-172,0 0 212,-2 1-258,-1 0 51,1 4 128,3 4-189,-1 2 78,6 12-96,1 7-61,-1-5-73,2 6-17,-4-15 17,1 1 73,1 2-73,0 0-22,7 14 22,-4-8 0,11 22 95,3 5-37,-14-28 1,0 3-37,7 12 1,-2 0 50,3 9-70,-9-21 0,-2-1 2,0 5 40,6 14-45,-6-12-6,5 9 6,-5-18 0,0-2-67,0-2 62,0-1 44,15 23-11,-2-3-28,5 10 5,-1 0 1,-5-10 67,-1 0-68,7 7-5,-13-21-50,12 19 50,-13-20 34,5 7-6,-7-12-28,-1-1-6,5 6 0,1-1 51,0-1-45,6 3-17,-5-6-22,15 12-39,-11-13 89,12 7-5,-19-18-12,12 7 0,-12-8 6,5 2 0,-8-4 107,7 3-46,-4-2-5,10 8 0,4 1-112,3 2 56,-2-2-39,-7-5-28,-8-5-11,8 4 78,-6-4 5,6 1 40,-7-3-39,0-2 83,18 7-83,-4-2 11,28 6 55,-12-4-60,-2-1-12,1-3 0,-19-3 0,10 0 0,-13-2-6,1-1-28,0 0 34,-1-2 0,-1 0 6,11 0 5,-1 0-11,2 0 51,6-2-51,-7-1 33,21-7-33,-18 4 0,6-4 0,-19 5-5,0-1-1,12-4 6,-8 1 0,23-7 0,-8 2 0,2-2-11,12-5 5,-26 7 1,0-1 5,21-9 0,-21 8 0,-2 0 0,3-3 0,0 0 0,1 0 0,14-11 5,-10 6-5,9-7-5,-3-4 2,-16 10 0,0-2 3,-1 0 0,2-1-3,6-9 0,-2 0 9,11-13-6,-5 4-6,-9 4 6,-14 17 0,7-15 12,-11 17-7,2-4-5,-4 4 0,1 1 6,1-6-12,-2 6 12,5-8-6,0 0 0,11-26 0,-7 14-3,-4 8 0,-1 1 3,3-2 6,11-23-6,-12 25 0,6-10 0,-8 15-6,4-13 6,-4 10-5,5-20-1,-1 1 6,-1-3 6,-2 4-1,-4 15-5,-4 10-5,4-11 5,-3 9 0,3-9 0,-3 13 0,0-2 0,0 3 0,2-8 5,1 1 1,4-12 5,0 5 45,-2 2-50,-2 6 27,-2 6-16,9-18-17,-6 14 6,8-13-6,-7 17 0,0-2 44,8-11 12,2-3 0,9-14 62,-8 15-68,-4 7 79,-8 11-84,-5 9 28,2-5-73,-2 3 5,2-2 51,-1-2-22,3-1 28,12-20-46,-2 2 29,5-7-11,-1 1-23,-7 13 56,-1 1-56,0 3-5,-8 12 0,2-2-1,-3 4 6,3-3-5,-3 1 72,4-3-78,-1-1-11,1 0 11,-1 0 0,2 1 17,-5 4-17,0 1 39,-3 2-33,-2 4-1,-2 2-5,1-2 6,-1 1 50,0 0 347,0 1-319,-6 8-84,-14 11 11,-4 2 96,-17 6-102,17-14-44,-4-4 39,17-8 0,0 0-45,5 0-151,2-1 157,1-1-11,1 0 44,1-1-246,0 1 219,7-1 33,0 1 56,8-2-17,-2 0-39,9-3 5,-6 1-5,6-1 0,-3 0-44,-4 3 44,0 1 151,-2 4-62,-4 14-21,1 2-74,2 31-369,-4-11-667,2 17-997,-4-5 2039,-2-13 0,-1-2 0,0 4 0,1 6 0</inkml:trace>
+  <inkml:trace contextRef="#ctx0" brushRef="#br0" timeOffset="21886">5761 12525 11553,'33'13'123,"-5"-3"-78,-19-6 5,-1-2-44,7 1-1,-3-2 1,3 1 95,-2-1 84,-1 1-62,9 2-118,0-1 1,1-1 5,0-1-11,-9-1 0,5 0 0,-5 0 6,-1 0-1,0 0-5,0 0 51,10 0-79,0 2 33,6-2-10,-2 3 10,-10-3 1,3 1 51,-8-1-52,3 0 1,-5 0 5,0 0 39,8 0-16,0 0-12,7 0-22,-6 0 0,4 0 34,2 0-34,-2-1-6,2 0 6,-10 0 23,-1 0-23,0 0-6,1 1 6,7 0-5,-4 0-1,16 0 56,-11 0-22,20 0-28,-5 0 51,22 0-23,-7-3 0,-4-1-11,9-8 22,-28 6-39,17-4 0,-22 6-6,10-1 6,16 1 34,14 1-12,3 2-16,-2 1-6,-22-1 50,10-3-50,-22 0 51,8-2-51,-11 1 5,0 1-5,26-3 0,-5 2 3,-12 1 0,0 0 2,12 0 40,10-1-34,2 3-5,-10 0 5,5 1 79,-12 0-85,-10-1 7,22-4-12,-24 1 5,10-3-5,-2 3 0,-10 0-5,18-3 5,-9-1-73,22-7 78,-6 1 1,-2-2 0,3 0-1,-21 7 1,12-3-6,-13 6 5,3 0-5,0 2 28,1 0-28,-4 2 0,3 1 6,0-1 0,0 0-6,8-1 0,0 0 2,-4 1 1,-3-1 3,12-1-1,7-1-5,-24 1 0,7-3-39,-14 1 39,-1-2 0,-1 0 11,-2 0 6,21-7-22,-7 4 5,9-4 5,-2 4-10,-5 3-7,0-1 12,0 2 0,-11 1 12,1 0-7,14-2-5,-10 2 0,22-6-5,-21 6 10,22-10-5,-10 0 0,-1-2-5,6-9 5,0-8 5,-10 6-5,4-4 6,-21 16-1,9-6 51,8-11-44,-5 7-12,1-5 5,-16 13-61,16-22 45,-4-1 16,-4 4 1,0-2 19,-7 9 1,0 1-26,-2 1 0,1-1 5,4-1 1,-2 2-1,1-1 1,12-17 0,-18 23 27,0-3-27,-2-1 190,13-31-129,-5 8-64,-9 21 0,1 0 2,8-18 1,-7 20-1,-2 2 79,-1-3 6,-6 11 22,6-23-39,-4 10 50,10-32-117,-5 21 2,-1 7 0,2 0 9,9-15-11,-1 2 5,1 5 123,-7 3-117,0-5 28,-4 1-39,-3 6-6,-2 9-6,10-29 6,-6 22-11,7-20 11,-9 31 33,6-15 23,-6 9-11,5-21-39,-6 14-6,-2 2 11,4-4-5,-4 14 5,5-11 28,-2 9-39,1 0 11,5-7-5,1 0 11,0 1-12,-4 9 90,-2 1-89,-1 3 61,0-1-84,1-1 17,-6 13 0,2-1 51,-4 5-51,2 0-6,1-2 1,-1 0 49,1-4-44,-1 3 51,-1 3 324,-1 2-67,-3 4-308,0 1 0,-3 2 0,-3 5 45,-4 5 5,-13 16 18,4-5-29,-9 7-28,9-9 34,-13-1-50,11-10-186,-6-1 146,21-18 45,9 2 0,16-13-17,0 9 17,9-3 11,-6 9-11,1 2 6,0 2-6,-2 1 5,12 6 51,-10 6-89,5 14-219,-19 3-1036,-5 33 190,-7-3 1098,-1-5 0,0-2 0,-1-2 0,-2 7 0</inkml:trace>
+  <inkml:trace contextRef="#ctx0" brushRef="#br0" timeOffset="28128">8642 12478 10259,'35'2'1546,"5"-1"-1154,5 3-274,6-2-84,4 1 22,-12-2 44,-12-1 63,15 0-163,-9-1 123,10 0-67,-14-1-6,0 0-5,28 0-39,-6 2 27,-7 0 1,1 0-29,-14 0 1,1 0-1,14-1 1,-1-1 0,9-2 0,6-1-1,-29-2-5,14 0 6,-12 2-1,28-1 12,-27 4-6,27 1-5,-27 1 11,25 0-6,-11 0 11,-11 0 1,1 0-18,15 0-5,9 0 0,-30 0-5,31 0 5,-23 0 0,21 0-6,-30 0-11,12 0 12,-10 0 10,25 0-5,-29 0 0,2 0 0,1 0 0,0 0 0,0 0 0,-2 0 0,19-1 12,-17-1-7,17 0-5,-13-1 0,11 0 6,-16 1-6,-1 0 67,32-4-61,-6 2-6,-8 1 0,2 0-12,-13 1 1,-2 1 11,-1 0 0,1 1-9,8 0 1,-1 0 8,-12 0 0,1 0 0,6 0 0,0-1 23,21 0-12,-17-3-8,-4-1 0,4-1-1,-7 0 1,-1-2-3,9 0 0,0-1 39,-4-2 1,-2-2-43,-6 1 0,1-1 3,19-8 0,1-1 0,-16 7 0,-1 0 0,7-3 0,-2 2 0,6-2-11,0 2 5,-13 4 1,0 0 5,19-4 0,-19 4 0,1 1-6,15-3 3,-14 4 0,1 0 9,20-6-6,-11 3 0,2-2 0,-1-2 0,-1-1 0,3-2 0,-1-1-921,-2 0 0,-3 0 921,-12 3 0,-3 0 0,13-8 36,-6 2 1,0 0-43,10-6 6,-11 8 0,-2 1 0,1 2-14,-6 3 0,2-1-31,20-13 45,-11 2 0,0-1 0,-13 7 0,-2-1 17,6-6 0,-2 0 16,2-2-61,5-3 28,-23 23 0,3-2 28,-7 5 1809,1-7-1837,-2 2 50,3-17 18,-4 7-29,6-26-6,1 1-44,-3 13 0,1-1 11,10-23 0,-1 7 6,-8 20 5,-5 4-6,-2 7 63,1-8 4,-5 9-16,4-12-16,-2 5 83,4-23-78,0 4-45,8-19 0,-6 21 5,3-1 79,-8 21-78,3-12 117,-3 6-117,2-11 134,-2 10-68,1-3-10,4-15-62,-2 11 0,8-23 34,-3 6 50,-1-1 28,-1-3-112,-6 23 5,4-14-5,-5 27 6,4-11-6,-5 23 50,1-4-39,0 2 51,3-12 39,-2 4-68,0 1 46,0-1-79,-2 9 56,2-6-51,-1 4-5,-1-1 34,1-1-34,-1 1 11,4-7-5,-2 5 5,6-12 0,-4 12 28,3-10 6,-4 9 241,0-4-286,-3 10 11,-3 2 34,0 5-39,1-5-6,0 2-57,0-3 52,1 2 5,0 0 0,1-1 11,-1 4 40,-2 1-51,1 4 196,-1 1-157,-20 23-39,6-5 79,-19 20-79,7-12 50,-17 6 34,11-11-67,-18 1-107,24-16-11,5-8 62,28-18 39,4 3 28,23-17 11,-15 17-39,7-4 0,-10 8-22,4-2 16,-6 5-50,7-1-39,-11 6 129,9 2 16,-4 11 29,12 28-79,-10-3-208,3 24-571,-12-14 779,-3 7 0,-1 0 0,0-11 0,-2-1 0,1 0 0</inkml:trace>
+  <inkml:trace contextRef="#ctx0" brushRef="#br0" timeOffset="33232">12355 12359 10074,'36'2'605,"-5"0"-498,-21-2 16,1 0-56,2 0-33,-2 1-34,3 0-40,-3-1 40,0 0 68,9 0-52,3 0 24,12-2-35,-4 1-10,7-1 5,-16 2-12,2 0 1,-11 0 6,2 0-40,8 0 45,-4 0 0,16 0-11,7-1-1,4 1 12,13 0 0,-18 0 0,12-1-5,-20 0 5,10 0-6,-11-1 1,13 0 10,-10-1-5,9 0-33,-2-1 33,1-1 0,1-2 0,10-2 44,6-1-38,5 1-6,-2 0 6,0 4-9,-29 2 0,1 0-3,22-1 1,9-2-1,-30 4 6,-1-1 0,18-3-5,3 0 5,-12 0 0,1 1 22,-8 0 0,2 1 3,13 0 1,-2 1-26,8 1 0,6 2 5,-31 0 7,-3 1-7,2-1 1,-3 0 39,27 0 89,-8 0-123,9 1 90,-2 2-67,-10 2-29,1 1 1,10 0 61,-22-2 6,25 3 89,-7 1-78,1-1-28,-3 1-11,2-2-28,3-4 16,-1 2-16,10-4-6,-2 0 6,3 0-17,-5 0 6,-3-1-6,-23 0 17,24-2-17,-23 0 56,10 1-56,-12 0 0,-1 0-12,15-3-38,4-3 75,-13 1 0,3 1-17,-6 0 1,0 1-6,-1 0 0,-1 1 2,19-1 1,-15 4 8,0-1 0,2 0-14,9 0 0,-8 0 0,-2 1 34,3 0-26,-6 1 0,2-1-8,25 1 11,-9-1 1,1 1 19,-14 0 0,-3-1-23,0 1 1,0-1-4,-1 0 1,-3 0 0,8 0-6,11 0 0,-17-1-6,-1 1 6,-1-1-6,-1-2-5,28-5 11,-9-1 0,12-2 11,-5 0 34,-10 6-28,0 0 33,10 2-44,-25 2 16,20-2-16,-22 1 28,21-2-29,-21 1-5,11 0 51,-12 2 38,17-2-89,-11 2 73,29-3-51,-30 0 1,1 0-35,3-1 1,-1 0 14,0-1 0,-1 0-3,18-6 11,-15 2 11,-3 0 1,1 0 11,10-5-34,-9 4 0,-2 1 5,3-2 6,-3 1 1,2-1-1,23-11 28,-12 2 0,0-3-3,-18 6 1,-1-1 16,10-10 0,-2 0-47,3-6 84,5-4-90,-24 21 5,1 2 1,-3 2 33,0 1 73,14-12-6,-5 3-100,4-6 33,-4 0 17,-7 8 23,10-7-74,-11 10 1,2 0 39,-11 8 55,12-15-94,-8 7 0,9-10 50,-11 10-56,7-9 50,-4 6-44,13-17 61,1-6-50,2-9 16,-1-1 6,-9 8-33,-7 12 64,1 0 0,1-2-64,5-10-4,-5 11 1,1 0 8,0 0 45,11-21-39,-10 9 14,-6 8 0,-1-1-26,-1-19 46,-3 3-51,0-5 33,-2 26 7,1-12-63,-1 18 62,-1 2-39,0 2 0,0 2 45,5-19 56,-4 6-95,2-8 44,-3 0-50,-1 7 11,2-16-11,-2 19 6,0-1-1,-3 18 1,0-2 5,2-15-5,-2 7 5,2-12-11,-1 8 0,4-21 0,-1 9 3,1 6 0,0-2-3,7-21 5,1 1-5,1 3 0,-9 31 6,1 0-1,-6 14 51,0-7-50,-2 7-6,1-7 6,-2 8 44,0-1-50,0 3-6,0-1 1,0 0-1,1-2 6,0 0 0,1 2 0,-1 2 0,0 2 6,0 1 67,0 2 279,-1 2-279,-7 15-56,-3 1 28,-8 13-45,3-10 0,-5 2 17,-8 1-6,5-3 29,-14 6-40,22-14-40,-2 1 34,9-8-123,4-1 57,1-2 38,2-1 0,6-7 34,3 0 28,11-10-33,-3 6 5,5-3 0,-7 5 0,-1 0 45,7-3-79,-5 4 28,4-2 1,-7 4-18,1 1-16,-5 2 39,5 1 39,4 11 6,5 8-11,1 4-29,-2 5-5,-6-6 51,2 8-51,-4-7 0,2 3-230,-8-10-347,-1-5-7051,-3-3 7628,-3-3 0,0-2 0,-2-1 0</inkml:trace>
+</inkml:ink>
+</file>
+
+<file path=ppt/ink/ink49.xml><?xml version="1.0" encoding="utf-8"?>
+<inkml:ink xmlns:inkml="http://www.w3.org/2003/InkML">
+  <inkml:definitions>
+    <inkml:context xml:id="ctx0">
+      <inkml:inkSource xml:id="inkSrc0">
+        <inkml:traceFormat>
+          <inkml:channel name="X" type="integer" min="-2.14748E9" max="2.14748E9" units="cm"/>
+          <inkml:channel name="Y" type="integer" min="-2.14748E9" max="2.14748E9" units="cm"/>
+          <inkml:channel name="F" type="integer" max="32767" units="dev"/>
+        </inkml:traceFormat>
+        <inkml:channelProperties>
+          <inkml:channelProperty channel="X" name="resolution" value="1000" units="1/cm"/>
+          <inkml:channelProperty channel="Y" name="resolution" value="1000" units="1/cm"/>
+          <inkml:channelProperty channel="F" name="resolution" value="0" units="1/dev"/>
+        </inkml:channelProperties>
+      </inkml:inkSource>
+      <inkml:timestamp xml:id="ts0" timeString="2022-11-21T14:51:44.932"/>
+    </inkml:context>
+    <inkml:brush xml:id="br0">
+      <inkml:brushProperty name="width" value="0.05292" units="cm"/>
+      <inkml:brushProperty name="height" value="0.05292" units="cm"/>
+      <inkml:brushProperty name="color" value="#0070C0"/>
+    </inkml:brush>
+  </inkml:definitions>
+  <inkml:trace contextRef="#ctx0" brushRef="#br0">5095 7406 11693,'4'35'295,"-1"0"0,1 8 0,-1-2 80,-3 23-182,0-17 1,0 1-150,0-10 1,0 0-28,0 2 0,0-4-34,0-3 12,0-10-35,0-18-217,0-3-1917,0-1 2174,0-12 0,0 8 0,0-7 0</inkml:trace>
+  <inkml:trace contextRef="#ctx0" brushRef="#br0" timeOffset="432">4976 7596 9649,'4'9'1417,"-1"-1"-757,-3-8-60,0 0-113,13-36-50,-6 17-28,12-31-135,-8 26 6,1 0-61,13-8-253,-3 16 320,21 5-157,-8 24-34,18 16-594,-21-6-436,3 3-1143,-18-11 2078,0 3 0,-8-8 0,-1 2 0</inkml:trace>
+  <inkml:trace contextRef="#ctx0" brushRef="#br0" timeOffset="3079">4309 6144 10573,'10'49'3058,"-2"2"-2778,-3-15 3,-2 3 0,0 1-278,1 8 37,-2-6 0,0 1-42,0 10 22,-1-17 1,0 3-9,2 2 0,0 0-37,0 2 1,0-2-11,5 24 38,-1-28-5,-2-21 17,-1 0-11,-1-7 10,1 3-16,-3-5 40,3 8-46,-1-4 12,1 8 10,-2-10-139,-1-1 34,0-5 49,-1-1 57,1-2 106,-1 4-117,2 1 5,0 9 62,-1-4-118,2 11 45,-1-6 11,-1 3-195,0-9 10,0-2-224,1-7 398,1 0 280,5-5-151,0 0 17,7-6-107,-4 5-78,7-1 112,-1 5 5,12 8-78,-7-1 34,5 5-29,-11-2-38,13 0-18,-6-3 51,11 1 45,-7-4-39,3-1 10,17-1-10,-8 0 13,-6 0 1,2 0-20,25 0 0,-1 0 0,-23 1 0,1 1 0,22 1 0,1 1-6,-14-3 1,0 0 5,3 0 0,-10-1 0,-1 0 6,2 0-6,15 0 0,-14 0 0,25 0-34,1-5 90,-33 2 0,2 0 3,12-4 0,-2 0-54,7-2-5,7 0 6,-32 7-1,9 2 1,-11 0-6,11 0-6,-19 0 6,2 0 0,-11 0 0,-2 0 34,-2 0 16,-3 0-33,0 0-22,-2-2-7,0-1 7,0-3 5,-1-10 0,-1 1-6,-4-23-27,-2-8 33,0-2 5,3 13 1,0 0 11,-4-29-17,1 0 5,3 19 1,-1 2-1211,0-13 1208,2 18 0,0 0-3,-2-17 0,-1 0 5,2 18 1,-1 0-6,-3-16 0,1 16 0,0 1 6,-5-5-1,0 3 113,-1 6-118,3 1 0,0-1 0,2 2 0,3 8 1204,4 8-1192,1 0 27,-1-14-28,1 6 28,-1-4 118,1 12-95,0 11-68,1 0-134,0 3-1484,-3-1-5820,-2 1 7444,-5 2 0,4-1 0,1 1 0</inkml:trace>
+  <inkml:trace contextRef="#ctx0" brushRef="#br0" timeOffset="4111">4452 5977 10662,'-23'-3'896,"4"1"-515,16 2-56,1 0-72,18 0-57,7 0-124,9 0 113,12-1-22,0 0-113,1 0 23,18-1-68,-23 0 15,-3 1 0,0 0 30,8-1-47,-5 1 0,0-1 8,7 2 33,-8-1 1,2 0-33,25 1 49,-1 0-36,-26-1 1,2-2 32,-1-1 1,0-3 5,1 1 1,0 0-48,-3-2 0,-2 1-12,12-4 46,-18 5-51,12-2 0,-11 2 0,9-2 5,0 1 6,-10 2-11,18-1 68,-12 4 27,15-1 6,-9 6-40,-4 0-61,-3 3 0,-16-3 6,12 2-527,-13-3-1703,4 0 2224,-6 1 0,-8-1 0,-2 0 0</inkml:trace>
+  <inkml:trace contextRef="#ctx0" brushRef="#br0" timeOffset="5205">8808 7477 12584,'18'57'590,"-8"-23"1,-2 2-339,-1 20-117,1 4-130,-5-20 1,-1 1 39,0 25-250,-1-20 1,0 0-177,-1 11-341,0-7-404,-1-35-291,-1-9 1417,-2-2 0,1-4 0,-1 0 0</inkml:trace>
+  <inkml:trace contextRef="#ctx0" brushRef="#br0" timeOffset="5636">8618 7620 9660,'6'-7'1697,"12"-21"0,2-4-1305,-1 4-244,3-7 1,1 0 58,1 9 370,14 4-364,-5 16-107,4 7 40,-3 22-113,-5 5-21,0 1-169,5 1-414,-15-16-930,7 2-2583,-10-9 4084,0-1 0,-8-4 0,-3 0 0</inkml:trace>
+  <inkml:trace contextRef="#ctx0" brushRef="#br0" timeOffset="7752">7832 6048 9873,'3'-17'1635,"0"1"-1019,-3 14-123,1-1 174,-1 3-443,1 6 5,0 2-49,1 11 178,5 44-257,-3-27 0,0 3-73,1 8 0,0 5 0,1-1-28,1 9 0,0 1 14,1-11 1,0 2 0,0-5-15,-1-8 0,2-3 0,0 0 0,1-5-11,1-5 6,-1-1-1,-1-1 6,0-2-84,1 18 78,-4-9-27,0 7 55,-2-11-83,-1-10-46,2 1 118,-1-8 1,0-2 32,-1-4-27,1 10-11,-1-4 44,0 8-16,-2-5 22,1 3-56,-2-6-56,1 3-185,0-9 0,2 0 387,4-5 50,3-2 5,16-9-161,-9 5-35,11-2 29,-10 7 61,20 2-134,0 3 47,-3 0 1,3-1 47,25 2-51,0-1 17,-26-3 1,-2 0-1031,12-3 1014,17-1-6,-17-2 5,0 1-5,0 0 6,-2 1-1,-12 2 1,1 1-17,17 0 11,9 3-6,-14 2 18,-8 0-7,22 0-5,-20-3 0,4 0 56,-22-1-45,-1 0 1003,-1 0-1009,-2 0-10,0-1 10,-2 0-5,-1-2 0,3 0 0,-5 1 6,8-1-34,1 2 28,-2 1-50,1 0 55,-2 0 6,-5 1-5,15 2 0,-15-1 5,7 1-22,-14-3-1,4 0 1,-4 0-45,6-2 56,-5-4 11,-2-9-11,-3-1 6,-3-18 0,-3 8-1,-2-14-5,-3 5-5,-2-3-26,3-2 0,-1-3 28,1 6 0,1-2 27,0-4 1,-1-4-1,1 2 21,0-6 0,1 0-40,-2-15 1,1 2 22,3 28 0,1 2 17,-1-2 0,0 3 39,-1 7-17,-3-7-34,2 7-27,-5-20 5,3 17-5,-5-24-6,5 23 0,-3-15 33,6 25 40,0 0-134,3 13-74,0 4-1517,0-1-600,0 1 2252,-3-1 0,2 3 0,-1 1 0</inkml:trace>
+  <inkml:trace contextRef="#ctx0" brushRef="#br0" timeOffset="8589">7904 6048 11816,'24'-34'684,"1"6"-539,-2 24 7,4 1-110,5-1 0,4-1-23,-2 0 1,2 0-18,20-3 1,0 0-3,-15 2 0,-1 1-485,13-3 0,-1 1 485,10-1 153,-22 3 0,0 0-153,12 1 0,-2 1 95,-8 2 0,1 0-100,24 1 7,-19-1 1,-3 0-3,8-1 6,7-3 61,2 1-61,-12-1 485,6 3-491,-29 1 0,-1 1 0,-2 0 0,-1 0 33,8 3-33,-9-1 11,15 3-11,-17-2-5,13 0-309,-7-3 314,20-1 0,-25 0 0,7-1 0</inkml:trace>
+  <inkml:trace contextRef="#ctx0" brushRef="#br0" timeOffset="9487">12522 7287 11928,'16'42'1473,"-2"-2"-991,-6 2-191,0 13-291,-1 2 31,-3-17 0,-1-1-31,-1 8-31,-1-9 0,1 0-445,0 15 151,-1-4-1282,3-8 1607,-2-22 0,0-4 0,-1-9 0</inkml:trace>
+  <inkml:trace contextRef="#ctx0" brushRef="#br0" timeOffset="9888">12355 7477 9666,'31'-38'2772,"6"-10"-2582,-19 14 1,0-2 83,5-1 1,1 4 134,9 2-230,0 5 0,-3 30-123,-13 8 95,11 22-134,-11-10-471,13 13-442,-10-20 896,13-1 0,-19-13 0,1-2 0</inkml:trace>
+  <inkml:trace contextRef="#ctx0" brushRef="#br0" timeOffset="11971">11451 5834 12219,'13'53'415,"-5"-18"0,0-2-337,1 9 17,4 18-89,-3-10 30,-3-9 1,-1 1-35,-1-8 1,0 0 50,1 11 1,1 2-54,-2 1 0,0-2 0,-1-11 0,1 0 56,2 20 0,0-1-40,-2-17 1,2-2-23,2 10 1,0 0 16,8 19 112,-2-11-33,-3-6-79,-6-19-5,1 8-1,-4-15-5,0-3-72,-1-5-119,0-5 40,-1-3 11,0-4 286,1-1-96,-1 0 84,0 0 96,0 8-174,1-3 106,-2 11-83,1-7 22,-1 8-101,0-8 0,0 2 0,0-6 5,0 1-33,0-4-257,0 1 391,1-3 152,7-5-174,-1 2-28,8-5-45,0 3 101,13-3-62,-2 3-50,11-1 11,11 1-5,-9 2-3,-4 1 0,2 0 53,28-2-59,-22 1 0,0-1 0,-8 0 0,-1 0 6,9-3 0,-1 1 3,6-2 22,-6 0 0,0 0-28,6 0 2,-8-1 1,-2 1-3,5-1 0,11-2 0,-20 5-56,-2 1 51,11 0 38,12-1-33,3-1 6,5 0 11,0 0-17,-20 2 0,15-2 0,-32 2-6,16-4 6,-19 3-11,16-4 11,-9 1 0,-2 1 11,3 1-5,-9 4-6,0 0 0,2 2 0,-11 0 0,2 0-6,-5 0-11,0-2-11,-1-1 23,1 0-29,1 1 34,3 1-90,7-1-72,-3 1 50,-5-1 95,-8-1 17,-5-2-5,0-2-29,-3-16 34,1 6-6,-3-13 6,2 10 6,0-3 5,-5-19-11,-3-14 3,-1 8 0,-1-3-6,2 7 0,-1-1 8,-4-15 1,0 2 0,-1-5 39,7 24 0,2 2 5,2 4-44,-1-11-1,4 14 163,0-25-101,0 14-27,2-7-24,0 23 102,0 15-118,0 2-11,-2-1 5,1 2 1,-1-4-225,1 2-1797,-3-4-998,2 5 3025,-5-1 0,6 7 0,-1 2 0</inkml:trace>
+  <inkml:trace contextRef="#ctx0" brushRef="#br0" timeOffset="13053">11522 5786 9419,'36'6'375,"0"0"1,28 3-29,-35-11 118,2 0-96,3-1 247,22-1-515,-23 0 0,4-1-73,21-4 0,4 0-20,-10 0 1,1 1 2,-6 2 0,1 0 0,-4 1-8,-5 1 0,-2 1 5,12 2 1,-4 0-9,-3 1 62,12 0-62,-18 0 11,29-7-5,-10 0-6,-9 2 0,1-1 0,16 0 2,-21 2 1,-2 0-3,5-1 0,5-4 0,-24 4 0,0 0 0,0 0 0,0-1 0,23-3 0,-10 0 0,10 0 6,-11 2-6,-9 6 5,13-3 1,-15 4 0,3-3-1,-17 1 51,1 0-84,-7 0-146,1 1 168,-7 1-1209,-1 2-1647,0 1 2862,0 2 0,0-2 0,0-1 0</inkml:trace>
+  <inkml:trace contextRef="#ctx0" brushRef="#br0" timeOffset="14403">20854 7001 10993,'10'32'737,"1"1"1,0 12-1,-2 0-490,-5 12-102,-1-5 1,-1-1-146,-1 9 0,-1 5-39,0-37-252,0 10 72,0-9-688,0 21 134,0-21-2459,2 12 3232,-1-27 0,1 0 0,-1-13 0</inkml:trace>
+  <inkml:trace contextRef="#ctx0" brushRef="#br0" timeOffset="14902">20592 7096 10164,'28'-37'690,"0"-1"1,-5 9 0,-1 2-601,17-28 0,-12 26 257,7 9-145,-9 10-1,13 13-139,-16 6 111,16 16-49,-14-5-80,14 18-38,-4-4-3216,-7-6 1,-1 1 3209,7 8 0,-2-2 0,-25-26 0</inkml:trace>
+  <inkml:trace contextRef="#ctx0" brushRef="#br0" timeOffset="16769">19759 5572 12808,'5'27'649,"-1"3"-369,-4 19-179,0-5 5,0-1 1,0 3-76,0-2 0,0-1-6,0 1 0,0 2-36,0 10 0,1 2-12,3-4 1,1 0 80,-1-1 1,1-2-59,1-5 0,0-2 6,4 20-6,-6-30 0,1 22-11,-3-23 56,1 26-45,-2-24-56,1 23 56,0-22-247,4 3 320,-1-16-73,1-9 106,1 0-50,-4-5-39,1 4-17,-3-6-112,1-1-313,-1-4 425,0-1 134,4-3-5,2-4-90,1-1 6,8-3-34,-6 5-5,6 0-6,-2 3 61,19-1-61,3 0 0,8-2 11,6 0-11,-18 1 34,20-2 33,-9 3-11,-2-1 0,8 3-50,-21 0 50,22 1-51,-8 0 1,2 0 33,9-2-28,-22-1 23,22-3 22,-22 2 28,21-2-84,-21 3 50,22-2-38,-10 0 10,21-1-16,-23 2-6,2 0 50,-21 3 112,6 1-89,-5 0-6,6 1 1,-9 1-63,2 1 96,9-1-95,-5-1 111,19 0-106,-6-1-5,0 0 11,9 0 16,-19 0 51,8 0-21,-9 0-13,12 0-44,-8 0 134,21 3-73,-21 0 11,21 4-44,-21-2 5,25 5 11,-10 1-44,0-1 67,5 2-73,-11-3-11,-2-2-1,-9-2-621,-13-4-117,-12-1-3709,-1-12 4459,-10 2 0,2-4 0,-2 6 0</inkml:trace>
+  <inkml:trace contextRef="#ctx0" brushRef="#br0" timeOffset="17972">19901 5453 9587,'41'2'938,"-1"0"0,27 1-557,-6-3 73,-10 0-85,-11 0 1,0 0-151,24 0-71,-10-1 1,-1-1-54,10 0-6,-12-1 1,0 1-12,7-1-2,-9 3 0,0 0-51,-11 3 0,1 0 28,18 0 0,2 0-33,-10 1 0,-2-1-15,-1-2 1,-2-2-179,0-1 1,-4-1 178,10-2 24,-9 1 1,-1 2-31,6-1 0,10 3-16,-20 0 16,-2 4-51,13 3 51,0 3 6,-2 0 5,10 0-5,-11-2 16,-10-3 0,0 1-33,13 1 6,18-1-1,-34-4 12,21-4-6,-22-2 372,15-5-366,-16 0-1,-2 0 1,-4 3 0,-6 4-107,-4 0 50,-1 2 51,-8 0 68,-3 2 200,0 7-184,-1 3-78,0 10 224,0 17-113,0-3-114,0 1 0,0 5 92,-3 4 0,0 6-49,-1 9 1,-1 7 0,1-1-60,0-8 0,0-2 0,1 1-416,-2 3 1,1 0-1,1-4 404,1 8 0,2-9-93,0-1-257,1-13 0,1-1-538,2 4-1221,3 21-1921,-1-24 4027,-2-2 0,-2-20 0,-1-7 0</inkml:trace>
+  <inkml:trace contextRef="#ctx0" brushRef="#br0" timeOffset="19672">4856 6548 12841,'24'19'712,"-1"-1"-612,-6-5 1,2 3-67,9 7-320,2 3-201,0-2-2504,2 1 2991,-15-14 0,-3-1 0,-8-6 0</inkml:trace>
+  <inkml:trace contextRef="#ctx0" brushRef="#br0" timeOffset="19986">5142 6501 10063,'9'6'2269,"-2"-1"-1071,-16 49-800,3-24 55,-5 27 1,-1 4-359,0-7-62,2-9 1,0-1 17,-2 4-49,2-9 1,0 0-199,-4 10-2716,-4 8 2912,12-45 0,4-10 0,2-6 0</inkml:trace>
+  <inkml:trace contextRef="#ctx0" brushRef="#br0" timeOffset="20705">5404 6215 13301,'-48'44'1439,"5"-5"-1142,23-24-40,0 0-83,2-1-107,2-2-61,3-2 5,1-1-230,6-4 79,0-2-33,8 0 206,9 2 57,14 11-34,-1-3-50,5 7 27,-12-6-5,10 12-28,-10-11-56,6 8-162,-14-15-1020,-1 0-386,-2-3 1624,0-2 0,-4-2 0,-1 0 0</inkml:trace>
+  <inkml:trace contextRef="#ctx0" brushRef="#br0" timeOffset="21105">5523 6358 9621,'1'13'873,"0"-3"-413,-1-10 553,0 0-676,17-15 206,-6 3-364,11-8-123,-10 9-50,-5 8 156,0 2 180,-1 12-152,1 19-190,-2-5-420,3 17-1238,-3-20-16,1-2 1674,-1-8 0,-3-9 0,-1-2 0</inkml:trace>
+  <inkml:trace contextRef="#ctx0" brushRef="#br0" timeOffset="21521">5618 6191 12573,'33'31'278,"-1"0"0,-2-3 0,-5-5-37,-11-11-118,-1-1 51,-1-2 100,1 1-224,-5-4-10,1 1 10,-5-3 0,-1-2 281,-1 5-118,-1 1-152,-5 9-5,-3-3-61,-13 13-1771,-20 4-95,4-7 1871,-16 2 0,34-21 0,0-1 0</inkml:trace>
+  <inkml:trace contextRef="#ctx0" brushRef="#br0" timeOffset="22188">4785 6310 12998,'58'-25'1423,"-1"-4"-1138,-25 8-178,-1 4-63,-3 6 52,-4 23 27,-9-1-118,11 20-21,-11-11-992,12 12-751,-8-11 1759,14 7 0,-18-16 0,2 1 0</inkml:trace>
+  <inkml:trace contextRef="#ctx0" brushRef="#br0" timeOffset="23053">8308 6382 10640,'33'25'313,"-1"1"1,-2-3 0,-4-3-258,-2-4-56,-2-3-532,7 0-325,-9-5 857,7-3 0,-18-4 0,0-1 0</inkml:trace>
+  <inkml:trace contextRef="#ctx0" brushRef="#br0" timeOffset="23352">8618 6382 10058,'5'4'1915,"-1"-1"-1461,-4-3 739,-6 40-370,-4 0-515,-3 25-140,3-30 0,0 1-62,-7 29-106,0-1-216,8-29 1,0-2-518,2-2-2947,-3 1 3680,5-23 0,1-4 0,3-5 0</inkml:trace>
+  <inkml:trace contextRef="#ctx0" brushRef="#br0" timeOffset="23869">8261 6215 13099,'58'-23'896,"-8"4"-784,-37 15 50,6 2 29,-5 2 27,10 9-145,-10 0-62,5 9 62,-6-2-39,0 3 10,4 9-503,-1-1-622,0-1 1081,-1-7 0,-9-14 0,1-1 0</inkml:trace>
+  <inkml:trace contextRef="#ctx0" brushRef="#br0" timeOffset="24588">8927 6167 14353,'-58'27'669,"25"-8"1,4 0-524,6 8 117,-18 23-224,21-21-5,-7 13-79,16-23 0,3 0-179,6-13 152,6-1 77,2-3 34,14 0 34,13-1-73,4 6 11,-1 1-11,-11 5-67,-8-1-381,2 7 22,-7-5-330,3 3-431,-9-9-1020,-1-2 2207,-2-3 0,-1-1 0,-1-2 0</inkml:trace>
+  <inkml:trace contextRef="#ctx0" brushRef="#br0" timeOffset="24973">8951 6263 9548,'12'5'2643,"-2"-1"-1449,23 5-903,-23-1 118,24 17-286,-33-6-50,-1 5 33,-2-8 219,-4 7-325,2-11-213,-2 4 107,6-12 66,9 1 85,5 0-1484,17-1-96,-7-1 1535,6-3 0,-21 0 0,0 0 0</inkml:trace>
+  <inkml:trace contextRef="#ctx0" brushRef="#br0" timeOffset="25370">9118 6120 12976,'31'23'339,"0"1"1,-1-1 0,-4-3 136,-7-3-274,-1 0 117,-3 6-123,-9-10 22,-3 10-117,-3-11 12,-3 5-80,-2-4-55,-18 16-1127,-3 1-72,-10 10 1221,-2 1 0,21-23 0,0 3 0</inkml:trace>
+  <inkml:trace contextRef="#ctx0" brushRef="#br0" timeOffset="26287">12070 6263 13004,'28'24'554,"0"0"1,22 19-443,-24-22-107,8 7-414,-3-4-5769,7 4 6178,-19-13 0,-4-5 0,-14-9 0</inkml:trace>
+  <inkml:trace contextRef="#ctx0" brushRef="#br0" timeOffset="26554">12355 6263 10836,'14'7'2179,"-4"-2"-611,-5 43-1232,-4-17-199,0 6 0,0 1 43,-6 9-15,-3 0 1,-1 2-166,-3 10-26,3-14 1,0-2-261,2-12-1523,2-7-1019,2-13 2828,0-16 0,2 2 0,-1-8 0</inkml:trace>
+  <inkml:trace contextRef="#ctx0" brushRef="#br0" timeOffset="27036">12141 6048 13793,'29'-20'428,"0"-1"1,19-13-322,-36 28-35,-1 2 292,4 10-257,-4 4-23,3 9-79,-5 3-61,2 11-425,-3-10-2292,6 7 2773,-3-21 0,-3-1 0,-3-8 0</inkml:trace>
+  <inkml:trace contextRef="#ctx0" brushRef="#br0" timeOffset="27620">12760 5929 13245,'-22'26'613,"1"1"0,-18 20-277,22-21-134,0 1 10,-1 7-212,6-8-235,3 1 162,9-14 146,10-4-73,1-4 0,24 12 34,-13-6-34,12 8 0,-15-7 0,-2-1-263,-1-1-3221,5 0 3484,-9-5 0,2-1 0,-11-4 0</inkml:trace>
+  <inkml:trace contextRef="#ctx0" brushRef="#br0" timeOffset="28086">12855 5977 9974,'14'-6'2358,"-3"1"-2101,-11 5 1199,0 0-1237,27 47-219,-25-27-235,16 41 128,-27-46-447,-2 0 156,8-12 460,10-3 22,5-1-23,4-1 382,2 13-242,-11-3-94,2 9-1,-9-6-106,0-1-11,-3 0-986,-13 0-5248,-13-11 6245,1 1 0,5-7 0,16 2 0</inkml:trace>
+  <inkml:trace contextRef="#ctx0" brushRef="#br0" timeOffset="28486">12998 5906 13245,'33'22'635,"1"1"1,19 12-457,-16-8-112,-16-14 118,14 4-23,-14-8 517,-1 2-467,-10-3-77,-7 3-130,-9-1 7,-23 18-164,4-7-273,-18 13-298,14-13-240,-1 2-1004,3-2 1967,5 0 0,10-11 0,5-3 0</inkml:trace>
+  <inkml:trace contextRef="#ctx0" brushRef="#br0" timeOffset="48167">20187 6072 14645,'39'39'5,"-4"-5"-178,3-8-231,-8-6 80,7 4-113,-15-10-230,-11-7-621,-2-3-3428,-5-3 4716,-2-4 0,-2 2 0,0-3 0</inkml:trace>
+  <inkml:trace contextRef="#ctx0" brushRef="#br0" timeOffset="48504">20473 6001 8030,'2'8'3556,"0"-1"-1421,-2-7-1144,1 50-661,-5-21-98,-1 18 1,-3 3-154,-8 2-29,3-15 1,0 0-23,-7 21-28,-1-1 0,2-1-6,1-5 1,4-6-354,1 0-1489,8-18-158,1-8 2006,12-33 0,-5 8 0,5-12 0</inkml:trace>
+  <inkml:trace contextRef="#ctx0" brushRef="#br0" timeOffset="49990">20211 5906 11043,'21'-26'1070,"7"-11"-795,-5 5-169,3-5-100,-8 13 89,-7 9-84,-7 12 101,-1 0-11,-2 3-23,0 0 40,1 1 128,3 9-206,10 14-1,3 8-1888,13 15-1232,-13-21 3081,4 0 0,-16-21 0,-2-1 0</inkml:trace>
+  <inkml:trace contextRef="#ctx0" brushRef="#br0" timeOffset="51188">20830 5691 13704,'-23'35'560,"3"-4"-426,-14-2 17,6-4-16,-12 15-90,12-9-34,-10 16-196,22-18 90,8-4 95,19-10 0,4-10 39,17-2-28,-14 0-11,6 2 6,-10 1-6,-2 2-34,-1 1-268,1 6-493,-2 3-2577,1 15 3372,-4-12 0,-3 0 0,-3-16 0</inkml:trace>
+  <inkml:trace contextRef="#ctx0" brushRef="#br0" timeOffset="51622">20996 5786 12494,'32'-11'443,"-1"1"-371,-2 11-72,-2-1-2302,4 0 2302,-16 0 0,-5 0 0,-10 0 0</inkml:trace>
+  <inkml:trace contextRef="#ctx0" brushRef="#br0" timeOffset="51870">21068 5763 10405,'0'-11'2420,"0"2"-1412,0 76-829,0-16-179,0-7 0,0 3-331,0 17-615,-1-33-5719,1 9 6665,-1-26 0,1-2 0,0-9 0</inkml:trace>
+  <inkml:trace contextRef="#ctx0" brushRef="#br0" timeOffset="52205">21258 6001 10416,'48'27'-11,"-8"-5"-426,-24-15 437,-1-3 0,-7-2 0,-1-1 0</inkml:trace>
+  <inkml:trace contextRef="#ctx0" brushRef="#br0" timeOffset="52423">21353 5977 9408,'12'1'4038,"-8"47"-3607,-14 2-431,5-16 0,1 0-50,-9 16-482,8-30 532,0-5 0,2-7 0,0-4 0</inkml:trace>
+  <inkml:trace contextRef="#ctx0" brushRef="#br0" timeOffset="53053">21473 5691 12169,'39'29'1238,"-1"-2"-684,10 3-453,-17-10-56,15 9 39,-25-16 78,1 1-66,-8-5 27,0 2 0,-9-7 17,-3 1 78,-1 0-94,0-1 16,-6 6 5,-14 11-111,-8 8-29,-15 15 1,11-8 0,-5 10-113,18-22-1158,-6 9-870,13-19 2135,-1 0 0,8-9 0,1-3 0</inkml:trace>
+</inkml:ink>
+</file>
+
 <file path=ppt/ink/ink5.xml><?xml version="1.0" encoding="utf-8"?>
 <inkml:ink xmlns:inkml="http://www.w3.org/2003/InkML">
   <inkml:definitions>
@@ -1043,6 +2393,368 @@
   <inkml:trace contextRef="#ctx0" brushRef="#br0" timeOffset="7051">19259 12168 14488,'43'9'963,"-2"1"-727,-16-8-119,1 2-72,1-1-1255,10 3-6458,-19 2 7668,4 0 0,-21-1 0,-1-5 0</inkml:trace>
   <inkml:trace contextRef="#ctx0" brushRef="#br0" timeOffset="7237">19282 12382 13967,'-9'-4'1142,"1"0"-486,8 4-264,38 24-73,2-12-355,-4 2 0,4-1 36,-1-9 0,-1-2 0,2-1 0,-1-2 0</inkml:trace>
   <inkml:trace contextRef="#ctx0" brushRef="#br0" timeOffset="8171">20211 11954 16812,'-38'-12'454,"3"8"-230,8 37-179,8-4-40,-1 29-5,14-22-117,9 23 10,5-30-145,14 8 96,7-24 10,20-18 112,-5-19 29,-3-8 38,-16-17-27,-17 19-6,-3-11 6,-7 14 22,-2 4 162,-4 2-5,3 15-101,0 23-45,8 9 0,5 34 12,3 0-46,0 0 20,-6-21 1,0-1-21,-2 9 0,-1-9 1,-1 2-6,-5 24 42,-1-25 0,-3 1-39,-4-4 0,-2-2 84,-4-3 0,-2-4-3,-14 11-34,-12-13-448,-3-31 398,19-24 0,3-5 0,-13 5 0,27-3 0,-1 0 0</inkml:trace>
+</inkml:ink>
+</file>
+
+<file path=ppt/ink/ink50.xml><?xml version="1.0" encoding="utf-8"?>
+<inkml:ink xmlns:inkml="http://www.w3.org/2003/InkML">
+  <inkml:definitions>
+    <inkml:context xml:id="ctx0">
+      <inkml:inkSource xml:id="inkSrc0">
+        <inkml:traceFormat>
+          <inkml:channel name="X" type="integer" min="-2.14748E9" max="2.14748E9" units="cm"/>
+          <inkml:channel name="Y" type="integer" min="-2.14748E9" max="2.14748E9" units="cm"/>
+          <inkml:channel name="F" type="integer" max="32767" units="dev"/>
+        </inkml:traceFormat>
+        <inkml:channelProperties>
+          <inkml:channelProperty channel="X" name="resolution" value="1000" units="1/cm"/>
+          <inkml:channelProperty channel="Y" name="resolution" value="1000" units="1/cm"/>
+          <inkml:channelProperty channel="F" name="resolution" value="0" units="1/dev"/>
+        </inkml:channelProperties>
+      </inkml:inkSource>
+      <inkml:timestamp xml:id="ts0" timeString="2022-11-21T14:53:17.926"/>
+    </inkml:context>
+    <inkml:brush xml:id="br0">
+      <inkml:brushProperty name="width" value="0.05292" units="cm"/>
+      <inkml:brushProperty name="height" value="0.05292" units="cm"/>
+      <inkml:brushProperty name="color" value="#00B050"/>
+    </inkml:brush>
+  </inkml:definitions>
+  <inkml:trace contextRef="#ctx0" brushRef="#br0">2214 4405 12477,'4'40'180,"1"0"-180,0-8 19,1 7 1,1 5 24,-1-6 1,1 1-42,1 9 0,-1-2 25,6 19-17,-5-29-11,1-6-45,1-3 1,-3-11-91,2-3 124,-7-9-95,1-3 111,-3-2 230,2-8-184,-2-6-40,1-5 28,1-15-39,1 9 11,1-10 6,3 9-11,0 0-6,3 2 0,-2 2 0,8-3-56,-6 11-196,9 0 739,-3 23-291,0 4-67,12 28-124,-9-8 1,9 14-6,-7-9-6,-1 0-5,7 11-50,1-2-51,-3-8 0,-5-15-140,-8-18 268,-6-10 511,5-28-365,-5 3 9,-1-9 0,-2-3-70,0-13-34,1 2 0,0 0-56,3-12-6,-1 14 1,1 1-11,3-8-191,-1 9-2168,-2 25 2364,-5 28 0,-1-3 0,-1 7 0</inkml:trace>
+  <inkml:trace contextRef="#ctx0" brushRef="#br0" timeOffset="1555">2881 4929 11250,'42'45'684,"-3"-5"-645,-18-19-22,-1-1-85,7 2-312,-8-7-550,4-2 930,-7-9 0,-7-3 0,0 0 0</inkml:trace>
+  <inkml:trace contextRef="#ctx0" brushRef="#br0" timeOffset="1806">3095 4905 11054,'6'9'1636,"-1"-2"-1496,-5-7 297,-12 52 123,1 5-448,3-16 0,-1 7 0,0-3-79,-1 6 1,1-2-34,-1-1 0,2-2-806,-4 18-2364,8-42-247,1 1 3417,3-21 0,0-2 0,0 0 0</inkml:trace>
+  <inkml:trace contextRef="#ctx0" brushRef="#br0" timeOffset="2189">3452 5167 13676,'-14'60'767,"2"-6"-717,7-23-94,-1 13-5092,-2 5 5136,3-11 0,1-8 0,4-25 0</inkml:trace>
+  <inkml:trace contextRef="#ctx0" brushRef="#br0" timeOffset="2975">3547 4453 11245,'13'47'528,"0"0"1,-1 1-1,-2 0-380,-3-1 1,-1-1-138,4 19-11,-1-14-39,-4-37-95,-1-17 262,0-5-38,0-20-56,4-20-29,3 0 18,16-1 189,4 37 63,21 46-270,-19 0 1,0 24 44,-22-23-10,-5-2 27,-2-1 0,-4-2 129,-28 19-162,-9-20-40,-14 4-145,-14-27-84,19-23-1860,9-25-162,25 7 2257,24-10 0,0 33 0,-2 5 0</inkml:trace>
+  <inkml:trace contextRef="#ctx0" brushRef="#br0" timeOffset="3341">4047 4858 14185,'22'47'168,"0"-4"-168,-4-22-33,2-2-124,0-1-246,0-4-303,-1-2-3394,4-5 4100,-9-3 0,-1-2 0,-10-2 0</inkml:trace>
+  <inkml:trace contextRef="#ctx0" brushRef="#br0" timeOffset="3573">4214 4905 11654,'2'6'2582,"-8"43"-1826,-15 15-538,8-20 1,-3 6 0,1-1-293,-3 8 1,-1-2-347,0 1 0,3-6 420,5-1 0,10-36 0,1-5 0</inkml:trace>
+  <inkml:trace contextRef="#ctx0" brushRef="#br0" timeOffset="4949">4452 5310 12741,'47'30'641,"-15"-10"0,1 1-560,-2-3 0,0 1-81,1 0 0,-1 0 6,1 0 0,-2-2-1,8 6 1,-2-2 44,5 5-5,2 9-34,-5-2 28,-4-1-106,-14-13 67,-9-10-56,-1-2 45,-6-7-28,0 1-6,-2-1-89,-1 0 240,-4-3-50,-9-2-50,-1-3 27,-10 1-33,1 0 17,-13-2-11,8 3 223,-7 0 152,14 4-375,10 1-12,2 1 0,19 10-5,22 14 22,6 3-11,5 1-5,-8-7-6,-16-12-34,7 0-6,-14-7-5,1 0-11,-7-5 34,-1-3 21,1-14-1046,-4-15-1771,1 0 2738,-4-7 0,0 25 0,0 5 0</inkml:trace>
+  <inkml:trace contextRef="#ctx0" brushRef="#br0" timeOffset="6961">4666 4905 11122,'46'-8'733,"-7"1"-559,-25 4-40,2 2-16,1-2 17,9 0-62,-5 0-29,16-2-44,-15 2 34,16-3-23,-5 2-5,23-4 5,-17 3 34,11-2-40,-22 2 7,17-1-1,-10 1 50,13-3-61,-12 3 40,2-1-40,18-2 5,-11 1-5,-9 2 0,2-1 3,0 2 0,0 0-3,3 0 0,-1 0-3,-1 1 0,-2 0 9,20 0 55,-17 2-53,-1-1 1,2 1-9,11-1 22,-10 0 1,-1 0-17,3 0-6,0-1 44,19 2-41,-29 1 0,1-1 0,19 1 0,2 0-1,-9 1 1,2 2 19,16 0 1,-2 1-20,-26-1 0,-1 1-1,14 1 1,-3-1-3,-3 0 6,14 1-6,-17-1 25,-4 0 0,3 1-22,-6 0 0,0-1-3,7 2 0,0 1 0,-2-1 0,0 1 33,27 7-30,-34-7 0,2 1 0,9 3 0,-2 1-1268,12 3 1267,-18-4 1,0 1-315,17 6 340,-14-5 0,1 2-22,20 8 22,-22-9 0,2 2-23,-1-1 1,1 0-3,2 1 0,1-1 39,-1-1 0,1 1-34,8 2 1,-1 0 16,-10-3 0,0 0-25,-2 1 0,2 0 359,5 7 0,-1 0-348,7 7 207,-18-9 0,0 1-157,12 10-8,-4-3 1,0 2-43,11 7-8,-12-9 0,-1-1 36,-2-1-22,9 8 11,-14-11-28,11 9 16,-21-16 63,-3-4-6,-9-4 574,-7-5-602,2 7-40,-2-2 1,3 3-6,-2-4 11,1 5 0,-1-5-16,1 4-1,-3-4 6,0 0-45,-4-2 0,-2 0-27,-3-4 72,-6 0-6,-1-1 6,-6-2 84,-33-10 90,3 1 5,-11-4-50,20 5-241,27 7 44,16 0 68,11 2 6,15 5 0,0 3 10,25 16 1,-11-5-6,8 4-5,-15-13 33,-15-11 12,7-24-281,-5-36 230,-13 28 0,-2 0 0,5-26 0,-12 30 0</inkml:trace>
+  <inkml:trace contextRef="#ctx0" brushRef="#br0" timeOffset="10415">7594 4786 11726,'17'6'280,"2"0"-173,3-3-34,0 1-17,21 2 73,-6-1-124,-4-1 1,2-1 73,20 1-68,1-2-6,4-2 1,-23 0 0,12-1-1,-14 0 6,1-1-5,1-1 0,0 2 5,18 0-11,-12 1 2,-6 0 1,1-1 3,5-1-3,-5 1 0,1-2 8,24-1-6,-13 2 1,1 0-3,-8 0 0,0 1-3,-2 0 0,-2 1 0,17 0 0,-20 0 0,0 0 2,-2-1 1,3 0 42,29-1-42,-27 1 0,2-1-3,1 1 0,-1-1 0,-5 0 0,1 1-20,23-2 0,0 0 23,-17 2 0,-2-1 2,10 0 1,-2 0 0,8-1-1674,-2 1 0,2 0 1668,-22 0 0,1 0-472,20 0 0,-1 0 478,1-1-1,-17 1 1,1 1 0,20-1 19,-11 2 0,4-1-152,-1 1 1,2 0 126,2 0 0,-1 0 0,-1 0 0,-2 0 0,-12 0 0,-4 0 62,18 0-23,-14 0 0,0 0 17,21-1-51,-20 0 1,-2 0 39,14-1-34,-1 0-5,-17 1 0,-1 1-1,18-1 3,-11 1 1,2-1 47,-1 1 0,0 0-51,1 1 1,1 1 13,16 3 1,-3 1 20,9 3 1355,-27-2 1,-3 1-1385,3 2 34,-1 2-34,0 0-6,-2 1 40,17 9 6,-13-4-21,-7-3 1,1 0 36,4 3 638,-6-3 1,0-1-650,16 9-48,-14-6 1,-1 1-3,9 8 520,2 4-526,-23-11 6,8 11 50,-7-8-45,8 8 11,-11-11-16,-1 0-6,5 2 0,-6-6 6,6 9 10,-9-4 7,-2 2-23,-5-3 0,-6-6 0,0-4-11,-1 6 5,1-6 0,0 4 6,1-8-5,0 0 5,0-2 67,-1-1-5,0-1-51,-5-1-6,0 0 23,-4 0-22,3 0-12,-1 0-61,1 1 22,1 3-5,0 11-17,3 1 56,3 3 5,9-2 6,6-6 6,0-1-40,3 0 28,-11-7 6,1 0 0,-6-2 135,-3-1-118,0 0 27,-7-1-4,0-2-29,-14-10 22,2 0-27,-19-18 16,-8-1-22,9 6 6,-1 3 44,24 17-50,7 3-151,4 1 151,9 6 11,5 3 34,4 4 0,19 23-45,-6-6-17,17 9 17,-20-23 11,-4-26-5,-12-8-62,-3-36-476,-5 14-1361,-2-12 1893,-4 20 0,3 15 0,-3 9 0</inkml:trace>
+  <inkml:trace contextRef="#ctx0" brushRef="#br0" timeOffset="13699">11951 4763 9621,'33'3'377,"1"1"0,2-1 0,-5-1-287,-8-1 16,6 0-56,-9 1 12,4 2-51,-7 0 56,10 4-61,2-3 50,4-1-56,1-2 11,-5-2 6,15 0-17,-15 0 11,16 0 17,-21 0-28,0 0 0,23 0 56,-6 0-56,19-4 6,-22 1-51,8-5 45,-20 5 17,18 0-17,-17 2 5,8-1-5,-9-1 12,0 0-7,2-1 1,-1-1-1,2 0 35,13-1-40,6 0 0,-1 2 5,11 0-5,-11 2 5,-9 0 1,0-1-6,14-1 0,8-1 51,-26 0-49,-1-1 1,1 0-3,8-2 3,-7 1 0,-2 0-3,3 0 0,15-2 11,5 2-11,1 1-9,-11 3 1,-1 1 8,6-2-3,-11 2 1,-1 0 2,6-1 0,1-1 0,-1 1 0,21-2 0,-17 3 0,13 0 5,-22 2-5,-2 0 0,16 0 0,-13 0 20,-6 0 0,2 0-15,24 0-5,1-1 3,-22 1 0,-1-1-3,7 0-34,16 1 34,-18 0 0,21 0 6,-13-1-4,-7 1 1,1-1 9,9-1-12,-20 0 0,1 1 16,-2 0 1,0 0-11,33 0-6,-20 1 0,2 0 0,-10 0 0,1 0 25,10 0 0,0 0-22,-13 0 0,-2 0 2,31-1 1,-8 0-6,-23 0-11,23 0 11,-23 1 5,25 3 1,-23-1 0,29 3 38,-8-3-19,-11-2 1,3 1 4,-5 0 1,-1 0-3,-1-1 0,0 0 6,0 1 0,-4 0 10,9-1 1,13 0-39,-16 0 61,0 0 67,22-2-128,-14 1 19,-9-1 0,2 0-42,-9 1 1,-2 0 16,1-1 0,1 1 2,7 2 1,-2 0 48,8 2-51,17 0 5,-21 0 23,-12-2 1,1-1 27,17 1-11,-9-2 0,0-1-12,6 0-22,10-4 62,-19 2-73,-3-1 6,17 0-1,1 3 68,1-1-50,8 3-57,0 2 45,-11 0 8,-14 0 1,-3 1-14,0-1 0,13 1 33,-13-1 34,17 1-34,-12 0-34,-5-2 1,1 1 28,6 0-12,-6-1 0,2 0 51,22 0 47,-15-3 1,-1 0-65,16 0-22,4-2-29,-33 3 40,17 1-45,-12 0 0,11 0 62,-14 0-57,-2 0 12,14 0-62,10 0 90,1 0-45,-6 0 6,-6 3-1,-19 0-5,9 3-5,-8-2-23,13 1 61,-8-1-33,9 1 0,-12-1 6,11 2-6,-10 0 5,7 1-5,-3 1-5,0 0 10,-1-1-5,3 2 0,3 2 0,-7-2 0,6 3 0,-16-4 0,10 3 0,-9-4 6,16 5 0,-18-5-6,15 5 5,-16-5-5,13 9 6,-5-1 11,17 16 61,-8-1-72,0 1 5,-11-9-11,-8-6 0,-1-3 11,9 6 17,-7-6-22,14 7 5,-13-10 34,11 6-40,-8-4 18,6 8 16,-12-7-34,-2 1 1,-10-7-6,2 2 6,-3-1-1,1 0 1,-2-2-6,1 1 45,0 0-51,-1 0 6,1 3 6,-1-1 5,0 0-11,0 0 0,-2-4 0,1-1 89,-2-2 57,0-2-140,-4 0 5,-3 0-11,-2 0-6,-5 0-5,0-4 5,0 1-5,-8-9 56,-13-8-95,5 3 50,-9-5 0,21 13 5,3 2-5,6 3-33,4 3-63,4 0 80,9 6 16,13 10 0,2 0 5,22 15-5,-7-8-11,12-1 5,-14-14 6,-9-11-436,-10-25-887,-9-5 1323,0-28 0,-4 33 0,-2-5 0</inkml:trace>
+  <inkml:trace contextRef="#ctx0" brushRef="#br0" timeOffset="15769">13236 4786 9694,'53'1'1517,"-1"-1"-996,-8-1-353,3 4-78,3 1 5,-11 3-90,-11 3 130,20 13-130,-16-7 12,27 13-11,-31-16 11,25 9-12,-4-2 20,-9-3 1,1 2-21,-5-2 1,0 1-3,-2-1 0,0 1 5,2 3 1,-2 1 8,9 9-17,7 5 5,-18-8-5,-12-10 6,8 10-1,-6-6-5,12 16 6,-14-14 28,10 17 38,-7-5 1,-8-7 0,0 2 67,7 25-67,-3 0 5,-10-13 40,-2 0-79,-2-13-45,1 13 6,-3-20 45,0-4-6,-2-9 432,-1-8-410,0-1-55,-3-5-129,-4-3 50,-1-1 17,-9-5 50,-4-5 12,-4-3 50,-12-7 73,11 12-12,3 4 29,12 11-112,7 1-34,7 6 0,5 1 0,5 7 5,3-1 6,17 5 118,-4-9-34,7-3-83,-4-27-1401,-5-15 1389,3-10 0,-12 15 0,-7 13 0</inkml:trace>
+</inkml:ink>
+</file>
+
+<file path=ppt/ink/ink51.xml><?xml version="1.0" encoding="utf-8"?>
+<inkml:ink xmlns:inkml="http://www.w3.org/2003/InkML">
+  <inkml:definitions>
+    <inkml:context xml:id="ctx0">
+      <inkml:inkSource xml:id="inkSrc0">
+        <inkml:traceFormat>
+          <inkml:channel name="X" type="integer" min="-2.14748E9" max="2.14748E9" units="cm"/>
+          <inkml:channel name="Y" type="integer" min="-2.14748E9" max="2.14748E9" units="cm"/>
+          <inkml:channel name="F" type="integer" max="32767" units="dev"/>
+        </inkml:traceFormat>
+        <inkml:channelProperties>
+          <inkml:channelProperty channel="X" name="resolution" value="1000" units="1/cm"/>
+          <inkml:channelProperty channel="Y" name="resolution" value="1000" units="1/cm"/>
+          <inkml:channelProperty channel="F" name="resolution" value="0" units="1/dev"/>
+        </inkml:channelProperties>
+      </inkml:inkSource>
+      <inkml:timestamp xml:id="ts0" timeString="2022-11-21T14:54:17.389"/>
+    </inkml:context>
+    <inkml:brush xml:id="br0">
+      <inkml:brushProperty name="width" value="0.05292" units="cm"/>
+      <inkml:brushProperty name="height" value="0.05292" units="cm"/>
+      <inkml:brushProperty name="color" value="#0070C0"/>
+    </inkml:brush>
+  </inkml:definitions>
+  <inkml:trace contextRef="#ctx0" brushRef="#br0">8523 14621 14146,'45'14'140,"-1"-3"-140,-15-11 0,2 0 6,-1 0-1,-1 0 1,-3 0-6,12 1-504,-13-1-3758,6 0 4262,-20-2 0,-4 1 0,-7-1 0</inkml:trace>
+  <inkml:trace contextRef="#ctx0" brushRef="#br0" timeOffset="924">9118 14407 12662,'57'35'515,"-12"-7"-515,-12-4 51,-11-8-57,7 4-279,-9-6-259,2 0-380,-11-7-415,-2-4 1339,1-1 0,-5-2 0,0 0 0</inkml:trace>
+  <inkml:trace contextRef="#ctx0" brushRef="#br0" timeOffset="1322">9427 14383 8892,'9'-1'4386,"-3"0"-3171,-4 3-27,-1 15-947,0-2 45,-4 26-219,-2-12-67,-4 15 61,-2-3-55,2-5 0,-2 2-6,-6 23 5,1-6 1,0-1 11,-3 8-15,7-16 1,0-1-171,-2 3-1126,4-2 213,5-26-762,4-12-1473,1-11 3316,0-2 0,0 2 0,0-2 0</inkml:trace>
+  <inkml:trace contextRef="#ctx0" brushRef="#br0" timeOffset="2263">9356 13835 12858,'-23'33'328,"1"-1"1,1-1 0,1-4-55,-1-2 6,-2 1-11,-7 9-107,5-4-240,1 0-45,13-15 39,7-9 84,12-3 33,1-1-38,28 11 5,-13-4 0,15 5 0,-18-4-196,5 6-28,-8-5-504,6 8-4818,-12-9 5546,-2-2 0,-5-5 0,-5-4 0</inkml:trace>
+  <inkml:trace contextRef="#ctx0" brushRef="#br0" timeOffset="2678">9499 13787 13172,'1'39'856,"0"0"1,3 26-840,3-9-17,1-24-498,13-5 33,-9-17-61,8 0-163,-10-8-1356,1-2 819,-4-1 1226,-1-3 0,-4 2 0,-2-2 0</inkml:trace>
+  <inkml:trace contextRef="#ctx0" brushRef="#br0" timeOffset="2879">9451 14049 12612,'14'-15'-527,"13"-3"527,20 0 0,-18 8 0,3-5 0</inkml:trace>
+  <inkml:trace contextRef="#ctx0" brushRef="#br0" timeOffset="3329">9641 13764 11430,'11'8'1792,"-2"-1"-1249,-9-7-207,0 0 112,49 37-156,5-9-287,-12-2 1,1-2-4,-10-9 1,-2-3-3,3-1 51,-11-3-1,-16-7 62,-2 2 62,-4-2-79,-1 3-22,-20 14-62,-11 8-8,4-4 0,-1 1-87,-18 14-863,-2 8 947,30-21 0,1-5 0,16-12 0</inkml:trace>
+  <inkml:trace contextRef="#ctx0" brushRef="#br0" timeOffset="4037">10070 14621 14040,'-6'-39'-450,"-1"13"0,12 16 0</inkml:trace>
+  <inkml:trace contextRef="#ctx0" brushRef="#br0" timeOffset="7699">10689 14692 12617,'6'-38'17,"0"1"17,-1 15 16,-2-20-44,-1 6 5,-1-31-11,-3 26 6,-4-24 100,-5 25 152,-11-1 83,0 21-234,0 10 16,1 18-123,10 3 5,-3 13 29,6 3 5,1 9 213,2 5-140,2 6-5,2 3-63,3-14 1,3 1-45,5 1 0,1-1 0,-1 0 0,3-1-3,9 4 1,2-5-77,4 0 34,10 2-123,-14-26-924,6-10-67,-8-13 1159,6-19 0,-18 13 0,-1-5 0</inkml:trace>
+  <inkml:trace contextRef="#ctx0" brushRef="#br0" timeOffset="8166">10951 14526 13676,'-32'51'599,"7"11"-498,23-18-101,7-2-56,17-4 5,0-25-38,8-3 22,-8-16 27,-1-8 1,-4-13 34,-4-9 5,-4-7 50,-5-21 12,-15-2 106,-7 9-56,-6 20 11,3 28-106,8 12-90,2 15-235,6 1-2386,1 29-191,7-20 2885,1 8 0,-1-24 0,0-5 0</inkml:trace>
+  <inkml:trace contextRef="#ctx0" brushRef="#br0" timeOffset="8880">11213 14407 14426,'-21'34'99,"1"0"0,2-3 0,4-1-88,10 14-5,4-13-6,5 8-45,3-19-151,12-7-56,3-13 123,2-39 174,-11-10-39,-6-13-1,-14 3 34,0 32 45,-6-1 28,5 18 84,0 5-100,3 5-147,1 8 124,7 23-28,13 19-40,2 6 37,-1-13 0,2 2-36,-4-5 0,-1-1 36,1 1 0,-1 0-34,1 13 0,-4-4-19,-2 5 0,0 6 0,-23-37-34,2-17 45,-12-5 0,4-9 6,-2-19-1,7-3 56,7-3 1,3-6 14,9-14 0,4-3-740,2 1 0,3 0-1662,0-2 1,3 5 2325,-1 18 0,-1 7 0,-4 8 0,-3 7 0</inkml:trace>
+  <inkml:trace contextRef="#ctx0" brushRef="#br0" timeOffset="10374">11712 14335 14135,'50'36'398,"-3"-3"-398,-13-11 0,-1-2-84,11 4-230,-12-7-263,3 0-571,-15-9 1148,0-4 0,-11-3 0,1-1 0</inkml:trace>
+  <inkml:trace contextRef="#ctx0" brushRef="#br0" timeOffset="10742">12117 14288 15496,'-4'62'863,"-2"-3"-718,-3-22-10,-2 8-35,1 12 1,0 5-260,3-24 0,1 2 156,-3 23 0,0 0 82,2 0-82,3-27 0,1-1-8,-1 14-482,1 6-1826,1-38-728,0-14-1859,-2-12 4966,-1-10 0,2 9 0,1 3 0</inkml:trace>
+  <inkml:trace contextRef="#ctx0" brushRef="#br0" timeOffset="11559">11665 14073 12841,'24'-27'1008,"-1"0"-672,-1-11-296,-6 12 32,9-15-66,-13 24 5,3-4 0,-9 14 1,0 0 480,-4 6-189,3 3-85,12 21-207,-4-4-5,10 16-6,-7-13-50,8 8-174,-7-9-1076,11 8-268,-13-15-1462,4 0 3030,-8-7 0,-5-3 0,-2-2 0</inkml:trace>
+  <inkml:trace contextRef="#ctx0" brushRef="#br0" timeOffset="12440">12427 13526 12853,'-20'35'530,"0"1"0,-3 6 0,1-4-306,-1-4-62,-6 10-38,14-19-57,-2 2-62,8-12 7,0 0-12,8-10 0,0-1-56,0 1 56,1 0-56,0 3 39,5 6 28,9 4-5,2 1-6,7 0 0,-5-4-6,7 9-168,-6-7-257,4 3-325,-9-8-796,-1-5 1552,1-2 0,-6-3 0,-1 0 0</inkml:trace>
+  <inkml:trace contextRef="#ctx0" brushRef="#br0" timeOffset="12876">12546 13549 13648,'-1'36'442,"1"-1"0,-1 7 1,2-1-393,7 18-100,2-23 0,3-3-505,14 2-240,6-9 145,-14-21-1674,-4-7 425,-8-3 1899,-3-3 0,-2 2 0,-2 3 0</inkml:trace>
+  <inkml:trace contextRef="#ctx0" brushRef="#br0" timeOffset="13074">12498 13787 11855,'-11'-10'488,"2"3"-376,9 7 672,0 0-722,36 0-62,-17-1-1138,43-7-1091,-36 0 2229,8-6 0,-22 8 0,-5 2 0</inkml:trace>
+  <inkml:trace contextRef="#ctx0" brushRef="#br0" timeOffset="13524">12760 13502 14729,'42'31'214,"0"0"1,-3-1 0,-2-4-171,8 5-38,-13-10 11,-5-2 168,-14-7-129,-4 0 17,-6-1-23,-8 0 18,-12 10-68,-4-2 0,-10 8-90,6-6-247,-1-2-1494,-1 4-1961,9-8 3792,1 2 0,13-12 0,2-1 0</inkml:trace>
+  <inkml:trace contextRef="#ctx0" brushRef="#br0" timeOffset="17917">13403 14502 15294,'47'19'281,"5"-3"-248,-16-8-33,16-5-11,-20-2-169,8-4-268,-13-1-397,-3-2-3692,8-4 4537,-11 5 0,-1-1 0,-13 6 0</inkml:trace>
+  <inkml:trace contextRef="#ctx0" brushRef="#br0" timeOffset="21051">14426 13811 13665,'-20'22'649,"-2"2"-582,7-5-61,0 1 50,-7 16-50,2 3-29,6-5 1,1 1 22,-3 15 0,2 9-6,11-28-27,4 32 33,4-22 56,4 26-56,3-30 0,9 18 5,-5-14 20,-2-8 1,2 0-60,14 27-11,3-2-67,-1-7 23,-7-20-208,-6-11-302,9 3 167,-9-7-167,6 2-633,-10-11-247,-1-1 1479,0-4 0,-6-1 0,-1-1 0</inkml:trace>
+  <inkml:trace contextRef="#ctx0" brushRef="#br0" timeOffset="21684">14664 14359 12174,'22'-56'1731,"2"0"-1585,-3 17-34,-1 4-50,-7 14 33,3-5-39,-7 12-23,1-5 29,-8 16 61,-1 1 684,0 1-420,0 11-303,3 10-28,3 33-56,0-12 0,1 16 0,-5-26-45,1 0-28,0-3-101,0-2-537,2 6-96,-1-12-2503,3 8-179,-2-16 3489,1 1 0,-4-9 0,-1-1 0</inkml:trace>
+  <inkml:trace contextRef="#ctx0" brushRef="#br0" timeOffset="22270">15235 14240 12662,'32'-3'997,"-1"1"-611,10 2-296,-8-1-56,32-6-953,-29-1-694,6-2 1613,-25 2 0,-12 5 0,-1 1 0</inkml:trace>
+  <inkml:trace contextRef="#ctx0" brushRef="#br0" timeOffset="22951">15831 14049 13485,'28'9'936,"2"3"-791,-1 6-123,0-2 1,2 0-1003,14 6 980,-12-9 0,-2-2 0,-7-3 0,-8-7 0</inkml:trace>
+  <inkml:trace contextRef="#ctx0" brushRef="#br0" timeOffset="23235">16093 13883 11043,'12'11'2571,"-2"-3"-2044,-10 30-57,0-9-106,-3 15 0,-1 6-154,-1-5 1,-2 1-122,-3 14 1,-2-1-253,3-11 1,-1-2 145,-2 2 0,1-4-2249,-1 8-1157,3-13 3423,5-17 0,4-21 0,0 0 0</inkml:trace>
+  <inkml:trace contextRef="#ctx0" brushRef="#br0" timeOffset="24132">16164 13383 14034,'-15'33'644,"1"1"0,-14 23-465,-4-13-27,6-12-197,16-19-123,2-2 61,6-8 107,6-3 6,17 0 5,-3 0-11,14 1 0,-11 3-207,8 7 5,-8-1-542,9 11-4034,-12 6 4778,-5-6 0,-4 0 0,-9-16 0</inkml:trace>
+  <inkml:trace contextRef="#ctx0" brushRef="#br0" timeOffset="24535">16402 13335 12909,'4'58'669,"-2"-23"0,0-2-535,-2 2-72,3 11-56,3-16-6,4-4-236,6 1-212,-3-10-1322,10-2 443,-9-11 1327,7-1 0,-12-3 0,0 0 0</inkml:trace>
+  <inkml:trace contextRef="#ctx0" brushRef="#br0" timeOffset="24832">16307 13526 10836,'2'4'1400,"0"0"-571,-2-4-700,37-5-129,-17 2-2213,17-5 1,1 0 2212,-11 0 0,9-3 0,-28 7 0</inkml:trace>
+  <inkml:trace contextRef="#ctx0" brushRef="#br0" timeOffset="25299">16616 13287 12645,'30'31'427,"0"0"1,2 0 0,-1-5-283,3-13-21,8 3 100,-19-8 95,-8 1-319,-13-3 0,-13 8-6,-1-2 1,-22 14-1,8-6-207,-24 16-240,21-13-2365,-11 17 2818,23-12 0,2-6 0,11-9 0</inkml:trace>
+  <inkml:trace contextRef="#ctx0" brushRef="#br0" timeOffset="25966">17045 13502 11990,'48'44'1249,"-4"-1"-835,-17-12 40,-2 3-79,-1 2-39,-4 2-50,-4 3-99,-9-7 1,-2 2-92,1 26-71,-5-21 0,-3 2-22,-2-9 0,-3 1 2,-8 13 1,-4-1-6,3-10 0,-2-1 0,-14 20 0,-2 0-155,3-9 1,0-3-39,6-8 0,1-1-308,3 0 0,5-5-2362,10-8 2863,6-3 0,0-10 0,0-2 0</inkml:trace>
+  <inkml:trace contextRef="#ctx0" brushRef="#br0" timeOffset="26693">17759 14264 14202,'15'-28'-700,"-1"3"0,-9 16 0,0 3 0</inkml:trace>
+  <inkml:trace contextRef="#ctx0" brushRef="#br0" timeOffset="30203">18140 14502 9033,'27'-42'851,"0"1"0,-1-8 0,-4-5-418,-13 9 1,-2-4-1,-2 3-251,2-7 0,-2 1-90,-1-7 1,-1 4 170,-3 7 348,-9 3-337,1 17 275,-19 2-415,7 20-16,-19 3-23,15 10 29,-14 22 33,17 29-155,10-23 1,4 3 40,6 9 0,4 6 0,3-2-18,7 16 0,2-3-28,-3 3 1,5-3-127,8-7 0,2-11-235,-1-17 100,15 0-88,-14-24-1816,14-22-873,-9 2 2975,8-13 1,-25 17 0,-5 3 0</inkml:trace>
+  <inkml:trace contextRef="#ctx0" brushRef="#br0" timeOffset="30637">18640 14168 14449,'-18'33'437,"-1"-1"0,1 7 0,4 0-365,7 3-72,1 12-28,9-21-140,14 1 11,0-12-39,22-2 67,-15-15 28,12-16 169,-19-6-24,1-37 1,-13-11 25,-9 18 0,-5-1-48,0 12 1,-3 4-23,-16-22-1781,-6 53 588,22 16-1025,-2 20-1775,17-2 3993,2 3 0,-1-17 0,1-6 0</inkml:trace>
+  <inkml:trace contextRef="#ctx0" brushRef="#br0" timeOffset="31288">18878 14192 11805,'1'5'2274,"0"-2"-2106,-12 39 235,5 3-328,0-1 1,1 0-255,5 6-78,6-9 38,4-35 152,3-11 101,-4-6 72,3-26-106,-7 3 39,-1-16 12,-3 11 128,-1-11 101,-1 8-135,1 12-72,0 21 56,4 26-28,3 11 112,8 12 0,3 5-157,5 14-56,-4-9 0,0 1 34,2 7-1700,-8-19 1,-1 1 1665,4 17-6,-6-15 1,-2 0-129,-2 9 89,-20 4 90,1-27-1,-15-12-38,7-15-6,-9-19-11,8-1 11,-2-21 0,17-1 78,3-12 87,9 10 1,4-1-105,-3 8 1,2-2 1648,11-19 0,5 1-2013,-3 19 1,2 3-320,0 2 0,2 6 622,24-3 0,-30 26 0,0 4 0</inkml:trace>
+  <inkml:trace contextRef="#ctx0" brushRef="#br0" timeOffset="32856">19687 13502 15037,'-52'35'1003,"4"4"-796,22 6-126,4 9 0,2 7 0,4-10 1,2 3-31,4-7 1,1 7 0,1 0 0,2-5-52,1 12 0,4-1-747,7 4 1,3 3-1,2-7 775,2-11 0,3-5-28,6 14 0,2-4-67,8 0 458,-2-13-845,2-9-44,3-5-158,6 0-419,9-4-1838,-3-3 2913,-1-5 0,-22-8 0,-8-3 0</inkml:trace>
+  <inkml:trace contextRef="#ctx0" brushRef="#br0" timeOffset="33558">19949 14311 13177,'0'-47'952,"4"14"0,4-3-649,5-11 0,3-1-253,-3 10 1,-1-1-4,3-10 1,-3 4 30,-2 6 85,-2 7-74,-2 16-50,-1 9 96,-1 18-46,2 11-55,2 10 2,-1 0 1,2 4 16,2 16 0,0 3-188,1 0 1,-1-1-272,1 5 0,0-5-675,-2 1 1081,-2-24 0,-6-24 0,0-4 0</inkml:trace>
+  <inkml:trace contextRef="#ctx0" brushRef="#br0" timeOffset="33925">20449 14073 14348,'41'12'683,"-3"-2"-677,-13-7 72,20 0-145,-8-2-493,18-1 560,-6-6 0,-22 4 0,1-4 0</inkml:trace>
+  <inkml:trace contextRef="#ctx0" brushRef="#br0" timeOffset="34736">21044 13859 14129,'51'29'325,"-19"-11"0,2 0-838,-4-1 1,0-1-1017,26 12 1529,-20-14 0,-22-10 0,-3 0 0</inkml:trace>
+  <inkml:trace contextRef="#ctx0" brushRef="#br0" timeOffset="35051">21377 13787 15860,'2'47'874,"-3"1"-734,-4 0-22,-3 14-2085,0-12 0,0 1 2003,2-11 1,-1 0-15,0 7 1,0-2 253,-1 7-282,3-7 370,0 3-1821,2-13-5454,1-4 6911,2-19 0,0-6 0,0-4 0</inkml:trace>
+  <inkml:trace contextRef="#ctx0" brushRef="#br0" timeOffset="36831">21020 13621 13816,'17'-40'151,"-3"5"-95,-6 10-45,-1 5 140,4-14-16,-1 8-141,1-5 6,-4 13 11,-2 5 34,-4 11 403,-1 2-381,7 5-61,-1 2 28,6 7-1,0 1-22,1 3-11,2 0 0,13 13-16,-10-13-180,7 9-185,-15-18-6856,6 7 7237,-8-6 0,2 2 0,-8-7 0</inkml:trace>
+  <inkml:trace contextRef="#ctx0" brushRef="#br0" timeOffset="38309">21687 12978 14174,'-21'35'269,"-1"1"0,-2 6 0,2-3-118,3 1-90,3-7 1,1 1-62,-1 8-34,2-4-55,8-16 55,5-15 34,4-2 196,18 4-196,-5-1 45,25 9-23,-12 0-22,0 0-593,0 6-4560,-8 4 5153,-4-5 0,-5-2 0,-10-14 0</inkml:trace>
+  <inkml:trace contextRef="#ctx0" brushRef="#br0" timeOffset="38725">21830 13049 11368,'3'33'2067,"-1"13"-1221,7 20-656,-1-13-151,8 13-39,-2-39-28,17 1-17,-12-16-33,12 1-135,-18-13-1159,3-6-280,-8-2 1652,1-8 0,-7 8 0,-2-1 0</inkml:trace>
+  <inkml:trace contextRef="#ctx0" brushRef="#br0" timeOffset="38925">21782 13240 10629,'-3'7'1949,"1"-1"-1445,40-39-1069,-6 24-1138,25-24 1703,-12 35 0,-27-1 0,1 2 0</inkml:trace>
+  <inkml:trace contextRef="#ctx0" brushRef="#br0" timeOffset="39391">22044 12954 11962,'31'25'476,"1"0"0,-4-3 0,-2-1 84,7 7-453,-13-11 44,12 6 28,-21-13-78,-2-3-101,-5 2 39,-4-2-28,-7 12 23,0-2-34,-13 22 22,-8 16-207,1 2 62,4-2-319,13-22-902,8-20 1344,1-4 0,1-5 0,0-2 0</inkml:trace>
+  <inkml:trace contextRef="#ctx0" brushRef="#br0" timeOffset="40060">22496 13144 12343,'24'39'780,"0"-1"0,-4-7 1,-1 0-555,2 3 1,-1-1 177,8 21-245,-14-25 1,1 4-498,0 18 0,0 9 0,-3 0 453,-3-8 1,-2 0 0,-3 5-26,-2-3 1,-3 5 0,-1 3 0,-3-1-1,-2-4-43,-3 0 1,-4-2 0,-2-1 0,-1-1-46,0-2 1,-2 0 0,-2-2 0,-2-1-379,-2-1 1,-3-1 0,0-3-1,3-4 359,-5 7 1,1-3 361,-8 8 0,3-4-390,-1-2-464,-5 2-393,12-20-991,-4 0 1893,14-40 0,9 8 0,3-14 0</inkml:trace>
+</inkml:ink>
+</file>
+
+<file path=ppt/ink/ink52.xml><?xml version="1.0" encoding="utf-8"?>
+<inkml:ink xmlns:inkml="http://www.w3.org/2003/InkML">
+  <inkml:definitions>
+    <inkml:context xml:id="ctx0">
+      <inkml:inkSource xml:id="inkSrc0">
+        <inkml:traceFormat>
+          <inkml:channel name="X" type="integer" min="-2.14748E9" max="2.14748E9" units="cm"/>
+          <inkml:channel name="Y" type="integer" min="-2.14748E9" max="2.14748E9" units="cm"/>
+          <inkml:channel name="F" type="integer" max="32767" units="dev"/>
+        </inkml:traceFormat>
+        <inkml:channelProperties>
+          <inkml:channelProperty channel="X" name="resolution" value="1000" units="1/cm"/>
+          <inkml:channelProperty channel="Y" name="resolution" value="1000" units="1/cm"/>
+          <inkml:channelProperty channel="F" name="resolution" value="0" units="1/dev"/>
+        </inkml:channelProperties>
+      </inkml:inkSource>
+      <inkml:timestamp xml:id="ts0" timeString="2022-11-21T14:55:56.992"/>
+    </inkml:context>
+    <inkml:brush xml:id="br0">
+      <inkml:brushProperty name="width" value="0.05292" units="cm"/>
+      <inkml:brushProperty name="height" value="0.05292" units="cm"/>
+      <inkml:brushProperty name="color" value="#0070C0"/>
+    </inkml:brush>
+  </inkml:definitions>
+  <inkml:trace contextRef="#ctx0" brushRef="#br0">1881 16359 12528,'-19'-3'1148,"1"0"-947,6-1-44,-1 0-6,-1 0 6,0 0 56,-13-1-62,-5 2-196,-7 2 6,2 16 39,14 3 0,2 31 112,9-10-112,5 0 0,0 2 0,-1 13 0,2-5 0,1 1-5,1 10 7,0-11 1,1 2 28,2-13 0,0-2-9,0-1 1,0 0-18,-1 29 96,1-29-146,-3-7 40,-2-14-1,-8-11 6,1-2 6,-13 0-12,9-1-134,-8-11 50,15-22 46,8-11-21,13 10 1,6 1-59,21-6 111,10 9 113,10 37-22,-21 7-29,12 13-44,-15-2 10,-3-1-27,9 4-90,-13-11-39,14-2 208,-13-15-124,0-8-2051,7-19 2107,-6-2 0,-6 4 0,-7 8 0</inkml:trace>
+  <inkml:trace contextRef="#ctx0" brushRef="#br0" timeOffset="4237">2500 16240 13653,'-21'35'779,"1"-3"-673,-9 12-33,3 3-28,-5 12-6,11-7-17,11-14-2,4 1 0,2 1-20,-1 12-3,7 3 0,2-1 3,7 5 3,4-7 0,3 3-3,-1-10 0,2 1 0,9 13 0,0-1-3,-9-20 0,0-2-6,3 0 1,-2-5-104,-3-12-151,5 5-751,-8-11-319,-2-3-1568,-3-4 2901,-6-8 0,-2 1 0,-1-1 0</inkml:trace>
+  <inkml:trace contextRef="#ctx0" brushRef="#br0" timeOffset="4751">2738 16716 13973,'34'33'543,"-6"-8"-532,17 7 6,-16-14 0,2-1-426,15 6-1129,-11-9 1,-3-1 1537,0-4 0,-10-5 0,-17-4 0</inkml:trace>
+  <inkml:trace contextRef="#ctx0" brushRef="#br0" timeOffset="5120">3095 16645 14936,'3'67'1042,"-4"-4"-829,-7-20-107,-2 4-25,4-10 1,-1 2-12,1 1 0,0 1-51,-2 13 1,2-1-20,-2 13-6,3-9-134,5-43-157,0-4-162,0-5-1227,0-1 1056,0-4 1,0 1 0</inkml:trace>
+  <inkml:trace contextRef="#ctx0" brushRef="#br0" timeOffset="5670">2738 16478 13838,'38'-33'1059,"-8"6"-880,-4-3-50,-1 4-85,-6 10-38,5 0 11,-3 12 280,12 20-185,1 10-73,-12-1 1,-1 2-399,5 12-565,-5-4 924,-8-11 0,-8-18 0,0 7 0</inkml:trace>
+  <inkml:trace contextRef="#ctx0" brushRef="#br0" timeOffset="6036">3452 17050 14617,'-2'66'823,"-2"-2"-717,-4-15-100,1 2-135,2-17 0,1 0-896,0 10-2223,1 2 3248,3-32 0,0-7 0,0-5 0</inkml:trace>
+  <inkml:trace contextRef="#ctx0" brushRef="#br0" timeOffset="6667">3714 16645 14404,'31'23'121,"1"0"0,-1-1 1,-1-2-173,11 4-733,4-4-229,-24-11-5244,9 3 6257,-18-6 0,0-1 0,-10-2 0</inkml:trace>
+  <inkml:trace contextRef="#ctx0" brushRef="#br0" timeOffset="6986">4047 16574 9806,'6'5'3909,"-1"-1"-2912,-5-4 297,-5 72-1031,0-28-148,0 8 0,-1 2 70,-5 6-434,3-16 1,-1 2 276,3-13 0,-1 0 58,-1 10 0,1-2-86,-1 9 0,2-7-135,1 1-117,3-17-896,1 1-6022,1-17 7170,1-4 0,0-3 0,0-3 0</inkml:trace>
+  <inkml:trace contextRef="#ctx0" brushRef="#br0" timeOffset="8843">4285 16312 12998,'41'17'1943,"15"21"-1601,-19-4-281,-12-8 1,1 2 112,8 18-45,0 6-62,-18-23 1,-1 3-12,0 2 0,0 2-601,-1 4 0,-1 4 616,-3-2 0,-1 3 0,-1 0-15,1 14 0,-2 0-17,0 0 0,-2-1 192,-4-9 0,-5-3-245,-1-10 0,-3-2 9,-7 32-49,1-27 1,-1-3-81,-3 1-45,-5 1-34,10-21-56,3-5-2102,1-5-1135,5-22 3506,0 2 0,4-7 0,0 11 0</inkml:trace>
+  <inkml:trace contextRef="#ctx0" brushRef="#br0" timeOffset="9208">4904 16812 15093,'49'-2'762,"10"3"-762,-28 2-645,21 2-1634,-19-1-947,-2 0 3226,-12 1 0,-13-2 0,-4-1 0</inkml:trace>
+  <inkml:trace contextRef="#ctx0" brushRef="#br0" timeOffset="9391">4928 17073 13065,'-9'-1'1669,"1"1"-1305,41 0-101,-9 0-179,30 1-84,-15-1-84,1-3-683,7 2 767,12-3 0,-27 2 0,3 1 0</inkml:trace>
+  <inkml:trace contextRef="#ctx0" brushRef="#br0" timeOffset="16782">6451 16145 12869,'-31'9'1406,"5"-2"-796,15-2-229,-11 1-213,-7 1-89,-4 1 28,-13 2 33,-10 5-73,9-3 50,-13 8-83,36-10-12,-8 6-16,11-3 44,-3 6-10,8-4-80,4-2 35,8-7 5,2-2 17,1-1-213,1-2 207,3 0-11,0 0 11,5 0-5,-4 0 44,0-1 387,-4 1-432,0 0 1,-5 2-6,0 0 6,-8 3-1,4-2-5,0 0 6,4-1-90,4-2-252,0-1 336,4 2 0,3-1 0,5 1 0,11 1 0,-3 1 33,22 3-27,-12-1-6,29 5 0,-3 0-6,-14-2 1,0-1-29,14 5 34,0 0-50,-32-5 44,-3-2-27,1 2 27,-7-3 6,0 1-6,-8-4 1,-3-2-51,-1 2 134,-2-2-72,-6 1 33,-9 2-39,-4-1 11,-8 6 34,2-1-39,-5 4 5,-22 11-6,-7 6 1,0 2 16,27-11 1,2 1-34,-8 14-90,7-3 28,14-7 39,13-14 34,4-6 62,-1 4-17,1-4-45,-1 3 5,1-5 1,0 0-191,0-1 224,12 1 40,26 2-34,0 0 2,3 0 1,1 0-43,11 3-2,-15-3 0,0 1-3,22 3 3,-4 1 0,3 2-1,-14-2 1,-1 0 0,22 5 0,-3 0-154,2 2-2101,-16-4 190,-32-10 2062,-10-5 0,-7 1 0,-1-1 0</inkml:trace>
+  <inkml:trace contextRef="#ctx0" brushRef="#br0" timeOffset="17466">5999 17193 14891,'-7'54'673,"0"1"-601,5-11-13,1-11 0,1 4-34,7 8 0,2-1-25,-3-7 0,1-2-53,6 3 0,2-6-53,6-9-24,2-8-346,8-6 129,-7-5-168,3-5-191,-12-6-1994,-4-13-201,-5 1 2901,-4-5 0,-2 14 0,-1 4 0</inkml:trace>
+  <inkml:trace contextRef="#ctx0" brushRef="#br0" timeOffset="17668">5904 17502 12068,'-6'-6'1731,"1"1"-1227,29-8-241,18 2-347,16-7-493,-5 7 577,7 2 0,-41 6 0,13 0 0</inkml:trace>
+  <inkml:trace contextRef="#ctx0" brushRef="#br0" timeOffset="17965">6285 17288 15378,'36'14'-123,"0"0"0,9-1 0,-5-2-1765,-5-3 1888,10 0 0,-28-4 0,-8 0 0</inkml:trace>
+  <inkml:trace contextRef="#ctx0" brushRef="#br0" timeOffset="18216">6356 17597 12561,'-6'-3'1154,"0"0"-101,6 3-712,0 0-49,34-3-96,-2 1-196,19 0-448,-2-1-1686,-11 2 2134,3-1 0,-18 1 0,-10 1 0</inkml:trace>
+  <inkml:trace contextRef="#ctx0" brushRef="#br0" timeOffset="18533">6666 17597 15098,'29'-42'666,"0"0"1,-1 5 0,-4 5-600,-10 12 28,0 9 29,-8 14 27,2 5 6,5 23-157,-3 0 0,3 17-107,-4-7-1186,0 16 194,-3-16-6003,-1 14 7102,-3-34 0,-2-2 0,0-16 0</inkml:trace>
+  <inkml:trace contextRef="#ctx0" brushRef="#br0" timeOffset="19341">5928 15669 14040,'41'-1'733,"-1"1"-660,-13 5-17,2 1-45,-2-1 29,7 2-147,-11-2-268,2 0-1691,-9-3 2066,-7-1 0,-1-1 0,-6 0 0</inkml:trace>
+  <inkml:trace contextRef="#ctx0" brushRef="#br0" timeOffset="19571">6118 15716 10326,'-5'-7'3613,"1"1"-3260,4 47 246,0 5-479,0-4 1,0 2-354,0-6 1,0-2-1582,1 11-147,1-16 1961,0-36 0,0 3 0,-1-7 0</inkml:trace>
+  <inkml:trace contextRef="#ctx0" brushRef="#br0" timeOffset="19906">6285 15883 13485,'49'24'-352,"-1"-1"-348,-35-17-3675,7 1 4375,-12-5 0,-1-1 0,-5-1 0</inkml:trace>
+  <inkml:trace contextRef="#ctx0" brushRef="#br0" timeOffset="20158">6452 15835 9061,'1'11'3276,"0"-3"-1450,-1-8-1232,0 0-130,0 16-60,0-1-157,0 16-85,0-3-84,-1 3-44,-2 1-28,-2 10-426,0-7-96,1-4-1394,-1-13 0,1-12 1910,-3-1 0,4-4 0,0 0 0</inkml:trace>
+  <inkml:trace contextRef="#ctx0" brushRef="#br0" timeOffset="26021">7499 16193 14129,'-20'7'168,"1"0"-100,7-9-57,-10 1-6,3 0 40,-16 0 22,4 1 1,0 4 55,-4 4-11,10 14-168,5-3 56,6 8 0,12-8 0,1 4 84,1 3-23,5 20-55,-1-9 28,4 15 27,4 7-55,-4-14 8,-1-7 0,-1 2 64,2 17-45,-5-21 1,0-1-73,0 12 45,-3-11 50,-7-17-62,-1-10-50,-12-1 23,7-5-7,-6-2-4,8-6 10,1-2 17,3-16-16,3-7 38,3-2-5,7-7 0,3 13-5,3 3-102,6 5 107,-5 14 17,8-1 39,2 9 0,7 6-34,26 16-10,-10-2-12,-15-8 0,1 0 0,11 3-6,15-3 0,-16-8-33,19-3-1590,-18-32-1749,-10 8 3378,-9-18 0,-20 25 0,-3 4 0</inkml:trace>
+  <inkml:trace contextRef="#ctx0" brushRef="#br0" timeOffset="30237">7713 15645 15816,'-17'20'257,"-1"1"-78,-11 6-145,6-5 84,-25 23-107,21-18-11,-6 4-67,18-15 22,9-9-22,2-2-141,2-2 113,2-2 95,3 2 34,4 0-34,6 2 56,4 2-56,5 0 5,4 3-5,14 7-134,1 1-12,-1 1-285,-3 2-493,-20-8 924,1-2 0,-12-5 0,-2-4 0</inkml:trace>
+  <inkml:trace contextRef="#ctx0" brushRef="#br0" timeOffset="30817">7951 15669 13782,'-8'44'913,"1"-2"-801,7-17-11,2 1-68,8 14-44,6-1-190,2-3-499,4-5 252,-10-20-981,3-2-3108,-8-14 4537,-2-1 0,-4-2 0,-1 5 0</inkml:trace>
+  <inkml:trace contextRef="#ctx0" brushRef="#br0" timeOffset="31035">7880 15907 10814,'-8'-12'2235,"1"2"-1463,7 10-576,47-3-196,-26 1-498,38-2-521,-37 1 1019,5 0 0,-13 1 0,1 0 0</inkml:trace>
+  <inkml:trace contextRef="#ctx0" brushRef="#br0" timeOffset="31587">8118 15645 14701,'40'45'330,"-15"-19"0,-1-2-290,12 4 21,11 6-22,-14-12 46,-7-6 21,-18-11 74,-5-2 83,-3-2-190,0 0-17,-2 2-12,-2 1 18,-19 12-62,-6 4-286,-14 12-94,12-8-1592,5 8 1972,14-10 0,4-5 0,6-5 0</inkml:trace>
+  <inkml:trace contextRef="#ctx0" brushRef="#br0" timeOffset="32529">8641 16073 14135,'-31'25'513,"-1"0"1,1 3 0,4 0-195,1 24-50,-1 9-138,15-29 1,1 0 30,-6 31-50,4 3-101,8-4-11,1 1-28,12-21 0,4-1 23,7 21-331,7-15 0,6-2-617,2-13 1,4-3 952,7 3 0,0-2 0,-14-12 0,-3-3 0,16 3 0</inkml:trace>
+  <inkml:trace contextRef="#ctx0" brushRef="#br0" timeOffset="33111">8761 16454 13922,'41'21'1087,"0"0"-959,-10-1-72,1-1-56,-1-2 0,-2 0-201,-1-5-1591,9 1 1792,-6-4 0,-6-3 0,-11-3 0</inkml:trace>
+  <inkml:trace contextRef="#ctx0" brushRef="#br0" timeOffset="33410">9142 16407 16096,'-4'63'390,"1"0"1,-2-13-1,0 1 1,-1-3-332,-3 12 0,-1-3-40,-1 2 1,2-6-20,1-3 0,3-12-465,2 5-145,2-15-1362,-1 8-4033,2-26 6005,0-3 0,0-7 0,0-1 0</inkml:trace>
+  <inkml:trace contextRef="#ctx0" brushRef="#br0" timeOffset="33960">8832 16216 14001,'27'-43'1360,"0"7"-1023,-8 25-130,1 2-50,1 1-28,-3 2-12,0 3-10,-3 1-34,-1 2 55,3 7-116,-3 1 32,4 15-284,-5 1-376,-2-5 318,-2-5-172,-5-13-208,-2-1-358,1 0-2599,0 4 213,0 1 3422,1 5 0,-2-4 0,-1 0 0</inkml:trace>
+  <inkml:trace contextRef="#ctx0" brushRef="#br0" timeOffset="35540">9546 15931 15294,'-15'37'606,"0"-1"-539,0-14 39,-3 5-11,0 3 85,-2 2-63,-7 13-72,4-6-45,2-4-90,8-13-111,10-16 167,11 0 40,1-2-6,12 2 5,-2 1 46,3 2-46,13 8-5,-9-2-173,7 6-275,-12-7-1782,1 6-492,-6-5 2722,1 4 0,-11-11 0,-2-1 0</inkml:trace>
+  <inkml:trace contextRef="#ctx0" brushRef="#br0" timeOffset="35909">9713 15978 10741,'4'2'3103,"-1"-1"-2868,-3-1 151,-2 18-94,-1-1 32,-1 21-10,0-4-84,3 5 28,3 19-253,14-4-142,1-23 0,5-3-636,21 3-2286,12-26 999,-30-13 2060,-7-10 0,-17 11 0,-1 3 0</inkml:trace>
+  <inkml:trace contextRef="#ctx0" brushRef="#br0" timeOffset="36092">9641 16264 13205,'32'-22'-504,"-1"0"0,1 2 0,-3 5-1731,3 13 2235,3 2 0,-17 0 0,-5 0 0</inkml:trace>
+  <inkml:trace contextRef="#ctx0" brushRef="#br0" timeOffset="36541">9903 15931 14393,'30'26'253,"0"1"1,-2-2 0,-2-3-108,9 7-146,-7-10 5,5 5 7,-12-13 4,3 3 130,-10-7-50,-1 0 44,-12-3-140,-12 5 0,-26 12 0,5-2 0,-18 10-6,22-10-566,-3 11-413,12-5-2236,2 4 3221,13-10 0,3-9 0,1-3 0</inkml:trace>
+  <inkml:trace contextRef="#ctx0" brushRef="#br0" timeOffset="37311">10379 16764 13541,'1'35'276,"-1"1"1,0 6-1,-2-1-225,-2 14-135,-1 0-1871,1-7 1955,2-29 0,0-3 0,2-12 0</inkml:trace>
+  <inkml:trace contextRef="#ctx0" brushRef="#br0" timeOffset="38424">10784 16502 15037,'39'21'204,"-1"-1"0,13 4-263,-14-5 1,1 0-900,12-3-162,-17-8-5041,8-1 6161,-26-8 0,-2 1 0,-11-2 0</inkml:trace>
+  <inkml:trace contextRef="#ctx0" brushRef="#br0" timeOffset="38706">11141 16431 15575,'3'35'364,"-1"-1"0,0 0 0,-2 1-280,-6 4 0,-1 0-39,-4 26-45,3-20 0,0-1 0,-4 17-56,-1-4-135,2-7-587,-1-1-46,6-20-3298,0-4 1355,6-20 2767,0-3 0,0-2 0,0 0 0</inkml:trace>
+  <inkml:trace contextRef="#ctx0" brushRef="#br0" timeOffset="39409">11236 15812 14465,'-24'60'555,"5"-19"0,-1-1-382,-8 6-133,-6 8-7,12-18-44,10-15-79,6-9-55,2-1 145,5-8 0,4 0 0,8 3 0,17 9-6,2 2-140,2 3-67,-10-5-95,-9-5-929,3 2 27,-7-6-515,2 0 1725,-5-5 0,-4-1 0,0 0 0</inkml:trace>
+  <inkml:trace contextRef="#ctx0" brushRef="#br0" timeOffset="39772">11403 15835 10231,'10'1'4072,"-2"0"-3344,-13 43-543,4-19-79,-5 38-33,6-31-67,0 1-1,2-1-5,4-3-481,15 10-555,-1-16 386,4 0-1484,-7-18 2134,-11-17 0,-1 9 0,-5-8 0</inkml:trace>
+  <inkml:trace contextRef="#ctx0" brushRef="#br0" timeOffset="39972">11355 16073 13457,'55'-6'-655,"-6"2"-1098,-21 4 1753,6-2 0,-16 2 0,1-1 0</inkml:trace>
+  <inkml:trace contextRef="#ctx0" brushRef="#br0" timeOffset="40506">11617 15907 9761,'7'2'3478,"-1"1"-3013,-6-3 128,31 30-413,-11-12-63,27 25-55,-17-19-12,0-2-39,9 6-5,-13-10 28,8 4 212,-22-13-246,-4 0-6,-18-1 57,-3-3 27,-40 14-78,19-5 0,-25 10-5,24-4-404,-12 20-1882,22-10 2291,-2 8 0,25-24 0,3-8 0</inkml:trace>
+  <inkml:trace contextRef="#ctx0" brushRef="#br0" timeOffset="41177">12069 15978 14348,'25'26'442,"-1"0"1,-1 0 0,-3 1-74,8 26-238,-15-21 1,-1 2-2157,-1 8 0,-1 2 2128,-1 3 1,-2 6 2,-5 8 1,-3 7 0,-2-4 222,-1-15 0,-2-3 1,-1 3-308,-3 13 0,-2 2 1,-2-8-9,-3-11 0,-5-6 245,-7-3 1,-2-4-590,-10 3-236,8-10 1,0-2-949,1-1-1270,-1 8-591,21-10 3375,8 6 0,2-14 0,2-2 0</inkml:trace>
+</inkml:ink>
+</file>
+
+<file path=ppt/ink/ink53.xml><?xml version="1.0" encoding="utf-8"?>
+<inkml:ink xmlns:inkml="http://www.w3.org/2003/InkML">
+  <inkml:definitions>
+    <inkml:context xml:id="ctx0">
+      <inkml:inkSource xml:id="inkSrc0">
+        <inkml:traceFormat>
+          <inkml:channel name="X" type="integer" min="-2.14748E9" max="2.14748E9" units="cm"/>
+          <inkml:channel name="Y" type="integer" min="-2.14748E9" max="2.14748E9" units="cm"/>
+          <inkml:channel name="F" type="integer" max="32767" units="dev"/>
+        </inkml:traceFormat>
+        <inkml:channelProperties>
+          <inkml:channelProperty channel="X" name="resolution" value="1000" units="1/cm"/>
+          <inkml:channelProperty channel="Y" name="resolution" value="1000" units="1/cm"/>
+          <inkml:channelProperty channel="F" name="resolution" value="0" units="1/dev"/>
+        </inkml:channelProperties>
+      </inkml:inkSource>
+      <inkml:timestamp xml:id="ts0" timeString="2022-11-21T14:56:53.488"/>
+    </inkml:context>
+    <inkml:brush xml:id="br0">
+      <inkml:brushProperty name="width" value="0.05292" units="cm"/>
+      <inkml:brushProperty name="height" value="0.05292" units="cm"/>
+      <inkml:brushProperty name="color" value="#0070C0"/>
+    </inkml:brush>
+  </inkml:definitions>
+  <inkml:trace contextRef="#ctx0" brushRef="#br0">5095 4477 14303,'11'41'186,"0"0"1,-2-6 0,0 2-142,1 26 0,-2 3-3,0-5 0,-1 0-39,0-10 1,-1 1 0,1-1 15,0 11 1,0-4-6,-2-18 0,0-4-154,2 18 50,-4-32 85,1-1-62,-3-12 27,-1-2-66,0 0-124,0 2-2699,0 11 2929,0-3 0,0 2 0,0-10 0</inkml:trace>
+  <inkml:trace contextRef="#ctx0" brushRef="#br0" timeOffset="636">5047 4667 12696,'18'-46'450,"0"12"1,0 2-411,5 3-1,13-15 6,-19 27 16,-3 4-61,-3 4 0,-1 4 415,6 8-96,3 14-263,3 4-308,10 24 252,7 4 0,-16-16 0,3-2 0</inkml:trace>
+  <inkml:trace contextRef="#ctx0" brushRef="#br0" timeOffset="2463">4214 3048 12191,'8'52'555,"0"7"-549,-3 0 106,-3-20 0,1 3-31,0 6 0,0 1-45,0 3 1,-1 0-367,1-2 1,0 0 474,-1 3 1,0 0-42,1-4 0,-1 0-85,0-3 1,0-1-9,1 18-11,-1-24 267,-1-22-94,1-2 31,-1-7-120,-1-2 11,1-6-39,-1 2 401,1 1-429,-1 8-33,0 8 5,0-4 28,0 4-23,0-9-16,0-4 11,0 2 6,0-5-40,0 0-223,0-2 313,7-1 50,2 0 51,20 0 22,25 0-173,-8 0 27,19 1-27,-27 1 33,23-1-28,-13 1 14,-3-3 1,0 0-21,11-3 14,-5 0 1,2-1-20,12-3-215,-2 3 0,6 0 215,-4 3 0,1 1 5,-12 0 1,2 0 0,-3 1 5,-6-1 0,-1 1 1,-3 0-12,8-1 0,-6 0 0,21-3 0,-31 0 0,2 0 5,-19 0 1,-5 1-6,-5 1 5,-2 0-5,-4 1-403,-1-1-5446,-2-4 5849,-1 1 0,1-2 0,-2 6 0</inkml:trace>
+  <inkml:trace contextRef="#ctx0" brushRef="#br0" timeOffset="3564">4309 2786 11782,'37'-7'1608,"18"1"-1255,7 7-283,-4 0 0,4 0-42,-16-1 0,1 1-190,15 0 0,0-1 184,-17-1 1,-2-1-20,5-1 0,0 0-3,0-1 0,1 0-3,-3 0 0,1-1 3,13 0 0,0-1 38,-18 2 1,0 0-98,19-3 1,-4 0-15,-2 1-31,-15 2 1,0-1 13,18 2 67,-17 1 1,0 1 22,23 0-22,-13 1 27,-19 0-5,-19 0 253,3 0-259,-11 0-22,-1-1 28,-2 1 0,-1-1-28,2 1-6,-1-1 141,0 0 548,-1 0-537,0 22-6,-1 7-1761,1 26 1,-1 9 1690,0-11 0,0 5-13,-2-4 0,0 7 1,-2 2-1,1-3-772,-1 8 0,0-2 0,0 0 743,-2 1 0,1-1 0,0-1 50,0-6 1,1-1-1,1-7-84,1-8 1,1-5-303,1 30-789,6-26 2295,-2-25-1170,2 4 0,-4-14 0,-1-1 0</inkml:trace>
+  <inkml:trace contextRef="#ctx0" brushRef="#br0" timeOffset="8953">4976 3167 13491,'-31'24'1075,"-2"0"-996,4-8 27,-6 8-106,18-8 56,-5 15-17,13 2-39,1 3 11,6 21-11,3-20 129,1 28-123,0-27 100,1 21-55,-3-22 94,-2 4-218,-3-17-50,-3-10-280,-14-11 291,8-2 39,-9-1 23,13-3-118,1-5 95,5-1-33,5-8 78,27-6 240,10 4-49,11 0-74,-3 13 18,-12 5-79,-1 1-28,-1 3-11,-2 3 11,-4 3 39,-4 3-39,-2-1-851,1 3-482,-5-2 1333,2 4 0,-11-10 0,-1 0 0</inkml:trace>
+  <inkml:trace contextRef="#ctx0" brushRef="#br0" timeOffset="10504">5285 2929 13900,'-22'33'806,"-6"2"-683,14-20-27,-7 6-24,8-4-21,-4 7-79,6-6 22,-1 6-5,7-12 5,3-1 1,0-7-34,2-2-135,0-2 12,1 3 162,3 0 61,9 9-22,0-1-33,15 14 78,-11-7-45,12 15-190,-9-9-196,-1-1-1613,-3-8 1960,-6-16 0,-3 3 0,-2-7 0</inkml:trace>
+  <inkml:trace contextRef="#ctx0" brushRef="#br0" timeOffset="11583">5380 3143 12399,'17'-16'498,"0"0"-380,-9 8 117,5-4-162,-5 5-39,2-2 33,-5 3-34,0 0 29,0 1 44,2-3-55,-3 3 44,1-1 11,-2 4-94,-1 0 44,-1 1-90,0 1 34,1 1 230,0 11-169,2 1 29,-1 12-90,-1-2 0,0 1-331,1 8-469,-1-7-80,1-1-2183,1-12 3063,-1-8 0,0-3 0,-2-1 0</inkml:trace>
+  <inkml:trace contextRef="#ctx0" brushRef="#br0" timeOffset="11999">5571 2905 13194,'49'26'835,"-7"-4"-673,-22-3 0,-1 0 242,4 9-259,-8-7 34,-3-1 572,-8 7-633,-5-9-23,-6 14-95,-3-9-173,-5 2-287,-1 0-268,-3-2-5333,-13 10 6061,11-11 0,-2 0 0,16-15 0</inkml:trace>
+  <inkml:trace contextRef="#ctx0" brushRef="#br0" timeOffset="13059">8618 4382 10668,'6'43'545,"1"0"0,0 9 1,0 2-157,-3 3 0,0 0-336,0-8 1,-1-1-1,0 12 0,-2-3 14,0 7 12,-1-2-79,0-2-23,0-5 6,0-17 1,0 0-130,0 15 56,0 7-78,1-19 56,3-6 107,0-1 5,1-4-135,-2-15-273,-1-6-450,1-4 209,-1-7-214,0-18 863,0-24 0,-2 16 0,0-8 0</inkml:trace>
+  <inkml:trace contextRef="#ctx0" brushRef="#br0" timeOffset="13545">8380 4596 11553,'26'-40'801,"1"1"0,2 0 0,4 4-653,2 9 1,2 5-82,20-11 252,1 15-61,-30 18-68,5 9-44,-12 7-62,7 18-84,-8-6-96,5 9-1169,-4-5 1265,-3-5 0,-4-7 0,-6-9 0</inkml:trace>
+  <inkml:trace contextRef="#ctx0" brushRef="#br0" timeOffset="15383">7475 2929 11805,'9'-16'33,"-2"3"-201,-7 11 168,2 5 247,1 6 185,3 9-186,1 9-61,2 9-68,1 16 1,1 10-62,-5-18 0,0 2 0,0 1-264,2 4 1,-1 1-1,0 0 297,-1 1 1,0-1 0,-1-4 72,0 0 1,-1-5-102,0-1 1,1-1 22,-1 5 0,1-3 17,0 9-56,4 13-45,-3-31-17,5 9-39,-5-19 56,4 7 33,-5-20 57,2 4-90,-3-3 701,3 3-919,-4-8 218,0-1 84,-2-5 112,-1-1-191,1 2-5,2-1 0,0 2-140,1 0-28,7-1 252,5-1 112,28 0-61,7-5-102,8 2-30,-18-2 0,-1-1-1290,13-1 1321,-16 2 0,0 0-34,16-2 5,1 0-5,-2 0-22,0 1-449,-17 2 0,1 1 477,17 0-4,-9 1 1,0 0-3,6 1 3,-9 1 0,1 0 36,25 2 3,-20-1 0,-1 0-31,15 2-5,1-3 56,-35-1-46,20 1-10,-18 0 5,14 1-11,-22 2 11,8 1-11,-7-1 1184,17 3-1190,0-5 1090,-2 1-1078,-5-2-6,-16-1 11,-9 0-17,6 0 1,-5 0-1,6 0 1,-6 0-57,15 4-50,-3 0 62,9 2 38,-14-3-55,-5-2-6,-7-1-89,-3 0-1546,0-3-1132,0-3 2840,-4-4 0,2 3 0,-1 1 0</inkml:trace>
+  <inkml:trace contextRef="#ctx0" brushRef="#br0" timeOffset="16399">7737 2715 10186,'43'2'713,"-1"1"1,12 0-1,3-1-476,-4-1 0,3-1 0,1 0-159,0-1 1,0 0 0,4 0-51,3 0 0,7 0 0,-2 0 0,-8 0-304,7-1 1,-5 0 275,5 0 0,-7 1-3095,-8 2 3095,-13 2 45,12 2-371,-18 0 382,-1 1-6,16 2-50,-10-2 25,-4-3 1,1 0 13,23-1-34,-17-5 1,-1 0 0,12 0 273,-2-5-312,-28 4 72,8 2-39,-12 1 3194,4 0-3194,-16 1 632,-1 0-621,-2 0 152,-1 0 531,-3 0-699,0 6 5,0 4 33,0 11 12,2 35-45,3 6 0,-1-11 0,-1 3 28,1 0 0,0 1 22,-1 6 1,-1 4-1066,-1-6 0,0 3 0,0-2 1015,0-15 0,0-1 0,-1 2 5,1 20 1,0 3 0,1-4-376,0-1 1,1-4-561,0-3 1,0-4 929,2 12 0,-1-48 0,-3-12 0</inkml:trace>
+  <inkml:trace contextRef="#ctx0" brushRef="#br0" timeOffset="17691">8475 3119 13530,'8'41'1473,"-1"-3"-986,-7 2-335,0-8-62,-3 31-34,-1-22-51,-4 15 40,0-14-9,-2-6 1,-2 2 2,-9 21-188,0-14 1,-3-1-71,-14 4 158,0-10-141,5-23 12,19-16 100,-1-10 34,11-9 50,3-5-44,12-13-17,1 11 16,23-4 208,7 25 34,3 12-130,-14 10 1,1 5 8,-5 4 0,-1 2-70,0-1 0,0-1-378,0 2 0,0-6-1168,-1-8 1546,3-23 0,-18 2 0,-3-13 0</inkml:trace>
+  <inkml:trace contextRef="#ctx0" brushRef="#br0" timeOffset="18675">8880 3000 13323,'-36'29'705,"1"0"1,6-6 0,3-1-454,-12 17-44,12-6-208,10-13-6,3 2-84,10-15-22,2-3 51,1-3 44,0 0-17,1 0 34,5 2 45,13 8-39,0 1-1,12 6-5,-7-2 6,9 7-6,-9-7-101,3 5-1087,-9-8-3998,-7-2 5186,-2-3 0,-6-4 0,-3-3 0</inkml:trace>
+  <inkml:trace contextRef="#ctx0" brushRef="#br0" timeOffset="19091">8951 3167 10041,'16'1'2767,"-3"-1"-2302,-13 0 235,33-10-465,-20 7-17,25-3 17,-32 13 90,-2 5 157,-4 29-421,-8-4-55,-1 14-6,-1-24-370,4-12 236,5-12 89,5-1 40,1-2-320,12 0-207,-4 0-510,7-2-1008,-7-1 2050,2-2 0,-8 2 0,1 1 0</inkml:trace>
+  <inkml:trace contextRef="#ctx0" brushRef="#br0" timeOffset="19459">9094 2953 13245,'34'33'388,"0"0"0,-1-3 0,-5-3-309,-4-5 44,-3-4-17,-8-5 74,-3-2 94,-1 6-67,-4-4 12,-1 4-12,-3-4-151,-9 11-50,-1-4-129,-19 15-970,-1-9-329,-2 0 1422,-2-3 0,21-15 0,-1 0 0</inkml:trace>
+  <inkml:trace contextRef="#ctx0" brushRef="#br0" timeOffset="20540">12379 4262 12006,'6'45'777,"0"0"0,1 7 0,0-3-380,-1-1-226,-2-12 0,0 1 70,1 29-193,-2-13 1,0 8-1,-1-3-246,0-3 0,0 0 190,-1 2 1,1 5 0,-1-8-615,-1-15 0,0-5 667,0 21-45,0 10-179,1 0-143,2-27 0,0 0-1056,2 12-5426,1-27 6804,-4-29 0,-1-7 0,-1 5 0</inkml:trace>
+  <inkml:trace contextRef="#ctx0" brushRef="#br0" timeOffset="21042">12260 4405 13239,'43'-17'1686,"12"-6"-1530,-17 6-122,3 1 28,-13 9 55,-10 6 169,16 32-286,-12-10-179,12 27-493,-19-17-5406,6 7 6078,-9-14 0,0-2 0,-9-16 0</inkml:trace>
+  <inkml:trace contextRef="#ctx0" brushRef="#br0" timeOffset="22376">11427 2881 9022,'9'-49'2419,"-2"6"-1327,-7 33-772,0 2-7,0 4-206,0 3 581,0 1-688,0 5 331,4 20-169,0 7-84,2 9 1,1 7-74,-1 15 1,-1 5-301,-1-24 0,-1 1 1,1 3 342,-1 17 1,-1 4-1,0-4 95,-1-16 1,-1-3 0,0-1-77,1 19 1,-1-4-29,0-13 0,0-6-39,0 3 0,2 0 11,0-3-11,1-5-151,2 0 106,-2-14-106,3 0 106,-4-16 40,1-2-40,-3-4 90,1 0-1070,0 2 55,0 0-1869,1 5 1942,-1-1-178,1 2 1075,0-4 0,-1-2 0,0-1 0</inkml:trace>
+  <inkml:trace contextRef="#ctx0" brushRef="#br0" timeOffset="23194">11641 2715 9996,'42'8'613,"0"0"0,18-1 1,8-3-1,-2-1-464,-14-4 1,-1-2-1,1 0-2002,13 2 0,3 0 0,-6-2 1869,5-3 1,-8-2 0,-20 3 0,-3 0 1392,19-2-1387,-21 3 1,0 0-18,17 0-5,-13 1 0,0 1 6,18-1 429,-14 0 1,2 0-434,-6 2 1,1 0 0,0-1 0,1 1 22,6 0 0,-3 1-25,14 0-5,7 0 5,-31 1 3397,4 0-3391,-22 0-1,-4-1 264,-5 0-39,-4 0 263,-1 0-443,-1 3 23,2 10 78,6 42-101,-1-6-50,-1-7 0,-1 3 36,-1-8 1,-1 2 0,-1 8 1,0 5-1,0-1-1599,1 9 0,-2 1 1586,1-7 0,-1 3 1,0-5-470,-1-2 0,0-5 450,0-7 1,0 0-314,1-3 0,0-1 303,-1 11-387,4 14-1445,0-31 2457,-2-4 1,0-16 0,-3-9 0</inkml:trace>
+  <inkml:trace contextRef="#ctx0" brushRef="#br0" timeOffset="23876">11712 4096 12377,'38'-7'324,"0"0"1,2 1 0,4 1-34,15 4 0,9 1 1,-1 1-225,-10-1 0,0 0 0,2 0-49,-3 0 0,3-1 1,-1 1-1,-4 0-182,0 0 1,-5 0-1,-2-1 181,3 1 0,-4-1-12,0 1 1,0 0-1,13 0 1,-2 0 70,-17 0 0,-2 1-71,8-1 1,-4 1-6,-1 1 11,8 0 0,-12-1-11,17 1-129,-20-9 6,-5 1-39,-12-2-328,-6 3-378,-4 4-577,5 0-2610,-3 1 4055,1-1 0,-6 1 0,-1 0 0</inkml:trace>
+  <inkml:trace contextRef="#ctx0" brushRef="#br0" timeOffset="24890">12284 3119 12847,'0'37'450,"0"-1"0,0-2 0,-1 1-168,-2 2 1,-1-1-165,-2 24-60,0-8 1,0 1-42,-3 7 0,4-23 0,-1-1-17,-3 7-79,0-7 7,-6-2-197,-2-13 106,-17-8 46,4-28-1,0-6-16,12-15 61,13 7-5,7-9 178,9 13-44,8-2 101,9 18-34,4 5 14,2 10 1,2 5-37,22 10-244,-13-1 0,1-1 143,15 3 0,-22-5 0,-15-17 0</inkml:trace>
+  <inkml:trace contextRef="#ctx0" brushRef="#br0" timeOffset="25610">12712 2929 13978,'-22'27'407,"-1"-1"0,-1 2 0,4-4-329,1 0-72,4-3 0,6 2-6,9-12-56,7 11 56,1-5 0,8 9 5,0-4 57,8 12-62,-4-7-308,13 15-1994,-5-15 2302,-3-6 0,-8-8 0,-11-12 0</inkml:trace>
+  <inkml:trace contextRef="#ctx0" brushRef="#br0" timeOffset="26108">12808 3024 10097,'15'6'2722,"-3"-2"-2263,-12-4-117,33 0-1,-21 7 74,25 10-208,-31 12-207,-2 0-218,-13 7-242,1-17-486,-8-2 806,8-12 17,2-13 78,8 0-45,7-5 152,0 9-56,6 1 167,-3 5 62,2 12-89,-5 0 201,1 16-190,-11-3-767,-9-6 16,-2-4-667,-11-17-486,6-7 1747,-3-4 0,9 2 0,4 2 0</inkml:trace>
+  <inkml:trace contextRef="#ctx0" brushRef="#br0" timeOffset="26557">12974 2905 13681,'33'23'423,"-1"-1"0,24 17-266,-40-29-28,0 0-45,-2 0 112,4 2-118,-7-1-33,1 1 106,-8-2 34,-2-1 39,-2 9-89,-12 7-107,-21 21-168,3-12-281,-12 5-318,20-21 739,-4 9 0,14-16 0,-2 7 0</inkml:trace>
+  <inkml:trace contextRef="#ctx0" brushRef="#br0" timeOffset="29763">15474 3239 13698,'34'-3'146,"-3"-1"-325,-18 1-2118,16-3 2297,1 2 0,-5 0 0,-6 2 0</inkml:trace>
+  <inkml:trace contextRef="#ctx0" brushRef="#br0" timeOffset="30015">16283 3191 13463,'62'12'-762,"-7"-2"-1019,-29-10-910,2 0 2691,7 0 0,-17 0 0,-4 0 0</inkml:trace>
+  <inkml:trace contextRef="#ctx0" brushRef="#br0" timeOffset="30212">17045 3191 13788,'37'2'-127,"0"0"0,0 0 0,-4-1 0,-6 0 0,-4-1 0</inkml:trace>
+  <inkml:trace contextRef="#ctx0" brushRef="#br0" timeOffset="31723">20758 3786 13911,'10'48'417,"0"1"0,-2-5 1,-1 3-1,0 4-335,-2 2 1,0 5 0,-1 1 0,0-1-55,0-3 0,-1-2 0,0 1 0,0 1-950,-1 10 1,0 3 0,0-2 0,-1-8 924,-1 7 0,0-6 533,0 0 0,-1-7-531,0-13-83,-3 16-62,1-16 517,0 10-686,1-25-139,2-8-1366,0-4 27,0-6 1787,0-5 0,0-4 0</inkml:trace>
+  <inkml:trace contextRef="#ctx0" brushRef="#br0" timeOffset="32240">20568 4167 12202,'27'-29'554,"1"-1"1,-2 1 0,-2 2-303,7-6-140,0-1-56,7 3 157,-3 14-84,-2 6 33,2 24-397,-6 11-2112,-4 2 1,0 3 2346,7 10 0,-2 0 0,-22-27 0</inkml:trace>
+  <inkml:trace contextRef="#ctx0" brushRef="#br0" timeOffset="33437">19735 2762 11637,'4'38'698,"-1"0"0,1 0 1,-1 2-324,0 13 0,0 7-202,-2 1 1,0 5 0,-1 0-139,1-3 1,0 1-1,0-1-35,-1 0 0,0 0 0,0-5 3,0 1 0,1-9 3,-1-1-23,2-7 0,-1-1-129,1 2-190,1 9-1013,0-35-612,4-41 1961,1-20 0,-1 9 0,-2-2 0</inkml:trace>
+  <inkml:trace contextRef="#ctx0" brushRef="#br0" timeOffset="34406">19735 2477 10903,'62'-8'1350,"-5"1"-958,-24 7-28,3 3 303,23 3-337,-10 1-92,-4-3 0,2 0-87,14-1-53,-8-2 0,4 0-90,-8-4 1,-1-1-9,0 2 0,2 0-574,11-3 1,-3 0 573,-23 3 0,-1 1 155,10-1 0,-1 1-155,15 1 0,-11 4 0,0 2-6,10 1 6,-14 0 0,-1 1 6,-4 3 0,17 4 33,-15-3-39,-6-2 0,1-1 0,16 2 0,-2-1 0,-3-2 0,-26-5-51,0 2 928,-10-1-872,9 6-5,-5-4 0,8 6 0,-6-8 0,11 0 0,-5-3 0,18 0 0,-10-1-5,-1 0-46,-6 0 107,-15 0 68,-2 0 38,-6 1-140,0-1-206,0 4 240,2 9 100,0 5 147,5 30-157,-5-13 0,1 2-85,-1 3 1,0 4-157,0 4 1,-1 6-1,-1 0 95,-1 7 0,-1 1 0,1-1-1032,1-10 1,-1-1 0,1 0 975,-2 2 0,1-1 0,0-8-695,0 2 280,1-9-587,0-4-992,0-6 2050,1-5 0,-1-10 0,0-5 0</inkml:trace>
+  <inkml:trace contextRef="#ctx0" brushRef="#br0" timeOffset="35121">19878 3834 10517,'48'1'550,"1"0"0,-1 0 0,9-2 0,2 0 0,-1 0-1269,-6 1 1,0-1-1,2 1 775,-4-2 0,2 1 0,1-1 0,-3 1 22,3 1 1,-2 0 0,2 0-113,10 0 1,3 0-1,-4-1 69,-12 0 1,-2 0 0,-2 0 7,12 0 1,-5-1 34,-6 0 1,-4-1-40,10 1-9,-8 1 1,-1 0-19,2 2-12,-11 1 0,-2 1 0,0 2 981,13 4-1250,-20-3-28,-1 0 88,-2-2 209,-2-1 0,-7-1 0,-2 0 0</inkml:trace>
+  <inkml:trace contextRef="#ctx0" brushRef="#br0" timeOffset="36412">20473 2858 13592,'7'50'1221,"-2"0"-885,-8-9-152,0 8-27,-3 7-92,0-11 0,-1 2-49,1-12 1,-2 2 64,-6 25 1,-1-1-82,6-27 0,-2-1 25,-6 15 0,-2-2-204,-9 1-292,-7-10 264,13-44 145,7-15 28,10-25-38,13-13 72,1 16-90,8-6-16,1 29 38,12 14 175,-5 15 44,25 26-246,-21-4 0,0 3-1334,2-1 1,0-1-1115,-2-1 1,-3-2 2542,10 0 0,-24-20 0,-4-5 0</inkml:trace>
+  <inkml:trace contextRef="#ctx0" brushRef="#br0" timeOffset="37239">20925 2691 11743,'-38'24'573,"0"0"1,7-5-1,3 1-276,2 7 0,4 0-51,-3 3-140,-3 7-106,17-20-408,5-4 402,14-5 73,2 0 0,19 3 23,3 6-129,16 25-348,-17-8-419,0 14-847,-22-17 1653,-1 7 0,-4-18 0,-2 0 0</inkml:trace>
+  <inkml:trace contextRef="#ctx0" brushRef="#br0" timeOffset="37654">20973 2810 11754,'56'32'729,"-7"-5"-628,-31-20-56,4 0-1463,-4-3 1418,-2 0 0,-9-4 0,-5 0 0</inkml:trace>
+  <inkml:trace contextRef="#ctx0" brushRef="#br0" timeOffset="37872">21092 2857 9582,'-9'-1'2032,"1"39"-1572,8-13-225,-2 34-55,0-24-629,1 21-822,-1-24-987,2 11 2258,0-32 0,0-5 0,0-3 0</inkml:trace>
+  <inkml:trace contextRef="#ctx0" brushRef="#br0" timeOffset="38288">21211 3072 11390,'39'43'286,"-8"-11"-969,-14-19-465,-7-10 1148,1-1 0,-5-2 0,-1 0 0</inkml:trace>
+  <inkml:trace contextRef="#ctx0" brushRef="#br0" timeOffset="38538">21306 3048 9341,'11'9'2587,"-2"-1"-1634,-11 38-735,-2-19-64,-1 13 0,-1 1-42,-3-5-392,-5 15-2515,7-31-554,1-3 3349,4-18 0,2-1 0,0-2 0</inkml:trace>
+  <inkml:trace contextRef="#ctx0" brushRef="#br0" timeOffset="39155">21353 2738 11564,'22'31'631,"-1"0"0,2 1 0,0-4-199,2-7 27,10 6-263,-10-9-73,-6-3 123,-11-3-122,-6-4 4,-1 2-44,-1-1-39,-1 2-11,-4 3-23,-9 15 45,-1-1-56,-7 13 6,-7 14-1,7-14-22,6-9 1,-1-1-1060,2-1-8623,2-6 9699,9-17 0,4-7 0,0-1 0</inkml:trace>
+</inkml:ink>
+</file>
+
+<file path=ppt/ink/ink54.xml><?xml version="1.0" encoding="utf-8"?>
+<inkml:ink xmlns:inkml="http://www.w3.org/2003/InkML">
+  <inkml:definitions>
+    <inkml:context xml:id="ctx0">
+      <inkml:inkSource xml:id="inkSrc0">
+        <inkml:traceFormat>
+          <inkml:channel name="X" type="integer" min="-2.14748E9" max="2.14748E9" units="cm"/>
+          <inkml:channel name="Y" type="integer" min="-2.14748E9" max="2.14748E9" units="cm"/>
+          <inkml:channel name="F" type="integer" max="32767" units="dev"/>
+        </inkml:traceFormat>
+        <inkml:channelProperties>
+          <inkml:channelProperty channel="X" name="resolution" value="1000" units="1/cm"/>
+          <inkml:channelProperty channel="Y" name="resolution" value="1000" units="1/cm"/>
+          <inkml:channelProperty channel="F" name="resolution" value="0" units="1/dev"/>
+        </inkml:channelProperties>
+      </inkml:inkSource>
+      <inkml:timestamp xml:id="ts0" timeString="2022-11-21T14:58:06.306"/>
+    </inkml:context>
+    <inkml:brush xml:id="br0">
+      <inkml:brushProperty name="width" value="0.05292" units="cm"/>
+      <inkml:brushProperty name="height" value="0.05292" units="cm"/>
+      <inkml:brushProperty name="color" value="#0070C0"/>
+    </inkml:brush>
+  </inkml:definitions>
+  <inkml:trace contextRef="#ctx0" brushRef="#br0">23329 1691 16359,'-22'44'504,"0"3"-387,7 2 79,-2 6-134,3-13 0,1 1-62,3-11 0,-1 1 19,-6 18 1,-2 0 33,2-12 0,0-3-59,1-4 1,0-2-101,-11 12-432,10-34 275,0-34 173,2 6 12,-1-20 16,11 15-397,6-2 414,20 16 185,39 30-107,-27-3 1,2 3-14,18 11 0,-2 2-20,6 2-135,-1-8-1075,-32-24 1210,-1-18 0,-10 10 0,-1-10 0</inkml:trace>
+  <inkml:trace contextRef="#ctx0" brushRef="#br0" timeOffset="1632">21234 2405 14073,'30'-37'353,"8"-6"-280,-3 7-34,6-3-28,-7 13 23,1-1 11,2 2-40,1 2 1,0 1 28,16-3-34,-12 7 0,-7 7 0,1 0 11,25-2 17,-13 4 0,2 1-9,-7 0 1,0 1 16,15-2 1,-2-1-37,8-1 0,-29 5 0,-3 0 5,3 0 1,-1 0 0,0 1-6,0 1 56,12 2-56,-11 1 5,24 0-5,-26 1 11,23 0 29,-14 0-40,0-1 16,8-1-4,-23-1-7,8 0 46,-13 1-51,-1 2 5,6 0-5,-7 0 39,12 2 34,-8 2-67,-1 1 55,-3-1-44,-10-1 22,-2-1-33,-4-2 448,-4 1-454,-7-5-45,-8-11 40,-6-3 5,0-3 5,-3 0 7,11 10 4,-9-4 40,12 9-56,-1 0 0,7 3-11,1 2-404,3 1 415,10 3-5,5 5 5,6 0 61,2 5-16,-10-5-45,1 2 56,-6-3 29,-3-2 127,-1 6-27,-3-2-28,-5 15-95,-10 5-62,-1 3-527,-14 11 527,1-7 0,9-11 0,2-4 0</inkml:trace>
+  <inkml:trace contextRef="#ctx0" brushRef="#br0" timeOffset="5952">12665 2643 9251,'36'3'1008,"-2"-1"-532,-13-6-358,-2 1-6,8-2-23,-8 1-16,3-1-17,2-1-50,0-1 55,14-4 130,16-5-62,3 0-99,-23 6 1,-2 2-25,11-2 44,10 1-44,-22 5 5,22-5 23,-22 3 50,10-3 5,5-4-50,7-2 9,-10 1 0,3 0-37,-7 1 0,2 1 6,15-5 0,-1 1-17,9-2 0,-28 8 0,-1 2-6,1 1 6,19 0 0,-14 2 34,15 1-12,2-1-5,6-2 16,1-1-30,-26 2 0,-1-2 47,21-4-47,-16 2 0,1 1 17,-8 1 0,-1 1-15,30-5-5,-16 5 6,0 0 0,-10 2-6,12-3 5,-13 2 1,15-5-12,-10 4 6,-7 1 0,2 0 3,4 1 0,1 0 22,4 0 0,0 1-25,0-1 0,-2 1 3,-8 1 0,-3 1 2,18-3 26,-4 1 0,1-1-25,13 0 36,-12 1 0,-2 1-37,3 1 12,-13 1 0,0 1-17,20-1 2,-9 1 1,2 0 19,-9 0 1,-1 0-9,0 0 0,1 0-14,11 0 0,-2 0 6,12 0-418,-7 1 1,-1-1 411,11 1 0,-23-1 0,0 1 11,14-1 28,-17 0 1,1-1-1,20-1-39,-22 1 0,1-2 2,-2 0 1,0-2 0,2 1 0,0 0-3,-1 0 0,1 0 5,5 1 1,1 0-3,-10 1 0,1 0-3,21 0 0,0 1 442,-19 0 0,1 0-439,16 1 0,-2 0-3,-2 0 0,13 0 11,-22 0 45,-2 1-50,0 0 33,-1 0-39,-1 0 0,1-1-6,0 0-5,18-1 16,-20-1 1,2 0-3,1 1 0,1-1-3,5 0 0,-1-1-34,14 1 34,-23 1 0,-2-1 0,7 0 0,15-1 6,-16 0 44,3 0-50,-2-2 0,3 0 3,-8 0 0,2 0 2,26-3 1,2 0 33,-17 2 0,-3 1-370,-1 1 1,-1 0 355,2 1 0,-3 0-25,12 0 25,-19 2 1,-1-1 13,15-2 0,-1 0-28,1-2 68,-1 1-7,-14 0 1,1 0 17,19-1-3,-8 0 0,1 0-15,-9 2 1,-2 0-51,1 0 1,0 0 2,4-1 0,1 1-5,-4 0 0,-1 1-20,26-2 33,2 0-22,-35 4-11,-1 0 12,-1 1 44,1 0-23,10 0-22,-8 0 1,20 0-7,-21 0-5,20-2 0,-11-1 662,0 1-662,7 0 0,-19 1 0,9-1 0,-10 2 0,27-1-6,-19 0 6,20 1 0,-26 0 0,12 0 6,-9 0 50,21 0-51,-8 1-5,-1-1-5,12 1 5,-9-1 0,1 0-6,11 0 0,-24-1 6,10 1 0,-14-1 0,-1 1 0,13-1 0,-11-1 12,23 1-40,-12 0 28,2-1 39,9-1-84,4-3 67,-11 0-22,5 0-5,-26 3-1,-2 2 6,0 1 6,0 0 39,11 2-40,-9-1 1,8 3-6,-12-2 5,0 0 7,8 0-18,1-1 6,11 0 0,-16 1 0,0-1 0,-16 1 0,7 0-6,-4 1 6,6 0-5,-7 0 5,3 0 5,7 2-5,-5 0 6,12 1 0,-7 2-6,1-2 0,3 4 0,-4-2 0,-1 0 11,4 2-11,-14-5 0,4 1 5,-9-3 7,1 0-7,-3-1 6,0 0 34,-3-1-95,-2 0 72,-10-6-22,1-1-129,-18-12 129,9 4-33,-7-5 33,9 6 0,3 1-6,2 1-33,5 4-51,2 1 152,6 2-56,1 1 33,3-2-28,-2 2-5,0 0 38,-3 2-240,0 1 196,2 2 17,7 9 56,4 2 11,7 6-50,-6-6 27,1-2-10,-10-7-46,1 1 34,-5-3 191,0-1 95,-2 2-236,-10 5-89,0 1-28,-18 11-168,0 2-487,-6 5 683,-8 7 0,24-19 0,-3 2 0</inkml:trace>
+  <inkml:trace contextRef="#ctx0" brushRef="#br0" timeOffset="10054">8451 2738 9106,'44'-20'1439,"-1"0"-1215,-17 9 280,12-2-336,-11 7-6,25-4-123,-18 3 17,28-5 0,-14-2-3,-13 2 1,1-1 24,22-10-78,-6-1 62,8-1-23,-29 13 0,17-4-5,-21 9 11,16-2-1,-9 3-27,31-6-12,-26 3 1,2 0-6,4-1 0,1 0 3,0-1 0,-1 1-3,-7 0 0,-3 2 0,20-5 3,-12 3 0,1-1-811,-11 3 1,1-1 807,10-3 0,1 0-1182,16-8 1188,-2 1 0,-17 5 0,1 1-4,-11 3 1,1 0 16,20-7 1,3 0-34,2 3 0,-1 0 17,2 0 0,3 0 13,-7 2 1,4 1 0,-6 2-17,-4 0 0,-3 1 0,11-1 0,-4 1 51,2 0-23,-18 2 0,0 0 22,17-2-45,-11 0 1,0 0 0,6-1 33,-8 1 0,0 0-39,6-2 6,-8 3 0,2 0-4,-8 2 1,1 0-20,22-1 1,1 0 16,-17 1 0,-1 1 715,10-1 1,-2 1-704,10-3-993,-1 0 1,1 0 983,-20 2 0,0 0 2,21-2 1,-1 0 0,1 1 78,1 0-84,-1 3 11,0 0-8,-17 2 0,3 0 25,14 0 0,2 0-28,2 0 0,0 0-765,-1 0 1,-3-1 764,-14 2 0,-3-1 2202,21 0-2194,-18 1 0,0 0-5,-10-1 0,0 1-3,9 0 0,0 0 6,14 0-6,-3 0-19,-4 0 1,3 0 15,-10 2 0,4 0 3,3 1 0,6 0 0,-3 1 19,8 2 1,-2 1-20,-1 0 0,0-1 597,2 0 0,-4-2-597,-20-2 0,-1 0 255,12 0 1,0-1-200,19 0-56,-19-1 0,0 0 3,-12 0 0,1 0-3,22 0 0,0 0 47,-24 0 0,0-1-47,23 1 0,-1-1 6,10 0-4,-12 0 1,2 0-26,-12-1 1,2 1 22,0-1 0,3 0 0,-3 0 6,3 0 0,-2 0-4,10-1 1,-4 1 3,3 1 22,-18 0 0,0 1 934,20-1-962,-10 0 0,-1 1-11,8-1 8,-8-1 0,0 0 9,7-1-1,-11 0 1,4-1-1,-3 1 1,1-1-23,2 0 1,1 0 13,7 0 0,-2-1 3,-18 2 0,-1 0-3,8 0 1,-2 1 2,8 0 0,15 0 5,-22 2 12,-1-2 5,-4 1 1,2-1-23,28-2-6,-17 1 1,-1 0 5,16-1 2,-23 1 1,-2 1-3,8-1-3,-6 1 1,-1 0-1144,8-1 1146,14 1 34,-19 1-34,23 0-6,-14-1-14,-5 0 1,-1 0 19,11-2 0,-10 1 0,2 0 14,-1 1 0,-1 0 3,2 1 0,2 0-17,16-1 0,-2 1 0,-25 0 0,-3 0 2,9-1 1,-4 0-3,6-3 0,0 1 0,1 0-5,0 0 38,-14 2 1,1 0-34,19-1 5,0 1 1,3 0-6,-19 1 0,0 1 572,15-1 1,2 0-565,-4 1 1,-4 0-3,18 2-6,-30-2 0,-2 0 5,4 3 40,17-1-45,-13 1 0,14-2-5,-17 0-1,-1-1 6,19 0 6,-13 0-1,-8 0 1,4 0 30,2-2 1,0 0-12,2 0 0,2 0-8,8-1 0,-2-1-17,-17 2 0,-1-1-85,6 0 1,-1 0 163,5 0-68,12 0 34,-20 1 39,0 1-11,15 0-68,-12 1 1,27 0 55,0-4 74,1 0-110,-23 1 0,-3 1-19,6-1-1,3 2-5,-25 1 0,-1 2 0,0 0 6,-1 1-6,10 0 0,-8-2 11,18 0-11,-18-1 241,16 0-224,-8 0-28,21 0 11,-6 0 0,0 1 22,2 4-22,-20 0 51,9 3-51,-12-1 5,2 0-5,-1-1 6,2 0-1,0 0-10,15 4-18,19 0 31,-30-5 1,0 1-6,7-1 0,-1-1-3,11 1 5,9 1 1,-26-4 0,19 5-6,-22-3-6,20 5 6,-21-5 6,21 2-6,-12-3 22,1 1-33,1-1 33,-2 3 12,-8-2-17,3 2-12,-18-1-5,6 1 6,-6-1-6,9 5 11,-10-5-11,1 1 6,-4-2-6,-6-3 0,1 1 0,-4-1 0,0 0-6,-3-1 6,-6-2-269,-6-6 202,-3-1-101,-13-14 90,0-7 66,2 4 24,4 2-12,15 16-107,4 5 169,3 3-129,6 0 67,-1 1 5,7 2 124,3 5 17,2 3-74,-1 0 74,2 5-73,-7-4-28,-2-2 195,-4 0-60,-5-4-68,0 2-107,-3 0 29,-3 4-146,-12 9-314,2-4-475,-11 7-2090,6-8 2991,-3-1 0,11-7 0,3-3 0</inkml:trace>
+  <inkml:trace contextRef="#ctx0" brushRef="#br0" timeOffset="14821">5404 2715 12208,'49'-25'370,"-18"8"0,-1 0-281,16-14-86,-17 12 0,0 2-3,9-3 56,13 0-56,-20 10 11,12-2-5,-11 5-6,18-4 5,-11 3 35,13-2-40,1 1 0,2-1-12,0 1 7,11-1-1,-29 6 1,1 0 5,4-2 0,2 1 2,-1 0 1,-1 1-3,-6-1 0,-2 1 6,17-4-9,-2-1 0,2-1 3,13-4 0,-13 3 0,-1-1 0,5-4 6,1 0-4,-15 5 1,2 0-9,2 0 1,3 0 1,-1-1 1,5-1-1,-1 1 4,-6 1 0,-1 1 0,2-1-2,17-4 0,3-1 0,-5 1 5,-5 2 0,-1-1-1,-4 3 0,2-2 0,-5 3-2,-12 2 0,-3 1 0,12-2 0,-1 0 5,17-1 6,-6 1 1,4 0-18,-11 2 0,0 1 3,10-2 1,0 0 2,-6 4 0,-2 0 2,-9 1 1,-2 1 3,2 0 0,-1-1-291,10 0 0,-3 0 285,9-1 3,-20 0 0,-1 1-3,12-2 0,-2-1 11,19 0 23,-16 1-34,-8 3 0,3 0 5,10 0 1,-1 0-6,-14 1 0,1 0-15,8-1 0,4 1 0,-7-1 15,12 1 0,-11 0 0,0 0 0,6 1 0,4-1 0,1 0 3,-3 0 0,1 0 284,-20-1 1,0 1-288,19 0 0,-2-1 0,1 0 0,0 0 25,-15 1 0,1 1-25,2-1 0,4 0 0,-1 1 0,4-1 0,-1 0-23,14 0 1,2-2 20,-4 1 0,4-1 1,-5 0 1,-4 0 0,-2-1-4,-2 0 0,3 0 0,-6 0 4,-11 0 0,-3 1 0,11-2 0,0 0 0,14-3 22,-5-1 1,3 1-23,-8 1 0,1 1-3,8-2 1,1 0-1,-3 3 0,-3 1-6,-7 1 1,-2 1 8,1-1 0,0 1-363,11-1 1,-2 1 362,10-2-3,-21 3 1,-1-1 7,15-2-8,-18 1 1,0 0 2,18-3 22,-20 2 0,0 1-22,-2-1 0,2 0-8,11 0 0,2-1 5,1 0 0,2 0 1,-6 0 0,2 0 0,-3 1-15,-4 0 1,-2-1 7,7 0 1,-4 1 8,5-1-6,-1 1 720,0 0-714,-1 1 0,1 0 0,11 1 0,-13-1 0,-1 2 0,1 0 0,14 1 11,-12 0-3,-7 0 1,2 0-9,5 0 0,2 0 3,0 0 0,3 0-6,9 0 0,-2 0 3,-19 0 0,0-1-3,20-1 1,-1 0-10,4-2 9,-13 1 1,0 0 2,6-1 2,-6 0 1,4 0-6,-11 0 1,3 1 15,1 0 0,5 0 0,-3 0-13,5 1 0,-3 0 0,-2 1 0,0 1-231,-1 0 1,-4 0 230,10 1 0,14 0 0,-20 1-5,-2 0-6,0 1 5,0-1 6,-4 0 0,3 0 0,-5-1 0,0 0 0,7 1 0,0 0 0,-2-2 0,-1 1 11,25 0 3,-15-2 0,-1 0-17,-16 1 1,-1-1 229,7 1 1,-4-1-234,3 0 0,-2 1 1,0 0 5,11 0 0,-1 0 0,2 0 0,-14 0 0,-1 0-17,0 0 0,1 0 17,8 0 0,2 0 0,3 0 0,0 0 0,1 0 0,2 0 0,7 0 0,-1 0 0,-22 0 0,0 0 22,19 1 1,-3 1-23,5 0 0,-13 1 0,-1 0 0,5 2-3,-5-1 0,3-1 3,-7-1 0,1 0 0,25 0 0,2 0-3,-19-4 1,-2 0-275,-2 1 0,0 0 271,-1-2 1,-3 1 5,10 0 0,14 0 0,-20 0 17,-2 0 16,-1 1-38,-1-1 5,-3 1 0,2 1 0,29-1 0,-28 2 0,0 0 0,-1 1 0,-2 0 0,24 1 5,-13-1 1,1-1-6,18 0-14,-27-1 0,-3-1 14,5 1-3,-1 0 0,1 0 3,14 0 3,-13 0 0,0 0-3,5 0 34,18-2-29,-16 1-5,-10-2 0,3 1 5,0-1 1,0 0-6,2-1 0,1 0 6,-2 1 0,-1 0 542,19-2-543,-20 2 1,1 1 27,17 0 40,-12 1-67,12 0-1,-17 0 29,-4-1 0,2-1 55,-8 1 1,2-1-40,20 0 1,1-1-29,-17 2 0,-3 1-16,31-3 61,-9 2-61,-25 0 39,9-1-34,-14 2-11,-2 1 5,-1 0-5,-1 0 6,22 4-6,-5 2 6,10 3-1,2 3 6,-9-2-11,1 0 17,9 3-17,-22-6 0,11 2-5,-12-3-1,15 1 6,-11-1 6,26 3-6,-25-2-6,29 6 6,-26-5 3,-5-2 0,1 0-3,18 1 30,-15-2 1,1-1-31,21 2 0,-5 0 0,3 4 0,-27-4-5,16 4 5,-22-5 0,13 2 0,-10-3 5,19 2 12,-3-1 0,0 1-12,-5-1-5,-11 0 12,-9-2 27,12 5-39,-6-3-6,8 3 6,-7-3 0,0-2 6,23 2-1,-8-2 12,21 2-11,-24-1 50,-7 0-56,-11 0 28,-10-1-28,2-1 5,-4 1-5,-1-3 0,-2 2 6,-2-2-56,-1 0-74,0 0 113,-4-5 17,-18-15-1,4 3 1,-19-17 39,13 12 0,4 4 16,6 7 102,10 9-253,2 2 84,5 3 46,2 0-40,3 3 5,0-1 18,-2 1-12,8 3-6,-3-1 1,4 2 28,-6-2 10,-2-2 7,2 1 195,-6-1 202,-7 9-397,-17 4-46,-4 4 57,-25 12-62,17-15-45,-11 5-235,17-11-2677,-5-1 2957,11-3 0,0-3 0,13-4 0</inkml:trace>
+  <inkml:trace contextRef="#ctx0" brushRef="#br0" timeOffset="20476">22591 1667 10914,'33'26'1457,"-5"-2"-774,-14-11-481,-2-2-135,5 7-28,-4-3 101,6 6-50,-4-5 111,16 13-55,-9-10-73,3 2 84,-3-5-68,-7-5 6,2 3-95,-7-6 6,-2-2 5,-6-3 40,2 2-18,-1 0 40,4 6-34,-2-3-39,3 5 6,-3-6-6,2 3-11,-1-4-17,-2-1 89,0 0-5,-4-4 835,1 0-835,-1 2-45,-4 1 157,-6 8 129,-21 20-123,-7 8-74,5-5 1,0 1-56,-9 11-42,18-20 0,0-2 36,1 0 0,1-4-33,2-1-1,2-5 7,-1 1-12,7-8-17,-2 1-73,8-6-27,1-1-7,2 0 1,1-1-375,-1 1-80,2-1-4731,-1 0 5309,0-1 0,1 0 0,-2 0 0</inkml:trace>
+</inkml:ink>
+</file>
+
+<file path=ppt/ink/ink55.xml><?xml version="1.0" encoding="utf-8"?>
+<inkml:ink xmlns:inkml="http://www.w3.org/2003/InkML">
+  <inkml:definitions>
+    <inkml:context xml:id="ctx0">
+      <inkml:inkSource xml:id="inkSrc0">
+        <inkml:traceFormat>
+          <inkml:channel name="X" type="integer" min="-2.14748E9" max="2.14748E9" units="cm"/>
+          <inkml:channel name="Y" type="integer" min="-2.14748E9" max="2.14748E9" units="cm"/>
+          <inkml:channel name="F" type="integer" max="32767" units="dev"/>
+        </inkml:traceFormat>
+        <inkml:channelProperties>
+          <inkml:channelProperty channel="X" name="resolution" value="1000" units="1/cm"/>
+          <inkml:channelProperty channel="Y" name="resolution" value="1000" units="1/cm"/>
+          <inkml:channelProperty channel="F" name="resolution" value="0" units="1/dev"/>
+        </inkml:channelProperties>
+      </inkml:inkSource>
+      <inkml:timestamp xml:id="ts0" timeString="2022-11-21T14:59:23.592"/>
+    </inkml:context>
+    <inkml:brush xml:id="br0">
+      <inkml:brushProperty name="width" value="0.05292" units="cm"/>
+      <inkml:brushProperty name="height" value="0.05292" units="cm"/>
+      <inkml:brushProperty name="color" value="#C00000"/>
+    </inkml:brush>
+  </inkml:definitions>
+  <inkml:trace contextRef="#ctx0" brushRef="#br0">22568 2143 15266,'-17'2'337,"2"0"-259,9-3 45,0 1 90,-6-1-123,1 1 11,-4 0-45,2-1-12,-1 1 52,-8-1-46,3 0-11,-16 0 96,3 1-63,1 0 18,-8 0-40,8 0-44,1 0 39,-5 1-40,14 0 46,-7 2-51,7 0 11,-2 0 28,-17 2-33,7-1 55,-29 4-61,6 2 40,1 1-7,21-2 1,0 1 16,-27 12-100,1 2 50,9-2 0,21-6 0,11-5-34,1 1 73,-10 7-39,5-3 0,-7 6 34,6-5-28,0 2-1,-11 6 1,0 0 16,-9 7-5,15-10-11,7-6-6,14-9-6,5-6-100,1 1-342,1-2 168,3-9 263,7-6-22,0-6 5,13-14 23,-5 5 16,1 0-5,-4 8-5,-7 9-57,0 3 1,-1-1 49,-2 6 12,1-1 62,-4 4 380,0 2-442,-5 3-89,-8 10-124,-8 15 84,5 3 68,3 2-102,26 0 85,2-16-197,29 7-319,-11-16-2120,0-9 1,0-3 2713,3-6 0,3-3 0,-28 6 0</inkml:trace>
+  <inkml:trace contextRef="#ctx0" brushRef="#br0" timeOffset="3230">22139 2000 12163,'-49'-9'476,"1"-1"0,11 2 1,3 1-214,-21-3-95,21 2 45,0 1 95,-18-4-146,-2 1-50,20 5 0,1 0-17,-18 0 68,-5 1-152,11 4 45,10 0 0,-1 0-56,-12 0 73,-9 0-28,27 0 123,-34-3-117,22 1-1,-25-2-44,27 3-1,0 0 1,-5 0-1,-3 1 23,12-1 0,-5 0 20,-14 0 0,-2 1-4,-3-1 1,1 0-1206,1 0 0,3 1 1189,13 0 0,4-1-268,-16 1 262,17 0 1,0 0 16,-20 2-39,22-1 0,0 0 6,-10 2-1,2 2 23,8-1 0,-2 0 28,-22 1-39,16-1 0,1 0-11,-8-1 100,-11-1-106,25-2 95,-25 0-84,26 0 2314,-9 0-2314,13 0 28,-13 0-39,8 0 400,-10 0-349,-3 0-1,-7 0-25,19-1 0,0 1-19,-23 2 13,24-1 1,-2 1-12,-1 0 1,1 0-3,-26 1-4,27-3 1,2 1 3,-2-1 44,-17 0-44,12 0-1,-13 0 1,15 0-6,-2 0 45,-2 0-45,1 0 11,-2 0-11,-19 0 5,31 0 1,-2 0-1,-17 0 1,-2 0 19,10 0 1,1 0-26,1 0 0,1 0-3,4 1 0,2 0 9,-7 1-6,-11 1 5,17-1 40,0 0 11,-16 1-5,11 0-46,7-1 1,-2 0-1,-26 0 35,-1 1 10,22-2 0,1 1 46,-9 0-46,-15 1-39,21-1-5,-20 4-1,15-2 15,6 0 0,1 1 19,-7 0-28,-14 3 11,19-3-22,1-1 0,-19 3 0,-5-1 0,0 1 3,26-2 0,-1 1 11,-5 1 0,0 1-14,8-1 0,-1 0 3,-8 1 0,2 0 64,-7 1-62,0-1-5,0 1 0,0-1 3,16-3 0,-2 1 3,-18 1 10,8-1 1,1-1-11,-8 0 24,9-1 1,-2 0-9,10-2 1,-1 1-15,-21 3 1,0 0-9,18-2 0,2 1 3,-9 2 0,3-1 41,-7 4-13,14-3 0,-1 0-25,-22 4 16,22-4 0,1 0-22,-15 3 6,0-1 0,1 1 27,0-2-33,0 1 0,0-2-39,0 1 39,14-3 0,0 0 0,-20 2 3,8 0 0,1-1 8,-9 1-11,20-2 0,0 0 0,-15 4 5,13-3 1,0 1-1474,-21 5 1471,20-5 0,2 1-313,-15 3 310,18-3 0,-2 0 19,2 0 1,-2 0-37,-7 2 1,-1 0 10,-3 2 1,0 0-4,10-2 1,0 1 2,-10 3 1,3 0-1,-4 3 1422,-13 4-1427,28-9 22,1 0-5,-5 0-1,17-7 362,-6 3-367,12-5 0,-1 1 6,-7 0 5,-1 0-11,-17 2-6,15-2 6,-4-1 0,17-2 0,-11 1 0,9-1 0,-15-1-5,10 0 5,-1 0-6,-2 0-95,9 0-179,4 0-39,4-5 252,10-1 5,9-13 57,0 1 5,10-8 5,-2 2 1,2-3 11,14-13-17,-11 9-17,15-12-22,-20 24 5,-3 3-139,-10 12 212,-10 20 73,-18 36-112,4-6-3,0-3 0,1-1 3,2 0-106,0 16-6,11-30 0,5 0 11,6-15 28,20-2 73,2-6-179,36-1-3865,-18-8 0,1-1 4044,-10 3 0,-1-1 0,4-2 0,-7 0 0,-15 3 0</inkml:trace>
+  <inkml:trace contextRef="#ctx0" brushRef="#br0" timeOffset="6910">21520 1905 11850,'-44'-10'1787,"-1"-2"-1569,13-2 45,-14-5-229,17 6 151,-30-13 123,2 4-219,-3 0-2,18 7 0,-1 2-2008,-11-2 1966,17 5 0,0 1-40,-20-3 1,-2 1 103,14 5 0,-1 1-45,11 1 1,-1 0 120,-24 0 1,-5 1-93,5 1 0,1 2-77,2-1 1,-1 0-4,12 1 0,-2 0 0,0 0 65,-20 1 1,2-1-74,11 0 1,0 0 11,-8 0 0,4 1-17,-7-1 3,32 0 0,1 0-3,-31-3-907,3 0 0,-1-1 910,23 0 0,0 1-420,-22-2 0,2 1 428,-2 1-34,5 1 0,-3 2 73,11-1 1,-3 1-48,-5 0 1,-5-1 0,6 1 15,5 0 1,2 0-20,-9 0 0,3 0-5,-5 0 2,18 0 0,-1 0-798,-20 2 804,22-2 0,0 1-3,-13 1 34,1 0 1594,0-1-1628,1 2 0,0-1 580,15 0 0,-2 0-583,-1 1 0,0-1 3,0 1 0,0-1 8,-9 1 1,0 0 50,8-1 1,-2 0-24,-22 0 1,-3 0 13,10-2 1,1 1-35,1-1 1,3 1-14,14-1 0,2 0 30,-2 0 1,2 1 1244,-19 1-1278,18 0 0,0 0 50,-14 3-25,14-1 1,0 1 13,-19 2 586,11 0 0,-4 0-552,0 0 0,0-1-70,-4 0 0,0 0-946,2-1 0,2 0 943,10-3 0,2 0 0,-16 0 39,2 0 0,-2-1-39,19 0 0,0 1 8,-19 0 1,1 0-3,-5 0 22,3 0 0,-3 0-28,9-1 0,-3 1 18,-6 0 1,-6-1 0,2 1 9,14-1 0,2 0 0,0-1-28,-20 1 0,0 0-404,16-1 0,0 0 0,3 0 404,2 0 0,-2 0 15,-9 0 0,-7 0 0,5 0 7,4 0 0,2 0-2,-15 0 0,1 0-18,26 0 1,-2-1 14,-4 1 0,-6 0 0,1 0-16,4-1 1,2 1 0,-2-1 16,-7 1 1,-1 0 0,0 0-4,0 1 0,1 0 0,2 1-84,-12 2 1,-1 1 66,1 0 0,-4 1 0,3 0 2,11 0 0,3-1 0,1 1-417,-1 0 1,0-1-1,3 0 417,-2 1 0,2 0 5,-13 1 1,1 0-36,14-1 1,1-1 54,-15 2 0,4 0-19,-5-1 24,25-2 1,0-1-25,-21 2 16,7-1 1,-5 1 7,-5 1 1,0 1-14,9-2 0,0 0 13,-6 2 1,5-1-25,-1 2 22,16-3 0,-1 0-11,-1 0 0,0 0-15,1 0 1,-1 0 501,3-1 1,2 0-472,-12 0-27,2 1 149,5 0 0,-1-1-150,-26 4 3,11-2 1,-2 0-9,17-2 0,1 0 1656,1-1 1,1 0-1654,0-1 0,0 1 47,-25 0-11,0 2 250,2 0-289,19 1 5,-1 0 12,-21 6-11,12-4 2,7 0 1,-4 0 2,-4-1 0,-2 1 17,-1-1 0,-2 0-23,6-1 1,-4 0 0,6-2-6,3 0 0,2 0 0,-8-1 0,3 0 0,-5-1 33,0 2-33,0 0 0,1 2-8,6 2 0,-2 1 8,7-1 0,1 1 0,-8 1 0,-1 0 5,4 0 1,2-1 13,9-2 1,0 0 8,-18 2 0,1-1-28,16-2 0,2 0-23,-6 0 1,3 0 22,-3 1-5,-17 5 5,15-3 0,-12 2 5,20-4 1,2-2-6,-11 2-51,11-2 40,-20 3-50,5 1 49,1 1-83,-1 3 56,22-5-45,-7 7 17,15-7 61,-6 4-50,11-5 17,-3 5 33,3-4-61,-6 5 78,6-3-11,2-4 0,3 0 0,3-6-11,2 0-28,-1 0 39,1 0-6,-1 0 6,0 0-33,0 0 27,-3 0 1,1 0-91,-6 0-10,1 1-140,-12 5-40,-10 5 241,-1 2 40,-13 7-1,22-11-72,-2 2-29,16-8-302,5-2 73,2-1 230,4-4 106,5-2 0,6-7 0,16-13 0,-5 4 34,22-17-40,-3 8-5,-4 4 5,-5 6 6,-21 15 11,-6 2-11,-4 3 12,-1 0 800,-2 0-885,-14 10 22,-18 18 7,0-1 44,-10 12 16,20-15-16,1 0 6,3-3-12,4-2-122,5-2 4,4-6-55,10 2 140,6-6 39,26 6 6,14-2-6,2-1-855,-15-5 1,-2-1-3707,6-2 4561,10 2 0,-33-2 0,-7 1 0</inkml:trace>
+  <inkml:trace contextRef="#ctx0" brushRef="#br0" timeOffset="22802">22187 1833 12438,'-32'-15'343,"1"0"1,-7-1 0,4 2-232,11 6 5,-16-3 51,13 3 437,-15-1-403,9 1 167,-24-2-223,23 5-107,-24-3-33,23 4 5,-24-5 67,7 0-14,11 3 1,-1-1-26,6 1 0,2 0-33,-31-6 51,1-2-52,32 6 1,-16-4-1,23 5 51,-9-4-56,7 3-39,-14-7 90,2 2-51,-1-1 50,-7-2-44,15 8-1,-11-2-10,14 6 5,-10-2 5,9 4 34,0-1-22,-29-3-11,7 1-6,15 1 0,0-1 5,-10-2 35,-7-2-40,11 1 0,0 1 0,-7-1 0,23 4 5,-18-4 1,20 4-1,-17-3-5,16 2-11,-17-1 11,8 0 0,-2 0-39,-7 0 78,-6-1-56,8 2 51,-21-3-34,16 3-6,-1-2-5,-15 1 11,24 3-28,4 1 0,-1 1 28,-5 0-3,6 0 1,-2 0 2,-24 1-23,13-1 1,-2 0 16,5 1 1,2 0-12,0 0 0,1 1-132,-1 0 0,3 0 144,-9 1 5,-13 0 0,18-1 0,1 0 0,0 0 0,-1-1 22,4 0 1,-3 1-23,5 0 0,0 0 2,-7-1 1,0 1 0,1 0 0,2 0 2,-26 0-5,1 0 0,25-1 0,2 1 292,-8 1-289,7 0 0,0 0-3,-8 0-3,8 1 0,0 0 3,-7-1 3,9 0 0,-2 0 3,-22-1 16,2 1 3,25-2 0,-1 0-17,0 0 1,-1 1-6,-1-1 0,-1 0 16,3 0 1,0 0-20,-30-1 0,29 0 6,-25 0-6,26-1 5,-22 1 1,24 0-1,-22-1 40,8 1-26,11 0 1,0 0-20,-14 1 0,-7 0 56,26 0 23,-14 0-79,10 0 0,-11-1 5,14 1-5,0-1 6,-16 1 39,10-1-37,6 0 1,-3 1 7,-26-2 18,0 0-29,23 0 1,0 0 0,-26-3-6,2 0-3,22 2 0,2 1 3,-10 0 5,8 0 1,-1 1-6,-8 0-20,7 0 1,1 0 19,-7-2 19,9 1 1,-1-1 8,-23-3-28,2 1-3,26 2 1,-1 0 35,0 0 1,-1 0-31,-2 0 0,0 0-1,1 0 1,0 1 5,0 0 1,3 0-3,-9 1 2,7 0 0,0 1 32,-7 0-7,7 0 1,1 0-29,-7 0-2,7 0 0,-1 0-3,-26 1-3,15 1 0,-2-1 6,7 1 0,0 0 22,2 0 0,1 0-17,0-1 1,3 0-3,-9 0 27,-14 0-21,18-1-7,-3 0 20,14 0 1,-3 0-24,-13 0 1,-2 0 0,-2 0 0,-1 0-154,3-1 0,0 2 156,2-1 1,1 1-30,7 0 1,2-1 23,-1 1 0,0 1 33,-8-1 1,1 1-29,-8 0-2,10-1 0,-1 1 3,-7-1-1,-15 1 1,20-2-1,0 0 12,13 0 0,-2 0 0,0 0 0,-2 0-12,2 0 1,-1 0 22,-6 0 0,2 0 289,-24 2-309,18-2 1,0 1 68,-15 2-77,20-3 0,3 1 0,3 0 11,-23-1-5,24 0-6,-22 1 5,8 2 1,1 0 61,-11 2-61,24-2 27,-26 1-27,10-1-6,0-1 5,1-2 7,17 1 60,0-1-32,-16 1-29,12-1 45,-11 1-51,14-1 46,-27 3 16,7-1-59,8 1 1,-2-1 27,13-1 1,2 0-32,-32 2 40,6-1-6,25 0-33,-9 0-1,14-1 1,1 0 0,1 1-1,0 0-5,0 1-5,-13 1 16,-7 4-11,-1 0 0,-14 4 0,8-2 11,11-3 0,0 1 56,-16 2-64,16-2 0,2-1 3,0 1 16,6-1 0,-1 0-22,-6 2 0,7-2 0,-1 0 12,-23 6 21,-1 0-11,24-5 1,-1 0-6,-2 1 0,-1 0-15,-1 0 1,0 1-3,1-2 0,1 0 0,-18 4 39,16-5-33,-19 3-6,14-2 0,-13 2 11,2 0 40,14-2-35,8-2 1,-1 0-22,-23 3-23,14 0 0,-1 0 25,5-2 0,1 1 3,2 0 0,1 1 3,0-1 0,3-1 2,-5 0 6,-23 3-5,28-7 22,-9 0-22,16-3-6,-1 1 5,-12-1-16,-7 3 11,-2 0-28,-14 6 28,11 1 0,1-2 62,-5 3-57,24-5 6,-22 2-11,20-3 12,-25 2-7,23-2-5,-30 2-106,9 2 95,0 0 11,23-3 0,-1 2-3,1 0 0,0 1 6,-2-1 0,1 1-3,1-1 0,1 0 0,-14 3 0,14-4 0,-19 4 0,11-3-45,-14 4 45,15-3 0,-1-1 0,1 1-39,-17 4 33,-1 2-5,14-4 0,-1 2 16,7-3 1,1-1-6,1 1 0,2-1 0,-16 4-6,15-6 9,1-1 0,-1 0-9,-9 2 3,9-2 1,1 1-4,-2 0 0,0 2-61,-17 5 6,-4 3 66,13-2 1,-2 0-1,7-2 1,-1-1 22,-14 5 0,1-1-28,-9 0-17,18-4 0,2-2 12,2 1-57,-12 4 23,16-4 33,4 0 1,-1 1-12,-20 7 17,-10 5-50,12-5 50,13-6 33,-14 3-33,19-7 0,-1-1 0,19-4-33,1 0-107,-4 1 39,5 0 11,-8 2-33,4 1 106,-1-1-22,-5 4 33,1-2-10,4 0 10,4-4-5,12-3-28,1-2-40,-2 2 46,1-1-35,-3 0-44,4 0-744,-1-1 693,6-18 158,7-4 5,3-9 44,8-6-44,-8 16-28,7-8 28,-9 16 0,0-2-11,-4 8-28,6-6 39,-1 4 0,2-3-34,-5 6-50,-6 3-129,-3 7 247,-5 4 10,-3 7 24,-5 3-29,-2 4-5,-8 11 0,5-7 16,-10 13-16,11-17-34,2-2-107,7-9-235,6-7 275,9 0 61,2-1 6,10 4 67,1-2-16,1 2 5,14 3-56,-8-1-459,8 3-885,-10 1 1344,3 8 0,-13-10 0,0 3 0</inkml:trace>
+  <inkml:trace contextRef="#ctx0" brushRef="#br0" timeOffset="27574">21187 4096 14269,'3'39'840,"-2"15"-761,-2 0-37,1-8 0,0 4 11,-1 12 0,1 3-53,0 1 0,1 2-206,0-15 1,1 1 0,0-5 208,0-2 0,0-4-1,3 4 1,-1-4 9,1-1-12,2 7 0,-3-22 5,-1-3 164,0 15-124,-2-6-23,1 18-22,-2-24-213,-1-4 163,0-21 452,-2-9-402,-2-7 34,-7-20-34,0 5-34,-5-13-33,-4 4 67,3 9 6,0 4-57,6 13-346,9 10 352,10 23 95,2-4-44,9 22-6,0-13-213,21 7 168,-12-18 45,15-2 68,-18-26-718,12-31-1596,-6 1 2246,-7 6 0,-3 2 0,-2 5 0,0 0 0</inkml:trace>
+  <inkml:trace contextRef="#ctx0" brushRef="#br0" timeOffset="28695">21330 6929 10763,'-15'59'1832,"3"2"-1409,13-22 0,3 2-244,-1-2 0,0 0-143,1 1 1,0-1 41,3 24 6,-4-20-5,0 12-74,-2-17 96,0 8-101,-1-22 39,0-3-39,0 11-5,0-9-449,-1 3-302,-3-15 605,-2-9 140,-12-12 11,3 1 5,-18-16 40,13 10-11,-9-6 5,13 8 11,-3 1-235,10 6 241,9 16 84,18 10-128,3 8-40,22 0-56,-20-18 84,14-10-1087,-4-46-2067,-10 0 3008,-6 8 0,-3 2 0,-3 4 1,-3 7-1</inkml:trace>
+  <inkml:trace contextRef="#ctx0" brushRef="#br0" timeOffset="30006">18259 8263 11267,'40'-9'607,"0"1"0,6-1 0,1 2-201,2 1 0,0 1-336,-9 0 0,1 0-6,13-1 1,-4-1-4,6-2 18,-2-3 5,-3 0 22,-3 0-42,-8 3 1,2 0-12,-8 3 0,0 1-34,6-2 1,0 2 137,27 2-101,-18 3-17,17 0-44,-25 0 5,-4 0 33,-24 0-33,-2 0-33,-1 0 33,-1 1 33,2-1-38,-3 0-202,5 0-45,-8-2-1008,1-5 1260,-15-2 0,7 2 0,-8 1 0</inkml:trace>
+  <inkml:trace contextRef="#ctx0" brushRef="#br0" timeOffset="30624">18402 8120 14516,'-30'12'364,"2"1"-11,-3 11-314,12-8-39,-7 10-17,18-14-61,2 3 78,3-5 5,2 7-10,6-6-1,16 12 40,2-7-68,27 11-134,11-10-1394,2-4 1562,-25-15 0,-2-2 0,-5 1 0,-4-10 0</inkml:trace>
+  <inkml:trace contextRef="#ctx0" brushRef="#br0" timeOffset="34197">14021 8310 12892,'-28'6'1069,"5"-3"-867,21-2 5,2-1 219,28-1-157,13-2-230,18-1 28,3-2 17,-13 1-6,2 1 118,16-3-94,-17 3-58,-14 0 1,-1 1-45,1 1 45,15-1-34,-19 2 1,7 0-169,-15-1-51,-5-1-542,-11-2 10,-6 1-2883,0-2 3623,-2 4 0,0 0 0,0 2 0</inkml:trace>
+  <inkml:trace contextRef="#ctx0" brushRef="#br0" timeOffset="34713">14260 8120 13368,'-56'31'604,"24"-12"1,0 2-168,5 2 0,1 1-235,-21 23-202,9-1-11,25-16 5,11-16-33,15 6 140,3-8-67,16 3-29,0-4-5,4 0-454,20 5-2514,1 0-1446,-4 1 4302,-13-3 1,-27-9-1,-5-1 1</inkml:trace>
+  <inkml:trace contextRef="#ctx0" brushRef="#br0" timeOffset="37585">12974 7144 13844,'-4'39'504,"1"2"-431,3-7-73,0 9 0,0 5 28,2-10 0,0 4-9,1 9 1,0 2-15,1-3 1,-1 0-3,1-1 0,0-6-3,-1-3 39,-1-19 56,-2-16-95,0-3-140,0-2 84,-4 0-90,-5-6 113,-2-2-1,-10-16 45,-4-7-5,5 7 39,1 1 28,15 19-68,1 2-5,2 2-145,1 3 184,6 12 45,2 1-79,16 20-33,-4-15-56,18 8 163,-4-21-600,22-39-1232,-17-6 1698,-12-6 0,-5-1 0,-7 7 1,-1-5-1</inkml:trace>
+  <inkml:trace contextRef="#ctx0" brushRef="#br0" timeOffset="40135">12807 4477 11054,'11'32'1519,"-1"6"-1195,-6 4 1,-1 5-208,0-4 1,-1 3-985,1 12 1,-1 7 0,-1-5 894,1-4 0,-2-1 9,1-6 1,-1 1-1,0-7-26,0 14 1,0 6-12,0-34 673,0 3-763,0-23 621,-1-6-486,-3-18-57,-12-25-38,-6-7 50,-2-4 11,4 17-5,10 17-6,3 7 1199,4 5-1199,2 9 207,14 18-106,1 1 28,22 25-23,1-15-33,-6-19 0,1-4-73,13-7-34,7-21-1030,-22-16 1064,5-16 0,-16 22 0,0-3 0</inkml:trace>
+  <inkml:trace contextRef="#ctx0" brushRef="#br0" timeOffset="43343">9022 4501 14678,'7'63'258,"-1"-1"-258,-6-14 11,0 6 48,1-12 0,0 3-17,0 4 0,-1 2 25,1 11 0,0-1-45,-1-13 1,0-3 5,0 0 0,0-4-179,0-1 50,-1-9 95,1-17 6,0-14 79,0 0-152,-3-9 62,0 0-101,-7-22 106,1 5 0,-8-22 6,3 12 40,1 3-304,5 15 197,6 18 118,9 20 5,2 2-51,7 12 1,0-8 5,0 0-17,6 1-139,-6-10 89,11-2 134,-5-25-3836,19-31 3758,-15 10 0,1-10 0,-21 33 0</inkml:trace>
+  <inkml:trace contextRef="#ctx0" brushRef="#br0" timeOffset="45313">9237 7358 13777,'9'56'403,"0"-3"-286,-2-14-44,0 3 0,-2-10 0,0 3-68,0 2 1,-1 1 33,1-1 0,-1 1 48,-1 7 0,-1-2-76,-1 4 28,0 20-27,-1-35 27,-1 4-162,0-23 218,-4-6-95,-3-21-11,-2-3 16,-16-39-5,11 25 6,-8-18-12,15 32-156,3 7-62,3 5 229,10 14 102,18 22-40,4 4-61,5 2 27,-9-18-33,-8-14 56,10-17-207,-4-6-812,15-25-2364,-9 0 3327,3-5 0,-15 22 0,-5 8 0</inkml:trace>
+  <inkml:trace contextRef="#ctx0" brushRef="#br0" timeOffset="46049">10189 8310 13698,'63'5'846,"-4"-1"-821,-20-3 0,4-2 25,17-7 1,1-3-2117,-16 4 1,-1 0 2067,14-7 1,-2 0 625,-16 4 0,-1 1-623,2 0 1,-1 1 13,-3 1 1,1 0-15,5 1 1,-1 1 672,7 1-627,2 2-46,-27 1-44,-10 1-115,-13 0 154,-27-5 0,20 4 0,-20-4 0</inkml:trace>
+  <inkml:trace contextRef="#ctx0" brushRef="#br0" timeOffset="46499">10427 8192 12931,'-31'39'1473,"2"-1"-1232,8-13 39,0 1-79,1 0 6,2-2-78,3 2-241,8-8 112,5-3 45,26-3-20,9-5 0,4 0-25,24 6-6,-16-4 1,-2-1-320,4 1-2295,13 2-988,-21-5 3608,6 1 0,-31-5 0,-6-2 0</inkml:trace>
+  <inkml:trace contextRef="#ctx0" brushRef="#br0" timeOffset="47494">6642 8477 14006,'63'16'714,"-17"-8"0,2-3-649,-15-5 0,3-1-32,10 1 1,8 0-1,-1 0-18,-4 0 0,-1 0 0,0 0-18,17-1 1,0 2-1,4 0 0,-8 0-59,-11 0-78,12 1-465,-19-2-465,-20 0-5813,-21-5 6883,-16 0 0,-5-1 0,8 3 0</inkml:trace>
+  <inkml:trace contextRef="#ctx0" brushRef="#br0" timeOffset="47976">6904 8406 12382,'-41'17'737,"0"0"1,0 3-1,4 3-289,-8 19-56,3 10-392,25-27-39,3 1 39,14-14 0,11-5 6,8 1 117,32 1-103,-18-3 0,2-1-144,9 3 1,0-1-155,-8-2 1,-1 0 277,8 1 0,-5-1 0,-12-1 0,11 0 0</inkml:trace>
+  <inkml:trace contextRef="#ctx0" brushRef="#br0" timeOffset="48826">5571 7310 13144,'11'44'412,"1"-1"1,1 9-1,-2 1-311,-4-12 0,-1 1-62,2 20 0,-1 0 6,-2-16 0,-1-3-45,-1-3 0,-1-6-67,-2-8-140,0-20 27,-7-5 141,-1-7-6,-14-14 40,5 1-29,-11-16 40,13 18-57,-3-3-223,15 23 459,14 16-118,5 3 45,10 9-6,-3-13 219,12-5-202,-6-10-50,19-33-521,-21-6-353,-9 2 1,-2-4-4415,2-23 5215,-3-4 0,-8 31 0,-3 10 0</inkml:trace>
+  <inkml:trace contextRef="#ctx0" brushRef="#br0" timeOffset="49810">5595 4620 11698,'7'36'579,"1"1"0,0 0 0,-2-3-193,-2 16-95,-1-11 1,0 4-94,0 13 1,0 0-171,-1-9 0,0-2 0,0 5 0,0-5-16,-2-8 49,0 7-27,0-21-34,-2 5-6,-2-20-151,-2-1-78,-1-1-11,-2-2-544,-6-4 381,-13-29 415,-1 1 56,1-13 55,12 15 12,10 17-112,3 4-17,4 5 162,5 6 113,7 6-68,5 8 34,13 16-118,-7-7 17,18 13-51,-10-23 46,-1-2 111,2-27-246,-17-5-201,4-14-751,-8 1-1916,-2 1 2868,-2 3 0,-3 11 0,-3 6 0</inkml:trace>
+  <inkml:trace contextRef="#ctx0" brushRef="#br0" timeOffset="54605">2047 11859 14342,'54'-5'599,"5"-1"-579,-17 2 0,1-1-18,-9 1 1,-1-1 0,10-3 0,3 0 22,7-2 0,-1 1-22,-7 2 0,-1 0-1,11-1 1,-3 1 9,9 4-10,-18 2 1,1 1 3,23 0-4,-24 0 1,1 0 5,0 0 1,0 1-4,2-1 1,1 0-3,-2 1 0,1-1 0,6 0 0,-2 0 19,-14 1 0,-1-2-28,12 0 1,-1-1 0,11 0 5,2-6 22,-30 1-22,-6 1 6,-5 1-1,-11 5 1,-1-1-6,0 1-107,1 0-492,3 0-3226,12-2 3825,-6 2 0,3-2 0,-14 2 0</inkml:trace>
+  <inkml:trace contextRef="#ctx0" brushRef="#br0" timeOffset="56055">2357 5763 11766,'46'4'1165,"-4"-1"-846,-14-3-44,3 1-29,3 0-84,3 1 107,21 0-177,-24 0 1,1 0-48,0-1 0,0 1 27,13 2 1,1 0-20,-4 0 1,4 1-49,1-1 1,5 1-1,-4-1-1184,4 0 0,-2 1 1179,13-1 0,-6-1 39,-3-2-36,-16-1 0,-1 1-3,20-1 3,-23 0 0,0 0 47,9 0-11,-3 0 40,13-2-35,-16 1-44,18 0 73,-16 0-62,-5 1-5,-9 2 2436,-16-1-2408,-7 1-23,3 0-5,-2-1 27,4 0-27,-1-1-1,3 0 35,10-2-40,7-1 5,18-1-5,-9 1 0,-4 1 11,-15 1-5,-12 1-12,-2-1-307,-3 1-2011,-2 0 2324,-4 1 0,3-1 0,-3 1 0</inkml:trace>
+</inkml:ink>
+</file>
+
+<file path=ppt/ink/ink56.xml><?xml version="1.0" encoding="utf-8"?>
+<inkml:ink xmlns:inkml="http://www.w3.org/2003/InkML">
+  <inkml:definitions>
+    <inkml:context xml:id="ctx0">
+      <inkml:inkSource xml:id="inkSrc0">
+        <inkml:traceFormat>
+          <inkml:channel name="X" type="integer" min="-2.14748E9" max="2.14748E9" units="cm"/>
+          <inkml:channel name="Y" type="integer" min="-2.14748E9" max="2.14748E9" units="cm"/>
+          <inkml:channel name="F" type="integer" max="32767" units="dev"/>
+        </inkml:traceFormat>
+        <inkml:channelProperties>
+          <inkml:channelProperty channel="X" name="resolution" value="1000" units="1/cm"/>
+          <inkml:channelProperty channel="Y" name="resolution" value="1000" units="1/cm"/>
+          <inkml:channelProperty channel="F" name="resolution" value="0" units="1/dev"/>
+        </inkml:channelProperties>
+      </inkml:inkSource>
+      <inkml:timestamp xml:id="ts0" timeString="2022-11-21T15:00:40.944"/>
+    </inkml:context>
+    <inkml:brush xml:id="br0">
+      <inkml:brushProperty name="width" value="0.05292" units="cm"/>
+      <inkml:brushProperty name="height" value="0.05292" units="cm"/>
+      <inkml:brushProperty name="color" value="#C00000"/>
+    </inkml:brush>
+  </inkml:definitions>
+  <inkml:trace contextRef="#ctx0" brushRef="#br0">18878 7739 12847,'-63'-15'1322,"1"3"-1216,28 12 40,-16 3-102,-11 10-41,27-5 0,0 2-3,0 0 0,1 1 6,-17 9 36,17-5 0,1 1-42,-9 5 2,10-4 1,0 0-3,0 3 6,2 0 123,-19 19-96,12-6-139,-12 14 67,26-18-29,5 3 74,12 4 0,0-5-6,5 7 5,4-15 135,2 2-134,4-1 5,1 1 62,15 19-107,3-11 29,7 6-29,10-15 40,1-12-6,-7-7 0,1-1 0,18 0 16,-15-4 1,-1-1-17,0-2 3,-6 0 0,0 0-3,7-3 0,14-2 0,-19 1 0,-1 1 0,-2-1 11,0 1-5,14-3 13,-15 4 1,2 1-18,0 0 1,1 0 36,7 0 1,-2 2-35,12-1-5,-15-1 0,-1-2 0,2-2 45,22-7-45,-31 3 6,27-10 5,-11 4-11,-9 3 0,-1-3 0,10-10-6,-6-1 12,-10-9-6,-16 13 0,1-7-6,-11 10 12,-2 1-6,-2-1 0,-7-9 101,-15-1-51,-23-12-50,-10 9-154,16 18 1,-6-2 0,-2 2 69,-2 0 0,-2 1 0,-5 1-255,-4 2 0,-4 0 1,-2 1-1,3 1-89,-1-1 0,2 2 1,-2 1 292,6 5 0,-4 2 0,4 1 0,10 0 0,-20 2 0,30 1 0,1-1 0</inkml:trace>
+  <inkml:trace contextRef="#ctx0" brushRef="#br0" timeOffset="1578">14426 7810 10136,'-37'0'668,"0"-1"0,0 1 1,2 1-13,-27 11-169,-3 5-311,33-7 1,-1 2-68,-5 5 0,1 2-28,6-2 0,1 2-5,-7 9 0,3 2-76,-2 7 0,3 7-6,21-19 12,-1 11-6,6-7-56,-1 23 56,5-21 78,1 11-72,2-13 27,3-2 23,8 9-117,12 0 80,4-11 1,4-2 53,16 8-57,-14-15 1,2-3 56,11 0-70,-11-6 0,2 0 2,18 5-2,-18-6 0,0 0-3,12 2 5,-3-1 1,13-2-6,-16-2 6,23-1-6,-2-12 0,-30 4 0,0-2 39,30-11-39,-19-2 0,-15 6-62,23-15 12,-21 9-57,14-11 29,-26 14-12,5-21 79,-11 6 45,1-26 95,-24 18-12,-19-7-111,-9 17 22,-16 1 0,-11 2-170,22 13 0,-1 2 0,-1-1-343,-6-2 0,-2-1 0,-1 3-419,-8 3 0,-2 2 1,7 3-1462,9 2 1,3 2 2364,-13 3 0,7 0 0,17 0 0,11 2 0</inkml:trace>
+  <inkml:trace contextRef="#ctx0" brushRef="#br0" timeOffset="2946">10903 8025 11116,'-36'-5'697,"0"1"1,-22-3-396,17 8-27,10 0 442,-33 4-605,21-1-34,-23 3-78,30-2 56,-15 4-50,13 0 5,6 0 0,-2 2-20,-2 4 1,0 2 75,-1 2 1,0 2-71,-4 5 0,3 1 3,-7 11 0,22-9 0,3-1-28,2 0 17,-3 15 22,14-23-5,-2 12 16,4-7 12,-1 20-62,14 2 16,12-1 9,4-18 1,5-3 58,15 0 0,16-1 0,-22-14-51,4-1 1,3-2 112,4-3-54,-9-2 0,1-2-64,25-2 34,-1-5 0,3-1-415,-23 1 0,2-1 381,3-2 0,5 0 0,-4 1-23,0-1 1,0 0-73,-5 1 0,4-1 0,-6 2 50,-7 1 0,-3 0 3,8-1 0,-4 0-14,0 2-50,19-7 66,-24 4-55,15-5 50,-29 4-50,3-6 45,-8 2 55,2-13 46,-11-6 716,-3-5-761,-10-11 38,-1 15-16,-8 5 0,-5 2-28,-8-1-123,4 6 0,-3 1-661,-23-2 16,19 11 1,-4 1-34,-9-2 0,-5 1 801,2 1 0,-4 1 0,6 1 0,6 1 0,2 0 0,-7 0 0,0 0 0</inkml:trace>
+  <inkml:trace contextRef="#ctx0" brushRef="#br0" timeOffset="4096">7166 8168 10685,'-40'-1'412,"0"0"1,4 0-1,1 1 597,-32 7-718,22-1-176,11 0 0,1 1 14,-3 3-124,1 0 46,0 2 150,-18 4-195,11-2 61,-13 5 0,0 6 45,15-5-149,9-1 1,3 3-53,-2 16 131,15-6 0,5 3-25,16 28-17,9-1-37,13-20 1,5-5 30,5 2 3,-5-8 1,1-3-71,10-4 39,4-6 29,3-5 7,-10-8 1,1-1 59,24 0-44,-21-3 1,7 0 0,-4-1-19,4-1 0,0 1 0,-3-1 0,2 1 0,-3-1-401,-2-1 0,-2-1 202,7-2 1,-4-3-32,6-7 146,-20 3 0,-2-1-56,5-13 78,-5-3 18,1-21 49,-14 10 20,-8 6 1,-3 0 130,-8-15-77,-8 2-6,-27 2-171,-7 23 0,-6 3-3,6 1 0,-3 1-268,2 3 1,-3 1-1,2 3-188,-5 0 0,-1 4-528,6 4 0,-2 2 0,3 1 1085,2 2 0,2 2 0,-3-1 0,8 2 0,18 3 0</inkml:trace>
+  <inkml:trace contextRef="#ctx0" brushRef="#br0" timeOffset="56989">5714 13359 10567,'29'2'95,"-4"0"-89,-18-2 33,0 0-28,0 0 45,5 0-44,-2 0 10,6 0-22,-5 0 34,3 0-34,-4 0 5,9 0 1,-6 0-6,4 0 5,-5 0 35,7 0-46,-4 0 6,6 0 6,-2 0 5,1 0-11,0 0-6,1 0 1,-4 0 55,10 0-50,-3 0 0,0 0-11,2-2 5,-11 0 6,11-1-5,-12 2-1,9 1 40,-10 0-34,12 0 0,-2 0 5,17 0 1,-11 0-40,5 0 73,-15 1-33,7-1-6,-7 0 0,6 0 6,-10 0-6,1 0-23,7 0 23,-4 1 11,15-1-5,7 1-17,2-1-28,6 1 27,-19-1 12,3 0 0,-14 0-11,12 0 11,-14 0-50,12 1 44,-13-1 1,11 2-1,4 1 6,1-1-6,13 1 1,-10-1 5,-2 1 0,1-1 0,-13-2-39,16 0 39,-14 0-12,14 0 12,-16 0-11,11-1 39,-9-1-50,12-2 22,-11 1 0,3-1-11,-11 0 11,7-3-6,-4 2 6,6-1 0,-7 1 0,0 2 0,5-1-6,-5 1-5,10 0-11,-6 1-12,0 0 29,6 2-1,-13-1 0,6 1 6,-7 0-16,6 0 10,-4 0 12,11 0 5,-10 0-11,5 0 11,0 0-11,2 0 6,9 0-6,-7 0 5,7 0 1,2 0-6,3 0-6,-2 0-5,1 0 11,-16 0-6,16-1 6,-17 1 28,6-2-28,-10 1-11,0-1 0,4 1 5,-1 0-10,6 1 16,-10 0 0,1 0 0,-7-1 11,5-1-11,-1 1 0,4-2 0,-4 2 5,1-2-44,3 1 39,-2 0 6,7 1-17,4 1 5,3 0 0,8-1 1,-10 1-1,7-2 6,-14 1-56,6 1 56,-8 0 0,1 0 0,0 0 6,12 0-1,2 2-10,21 1 10,-8 0 7,15 1-12,-25-2 0,4 0-6,-18-1 0,1-1 1,-1 0 5,0 1-6,9-1 6,-7 0 0,15 0-5,-9 0 5,-1 1-12,6 0 12,-1 1 0,3 0-28,-2-1 28,-11-1 17,-7 0-11,0 0-40,8 0 34,-5 1 0,15-1 6,-15 1 5,18-1-11,-5 1 11,24 0-5,-4-1-6,0 1 5,-14-1-5,1 1-5,-11 0-12,9 1-33,-13-2 50,1 1-12,12-1-10,4 0 16,12 0 1,-13 0-1,7-1-5,-11 0 11,-2-1 0,3 2-6,-18 0 6,13 0 0,-15 0-11,12 0 11,-13 0 0,5 0 0,-7 0 6,3-1-6,-4 0 0,7 0-62,0 0 68,-4 1-12,4 0 40,-9 0-34,1 0 0,2-1 5,9 0-16,-4-2 11,8 1 11,3-1-11,-4 3-44,20-2-68,-1 1 58,-7 0 1,1-1 25,-4 1 0,0 0 28,0 0 0,-1 0 0,30-1 0,-26 2-5,27 0-7,-27 0-44,14 0 51,-17 0-46,2 0 7,16 0 27,3 0 11,0 0-39,7 0-67,-16 0 40,0 0 21,7 0 46,-23 0-1,9 0-28,-12 0 29,-1 0 5,11 0 0,-8 0 0,19 0 0,1 0 0,2 0-3,-16 0 0,-2 0 9,6 0-1,7 0-10,-21 0 5,-1-1-6,1 0 6,1-1 0,12 1-11,-9-1 0,23 0 5,-21 0-11,25-1 12,-6-2 2,-11 3 0,0-1-2,17-1 5,8-1 0,-30 3 0,18-1 0,-12 0 0,-5 0 0,1 1 0,6-1-6,14 0 6,-20 2 0,-1-1 0,12 2 0,17-2 0,-31 1 0,1 0 3,6-1 0,-1 0-3,14-2 0,12 0 0,-29 0 0,8 1 0,-16 2 0,-4 0 5,-2 1-5,0 0 0,17 0 0,-4 0 0,6 0 6,-1 0-6,-6 0 0,18 0 5,-17 0-5,3 0 0,-19 0 0,9-1 12,-6 1 44,8-1-17,1 0-22,5-2-12,-1 1 6,13 0 1,5 1 4,5 1-10,-3 0 0,-13 0-6,-13 0 0,18 0-6,-10 0 6,12 0 6,2 0 5,-13 0-9,-6 0 1,0 0 3,23 0-3,-12 0 0,2 0-3,-7 0 0,0 0 2,-1 0 1,0 0-3,8 0 0,-3 1 0,2-1 0,-10 1 0,-1 0-5,0 0 5,0 0 0,0-1 0,0 1 0,17-1 0,-19 1 0,2-1-3,0 1 0,1 0 0,5 0 0,-1 0 3,10 1 0,16-1 0,-26 0-8,-6-1 0,1 0 8,21 0 0,1 0-12,-6 0 18,3 0-12,5 0 6,1 0 3,-24 0 0,1 0 5,1 0 1,0 0-9,3 1 0,0-1-6,-2 0 1,-2 1 5,19 0 0,-16 0-9,-2 0 1,0 0 8,12 0 0,-10 0 0,-2-1 5,5 1-5,0-1 6,21 0-6,-31 0 0,2 0 3,19 0 0,3 0-3,-10 0 0,0 1 0,-2-1 0,0 0 5,-1 0 1,-4 0-886,8 0 880,15 0 0,-19 0 11,2 0-11,0 0-11,1-1 11,0-1-6,-1-1 1,0 1 5,14-1 5,-15 1-2,-10 0 0,0 1-3,18-1 11,0-1-5,10-2-6,-25 1 0,13-1 0,-14 1 0,-3 1 0,0 0 0,10-2 434,-3 1 0,1 0-428,15-3 5,-1-1 20,-21 4 0,0-1-1,-1 1 1,0 0 42,22-2-39,1 0-29,-30 4 68,-1 0-62,-1 2 85,20-3-91,-16 2 1,15-2 61,-20 2-11,2-1 73,12 0 16,5-1-44,21 1-95,-16 0-6,-8 2 0,-23 0 0,-12 0-336,-1 0 11,-4 0 0,1 0 0</inkml:trace>
+  <inkml:trace contextRef="#ctx0" brushRef="#br0" timeOffset="58751">5999 13097 12090,'-23'13'1177,"-9"1"-819,4-2-285,-3 0-34,-2 0-39,7 0 6,-2 0 11,-16 12 0,-13 12-6,3-2-6,5 0 1,29-17 0,11-10-18,6-4-44,3-3 40,0 2 16,0 0 11,0 5 28,2 4 17,2 1 0,8 13 73,18 11-96,-4-6-27,10 6 0,-15-18 44,-1-3-44,-2-1-6,3 3 5,-7-6 1,2 4-6,-3-2 0,-4-3-67,6 9-320,1 0-2223,23 19 2610,3-2 0,-6-5 0,-12-13 0</inkml:trace>
+  <inkml:trace contextRef="#ctx0" brushRef="#br0" timeOffset="79912">13902 17074 11155,'34'2'11,"-5"1"51,-11-3-62,-4 0 11,7-2 0,-5 1 23,1-1-23,8-2 0,1 3 12,16-1-12,-6 2 0,16-2-11,-21 1-5,5-1 5,-18 1 0,-2 1 5,0-1-5,-2 1 6,7 0-1,-5 0 1,11 0-6,-11 0 0,13 0 0,-5 2 11,18 0-16,-4 0-7,-1 0 12,-1-1 0,-15-1 0,14 0 0,-14 0 0,6 0 6,-8 0 28,0 0-62,7 0 28,1 0 0,0 0 5,7 0-10,-6 0 5,18 0 0,-13-1 0,3 0 5,-17 0-5,-1 0 0,8-1 0,-6 1 0,13 1 0,-7 0 0,0 0 0,7 0 11,6 0-11,-6 0 0,6 2 0,-18-2-11,9 1 11,-7 0 11,14 2-11,-17-2 0,6 1 0,-8-1 6,21-1-12,-2 0-16,17 0-17,-18 0 28,8-1 11,-19 1-12,21-1 7,-20 0 5,23 1 17,-21 0-17,8-1 0,-12-1 0,0 2-40,11-2 35,2 2 5,-1 0-11,5 0 11,-12 0-6,15 2 6,-16-1 0,10 3-6,-4-3 1,-7 0 5,13-1 5,-16 0-5,1 0 0,7 0-5,6 0-1,-5-1 6,6 0 6,-17 0-1,0 0-5,1 1 0,0 0 0,13 0 0,-9 0-5,8 0 5,-12 0-6,18 0 6,-2 0 11,-3 0 1,1 0-12,20 0 0,0 0 0,-16 0-6,-13 0-11,17 0 17,-16 0 6,19 0-6,-28 0 5,13 0-5,-4 0 0,21 1-5,-4 0 5,21 1 0,-27-2 5,7 1-5,-20 0 6,12 0-6,-10 0 6,21 0-6,-22-1-6,9 1 6,-12-1 0,0 0-6,7 0 6,3 0 28,20 0-39,-17 0 11,7 0 0,-20 0 6,26 0-6,-18 0 0,19 0-6,-25 0 1,10 0 5,-9 0 5,17 0-5,-4 0 6,-6 0-6,2 0 0,-16 1 0,2-1 5,1 1-10,24-1 5,-16 1 0,17-1 0,-25 0 5,0 0-10,9 0 5,2 0-6,20 0 6,-9 0-5,-1 0 5,-12 0-51,4 0 46,-8 0-29,9 0 34,-11 0-17,0 0 12,1 0-29,0 0-22,13 0 50,1 0 1,-1 0-62,3 0 61,-15 1 17,16 1-11,-16-1 0,7 1 6,-14-2-6,0 1 5,11 0-5,-9 0 0,18 0 0,-6 0-5,0-1-1,10 0 1,5 0 10,2 2-5,-4-1 0,-13 2-5,-12-2 5,14 0 0,-8 0 5,10-1-5,-11 0 0,1 0 0,-1 0 39,11 2-44,1 0-12,15 1 23,-11 0-12,9 1-39,-25-2 56,12 3-11,-20-3 0,7 1 0,-7-2-5,9 0-1,-7-1 12,15 0-6,-19 0-6,14 0 6,-7 0 0,1 0-5,10 0-40,-14 0-22,9 0 61,-10 0 0,1 0 1,7 1-1,-8 1 6,7-1-5,-10 0 5,11 2 0,-6-3 5,20 3-5,9 1-5,3 0 5,-2 2 0,-15-4 5,-12 0 40,21 2-45,-17-1 0,17 1-6,-22-1 6,11 0 0,-8-1-33,20 1 33,3 0 5,3 1-5,-4-1 0,-14 0 0,-10 0 0,0-2 0,1 1 0,1 0-5,2 0 5,0-1 0,2 1 0,33 0-79,-9-1 43,-9 0 0,2 0 10,-14-1 1,-3 0-31,32 2 51,-5 1 5,-25 0-6,11 1 6,-14-3 0,12 2 0,-10-2 39,33 3-44,-22-1 5,9 1 0,-6-1 5,-11-2-10,-1-1-1,6 0 6,-18 0 0,18 0-22,-5 0 22,0 0-6,0 0 6,-10 0 0,0 0 0,16 0 0,-9-1-6,27 0 23,-25 1 0,2-1-17,3 1 0,0 0 3,1 0 0,-2 0-3,25 0-6,-17 1 6,0 0 6,20 1-6,-18-1 0,12 1-6,-22-2 6,-4 0 6,7 0 33,-8 0-34,5-5-5,-13 0 6,-6-2-6,4 0 6,-7 3-6,8-1 50,-4 2 28,1 0 6,3 1-39,1-2 56,13 0-95,-9 0 262,13-4-49,-25 4 150,5-4-223,-12 2-124,7-3 51,-7 4-22,2 0 112,-9 4 61,-3 0-297,-1 1-913,-6 0-1120,-1 0 2106,-3 0 0,3 0 0,2 0 0</inkml:trace>
 </inkml:ink>
 </file>
 
@@ -1396,7 +3108,7 @@
             <a:fld id="{C9C2CC2B-07F5-486B-80F8-D7AC8876AF81}" type="datetimeFigureOut">
               <a:rPr lang="sr-Latn-CS" smtClean="0"/>
               <a:pPr/>
-              <a:t>20.11.22.</a:t>
+              <a:t>21.11.22.</a:t>
             </a:fld>
             <a:endParaRPr lang="hr-HR" dirty="0"/>
           </a:p>
@@ -1754,6 +3466,98 @@
     <p:extLst>
       <p:ext uri="{BB962C8B-B14F-4D97-AF65-F5344CB8AC3E}">
         <p14:creationId xmlns:p14="http://schemas.microsoft.com/office/powerpoint/2010/main" val="1632103673"/>
+      </p:ext>
+    </p:extLst>
+  </p:cSld>
+  <p:clrMapOvr>
+    <a:masterClrMapping/>
+  </p:clrMapOvr>
+</p:notes>
+</file>
+
+<file path=ppt/notesSlides/notesSlide10.xml><?xml version="1.0" encoding="utf-8"?>
+<p:notes xmlns:a="http://schemas.openxmlformats.org/drawingml/2006/main" xmlns:r="http://schemas.openxmlformats.org/officeDocument/2006/relationships" xmlns:p="http://schemas.openxmlformats.org/presentationml/2006/main">
+  <p:cSld>
+    <p:spTree>
+      <p:nvGrpSpPr>
+        <p:cNvPr id="1" name=""/>
+        <p:cNvGrpSpPr/>
+        <p:nvPr/>
+      </p:nvGrpSpPr>
+      <p:grpSpPr>
+        <a:xfrm>
+          <a:off x="0" y="0"/>
+          <a:ext cx="0" cy="0"/>
+          <a:chOff x="0" y="0"/>
+          <a:chExt cx="0" cy="0"/>
+        </a:xfrm>
+      </p:grpSpPr>
+      <p:sp>
+        <p:nvSpPr>
+          <p:cNvPr id="2" name="Slide Image Placeholder 1"/>
+          <p:cNvSpPr>
+            <a:spLocks noGrp="1" noRot="1" noChangeAspect="1"/>
+          </p:cNvSpPr>
+          <p:nvPr>
+            <p:ph type="sldImg"/>
+          </p:nvPr>
+        </p:nvSpPr>
+        <p:spPr>
+          <a:xfrm>
+            <a:off x="1143000" y="685800"/>
+            <a:ext cx="4572000" cy="3429000"/>
+          </a:xfrm>
+        </p:spPr>
+      </p:sp>
+      <p:sp>
+        <p:nvSpPr>
+          <p:cNvPr id="3" name="Notes Placeholder 2"/>
+          <p:cNvSpPr>
+            <a:spLocks noGrp="1"/>
+          </p:cNvSpPr>
+          <p:nvPr>
+            <p:ph type="body" idx="1"/>
+          </p:nvPr>
+        </p:nvSpPr>
+        <p:spPr/>
+        <p:txBody>
+          <a:bodyPr>
+            <a:normAutofit/>
+          </a:bodyPr>
+          <a:lstStyle/>
+          <a:p>
+            <a:endParaRPr lang="en-HR" dirty="0"/>
+          </a:p>
+        </p:txBody>
+      </p:sp>
+      <p:sp>
+        <p:nvSpPr>
+          <p:cNvPr id="4" name="Slide Number Placeholder 3"/>
+          <p:cNvSpPr>
+            <a:spLocks noGrp="1"/>
+          </p:cNvSpPr>
+          <p:nvPr>
+            <p:ph type="sldNum" sz="quarter" idx="5"/>
+          </p:nvPr>
+        </p:nvSpPr>
+        <p:spPr/>
+        <p:txBody>
+          <a:bodyPr/>
+          <a:lstStyle/>
+          <a:p>
+            <a:fld id="{5E9A57EA-DA71-4ED8-87D5-FA09C51B6AFA}" type="slidenum">
+              <a:rPr lang="hr-HR" smtClean="0"/>
+              <a:pPr/>
+              <a:t>12</a:t>
+            </a:fld>
+            <a:endParaRPr lang="hr-HR" dirty="0"/>
+          </a:p>
+        </p:txBody>
+      </p:sp>
+    </p:spTree>
+    <p:extLst>
+      <p:ext uri="{BB962C8B-B14F-4D97-AF65-F5344CB8AC3E}">
+        <p14:creationId xmlns:p14="http://schemas.microsoft.com/office/powerpoint/2010/main" val="939668355"/>
       </p:ext>
     </p:extLst>
   </p:cSld>
@@ -2497,7 +4301,7 @@
     </p:spTree>
     <p:extLst>
       <p:ext uri="{BB962C8B-B14F-4D97-AF65-F5344CB8AC3E}">
-        <p14:creationId xmlns:p14="http://schemas.microsoft.com/office/powerpoint/2010/main" val="939668355"/>
+        <p14:creationId xmlns:p14="http://schemas.microsoft.com/office/powerpoint/2010/main" val="2428423151"/>
       </p:ext>
     </p:extLst>
   </p:cSld>
@@ -2687,7 +4491,7 @@
             <a:fld id="{DA765C48-E28F-491B-A6FC-AD0BFE4ABDB2}" type="datetimeFigureOut">
               <a:rPr lang="sr-Latn-CS" smtClean="0"/>
               <a:pPr/>
-              <a:t>20.11.22.</a:t>
+              <a:t>21.11.22.</a:t>
             </a:fld>
             <a:endParaRPr lang="hr-HR" dirty="0"/>
           </a:p>
@@ -2858,7 +4662,7 @@
             <a:fld id="{DA765C48-E28F-491B-A6FC-AD0BFE4ABDB2}" type="datetimeFigureOut">
               <a:rPr lang="sr-Latn-CS" smtClean="0"/>
               <a:pPr/>
-              <a:t>20.11.22.</a:t>
+              <a:t>21.11.22.</a:t>
             </a:fld>
             <a:endParaRPr lang="hr-HR" dirty="0"/>
           </a:p>
@@ -3035,7 +4839,7 @@
             <a:fld id="{DA765C48-E28F-491B-A6FC-AD0BFE4ABDB2}" type="datetimeFigureOut">
               <a:rPr lang="sr-Latn-CS" smtClean="0"/>
               <a:pPr/>
-              <a:t>20.11.22.</a:t>
+              <a:t>21.11.22.</a:t>
             </a:fld>
             <a:endParaRPr lang="hr-HR" dirty="0"/>
           </a:p>
@@ -3206,7 +5010,7 @@
             <a:fld id="{DA765C48-E28F-491B-A6FC-AD0BFE4ABDB2}" type="datetimeFigureOut">
               <a:rPr lang="sr-Latn-CS" smtClean="0"/>
               <a:pPr/>
-              <a:t>20.11.22.</a:t>
+              <a:t>21.11.22.</a:t>
             </a:fld>
             <a:endParaRPr lang="hr-HR" dirty="0"/>
           </a:p>
@@ -3447,7 +5251,7 @@
             <a:fld id="{DA765C48-E28F-491B-A6FC-AD0BFE4ABDB2}" type="datetimeFigureOut">
               <a:rPr lang="sr-Latn-CS" smtClean="0"/>
               <a:pPr/>
-              <a:t>20.11.22.</a:t>
+              <a:t>21.11.22.</a:t>
             </a:fld>
             <a:endParaRPr lang="hr-HR" dirty="0"/>
           </a:p>
@@ -3736,7 +5540,7 @@
             <a:fld id="{DA765C48-E28F-491B-A6FC-AD0BFE4ABDB2}" type="datetimeFigureOut">
               <a:rPr lang="sr-Latn-CS" smtClean="0"/>
               <a:pPr/>
-              <a:t>20.11.22.</a:t>
+              <a:t>21.11.22.</a:t>
             </a:fld>
             <a:endParaRPr lang="hr-HR" dirty="0"/>
           </a:p>
@@ -4155,7 +5959,7 @@
             <a:fld id="{DA765C48-E28F-491B-A6FC-AD0BFE4ABDB2}" type="datetimeFigureOut">
               <a:rPr lang="sr-Latn-CS" smtClean="0"/>
               <a:pPr/>
-              <a:t>20.11.22.</a:t>
+              <a:t>21.11.22.</a:t>
             </a:fld>
             <a:endParaRPr lang="hr-HR" dirty="0"/>
           </a:p>
@@ -4274,7 +6078,7 @@
             <a:fld id="{DA765C48-E28F-491B-A6FC-AD0BFE4ABDB2}" type="datetimeFigureOut">
               <a:rPr lang="sr-Latn-CS" smtClean="0"/>
               <a:pPr/>
-              <a:t>20.11.22.</a:t>
+              <a:t>21.11.22.</a:t>
             </a:fld>
             <a:endParaRPr lang="hr-HR" dirty="0"/>
           </a:p>
@@ -4366,7 +6170,7 @@
             <a:fld id="{DA765C48-E28F-491B-A6FC-AD0BFE4ABDB2}" type="datetimeFigureOut">
               <a:rPr lang="sr-Latn-CS" smtClean="0"/>
               <a:pPr/>
-              <a:t>20.11.22.</a:t>
+              <a:t>21.11.22.</a:t>
             </a:fld>
             <a:endParaRPr lang="hr-HR" dirty="0"/>
           </a:p>
@@ -4640,7 +6444,7 @@
             <a:fld id="{DA765C48-E28F-491B-A6FC-AD0BFE4ABDB2}" type="datetimeFigureOut">
               <a:rPr lang="sr-Latn-CS" smtClean="0"/>
               <a:pPr/>
-              <a:t>20.11.22.</a:t>
+              <a:t>21.11.22.</a:t>
             </a:fld>
             <a:endParaRPr lang="hr-HR" dirty="0"/>
           </a:p>
@@ -4894,7 +6698,7 @@
             <a:fld id="{DA765C48-E28F-491B-A6FC-AD0BFE4ABDB2}" type="datetimeFigureOut">
               <a:rPr lang="sr-Latn-CS" smtClean="0"/>
               <a:pPr/>
-              <a:t>20.11.22.</a:t>
+              <a:t>21.11.22.</a:t>
             </a:fld>
             <a:endParaRPr lang="hr-HR" dirty="0"/>
           </a:p>
@@ -5112,7 +6916,7 @@
             <a:fld id="{DA765C48-E28F-491B-A6FC-AD0BFE4ABDB2}" type="datetimeFigureOut">
               <a:rPr lang="sr-Latn-CS" smtClean="0"/>
               <a:pPr/>
-              <a:t>20.11.22.</a:t>
+              <a:t>21.11.22.</a:t>
             </a:fld>
             <a:endParaRPr lang="hr-HR" dirty="0"/>
           </a:p>
@@ -5627,8 +7431,8 @@
           </a:p>
         </p:txBody>
       </p:sp>
-      <mc:AlternateContent xmlns:mc="http://schemas.openxmlformats.org/markup-compatibility/2006">
-        <mc:Choice xmlns:a14="http://schemas.microsoft.com/office/drawing/2010/main" Requires="a14">
+      <mc:AlternateContent xmlns:mc="http://schemas.openxmlformats.org/markup-compatibility/2006" xmlns:a14="http://schemas.microsoft.com/office/drawing/2010/main">
+        <mc:Choice Requires="a14">
           <p:sp>
             <p:nvSpPr>
               <p:cNvPr id="3" name="TextBox 2">
@@ -5657,6 +7461,7 @@
               </a:bodyPr>
               <a:lstStyle/>
               <a:p>
+                <a:pPr/>
                 <a14:m>
                   <m:oMathPara xmlns:m="http://schemas.openxmlformats.org/officeDocument/2006/math">
                     <m:oMathParaPr>
@@ -5821,7 +7626,7 @@
             </p:txBody>
           </p:sp>
         </mc:Choice>
-        <mc:Fallback>
+        <mc:Fallback xmlns="">
           <p:sp>
             <p:nvSpPr>
               <p:cNvPr id="3" name="TextBox 2">
@@ -5901,6 +7706,567 @@
           </a:p>
         </p:txBody>
       </p:sp>
+      <mc:AlternateContent xmlns:mc="http://schemas.openxmlformats.org/markup-compatibility/2006">
+        <mc:Choice xmlns:p14="http://schemas.microsoft.com/office/powerpoint/2010/main" Requires="p14">
+          <p:contentPart p14:bwMode="auto" r:id="rId4">
+            <p14:nvContentPartPr>
+              <p14:cNvPr id="5" name="Ink 4">
+                <a:extLst>
+                  <a:ext uri="{FF2B5EF4-FFF2-40B4-BE49-F238E27FC236}">
+                    <a16:creationId xmlns:a16="http://schemas.microsoft.com/office/drawing/2014/main" id="{BBEC9B94-0B4A-0D86-D317-B1AE280323A5}"/>
+                  </a:ext>
+                </a:extLst>
+              </p14:cNvPr>
+              <p14:cNvContentPartPr/>
+              <p14:nvPr/>
+            </p14:nvContentPartPr>
+            <p14:xfrm>
+              <a:off x="815760" y="3034800"/>
+              <a:ext cx="7173000" cy="1191960"/>
+            </p14:xfrm>
+          </p:contentPart>
+        </mc:Choice>
+        <mc:Fallback>
+          <p:pic>
+            <p:nvPicPr>
+              <p:cNvPr id="5" name="Ink 4">
+                <a:extLst>
+                  <a:ext uri="{FF2B5EF4-FFF2-40B4-BE49-F238E27FC236}">
+                    <a16:creationId xmlns:a16="http://schemas.microsoft.com/office/drawing/2014/main" id="{BBEC9B94-0B4A-0D86-D317-B1AE280323A5}"/>
+                  </a:ext>
+                </a:extLst>
+              </p:cNvPr>
+              <p:cNvPicPr/>
+              <p:nvPr/>
+            </p:nvPicPr>
+            <p:blipFill>
+              <a:blip r:embed="rId5"/>
+              <a:stretch>
+                <a:fillRect/>
+              </a:stretch>
+            </p:blipFill>
+            <p:spPr>
+              <a:xfrm>
+                <a:off x="806400" y="3025440"/>
+                <a:ext cx="7191720" cy="1210680"/>
+              </a:xfrm>
+              <a:prstGeom prst="rect">
+                <a:avLst/>
+              </a:prstGeom>
+            </p:spPr>
+          </p:pic>
+        </mc:Fallback>
+      </mc:AlternateContent>
+      <mc:AlternateContent xmlns:mc="http://schemas.openxmlformats.org/markup-compatibility/2006">
+        <mc:Choice xmlns:p14="http://schemas.microsoft.com/office/powerpoint/2010/main" Requires="p14">
+          <p:contentPart p14:bwMode="auto" r:id="rId6">
+            <p14:nvContentPartPr>
+              <p14:cNvPr id="6" name="Ink 5">
+                <a:extLst>
+                  <a:ext uri="{FF2B5EF4-FFF2-40B4-BE49-F238E27FC236}">
+                    <a16:creationId xmlns:a16="http://schemas.microsoft.com/office/drawing/2014/main" id="{1A5D3635-1B37-3A36-FA06-07AF10F309FA}"/>
+                  </a:ext>
+                </a:extLst>
+              </p14:cNvPr>
+              <p14:cNvContentPartPr/>
+              <p14:nvPr/>
+            </p14:nvContentPartPr>
+            <p14:xfrm>
+              <a:off x="1276920" y="2804040"/>
+              <a:ext cx="6708600" cy="1023480"/>
+            </p14:xfrm>
+          </p:contentPart>
+        </mc:Choice>
+        <mc:Fallback>
+          <p:pic>
+            <p:nvPicPr>
+              <p:cNvPr id="6" name="Ink 5">
+                <a:extLst>
+                  <a:ext uri="{FF2B5EF4-FFF2-40B4-BE49-F238E27FC236}">
+                    <a16:creationId xmlns:a16="http://schemas.microsoft.com/office/drawing/2014/main" id="{1A5D3635-1B37-3A36-FA06-07AF10F309FA}"/>
+                  </a:ext>
+                </a:extLst>
+              </p:cNvPr>
+              <p:cNvPicPr/>
+              <p:nvPr/>
+            </p:nvPicPr>
+            <p:blipFill>
+              <a:blip r:embed="rId7"/>
+              <a:stretch>
+                <a:fillRect/>
+              </a:stretch>
+            </p:blipFill>
+            <p:spPr>
+              <a:xfrm>
+                <a:off x="1267560" y="2794680"/>
+                <a:ext cx="6727320" cy="1042200"/>
+              </a:xfrm>
+              <a:prstGeom prst="rect">
+                <a:avLst/>
+              </a:prstGeom>
+            </p:spPr>
+          </p:pic>
+        </mc:Fallback>
+      </mc:AlternateContent>
+      <mc:AlternateContent xmlns:mc="http://schemas.openxmlformats.org/markup-compatibility/2006">
+        <mc:Choice xmlns:p14="http://schemas.microsoft.com/office/powerpoint/2010/main" Requires="p14">
+          <p:contentPart p14:bwMode="auto" r:id="rId8">
+            <p14:nvContentPartPr>
+              <p14:cNvPr id="7" name="Ink 6">
+                <a:extLst>
+                  <a:ext uri="{FF2B5EF4-FFF2-40B4-BE49-F238E27FC236}">
+                    <a16:creationId xmlns:a16="http://schemas.microsoft.com/office/drawing/2014/main" id="{3BEA5C36-5122-707F-C571-70497B52D82A}"/>
+                  </a:ext>
+                </a:extLst>
+              </p14:cNvPr>
+              <p14:cNvContentPartPr/>
+              <p14:nvPr/>
+            </p14:nvContentPartPr>
+            <p14:xfrm>
+              <a:off x="702720" y="3319920"/>
+              <a:ext cx="6617160" cy="1208880"/>
+            </p14:xfrm>
+          </p:contentPart>
+        </mc:Choice>
+        <mc:Fallback>
+          <p:pic>
+            <p:nvPicPr>
+              <p:cNvPr id="7" name="Ink 6">
+                <a:extLst>
+                  <a:ext uri="{FF2B5EF4-FFF2-40B4-BE49-F238E27FC236}">
+                    <a16:creationId xmlns:a16="http://schemas.microsoft.com/office/drawing/2014/main" id="{3BEA5C36-5122-707F-C571-70497B52D82A}"/>
+                  </a:ext>
+                </a:extLst>
+              </p:cNvPr>
+              <p:cNvPicPr/>
+              <p:nvPr/>
+            </p:nvPicPr>
+            <p:blipFill>
+              <a:blip r:embed="rId9"/>
+              <a:stretch>
+                <a:fillRect/>
+              </a:stretch>
+            </p:blipFill>
+            <p:spPr>
+              <a:xfrm>
+                <a:off x="693360" y="3310560"/>
+                <a:ext cx="6635880" cy="1227600"/>
+              </a:xfrm>
+              <a:prstGeom prst="rect">
+                <a:avLst/>
+              </a:prstGeom>
+            </p:spPr>
+          </p:pic>
+        </mc:Fallback>
+      </mc:AlternateContent>
+      <mc:AlternateContent xmlns:mc="http://schemas.openxmlformats.org/markup-compatibility/2006">
+        <mc:Choice xmlns:p14="http://schemas.microsoft.com/office/powerpoint/2010/main" Requires="p14">
+          <p:contentPart p14:bwMode="auto" r:id="rId10">
+            <p14:nvContentPartPr>
+              <p14:cNvPr id="8" name="Ink 7">
+                <a:extLst>
+                  <a:ext uri="{FF2B5EF4-FFF2-40B4-BE49-F238E27FC236}">
+                    <a16:creationId xmlns:a16="http://schemas.microsoft.com/office/drawing/2014/main" id="{CD66AEC8-F832-C332-96C5-A34CBD5A93DA}"/>
+                  </a:ext>
+                </a:extLst>
+              </p14:cNvPr>
+              <p14:cNvContentPartPr/>
+              <p14:nvPr/>
+            </p14:nvContentPartPr>
+            <p14:xfrm>
+              <a:off x="1551240" y="1960920"/>
+              <a:ext cx="6441840" cy="952200"/>
+            </p14:xfrm>
+          </p:contentPart>
+        </mc:Choice>
+        <mc:Fallback>
+          <p:pic>
+            <p:nvPicPr>
+              <p:cNvPr id="8" name="Ink 7">
+                <a:extLst>
+                  <a:ext uri="{FF2B5EF4-FFF2-40B4-BE49-F238E27FC236}">
+                    <a16:creationId xmlns:a16="http://schemas.microsoft.com/office/drawing/2014/main" id="{CD66AEC8-F832-C332-96C5-A34CBD5A93DA}"/>
+                  </a:ext>
+                </a:extLst>
+              </p:cNvPr>
+              <p:cNvPicPr/>
+              <p:nvPr/>
+            </p:nvPicPr>
+            <p:blipFill>
+              <a:blip r:embed="rId11"/>
+              <a:stretch>
+                <a:fillRect/>
+              </a:stretch>
+            </p:blipFill>
+            <p:spPr>
+              <a:xfrm>
+                <a:off x="1541880" y="1951560"/>
+                <a:ext cx="6460560" cy="970920"/>
+              </a:xfrm>
+              <a:prstGeom prst="rect">
+                <a:avLst/>
+              </a:prstGeom>
+            </p:spPr>
+          </p:pic>
+        </mc:Fallback>
+      </mc:AlternateContent>
+      <mc:AlternateContent xmlns:mc="http://schemas.openxmlformats.org/markup-compatibility/2006">
+        <mc:Choice xmlns:p14="http://schemas.microsoft.com/office/powerpoint/2010/main" Requires="p14">
+          <p:contentPart p14:bwMode="auto" r:id="rId12">
+            <p14:nvContentPartPr>
+              <p14:cNvPr id="9" name="Ink 8">
+                <a:extLst>
+                  <a:ext uri="{FF2B5EF4-FFF2-40B4-BE49-F238E27FC236}">
+                    <a16:creationId xmlns:a16="http://schemas.microsoft.com/office/drawing/2014/main" id="{F3FF5925-9643-768D-58C2-307B714B11B2}"/>
+                  </a:ext>
+                </a:extLst>
+              </p14:cNvPr>
+              <p14:cNvContentPartPr/>
+              <p14:nvPr/>
+            </p14:nvContentPartPr>
+            <p14:xfrm>
+              <a:off x="797040" y="1585800"/>
+              <a:ext cx="6674400" cy="493920"/>
+            </p14:xfrm>
+          </p:contentPart>
+        </mc:Choice>
+        <mc:Fallback>
+          <p:pic>
+            <p:nvPicPr>
+              <p:cNvPr id="9" name="Ink 8">
+                <a:extLst>
+                  <a:ext uri="{FF2B5EF4-FFF2-40B4-BE49-F238E27FC236}">
+                    <a16:creationId xmlns:a16="http://schemas.microsoft.com/office/drawing/2014/main" id="{F3FF5925-9643-768D-58C2-307B714B11B2}"/>
+                  </a:ext>
+                </a:extLst>
+              </p:cNvPr>
+              <p:cNvPicPr/>
+              <p:nvPr/>
+            </p:nvPicPr>
+            <p:blipFill>
+              <a:blip r:embed="rId13"/>
+              <a:stretch>
+                <a:fillRect/>
+              </a:stretch>
+            </p:blipFill>
+            <p:spPr>
+              <a:xfrm>
+                <a:off x="787680" y="1576440"/>
+                <a:ext cx="6693120" cy="512640"/>
+              </a:xfrm>
+              <a:prstGeom prst="rect">
+                <a:avLst/>
+              </a:prstGeom>
+            </p:spPr>
+          </p:pic>
+        </mc:Fallback>
+      </mc:AlternateContent>
+      <mc:AlternateContent xmlns:mc="http://schemas.openxmlformats.org/markup-compatibility/2006">
+        <mc:Choice xmlns:p14="http://schemas.microsoft.com/office/powerpoint/2010/main" Requires="p14">
+          <p:contentPart p14:bwMode="auto" r:id="rId14">
+            <p14:nvContentPartPr>
+              <p14:cNvPr id="10" name="Ink 9">
+                <a:extLst>
+                  <a:ext uri="{FF2B5EF4-FFF2-40B4-BE49-F238E27FC236}">
+                    <a16:creationId xmlns:a16="http://schemas.microsoft.com/office/drawing/2014/main" id="{90343266-F668-C6FB-BF0A-6AB2073CB298}"/>
+                  </a:ext>
+                </a:extLst>
+              </p14:cNvPr>
+              <p14:cNvContentPartPr/>
+              <p14:nvPr/>
+            </p14:nvContentPartPr>
+            <p14:xfrm>
+              <a:off x="3068280" y="4663440"/>
+              <a:ext cx="5120280" cy="768960"/>
+            </p14:xfrm>
+          </p:contentPart>
+        </mc:Choice>
+        <mc:Fallback>
+          <p:pic>
+            <p:nvPicPr>
+              <p:cNvPr id="10" name="Ink 9">
+                <a:extLst>
+                  <a:ext uri="{FF2B5EF4-FFF2-40B4-BE49-F238E27FC236}">
+                    <a16:creationId xmlns:a16="http://schemas.microsoft.com/office/drawing/2014/main" id="{90343266-F668-C6FB-BF0A-6AB2073CB298}"/>
+                  </a:ext>
+                </a:extLst>
+              </p:cNvPr>
+              <p:cNvPicPr/>
+              <p:nvPr/>
+            </p:nvPicPr>
+            <p:blipFill>
+              <a:blip r:embed="rId15"/>
+              <a:stretch>
+                <a:fillRect/>
+              </a:stretch>
+            </p:blipFill>
+            <p:spPr>
+              <a:xfrm>
+                <a:off x="3058920" y="4654080"/>
+                <a:ext cx="5139000" cy="787680"/>
+              </a:xfrm>
+              <a:prstGeom prst="rect">
+                <a:avLst/>
+              </a:prstGeom>
+            </p:spPr>
+          </p:pic>
+        </mc:Fallback>
+      </mc:AlternateContent>
+      <mc:AlternateContent xmlns:mc="http://schemas.openxmlformats.org/markup-compatibility/2006">
+        <mc:Choice xmlns:p14="http://schemas.microsoft.com/office/powerpoint/2010/main" Requires="p14">
+          <p:contentPart p14:bwMode="auto" r:id="rId16">
+            <p14:nvContentPartPr>
+              <p14:cNvPr id="11" name="Ink 10">
+                <a:extLst>
+                  <a:ext uri="{FF2B5EF4-FFF2-40B4-BE49-F238E27FC236}">
+                    <a16:creationId xmlns:a16="http://schemas.microsoft.com/office/drawing/2014/main" id="{A1E4A498-24B8-B8A3-8A4D-FD6767DF4A54}"/>
+                  </a:ext>
+                </a:extLst>
+              </p14:cNvPr>
+              <p14:cNvContentPartPr/>
+              <p14:nvPr/>
+            </p14:nvContentPartPr>
+            <p14:xfrm>
+              <a:off x="515520" y="5632200"/>
+              <a:ext cx="3895920" cy="765720"/>
+            </p14:xfrm>
+          </p:contentPart>
+        </mc:Choice>
+        <mc:Fallback>
+          <p:pic>
+            <p:nvPicPr>
+              <p:cNvPr id="11" name="Ink 10">
+                <a:extLst>
+                  <a:ext uri="{FF2B5EF4-FFF2-40B4-BE49-F238E27FC236}">
+                    <a16:creationId xmlns:a16="http://schemas.microsoft.com/office/drawing/2014/main" id="{A1E4A498-24B8-B8A3-8A4D-FD6767DF4A54}"/>
+                  </a:ext>
+                </a:extLst>
+              </p:cNvPr>
+              <p:cNvPicPr/>
+              <p:nvPr/>
+            </p:nvPicPr>
+            <p:blipFill>
+              <a:blip r:embed="rId17"/>
+              <a:stretch>
+                <a:fillRect/>
+              </a:stretch>
+            </p:blipFill>
+            <p:spPr>
+              <a:xfrm>
+                <a:off x="506160" y="5622840"/>
+                <a:ext cx="3914640" cy="784440"/>
+              </a:xfrm>
+              <a:prstGeom prst="rect">
+                <a:avLst/>
+              </a:prstGeom>
+            </p:spPr>
+          </p:pic>
+        </mc:Fallback>
+      </mc:AlternateContent>
+      <mc:AlternateContent xmlns:mc="http://schemas.openxmlformats.org/markup-compatibility/2006">
+        <mc:Choice xmlns:p14="http://schemas.microsoft.com/office/powerpoint/2010/main" Requires="p14">
+          <p:contentPart p14:bwMode="auto" r:id="rId18">
+            <p14:nvContentPartPr>
+              <p14:cNvPr id="12" name="Ink 11">
+                <a:extLst>
+                  <a:ext uri="{FF2B5EF4-FFF2-40B4-BE49-F238E27FC236}">
+                    <a16:creationId xmlns:a16="http://schemas.microsoft.com/office/drawing/2014/main" id="{7951C571-E238-D608-E872-BF730F72149D}"/>
+                  </a:ext>
+                </a:extLst>
+              </p14:cNvPr>
+              <p14:cNvContentPartPr/>
+              <p14:nvPr/>
+            </p14:nvContentPartPr>
+            <p14:xfrm>
+              <a:off x="1517040" y="886320"/>
+              <a:ext cx="6307920" cy="1094760"/>
+            </p14:xfrm>
+          </p:contentPart>
+        </mc:Choice>
+        <mc:Fallback>
+          <p:pic>
+            <p:nvPicPr>
+              <p:cNvPr id="12" name="Ink 11">
+                <a:extLst>
+                  <a:ext uri="{FF2B5EF4-FFF2-40B4-BE49-F238E27FC236}">
+                    <a16:creationId xmlns:a16="http://schemas.microsoft.com/office/drawing/2014/main" id="{7951C571-E238-D608-E872-BF730F72149D}"/>
+                  </a:ext>
+                </a:extLst>
+              </p:cNvPr>
+              <p:cNvPicPr/>
+              <p:nvPr/>
+            </p:nvPicPr>
+            <p:blipFill>
+              <a:blip r:embed="rId19"/>
+              <a:stretch>
+                <a:fillRect/>
+              </a:stretch>
+            </p:blipFill>
+            <p:spPr>
+              <a:xfrm>
+                <a:off x="1507680" y="876960"/>
+                <a:ext cx="6326640" cy="1113480"/>
+              </a:xfrm>
+              <a:prstGeom prst="rect">
+                <a:avLst/>
+              </a:prstGeom>
+            </p:spPr>
+          </p:pic>
+        </mc:Fallback>
+      </mc:AlternateContent>
+      <mc:AlternateContent xmlns:mc="http://schemas.openxmlformats.org/markup-compatibility/2006">
+        <mc:Choice xmlns:p14="http://schemas.microsoft.com/office/powerpoint/2010/main" Requires="p14">
+          <p:contentPart p14:bwMode="auto" r:id="rId20">
+            <p14:nvContentPartPr>
+              <p14:cNvPr id="13" name="Ink 12">
+                <a:extLst>
+                  <a:ext uri="{FF2B5EF4-FFF2-40B4-BE49-F238E27FC236}">
+                    <a16:creationId xmlns:a16="http://schemas.microsoft.com/office/drawing/2014/main" id="{D27D9DD6-CBF4-FAFA-45FD-8C3E20E1AA7A}"/>
+                  </a:ext>
+                </a:extLst>
+              </p14:cNvPr>
+              <p14:cNvContentPartPr/>
+              <p14:nvPr/>
+            </p14:nvContentPartPr>
+            <p14:xfrm>
+              <a:off x="1945440" y="572040"/>
+              <a:ext cx="6495120" cy="414000"/>
+            </p14:xfrm>
+          </p:contentPart>
+        </mc:Choice>
+        <mc:Fallback>
+          <p:pic>
+            <p:nvPicPr>
+              <p:cNvPr id="13" name="Ink 12">
+                <a:extLst>
+                  <a:ext uri="{FF2B5EF4-FFF2-40B4-BE49-F238E27FC236}">
+                    <a16:creationId xmlns:a16="http://schemas.microsoft.com/office/drawing/2014/main" id="{D27D9DD6-CBF4-FAFA-45FD-8C3E20E1AA7A}"/>
+                  </a:ext>
+                </a:extLst>
+              </p:cNvPr>
+              <p:cNvPicPr/>
+              <p:nvPr/>
+            </p:nvPicPr>
+            <p:blipFill>
+              <a:blip r:embed="rId21"/>
+              <a:stretch>
+                <a:fillRect/>
+              </a:stretch>
+            </p:blipFill>
+            <p:spPr>
+              <a:xfrm>
+                <a:off x="1936080" y="562680"/>
+                <a:ext cx="6513840" cy="432720"/>
+              </a:xfrm>
+              <a:prstGeom prst="rect">
+                <a:avLst/>
+              </a:prstGeom>
+            </p:spPr>
+          </p:pic>
+        </mc:Fallback>
+      </mc:AlternateContent>
+      <mc:AlternateContent xmlns:mc="http://schemas.openxmlformats.org/markup-compatibility/2006">
+        <mc:Choice xmlns:p14="http://schemas.microsoft.com/office/powerpoint/2010/main" Requires="p14">
+          <p:contentPart p14:bwMode="auto" r:id="rId22">
+            <p14:nvContentPartPr>
+              <p14:cNvPr id="14" name="Ink 13">
+                <a:extLst>
+                  <a:ext uri="{FF2B5EF4-FFF2-40B4-BE49-F238E27FC236}">
+                    <a16:creationId xmlns:a16="http://schemas.microsoft.com/office/drawing/2014/main" id="{C42D819A-86E2-E7CE-8ECC-786324A88F90}"/>
+                  </a:ext>
+                </a:extLst>
+              </p14:cNvPr>
+              <p14:cNvContentPartPr/>
+              <p14:nvPr/>
+            </p14:nvContentPartPr>
+            <p14:xfrm>
+              <a:off x="736920" y="462240"/>
+              <a:ext cx="7387920" cy="3807360"/>
+            </p14:xfrm>
+          </p:contentPart>
+        </mc:Choice>
+        <mc:Fallback>
+          <p:pic>
+            <p:nvPicPr>
+              <p:cNvPr id="14" name="Ink 13">
+                <a:extLst>
+                  <a:ext uri="{FF2B5EF4-FFF2-40B4-BE49-F238E27FC236}">
+                    <a16:creationId xmlns:a16="http://schemas.microsoft.com/office/drawing/2014/main" id="{C42D819A-86E2-E7CE-8ECC-786324A88F90}"/>
+                  </a:ext>
+                </a:extLst>
+              </p:cNvPr>
+              <p:cNvPicPr/>
+              <p:nvPr/>
+            </p:nvPicPr>
+            <p:blipFill>
+              <a:blip r:embed="rId23"/>
+              <a:stretch>
+                <a:fillRect/>
+              </a:stretch>
+            </p:blipFill>
+            <p:spPr>
+              <a:xfrm>
+                <a:off x="727560" y="452880"/>
+                <a:ext cx="7406640" cy="3826080"/>
+              </a:xfrm>
+              <a:prstGeom prst="rect">
+                <a:avLst/>
+              </a:prstGeom>
+            </p:spPr>
+          </p:pic>
+        </mc:Fallback>
+      </mc:AlternateContent>
+      <mc:AlternateContent xmlns:mc="http://schemas.openxmlformats.org/markup-compatibility/2006">
+        <mc:Choice xmlns:p14="http://schemas.microsoft.com/office/powerpoint/2010/main" Requires="p14">
+          <p:contentPart p14:bwMode="auto" r:id="rId24">
+            <p14:nvContentPartPr>
+              <p14:cNvPr id="15" name="Ink 14">
+                <a:extLst>
+                  <a:ext uri="{FF2B5EF4-FFF2-40B4-BE49-F238E27FC236}">
+                    <a16:creationId xmlns:a16="http://schemas.microsoft.com/office/drawing/2014/main" id="{BB3E8F71-95EE-620E-3D74-055E4933D0F6}"/>
+                  </a:ext>
+                </a:extLst>
+              </p14:cNvPr>
+              <p14:cNvContentPartPr/>
+              <p14:nvPr/>
+            </p14:nvContentPartPr>
+            <p14:xfrm>
+              <a:off x="2002320" y="2775240"/>
+              <a:ext cx="6804720" cy="3434760"/>
+            </p14:xfrm>
+          </p:contentPart>
+        </mc:Choice>
+        <mc:Fallback>
+          <p:pic>
+            <p:nvPicPr>
+              <p:cNvPr id="15" name="Ink 14">
+                <a:extLst>
+                  <a:ext uri="{FF2B5EF4-FFF2-40B4-BE49-F238E27FC236}">
+                    <a16:creationId xmlns:a16="http://schemas.microsoft.com/office/drawing/2014/main" id="{BB3E8F71-95EE-620E-3D74-055E4933D0F6}"/>
+                  </a:ext>
+                </a:extLst>
+              </p:cNvPr>
+              <p:cNvPicPr/>
+              <p:nvPr/>
+            </p:nvPicPr>
+            <p:blipFill>
+              <a:blip r:embed="rId25"/>
+              <a:stretch>
+                <a:fillRect/>
+              </a:stretch>
+            </p:blipFill>
+            <p:spPr>
+              <a:xfrm>
+                <a:off x="1992960" y="2765880"/>
+                <a:ext cx="6823440" cy="3453480"/>
+              </a:xfrm>
+              <a:prstGeom prst="rect">
+                <a:avLst/>
+              </a:prstGeom>
+            </p:spPr>
+          </p:pic>
+        </mc:Fallback>
+      </mc:AlternateContent>
     </p:spTree>
     <p:extLst>
       <p:ext uri="{BB962C8B-B14F-4D97-AF65-F5344CB8AC3E}">
@@ -5915,6 +8281,58 @@
 </file>
 
 <file path=ppt/slides/slide11.xml><?xml version="1.0" encoding="utf-8"?>
+<p:sld xmlns:a="http://schemas.openxmlformats.org/drawingml/2006/main" xmlns:r="http://schemas.openxmlformats.org/officeDocument/2006/relationships" xmlns:p="http://schemas.openxmlformats.org/presentationml/2006/main">
+  <p:cSld>
+    <p:spTree>
+      <p:nvGrpSpPr>
+        <p:cNvPr id="1" name=""/>
+        <p:cNvGrpSpPr/>
+        <p:nvPr/>
+      </p:nvGrpSpPr>
+      <p:grpSpPr>
+        <a:xfrm>
+          <a:off x="0" y="0"/>
+          <a:ext cx="0" cy="0"/>
+          <a:chOff x="0" y="0"/>
+          <a:chExt cx="0" cy="0"/>
+        </a:xfrm>
+      </p:grpSpPr>
+      <p:sp>
+        <p:nvSpPr>
+          <p:cNvPr id="2" name="Title 1"/>
+          <p:cNvSpPr>
+            <a:spLocks noGrp="1"/>
+          </p:cNvSpPr>
+          <p:nvPr>
+            <p:ph type="title"/>
+          </p:nvPr>
+        </p:nvSpPr>
+        <p:spPr/>
+        <p:txBody>
+          <a:bodyPr/>
+          <a:lstStyle/>
+          <a:p>
+            <a:r>
+              <a:rPr lang="en-US" dirty="0"/>
+              <a:t>Examples of RNN architectures</a:t>
+            </a:r>
+          </a:p>
+        </p:txBody>
+      </p:sp>
+    </p:spTree>
+    <p:extLst>
+      <p:ext uri="{BB962C8B-B14F-4D97-AF65-F5344CB8AC3E}">
+        <p14:creationId xmlns:p14="http://schemas.microsoft.com/office/powerpoint/2010/main" val="1175812592"/>
+      </p:ext>
+    </p:extLst>
+  </p:cSld>
+  <p:clrMapOvr>
+    <a:masterClrMapping/>
+  </p:clrMapOvr>
+</p:sld>
+</file>
+
+<file path=ppt/slides/slide12.xml><?xml version="1.0" encoding="utf-8"?>
 <p:sld xmlns:a="http://schemas.openxmlformats.org/drawingml/2006/main" xmlns:r="http://schemas.openxmlformats.org/officeDocument/2006/relationships" xmlns:p="http://schemas.openxmlformats.org/presentationml/2006/main">
   <p:cSld>
     <p:spTree>
@@ -6005,8 +8423,8 @@
           </a:p>
         </p:txBody>
       </p:sp>
-      <mc:AlternateContent xmlns:mc="http://schemas.openxmlformats.org/markup-compatibility/2006">
-        <mc:Choice xmlns:a14="http://schemas.microsoft.com/office/drawing/2010/main" Requires="a14">
+      <mc:AlternateContent xmlns:mc="http://schemas.openxmlformats.org/markup-compatibility/2006" xmlns:a14="http://schemas.microsoft.com/office/drawing/2010/main">
+        <mc:Choice Requires="a14">
           <p:sp>
             <p:nvSpPr>
               <p:cNvPr id="11" name="TextBox 10">
@@ -6075,7 +8493,7 @@
             </p:txBody>
           </p:sp>
         </mc:Choice>
-        <mc:Fallback>
+        <mc:Fallback xmlns="">
           <p:sp>
             <p:nvSpPr>
               <p:cNvPr id="11" name="TextBox 10">
@@ -6120,8 +8538,8 @@
           </p:sp>
         </mc:Fallback>
       </mc:AlternateContent>
-      <mc:AlternateContent xmlns:mc="http://schemas.openxmlformats.org/markup-compatibility/2006">
-        <mc:Choice xmlns:a14="http://schemas.microsoft.com/office/drawing/2010/main" Requires="a14">
+      <mc:AlternateContent xmlns:mc="http://schemas.openxmlformats.org/markup-compatibility/2006" xmlns:a14="http://schemas.microsoft.com/office/drawing/2010/main">
+        <mc:Choice Requires="a14">
           <p:sp>
             <p:nvSpPr>
               <p:cNvPr id="12" name="TextBox 11">
@@ -6202,7 +8620,7 @@
             </p:txBody>
           </p:sp>
         </mc:Choice>
-        <mc:Fallback>
+        <mc:Fallback xmlns="">
           <p:sp>
             <p:nvSpPr>
               <p:cNvPr id="12" name="TextBox 11">
@@ -6291,8 +8709,8 @@
           </a:fontRef>
         </p:style>
       </p:cxnSp>
-      <mc:AlternateContent xmlns:mc="http://schemas.openxmlformats.org/markup-compatibility/2006">
-        <mc:Choice xmlns:a14="http://schemas.microsoft.com/office/drawing/2010/main" Requires="a14">
+      <mc:AlternateContent xmlns:mc="http://schemas.openxmlformats.org/markup-compatibility/2006" xmlns:a14="http://schemas.microsoft.com/office/drawing/2010/main">
+        <mc:Choice Requires="a14">
           <p:sp>
             <p:nvSpPr>
               <p:cNvPr id="15" name="TextBox 14">
@@ -6349,19 +8767,7 @@
                             <a:rPr lang="hr-HR" sz="1800" b="0" i="1" smtClean="0">
                               <a:latin typeface="Cambria Math" panose="02040503050406030204" pitchFamily="18" charset="0"/>
                             </a:rPr>
-                            <m:t>&lt;</m:t>
-                          </m:r>
-                          <m:r>
-                            <a:rPr lang="hr-HR" sz="1800" b="0" i="1" smtClean="0">
-                              <a:latin typeface="Cambria Math" panose="02040503050406030204" pitchFamily="18" charset="0"/>
-                            </a:rPr>
-                            <m:t>0</m:t>
-                          </m:r>
-                          <m:r>
-                            <a:rPr lang="hr-HR" sz="1800" b="0" i="1" smtClean="0">
-                              <a:latin typeface="Cambria Math" panose="02040503050406030204" pitchFamily="18" charset="0"/>
-                            </a:rPr>
-                            <m:t>&gt;</m:t>
+                            <m:t>&lt;0&gt;</m:t>
                           </m:r>
                         </m:sup>
                       </m:sSup>
@@ -6373,7 +8779,7 @@
             </p:txBody>
           </p:sp>
         </mc:Choice>
-        <mc:Fallback>
+        <mc:Fallback xmlns="">
           <p:sp>
             <p:nvSpPr>
               <p:cNvPr id="15" name="TextBox 14">
@@ -6558,8 +8964,8 @@
           </a:p>
         </p:txBody>
       </p:sp>
-      <mc:AlternateContent xmlns:mc="http://schemas.openxmlformats.org/markup-compatibility/2006">
-        <mc:Choice xmlns:a14="http://schemas.microsoft.com/office/drawing/2010/main" Requires="a14">
+      <mc:AlternateContent xmlns:mc="http://schemas.openxmlformats.org/markup-compatibility/2006" xmlns:a14="http://schemas.microsoft.com/office/drawing/2010/main">
+        <mc:Choice Requires="a14">
           <p:sp>
             <p:nvSpPr>
               <p:cNvPr id="22" name="TextBox 21">
@@ -6609,7 +9015,7 @@
             </p:txBody>
           </p:sp>
         </mc:Choice>
-        <mc:Fallback>
+        <mc:Fallback xmlns="">
           <p:sp>
             <p:nvSpPr>
               <p:cNvPr id="22" name="TextBox 21">
@@ -6654,8 +9060,8 @@
           </p:sp>
         </mc:Fallback>
       </mc:AlternateContent>
-      <mc:AlternateContent xmlns:mc="http://schemas.openxmlformats.org/markup-compatibility/2006">
-        <mc:Choice xmlns:a14="http://schemas.microsoft.com/office/drawing/2010/main" Requires="a14">
+      <mc:AlternateContent xmlns:mc="http://schemas.openxmlformats.org/markup-compatibility/2006" xmlns:a14="http://schemas.microsoft.com/office/drawing/2010/main">
+        <mc:Choice Requires="a14">
           <p:sp>
             <p:nvSpPr>
               <p:cNvPr id="23" name="TextBox 22">
@@ -6736,7 +9142,7 @@
             </p:txBody>
           </p:sp>
         </mc:Choice>
-        <mc:Fallback>
+        <mc:Fallback xmlns="">
           <p:sp>
             <p:nvSpPr>
               <p:cNvPr id="23" name="TextBox 22">
@@ -6921,8 +9327,8 @@
           </a:p>
         </p:txBody>
       </p:sp>
-      <mc:AlternateContent xmlns:mc="http://schemas.openxmlformats.org/markup-compatibility/2006">
-        <mc:Choice xmlns:a14="http://schemas.microsoft.com/office/drawing/2010/main" Requires="a14">
+      <mc:AlternateContent xmlns:mc="http://schemas.openxmlformats.org/markup-compatibility/2006" xmlns:a14="http://schemas.microsoft.com/office/drawing/2010/main">
+        <mc:Choice Requires="a14">
           <p:sp>
             <p:nvSpPr>
               <p:cNvPr id="34" name="TextBox 33">
@@ -7015,7 +9421,7 @@
             </p:txBody>
           </p:sp>
         </mc:Choice>
-        <mc:Fallback>
+        <mc:Fallback xmlns="">
           <p:sp>
             <p:nvSpPr>
               <p:cNvPr id="34" name="TextBox 33">
@@ -7292,8 +9698,8 @@
           </a:p>
         </p:txBody>
       </p:sp>
-      <mc:AlternateContent xmlns:mc="http://schemas.openxmlformats.org/markup-compatibility/2006">
-        <mc:Choice xmlns:a14="http://schemas.microsoft.com/office/drawing/2010/main" Requires="a14">
+      <mc:AlternateContent xmlns:mc="http://schemas.openxmlformats.org/markup-compatibility/2006" xmlns:a14="http://schemas.microsoft.com/office/drawing/2010/main">
+        <mc:Choice Requires="a14">
           <p:sp>
             <p:nvSpPr>
               <p:cNvPr id="46" name="TextBox 45">
@@ -7405,7 +9811,7 @@
             </p:txBody>
           </p:sp>
         </mc:Choice>
-        <mc:Fallback>
+        <mc:Fallback xmlns="">
           <p:sp>
             <p:nvSpPr>
               <p:cNvPr id="46" name="TextBox 45">
@@ -7818,8 +10224,8 @@
           </a:p>
         </p:txBody>
       </p:sp>
-      <mc:AlternateContent xmlns:mc="http://schemas.openxmlformats.org/markup-compatibility/2006">
-        <mc:Choice xmlns:a14="http://schemas.microsoft.com/office/drawing/2010/main" Requires="a14">
+      <mc:AlternateContent xmlns:mc="http://schemas.openxmlformats.org/markup-compatibility/2006" xmlns:a14="http://schemas.microsoft.com/office/drawing/2010/main">
+        <mc:Choice Requires="a14">
           <p:sp>
             <p:nvSpPr>
               <p:cNvPr id="53" name="TextBox 52">
@@ -7894,7 +10300,7 @@
             </p:txBody>
           </p:sp>
         </mc:Choice>
-        <mc:Fallback>
+        <mc:Fallback xmlns="">
           <p:sp>
             <p:nvSpPr>
               <p:cNvPr id="53" name="TextBox 52">
@@ -8079,8 +10485,8 @@
           </a:fontRef>
         </p:style>
       </p:cxnSp>
-      <mc:AlternateContent xmlns:mc="http://schemas.openxmlformats.org/markup-compatibility/2006">
-        <mc:Choice xmlns:a14="http://schemas.microsoft.com/office/drawing/2010/main" Requires="a14">
+      <mc:AlternateContent xmlns:mc="http://schemas.openxmlformats.org/markup-compatibility/2006" xmlns:a14="http://schemas.microsoft.com/office/drawing/2010/main">
+        <mc:Choice Requires="a14">
           <p:sp>
             <p:nvSpPr>
               <p:cNvPr id="70" name="TextBox 69">
@@ -8155,7 +10561,7 @@
             </p:txBody>
           </p:sp>
         </mc:Choice>
-        <mc:Fallback>
+        <mc:Fallback xmlns="">
           <p:sp>
             <p:nvSpPr>
               <p:cNvPr id="70" name="TextBox 69">
@@ -8410,8 +10816,8 @@
           </a:p>
         </p:txBody>
       </p:sp>
-      <mc:AlternateContent xmlns:mc="http://schemas.openxmlformats.org/markup-compatibility/2006">
-        <mc:Choice xmlns:a14="http://schemas.microsoft.com/office/drawing/2010/main" Requires="a14">
+      <mc:AlternateContent xmlns:mc="http://schemas.openxmlformats.org/markup-compatibility/2006" xmlns:a14="http://schemas.microsoft.com/office/drawing/2010/main">
+        <mc:Choice Requires="a14">
           <p:sp>
             <p:nvSpPr>
               <p:cNvPr id="78" name="TextBox 77">
@@ -8517,7 +10923,7 @@
             </p:txBody>
           </p:sp>
         </mc:Choice>
-        <mc:Fallback>
+        <mc:Fallback xmlns="">
           <p:sp>
             <p:nvSpPr>
               <p:cNvPr id="78" name="TextBox 77">
@@ -8650,8 +11056,8 @@
           </a:fontRef>
         </p:style>
       </p:cxnSp>
-      <mc:AlternateContent xmlns:mc="http://schemas.openxmlformats.org/markup-compatibility/2006">
-        <mc:Choice xmlns:a14="http://schemas.microsoft.com/office/drawing/2010/main" Requires="a14">
+      <mc:AlternateContent xmlns:mc="http://schemas.openxmlformats.org/markup-compatibility/2006" xmlns:a14="http://schemas.microsoft.com/office/drawing/2010/main">
+        <mc:Choice Requires="a14">
           <p:sp>
             <p:nvSpPr>
               <p:cNvPr id="82" name="TextBox 81">
@@ -8713,7 +11119,7 @@
             </p:txBody>
           </p:sp>
         </mc:Choice>
-        <mc:Fallback>
+        <mc:Fallback xmlns="">
           <p:sp>
             <p:nvSpPr>
               <p:cNvPr id="82" name="TextBox 81">
@@ -8854,8 +11260,8 @@
           </a:p>
         </p:txBody>
       </p:sp>
-      <mc:AlternateContent xmlns:mc="http://schemas.openxmlformats.org/markup-compatibility/2006">
-        <mc:Choice xmlns:a14="http://schemas.microsoft.com/office/drawing/2010/main" Requires="a14">
+      <mc:AlternateContent xmlns:mc="http://schemas.openxmlformats.org/markup-compatibility/2006" xmlns:a14="http://schemas.microsoft.com/office/drawing/2010/main">
+        <mc:Choice Requires="a14">
           <p:sp>
             <p:nvSpPr>
               <p:cNvPr id="85" name="TextBox 84">
@@ -8930,7 +11336,7 @@
             </p:txBody>
           </p:sp>
         </mc:Choice>
-        <mc:Fallback>
+        <mc:Fallback xmlns="">
           <p:sp>
             <p:nvSpPr>
               <p:cNvPr id="85" name="TextBox 84">
@@ -9115,8 +11521,8 @@
           </a:fontRef>
         </p:style>
       </p:cxnSp>
-      <mc:AlternateContent xmlns:mc="http://schemas.openxmlformats.org/markup-compatibility/2006">
-        <mc:Choice xmlns:a14="http://schemas.microsoft.com/office/drawing/2010/main" Requires="a14">
+      <mc:AlternateContent xmlns:mc="http://schemas.openxmlformats.org/markup-compatibility/2006" xmlns:a14="http://schemas.microsoft.com/office/drawing/2010/main">
+        <mc:Choice Requires="a14">
           <p:sp>
             <p:nvSpPr>
               <p:cNvPr id="90" name="TextBox 89">
@@ -9191,7 +11597,7 @@
             </p:txBody>
           </p:sp>
         </mc:Choice>
-        <mc:Fallback>
+        <mc:Fallback xmlns="">
           <p:sp>
             <p:nvSpPr>
               <p:cNvPr id="90" name="TextBox 89">
@@ -9411,8 +11817,8 @@
           </a:p>
         </p:txBody>
       </p:sp>
-      <mc:AlternateContent xmlns:mc="http://schemas.openxmlformats.org/markup-compatibility/2006">
-        <mc:Choice xmlns:a14="http://schemas.microsoft.com/office/drawing/2010/main" Requires="a14">
+      <mc:AlternateContent xmlns:mc="http://schemas.openxmlformats.org/markup-compatibility/2006" xmlns:a14="http://schemas.microsoft.com/office/drawing/2010/main">
+        <mc:Choice Requires="a14">
           <p:sp>
             <p:nvSpPr>
               <p:cNvPr id="95" name="TextBox 94">
@@ -9518,7 +11924,7 @@
             </p:txBody>
           </p:sp>
         </mc:Choice>
-        <mc:Fallback>
+        <mc:Fallback xmlns="">
           <p:sp>
             <p:nvSpPr>
               <p:cNvPr id="95" name="TextBox 94">
@@ -9651,8 +12057,8 @@
           </a:fontRef>
         </p:style>
       </p:cxnSp>
-      <mc:AlternateContent xmlns:mc="http://schemas.openxmlformats.org/markup-compatibility/2006">
-        <mc:Choice xmlns:a14="http://schemas.microsoft.com/office/drawing/2010/main" Requires="a14">
+      <mc:AlternateContent xmlns:mc="http://schemas.openxmlformats.org/markup-compatibility/2006" xmlns:a14="http://schemas.microsoft.com/office/drawing/2010/main">
+        <mc:Choice Requires="a14">
           <p:sp>
             <p:nvSpPr>
               <p:cNvPr id="100" name="TextBox 99">
@@ -9733,7 +12139,7 @@
             </p:txBody>
           </p:sp>
         </mc:Choice>
-        <mc:Fallback>
+        <mc:Fallback xmlns="">
           <p:sp>
             <p:nvSpPr>
               <p:cNvPr id="100" name="TextBox 99">
@@ -9822,8 +12228,8 @@
           </a:fontRef>
         </p:style>
       </p:cxnSp>
-      <mc:AlternateContent xmlns:mc="http://schemas.openxmlformats.org/markup-compatibility/2006">
-        <mc:Choice xmlns:a14="http://schemas.microsoft.com/office/drawing/2010/main" Requires="a14">
+      <mc:AlternateContent xmlns:mc="http://schemas.openxmlformats.org/markup-compatibility/2006" xmlns:a14="http://schemas.microsoft.com/office/drawing/2010/main">
+        <mc:Choice Requires="a14">
           <p:sp>
             <p:nvSpPr>
               <p:cNvPr id="102" name="TextBox 101">
@@ -9916,7 +12322,7 @@
             </p:txBody>
           </p:sp>
         </mc:Choice>
-        <mc:Fallback>
+        <mc:Fallback xmlns="">
           <p:sp>
             <p:nvSpPr>
               <p:cNvPr id="102" name="TextBox 101">
@@ -10005,8 +12411,8 @@
           </a:fontRef>
         </p:style>
       </p:cxnSp>
-      <mc:AlternateContent xmlns:mc="http://schemas.openxmlformats.org/markup-compatibility/2006">
-        <mc:Choice xmlns:a14="http://schemas.microsoft.com/office/drawing/2010/main" Requires="a14">
+      <mc:AlternateContent xmlns:mc="http://schemas.openxmlformats.org/markup-compatibility/2006" xmlns:a14="http://schemas.microsoft.com/office/drawing/2010/main">
+        <mc:Choice Requires="a14">
           <p:sp>
             <p:nvSpPr>
               <p:cNvPr id="104" name="TextBox 103">
@@ -10118,7 +12524,7 @@
             </p:txBody>
           </p:sp>
         </mc:Choice>
-        <mc:Fallback>
+        <mc:Fallback xmlns="">
           <p:sp>
             <p:nvSpPr>
               <p:cNvPr id="104" name="TextBox 103">
@@ -10303,8 +12709,8 @@
           </a:fontRef>
         </p:style>
       </p:cxnSp>
-      <mc:AlternateContent xmlns:mc="http://schemas.openxmlformats.org/markup-compatibility/2006">
-        <mc:Choice xmlns:a14="http://schemas.microsoft.com/office/drawing/2010/main" Requires="a14">
+      <mc:AlternateContent xmlns:mc="http://schemas.openxmlformats.org/markup-compatibility/2006" xmlns:a14="http://schemas.microsoft.com/office/drawing/2010/main">
+        <mc:Choice Requires="a14">
           <p:sp>
             <p:nvSpPr>
               <p:cNvPr id="112" name="TextBox 111">
@@ -10379,7 +12785,7 @@
             </p:txBody>
           </p:sp>
         </mc:Choice>
-        <mc:Fallback>
+        <mc:Fallback xmlns="">
           <p:sp>
             <p:nvSpPr>
               <p:cNvPr id="112" name="TextBox 111">
@@ -10555,8 +12961,8 @@
           </a:p>
         </p:txBody>
       </p:sp>
-      <mc:AlternateContent xmlns:mc="http://schemas.openxmlformats.org/markup-compatibility/2006">
-        <mc:Choice xmlns:a14="http://schemas.microsoft.com/office/drawing/2010/main" Requires="a14">
+      <mc:AlternateContent xmlns:mc="http://schemas.openxmlformats.org/markup-compatibility/2006" xmlns:a14="http://schemas.microsoft.com/office/drawing/2010/main">
+        <mc:Choice Requires="a14">
           <p:sp>
             <p:nvSpPr>
               <p:cNvPr id="117" name="TextBox 116">
@@ -10662,7 +13068,7 @@
             </p:txBody>
           </p:sp>
         </mc:Choice>
-        <mc:Fallback>
+        <mc:Fallback xmlns="">
           <p:sp>
             <p:nvSpPr>
               <p:cNvPr id="117" name="TextBox 116">
@@ -11066,8 +13472,8 @@
           </a:fontRef>
         </p:style>
       </p:cxnSp>
-      <mc:AlternateContent xmlns:mc="http://schemas.openxmlformats.org/markup-compatibility/2006">
-        <mc:Choice xmlns:a14="http://schemas.microsoft.com/office/drawing/2010/main" Requires="a14">
+      <mc:AlternateContent xmlns:mc="http://schemas.openxmlformats.org/markup-compatibility/2006" xmlns:a14="http://schemas.microsoft.com/office/drawing/2010/main">
+        <mc:Choice Requires="a14">
           <p:sp>
             <p:nvSpPr>
               <p:cNvPr id="130" name="TextBox 129">
@@ -11160,7 +13566,7 @@
             </p:txBody>
           </p:sp>
         </mc:Choice>
-        <mc:Fallback>
+        <mc:Fallback xmlns="">
           <p:sp>
             <p:nvSpPr>
               <p:cNvPr id="130" name="TextBox 129">
@@ -11249,8 +13655,8 @@
           </a:fontRef>
         </p:style>
       </p:cxnSp>
-      <mc:AlternateContent xmlns:mc="http://schemas.openxmlformats.org/markup-compatibility/2006">
-        <mc:Choice xmlns:a14="http://schemas.microsoft.com/office/drawing/2010/main" Requires="a14">
+      <mc:AlternateContent xmlns:mc="http://schemas.openxmlformats.org/markup-compatibility/2006" xmlns:a14="http://schemas.microsoft.com/office/drawing/2010/main">
+        <mc:Choice Requires="a14">
           <p:sp>
             <p:nvSpPr>
               <p:cNvPr id="132" name="TextBox 131">
@@ -11362,7 +13768,7 @@
             </p:txBody>
           </p:sp>
         </mc:Choice>
-        <mc:Fallback>
+        <mc:Fallback xmlns="">
           <p:sp>
             <p:nvSpPr>
               <p:cNvPr id="132" name="TextBox 131">
@@ -11451,8 +13857,8 @@
           </a:fontRef>
         </p:style>
       </p:cxnSp>
-      <mc:AlternateContent xmlns:mc="http://schemas.openxmlformats.org/markup-compatibility/2006">
-        <mc:Choice xmlns:a14="http://schemas.microsoft.com/office/drawing/2010/main" Requires="a14">
+      <mc:AlternateContent xmlns:mc="http://schemas.openxmlformats.org/markup-compatibility/2006" xmlns:a14="http://schemas.microsoft.com/office/drawing/2010/main">
+        <mc:Choice Requires="a14">
           <p:sp>
             <p:nvSpPr>
               <p:cNvPr id="134" name="TextBox 133">
@@ -11509,19 +13915,7 @@
                             <a:rPr lang="hr-HR" sz="1800" b="0" i="1" smtClean="0">
                               <a:latin typeface="Cambria Math" panose="02040503050406030204" pitchFamily="18" charset="0"/>
                             </a:rPr>
-                            <m:t>&lt;</m:t>
-                          </m:r>
-                          <m:r>
-                            <a:rPr lang="hr-HR" sz="1800" b="0" i="1" smtClean="0">
-                              <a:latin typeface="Cambria Math" panose="02040503050406030204" pitchFamily="18" charset="0"/>
-                            </a:rPr>
-                            <m:t>0</m:t>
-                          </m:r>
-                          <m:r>
-                            <a:rPr lang="hr-HR" sz="1800" b="0" i="1" smtClean="0">
-                              <a:latin typeface="Cambria Math" panose="02040503050406030204" pitchFamily="18" charset="0"/>
-                            </a:rPr>
-                            <m:t>&gt;</m:t>
+                            <m:t>&lt;0&gt;</m:t>
                           </m:r>
                         </m:sup>
                       </m:sSup>
@@ -11533,7 +13927,7 @@
             </p:txBody>
           </p:sp>
         </mc:Choice>
-        <mc:Fallback>
+        <mc:Fallback xmlns="">
           <p:sp>
             <p:nvSpPr>
               <p:cNvPr id="134" name="TextBox 133">
@@ -11622,8 +14016,8 @@
           </a:fontRef>
         </p:style>
       </p:cxnSp>
-      <mc:AlternateContent xmlns:mc="http://schemas.openxmlformats.org/markup-compatibility/2006">
-        <mc:Choice xmlns:a14="http://schemas.microsoft.com/office/drawing/2010/main" Requires="a14">
+      <mc:AlternateContent xmlns:mc="http://schemas.openxmlformats.org/markup-compatibility/2006" xmlns:a14="http://schemas.microsoft.com/office/drawing/2010/main">
+        <mc:Choice Requires="a14">
           <p:sp>
             <p:nvSpPr>
               <p:cNvPr id="137" name="TextBox 136">
@@ -11680,19 +14074,7 @@
                             <a:rPr lang="hr-HR" sz="1800" b="0" i="1" smtClean="0">
                               <a:latin typeface="Cambria Math" panose="02040503050406030204" pitchFamily="18" charset="0"/>
                             </a:rPr>
-                            <m:t>&lt;</m:t>
-                          </m:r>
-                          <m:r>
-                            <a:rPr lang="hr-HR" sz="1800" b="0" i="1" smtClean="0">
-                              <a:latin typeface="Cambria Math" panose="02040503050406030204" pitchFamily="18" charset="0"/>
-                            </a:rPr>
-                            <m:t>0</m:t>
-                          </m:r>
-                          <m:r>
-                            <a:rPr lang="hr-HR" sz="1800" b="0" i="1" smtClean="0">
-                              <a:latin typeface="Cambria Math" panose="02040503050406030204" pitchFamily="18" charset="0"/>
-                            </a:rPr>
-                            <m:t>&gt;</m:t>
+                            <m:t>&lt;0&gt;</m:t>
                           </m:r>
                         </m:sup>
                       </m:sSup>
@@ -11704,7 +14086,7 @@
             </p:txBody>
           </p:sp>
         </mc:Choice>
-        <mc:Fallback>
+        <mc:Fallback xmlns="">
           <p:sp>
             <p:nvSpPr>
               <p:cNvPr id="137" name="TextBox 136">
@@ -11793,8 +14175,8 @@
           </a:fontRef>
         </p:style>
       </p:cxnSp>
-      <mc:AlternateContent xmlns:mc="http://schemas.openxmlformats.org/markup-compatibility/2006">
-        <mc:Choice xmlns:a14="http://schemas.microsoft.com/office/drawing/2010/main" Requires="a14">
+      <mc:AlternateContent xmlns:mc="http://schemas.openxmlformats.org/markup-compatibility/2006" xmlns:a14="http://schemas.microsoft.com/office/drawing/2010/main">
+        <mc:Choice Requires="a14">
           <p:sp>
             <p:nvSpPr>
               <p:cNvPr id="139" name="TextBox 138">
@@ -11851,19 +14233,7 @@
                             <a:rPr lang="hr-HR" sz="1800" b="0" i="1" smtClean="0">
                               <a:latin typeface="Cambria Math" panose="02040503050406030204" pitchFamily="18" charset="0"/>
                             </a:rPr>
-                            <m:t>&lt;</m:t>
-                          </m:r>
-                          <m:r>
-                            <a:rPr lang="hr-HR" sz="1800" b="0" i="1" smtClean="0">
-                              <a:latin typeface="Cambria Math" panose="02040503050406030204" pitchFamily="18" charset="0"/>
-                            </a:rPr>
-                            <m:t>0</m:t>
-                          </m:r>
-                          <m:r>
-                            <a:rPr lang="hr-HR" sz="1800" b="0" i="1" smtClean="0">
-                              <a:latin typeface="Cambria Math" panose="02040503050406030204" pitchFamily="18" charset="0"/>
-                            </a:rPr>
-                            <m:t>&gt;</m:t>
+                            <m:t>&lt;0&gt;</m:t>
                           </m:r>
                         </m:sup>
                       </m:sSup>
@@ -11875,7 +14245,7 @@
             </p:txBody>
           </p:sp>
         </mc:Choice>
-        <mc:Fallback>
+        <mc:Fallback xmlns="">
           <p:sp>
             <p:nvSpPr>
               <p:cNvPr id="139" name="TextBox 138">
@@ -11964,8 +14334,8 @@
           </a:fontRef>
         </p:style>
       </p:cxnSp>
-      <mc:AlternateContent xmlns:mc="http://schemas.openxmlformats.org/markup-compatibility/2006">
-        <mc:Choice xmlns:a14="http://schemas.microsoft.com/office/drawing/2010/main" Requires="a14">
+      <mc:AlternateContent xmlns:mc="http://schemas.openxmlformats.org/markup-compatibility/2006" xmlns:a14="http://schemas.microsoft.com/office/drawing/2010/main">
+        <mc:Choice Requires="a14">
           <p:sp>
             <p:nvSpPr>
               <p:cNvPr id="141" name="TextBox 140">
@@ -12022,19 +14392,7 @@
                             <a:rPr lang="hr-HR" sz="1800" b="0" i="1" smtClean="0">
                               <a:latin typeface="Cambria Math" panose="02040503050406030204" pitchFamily="18" charset="0"/>
                             </a:rPr>
-                            <m:t>&lt;</m:t>
-                          </m:r>
-                          <m:r>
-                            <a:rPr lang="hr-HR" sz="1800" b="0" i="1" smtClean="0">
-                              <a:latin typeface="Cambria Math" panose="02040503050406030204" pitchFamily="18" charset="0"/>
-                            </a:rPr>
-                            <m:t>0</m:t>
-                          </m:r>
-                          <m:r>
-                            <a:rPr lang="hr-HR" sz="1800" b="0" i="1" smtClean="0">
-                              <a:latin typeface="Cambria Math" panose="02040503050406030204" pitchFamily="18" charset="0"/>
-                            </a:rPr>
-                            <m:t>&gt;</m:t>
+                            <m:t>&lt;0&gt;</m:t>
                           </m:r>
                         </m:sup>
                       </m:sSup>
@@ -12046,7 +14404,7 @@
             </p:txBody>
           </p:sp>
         </mc:Choice>
-        <mc:Fallback>
+        <mc:Fallback xmlns="">
           <p:sp>
             <p:nvSpPr>
               <p:cNvPr id="141" name="TextBox 140">
@@ -16480,8 +18838,8 @@
           </a:p>
         </p:txBody>
       </p:sp>
-      <mc:AlternateContent xmlns:mc="http://schemas.openxmlformats.org/markup-compatibility/2006">
-        <mc:Choice xmlns:p14="http://schemas.microsoft.com/office/powerpoint/2010/main" Requires="p14">
+      <mc:AlternateContent xmlns:mc="http://schemas.openxmlformats.org/markup-compatibility/2006" xmlns:p14="http://schemas.microsoft.com/office/powerpoint/2010/main">
+        <mc:Choice Requires="p14">
           <p:contentPart p14:bwMode="auto" r:id="rId23">
             <p14:nvContentPartPr>
               <p14:cNvPr id="5" name="Ink 4">
@@ -16500,7 +18858,7 @@
             </p14:xfrm>
           </p:contentPart>
         </mc:Choice>
-        <mc:Fallback>
+        <mc:Fallback xmlns="">
           <p:pic>
             <p:nvPicPr>
               <p:cNvPr id="5" name="Ink 4">
@@ -16523,6 +18881,57 @@
               <a:xfrm>
                 <a:off x="1258560" y="5157000"/>
                 <a:ext cx="2124000" cy="784800"/>
+              </a:xfrm>
+              <a:prstGeom prst="rect">
+                <a:avLst/>
+              </a:prstGeom>
+            </p:spPr>
+          </p:pic>
+        </mc:Fallback>
+      </mc:AlternateContent>
+      <mc:AlternateContent xmlns:mc="http://schemas.openxmlformats.org/markup-compatibility/2006">
+        <mc:Choice xmlns:p14="http://schemas.microsoft.com/office/powerpoint/2010/main" Requires="p14">
+          <p:contentPart p14:bwMode="auto" r:id="rId25">
+            <p14:nvContentPartPr>
+              <p14:cNvPr id="7" name="Ink 6">
+                <a:extLst>
+                  <a:ext uri="{FF2B5EF4-FFF2-40B4-BE49-F238E27FC236}">
+                    <a16:creationId xmlns:a16="http://schemas.microsoft.com/office/drawing/2014/main" id="{7CFD05C2-4F3E-BFCD-F3C2-9E5B49474533}"/>
+                  </a:ext>
+                </a:extLst>
+              </p14:cNvPr>
+              <p14:cNvContentPartPr/>
+              <p14:nvPr/>
+            </p14:nvContentPartPr>
+            <p14:xfrm>
+              <a:off x="1260000" y="1344600"/>
+              <a:ext cx="5015520" cy="4988520"/>
+            </p14:xfrm>
+          </p:contentPart>
+        </mc:Choice>
+        <mc:Fallback>
+          <p:pic>
+            <p:nvPicPr>
+              <p:cNvPr id="7" name="Ink 6">
+                <a:extLst>
+                  <a:ext uri="{FF2B5EF4-FFF2-40B4-BE49-F238E27FC236}">
+                    <a16:creationId xmlns:a16="http://schemas.microsoft.com/office/drawing/2014/main" id="{7CFD05C2-4F3E-BFCD-F3C2-9E5B49474533}"/>
+                  </a:ext>
+                </a:extLst>
+              </p:cNvPr>
+              <p:cNvPicPr/>
+              <p:nvPr/>
+            </p:nvPicPr>
+            <p:blipFill>
+              <a:blip r:embed="rId26"/>
+              <a:stretch>
+                <a:fillRect/>
+              </a:stretch>
+            </p:blipFill>
+            <p:spPr>
+              <a:xfrm>
+                <a:off x="1250640" y="1335240"/>
+                <a:ext cx="5034240" cy="5007240"/>
               </a:xfrm>
               <a:prstGeom prst="rect">
                 <a:avLst/>
@@ -16864,8 +19273,8 @@
           </p:txBody>
         </p:sp>
       </p:grpSp>
-      <mc:AlternateContent xmlns:mc="http://schemas.openxmlformats.org/markup-compatibility/2006">
-        <mc:Choice xmlns:a14="http://schemas.microsoft.com/office/drawing/2010/main" Requires="a14">
+      <mc:AlternateContent xmlns:mc="http://schemas.openxmlformats.org/markup-compatibility/2006" xmlns:a14="http://schemas.microsoft.com/office/drawing/2010/main">
+        <mc:Choice Requires="a14">
           <p:sp>
             <p:nvSpPr>
               <p:cNvPr id="16" name="TextBox 15">
@@ -16934,7 +19343,7 @@
             </p:txBody>
           </p:sp>
         </mc:Choice>
-        <mc:Fallback>
+        <mc:Fallback xmlns="">
           <p:sp>
             <p:nvSpPr>
               <p:cNvPr id="16" name="TextBox 15">
@@ -16979,8 +19388,8 @@
           </p:sp>
         </mc:Fallback>
       </mc:AlternateContent>
-      <mc:AlternateContent xmlns:mc="http://schemas.openxmlformats.org/markup-compatibility/2006">
-        <mc:Choice xmlns:a14="http://schemas.microsoft.com/office/drawing/2010/main" Requires="a14">
+      <mc:AlternateContent xmlns:mc="http://schemas.openxmlformats.org/markup-compatibility/2006" xmlns:a14="http://schemas.microsoft.com/office/drawing/2010/main">
+        <mc:Choice Requires="a14">
           <p:sp>
             <p:nvSpPr>
               <p:cNvPr id="17" name="TextBox 16">
@@ -17061,7 +19470,7 @@
             </p:txBody>
           </p:sp>
         </mc:Choice>
-        <mc:Fallback>
+        <mc:Fallback xmlns="">
           <p:sp>
             <p:nvSpPr>
               <p:cNvPr id="17" name="TextBox 16">
@@ -17194,8 +19603,8 @@
           </a:fontRef>
         </p:style>
       </p:cxnSp>
-      <mc:AlternateContent xmlns:mc="http://schemas.openxmlformats.org/markup-compatibility/2006">
-        <mc:Choice xmlns:a14="http://schemas.microsoft.com/office/drawing/2010/main" Requires="a14">
+      <mc:AlternateContent xmlns:mc="http://schemas.openxmlformats.org/markup-compatibility/2006" xmlns:a14="http://schemas.microsoft.com/office/drawing/2010/main">
+        <mc:Choice Requires="a14">
           <p:sp>
             <p:nvSpPr>
               <p:cNvPr id="23" name="TextBox 22">
@@ -17252,19 +19661,7 @@
                             <a:rPr lang="hr-HR" sz="1800" b="0" i="1" smtClean="0">
                               <a:latin typeface="Cambria Math" panose="02040503050406030204" pitchFamily="18" charset="0"/>
                             </a:rPr>
-                            <m:t>&lt;</m:t>
-                          </m:r>
-                          <m:r>
-                            <a:rPr lang="hr-HR" sz="1800" b="0" i="1" smtClean="0">
-                              <a:latin typeface="Cambria Math" panose="02040503050406030204" pitchFamily="18" charset="0"/>
-                            </a:rPr>
-                            <m:t>0</m:t>
-                          </m:r>
-                          <m:r>
-                            <a:rPr lang="hr-HR" sz="1800" b="0" i="1" smtClean="0">
-                              <a:latin typeface="Cambria Math" panose="02040503050406030204" pitchFamily="18" charset="0"/>
-                            </a:rPr>
-                            <m:t>&gt;</m:t>
+                            <m:t>&lt;0&gt;</m:t>
                           </m:r>
                         </m:sup>
                       </m:sSup>
@@ -17276,7 +19673,7 @@
             </p:txBody>
           </p:sp>
         </mc:Choice>
-        <mc:Fallback>
+        <mc:Fallback xmlns="">
           <p:sp>
             <p:nvSpPr>
               <p:cNvPr id="23" name="TextBox 22">
@@ -17646,8 +20043,8 @@
           </p:txBody>
         </p:sp>
       </p:grpSp>
-      <mc:AlternateContent xmlns:mc="http://schemas.openxmlformats.org/markup-compatibility/2006">
-        <mc:Choice xmlns:a14="http://schemas.microsoft.com/office/drawing/2010/main" Requires="a14">
+      <mc:AlternateContent xmlns:mc="http://schemas.openxmlformats.org/markup-compatibility/2006" xmlns:a14="http://schemas.microsoft.com/office/drawing/2010/main">
+        <mc:Choice Requires="a14">
           <p:sp>
             <p:nvSpPr>
               <p:cNvPr id="33" name="TextBox 32">
@@ -17704,19 +20101,7 @@
                             <a:rPr lang="hr-HR" sz="1800" b="0" i="1" smtClean="0">
                               <a:latin typeface="Cambria Math" panose="02040503050406030204" pitchFamily="18" charset="0"/>
                             </a:rPr>
-                            <m:t>&lt;</m:t>
-                          </m:r>
-                          <m:r>
-                            <a:rPr lang="hr-HR" sz="1800" b="0" i="1" smtClean="0">
-                              <a:latin typeface="Cambria Math" panose="02040503050406030204" pitchFamily="18" charset="0"/>
-                            </a:rPr>
-                            <m:t>2</m:t>
-                          </m:r>
-                          <m:r>
-                            <a:rPr lang="hr-HR" sz="1800" b="0" i="1" smtClean="0">
-                              <a:latin typeface="Cambria Math" panose="02040503050406030204" pitchFamily="18" charset="0"/>
-                            </a:rPr>
-                            <m:t>&gt;</m:t>
+                            <m:t>&lt;2&gt;</m:t>
                           </m:r>
                         </m:sup>
                       </m:sSup>
@@ -17728,7 +20113,7 @@
             </p:txBody>
           </p:sp>
         </mc:Choice>
-        <mc:Fallback>
+        <mc:Fallback xmlns="">
           <p:sp>
             <p:nvSpPr>
               <p:cNvPr id="33" name="TextBox 32">
@@ -17773,8 +20158,8 @@
           </p:sp>
         </mc:Fallback>
       </mc:AlternateContent>
-      <mc:AlternateContent xmlns:mc="http://schemas.openxmlformats.org/markup-compatibility/2006">
-        <mc:Choice xmlns:a14="http://schemas.microsoft.com/office/drawing/2010/main" Requires="a14">
+      <mc:AlternateContent xmlns:mc="http://schemas.openxmlformats.org/markup-compatibility/2006" xmlns:a14="http://schemas.microsoft.com/office/drawing/2010/main">
+        <mc:Choice Requires="a14">
           <p:sp>
             <p:nvSpPr>
               <p:cNvPr id="34" name="TextBox 33">
@@ -17867,7 +20252,7 @@
             </p:txBody>
           </p:sp>
         </mc:Choice>
-        <mc:Fallback>
+        <mc:Fallback xmlns="">
           <p:sp>
             <p:nvSpPr>
               <p:cNvPr id="34" name="TextBox 33">
@@ -18325,8 +20710,8 @@
           </p:txBody>
         </p:sp>
       </p:grpSp>
-      <mc:AlternateContent xmlns:mc="http://schemas.openxmlformats.org/markup-compatibility/2006">
-        <mc:Choice xmlns:a14="http://schemas.microsoft.com/office/drawing/2010/main" Requires="a14">
+      <mc:AlternateContent xmlns:mc="http://schemas.openxmlformats.org/markup-compatibility/2006" xmlns:a14="http://schemas.microsoft.com/office/drawing/2010/main">
+        <mc:Choice Requires="a14">
           <p:sp>
             <p:nvSpPr>
               <p:cNvPr id="51" name="TextBox 50">
@@ -18383,19 +20768,7 @@
                             <a:rPr lang="hr-HR" sz="1800" b="0" i="1" smtClean="0">
                               <a:latin typeface="Cambria Math" panose="02040503050406030204" pitchFamily="18" charset="0"/>
                             </a:rPr>
-                            <m:t>&lt;</m:t>
-                          </m:r>
-                          <m:r>
-                            <a:rPr lang="hr-HR" sz="1800" b="0" i="1" smtClean="0">
-                              <a:latin typeface="Cambria Math" panose="02040503050406030204" pitchFamily="18" charset="0"/>
-                            </a:rPr>
-                            <m:t>3</m:t>
-                          </m:r>
-                          <m:r>
-                            <a:rPr lang="hr-HR" sz="1800" b="0" i="1" smtClean="0">
-                              <a:latin typeface="Cambria Math" panose="02040503050406030204" pitchFamily="18" charset="0"/>
-                            </a:rPr>
-                            <m:t>&gt;</m:t>
+                            <m:t>&lt;3&gt;</m:t>
                           </m:r>
                         </m:sup>
                       </m:sSup>
@@ -18407,7 +20780,7 @@
             </p:txBody>
           </p:sp>
         </mc:Choice>
-        <mc:Fallback>
+        <mc:Fallback xmlns="">
           <p:sp>
             <p:nvSpPr>
               <p:cNvPr id="51" name="TextBox 50">
@@ -18452,8 +20825,8 @@
           </p:sp>
         </mc:Fallback>
       </mc:AlternateContent>
-      <mc:AlternateContent xmlns:mc="http://schemas.openxmlformats.org/markup-compatibility/2006">
-        <mc:Choice xmlns:a14="http://schemas.microsoft.com/office/drawing/2010/main" Requires="a14">
+      <mc:AlternateContent xmlns:mc="http://schemas.openxmlformats.org/markup-compatibility/2006" xmlns:a14="http://schemas.microsoft.com/office/drawing/2010/main">
+        <mc:Choice Requires="a14">
           <p:sp>
             <p:nvSpPr>
               <p:cNvPr id="52" name="TextBox 51">
@@ -18546,7 +20919,7 @@
             </p:txBody>
           </p:sp>
         </mc:Choice>
-        <mc:Fallback>
+        <mc:Fallback xmlns="">
           <p:sp>
             <p:nvSpPr>
               <p:cNvPr id="52" name="TextBox 51">
@@ -19004,8 +21377,8 @@
           </p:txBody>
         </p:sp>
       </p:grpSp>
-      <mc:AlternateContent xmlns:mc="http://schemas.openxmlformats.org/markup-compatibility/2006">
-        <mc:Choice xmlns:a14="http://schemas.microsoft.com/office/drawing/2010/main" Requires="a14">
+      <mc:AlternateContent xmlns:mc="http://schemas.openxmlformats.org/markup-compatibility/2006" xmlns:a14="http://schemas.microsoft.com/office/drawing/2010/main">
+        <mc:Choice Requires="a14">
           <p:sp>
             <p:nvSpPr>
               <p:cNvPr id="62" name="TextBox 61">
@@ -19105,7 +21478,7 @@
             </p:txBody>
           </p:sp>
         </mc:Choice>
-        <mc:Fallback>
+        <mc:Fallback xmlns="">
           <p:sp>
             <p:nvSpPr>
               <p:cNvPr id="62" name="TextBox 61">
@@ -19150,8 +21523,8 @@
           </p:sp>
         </mc:Fallback>
       </mc:AlternateContent>
-      <mc:AlternateContent xmlns:mc="http://schemas.openxmlformats.org/markup-compatibility/2006">
-        <mc:Choice xmlns:a14="http://schemas.microsoft.com/office/drawing/2010/main" Requires="a14">
+      <mc:AlternateContent xmlns:mc="http://schemas.openxmlformats.org/markup-compatibility/2006" xmlns:a14="http://schemas.microsoft.com/office/drawing/2010/main">
+        <mc:Choice Requires="a14">
           <p:sp>
             <p:nvSpPr>
               <p:cNvPr id="63" name="TextBox 62">
@@ -19263,7 +21636,7 @@
             </p:txBody>
           </p:sp>
         </mc:Choice>
-        <mc:Fallback>
+        <mc:Fallback xmlns="">
           <p:sp>
             <p:nvSpPr>
               <p:cNvPr id="63" name="TextBox 62">
@@ -19440,8 +21813,8 @@
           </a:fontRef>
         </p:style>
       </p:cxnSp>
-      <mc:AlternateContent xmlns:mc="http://schemas.openxmlformats.org/markup-compatibility/2006">
-        <mc:Choice xmlns:a14="http://schemas.microsoft.com/office/drawing/2010/main" Requires="a14">
+      <mc:AlternateContent xmlns:mc="http://schemas.openxmlformats.org/markup-compatibility/2006" xmlns:a14="http://schemas.microsoft.com/office/drawing/2010/main">
+        <mc:Choice Requires="a14">
           <p:sp>
             <p:nvSpPr>
               <p:cNvPr id="67" name="TextBox 66">
@@ -19498,19 +21871,7 @@
                             <a:rPr lang="hr-HR" sz="1800" b="0" i="1" smtClean="0">
                               <a:latin typeface="Cambria Math" panose="02040503050406030204" pitchFamily="18" charset="0"/>
                             </a:rPr>
-                            <m:t>&lt;</m:t>
-                          </m:r>
-                          <m:r>
-                            <a:rPr lang="hr-HR" sz="1800" b="0" i="1" smtClean="0">
-                              <a:latin typeface="Cambria Math" panose="02040503050406030204" pitchFamily="18" charset="0"/>
-                            </a:rPr>
-                            <m:t>1</m:t>
-                          </m:r>
-                          <m:r>
-                            <a:rPr lang="hr-HR" sz="1800" b="0" i="1" smtClean="0">
-                              <a:latin typeface="Cambria Math" panose="02040503050406030204" pitchFamily="18" charset="0"/>
-                            </a:rPr>
-                            <m:t>&gt;</m:t>
+                            <m:t>&lt;1&gt;</m:t>
                           </m:r>
                         </m:sup>
                       </m:sSup>
@@ -19522,7 +21883,7 @@
             </p:txBody>
           </p:sp>
         </mc:Choice>
-        <mc:Fallback>
+        <mc:Fallback xmlns="">
           <p:sp>
             <p:nvSpPr>
               <p:cNvPr id="67" name="TextBox 66">
@@ -19567,8 +21928,8 @@
           </p:sp>
         </mc:Fallback>
       </mc:AlternateContent>
-      <mc:AlternateContent xmlns:mc="http://schemas.openxmlformats.org/markup-compatibility/2006">
-        <mc:Choice xmlns:a14="http://schemas.microsoft.com/office/drawing/2010/main" Requires="a14">
+      <mc:AlternateContent xmlns:mc="http://schemas.openxmlformats.org/markup-compatibility/2006" xmlns:a14="http://schemas.microsoft.com/office/drawing/2010/main">
+        <mc:Choice Requires="a14">
           <p:sp>
             <p:nvSpPr>
               <p:cNvPr id="68" name="TextBox 67">
@@ -19625,19 +21986,7 @@
                             <a:rPr lang="hr-HR" sz="1800" b="0" i="1" smtClean="0">
                               <a:latin typeface="Cambria Math" panose="02040503050406030204" pitchFamily="18" charset="0"/>
                             </a:rPr>
-                            <m:t>&lt;</m:t>
-                          </m:r>
-                          <m:r>
-                            <a:rPr lang="hr-HR" sz="1800" b="0" i="1" smtClean="0">
-                              <a:latin typeface="Cambria Math" panose="02040503050406030204" pitchFamily="18" charset="0"/>
-                            </a:rPr>
-                            <m:t>2</m:t>
-                          </m:r>
-                          <m:r>
-                            <a:rPr lang="hr-HR" sz="1800" b="0" i="1" smtClean="0">
-                              <a:latin typeface="Cambria Math" panose="02040503050406030204" pitchFamily="18" charset="0"/>
-                            </a:rPr>
-                            <m:t>&gt;</m:t>
+                            <m:t>&lt;2&gt;</m:t>
                           </m:r>
                         </m:sup>
                       </m:sSup>
@@ -19649,7 +21998,7 @@
             </p:txBody>
           </p:sp>
         </mc:Choice>
-        <mc:Fallback>
+        <mc:Fallback xmlns="">
           <p:sp>
             <p:nvSpPr>
               <p:cNvPr id="68" name="TextBox 67">
@@ -19738,8 +22087,8 @@
           </a:fontRef>
         </p:style>
       </p:cxnSp>
-      <mc:AlternateContent xmlns:mc="http://schemas.openxmlformats.org/markup-compatibility/2006">
-        <mc:Choice xmlns:a14="http://schemas.microsoft.com/office/drawing/2010/main" Requires="a14">
+      <mc:AlternateContent xmlns:mc="http://schemas.openxmlformats.org/markup-compatibility/2006" xmlns:a14="http://schemas.microsoft.com/office/drawing/2010/main">
+        <mc:Choice Requires="a14">
           <p:sp>
             <p:nvSpPr>
               <p:cNvPr id="70" name="TextBox 69">
@@ -19796,19 +22145,7 @@
                             <a:rPr lang="hr-HR" sz="1800" b="0" i="1" smtClean="0">
                               <a:latin typeface="Cambria Math" panose="02040503050406030204" pitchFamily="18" charset="0"/>
                             </a:rPr>
-                            <m:t>&lt;</m:t>
-                          </m:r>
-                          <m:r>
-                            <a:rPr lang="hr-HR" sz="1800" b="0" i="1" smtClean="0">
-                              <a:latin typeface="Cambria Math" panose="02040503050406030204" pitchFamily="18" charset="0"/>
-                            </a:rPr>
-                            <m:t>3</m:t>
-                          </m:r>
-                          <m:r>
-                            <a:rPr lang="hr-HR" sz="1800" b="0" i="1" smtClean="0">
-                              <a:latin typeface="Cambria Math" panose="02040503050406030204" pitchFamily="18" charset="0"/>
-                            </a:rPr>
-                            <m:t>&gt;</m:t>
+                            <m:t>&lt;3&gt;</m:t>
                           </m:r>
                         </m:sup>
                       </m:sSup>
@@ -19820,7 +22157,7 @@
             </p:txBody>
           </p:sp>
         </mc:Choice>
-        <mc:Fallback>
+        <mc:Fallback xmlns="">
           <p:sp>
             <p:nvSpPr>
               <p:cNvPr id="70" name="TextBox 69">
@@ -19865,8 +22202,8 @@
           </p:sp>
         </mc:Fallback>
       </mc:AlternateContent>
-      <mc:AlternateContent xmlns:mc="http://schemas.openxmlformats.org/markup-compatibility/2006">
-        <mc:Choice xmlns:a14="http://schemas.microsoft.com/office/drawing/2010/main" Requires="a14">
+      <mc:AlternateContent xmlns:mc="http://schemas.openxmlformats.org/markup-compatibility/2006" xmlns:a14="http://schemas.microsoft.com/office/drawing/2010/main">
+        <mc:Choice Requires="a14">
           <p:sp>
             <p:nvSpPr>
               <p:cNvPr id="71" name="TextBox 70">
@@ -19954,13 +22291,7 @@
                             <a:rPr lang="hr-HR" sz="1800" b="0" i="1" smtClean="0">
                               <a:latin typeface="Cambria Math" panose="02040503050406030204" pitchFamily="18" charset="0"/>
                             </a:rPr>
-                            <m:t>−1</m:t>
-                          </m:r>
-                          <m:r>
-                            <a:rPr lang="hr-HR" sz="1800" b="0" i="1" smtClean="0">
-                              <a:latin typeface="Cambria Math" panose="02040503050406030204" pitchFamily="18" charset="0"/>
-                            </a:rPr>
-                            <m:t>&gt;</m:t>
+                            <m:t>−1&gt;</m:t>
                           </m:r>
                         </m:sup>
                       </m:sSup>
@@ -19972,7 +22303,7 @@
             </p:txBody>
           </p:sp>
         </mc:Choice>
-        <mc:Fallback>
+        <mc:Fallback xmlns="">
           <p:sp>
             <p:nvSpPr>
               <p:cNvPr id="71" name="TextBox 70">
@@ -20052,6 +22383,414 @@
           </a:p>
         </p:txBody>
       </p:sp>
+      <mc:AlternateContent xmlns:mc="http://schemas.openxmlformats.org/markup-compatibility/2006">
+        <mc:Choice xmlns:p14="http://schemas.microsoft.com/office/powerpoint/2010/main" Requires="p14">
+          <p:contentPart p14:bwMode="auto" r:id="rId16">
+            <p14:nvContentPartPr>
+              <p14:cNvPr id="3" name="Ink 2">
+                <a:extLst>
+                  <a:ext uri="{FF2B5EF4-FFF2-40B4-BE49-F238E27FC236}">
+                    <a16:creationId xmlns:a16="http://schemas.microsoft.com/office/drawing/2014/main" id="{6B3A2153-C348-7C59-B726-BC1BF64CEA4D}"/>
+                  </a:ext>
+                </a:extLst>
+              </p14:cNvPr>
+              <p14:cNvContentPartPr/>
+              <p14:nvPr/>
+            </p14:nvContentPartPr>
+            <p14:xfrm>
+              <a:off x="119160" y="2383200"/>
+              <a:ext cx="726120" cy="1788840"/>
+            </p14:xfrm>
+          </p:contentPart>
+        </mc:Choice>
+        <mc:Fallback>
+          <p:pic>
+            <p:nvPicPr>
+              <p:cNvPr id="3" name="Ink 2">
+                <a:extLst>
+                  <a:ext uri="{FF2B5EF4-FFF2-40B4-BE49-F238E27FC236}">
+                    <a16:creationId xmlns:a16="http://schemas.microsoft.com/office/drawing/2014/main" id="{6B3A2153-C348-7C59-B726-BC1BF64CEA4D}"/>
+                  </a:ext>
+                </a:extLst>
+              </p:cNvPr>
+              <p:cNvPicPr/>
+              <p:nvPr/>
+            </p:nvPicPr>
+            <p:blipFill>
+              <a:blip r:embed="rId17"/>
+              <a:stretch>
+                <a:fillRect/>
+              </a:stretch>
+            </p:blipFill>
+            <p:spPr>
+              <a:xfrm>
+                <a:off x="109800" y="2373840"/>
+                <a:ext cx="744840" cy="1807560"/>
+              </a:xfrm>
+              <a:prstGeom prst="rect">
+                <a:avLst/>
+              </a:prstGeom>
+            </p:spPr>
+          </p:pic>
+        </mc:Fallback>
+      </mc:AlternateContent>
+      <mc:AlternateContent xmlns:mc="http://schemas.openxmlformats.org/markup-compatibility/2006">
+        <mc:Choice xmlns:p14="http://schemas.microsoft.com/office/powerpoint/2010/main" Requires="p14">
+          <p:contentPart p14:bwMode="auto" r:id="rId18">
+            <p14:nvContentPartPr>
+              <p14:cNvPr id="4" name="Ink 3">
+                <a:extLst>
+                  <a:ext uri="{FF2B5EF4-FFF2-40B4-BE49-F238E27FC236}">
+                    <a16:creationId xmlns:a16="http://schemas.microsoft.com/office/drawing/2014/main" id="{9E9AB3BD-1065-D755-86A3-8CF667F70DCE}"/>
+                  </a:ext>
+                </a:extLst>
+              </p14:cNvPr>
+              <p14:cNvContentPartPr/>
+              <p14:nvPr/>
+            </p14:nvContentPartPr>
+            <p14:xfrm>
+              <a:off x="1097280" y="2091600"/>
+              <a:ext cx="4482000" cy="3638880"/>
+            </p14:xfrm>
+          </p:contentPart>
+        </mc:Choice>
+        <mc:Fallback>
+          <p:pic>
+            <p:nvPicPr>
+              <p:cNvPr id="4" name="Ink 3">
+                <a:extLst>
+                  <a:ext uri="{FF2B5EF4-FFF2-40B4-BE49-F238E27FC236}">
+                    <a16:creationId xmlns:a16="http://schemas.microsoft.com/office/drawing/2014/main" id="{9E9AB3BD-1065-D755-86A3-8CF667F70DCE}"/>
+                  </a:ext>
+                </a:extLst>
+              </p:cNvPr>
+              <p:cNvPicPr/>
+              <p:nvPr/>
+            </p:nvPicPr>
+            <p:blipFill>
+              <a:blip r:embed="rId19"/>
+              <a:stretch>
+                <a:fillRect/>
+              </a:stretch>
+            </p:blipFill>
+            <p:spPr>
+              <a:xfrm>
+                <a:off x="1087920" y="2082240"/>
+                <a:ext cx="4500720" cy="3657600"/>
+              </a:xfrm>
+              <a:prstGeom prst="rect">
+                <a:avLst/>
+              </a:prstGeom>
+            </p:spPr>
+          </p:pic>
+        </mc:Fallback>
+      </mc:AlternateContent>
+      <mc:AlternateContent xmlns:mc="http://schemas.openxmlformats.org/markup-compatibility/2006">
+        <mc:Choice xmlns:p14="http://schemas.microsoft.com/office/powerpoint/2010/main" Requires="p14">
+          <p:contentPart p14:bwMode="auto" r:id="rId20">
+            <p14:nvContentPartPr>
+              <p14:cNvPr id="5" name="Ink 4">
+                <a:extLst>
+                  <a:ext uri="{FF2B5EF4-FFF2-40B4-BE49-F238E27FC236}">
+                    <a16:creationId xmlns:a16="http://schemas.microsoft.com/office/drawing/2014/main" id="{16794E4B-7C48-7487-C35B-299446C4A857}"/>
+                  </a:ext>
+                </a:extLst>
+              </p14:cNvPr>
+              <p14:cNvContentPartPr/>
+              <p14:nvPr/>
+            </p14:nvContentPartPr>
+            <p14:xfrm>
+              <a:off x="1345680" y="1010880"/>
+              <a:ext cx="3062880" cy="3973680"/>
+            </p14:xfrm>
+          </p:contentPart>
+        </mc:Choice>
+        <mc:Fallback>
+          <p:pic>
+            <p:nvPicPr>
+              <p:cNvPr id="5" name="Ink 4">
+                <a:extLst>
+                  <a:ext uri="{FF2B5EF4-FFF2-40B4-BE49-F238E27FC236}">
+                    <a16:creationId xmlns:a16="http://schemas.microsoft.com/office/drawing/2014/main" id="{16794E4B-7C48-7487-C35B-299446C4A857}"/>
+                  </a:ext>
+                </a:extLst>
+              </p:cNvPr>
+              <p:cNvPicPr/>
+              <p:nvPr/>
+            </p:nvPicPr>
+            <p:blipFill>
+              <a:blip r:embed="rId21"/>
+              <a:stretch>
+                <a:fillRect/>
+              </a:stretch>
+            </p:blipFill>
+            <p:spPr>
+              <a:xfrm>
+                <a:off x="1336320" y="1001520"/>
+                <a:ext cx="3081600" cy="3992400"/>
+              </a:xfrm>
+              <a:prstGeom prst="rect">
+                <a:avLst/>
+              </a:prstGeom>
+            </p:spPr>
+          </p:pic>
+        </mc:Fallback>
+      </mc:AlternateContent>
+      <mc:AlternateContent xmlns:mc="http://schemas.openxmlformats.org/markup-compatibility/2006">
+        <mc:Choice xmlns:p14="http://schemas.microsoft.com/office/powerpoint/2010/main" Requires="p14">
+          <p:contentPart p14:bwMode="auto" r:id="rId22">
+            <p14:nvContentPartPr>
+              <p14:cNvPr id="7" name="Ink 6">
+                <a:extLst>
+                  <a:ext uri="{FF2B5EF4-FFF2-40B4-BE49-F238E27FC236}">
+                    <a16:creationId xmlns:a16="http://schemas.microsoft.com/office/drawing/2014/main" id="{D365114C-BAC4-D0B2-70BE-8E259BC5C0DC}"/>
+                  </a:ext>
+                </a:extLst>
+              </p14:cNvPr>
+              <p14:cNvContentPartPr/>
+              <p14:nvPr/>
+            </p14:nvContentPartPr>
+            <p14:xfrm>
+              <a:off x="4268880" y="608760"/>
+              <a:ext cx="1572840" cy="845280"/>
+            </p14:xfrm>
+          </p:contentPart>
+        </mc:Choice>
+        <mc:Fallback>
+          <p:pic>
+            <p:nvPicPr>
+              <p:cNvPr id="7" name="Ink 6">
+                <a:extLst>
+                  <a:ext uri="{FF2B5EF4-FFF2-40B4-BE49-F238E27FC236}">
+                    <a16:creationId xmlns:a16="http://schemas.microsoft.com/office/drawing/2014/main" id="{D365114C-BAC4-D0B2-70BE-8E259BC5C0DC}"/>
+                  </a:ext>
+                </a:extLst>
+              </p:cNvPr>
+              <p:cNvPicPr/>
+              <p:nvPr/>
+            </p:nvPicPr>
+            <p:blipFill>
+              <a:blip r:embed="rId23"/>
+              <a:stretch>
+                <a:fillRect/>
+              </a:stretch>
+            </p:blipFill>
+            <p:spPr>
+              <a:xfrm>
+                <a:off x="4259520" y="599400"/>
+                <a:ext cx="1591560" cy="864000"/>
+              </a:xfrm>
+              <a:prstGeom prst="rect">
+                <a:avLst/>
+              </a:prstGeom>
+            </p:spPr>
+          </p:pic>
+        </mc:Fallback>
+      </mc:AlternateContent>
+      <mc:AlternateContent xmlns:mc="http://schemas.openxmlformats.org/markup-compatibility/2006">
+        <mc:Choice xmlns:p14="http://schemas.microsoft.com/office/powerpoint/2010/main" Requires="p14">
+          <p:contentPart p14:bwMode="auto" r:id="rId24">
+            <p14:nvContentPartPr>
+              <p14:cNvPr id="8" name="Ink 7">
+                <a:extLst>
+                  <a:ext uri="{FF2B5EF4-FFF2-40B4-BE49-F238E27FC236}">
+                    <a16:creationId xmlns:a16="http://schemas.microsoft.com/office/drawing/2014/main" id="{0C0874DA-EF62-101D-D5A6-486A8DEF9137}"/>
+                  </a:ext>
+                </a:extLst>
+              </p14:cNvPr>
+              <p14:cNvContentPartPr/>
+              <p14:nvPr/>
+            </p14:nvContentPartPr>
+            <p14:xfrm>
+              <a:off x="5911920" y="3814920"/>
+              <a:ext cx="1956240" cy="1022400"/>
+            </p14:xfrm>
+          </p:contentPart>
+        </mc:Choice>
+        <mc:Fallback>
+          <p:pic>
+            <p:nvPicPr>
+              <p:cNvPr id="8" name="Ink 7">
+                <a:extLst>
+                  <a:ext uri="{FF2B5EF4-FFF2-40B4-BE49-F238E27FC236}">
+                    <a16:creationId xmlns:a16="http://schemas.microsoft.com/office/drawing/2014/main" id="{0C0874DA-EF62-101D-D5A6-486A8DEF9137}"/>
+                  </a:ext>
+                </a:extLst>
+              </p:cNvPr>
+              <p:cNvPicPr/>
+              <p:nvPr/>
+            </p:nvPicPr>
+            <p:blipFill>
+              <a:blip r:embed="rId25"/>
+              <a:stretch>
+                <a:fillRect/>
+              </a:stretch>
+            </p:blipFill>
+            <p:spPr>
+              <a:xfrm>
+                <a:off x="5902560" y="3805560"/>
+                <a:ext cx="1974960" cy="1041120"/>
+              </a:xfrm>
+              <a:prstGeom prst="rect">
+                <a:avLst/>
+              </a:prstGeom>
+            </p:spPr>
+          </p:pic>
+        </mc:Fallback>
+      </mc:AlternateContent>
+      <mc:AlternateContent xmlns:mc="http://schemas.openxmlformats.org/markup-compatibility/2006">
+        <mc:Choice xmlns:p14="http://schemas.microsoft.com/office/powerpoint/2010/main" Requires="p14">
+          <p:contentPart p14:bwMode="auto" r:id="rId26">
+            <p14:nvContentPartPr>
+              <p14:cNvPr id="10" name="Ink 9">
+                <a:extLst>
+                  <a:ext uri="{FF2B5EF4-FFF2-40B4-BE49-F238E27FC236}">
+                    <a16:creationId xmlns:a16="http://schemas.microsoft.com/office/drawing/2014/main" id="{89ADB5F6-47E6-2D5D-0821-C02973476B75}"/>
+                  </a:ext>
+                </a:extLst>
+              </p14:cNvPr>
+              <p14:cNvContentPartPr/>
+              <p14:nvPr/>
+            </p14:nvContentPartPr>
+            <p14:xfrm>
+              <a:off x="1306800" y="4911840"/>
+              <a:ext cx="4772880" cy="1510560"/>
+            </p14:xfrm>
+          </p:contentPart>
+        </mc:Choice>
+        <mc:Fallback>
+          <p:pic>
+            <p:nvPicPr>
+              <p:cNvPr id="10" name="Ink 9">
+                <a:extLst>
+                  <a:ext uri="{FF2B5EF4-FFF2-40B4-BE49-F238E27FC236}">
+                    <a16:creationId xmlns:a16="http://schemas.microsoft.com/office/drawing/2014/main" id="{89ADB5F6-47E6-2D5D-0821-C02973476B75}"/>
+                  </a:ext>
+                </a:extLst>
+              </p:cNvPr>
+              <p:cNvPicPr/>
+              <p:nvPr/>
+            </p:nvPicPr>
+            <p:blipFill>
+              <a:blip r:embed="rId27"/>
+              <a:stretch>
+                <a:fillRect/>
+              </a:stretch>
+            </p:blipFill>
+            <p:spPr>
+              <a:xfrm>
+                <a:off x="1297440" y="4902480"/>
+                <a:ext cx="4791600" cy="1529280"/>
+              </a:xfrm>
+              <a:prstGeom prst="rect">
+                <a:avLst/>
+              </a:prstGeom>
+            </p:spPr>
+          </p:pic>
+        </mc:Fallback>
+      </mc:AlternateContent>
+      <mc:AlternateContent xmlns:mc="http://schemas.openxmlformats.org/markup-compatibility/2006">
+        <mc:Choice xmlns:p14="http://schemas.microsoft.com/office/powerpoint/2010/main" Requires="p14">
+          <p:contentPart p14:bwMode="auto" r:id="rId28">
+            <p14:nvContentPartPr>
+              <p14:cNvPr id="15" name="Ink 14">
+                <a:extLst>
+                  <a:ext uri="{FF2B5EF4-FFF2-40B4-BE49-F238E27FC236}">
+                    <a16:creationId xmlns:a16="http://schemas.microsoft.com/office/drawing/2014/main" id="{65206F25-16E3-4247-B31C-2B62759387B6}"/>
+                  </a:ext>
+                </a:extLst>
+              </p14:cNvPr>
+              <p14:cNvContentPartPr/>
+              <p14:nvPr/>
+            </p14:nvContentPartPr>
+            <p14:xfrm>
+              <a:off x="270720" y="1628280"/>
+              <a:ext cx="1843560" cy="2183400"/>
+            </p14:xfrm>
+          </p:contentPart>
+        </mc:Choice>
+        <mc:Fallback>
+          <p:pic>
+            <p:nvPicPr>
+              <p:cNvPr id="15" name="Ink 14">
+                <a:extLst>
+                  <a:ext uri="{FF2B5EF4-FFF2-40B4-BE49-F238E27FC236}">
+                    <a16:creationId xmlns:a16="http://schemas.microsoft.com/office/drawing/2014/main" id="{65206F25-16E3-4247-B31C-2B62759387B6}"/>
+                  </a:ext>
+                </a:extLst>
+              </p:cNvPr>
+              <p:cNvPicPr/>
+              <p:nvPr/>
+            </p:nvPicPr>
+            <p:blipFill>
+              <a:blip r:embed="rId29"/>
+              <a:stretch>
+                <a:fillRect/>
+              </a:stretch>
+            </p:blipFill>
+            <p:spPr>
+              <a:xfrm>
+                <a:off x="261360" y="1618920"/>
+                <a:ext cx="1862280" cy="2202120"/>
+              </a:xfrm>
+              <a:prstGeom prst="rect">
+                <a:avLst/>
+              </a:prstGeom>
+            </p:spPr>
+          </p:pic>
+        </mc:Fallback>
+      </mc:AlternateContent>
+      <mc:AlternateContent xmlns:mc="http://schemas.openxmlformats.org/markup-compatibility/2006">
+        <mc:Choice xmlns:p14="http://schemas.microsoft.com/office/powerpoint/2010/main" Requires="p14">
+          <p:contentPart p14:bwMode="auto" r:id="rId30">
+            <p14:nvContentPartPr>
+              <p14:cNvPr id="19" name="Ink 18">
+                <a:extLst>
+                  <a:ext uri="{FF2B5EF4-FFF2-40B4-BE49-F238E27FC236}">
+                    <a16:creationId xmlns:a16="http://schemas.microsoft.com/office/drawing/2014/main" id="{B24FA4C2-00D4-8B30-0BB9-3CE7C5909057}"/>
+                  </a:ext>
+                </a:extLst>
+              </p14:cNvPr>
+              <p14:cNvContentPartPr/>
+              <p14:nvPr/>
+            </p14:nvContentPartPr>
+            <p14:xfrm>
+              <a:off x="1713240" y="930240"/>
+              <a:ext cx="609120" cy="1179360"/>
+            </p14:xfrm>
+          </p:contentPart>
+        </mc:Choice>
+        <mc:Fallback>
+          <p:pic>
+            <p:nvPicPr>
+              <p:cNvPr id="19" name="Ink 18">
+                <a:extLst>
+                  <a:ext uri="{FF2B5EF4-FFF2-40B4-BE49-F238E27FC236}">
+                    <a16:creationId xmlns:a16="http://schemas.microsoft.com/office/drawing/2014/main" id="{B24FA4C2-00D4-8B30-0BB9-3CE7C5909057}"/>
+                  </a:ext>
+                </a:extLst>
+              </p:cNvPr>
+              <p:cNvPicPr/>
+              <p:nvPr/>
+            </p:nvPicPr>
+            <p:blipFill>
+              <a:blip r:embed="rId31"/>
+              <a:stretch>
+                <a:fillRect/>
+              </a:stretch>
+            </p:blipFill>
+            <p:spPr>
+              <a:xfrm>
+                <a:off x="1703880" y="920880"/>
+                <a:ext cx="627840" cy="1198080"/>
+              </a:xfrm>
+              <a:prstGeom prst="rect">
+                <a:avLst/>
+              </a:prstGeom>
+            </p:spPr>
+          </p:pic>
+        </mc:Fallback>
+      </mc:AlternateContent>
     </p:spTree>
     <p:extLst>
       <p:ext uri="{BB962C8B-B14F-4D97-AF65-F5344CB8AC3E}">
@@ -20120,8 +22859,8 @@
             </p:nvSpPr>
             <p:spPr>
               <a:xfrm>
-                <a:off x="323528" y="908720"/>
-                <a:ext cx="5371792" cy="461665"/>
+                <a:off x="179512" y="1186604"/>
+                <a:ext cx="4508670" cy="400110"/>
               </a:xfrm>
               <a:prstGeom prst="rect">
                 <a:avLst/>
@@ -20134,6 +22873,7 @@
               </a:bodyPr>
               <a:lstStyle/>
               <a:p>
+                <a:pPr/>
                 <a14:m>
                   <m:oMathPara xmlns:m="http://schemas.openxmlformats.org/officeDocument/2006/math">
                     <m:oMathParaPr>
@@ -20143,14 +22883,14 @@
                       <m:sSup>
                         <m:sSupPr>
                           <m:ctrlPr>
-                            <a:rPr lang="en-HR" sz="2400" i="1" dirty="0" smtClean="0">
+                            <a:rPr lang="en-HR" sz="2000" i="1" dirty="0" smtClean="0">
                               <a:latin typeface="Cambria Math" panose="02040503050406030204" pitchFamily="18" charset="0"/>
                             </a:rPr>
                           </m:ctrlPr>
                         </m:sSupPr>
                         <m:e>
                           <m:r>
-                            <a:rPr lang="en-HR" sz="2400" i="1" dirty="0" smtClean="0">
+                            <a:rPr lang="en-HR" sz="2000" i="1" dirty="0" smtClean="0">
                               <a:latin typeface="Cambria Math" panose="02040503050406030204" pitchFamily="18" charset="0"/>
                             </a:rPr>
                             <m:t>𝑎</m:t>
@@ -20158,19 +22898,19 @@
                         </m:e>
                         <m:sup>
                           <m:r>
-                            <a:rPr lang="hr-HR" sz="2400" b="0" i="1" dirty="0" smtClean="0">
+                            <a:rPr lang="hr-HR" sz="2000" b="0" i="1" dirty="0" smtClean="0">
                               <a:latin typeface="Cambria Math" panose="02040503050406030204" pitchFamily="18" charset="0"/>
                             </a:rPr>
                             <m:t>&lt;</m:t>
                           </m:r>
                           <m:r>
-                            <a:rPr lang="hr-HR" sz="2400" b="0" i="1" dirty="0" smtClean="0">
+                            <a:rPr lang="hr-HR" sz="2000" b="0" i="1" dirty="0" smtClean="0">
                               <a:latin typeface="Cambria Math" panose="02040503050406030204" pitchFamily="18" charset="0"/>
                             </a:rPr>
                             <m:t>𝑡</m:t>
                           </m:r>
                           <m:r>
-                            <a:rPr lang="hr-HR" sz="2400" b="0" i="1" dirty="0" smtClean="0">
+                            <a:rPr lang="hr-HR" sz="2000" b="0" i="1" dirty="0" smtClean="0">
                               <a:latin typeface="Cambria Math" panose="02040503050406030204" pitchFamily="18" charset="0"/>
                             </a:rPr>
                             <m:t>&gt;</m:t>
@@ -20178,13 +22918,13 @@
                         </m:sup>
                       </m:sSup>
                       <m:r>
-                        <a:rPr lang="hr-HR" sz="2400" b="0" i="1" dirty="0" smtClean="0">
+                        <a:rPr lang="hr-HR" sz="2000" b="0" i="1" dirty="0" smtClean="0">
                           <a:latin typeface="Cambria Math" panose="02040503050406030204" pitchFamily="18" charset="0"/>
                         </a:rPr>
                         <m:t>=</m:t>
                       </m:r>
                       <m:r>
-                        <a:rPr lang="hr-HR" sz="2400" b="0" i="1" dirty="0" smtClean="0">
+                        <a:rPr lang="hr-HR" sz="2000" b="0" i="1" dirty="0" smtClean="0">
                           <a:latin typeface="Cambria Math" panose="02040503050406030204" pitchFamily="18" charset="0"/>
                         </a:rPr>
                         <m:t>𝑔</m:t>
@@ -20192,7 +22932,7 @@
                       <m:d>
                         <m:dPr>
                           <m:ctrlPr>
-                            <a:rPr lang="hr-HR" sz="2400" b="0" i="1" dirty="0" smtClean="0">
+                            <a:rPr lang="hr-HR" sz="2000" b="0" i="1" dirty="0" smtClean="0">
                               <a:latin typeface="Cambria Math" panose="02040503050406030204" pitchFamily="18" charset="0"/>
                             </a:rPr>
                           </m:ctrlPr>
@@ -20201,14 +22941,14 @@
                           <m:sSub>
                             <m:sSubPr>
                               <m:ctrlPr>
-                                <a:rPr lang="hr-HR" sz="2400" b="0" i="1" dirty="0" smtClean="0">
+                                <a:rPr lang="hr-HR" sz="2000" b="0" i="1" dirty="0" smtClean="0">
                                   <a:latin typeface="Cambria Math" panose="02040503050406030204" pitchFamily="18" charset="0"/>
                                 </a:rPr>
                               </m:ctrlPr>
                             </m:sSubPr>
                             <m:e>
                               <m:r>
-                                <a:rPr lang="hr-HR" sz="2400" b="0" i="1" dirty="0" smtClean="0">
+                                <a:rPr lang="hr-HR" sz="2000" b="0" i="1" dirty="0" smtClean="0">
                                   <a:latin typeface="Cambria Math" panose="02040503050406030204" pitchFamily="18" charset="0"/>
                                 </a:rPr>
                                 <m:t>𝑊</m:t>
@@ -20216,7 +22956,7 @@
                             </m:e>
                             <m:sub>
                               <m:r>
-                                <a:rPr lang="hr-HR" sz="2400" b="0" i="1" dirty="0" smtClean="0">
+                                <a:rPr lang="hr-HR" sz="2000" b="0" i="1" dirty="0" smtClean="0">
                                   <a:latin typeface="Cambria Math" panose="02040503050406030204" pitchFamily="18" charset="0"/>
                                 </a:rPr>
                                 <m:t>𝑎𝑎</m:t>
@@ -20226,14 +22966,14 @@
                           <m:sSup>
                             <m:sSupPr>
                               <m:ctrlPr>
-                                <a:rPr lang="hr-HR" sz="2400" b="0" i="1" dirty="0" smtClean="0">
+                                <a:rPr lang="hr-HR" sz="2000" b="0" i="1" dirty="0" smtClean="0">
                                   <a:latin typeface="Cambria Math" panose="02040503050406030204" pitchFamily="18" charset="0"/>
                                 </a:rPr>
                               </m:ctrlPr>
                             </m:sSupPr>
                             <m:e>
                               <m:r>
-                                <a:rPr lang="hr-HR" sz="2400" b="0" i="1" dirty="0" smtClean="0">
+                                <a:rPr lang="hr-HR" sz="2000" b="0" i="1" dirty="0" smtClean="0">
                                   <a:latin typeface="Cambria Math" panose="02040503050406030204" pitchFamily="18" charset="0"/>
                                 </a:rPr>
                                 <m:t>𝑎</m:t>
@@ -20241,19 +22981,19 @@
                             </m:e>
                             <m:sup>
                               <m:r>
-                                <a:rPr lang="hr-HR" sz="2400" b="0" i="1" dirty="0" smtClean="0">
+                                <a:rPr lang="hr-HR" sz="2000" b="0" i="1" dirty="0" smtClean="0">
                                   <a:latin typeface="Cambria Math" panose="02040503050406030204" pitchFamily="18" charset="0"/>
                                 </a:rPr>
                                 <m:t>&lt;</m:t>
                               </m:r>
                               <m:r>
-                                <a:rPr lang="hr-HR" sz="2400" b="0" i="1" dirty="0" smtClean="0">
+                                <a:rPr lang="hr-HR" sz="2000" b="0" i="1" dirty="0" smtClean="0">
                                   <a:latin typeface="Cambria Math" panose="02040503050406030204" pitchFamily="18" charset="0"/>
                                 </a:rPr>
                                 <m:t>𝑡</m:t>
                               </m:r>
                               <m:r>
-                                <a:rPr lang="hr-HR" sz="2400" b="0" i="1" dirty="0" smtClean="0">
+                                <a:rPr lang="hr-HR" sz="2000" b="0" i="1" dirty="0" smtClean="0">
                                   <a:latin typeface="Cambria Math" panose="02040503050406030204" pitchFamily="18" charset="0"/>
                                 </a:rPr>
                                 <m:t>−1&gt;</m:t>
@@ -20261,7 +23001,7 @@
                             </m:sup>
                           </m:sSup>
                           <m:r>
-                            <a:rPr lang="hr-HR" sz="2400" b="0" i="1" dirty="0" smtClean="0">
+                            <a:rPr lang="hr-HR" sz="2000" b="0" i="1" dirty="0" smtClean="0">
                               <a:latin typeface="Cambria Math" panose="02040503050406030204" pitchFamily="18" charset="0"/>
                             </a:rPr>
                             <m:t>+</m:t>
@@ -20269,14 +23009,14 @@
                           <m:sSub>
                             <m:sSubPr>
                               <m:ctrlPr>
-                                <a:rPr lang="hr-HR" sz="2400" b="0" i="1" dirty="0" smtClean="0">
+                                <a:rPr lang="hr-HR" sz="2000" b="0" i="1" dirty="0" smtClean="0">
                                   <a:latin typeface="Cambria Math" panose="02040503050406030204" pitchFamily="18" charset="0"/>
                                 </a:rPr>
                               </m:ctrlPr>
                             </m:sSubPr>
                             <m:e>
                               <m:r>
-                                <a:rPr lang="hr-HR" sz="2400" b="0" i="1" dirty="0" smtClean="0">
+                                <a:rPr lang="hr-HR" sz="2000" b="0" i="1" dirty="0" smtClean="0">
                                   <a:latin typeface="Cambria Math" panose="02040503050406030204" pitchFamily="18" charset="0"/>
                                 </a:rPr>
                                 <m:t>𝑊</m:t>
@@ -20284,7 +23024,7 @@
                             </m:e>
                             <m:sub>
                               <m:r>
-                                <a:rPr lang="hr-HR" sz="2400" b="0" i="1" dirty="0" smtClean="0">
+                                <a:rPr lang="hr-HR" sz="2000" b="0" i="1" dirty="0" smtClean="0">
                                   <a:latin typeface="Cambria Math" panose="02040503050406030204" pitchFamily="18" charset="0"/>
                                 </a:rPr>
                                 <m:t>𝑎𝑥</m:t>
@@ -20294,14 +23034,14 @@
                           <m:sSup>
                             <m:sSupPr>
                               <m:ctrlPr>
-                                <a:rPr lang="hr-HR" sz="2400" b="0" i="1" dirty="0" smtClean="0">
+                                <a:rPr lang="hr-HR" sz="2000" b="0" i="1" dirty="0" smtClean="0">
                                   <a:latin typeface="Cambria Math" panose="02040503050406030204" pitchFamily="18" charset="0"/>
                                 </a:rPr>
                               </m:ctrlPr>
                             </m:sSupPr>
                             <m:e>
                               <m:r>
-                                <a:rPr lang="hr-HR" sz="2400" b="0" i="1" dirty="0" smtClean="0">
+                                <a:rPr lang="hr-HR" sz="2000" b="0" i="1" dirty="0" smtClean="0">
                                   <a:latin typeface="Cambria Math" panose="02040503050406030204" pitchFamily="18" charset="0"/>
                                 </a:rPr>
                                 <m:t>𝑥</m:t>
@@ -20309,19 +23049,19 @@
                             </m:e>
                             <m:sup>
                               <m:r>
-                                <a:rPr lang="hr-HR" sz="2400" b="0" i="1" dirty="0" smtClean="0">
+                                <a:rPr lang="hr-HR" sz="2000" b="0" i="1" dirty="0" smtClean="0">
                                   <a:latin typeface="Cambria Math" panose="02040503050406030204" pitchFamily="18" charset="0"/>
                                 </a:rPr>
                                 <m:t>&lt;</m:t>
                               </m:r>
                               <m:r>
-                                <a:rPr lang="hr-HR" sz="2400" b="0" i="1" dirty="0" smtClean="0">
+                                <a:rPr lang="hr-HR" sz="2000" b="0" i="1" dirty="0" smtClean="0">
                                   <a:latin typeface="Cambria Math" panose="02040503050406030204" pitchFamily="18" charset="0"/>
                                 </a:rPr>
                                 <m:t>𝑡</m:t>
                               </m:r>
                               <m:r>
-                                <a:rPr lang="hr-HR" sz="2400" b="0" i="1" dirty="0" smtClean="0">
+                                <a:rPr lang="hr-HR" sz="2000" b="0" i="1" dirty="0" smtClean="0">
                                   <a:latin typeface="Cambria Math" panose="02040503050406030204" pitchFamily="18" charset="0"/>
                                 </a:rPr>
                                 <m:t>&gt;</m:t>
@@ -20329,7 +23069,7 @@
                             </m:sup>
                           </m:sSup>
                           <m:r>
-                            <a:rPr lang="hr-HR" sz="2400" b="0" i="1" dirty="0" smtClean="0">
+                            <a:rPr lang="hr-HR" sz="2000" b="0" i="1" dirty="0" smtClean="0">
                               <a:latin typeface="Cambria Math" panose="02040503050406030204" pitchFamily="18" charset="0"/>
                             </a:rPr>
                             <m:t>+</m:t>
@@ -20337,14 +23077,14 @@
                           <m:sSub>
                             <m:sSubPr>
                               <m:ctrlPr>
-                                <a:rPr lang="hr-HR" sz="2400" b="0" i="1" dirty="0" smtClean="0">
+                                <a:rPr lang="hr-HR" sz="2000" b="0" i="1" dirty="0" smtClean="0">
                                   <a:latin typeface="Cambria Math" panose="02040503050406030204" pitchFamily="18" charset="0"/>
                                 </a:rPr>
                               </m:ctrlPr>
                             </m:sSubPr>
                             <m:e>
                               <m:r>
-                                <a:rPr lang="hr-HR" sz="2400" b="0" i="1" dirty="0" smtClean="0">
+                                <a:rPr lang="hr-HR" sz="2000" b="0" i="1" dirty="0" smtClean="0">
                                   <a:latin typeface="Cambria Math" panose="02040503050406030204" pitchFamily="18" charset="0"/>
                                 </a:rPr>
                                 <m:t>𝑏</m:t>
@@ -20352,7 +23092,7 @@
                             </m:e>
                             <m:sub>
                               <m:r>
-                                <a:rPr lang="hr-HR" sz="2400" b="0" i="1" dirty="0" smtClean="0">
+                                <a:rPr lang="hr-HR" sz="2000" b="0" i="1" dirty="0" smtClean="0">
                                   <a:latin typeface="Cambria Math" panose="02040503050406030204" pitchFamily="18" charset="0"/>
                                 </a:rPr>
                                 <m:t>𝑎</m:t>
@@ -20364,7 +23104,7 @@
                     </m:oMath>
                   </m:oMathPara>
                 </a14:m>
-                <a:endParaRPr lang="en-HR" sz="2400" dirty="0"/>
+                <a:endParaRPr lang="en-HR" sz="2000" dirty="0"/>
               </a:p>
             </p:txBody>
           </p:sp>
@@ -20386,8 +23126,8 @@
             </p:nvSpPr>
             <p:spPr>
               <a:xfrm>
-                <a:off x="323528" y="908720"/>
-                <a:ext cx="5371792" cy="461665"/>
+                <a:off x="179512" y="1186604"/>
+                <a:ext cx="4508670" cy="400110"/>
               </a:xfrm>
               <a:prstGeom prst="rect">
                 <a:avLst/>
@@ -20395,7 +23135,7 @@
               <a:blipFill>
                 <a:blip r:embed="rId3"/>
                 <a:stretch>
-                  <a:fillRect b="-7895"/>
+                  <a:fillRect b="-9375"/>
                 </a:stretch>
               </a:blipFill>
             </p:spPr>
@@ -20430,8 +23170,8 @@
             </p:nvSpPr>
             <p:spPr>
               <a:xfrm>
-                <a:off x="323528" y="1481731"/>
-                <a:ext cx="3595280" cy="517257"/>
+                <a:off x="179512" y="2190508"/>
+                <a:ext cx="3028778" cy="446404"/>
               </a:xfrm>
               <a:prstGeom prst="rect">
                 <a:avLst/>
@@ -20444,6 +23184,7 @@
               </a:bodyPr>
               <a:lstStyle/>
               <a:p>
+                <a:pPr/>
                 <a14:m>
                   <m:oMathPara xmlns:m="http://schemas.openxmlformats.org/officeDocument/2006/math">
                     <m:oMathParaPr>
@@ -20453,14 +23194,14 @@
                       <m:sSup>
                         <m:sSupPr>
                           <m:ctrlPr>
-                            <a:rPr lang="en-HR" sz="2400" i="1" dirty="0" smtClean="0">
+                            <a:rPr lang="en-HR" sz="2000" i="1" dirty="0" smtClean="0">
                               <a:latin typeface="Cambria Math" panose="02040503050406030204" pitchFamily="18" charset="0"/>
                             </a:rPr>
                           </m:ctrlPr>
                         </m:sSupPr>
                         <m:e>
                           <m:r>
-                            <a:rPr lang="hr-HR" sz="2400" b="0" i="1" dirty="0" smtClean="0">
+                            <a:rPr lang="hr-HR" sz="2000" b="0" i="1" dirty="0" smtClean="0">
                               <a:latin typeface="Cambria Math" panose="02040503050406030204" pitchFamily="18" charset="0"/>
                             </a:rPr>
                             <m:t>𝑦</m:t>
@@ -20468,19 +23209,19 @@
                         </m:e>
                         <m:sup>
                           <m:r>
-                            <a:rPr lang="hr-HR" sz="2400" b="0" i="1" dirty="0" smtClean="0">
+                            <a:rPr lang="hr-HR" sz="2000" b="0" i="1" dirty="0" smtClean="0">
                               <a:latin typeface="Cambria Math" panose="02040503050406030204" pitchFamily="18" charset="0"/>
                             </a:rPr>
                             <m:t>&lt;</m:t>
                           </m:r>
                           <m:r>
-                            <a:rPr lang="hr-HR" sz="2400" b="0" i="1" dirty="0" smtClean="0">
+                            <a:rPr lang="hr-HR" sz="2000" b="0" i="1" dirty="0" smtClean="0">
                               <a:latin typeface="Cambria Math" panose="02040503050406030204" pitchFamily="18" charset="0"/>
                             </a:rPr>
                             <m:t>𝑡</m:t>
                           </m:r>
                           <m:r>
-                            <a:rPr lang="hr-HR" sz="2400" b="0" i="1" dirty="0" smtClean="0">
+                            <a:rPr lang="hr-HR" sz="2000" b="0" i="1" dirty="0" smtClean="0">
                               <a:latin typeface="Cambria Math" panose="02040503050406030204" pitchFamily="18" charset="0"/>
                             </a:rPr>
                             <m:t>&gt;</m:t>
@@ -20488,13 +23229,13 @@
                         </m:sup>
                       </m:sSup>
                       <m:r>
-                        <a:rPr lang="hr-HR" sz="2400" b="0" i="1" dirty="0" smtClean="0">
+                        <a:rPr lang="hr-HR" sz="2000" b="0" i="1" dirty="0" smtClean="0">
                           <a:latin typeface="Cambria Math" panose="02040503050406030204" pitchFamily="18" charset="0"/>
                         </a:rPr>
                         <m:t>=</m:t>
                       </m:r>
                       <m:r>
-                        <a:rPr lang="hr-HR" sz="2400" b="0" i="1" dirty="0" smtClean="0">
+                        <a:rPr lang="hr-HR" sz="2000" b="0" i="1" dirty="0" smtClean="0">
                           <a:latin typeface="Cambria Math" panose="02040503050406030204" pitchFamily="18" charset="0"/>
                         </a:rPr>
                         <m:t>𝑔</m:t>
@@ -20502,7 +23243,7 @@
                       <m:d>
                         <m:dPr>
                           <m:ctrlPr>
-                            <a:rPr lang="hr-HR" sz="2400" b="0" i="1" dirty="0" smtClean="0">
+                            <a:rPr lang="hr-HR" sz="2000" b="0" i="1" dirty="0" smtClean="0">
                               <a:latin typeface="Cambria Math" panose="02040503050406030204" pitchFamily="18" charset="0"/>
                             </a:rPr>
                           </m:ctrlPr>
@@ -20511,14 +23252,14 @@
                           <m:sSub>
                             <m:sSubPr>
                               <m:ctrlPr>
-                                <a:rPr lang="hr-HR" sz="2400" b="0" i="1" dirty="0" smtClean="0">
+                                <a:rPr lang="hr-HR" sz="2000" b="0" i="1" dirty="0" smtClean="0">
                                   <a:latin typeface="Cambria Math" panose="02040503050406030204" pitchFamily="18" charset="0"/>
                                 </a:rPr>
                               </m:ctrlPr>
                             </m:sSubPr>
                             <m:e>
                               <m:r>
-                                <a:rPr lang="hr-HR" sz="2400" b="0" i="1" dirty="0" smtClean="0">
+                                <a:rPr lang="hr-HR" sz="2000" b="0" i="1" dirty="0" smtClean="0">
                                   <a:latin typeface="Cambria Math" panose="02040503050406030204" pitchFamily="18" charset="0"/>
                                 </a:rPr>
                                 <m:t>𝑊</m:t>
@@ -20526,7 +23267,7 @@
                             </m:e>
                             <m:sub>
                               <m:r>
-                                <a:rPr lang="hr-HR" sz="2400" b="0" i="1" dirty="0" smtClean="0">
+                                <a:rPr lang="hr-HR" sz="2000" b="0" i="1" dirty="0" smtClean="0">
                                   <a:latin typeface="Cambria Math" panose="02040503050406030204" pitchFamily="18" charset="0"/>
                                 </a:rPr>
                                 <m:t>𝑦𝑎</m:t>
@@ -20536,14 +23277,14 @@
                           <m:sSup>
                             <m:sSupPr>
                               <m:ctrlPr>
-                                <a:rPr lang="hr-HR" sz="2400" b="0" i="1" dirty="0" smtClean="0">
+                                <a:rPr lang="hr-HR" sz="2000" b="0" i="1" dirty="0" smtClean="0">
                                   <a:latin typeface="Cambria Math" panose="02040503050406030204" pitchFamily="18" charset="0"/>
                                 </a:rPr>
                               </m:ctrlPr>
                             </m:sSupPr>
                             <m:e>
                               <m:r>
-                                <a:rPr lang="hr-HR" sz="2400" b="0" i="1" dirty="0" smtClean="0">
+                                <a:rPr lang="hr-HR" sz="2000" b="0" i="1" dirty="0" smtClean="0">
                                   <a:latin typeface="Cambria Math" panose="02040503050406030204" pitchFamily="18" charset="0"/>
                                 </a:rPr>
                                 <m:t>𝑎</m:t>
@@ -20551,19 +23292,19 @@
                             </m:e>
                             <m:sup>
                               <m:r>
-                                <a:rPr lang="hr-HR" sz="2400" b="0" i="1" dirty="0" smtClean="0">
+                                <a:rPr lang="hr-HR" sz="2000" b="0" i="1" dirty="0" smtClean="0">
                                   <a:latin typeface="Cambria Math" panose="02040503050406030204" pitchFamily="18" charset="0"/>
                                 </a:rPr>
                                 <m:t>&lt;</m:t>
                               </m:r>
                               <m:r>
-                                <a:rPr lang="hr-HR" sz="2400" b="0" i="1" dirty="0" smtClean="0">
+                                <a:rPr lang="hr-HR" sz="2000" b="0" i="1" dirty="0" smtClean="0">
                                   <a:latin typeface="Cambria Math" panose="02040503050406030204" pitchFamily="18" charset="0"/>
                                 </a:rPr>
                                 <m:t>𝑡</m:t>
                               </m:r>
                               <m:r>
-                                <a:rPr lang="hr-HR" sz="2400" b="0" i="1" dirty="0" smtClean="0">
+                                <a:rPr lang="hr-HR" sz="2000" b="0" i="1" dirty="0" smtClean="0">
                                   <a:latin typeface="Cambria Math" panose="02040503050406030204" pitchFamily="18" charset="0"/>
                                 </a:rPr>
                                 <m:t>&gt;</m:t>
@@ -20571,7 +23312,7 @@
                             </m:sup>
                           </m:sSup>
                           <m:r>
-                            <a:rPr lang="hr-HR" sz="2400" b="0" i="1" dirty="0" smtClean="0">
+                            <a:rPr lang="hr-HR" sz="2000" b="0" i="1" dirty="0" smtClean="0">
                               <a:latin typeface="Cambria Math" panose="02040503050406030204" pitchFamily="18" charset="0"/>
                             </a:rPr>
                             <m:t>+</m:t>
@@ -20579,14 +23320,14 @@
                           <m:sSub>
                             <m:sSubPr>
                               <m:ctrlPr>
-                                <a:rPr lang="hr-HR" sz="2400" b="0" i="1" dirty="0" smtClean="0">
+                                <a:rPr lang="hr-HR" sz="2000" b="0" i="1" dirty="0" smtClean="0">
                                   <a:latin typeface="Cambria Math" panose="02040503050406030204" pitchFamily="18" charset="0"/>
                                 </a:rPr>
                               </m:ctrlPr>
                             </m:sSubPr>
                             <m:e>
                               <m:r>
-                                <a:rPr lang="hr-HR" sz="2400" b="0" i="1" dirty="0" smtClean="0">
+                                <a:rPr lang="hr-HR" sz="2000" b="0" i="1" dirty="0" smtClean="0">
                                   <a:latin typeface="Cambria Math" panose="02040503050406030204" pitchFamily="18" charset="0"/>
                                 </a:rPr>
                                 <m:t>𝑏</m:t>
@@ -20594,10 +23335,10 @@
                             </m:e>
                             <m:sub>
                               <m:r>
-                                <a:rPr lang="hr-HR" sz="2400" b="0" i="1" dirty="0" smtClean="0">
+                                <a:rPr lang="hr-HR" sz="2000" b="0" i="1" dirty="0" smtClean="0">
                                   <a:latin typeface="Cambria Math" panose="02040503050406030204" pitchFamily="18" charset="0"/>
                                 </a:rPr>
-                                <m:t>𝑎</m:t>
+                                <m:t>𝑦</m:t>
                               </m:r>
                             </m:sub>
                           </m:sSub>
@@ -20606,7 +23347,7 @@
                     </m:oMath>
                   </m:oMathPara>
                 </a14:m>
-                <a:endParaRPr lang="en-HR" sz="2400" dirty="0"/>
+                <a:endParaRPr lang="en-HR" sz="2000" dirty="0"/>
               </a:p>
             </p:txBody>
           </p:sp>
@@ -20628,8 +23369,8 @@
             </p:nvSpPr>
             <p:spPr>
               <a:xfrm>
-                <a:off x="323528" y="1481731"/>
-                <a:ext cx="3595280" cy="517257"/>
+                <a:off x="179512" y="2190508"/>
+                <a:ext cx="3028778" cy="446404"/>
               </a:xfrm>
               <a:prstGeom prst="rect">
                 <a:avLst/>
@@ -20637,7 +23378,7 @@
               <a:blipFill>
                 <a:blip r:embed="rId4"/>
                 <a:stretch>
-                  <a:fillRect b="-4762"/>
+                  <a:fillRect b="-5556"/>
                 </a:stretch>
               </a:blipFill>
             </p:spPr>
@@ -20654,6 +23395,312 @@
               </a:p>
             </p:txBody>
           </p:sp>
+        </mc:Fallback>
+      </mc:AlternateContent>
+      <mc:AlternateContent xmlns:mc="http://schemas.openxmlformats.org/markup-compatibility/2006">
+        <mc:Choice xmlns:p14="http://schemas.microsoft.com/office/powerpoint/2010/main" Requires="p14">
+          <p:contentPart p14:bwMode="auto" r:id="rId5">
+            <p14:nvContentPartPr>
+              <p14:cNvPr id="5" name="Ink 4">
+                <a:extLst>
+                  <a:ext uri="{FF2B5EF4-FFF2-40B4-BE49-F238E27FC236}">
+                    <a16:creationId xmlns:a16="http://schemas.microsoft.com/office/drawing/2014/main" id="{2797AFBD-A002-835C-9E31-9139152FCE4F}"/>
+                  </a:ext>
+                </a:extLst>
+              </p14:cNvPr>
+              <p14:cNvContentPartPr/>
+              <p14:nvPr/>
+            </p14:nvContentPartPr>
+            <p14:xfrm>
+              <a:off x="1499760" y="968760"/>
+              <a:ext cx="7293960" cy="699120"/>
+            </p14:xfrm>
+          </p:contentPart>
+        </mc:Choice>
+        <mc:Fallback>
+          <p:pic>
+            <p:nvPicPr>
+              <p:cNvPr id="5" name="Ink 4">
+                <a:extLst>
+                  <a:ext uri="{FF2B5EF4-FFF2-40B4-BE49-F238E27FC236}">
+                    <a16:creationId xmlns:a16="http://schemas.microsoft.com/office/drawing/2014/main" id="{2797AFBD-A002-835C-9E31-9139152FCE4F}"/>
+                  </a:ext>
+                </a:extLst>
+              </p:cNvPr>
+              <p:cNvPicPr/>
+              <p:nvPr/>
+            </p:nvPicPr>
+            <p:blipFill>
+              <a:blip r:embed="rId6"/>
+              <a:stretch>
+                <a:fillRect/>
+              </a:stretch>
+            </p:blipFill>
+            <p:spPr>
+              <a:xfrm>
+                <a:off x="1490400" y="959400"/>
+                <a:ext cx="7312680" cy="717840"/>
+              </a:xfrm>
+              <a:prstGeom prst="rect">
+                <a:avLst/>
+              </a:prstGeom>
+            </p:spPr>
+          </p:pic>
+        </mc:Fallback>
+      </mc:AlternateContent>
+      <mc:AlternateContent xmlns:mc="http://schemas.openxmlformats.org/markup-compatibility/2006">
+        <mc:Choice xmlns:p14="http://schemas.microsoft.com/office/powerpoint/2010/main" Requires="p14">
+          <p:contentPart p14:bwMode="auto" r:id="rId7">
+            <p14:nvContentPartPr>
+              <p14:cNvPr id="6" name="Ink 5">
+                <a:extLst>
+                  <a:ext uri="{FF2B5EF4-FFF2-40B4-BE49-F238E27FC236}">
+                    <a16:creationId xmlns:a16="http://schemas.microsoft.com/office/drawing/2014/main" id="{18DAA321-5494-572A-D119-5D4825BC2995}"/>
+                  </a:ext>
+                </a:extLst>
+              </p14:cNvPr>
+              <p14:cNvContentPartPr/>
+              <p14:nvPr/>
+            </p14:nvContentPartPr>
+            <p14:xfrm>
+              <a:off x="1422720" y="1182240"/>
+              <a:ext cx="5956200" cy="1163160"/>
+            </p14:xfrm>
+          </p:contentPart>
+        </mc:Choice>
+        <mc:Fallback>
+          <p:pic>
+            <p:nvPicPr>
+              <p:cNvPr id="6" name="Ink 5">
+                <a:extLst>
+                  <a:ext uri="{FF2B5EF4-FFF2-40B4-BE49-F238E27FC236}">
+                    <a16:creationId xmlns:a16="http://schemas.microsoft.com/office/drawing/2014/main" id="{18DAA321-5494-572A-D119-5D4825BC2995}"/>
+                  </a:ext>
+                </a:extLst>
+              </p:cNvPr>
+              <p:cNvPicPr/>
+              <p:nvPr/>
+            </p:nvPicPr>
+            <p:blipFill>
+              <a:blip r:embed="rId8"/>
+              <a:stretch>
+                <a:fillRect/>
+              </a:stretch>
+            </p:blipFill>
+            <p:spPr>
+              <a:xfrm>
+                <a:off x="1413360" y="1172880"/>
+                <a:ext cx="5974920" cy="1181880"/>
+              </a:xfrm>
+              <a:prstGeom prst="rect">
+                <a:avLst/>
+              </a:prstGeom>
+            </p:spPr>
+          </p:pic>
+        </mc:Fallback>
+      </mc:AlternateContent>
+      <mc:AlternateContent xmlns:mc="http://schemas.openxmlformats.org/markup-compatibility/2006">
+        <mc:Choice xmlns:p14="http://schemas.microsoft.com/office/powerpoint/2010/main" Requires="p14">
+          <p:contentPart p14:bwMode="auto" r:id="rId9">
+            <p14:nvContentPartPr>
+              <p14:cNvPr id="7" name="Ink 6">
+                <a:extLst>
+                  <a:ext uri="{FF2B5EF4-FFF2-40B4-BE49-F238E27FC236}">
+                    <a16:creationId xmlns:a16="http://schemas.microsoft.com/office/drawing/2014/main" id="{28FC47E9-807F-D550-2DDE-D350D7D9CA03}"/>
+                  </a:ext>
+                </a:extLst>
+              </p14:cNvPr>
+              <p14:cNvContentPartPr/>
+              <p14:nvPr/>
+            </p14:nvContentPartPr>
+            <p14:xfrm>
+              <a:off x="1302480" y="1601280"/>
+              <a:ext cx="6621840" cy="1076760"/>
+            </p14:xfrm>
+          </p:contentPart>
+        </mc:Choice>
+        <mc:Fallback>
+          <p:pic>
+            <p:nvPicPr>
+              <p:cNvPr id="7" name="Ink 6">
+                <a:extLst>
+                  <a:ext uri="{FF2B5EF4-FFF2-40B4-BE49-F238E27FC236}">
+                    <a16:creationId xmlns:a16="http://schemas.microsoft.com/office/drawing/2014/main" id="{28FC47E9-807F-D550-2DDE-D350D7D9CA03}"/>
+                  </a:ext>
+                </a:extLst>
+              </p:cNvPr>
+              <p:cNvPicPr/>
+              <p:nvPr/>
+            </p:nvPicPr>
+            <p:blipFill>
+              <a:blip r:embed="rId10"/>
+              <a:stretch>
+                <a:fillRect/>
+              </a:stretch>
+            </p:blipFill>
+            <p:spPr>
+              <a:xfrm>
+                <a:off x="1293120" y="1591920"/>
+                <a:ext cx="6640560" cy="1095480"/>
+              </a:xfrm>
+              <a:prstGeom prst="rect">
+                <a:avLst/>
+              </a:prstGeom>
+            </p:spPr>
+          </p:pic>
+        </mc:Fallback>
+      </mc:AlternateContent>
+      <mc:AlternateContent xmlns:mc="http://schemas.openxmlformats.org/markup-compatibility/2006">
+        <mc:Choice xmlns:p14="http://schemas.microsoft.com/office/powerpoint/2010/main" Requires="p14">
+          <p:contentPart p14:bwMode="auto" r:id="rId11">
+            <p14:nvContentPartPr>
+              <p14:cNvPr id="8" name="Ink 7">
+                <a:extLst>
+                  <a:ext uri="{FF2B5EF4-FFF2-40B4-BE49-F238E27FC236}">
+                    <a16:creationId xmlns:a16="http://schemas.microsoft.com/office/drawing/2014/main" id="{506B74E3-6351-51A8-F454-F09883208DF2}"/>
+                  </a:ext>
+                </a:extLst>
+              </p14:cNvPr>
+              <p14:cNvContentPartPr/>
+              <p14:nvPr/>
+            </p14:nvContentPartPr>
+            <p14:xfrm>
+              <a:off x="4483080" y="2846160"/>
+              <a:ext cx="4077360" cy="990000"/>
+            </p14:xfrm>
+          </p:contentPart>
+        </mc:Choice>
+        <mc:Fallback>
+          <p:pic>
+            <p:nvPicPr>
+              <p:cNvPr id="8" name="Ink 7">
+                <a:extLst>
+                  <a:ext uri="{FF2B5EF4-FFF2-40B4-BE49-F238E27FC236}">
+                    <a16:creationId xmlns:a16="http://schemas.microsoft.com/office/drawing/2014/main" id="{506B74E3-6351-51A8-F454-F09883208DF2}"/>
+                  </a:ext>
+                </a:extLst>
+              </p:cNvPr>
+              <p:cNvPicPr/>
+              <p:nvPr/>
+            </p:nvPicPr>
+            <p:blipFill>
+              <a:blip r:embed="rId12"/>
+              <a:stretch>
+                <a:fillRect/>
+              </a:stretch>
+            </p:blipFill>
+            <p:spPr>
+              <a:xfrm>
+                <a:off x="4473720" y="2836800"/>
+                <a:ext cx="4096080" cy="1008720"/>
+              </a:xfrm>
+              <a:prstGeom prst="rect">
+                <a:avLst/>
+              </a:prstGeom>
+            </p:spPr>
+          </p:pic>
+        </mc:Fallback>
+      </mc:AlternateContent>
+      <mc:AlternateContent xmlns:mc="http://schemas.openxmlformats.org/markup-compatibility/2006">
+        <mc:Choice xmlns:p14="http://schemas.microsoft.com/office/powerpoint/2010/main" Requires="p14">
+          <p:contentPart p14:bwMode="auto" r:id="rId13">
+            <p14:nvContentPartPr>
+              <p14:cNvPr id="9" name="Ink 8">
+                <a:extLst>
+                  <a:ext uri="{FF2B5EF4-FFF2-40B4-BE49-F238E27FC236}">
+                    <a16:creationId xmlns:a16="http://schemas.microsoft.com/office/drawing/2014/main" id="{A30E893F-C3BB-5BEB-187B-FFFAEEC13895}"/>
+                  </a:ext>
+                </a:extLst>
+              </p14:cNvPr>
+              <p14:cNvContentPartPr/>
+              <p14:nvPr/>
+            </p14:nvContentPartPr>
+            <p14:xfrm>
+              <a:off x="1371240" y="906120"/>
+              <a:ext cx="7671960" cy="4254480"/>
+            </p14:xfrm>
+          </p:contentPart>
+        </mc:Choice>
+        <mc:Fallback>
+          <p:pic>
+            <p:nvPicPr>
+              <p:cNvPr id="9" name="Ink 8">
+                <a:extLst>
+                  <a:ext uri="{FF2B5EF4-FFF2-40B4-BE49-F238E27FC236}">
+                    <a16:creationId xmlns:a16="http://schemas.microsoft.com/office/drawing/2014/main" id="{A30E893F-C3BB-5BEB-187B-FFFAEEC13895}"/>
+                  </a:ext>
+                </a:extLst>
+              </p:cNvPr>
+              <p:cNvPicPr/>
+              <p:nvPr/>
+            </p:nvPicPr>
+            <p:blipFill>
+              <a:blip r:embed="rId14"/>
+              <a:stretch>
+                <a:fillRect/>
+              </a:stretch>
+            </p:blipFill>
+            <p:spPr>
+              <a:xfrm>
+                <a:off x="1361880" y="896760"/>
+                <a:ext cx="7690680" cy="4273200"/>
+              </a:xfrm>
+              <a:prstGeom prst="rect">
+                <a:avLst/>
+              </a:prstGeom>
+            </p:spPr>
+          </p:pic>
+        </mc:Fallback>
+      </mc:AlternateContent>
+      <mc:AlternateContent xmlns:mc="http://schemas.openxmlformats.org/markup-compatibility/2006">
+        <mc:Choice xmlns:p14="http://schemas.microsoft.com/office/powerpoint/2010/main" Requires="p14">
+          <p:contentPart p14:bwMode="auto" r:id="rId15">
+            <p14:nvContentPartPr>
+              <p14:cNvPr id="10" name="Ink 9">
+                <a:extLst>
+                  <a:ext uri="{FF2B5EF4-FFF2-40B4-BE49-F238E27FC236}">
+                    <a16:creationId xmlns:a16="http://schemas.microsoft.com/office/drawing/2014/main" id="{12BFDF3B-59B9-87BC-930A-76509C5D184A}"/>
+                  </a:ext>
+                </a:extLst>
+              </p14:cNvPr>
+              <p14:cNvContentPartPr/>
+              <p14:nvPr/>
+            </p14:nvContentPartPr>
+            <p14:xfrm>
+              <a:off x="141840" y="2580480"/>
+              <a:ext cx="3082680" cy="1313640"/>
+            </p14:xfrm>
+          </p:contentPart>
+        </mc:Choice>
+        <mc:Fallback>
+          <p:pic>
+            <p:nvPicPr>
+              <p:cNvPr id="10" name="Ink 9">
+                <a:extLst>
+                  <a:ext uri="{FF2B5EF4-FFF2-40B4-BE49-F238E27FC236}">
+                    <a16:creationId xmlns:a16="http://schemas.microsoft.com/office/drawing/2014/main" id="{12BFDF3B-59B9-87BC-930A-76509C5D184A}"/>
+                  </a:ext>
+                </a:extLst>
+              </p:cNvPr>
+              <p:cNvPicPr/>
+              <p:nvPr/>
+            </p:nvPicPr>
+            <p:blipFill>
+              <a:blip r:embed="rId16"/>
+              <a:stretch>
+                <a:fillRect/>
+              </a:stretch>
+            </p:blipFill>
+            <p:spPr>
+              <a:xfrm>
+                <a:off x="132480" y="2571120"/>
+                <a:ext cx="3101400" cy="1332360"/>
+              </a:xfrm>
+              <a:prstGeom prst="rect">
+                <a:avLst/>
+              </a:prstGeom>
+            </p:spPr>
+          </p:pic>
         </mc:Fallback>
       </mc:AlternateContent>
     </p:spTree>
@@ -20722,7 +23769,7 @@
         </p:nvGrpSpPr>
         <p:grpSpPr>
           <a:xfrm>
-            <a:off x="1331640" y="1356495"/>
+            <a:off x="1835696" y="2076575"/>
             <a:ext cx="461667" cy="1656184"/>
             <a:chOff x="2958205" y="1340768"/>
             <a:chExt cx="461667" cy="1656184"/>
@@ -21005,7 +24052,7 @@
             </p:nvSpPr>
             <p:spPr>
               <a:xfrm>
-                <a:off x="1249518" y="3419708"/>
+                <a:off x="1753574" y="4139788"/>
                 <a:ext cx="625910" cy="369332"/>
               </a:xfrm>
               <a:prstGeom prst="rect">
@@ -21076,7 +24123,7 @@
             </p:nvSpPr>
             <p:spPr>
               <a:xfrm>
-                <a:off x="1249518" y="3419708"/>
+                <a:off x="1753574" y="4139788"/>
                 <a:ext cx="625910" cy="369332"/>
               </a:xfrm>
               <a:prstGeom prst="rect">
@@ -21120,7 +24167,7 @@
             </p:nvSpPr>
             <p:spPr>
               <a:xfrm>
-                <a:off x="1249518" y="670991"/>
+                <a:off x="1753574" y="1391071"/>
                 <a:ext cx="625910" cy="369332"/>
               </a:xfrm>
               <a:prstGeom prst="rect">
@@ -21203,7 +24250,7 @@
             </p:nvSpPr>
             <p:spPr>
               <a:xfrm>
-                <a:off x="1249518" y="670991"/>
+                <a:off x="1753574" y="1391071"/>
                 <a:ext cx="625910" cy="369332"/>
               </a:xfrm>
               <a:prstGeom prst="rect">
@@ -21212,7 +24259,7 @@
               <a:blipFill>
                 <a:blip r:embed="rId4"/>
                 <a:stretch>
-                  <a:fillRect b="-3226"/>
+                  <a:fillRect b="-6667"/>
                 </a:stretch>
               </a:blipFill>
             </p:spPr>
@@ -21247,7 +24294,7 @@
         </p:nvCxnSpPr>
         <p:spPr>
           <a:xfrm flipH="1" flipV="1">
-            <a:off x="1562473" y="968315"/>
+            <a:off x="2066529" y="1688395"/>
             <a:ext cx="1" cy="316172"/>
           </a:xfrm>
           <a:prstGeom prst="straightConnector1">
@@ -21291,7 +24338,7 @@
         </p:nvCxnSpPr>
         <p:spPr>
           <a:xfrm flipH="1" flipV="1">
-            <a:off x="1563301" y="3058107"/>
+            <a:off x="2067357" y="3778187"/>
             <a:ext cx="1" cy="316172"/>
           </a:xfrm>
           <a:prstGeom prst="straightConnector1">
@@ -21335,7 +24382,7 @@
             </p:nvSpPr>
             <p:spPr>
               <a:xfrm>
-                <a:off x="251520" y="2005834"/>
+                <a:off x="755576" y="2725914"/>
                 <a:ext cx="625910" cy="369332"/>
               </a:xfrm>
               <a:prstGeom prst="rect">
@@ -21377,19 +24424,7 @@
                             <a:rPr lang="hr-HR" sz="1800" b="0" i="1" smtClean="0">
                               <a:latin typeface="Cambria Math" panose="02040503050406030204" pitchFamily="18" charset="0"/>
                             </a:rPr>
-                            <m:t>&lt;</m:t>
-                          </m:r>
-                          <m:r>
-                            <a:rPr lang="hr-HR" sz="1800" b="0" i="1" smtClean="0">
-                              <a:latin typeface="Cambria Math" panose="02040503050406030204" pitchFamily="18" charset="0"/>
-                            </a:rPr>
-                            <m:t>0</m:t>
-                          </m:r>
-                          <m:r>
-                            <a:rPr lang="hr-HR" sz="1800" b="0" i="1" smtClean="0">
-                              <a:latin typeface="Cambria Math" panose="02040503050406030204" pitchFamily="18" charset="0"/>
-                            </a:rPr>
-                            <m:t>&gt;</m:t>
+                            <m:t>&lt;0&gt;</m:t>
                           </m:r>
                         </m:sup>
                       </m:sSup>
@@ -21418,7 +24453,7 @@
             </p:nvSpPr>
             <p:spPr>
               <a:xfrm>
-                <a:off x="251520" y="2005834"/>
+                <a:off x="755576" y="2725914"/>
                 <a:ext cx="625910" cy="369332"/>
               </a:xfrm>
               <a:prstGeom prst="rect">
@@ -21462,7 +24497,7 @@
         </p:nvCxnSpPr>
         <p:spPr>
           <a:xfrm>
-            <a:off x="889479" y="2135811"/>
+            <a:off x="1393535" y="2855891"/>
             <a:ext cx="360039" cy="0"/>
           </a:xfrm>
           <a:prstGeom prst="straightConnector1">
@@ -21504,7 +24539,7 @@
         </p:nvGrpSpPr>
         <p:grpSpPr>
           <a:xfrm>
-            <a:off x="2384170" y="1356495"/>
+            <a:off x="2888226" y="2076575"/>
             <a:ext cx="461667" cy="1656184"/>
             <a:chOff x="2958205" y="1340768"/>
             <a:chExt cx="461667" cy="1656184"/>
@@ -21787,7 +24822,7 @@
             </p:nvSpPr>
             <p:spPr>
               <a:xfrm>
-                <a:off x="2302048" y="3419708"/>
+                <a:off x="2806104" y="4139788"/>
                 <a:ext cx="625910" cy="369332"/>
               </a:xfrm>
               <a:prstGeom prst="rect">
@@ -21829,19 +24864,7 @@
                             <a:rPr lang="hr-HR" sz="1800" b="0" i="1" smtClean="0">
                               <a:latin typeface="Cambria Math" panose="02040503050406030204" pitchFamily="18" charset="0"/>
                             </a:rPr>
-                            <m:t>&lt;</m:t>
-                          </m:r>
-                          <m:r>
-                            <a:rPr lang="hr-HR" sz="1800" b="0" i="1" smtClean="0">
-                              <a:latin typeface="Cambria Math" panose="02040503050406030204" pitchFamily="18" charset="0"/>
-                            </a:rPr>
-                            <m:t>2</m:t>
-                          </m:r>
-                          <m:r>
-                            <a:rPr lang="hr-HR" sz="1800" b="0" i="1" smtClean="0">
-                              <a:latin typeface="Cambria Math" panose="02040503050406030204" pitchFamily="18" charset="0"/>
-                            </a:rPr>
-                            <m:t>&gt;</m:t>
+                            <m:t>&lt;2&gt;</m:t>
                           </m:r>
                         </m:sup>
                       </m:sSup>
@@ -21870,7 +24893,7 @@
             </p:nvSpPr>
             <p:spPr>
               <a:xfrm>
-                <a:off x="2302048" y="3419708"/>
+                <a:off x="2806104" y="4139788"/>
                 <a:ext cx="625910" cy="369332"/>
               </a:xfrm>
               <a:prstGeom prst="rect">
@@ -21914,7 +24937,7 @@
             </p:nvSpPr>
             <p:spPr>
               <a:xfrm>
-                <a:off x="2302048" y="670991"/>
+                <a:off x="2806104" y="1391071"/>
                 <a:ext cx="625910" cy="369332"/>
               </a:xfrm>
               <a:prstGeom prst="rect">
@@ -22009,7 +25032,7 @@
             </p:nvSpPr>
             <p:spPr>
               <a:xfrm>
-                <a:off x="2302048" y="670991"/>
+                <a:off x="2806104" y="1391071"/>
                 <a:ext cx="625910" cy="369332"/>
               </a:xfrm>
               <a:prstGeom prst="rect">
@@ -22018,7 +25041,7 @@
               <a:blipFill>
                 <a:blip r:embed="rId7"/>
                 <a:stretch>
-                  <a:fillRect b="-3226"/>
+                  <a:fillRect b="-6667"/>
                 </a:stretch>
               </a:blipFill>
             </p:spPr>
@@ -22053,7 +25076,7 @@
         </p:nvCxnSpPr>
         <p:spPr>
           <a:xfrm flipH="1" flipV="1">
-            <a:off x="2615003" y="968315"/>
+            <a:off x="3119059" y="1688395"/>
             <a:ext cx="1" cy="316172"/>
           </a:xfrm>
           <a:prstGeom prst="straightConnector1">
@@ -22097,7 +25120,7 @@
         </p:nvCxnSpPr>
         <p:spPr>
           <a:xfrm flipH="1" flipV="1">
-            <a:off x="2615831" y="3058107"/>
+            <a:off x="3119887" y="3778187"/>
             <a:ext cx="1" cy="316172"/>
           </a:xfrm>
           <a:prstGeom prst="straightConnector1">
@@ -22141,7 +25164,7 @@
         </p:nvCxnSpPr>
         <p:spPr>
           <a:xfrm>
-            <a:off x="1885449" y="2135811"/>
+            <a:off x="2389505" y="2855891"/>
             <a:ext cx="360039" cy="0"/>
           </a:xfrm>
           <a:prstGeom prst="straightConnector1">
@@ -22183,7 +25206,7 @@
         </p:nvGrpSpPr>
         <p:grpSpPr>
           <a:xfrm>
-            <a:off x="3452148" y="1356495"/>
+            <a:off x="3956204" y="2076575"/>
             <a:ext cx="461667" cy="1656184"/>
             <a:chOff x="2958205" y="1340768"/>
             <a:chExt cx="461667" cy="1656184"/>
@@ -22466,7 +25489,7 @@
             </p:nvSpPr>
             <p:spPr>
               <a:xfrm>
-                <a:off x="3370026" y="3419708"/>
+                <a:off x="3874082" y="4139788"/>
                 <a:ext cx="625910" cy="369332"/>
               </a:xfrm>
               <a:prstGeom prst="rect">
@@ -22508,19 +25531,7 @@
                             <a:rPr lang="hr-HR" sz="1800" b="0" i="1" smtClean="0">
                               <a:latin typeface="Cambria Math" panose="02040503050406030204" pitchFamily="18" charset="0"/>
                             </a:rPr>
-                            <m:t>&lt;</m:t>
-                          </m:r>
-                          <m:r>
-                            <a:rPr lang="hr-HR" sz="1800" b="0" i="1" smtClean="0">
-                              <a:latin typeface="Cambria Math" panose="02040503050406030204" pitchFamily="18" charset="0"/>
-                            </a:rPr>
-                            <m:t>3</m:t>
-                          </m:r>
-                          <m:r>
-                            <a:rPr lang="hr-HR" sz="1800" b="0" i="1" smtClean="0">
-                              <a:latin typeface="Cambria Math" panose="02040503050406030204" pitchFamily="18" charset="0"/>
-                            </a:rPr>
-                            <m:t>&gt;</m:t>
+                            <m:t>&lt;3&gt;</m:t>
                           </m:r>
                         </m:sup>
                       </m:sSup>
@@ -22549,7 +25560,7 @@
             </p:nvSpPr>
             <p:spPr>
               <a:xfrm>
-                <a:off x="3370026" y="3419708"/>
+                <a:off x="3874082" y="4139788"/>
                 <a:ext cx="625910" cy="369332"/>
               </a:xfrm>
               <a:prstGeom prst="rect">
@@ -22593,7 +25604,7 @@
             </p:nvSpPr>
             <p:spPr>
               <a:xfrm>
-                <a:off x="3370026" y="670991"/>
+                <a:off x="3874082" y="1391071"/>
                 <a:ext cx="625910" cy="369332"/>
               </a:xfrm>
               <a:prstGeom prst="rect">
@@ -22688,7 +25699,7 @@
             </p:nvSpPr>
             <p:spPr>
               <a:xfrm>
-                <a:off x="3370026" y="670991"/>
+                <a:off x="3874082" y="1391071"/>
                 <a:ext cx="625910" cy="369332"/>
               </a:xfrm>
               <a:prstGeom prst="rect">
@@ -22697,7 +25708,7 @@
               <a:blipFill>
                 <a:blip r:embed="rId9"/>
                 <a:stretch>
-                  <a:fillRect b="-3226"/>
+                  <a:fillRect b="-6667"/>
                 </a:stretch>
               </a:blipFill>
             </p:spPr>
@@ -22732,7 +25743,7 @@
         </p:nvCxnSpPr>
         <p:spPr>
           <a:xfrm flipH="1" flipV="1">
-            <a:off x="3682981" y="968315"/>
+            <a:off x="4187037" y="1688395"/>
             <a:ext cx="1" cy="316172"/>
           </a:xfrm>
           <a:prstGeom prst="straightConnector1">
@@ -22776,7 +25787,7 @@
         </p:nvCxnSpPr>
         <p:spPr>
           <a:xfrm flipH="1" flipV="1">
-            <a:off x="3683809" y="3058107"/>
+            <a:off x="4187865" y="3778187"/>
             <a:ext cx="1" cy="316172"/>
           </a:xfrm>
           <a:prstGeom prst="straightConnector1">
@@ -22820,7 +25831,7 @@
         </p:nvCxnSpPr>
         <p:spPr>
           <a:xfrm>
-            <a:off x="2937979" y="2135811"/>
+            <a:off x="3442035" y="2855891"/>
             <a:ext cx="360039" cy="0"/>
           </a:xfrm>
           <a:prstGeom prst="straightConnector1">
@@ -22862,7 +25873,7 @@
         </p:nvGrpSpPr>
         <p:grpSpPr>
           <a:xfrm>
-            <a:off x="6188452" y="1356495"/>
+            <a:off x="6692508" y="2076575"/>
             <a:ext cx="461667" cy="1656184"/>
             <a:chOff x="2958205" y="1340768"/>
             <a:chExt cx="461667" cy="1656184"/>
@@ -23145,7 +26156,7 @@
             </p:nvSpPr>
             <p:spPr>
               <a:xfrm>
-                <a:off x="6106330" y="3419708"/>
+                <a:off x="6610386" y="4139788"/>
                 <a:ext cx="625910" cy="369332"/>
               </a:xfrm>
               <a:prstGeom prst="rect">
@@ -23247,7 +26258,7 @@
             </p:nvSpPr>
             <p:spPr>
               <a:xfrm>
-                <a:off x="6106330" y="3419708"/>
+                <a:off x="6610386" y="4139788"/>
                 <a:ext cx="625910" cy="369332"/>
               </a:xfrm>
               <a:prstGeom prst="rect">
@@ -23291,7 +26302,7 @@
             </p:nvSpPr>
             <p:spPr>
               <a:xfrm>
-                <a:off x="6106330" y="670991"/>
+                <a:off x="6610386" y="1391071"/>
                 <a:ext cx="625910" cy="374590"/>
               </a:xfrm>
               <a:prstGeom prst="rect">
@@ -23405,7 +26416,7 @@
             </p:nvSpPr>
             <p:spPr>
               <a:xfrm>
-                <a:off x="6106330" y="670991"/>
+                <a:off x="6610386" y="1391071"/>
                 <a:ext cx="625910" cy="374590"/>
               </a:xfrm>
               <a:prstGeom prst="rect">
@@ -23449,7 +26460,7 @@
         </p:nvCxnSpPr>
         <p:spPr>
           <a:xfrm flipH="1" flipV="1">
-            <a:off x="6419285" y="968315"/>
+            <a:off x="6923341" y="1688395"/>
             <a:ext cx="1" cy="316172"/>
           </a:xfrm>
           <a:prstGeom prst="straightConnector1">
@@ -23493,7 +26504,7 @@
         </p:nvCxnSpPr>
         <p:spPr>
           <a:xfrm flipH="1" flipV="1">
-            <a:off x="6420113" y="3058107"/>
+            <a:off x="6924169" y="3778187"/>
             <a:ext cx="1" cy="316172"/>
           </a:xfrm>
           <a:prstGeom prst="straightConnector1">
@@ -23537,7 +26548,7 @@
         </p:nvCxnSpPr>
         <p:spPr>
           <a:xfrm>
-            <a:off x="5652120" y="2148583"/>
+            <a:off x="6156176" y="2868663"/>
             <a:ext cx="360039" cy="0"/>
           </a:xfrm>
           <a:prstGeom prst="straightConnector1">
@@ -23581,7 +26592,7 @@
             </p:nvSpPr>
             <p:spPr>
               <a:xfrm>
-                <a:off x="1763688" y="1779251"/>
+                <a:off x="2267744" y="2499331"/>
                 <a:ext cx="625910" cy="369332"/>
               </a:xfrm>
               <a:prstGeom prst="rect">
@@ -23623,19 +26634,7 @@
                             <a:rPr lang="hr-HR" sz="1800" b="0" i="1" smtClean="0">
                               <a:latin typeface="Cambria Math" panose="02040503050406030204" pitchFamily="18" charset="0"/>
                             </a:rPr>
-                            <m:t>&lt;</m:t>
-                          </m:r>
-                          <m:r>
-                            <a:rPr lang="hr-HR" sz="1800" b="0" i="1" smtClean="0">
-                              <a:latin typeface="Cambria Math" panose="02040503050406030204" pitchFamily="18" charset="0"/>
-                            </a:rPr>
-                            <m:t>1</m:t>
-                          </m:r>
-                          <m:r>
-                            <a:rPr lang="hr-HR" sz="1800" b="0" i="1" smtClean="0">
-                              <a:latin typeface="Cambria Math" panose="02040503050406030204" pitchFamily="18" charset="0"/>
-                            </a:rPr>
-                            <m:t>&gt;</m:t>
+                            <m:t>&lt;1&gt;</m:t>
                           </m:r>
                         </m:sup>
                       </m:sSup>
@@ -23664,7 +26663,7 @@
             </p:nvSpPr>
             <p:spPr>
               <a:xfrm>
-                <a:off x="1763688" y="1779251"/>
+                <a:off x="2267744" y="2499331"/>
                 <a:ext cx="625910" cy="369332"/>
               </a:xfrm>
               <a:prstGeom prst="rect">
@@ -23708,7 +26707,7 @@
             </p:nvSpPr>
             <p:spPr>
               <a:xfrm>
-                <a:off x="2805043" y="1786895"/>
+                <a:off x="3309099" y="2506975"/>
                 <a:ext cx="625910" cy="369332"/>
               </a:xfrm>
               <a:prstGeom prst="rect">
@@ -23750,19 +26749,7 @@
                             <a:rPr lang="hr-HR" sz="1800" b="0" i="1" smtClean="0">
                               <a:latin typeface="Cambria Math" panose="02040503050406030204" pitchFamily="18" charset="0"/>
                             </a:rPr>
-                            <m:t>&lt;</m:t>
-                          </m:r>
-                          <m:r>
-                            <a:rPr lang="hr-HR" sz="1800" b="0" i="1" smtClean="0">
-                              <a:latin typeface="Cambria Math" panose="02040503050406030204" pitchFamily="18" charset="0"/>
-                            </a:rPr>
-                            <m:t>2</m:t>
-                          </m:r>
-                          <m:r>
-                            <a:rPr lang="hr-HR" sz="1800" b="0" i="1" smtClean="0">
-                              <a:latin typeface="Cambria Math" panose="02040503050406030204" pitchFamily="18" charset="0"/>
-                            </a:rPr>
-                            <m:t>&gt;</m:t>
+                            <m:t>&lt;2&gt;</m:t>
                           </m:r>
                         </m:sup>
                       </m:sSup>
@@ -23791,7 +26778,7 @@
             </p:nvSpPr>
             <p:spPr>
               <a:xfrm>
-                <a:off x="2805043" y="1786895"/>
+                <a:off x="3309099" y="2506975"/>
                 <a:ext cx="625910" cy="369332"/>
               </a:xfrm>
               <a:prstGeom prst="rect">
@@ -23835,7 +26822,7 @@
         </p:nvCxnSpPr>
         <p:spPr>
           <a:xfrm>
-            <a:off x="4079026" y="2137459"/>
+            <a:off x="4583082" y="2857539"/>
             <a:ext cx="360039" cy="0"/>
           </a:xfrm>
           <a:prstGeom prst="straightConnector1">
@@ -23879,7 +26866,7 @@
             </p:nvSpPr>
             <p:spPr>
               <a:xfrm>
-                <a:off x="3946090" y="1788543"/>
+                <a:off x="4450146" y="2508623"/>
                 <a:ext cx="625910" cy="369332"/>
               </a:xfrm>
               <a:prstGeom prst="rect">
@@ -23921,19 +26908,7 @@
                             <a:rPr lang="hr-HR" sz="1800" b="0" i="1" smtClean="0">
                               <a:latin typeface="Cambria Math" panose="02040503050406030204" pitchFamily="18" charset="0"/>
                             </a:rPr>
-                            <m:t>&lt;</m:t>
-                          </m:r>
-                          <m:r>
-                            <a:rPr lang="hr-HR" sz="1800" b="0" i="1" smtClean="0">
-                              <a:latin typeface="Cambria Math" panose="02040503050406030204" pitchFamily="18" charset="0"/>
-                            </a:rPr>
-                            <m:t>3</m:t>
-                          </m:r>
-                          <m:r>
-                            <a:rPr lang="hr-HR" sz="1800" b="0" i="1" smtClean="0">
-                              <a:latin typeface="Cambria Math" panose="02040503050406030204" pitchFamily="18" charset="0"/>
-                            </a:rPr>
-                            <m:t>&gt;</m:t>
+                            <m:t>&lt;3&gt;</m:t>
                           </m:r>
                         </m:sup>
                       </m:sSup>
@@ -23962,7 +26937,7 @@
             </p:nvSpPr>
             <p:spPr>
               <a:xfrm>
-                <a:off x="3946090" y="1788543"/>
+                <a:off x="4450146" y="2508623"/>
                 <a:ext cx="625910" cy="369332"/>
               </a:xfrm>
               <a:prstGeom prst="rect">
@@ -24006,7 +26981,7 @@
             </p:nvSpPr>
             <p:spPr>
               <a:xfrm>
-                <a:off x="5292080" y="1788543"/>
+                <a:off x="5796136" y="2508623"/>
                 <a:ext cx="625910" cy="369332"/>
               </a:xfrm>
               <a:prstGeom prst="rect">
@@ -24079,13 +27054,7 @@
                             <a:rPr lang="hr-HR" sz="1800" b="0" i="1" smtClean="0">
                               <a:latin typeface="Cambria Math" panose="02040503050406030204" pitchFamily="18" charset="0"/>
                             </a:rPr>
-                            <m:t>−1</m:t>
-                          </m:r>
-                          <m:r>
-                            <a:rPr lang="hr-HR" sz="1800" b="0" i="1" smtClean="0">
-                              <a:latin typeface="Cambria Math" panose="02040503050406030204" pitchFamily="18" charset="0"/>
-                            </a:rPr>
-                            <m:t>&gt;</m:t>
+                            <m:t>−1&gt;</m:t>
                           </m:r>
                         </m:sup>
                       </m:sSup>
@@ -24114,7 +27083,7 @@
             </p:nvSpPr>
             <p:spPr>
               <a:xfrm>
-                <a:off x="5292080" y="1788543"/>
+                <a:off x="5796136" y="2508623"/>
                 <a:ext cx="625910" cy="369332"/>
               </a:xfrm>
               <a:prstGeom prst="rect">
@@ -24123,7 +27092,7 @@
               <a:blipFill>
                 <a:blip r:embed="rId15"/>
                 <a:stretch>
-                  <a:fillRect r="-43137"/>
+                  <a:fillRect r="-46000"/>
                 </a:stretch>
               </a:blipFill>
             </p:spPr>
@@ -24156,7 +27125,7 @@
         </p:nvSpPr>
         <p:spPr>
           <a:xfrm>
-            <a:off x="4644008" y="1923267"/>
+            <a:off x="5148064" y="2643347"/>
             <a:ext cx="463588" cy="369332"/>
           </a:xfrm>
           <a:prstGeom prst="rect">
@@ -24177,6 +27146,363 @@
           </a:p>
         </p:txBody>
       </p:sp>
+      <mc:AlternateContent xmlns:mc="http://schemas.openxmlformats.org/markup-compatibility/2006">
+        <mc:Choice xmlns:p14="http://schemas.microsoft.com/office/powerpoint/2010/main" Requires="p14">
+          <p:contentPart p14:bwMode="auto" r:id="rId16">
+            <p14:nvContentPartPr>
+              <p14:cNvPr id="3" name="Ink 2">
+                <a:extLst>
+                  <a:ext uri="{FF2B5EF4-FFF2-40B4-BE49-F238E27FC236}">
+                    <a16:creationId xmlns:a16="http://schemas.microsoft.com/office/drawing/2014/main" id="{5F6A2694-E720-B7E3-4DBB-A38FF199D4EC}"/>
+                  </a:ext>
+                </a:extLst>
+              </p14:cNvPr>
+              <p14:cNvContentPartPr/>
+              <p14:nvPr/>
+            </p14:nvContentPartPr>
+            <p14:xfrm>
+              <a:off x="1431360" y="3015360"/>
+              <a:ext cx="806400" cy="1049040"/>
+            </p14:xfrm>
+          </p:contentPart>
+        </mc:Choice>
+        <mc:Fallback>
+          <p:pic>
+            <p:nvPicPr>
+              <p:cNvPr id="3" name="Ink 2">
+                <a:extLst>
+                  <a:ext uri="{FF2B5EF4-FFF2-40B4-BE49-F238E27FC236}">
+                    <a16:creationId xmlns:a16="http://schemas.microsoft.com/office/drawing/2014/main" id="{5F6A2694-E720-B7E3-4DBB-A38FF199D4EC}"/>
+                  </a:ext>
+                </a:extLst>
+              </p:cNvPr>
+              <p:cNvPicPr/>
+              <p:nvPr/>
+            </p:nvPicPr>
+            <p:blipFill>
+              <a:blip r:embed="rId17"/>
+              <a:stretch>
+                <a:fillRect/>
+              </a:stretch>
+            </p:blipFill>
+            <p:spPr>
+              <a:xfrm>
+                <a:off x="1422000" y="3006000"/>
+                <a:ext cx="825120" cy="1067760"/>
+              </a:xfrm>
+              <a:prstGeom prst="rect">
+                <a:avLst/>
+              </a:prstGeom>
+            </p:spPr>
+          </p:pic>
+        </mc:Fallback>
+      </mc:AlternateContent>
+      <mc:AlternateContent xmlns:mc="http://schemas.openxmlformats.org/markup-compatibility/2006">
+        <mc:Choice xmlns:p14="http://schemas.microsoft.com/office/powerpoint/2010/main" Requires="p14">
+          <p:contentPart p14:bwMode="auto" r:id="rId18">
+            <p14:nvContentPartPr>
+              <p14:cNvPr id="4" name="Ink 3">
+                <a:extLst>
+                  <a:ext uri="{FF2B5EF4-FFF2-40B4-BE49-F238E27FC236}">
+                    <a16:creationId xmlns:a16="http://schemas.microsoft.com/office/drawing/2014/main" id="{0C8379AD-F864-A8A9-7C75-C193A8124F66}"/>
+                  </a:ext>
+                </a:extLst>
+              </p14:cNvPr>
+              <p14:cNvContentPartPr/>
+              <p14:nvPr/>
+            </p14:nvContentPartPr>
+            <p14:xfrm>
+              <a:off x="2134080" y="1690200"/>
+              <a:ext cx="585360" cy="1413000"/>
+            </p14:xfrm>
+          </p:contentPart>
+        </mc:Choice>
+        <mc:Fallback>
+          <p:pic>
+            <p:nvPicPr>
+              <p:cNvPr id="4" name="Ink 3">
+                <a:extLst>
+                  <a:ext uri="{FF2B5EF4-FFF2-40B4-BE49-F238E27FC236}">
+                    <a16:creationId xmlns:a16="http://schemas.microsoft.com/office/drawing/2014/main" id="{0C8379AD-F864-A8A9-7C75-C193A8124F66}"/>
+                  </a:ext>
+                </a:extLst>
+              </p:cNvPr>
+              <p:cNvPicPr/>
+              <p:nvPr/>
+            </p:nvPicPr>
+            <p:blipFill>
+              <a:blip r:embed="rId19"/>
+              <a:stretch>
+                <a:fillRect/>
+              </a:stretch>
+            </p:blipFill>
+            <p:spPr>
+              <a:xfrm>
+                <a:off x="2124720" y="1680840"/>
+                <a:ext cx="604080" cy="1431720"/>
+              </a:xfrm>
+              <a:prstGeom prst="rect">
+                <a:avLst/>
+              </a:prstGeom>
+            </p:spPr>
+          </p:pic>
+        </mc:Fallback>
+      </mc:AlternateContent>
+      <mc:AlternateContent xmlns:mc="http://schemas.openxmlformats.org/markup-compatibility/2006">
+        <mc:Choice xmlns:p14="http://schemas.microsoft.com/office/powerpoint/2010/main" Requires="p14">
+          <p:contentPart p14:bwMode="auto" r:id="rId20">
+            <p14:nvContentPartPr>
+              <p14:cNvPr id="56" name="Ink 55">
+                <a:extLst>
+                  <a:ext uri="{FF2B5EF4-FFF2-40B4-BE49-F238E27FC236}">
+                    <a16:creationId xmlns:a16="http://schemas.microsoft.com/office/drawing/2014/main" id="{F9D5471C-3B3B-338F-E094-3BD9A25E30C1}"/>
+                  </a:ext>
+                </a:extLst>
+              </p14:cNvPr>
+              <p14:cNvContentPartPr/>
+              <p14:nvPr/>
+            </p14:nvContentPartPr>
+            <p14:xfrm>
+              <a:off x="3180240" y="1723320"/>
+              <a:ext cx="3943800" cy="2364840"/>
+            </p14:xfrm>
+          </p:contentPart>
+        </mc:Choice>
+        <mc:Fallback>
+          <p:pic>
+            <p:nvPicPr>
+              <p:cNvPr id="56" name="Ink 55">
+                <a:extLst>
+                  <a:ext uri="{FF2B5EF4-FFF2-40B4-BE49-F238E27FC236}">
+                    <a16:creationId xmlns:a16="http://schemas.microsoft.com/office/drawing/2014/main" id="{F9D5471C-3B3B-338F-E094-3BD9A25E30C1}"/>
+                  </a:ext>
+                </a:extLst>
+              </p:cNvPr>
+              <p:cNvPicPr/>
+              <p:nvPr/>
+            </p:nvPicPr>
+            <p:blipFill>
+              <a:blip r:embed="rId21"/>
+              <a:stretch>
+                <a:fillRect/>
+              </a:stretch>
+            </p:blipFill>
+            <p:spPr>
+              <a:xfrm>
+                <a:off x="3170880" y="1713960"/>
+                <a:ext cx="3962520" cy="2383560"/>
+              </a:xfrm>
+              <a:prstGeom prst="rect">
+                <a:avLst/>
+              </a:prstGeom>
+            </p:spPr>
+          </p:pic>
+        </mc:Fallback>
+      </mc:AlternateContent>
+      <mc:AlternateContent xmlns:mc="http://schemas.openxmlformats.org/markup-compatibility/2006">
+        <mc:Choice xmlns:p14="http://schemas.microsoft.com/office/powerpoint/2010/main" Requires="p14">
+          <p:contentPart p14:bwMode="auto" r:id="rId22">
+            <p14:nvContentPartPr>
+              <p14:cNvPr id="57" name="Ink 56">
+                <a:extLst>
+                  <a:ext uri="{FF2B5EF4-FFF2-40B4-BE49-F238E27FC236}">
+                    <a16:creationId xmlns:a16="http://schemas.microsoft.com/office/drawing/2014/main" id="{317E6B33-9747-76E1-CFE0-53E9404B5202}"/>
+                  </a:ext>
+                </a:extLst>
+              </p14:cNvPr>
+              <p14:cNvContentPartPr/>
+              <p14:nvPr/>
+            </p14:nvContentPartPr>
+            <p14:xfrm>
+              <a:off x="6144480" y="1757520"/>
+              <a:ext cx="684000" cy="797040"/>
+            </p14:xfrm>
+          </p:contentPart>
+        </mc:Choice>
+        <mc:Fallback>
+          <p:pic>
+            <p:nvPicPr>
+              <p:cNvPr id="57" name="Ink 56">
+                <a:extLst>
+                  <a:ext uri="{FF2B5EF4-FFF2-40B4-BE49-F238E27FC236}">
+                    <a16:creationId xmlns:a16="http://schemas.microsoft.com/office/drawing/2014/main" id="{317E6B33-9747-76E1-CFE0-53E9404B5202}"/>
+                  </a:ext>
+                </a:extLst>
+              </p:cNvPr>
+              <p:cNvPicPr/>
+              <p:nvPr/>
+            </p:nvPicPr>
+            <p:blipFill>
+              <a:blip r:embed="rId23"/>
+              <a:stretch>
+                <a:fillRect/>
+              </a:stretch>
+            </p:blipFill>
+            <p:spPr>
+              <a:xfrm>
+                <a:off x="6135120" y="1748160"/>
+                <a:ext cx="702720" cy="815760"/>
+              </a:xfrm>
+              <a:prstGeom prst="rect">
+                <a:avLst/>
+              </a:prstGeom>
+            </p:spPr>
+          </p:pic>
+        </mc:Fallback>
+      </mc:AlternateContent>
+      <mc:AlternateContent xmlns:mc="http://schemas.openxmlformats.org/markup-compatibility/2006">
+        <mc:Choice xmlns:p14="http://schemas.microsoft.com/office/powerpoint/2010/main" Requires="p14">
+          <p:contentPart p14:bwMode="auto" r:id="rId24">
+            <p14:nvContentPartPr>
+              <p14:cNvPr id="58" name="Ink 57">
+                <a:extLst>
+                  <a:ext uri="{FF2B5EF4-FFF2-40B4-BE49-F238E27FC236}">
+                    <a16:creationId xmlns:a16="http://schemas.microsoft.com/office/drawing/2014/main" id="{95B107A9-5765-6980-2C88-651C851817BA}"/>
+                  </a:ext>
+                </a:extLst>
+              </p14:cNvPr>
+              <p14:cNvContentPartPr/>
+              <p14:nvPr/>
+            </p14:nvContentPartPr>
+            <p14:xfrm>
+              <a:off x="3978720" y="1757520"/>
+              <a:ext cx="933840" cy="802080"/>
+            </p14:xfrm>
+          </p:contentPart>
+        </mc:Choice>
+        <mc:Fallback>
+          <p:pic>
+            <p:nvPicPr>
+              <p:cNvPr id="58" name="Ink 57">
+                <a:extLst>
+                  <a:ext uri="{FF2B5EF4-FFF2-40B4-BE49-F238E27FC236}">
+                    <a16:creationId xmlns:a16="http://schemas.microsoft.com/office/drawing/2014/main" id="{95B107A9-5765-6980-2C88-651C851817BA}"/>
+                  </a:ext>
+                </a:extLst>
+              </p:cNvPr>
+              <p:cNvPicPr/>
+              <p:nvPr/>
+            </p:nvPicPr>
+            <p:blipFill>
+              <a:blip r:embed="rId25"/>
+              <a:stretch>
+                <a:fillRect/>
+              </a:stretch>
+            </p:blipFill>
+            <p:spPr>
+              <a:xfrm>
+                <a:off x="3969360" y="1748160"/>
+                <a:ext cx="952560" cy="820800"/>
+              </a:xfrm>
+              <a:prstGeom prst="rect">
+                <a:avLst/>
+              </a:prstGeom>
+            </p:spPr>
+          </p:pic>
+        </mc:Fallback>
+      </mc:AlternateContent>
+      <mc:AlternateContent xmlns:mc="http://schemas.openxmlformats.org/markup-compatibility/2006">
+        <mc:Choice xmlns:p14="http://schemas.microsoft.com/office/powerpoint/2010/main" Requires="p14">
+          <p:contentPart p14:bwMode="auto" r:id="rId26">
+            <p14:nvContentPartPr>
+              <p14:cNvPr id="59" name="Ink 58">
+                <a:extLst>
+                  <a:ext uri="{FF2B5EF4-FFF2-40B4-BE49-F238E27FC236}">
+                    <a16:creationId xmlns:a16="http://schemas.microsoft.com/office/drawing/2014/main" id="{D392E474-0685-AB33-3E8D-09EDE8A6F848}"/>
+                  </a:ext>
+                </a:extLst>
+              </p14:cNvPr>
+              <p14:cNvContentPartPr/>
+              <p14:nvPr/>
+            </p14:nvContentPartPr>
+            <p14:xfrm>
+              <a:off x="3454920" y="2434680"/>
+              <a:ext cx="329760" cy="143640"/>
+            </p14:xfrm>
+          </p:contentPart>
+        </mc:Choice>
+        <mc:Fallback>
+          <p:pic>
+            <p:nvPicPr>
+              <p:cNvPr id="59" name="Ink 58">
+                <a:extLst>
+                  <a:ext uri="{FF2B5EF4-FFF2-40B4-BE49-F238E27FC236}">
+                    <a16:creationId xmlns:a16="http://schemas.microsoft.com/office/drawing/2014/main" id="{D392E474-0685-AB33-3E8D-09EDE8A6F848}"/>
+                  </a:ext>
+                </a:extLst>
+              </p:cNvPr>
+              <p:cNvPicPr/>
+              <p:nvPr/>
+            </p:nvPicPr>
+            <p:blipFill>
+              <a:blip r:embed="rId27"/>
+              <a:stretch>
+                <a:fillRect/>
+              </a:stretch>
+            </p:blipFill>
+            <p:spPr>
+              <a:xfrm>
+                <a:off x="3445560" y="2425320"/>
+                <a:ext cx="348480" cy="162360"/>
+              </a:xfrm>
+              <a:prstGeom prst="rect">
+                <a:avLst/>
+              </a:prstGeom>
+            </p:spPr>
+          </p:pic>
+        </mc:Fallback>
+      </mc:AlternateContent>
+      <mc:AlternateContent xmlns:mc="http://schemas.openxmlformats.org/markup-compatibility/2006">
+        <mc:Choice xmlns:p14="http://schemas.microsoft.com/office/powerpoint/2010/main" Requires="p14">
+          <p:contentPart p14:bwMode="auto" r:id="rId28">
+            <p14:nvContentPartPr>
+              <p14:cNvPr id="60" name="Ink 59">
+                <a:extLst>
+                  <a:ext uri="{FF2B5EF4-FFF2-40B4-BE49-F238E27FC236}">
+                    <a16:creationId xmlns:a16="http://schemas.microsoft.com/office/drawing/2014/main" id="{2657441B-E0CE-6F5F-E7CD-48D6A89F60D9}"/>
+                  </a:ext>
+                </a:extLst>
+              </p14:cNvPr>
+              <p14:cNvContentPartPr/>
+              <p14:nvPr/>
+            </p14:nvContentPartPr>
+            <p14:xfrm>
+              <a:off x="1353960" y="1722960"/>
+              <a:ext cx="1679400" cy="1042920"/>
+            </p14:xfrm>
+          </p:contentPart>
+        </mc:Choice>
+        <mc:Fallback>
+          <p:pic>
+            <p:nvPicPr>
+              <p:cNvPr id="60" name="Ink 59">
+                <a:extLst>
+                  <a:ext uri="{FF2B5EF4-FFF2-40B4-BE49-F238E27FC236}">
+                    <a16:creationId xmlns:a16="http://schemas.microsoft.com/office/drawing/2014/main" id="{2657441B-E0CE-6F5F-E7CD-48D6A89F60D9}"/>
+                  </a:ext>
+                </a:extLst>
+              </p:cNvPr>
+              <p:cNvPicPr/>
+              <p:nvPr/>
+            </p:nvPicPr>
+            <p:blipFill>
+              <a:blip r:embed="rId29"/>
+              <a:stretch>
+                <a:fillRect/>
+              </a:stretch>
+            </p:blipFill>
+            <p:spPr>
+              <a:xfrm>
+                <a:off x="1344600" y="1713600"/>
+                <a:ext cx="1698120" cy="1061640"/>
+              </a:xfrm>
+              <a:prstGeom prst="rect">
+                <a:avLst/>
+              </a:prstGeom>
+            </p:spPr>
+          </p:pic>
+        </mc:Fallback>
+      </mc:AlternateContent>
     </p:spTree>
     <p:extLst>
       <p:ext uri="{BB962C8B-B14F-4D97-AF65-F5344CB8AC3E}">
